--- a/yang-manager/reports/YangArchiCameraReady.pptx
+++ b/yang-manager/reports/YangArchiCameraReady.pptx
@@ -216,7 +216,7 @@
             <a:fld id="{69351470-D01B-924B-AB3C-0D4571B89327}" type="datetime1">
               <a:rPr lang="fr-FR" smtClean="0"/>
               <a:pPr/>
-              <a:t>15/12/09</a:t>
+              <a:t>24/12/09</a:t>
             </a:fld>
             <a:endParaRPr lang="fr-FR"/>
           </a:p>
@@ -379,7 +379,7 @@
             <a:fld id="{94DC8044-5188-1245-98C0-4935C45961F4}" type="datetime1">
               <a:rPr lang="fr-FR" smtClean="0"/>
               <a:pPr/>
-              <a:t>15/12/09</a:t>
+              <a:t>24/12/09</a:t>
             </a:fld>
             <a:endParaRPr lang="fr-FR"/>
           </a:p>
@@ -721,35 +721,7 @@
                 <a:latin typeface="Times New Roman"/>
                 <a:cs typeface="Times New Roman"/>
               </a:rPr>
-              <a:t> are of increasing complexity and have to be configured to guarantee proper operation. Within the IETF, current efforts are focused on both a protocol and a data model definition language for configuration management. The NETCONF protocol describes the communication between</a:t>
-            </a:r>
-            <a:r>
-              <a:rPr lang="en-US" sz="1000" baseline="0" noProof="0" dirty="0" smtClean="0">
-                <a:latin typeface="Times New Roman"/>
-                <a:cs typeface="Times New Roman"/>
-              </a:rPr>
-              <a:t> devices </a:t>
-            </a:r>
-            <a:r>
-              <a:rPr lang="en-US" sz="1000" baseline="0" noProof="0" dirty="0" smtClean="0">
-                <a:latin typeface="Times New Roman"/>
-                <a:cs typeface="Times New Roman"/>
-              </a:rPr>
-              <a:t>to be configured and</a:t>
-            </a:r>
-            <a:r>
-              <a:rPr lang="en-US" sz="1000" baseline="0" noProof="0" dirty="0" smtClean="0">
-                <a:latin typeface="Times New Roman"/>
-                <a:cs typeface="Times New Roman"/>
-              </a:rPr>
-              <a:t> configuration </a:t>
-            </a:r>
-            <a:r>
-              <a:rPr lang="en-US" sz="1000" baseline="0" noProof="0" dirty="0" smtClean="0">
-                <a:latin typeface="Times New Roman"/>
-                <a:cs typeface="Times New Roman"/>
-              </a:rPr>
-              <a:t>applications. </a:t>
+              <a:t> are of increasing complexity and have to be configured to guarantee proper operation. Within the IETF, current efforts are focused on both a protocol and a data model definition language for configuration management. The NETCONF protocol describes the communication between devices to be configured and configuration applications. </a:t>
             </a:r>
             <a:r>
               <a:rPr lang="fr-FR" sz="1000" baseline="0" noProof="0" dirty="0" smtClean="0">
@@ -803,14 +775,7 @@
                 <a:latin typeface="Times New Roman"/>
                 <a:cs typeface="Times New Roman"/>
               </a:rPr>
-              <a:t>We present in this paper the result of the integration of YANG and NETCONF in the ENSUITE open source framework. We illustrate this integration through a YANG-based configuration navigation and edition</a:t>
-            </a:r>
-            <a:r>
-              <a:rPr lang="en-US" sz="1000" baseline="0" noProof="0" dirty="0" smtClean="0">
-                <a:latin typeface="Times New Roman"/>
-                <a:cs typeface="Times New Roman"/>
-              </a:rPr>
-              <a:t> application that works with YANG-enabled devices.</a:t>
+              <a:t>We present in this paper the result of the integration of YANG and NETCONF in the ENSUITE open source framework. We illustrate this integration through a YANG-based configuration navigation and edition application that works with YANG-enabled devices.</a:t>
             </a:r>
           </a:p>
           <a:p>
@@ -1653,112 +1618,35 @@
                 <a:latin typeface="Times New Roman"/>
                 <a:cs typeface="Times New Roman"/>
               </a:rPr>
-              <a:t> management importance is increasing with the growing size and the complexity of network </a:t>
+              <a:t> management importance is increasing with the growing size and the complexity of network resources and applications. In the Internet context, the </a:t>
+            </a:r>
+            <a:r>
+              <a:rPr lang="en-US" sz="1000" baseline="0" noProof="0" dirty="0" err="1" smtClean="0">
+                <a:latin typeface="Times New Roman"/>
+                <a:cs typeface="Times New Roman"/>
+              </a:rPr>
+              <a:t>netconf</a:t>
             </a:r>
             <a:r>
               <a:rPr lang="en-US" sz="1000" baseline="0" noProof="0" dirty="0" smtClean="0">
                 <a:latin typeface="Times New Roman"/>
                 <a:cs typeface="Times New Roman"/>
               </a:rPr>
-              <a:t>resources and applications. </a:t>
+              <a:t> working group has proposed the </a:t>
+            </a:r>
+            <a:r>
+              <a:rPr lang="fr-FR" sz="1000" baseline="0" noProof="0" dirty="0" smtClean="0">
+                <a:latin typeface="Times New Roman"/>
+                <a:cs typeface="Times New Roman"/>
+              </a:rPr>
+              <a:t>NETCONF</a:t>
             </a:r>
             <a:r>
               <a:rPr lang="en-US" sz="1000" baseline="0" noProof="0" dirty="0" smtClean="0">
                 <a:latin typeface="Times New Roman"/>
                 <a:cs typeface="Times New Roman"/>
               </a:rPr>
-              <a:t>In the Internet context, the </a:t>
-            </a:r>
-            <a:r>
-              <a:rPr lang="en-US" sz="1000" baseline="0" noProof="0" dirty="0" err="1" smtClean="0">
-                <a:latin typeface="Times New Roman"/>
-                <a:cs typeface="Times New Roman"/>
-              </a:rPr>
-              <a:t>netconf</a:t>
-            </a:r>
-            <a:r>
-              <a:rPr lang="en-US" sz="1000" baseline="0" noProof="0" dirty="0" smtClean="0">
-                <a:latin typeface="Times New Roman"/>
-                <a:cs typeface="Times New Roman"/>
-              </a:rPr>
-              <a:t> working group has proposed the </a:t>
-            </a:r>
-            <a:r>
-              <a:rPr lang="fr-FR" sz="1000" baseline="0" noProof="0" dirty="0" smtClean="0">
-                <a:latin typeface="Times New Roman"/>
-                <a:cs typeface="Times New Roman"/>
-              </a:rPr>
-              <a:t>NETCONF</a:t>
-            </a:r>
-            <a:r>
-              <a:rPr lang="en-US" sz="1000" baseline="0" noProof="0" dirty="0" smtClean="0">
-                <a:latin typeface="Times New Roman"/>
-                <a:cs typeface="Times New Roman"/>
-              </a:rPr>
-              <a:t> protocol [1] as a standard to manage configuration of network devices. This protocol is tailored to configuration operation  i.e. setting and/or getting configuration data values to/from </a:t>
-            </a:r>
-            <a:r>
-              <a:rPr lang="en-US" sz="1000" baseline="0" noProof="0" dirty="0" smtClean="0">
-                <a:latin typeface="Times New Roman"/>
-                <a:cs typeface="Times New Roman"/>
-              </a:rPr>
-              <a:t>devices with an RPC mechanism. Data values </a:t>
-            </a:r>
-            <a:r>
-              <a:rPr lang="en-US" sz="1000" baseline="0" noProof="0" dirty="0" smtClean="0">
-                <a:latin typeface="Times New Roman"/>
-                <a:cs typeface="Times New Roman"/>
-              </a:rPr>
-              <a:t>are</a:t>
-            </a:r>
-            <a:r>
-              <a:rPr lang="en-US" sz="1000" baseline="0" noProof="0" dirty="0" smtClean="0">
-                <a:latin typeface="Times New Roman"/>
-                <a:cs typeface="Times New Roman"/>
-              </a:rPr>
-              <a:t> transmitted inside XML </a:t>
-            </a:r>
-            <a:r>
-              <a:rPr lang="en-US" sz="1000" baseline="0" noProof="0" dirty="0" smtClean="0">
-                <a:latin typeface="Times New Roman"/>
-                <a:cs typeface="Times New Roman"/>
-              </a:rPr>
-              <a:t>document. The standardization body</a:t>
-            </a:r>
-            <a:r>
-              <a:rPr lang="en-US" sz="1000" baseline="0" noProof="0" dirty="0" smtClean="0">
-                <a:latin typeface="Times New Roman"/>
-                <a:cs typeface="Times New Roman"/>
-              </a:rPr>
-              <a:t> acknowledges this </a:t>
-            </a:r>
-            <a:r>
-              <a:rPr lang="en-US" sz="1000" baseline="0" noProof="0" dirty="0" smtClean="0">
-                <a:latin typeface="Times New Roman"/>
-                <a:cs typeface="Times New Roman"/>
-              </a:rPr>
-              <a:t>should be improved by a data </a:t>
-            </a:r>
-            <a:r>
-              <a:rPr lang="en-US" sz="1000" baseline="0" noProof="0" dirty="0" smtClean="0">
-                <a:latin typeface="Times New Roman"/>
-                <a:cs typeface="Times New Roman"/>
-              </a:rPr>
-              <a:t>modeling language </a:t>
-            </a:r>
-            <a:r>
-              <a:rPr lang="en-US" sz="1000" baseline="0" noProof="0" dirty="0" smtClean="0">
-                <a:latin typeface="Times New Roman"/>
-                <a:cs typeface="Times New Roman"/>
-              </a:rPr>
-              <a:t>that will</a:t>
-            </a:r>
-            <a:r>
-              <a:rPr lang="en-US" sz="1000" baseline="0" noProof="0" dirty="0" smtClean="0">
-                <a:latin typeface="Times New Roman"/>
-                <a:cs typeface="Times New Roman"/>
-              </a:rPr>
-              <a:t> describes these data values. </a:t>
+              <a:t> protocol [1] as a standard to manage configuration of network devices. This protocol is tailored to configuration operation  i.e. setting and/or getting configuration data values to/from devices with an RPC mechanism. Data values are transmitted inside XML document. The standardization body acknowledges this should be improved by a data modeling language that will describes these data values. </a:t>
             </a:r>
           </a:p>
           <a:p>
@@ -1870,28 +1758,7 @@
                 <a:latin typeface="Times New Roman"/>
                 <a:cs typeface="Times New Roman"/>
               </a:rPr>
-              <a:t> working group. YANG can be compared to SMI [3] in the SNMP [4] framework because it is a data modeling language</a:t>
-            </a:r>
-            <a:r>
-              <a:rPr lang="en-US" sz="1000" baseline="0" noProof="0" dirty="0" smtClean="0">
-                <a:latin typeface="Times New Roman"/>
-                <a:cs typeface="Times New Roman"/>
-              </a:rPr>
-              <a:t> where data </a:t>
-            </a:r>
-            <a:r>
-              <a:rPr lang="en-US" sz="1000" baseline="0" noProof="0" dirty="0" smtClean="0">
-                <a:latin typeface="Times New Roman"/>
-                <a:cs typeface="Times New Roman"/>
-              </a:rPr>
-              <a:t>values are distributed and accessible through a </a:t>
-            </a:r>
-            <a:r>
-              <a:rPr lang="en-US" sz="1000" baseline="0" noProof="0" dirty="0" smtClean="0">
-                <a:latin typeface="Times New Roman"/>
-                <a:cs typeface="Times New Roman"/>
-              </a:rPr>
-              <a:t>protocol. In the same way, a YANG specification is a reference document used by device vendor and application developer. </a:t>
+              <a:t> working group. YANG can be compared to SMI [3] in the SNMP [4] framework because it is a data modeling language where data values are distributed and accessible through a protocol. In the same way, a YANG specification is a reference document used by device vendor and application developer. </a:t>
             </a:r>
           </a:p>
           <a:p>
@@ -2359,92 +2226,117 @@
                 <a:latin typeface="Times New Roman"/>
                 <a:cs typeface="Times New Roman"/>
               </a:rPr>
-              <a:t>Data models written with YANG describe hierarchical organization of configuration data. A YANG module is one data model related to a specific configuration purpose, as for example network configuration, or a generic, reusable, set of data models. The left part of the figure 3 shows a YANG module called network. A </a:t>
+              <a:t>Data models written with YANG describe hierarchical organization of configuration data. A YANG module is one data model related to a specific configuration purpose, as for example network configuration, or a generic, reusable, set of data models. The left part of the figure 3 shows a YANG module called network. A module must first defines its name space (line 2)</a:t>
             </a:r>
             <a:r>
               <a:rPr lang="en-US" sz="1000" b="0" i="0" baseline="0" dirty="0" smtClean="0">
                 <a:latin typeface="Times New Roman"/>
                 <a:cs typeface="Times New Roman"/>
               </a:rPr>
-              <a:t>module</a:t>
+              <a:t> that must be unique among all YANG models. </a:t>
             </a:r>
             <a:r>
               <a:rPr lang="en-US" sz="1000" b="0" i="0" baseline="0" dirty="0" smtClean="0">
                 <a:latin typeface="Times New Roman"/>
                 <a:cs typeface="Times New Roman"/>
               </a:rPr>
-              <a:t> must first defines its </a:t>
+              <a:t>If needed, a module can import</a:t>
             </a:r>
             <a:r>
               <a:rPr lang="en-US" sz="1000" b="0" i="0" baseline="0" dirty="0" smtClean="0">
                 <a:latin typeface="Times New Roman"/>
                 <a:cs typeface="Times New Roman"/>
               </a:rPr>
-              <a:t>name space (line </a:t>
+              <a:t> other YANG models (</a:t>
             </a:r>
             <a:r>
               <a:rPr lang="en-US" sz="1000" b="0" i="0" baseline="0" dirty="0" smtClean="0">
                 <a:latin typeface="Times New Roman"/>
                 <a:cs typeface="Times New Roman"/>
               </a:rPr>
-              <a:t>2) </a:t>
+              <a:t>line 3, the “</a:t>
+            </a:r>
+            <a:r>
+              <a:rPr lang="en-US" sz="1000" b="0" i="0" baseline="0" dirty="0" err="1" smtClean="0">
+                <a:latin typeface="Times New Roman"/>
+                <a:cs typeface="Times New Roman"/>
+              </a:rPr>
+              <a:t>ietf</a:t>
             </a:r>
             <a:r>
               <a:rPr lang="en-US" sz="1000" b="0" i="0" baseline="0" dirty="0" smtClean="0">
                 <a:latin typeface="Times New Roman"/>
                 <a:cs typeface="Times New Roman"/>
               </a:rPr>
-              <a:t>to ensure</a:t>
+              <a:t>-yang-types” reference is a YANG module [7] with useful types intended to be used by other modules). Not shown in the figure</a:t>
             </a:r>
             <a:r>
               <a:rPr lang="en-US" sz="1000" b="0" i="0" baseline="0" dirty="0" smtClean="0">
                 <a:latin typeface="Times New Roman"/>
                 <a:cs typeface="Times New Roman"/>
               </a:rPr>
-              <a:t> a globally unique naming of its model. If needed, a module </a:t>
+              <a:t>, a module can be split in several </a:t>
+            </a:r>
+            <a:r>
+              <a:rPr lang="en-US" sz="1000" b="0" i="0" baseline="0" dirty="0" err="1" smtClean="0">
+                <a:latin typeface="Times New Roman"/>
+                <a:cs typeface="Times New Roman"/>
+              </a:rPr>
+              <a:t>submodules</a:t>
             </a:r>
             <a:r>
               <a:rPr lang="en-US" sz="1000" b="0" i="0" baseline="0" dirty="0" smtClean="0">
                 <a:latin typeface="Times New Roman"/>
                 <a:cs typeface="Times New Roman"/>
               </a:rPr>
-              <a:t>can</a:t>
+              <a:t> if it </a:t>
             </a:r>
             <a:r>
               <a:rPr lang="en-US" sz="1000" b="0" i="0" baseline="0" dirty="0" smtClean="0">
                 <a:latin typeface="Times New Roman"/>
                 <a:cs typeface="Times New Roman"/>
               </a:rPr>
-              <a:t> import data models from other modules to defines its model (line 3, the </a:t>
+              <a:t>seems to be too</a:t>
             </a:r>
             <a:r>
               <a:rPr lang="en-US" sz="1000" b="0" i="0" baseline="0" dirty="0" smtClean="0">
                 <a:latin typeface="Times New Roman"/>
                 <a:cs typeface="Times New Roman"/>
               </a:rPr>
-              <a:t>“</a:t>
-            </a:r>
-            <a:r>
-              <a:rPr lang="en-US" sz="1000" b="0" i="0" baseline="0" dirty="0" err="1" smtClean="0">
-                <a:latin typeface="Times New Roman"/>
-                <a:cs typeface="Times New Roman"/>
-              </a:rPr>
-              <a:t>ietf</a:t>
+              <a:t> much complex </a:t>
             </a:r>
             <a:r>
               <a:rPr lang="en-US" sz="1000" b="0" i="0" baseline="0" dirty="0" smtClean="0">
                 <a:latin typeface="Times New Roman"/>
                 <a:cs typeface="Times New Roman"/>
               </a:rPr>
-              <a:t>-yang-types” reference is a YANG module [7] with useful types intended to be used by other </a:t>
+              <a:t>or</a:t>
             </a:r>
             <a:r>
               <a:rPr lang="en-US" sz="1000" b="0" i="0" baseline="0" dirty="0" smtClean="0">
                 <a:latin typeface="Times New Roman"/>
                 <a:cs typeface="Times New Roman"/>
               </a:rPr>
-              <a:t>modules). Not shown in the figure, but if a module seems to be too big or a mix of contrastive configuration data then it can be split in several submodules and the main module have to include them. </a:t>
-            </a:r>
+              <a:t> contains a </a:t>
+            </a:r>
+            <a:r>
+              <a:rPr lang="en-US" sz="1000" b="0" i="0" baseline="0" dirty="0" smtClean="0">
+                <a:latin typeface="Times New Roman"/>
+                <a:cs typeface="Times New Roman"/>
+              </a:rPr>
+              <a:t>mix of contrastive </a:t>
+            </a:r>
+            <a:r>
+              <a:rPr lang="en-US" sz="1000" b="0" i="0" baseline="0" dirty="0" smtClean="0">
+                <a:latin typeface="Times New Roman"/>
+                <a:cs typeface="Times New Roman"/>
+              </a:rPr>
+              <a:t>configuration data. </a:t>
+            </a:r>
+            <a:endParaRPr lang="en-US" sz="1000" b="0" i="0" baseline="0" dirty="0" smtClean="0">
+              <a:latin typeface="Times New Roman"/>
+              <a:cs typeface="Times New Roman"/>
+            </a:endParaRPr>
           </a:p>
           <a:p>
             <a:pPr algn="just"/>
@@ -2460,28 +2352,49 @@
                 <a:latin typeface="Times New Roman"/>
                 <a:cs typeface="Times New Roman"/>
               </a:rPr>
-              <a:t>YANG  defines a limited set of build</a:t>
+              <a:t>YANG  defines a limited set of build-in types such as string, </a:t>
+            </a:r>
+            <a:r>
+              <a:rPr lang="en-US" sz="1000" b="0" i="0" baseline="0" dirty="0" err="1" smtClean="0">
+                <a:latin typeface="Times New Roman"/>
+                <a:cs typeface="Times New Roman"/>
+              </a:rPr>
+              <a:t>boolean</a:t>
             </a:r>
             <a:r>
               <a:rPr lang="en-US" sz="1000" b="0" i="0" baseline="0" dirty="0" smtClean="0">
                 <a:latin typeface="Times New Roman"/>
                 <a:cs typeface="Times New Roman"/>
               </a:rPr>
-              <a:t>-in types such as string, </a:t>
+              <a:t> and integer. </a:t>
+            </a:r>
+            <a:r>
+              <a:rPr lang="en-US" sz="1000" b="0" i="0" baseline="0" dirty="0" smtClean="0">
+                <a:latin typeface="Times New Roman"/>
+                <a:cs typeface="Times New Roman"/>
+              </a:rPr>
+              <a:t>These basic types can be used to create other types with a “</a:t>
             </a:r>
             <a:r>
               <a:rPr lang="en-US" sz="1000" b="0" i="0" baseline="0" dirty="0" err="1" smtClean="0">
                 <a:latin typeface="Times New Roman"/>
                 <a:cs typeface="Times New Roman"/>
               </a:rPr>
-              <a:t>boolean</a:t>
+              <a:t>typedef</a:t>
             </a:r>
             <a:r>
               <a:rPr lang="en-US" sz="1000" b="0" i="0" baseline="0" dirty="0" smtClean="0">
                 <a:latin typeface="Times New Roman"/>
                 <a:cs typeface="Times New Roman"/>
               </a:rPr>
-              <a:t>, signed or unsigned integer on several sizes (8, 16, 32, 64 bits). These basic types can be used to create other types with a “</a:t>
+              <a:t> “ statement (line 4</a:t>
+            </a:r>
+            <a:r>
+              <a:rPr lang="en-US" sz="1000" b="0" i="0" baseline="0" dirty="0" smtClean="0">
+                <a:latin typeface="Times New Roman"/>
+                <a:cs typeface="Times New Roman"/>
+              </a:rPr>
+              <a:t>). A </a:t>
             </a:r>
             <a:r>
               <a:rPr lang="en-US" sz="1000" b="0" i="0" baseline="0" dirty="0" err="1" smtClean="0">
@@ -2495,65 +2408,89 @@
                 <a:latin typeface="Times New Roman"/>
                 <a:cs typeface="Times New Roman"/>
               </a:rPr>
-              <a:t> “ statement (line </a:t>
+              <a:t> allows to add some </a:t>
             </a:r>
             <a:r>
               <a:rPr lang="en-US" sz="1000" b="0" i="0" baseline="0" dirty="0" smtClean="0">
                 <a:latin typeface="Times New Roman"/>
                 <a:cs typeface="Times New Roman"/>
               </a:rPr>
-              <a:t>4) and to add them </a:t>
+              <a:t>constraints</a:t>
             </a:r>
             <a:r>
               <a:rPr lang="en-US" sz="1000" b="0" i="0" baseline="0" dirty="0" smtClean="0">
                 <a:latin typeface="Times New Roman"/>
                 <a:cs typeface="Times New Roman"/>
               </a:rPr>
-              <a:t>some constraints as shown at line 6 where the length of a string is limited. Another construct that improves reusability is the “grouping” statement (line 8) that</a:t>
+              <a:t> on its base type as </a:t>
             </a:r>
             <a:r>
               <a:rPr lang="en-US" sz="1000" b="0" i="0" baseline="0" dirty="0" smtClean="0">
                 <a:latin typeface="Times New Roman"/>
                 <a:cs typeface="Times New Roman"/>
               </a:rPr>
-              <a:t> can be used at </a:t>
+              <a:t>the length of a string</a:t>
             </a:r>
             <a:r>
               <a:rPr lang="en-US" sz="1000" b="0" i="0" baseline="0" dirty="0" smtClean="0">
                 <a:latin typeface="Times New Roman"/>
                 <a:cs typeface="Times New Roman"/>
               </a:rPr>
-              <a:t>separate places in the current module </a:t>
+              <a:t> (line 6). </a:t>
             </a:r>
             <a:r>
               <a:rPr lang="en-US" sz="1000" b="0" i="0" baseline="0" dirty="0" smtClean="0">
                 <a:latin typeface="Times New Roman"/>
                 <a:cs typeface="Times New Roman"/>
               </a:rPr>
-              <a:t>(line </a:t>
+              <a:t>Another construct that improves reusability is the “grouping” statement (line 8) that can be </a:t>
             </a:r>
             <a:r>
               <a:rPr lang="en-US" sz="1000" b="0" i="0" baseline="0" dirty="0" smtClean="0">
                 <a:latin typeface="Times New Roman"/>
                 <a:cs typeface="Times New Roman"/>
               </a:rPr>
-              <a:t>21</a:t>
+              <a:t>used, with an “use” statement </a:t>
             </a:r>
             <a:r>
               <a:rPr lang="en-US" sz="1000" b="0" i="0" baseline="0" dirty="0" smtClean="0">
                 <a:latin typeface="Times New Roman"/>
                 <a:cs typeface="Times New Roman"/>
               </a:rPr>
-              <a:t>). </a:t>
-            </a:r>
-            <a:endParaRPr lang="en-US" sz="1000" b="0" i="0" baseline="0" smtClean="0">
-              <a:latin typeface="Times New Roman"/>
-              <a:cs typeface="Times New Roman"/>
-            </a:endParaRPr>
+              <a:t>at separate places</a:t>
+            </a:r>
+            <a:r>
+              <a:rPr lang="en-US" sz="1000" b="0" i="0" baseline="0" dirty="0" smtClean="0">
+                <a:latin typeface="Times New Roman"/>
+                <a:cs typeface="Times New Roman"/>
+              </a:rPr>
+              <a:t> (</a:t>
+            </a:r>
+            <a:r>
+              <a:rPr lang="en-US" sz="1000" b="0" i="0" baseline="0" dirty="0" smtClean="0">
+                <a:latin typeface="Times New Roman"/>
+                <a:cs typeface="Times New Roman"/>
+              </a:rPr>
+              <a:t>line </a:t>
+            </a:r>
+            <a:r>
+              <a:rPr lang="en-US" sz="1000" b="0" i="0" baseline="0" dirty="0" smtClean="0">
+                <a:latin typeface="Times New Roman"/>
+                <a:cs typeface="Times New Roman"/>
+              </a:rPr>
+              <a:t>21 for example)</a:t>
+            </a:r>
+            <a:r>
+              <a:rPr lang="en-US" sz="1000" b="0" i="0" baseline="0" dirty="0" smtClean="0">
+                <a:latin typeface="Times New Roman"/>
+                <a:cs typeface="Times New Roman"/>
+              </a:rPr>
+              <a:t>. </a:t>
+            </a:r>
           </a:p>
           <a:p>
             <a:pPr algn="just"/>
-            <a:endParaRPr lang="en-US" sz="1000" b="0" i="0" baseline="0" smtClean="0">
+            <a:endParaRPr lang="en-US" sz="1000" b="0" i="0" baseline="0" dirty="0" smtClean="0">
               <a:latin typeface="Times New Roman"/>
               <a:cs typeface="Times New Roman"/>
             </a:endParaRPr>
@@ -2605,8 +2542,33 @@
                 <a:latin typeface="Times New Roman"/>
                 <a:cs typeface="Times New Roman"/>
               </a:rPr>
-              <a:t> Container : a set of values.</a:t>
-            </a:r>
+              <a:t> Container : a set of</a:t>
+            </a:r>
+            <a:r>
+              <a:rPr lang="en-US" sz="1000" b="0" i="0" baseline="0" dirty="0" smtClean="0">
+                <a:latin typeface="Times New Roman"/>
+                <a:cs typeface="Times New Roman"/>
+              </a:rPr>
+              <a:t> </a:t>
+            </a:r>
+            <a:r>
+              <a:rPr lang="en-US" sz="1000" b="0" i="0" baseline="0" dirty="0" err="1" smtClean="0">
+                <a:latin typeface="Times New Roman"/>
+                <a:cs typeface="Times New Roman"/>
+              </a:rPr>
+              <a:t>datadefs</a:t>
+            </a:r>
+            <a:r>
+              <a:rPr lang="en-US" sz="1000" b="0" i="0" baseline="0" dirty="0" smtClean="0">
+                <a:latin typeface="Times New Roman"/>
+                <a:cs typeface="Times New Roman"/>
+              </a:rPr>
+              <a:t>.</a:t>
+            </a:r>
+            <a:endParaRPr lang="en-US" sz="1000" b="0" i="0" baseline="0" dirty="0" smtClean="0">
+              <a:latin typeface="Times New Roman"/>
+              <a:cs typeface="Times New Roman"/>
+            </a:endParaRPr>
           </a:p>
           <a:p>
             <a:pPr lvl="1" algn="just">
@@ -2618,35 +2580,105 @@
                 <a:latin typeface="Times New Roman"/>
                 <a:cs typeface="Times New Roman"/>
               </a:rPr>
-              <a:t> List : </a:t>
+              <a:t> List : an ordered set of</a:t>
             </a:r>
             <a:r>
               <a:rPr lang="en-US" sz="1000" b="0" i="0" baseline="0" dirty="0" smtClean="0">
                 <a:latin typeface="Times New Roman"/>
                 <a:cs typeface="Times New Roman"/>
               </a:rPr>
-              <a:t>an ordered </a:t>
+              <a:t> entries and all entries are made from the same set of </a:t>
+            </a:r>
+            <a:r>
+              <a:rPr lang="en-US" sz="1000" b="0" i="0" baseline="0" dirty="0" err="1" smtClean="0">
+                <a:latin typeface="Times New Roman"/>
+                <a:cs typeface="Times New Roman"/>
+              </a:rPr>
+              <a:t>datadefs</a:t>
             </a:r>
             <a:r>
               <a:rPr lang="en-US" sz="1000" b="0" i="0" baseline="0" dirty="0" smtClean="0">
                 <a:latin typeface="Times New Roman"/>
                 <a:cs typeface="Times New Roman"/>
               </a:rPr>
-              <a:t>set of </a:t>
+              <a:t>. One or </a:t>
             </a:r>
             <a:r>
               <a:rPr lang="en-US" sz="1000" b="0" i="0" baseline="0" dirty="0" err="1" smtClean="0">
                 <a:latin typeface="Times New Roman"/>
                 <a:cs typeface="Times New Roman"/>
               </a:rPr>
+              <a:t>m</a:t>
+            </a:r>
+            <a:r>
+              <a:rPr lang="fr-FR" sz="1000" b="0" i="0" baseline="0" dirty="0" smtClean="0">
+                <a:latin typeface="Times New Roman"/>
+                <a:cs typeface="Times New Roman"/>
+              </a:rPr>
+              <a:t>ore </a:t>
+            </a:r>
+            <a:r>
+              <a:rPr lang="fr-FR" sz="1000" b="0" i="0" baseline="0" dirty="0" err="1" smtClean="0">
+                <a:latin typeface="Times New Roman"/>
+                <a:cs typeface="Times New Roman"/>
+              </a:rPr>
               <a:t>datadefs</a:t>
+            </a:r>
+            <a:r>
+              <a:rPr lang="fr-FR" sz="1000" b="0" i="0" baseline="0" dirty="0" smtClean="0">
+                <a:latin typeface="Times New Roman"/>
+                <a:cs typeface="Times New Roman"/>
+              </a:rPr>
+              <a:t> of the set entry are </a:t>
+            </a:r>
+            <a:r>
+              <a:rPr lang="fr-FR" sz="1000" b="0" i="0" baseline="0" dirty="0" err="1" smtClean="0">
+                <a:latin typeface="Times New Roman"/>
+                <a:cs typeface="Times New Roman"/>
+              </a:rPr>
+              <a:t>given</a:t>
+            </a:r>
+            <a:r>
+              <a:rPr lang="fr-FR" sz="1000" b="0" i="0" baseline="0" dirty="0" smtClean="0">
+                <a:latin typeface="Times New Roman"/>
+                <a:cs typeface="Times New Roman"/>
+              </a:rPr>
+              <a:t> as </a:t>
+            </a:r>
+            <a:r>
+              <a:rPr lang="fr-FR" sz="1000" b="0" i="0" baseline="0" dirty="0" err="1" smtClean="0">
+                <a:latin typeface="Times New Roman"/>
+                <a:cs typeface="Times New Roman"/>
+              </a:rPr>
+              <a:t>keys</a:t>
+            </a:r>
+            <a:r>
+              <a:rPr lang="fr-FR" sz="1000" b="0" i="0" baseline="0" dirty="0" smtClean="0">
+                <a:latin typeface="Times New Roman"/>
+                <a:cs typeface="Times New Roman"/>
+              </a:rPr>
+              <a:t> of the </a:t>
+            </a:r>
+            <a:r>
+              <a:rPr lang="fr-FR" sz="1000" b="0" i="0" baseline="0" dirty="0" err="1" smtClean="0">
+                <a:latin typeface="Times New Roman"/>
+                <a:cs typeface="Times New Roman"/>
+              </a:rPr>
+              <a:t>list</a:t>
+            </a:r>
+            <a:r>
+              <a:rPr lang="fr-FR" sz="1000" b="0" i="0" baseline="0" dirty="0" smtClean="0">
+                <a:latin typeface="Times New Roman"/>
+                <a:cs typeface="Times New Roman"/>
+              </a:rPr>
+              <a:t>.</a:t>
             </a:r>
             <a:r>
               <a:rPr lang="en-US" sz="1000" b="0" i="0" baseline="0" dirty="0" smtClean="0">
                 <a:latin typeface="Times New Roman"/>
                 <a:cs typeface="Times New Roman"/>
               </a:rPr>
-              <a:t>, called an entry. An instance is a set of entry values and one value (a column) should be the key of the list (that is the value that distinguish each line).</a:t>
+              <a:t> </a:t>
             </a:r>
           </a:p>
           <a:p>
@@ -2719,8 +2751,68 @@
                 <a:latin typeface="Times New Roman"/>
                 <a:cs typeface="Times New Roman"/>
               </a:rPr>
-              <a:t>The API we propose reflects YANG statements of the data model. For each YANG statement we have a corresponding java class (see class diagram on the slide 3). A YANG module is represented as a tree of java instances (what the standard call the schema tree). The slide 3 shows as an example the java classes organization for the network module. Each java object have getters methods to follow the tree of instances. About hundred of java classes have been needed to represent any YANG specification.</a:t>
-            </a:r>
+              <a:t>The API we propose reflects YANG statements</a:t>
+            </a:r>
+            <a:r>
+              <a:rPr lang="en-US" sz="1000" b="0" i="0" baseline="0" dirty="0" smtClean="0">
+                <a:latin typeface="Times New Roman"/>
+                <a:cs typeface="Times New Roman"/>
+              </a:rPr>
+              <a:t> hierarchy. </a:t>
+            </a:r>
+            <a:r>
+              <a:rPr lang="en-US" sz="1000" b="0" i="0" baseline="0" dirty="0" smtClean="0">
+                <a:latin typeface="Times New Roman"/>
+                <a:cs typeface="Times New Roman"/>
+              </a:rPr>
+              <a:t>For each YANG statement we have a corresponding java class (see class diagram on the</a:t>
+            </a:r>
+            <a:r>
+              <a:rPr lang="en-US" sz="1000" b="0" i="0" baseline="0" dirty="0" smtClean="0">
+                <a:latin typeface="Times New Roman"/>
+                <a:cs typeface="Times New Roman"/>
+              </a:rPr>
+              <a:t> right part of the figure 3).  Each </a:t>
+            </a:r>
+            <a:r>
+              <a:rPr lang="en-US" sz="1000" b="0" i="0" baseline="0" dirty="0" smtClean="0">
+                <a:latin typeface="Times New Roman"/>
+                <a:cs typeface="Times New Roman"/>
+              </a:rPr>
+              <a:t>java object have getters methods to follow the tree of instances. About hundred of java classes</a:t>
+            </a:r>
+            <a:r>
+              <a:rPr lang="en-US" sz="1000" b="0" i="0" baseline="0" dirty="0" smtClean="0">
+                <a:latin typeface="Times New Roman"/>
+                <a:cs typeface="Times New Roman"/>
+              </a:rPr>
+              <a:t> were necessary to </a:t>
+            </a:r>
+            <a:r>
+              <a:rPr lang="en-US" sz="1000" b="0" i="0" baseline="0" dirty="0" smtClean="0">
+                <a:latin typeface="Times New Roman"/>
+                <a:cs typeface="Times New Roman"/>
+              </a:rPr>
+              <a:t>represent any </a:t>
+            </a:r>
+            <a:r>
+              <a:rPr lang="en-US" sz="1000" b="0" i="0" baseline="0" smtClean="0">
+                <a:latin typeface="Times New Roman"/>
+                <a:cs typeface="Times New Roman"/>
+              </a:rPr>
+              <a:t>YANG</a:t>
+            </a:r>
+            <a:r>
+              <a:rPr lang="en-US" sz="1000" b="0" i="0" baseline="0" smtClean="0">
+                <a:latin typeface="Times New Roman"/>
+                <a:cs typeface="Times New Roman"/>
+              </a:rPr>
+              <a:t> model.</a:t>
+            </a:r>
+            <a:endParaRPr lang="en-US" sz="1000" b="0" i="0" baseline="0" dirty="0" smtClean="0">
+              <a:latin typeface="Times New Roman"/>
+              <a:cs typeface="Times New Roman"/>
+            </a:endParaRPr>
           </a:p>
         </p:txBody>
       </p:sp>
@@ -2812,238 +2904,189 @@
                 <a:latin typeface="Times New Roman"/>
                 <a:cs typeface="Times New Roman"/>
               </a:rPr>
-              <a:t> </a:t>
+              <a:t> library (</a:t>
+            </a:r>
+            <a:r>
+              <a:rPr lang="fr-FR" sz="1000" u="none" baseline="0" dirty="0" err="1" smtClean="0">
+                <a:latin typeface="Times New Roman"/>
+                <a:cs typeface="Times New Roman"/>
+              </a:rPr>
+              <a:t>https://javacc.dev.java.net</a:t>
+            </a:r>
+            <a:r>
+              <a:rPr lang="fr-FR" sz="1000" u="none" baseline="0" dirty="0" smtClean="0">
+                <a:latin typeface="Times New Roman"/>
+                <a:cs typeface="Times New Roman"/>
+              </a:rPr>
+              <a:t>/</a:t>
+            </a:r>
+            <a:r>
+              <a:rPr lang="fr-FR" sz="1000" baseline="0" dirty="0" smtClean="0">
+                <a:latin typeface="Times New Roman"/>
+                <a:cs typeface="Times New Roman"/>
+              </a:rPr>
+              <a:t>)</a:t>
             </a:r>
             <a:r>
               <a:rPr lang="en-US" sz="1000" baseline="0" dirty="0" smtClean="0">
                 <a:latin typeface="Times New Roman"/>
                 <a:cs typeface="Times New Roman"/>
               </a:rPr>
-              <a:t>library (</a:t>
-            </a:r>
-            <a:r>
-              <a:rPr lang="fr-FR" sz="1000" u="none" baseline="0" dirty="0" err="1" smtClean="0">
+              <a:t>. A </a:t>
+            </a:r>
+            <a:r>
+              <a:rPr lang="en-US" sz="1000" baseline="0" dirty="0" err="1" smtClean="0">
                 <a:latin typeface="Times New Roman"/>
                 <a:cs typeface="Times New Roman"/>
               </a:rPr>
-              <a:t>https://javacc.dev.java.net</a:t>
-            </a:r>
-            <a:r>
-              <a:rPr lang="fr-FR" sz="1000" u="none" baseline="0" dirty="0" smtClean="0">
+              <a:t>jYang</a:t>
+            </a:r>
+            <a:r>
+              <a:rPr lang="en-US" sz="1000" baseline="0" dirty="0" smtClean="0">
                 <a:latin typeface="Times New Roman"/>
                 <a:cs typeface="Times New Roman"/>
               </a:rPr>
-              <a:t>/</a:t>
+              <a:t> compilation starts with one or more YANG files references that will be loaded by the parser. All import and include statements are followed without parsing twice the same file. So for example if one just gives the </a:t>
+            </a:r>
+            <a:r>
+              <a:rPr lang="en-US" sz="1000" i="1" baseline="0" dirty="0" smtClean="0">
+                <a:latin typeface="Times New Roman"/>
+                <a:cs typeface="Times New Roman"/>
+              </a:rPr>
+              <a:t>sa1 </a:t>
+            </a:r>
+            <a:r>
+              <a:rPr lang="en-US" sz="1000" baseline="0" dirty="0" smtClean="0">
+                <a:latin typeface="Times New Roman"/>
+                <a:cs typeface="Times New Roman"/>
+              </a:rPr>
+              <a:t>sub-module to check then the modules </a:t>
+            </a:r>
+            <a:r>
+              <a:rPr lang="en-US" sz="1000" i="1" baseline="0" dirty="0" smtClean="0">
+                <a:latin typeface="Times New Roman"/>
+                <a:cs typeface="Times New Roman"/>
+              </a:rPr>
+              <a:t>a</a:t>
+            </a:r>
+            <a:r>
+              <a:rPr lang="en-US" sz="1000" baseline="0" dirty="0" smtClean="0">
+                <a:latin typeface="Times New Roman"/>
+                <a:cs typeface="Times New Roman"/>
+              </a:rPr>
+              <a:t> and </a:t>
+            </a:r>
+            <a:r>
+              <a:rPr lang="en-US" sz="1000" i="1" baseline="0" dirty="0" err="1" smtClean="0">
+                <a:latin typeface="Times New Roman"/>
+                <a:cs typeface="Times New Roman"/>
+              </a:rPr>
+              <a:t>b</a:t>
+            </a:r>
+            <a:r>
+              <a:rPr lang="en-US" sz="1000" i="1" baseline="0" dirty="0" smtClean="0">
+                <a:latin typeface="Times New Roman"/>
+                <a:cs typeface="Times New Roman"/>
+              </a:rPr>
+              <a:t> </a:t>
+            </a:r>
+            <a:r>
+              <a:rPr lang="en-US" sz="1000" i="0" baseline="0" dirty="0" smtClean="0">
+                <a:latin typeface="Times New Roman"/>
+                <a:cs typeface="Times New Roman"/>
+              </a:rPr>
+              <a:t>will be too</a:t>
+            </a:r>
+            <a:r>
+              <a:rPr lang="en-US" sz="1000" baseline="0" dirty="0" smtClean="0">
+                <a:latin typeface="Times New Roman"/>
+                <a:cs typeface="Times New Roman"/>
+              </a:rPr>
+              <a:t>, because </a:t>
+            </a:r>
+            <a:r>
+              <a:rPr lang="en-US" sz="1000" i="1" baseline="0" dirty="0" smtClean="0">
+                <a:latin typeface="Times New Roman"/>
+                <a:cs typeface="Times New Roman"/>
+              </a:rPr>
+              <a:t>sa1 </a:t>
+            </a:r>
+            <a:r>
+              <a:rPr lang="en-US" sz="1000" baseline="0" dirty="0" smtClean="0">
+                <a:latin typeface="Times New Roman"/>
+                <a:cs typeface="Times New Roman"/>
+              </a:rPr>
+              <a:t>belongs-to </a:t>
+            </a:r>
+            <a:r>
+              <a:rPr lang="en-US" sz="1000" i="1" baseline="0" dirty="0" smtClean="0">
+                <a:latin typeface="Times New Roman"/>
+                <a:cs typeface="Times New Roman"/>
+              </a:rPr>
+              <a:t>a </a:t>
+            </a:r>
+            <a:r>
+              <a:rPr lang="en-US" sz="1000" baseline="0" dirty="0" smtClean="0">
+                <a:latin typeface="Times New Roman"/>
+                <a:cs typeface="Times New Roman"/>
+              </a:rPr>
+              <a:t>and </a:t>
+            </a:r>
+            <a:r>
+              <a:rPr lang="en-US" sz="1000" i="1" baseline="0" dirty="0" smtClean="0">
+                <a:latin typeface="Times New Roman"/>
+                <a:cs typeface="Times New Roman"/>
+              </a:rPr>
+              <a:t>a </a:t>
+            </a:r>
+            <a:r>
+              <a:rPr lang="en-US" sz="1000" baseline="0" dirty="0" smtClean="0">
+                <a:latin typeface="Times New Roman"/>
+                <a:cs typeface="Times New Roman"/>
+              </a:rPr>
+              <a:t>import </a:t>
+            </a:r>
+            <a:r>
+              <a:rPr lang="en-US" sz="1000" i="1" baseline="0" dirty="0" err="1" smtClean="0">
+                <a:latin typeface="Times New Roman"/>
+                <a:cs typeface="Times New Roman"/>
+              </a:rPr>
+              <a:t>b</a:t>
+            </a:r>
+            <a:r>
+              <a:rPr lang="en-US" sz="1000" baseline="0" dirty="0" smtClean="0">
+                <a:latin typeface="Times New Roman"/>
+                <a:cs typeface="Times New Roman"/>
+              </a:rPr>
+              <a:t>. The internal representation of YANG specifications is one of the output of </a:t>
+            </a:r>
+            <a:r>
+              <a:rPr lang="en-US" sz="1000" baseline="0" dirty="0" err="1" smtClean="0">
+                <a:latin typeface="Times New Roman"/>
+                <a:cs typeface="Times New Roman"/>
+              </a:rPr>
+              <a:t>jYang</a:t>
+            </a:r>
+            <a:r>
+              <a:rPr lang="en-US" sz="1000" baseline="0" dirty="0" smtClean="0">
+                <a:latin typeface="Times New Roman"/>
+                <a:cs typeface="Times New Roman"/>
+              </a:rPr>
+              <a:t> and is composed of the java objects tree we show in </a:t>
             </a:r>
             <a:r>
               <a:rPr lang="fr-FR" sz="1000" baseline="0" dirty="0" smtClean="0">
                 <a:latin typeface="Times New Roman"/>
                 <a:cs typeface="Times New Roman"/>
               </a:rPr>
-              <a:t>)</a:t>
+              <a:t>slide</a:t>
             </a:r>
             <a:r>
               <a:rPr lang="en-US" sz="1000" baseline="0" dirty="0" smtClean="0">
                 <a:latin typeface="Times New Roman"/>
                 <a:cs typeface="Times New Roman"/>
               </a:rPr>
-              <a:t>. A </a:t>
-            </a:r>
-            <a:r>
-              <a:rPr lang="en-US" sz="1000" baseline="0" dirty="0" err="1" smtClean="0">
-                <a:latin typeface="Times New Roman"/>
-                <a:cs typeface="Times New Roman"/>
-              </a:rPr>
-              <a:t>jYang</a:t>
-            </a:r>
-            <a:r>
-              <a:rPr lang="en-US" sz="1000" baseline="0" dirty="0" smtClean="0">
-                <a:latin typeface="Times New Roman"/>
-                <a:cs typeface="Times New Roman"/>
-              </a:rPr>
-              <a:t> compilation starts with one or more YANG files references that will be loaded by the parser. All import and include statements are followed without parsing twice the same file. So for example if one just gives the </a:t>
-            </a:r>
-            <a:r>
-              <a:rPr lang="en-US" sz="1000" i="1" baseline="0" dirty="0" smtClean="0">
-                <a:latin typeface="Times New Roman"/>
-                <a:cs typeface="Times New Roman"/>
-              </a:rPr>
-              <a:t>sa1 </a:t>
-            </a:r>
-            <a:r>
-              <a:rPr lang="en-US" sz="1000" baseline="0" dirty="0" smtClean="0">
-                <a:latin typeface="Times New Roman"/>
-                <a:cs typeface="Times New Roman"/>
-              </a:rPr>
-              <a:t>sub-module to check then the modules </a:t>
-            </a:r>
-            <a:r>
-              <a:rPr lang="en-US" sz="1000" i="1" baseline="0" dirty="0" smtClean="0">
-                <a:latin typeface="Times New Roman"/>
-                <a:cs typeface="Times New Roman"/>
-              </a:rPr>
-              <a:t>a</a:t>
-            </a:r>
-            <a:r>
-              <a:rPr lang="en-US" sz="1000" baseline="0" dirty="0" smtClean="0">
-                <a:latin typeface="Times New Roman"/>
-                <a:cs typeface="Times New Roman"/>
-              </a:rPr>
-              <a:t> and </a:t>
-            </a:r>
-            <a:r>
-              <a:rPr lang="en-US" sz="1000" i="1" baseline="0" dirty="0" err="1" smtClean="0">
-                <a:latin typeface="Times New Roman"/>
-                <a:cs typeface="Times New Roman"/>
-              </a:rPr>
-              <a:t>b</a:t>
-            </a:r>
-            <a:r>
-              <a:rPr lang="en-US" sz="1000" i="1" baseline="0" dirty="0" smtClean="0">
-                <a:latin typeface="Times New Roman"/>
-                <a:cs typeface="Times New Roman"/>
-              </a:rPr>
-              <a:t> </a:t>
-            </a:r>
-            <a:r>
-              <a:rPr lang="en-US" sz="1000" i="0" baseline="0" dirty="0" smtClean="0">
-                <a:latin typeface="Times New Roman"/>
-                <a:cs typeface="Times New Roman"/>
-              </a:rPr>
-              <a:t>will be too</a:t>
-            </a:r>
-            <a:r>
-              <a:rPr lang="en-US" sz="1000" baseline="0" dirty="0" smtClean="0">
-                <a:latin typeface="Times New Roman"/>
-                <a:cs typeface="Times New Roman"/>
-              </a:rPr>
-              <a:t>, because </a:t>
-            </a:r>
-            <a:r>
-              <a:rPr lang="en-US" sz="1000" i="1" baseline="0" dirty="0" smtClean="0">
-                <a:latin typeface="Times New Roman"/>
-                <a:cs typeface="Times New Roman"/>
-              </a:rPr>
-              <a:t>sa1 </a:t>
-            </a:r>
-            <a:r>
-              <a:rPr lang="en-US" sz="1000" baseline="0" dirty="0" smtClean="0">
-                <a:latin typeface="Times New Roman"/>
-                <a:cs typeface="Times New Roman"/>
-              </a:rPr>
-              <a:t>belongs-to </a:t>
-            </a:r>
-            <a:r>
-              <a:rPr lang="en-US" sz="1000" i="1" baseline="0" dirty="0" smtClean="0">
-                <a:latin typeface="Times New Roman"/>
-                <a:cs typeface="Times New Roman"/>
-              </a:rPr>
-              <a:t>a </a:t>
-            </a:r>
-            <a:r>
-              <a:rPr lang="en-US" sz="1000" baseline="0" dirty="0" smtClean="0">
-                <a:latin typeface="Times New Roman"/>
-                <a:cs typeface="Times New Roman"/>
-              </a:rPr>
-              <a:t>and </a:t>
-            </a:r>
-            <a:r>
-              <a:rPr lang="en-US" sz="1000" i="1" baseline="0" dirty="0" smtClean="0">
-                <a:latin typeface="Times New Roman"/>
-                <a:cs typeface="Times New Roman"/>
-              </a:rPr>
-              <a:t>a </a:t>
-            </a:r>
-            <a:r>
-              <a:rPr lang="en-US" sz="1000" baseline="0" dirty="0" smtClean="0">
-                <a:latin typeface="Times New Roman"/>
-                <a:cs typeface="Times New Roman"/>
-              </a:rPr>
-              <a:t>import </a:t>
-            </a:r>
-            <a:r>
-              <a:rPr lang="en-US" sz="1000" i="1" baseline="0" dirty="0" err="1" smtClean="0">
-                <a:latin typeface="Times New Roman"/>
-                <a:cs typeface="Times New Roman"/>
-              </a:rPr>
-              <a:t>b</a:t>
-            </a:r>
-            <a:r>
-              <a:rPr lang="en-US" sz="1000" baseline="0" dirty="0" smtClean="0">
-                <a:latin typeface="Times New Roman"/>
-                <a:cs typeface="Times New Roman"/>
-              </a:rPr>
-              <a:t>. The internal representation of YANG specifications is one of the output of </a:t>
-            </a:r>
-            <a:r>
-              <a:rPr lang="en-US" sz="1000" baseline="0" dirty="0" err="1" smtClean="0">
-                <a:latin typeface="Times New Roman"/>
-                <a:cs typeface="Times New Roman"/>
-              </a:rPr>
-              <a:t>jYang</a:t>
-            </a:r>
-            <a:r>
-              <a:rPr lang="en-US" sz="1000" baseline="0" dirty="0" smtClean="0">
-                <a:latin typeface="Times New Roman"/>
-                <a:cs typeface="Times New Roman"/>
-              </a:rPr>
-              <a:t> and is composed of the java objects tree we show in </a:t>
-            </a:r>
-            <a:r>
-              <a:rPr lang="fr-FR" sz="1000" baseline="0" dirty="0" smtClean="0">
-                <a:latin typeface="Times New Roman"/>
-                <a:cs typeface="Times New Roman"/>
-              </a:rPr>
-              <a:t>slide</a:t>
-            </a:r>
-            <a:r>
-              <a:rPr lang="en-US" sz="1000" baseline="0" dirty="0" smtClean="0">
-                <a:latin typeface="Times New Roman"/>
-                <a:cs typeface="Times New Roman"/>
-              </a:rPr>
-              <a:t> 3. Another output can be a list of errors encountered during the parsing. Full</a:t>
-            </a:r>
-            <a:r>
-              <a:rPr lang="en-US" sz="1000" baseline="0" dirty="0" smtClean="0">
-                <a:latin typeface="Times New Roman"/>
-                <a:cs typeface="Times New Roman"/>
-              </a:rPr>
-              <a:t> syntax </a:t>
-            </a:r>
-            <a:r>
-              <a:rPr lang="en-US" sz="1000" baseline="0" dirty="0" smtClean="0">
-                <a:latin typeface="Times New Roman"/>
-                <a:cs typeface="Times New Roman"/>
-              </a:rPr>
-              <a:t>checking</a:t>
-            </a:r>
-            <a:r>
-              <a:rPr lang="en-US" sz="1000" baseline="0" dirty="0" smtClean="0">
-                <a:latin typeface="Times New Roman"/>
-                <a:cs typeface="Times New Roman"/>
-              </a:rPr>
-              <a:t> is done </a:t>
-            </a:r>
-            <a:r>
-              <a:rPr lang="en-US" sz="1000" baseline="0" dirty="0" smtClean="0">
-                <a:latin typeface="Times New Roman"/>
-                <a:cs typeface="Times New Roman"/>
-              </a:rPr>
-              <a:t>and</a:t>
-            </a:r>
-            <a:r>
-              <a:rPr lang="en-US" sz="1000" baseline="0" dirty="0" smtClean="0">
-                <a:latin typeface="Times New Roman"/>
-                <a:cs typeface="Times New Roman"/>
-              </a:rPr>
-              <a:t> some constraints (as default value that must fit to its type range) are </a:t>
-            </a:r>
-            <a:r>
-              <a:rPr lang="en-US" sz="1000" baseline="0" dirty="0" smtClean="0">
-                <a:latin typeface="Times New Roman"/>
-                <a:cs typeface="Times New Roman"/>
-              </a:rPr>
-              <a:t>covered. YANG allows data modelers to express some constraints like range number or string pattern. The constraints are checked when sub typing is used or when default values are set. Other constraints that can be expressed on the data value level are not checked. For example one can specify conditional presence of data depending on other data values (or hosting device capabilities).</a:t>
+              <a:t> 3. Another output can be a list of errors encountered during the parsing. Full syntax checking is done and some constraints (as default value that must fit to its type range) are covered. YANG allows data modelers to express some constraints like range number or string pattern. The constraints are checked when sub typing is used or when default values are set. Other constraints that can be expressed on the data value level are not checked. For example one can specify conditional presence of data depending on other data values (or hosting device capabilities).</a:t>
             </a:r>
           </a:p>
           <a:p>
@@ -5149,7 +5192,7 @@
             <a:fld id="{7F2B8709-3F46-DE42-BD3E-692D784503EE}" type="datetime1">
               <a:rPr lang="fr-FR" smtClean="0"/>
               <a:pPr/>
-              <a:t>15/12/09</a:t>
+              <a:t>24/12/09</a:t>
             </a:fld>
             <a:endParaRPr lang="fr-FR"/>
           </a:p>
@@ -5316,7 +5359,7 @@
             <a:fld id="{4EBEFD6C-C087-154D-B622-7C02A58805D5}" type="datetime1">
               <a:rPr lang="fr-FR" smtClean="0"/>
               <a:pPr/>
-              <a:t>15/12/09</a:t>
+              <a:t>24/12/09</a:t>
             </a:fld>
             <a:endParaRPr lang="fr-FR"/>
           </a:p>
@@ -5493,7 +5536,7 @@
             <a:fld id="{07D8C6FC-5D38-E240-8250-E4BC28BDE1B6}" type="datetime1">
               <a:rPr lang="fr-FR" smtClean="0"/>
               <a:pPr/>
-              <a:t>15/12/09</a:t>
+              <a:t>24/12/09</a:t>
             </a:fld>
             <a:endParaRPr lang="fr-FR"/>
           </a:p>
@@ -5660,7 +5703,7 @@
             <a:fld id="{4E2F6B51-FB45-C74D-A600-600DD287541D}" type="datetime1">
               <a:rPr lang="fr-FR" smtClean="0"/>
               <a:pPr/>
-              <a:t>15/12/09</a:t>
+              <a:t>24/12/09</a:t>
             </a:fld>
             <a:endParaRPr lang="fr-FR"/>
           </a:p>
@@ -5903,7 +5946,7 @@
             <a:fld id="{DFEE11C6-5005-A744-9B9D-B94478DE044A}" type="datetime1">
               <a:rPr lang="fr-FR" smtClean="0"/>
               <a:pPr/>
-              <a:t>15/12/09</a:t>
+              <a:t>24/12/09</a:t>
             </a:fld>
             <a:endParaRPr lang="fr-FR"/>
           </a:p>
@@ -6188,7 +6231,7 @@
             <a:fld id="{9202BA27-7F62-034A-AD65-AD2BE6700D12}" type="datetime1">
               <a:rPr lang="fr-FR" smtClean="0"/>
               <a:pPr/>
-              <a:t>15/12/09</a:t>
+              <a:t>24/12/09</a:t>
             </a:fld>
             <a:endParaRPr lang="fr-FR"/>
           </a:p>
@@ -6607,7 +6650,7 @@
             <a:fld id="{33C87D94-F7E6-1E43-8374-5AB40E5CD468}" type="datetime1">
               <a:rPr lang="fr-FR" smtClean="0"/>
               <a:pPr/>
-              <a:t>15/12/09</a:t>
+              <a:t>24/12/09</a:t>
             </a:fld>
             <a:endParaRPr lang="fr-FR"/>
           </a:p>
@@ -6722,7 +6765,7 @@
             <a:fld id="{52EA62D5-502B-6246-986C-7F1DA3AA6C60}" type="datetime1">
               <a:rPr lang="fr-FR" smtClean="0"/>
               <a:pPr/>
-              <a:t>15/12/09</a:t>
+              <a:t>24/12/09</a:t>
             </a:fld>
             <a:endParaRPr lang="fr-FR"/>
           </a:p>
@@ -6814,7 +6857,7 @@
             <a:fld id="{8A43F226-8798-FB4E-9920-C90450151C74}" type="datetime1">
               <a:rPr lang="fr-FR" smtClean="0"/>
               <a:pPr/>
-              <a:t>15/12/09</a:t>
+              <a:t>24/12/09</a:t>
             </a:fld>
             <a:endParaRPr lang="fr-FR"/>
           </a:p>
@@ -7088,7 +7131,7 @@
             <a:fld id="{F3A22977-08BB-B542-B315-0A1A944980B8}" type="datetime1">
               <a:rPr lang="fr-FR" smtClean="0"/>
               <a:pPr/>
-              <a:t>15/12/09</a:t>
+              <a:t>24/12/09</a:t>
             </a:fld>
             <a:endParaRPr lang="fr-FR"/>
           </a:p>
@@ -7338,7 +7381,7 @@
             <a:fld id="{096F2F73-03B7-8F4F-B0B3-3EA33E3C8A3F}" type="datetime1">
               <a:rPr lang="fr-FR" smtClean="0"/>
               <a:pPr/>
-              <a:t>15/12/09</a:t>
+              <a:t>24/12/09</a:t>
             </a:fld>
             <a:endParaRPr lang="fr-FR"/>
           </a:p>
@@ -7548,7 +7591,7 @@
             <a:fld id="{C1D26DE3-065C-5345-9B04-A6BA04230672}" type="datetime1">
               <a:rPr lang="fr-FR" smtClean="0"/>
               <a:pPr/>
-              <a:t>15/12/09</a:t>
+              <a:t>24/12/09</a:t>
             </a:fld>
             <a:endParaRPr lang="fr-FR"/>
           </a:p>
@@ -15632,7 +15675,6 @@
               <a:rPr lang="fr-FR" dirty="0" smtClean="0"/>
               <a:t> </a:t>
             </a:r>
-            <a:endParaRPr lang="fr-FR" dirty="0" smtClean="0"/>
           </a:p>
           <a:p>
             <a:r>
@@ -15697,11 +15739,6 @@
               </a:rPr>
               <a:t>Data Model</a:t>
             </a:r>
-            <a:endParaRPr lang="fr-FR" dirty="0" smtClean="0">
-              <a:solidFill>
-                <a:schemeClr val="tx1"/>
-              </a:solidFill>
-            </a:endParaRPr>
           </a:p>
           <a:p>
             <a:pPr algn="ctr"/>
@@ -15868,11 +15905,6 @@
               </a:rPr>
               <a:t>Data Model</a:t>
             </a:r>
-            <a:endParaRPr lang="fr-FR" dirty="0" smtClean="0">
-              <a:solidFill>
-                <a:schemeClr val="tx1"/>
-              </a:solidFill>
-            </a:endParaRPr>
           </a:p>
           <a:p>
             <a:pPr algn="ctr"/>
@@ -15942,11 +15974,6 @@
               </a:rPr>
               <a:t>Data Model</a:t>
             </a:r>
-            <a:endParaRPr lang="fr-FR" dirty="0" smtClean="0">
-              <a:solidFill>
-                <a:schemeClr val="tx1"/>
-              </a:solidFill>
-            </a:endParaRPr>
           </a:p>
           <a:p>
             <a:pPr algn="ctr"/>
@@ -16014,15 +16041,7 @@
                   <a:schemeClr val="tx1"/>
                 </a:solidFill>
               </a:rPr>
-              <a:t>Data Model</a:t>
-            </a:r>
-            <a:r>
-              <a:rPr lang="fr-FR" dirty="0" smtClean="0">
-                <a:solidFill>
-                  <a:schemeClr val="tx1"/>
-                </a:solidFill>
-              </a:rPr>
-              <a:t> </a:t>
+              <a:t>Data Model </a:t>
             </a:r>
             <a:r>
               <a:rPr lang="fr-FR" dirty="0" err="1" smtClean="0">
@@ -16030,15 +16049,7 @@
                   <a:schemeClr val="tx1"/>
                 </a:solidFill>
               </a:rPr>
-              <a:t>R</a:t>
-            </a:r>
-            <a:r>
-              <a:rPr lang="fr-FR" dirty="0" err="1" smtClean="0">
-                <a:solidFill>
-                  <a:schemeClr val="tx1"/>
-                </a:solidFill>
-              </a:rPr>
-              <a:t>ef:Host</a:t>
+              <a:t>Ref:Host</a:t>
             </a:r>
             <a:endParaRPr lang="fr-FR" dirty="0">
               <a:solidFill>
@@ -16098,11 +16109,6 @@
               </a:rPr>
               <a:t>Data Model</a:t>
             </a:r>
-            <a:endParaRPr lang="fr-FR" dirty="0" smtClean="0">
-              <a:solidFill>
-                <a:schemeClr val="tx1"/>
-              </a:solidFill>
-            </a:endParaRPr>
           </a:p>
           <a:p>
             <a:pPr algn="ctr"/>

--- a/yang-manager/reports/YangArchiCameraReady.pptx
+++ b/yang-manager/reports/YangArchiCameraReady.pptx
@@ -892,7 +892,42 @@
                 <a:latin typeface="Times New Roman"/>
                 <a:cs typeface="Times New Roman"/>
               </a:rPr>
-              <a:t> to be able to generate parts of its code from YANG specifications, or build generic parts, to ensure the server maintains a valid Data Store compliant with YANG . The server has to be able to send notifications especially those defined in YANG and must also accept user defined operations as there are YANG </a:t>
+              <a:t> to be able to generate parts of its code from YANG</a:t>
+            </a:r>
+            <a:r>
+              <a:rPr lang="en-US" sz="1000" baseline="0" noProof="0" dirty="0" smtClean="0">
+                <a:latin typeface="Times New Roman"/>
+                <a:cs typeface="Times New Roman"/>
+              </a:rPr>
+              <a:t> data model, </a:t>
+            </a:r>
+            <a:r>
+              <a:rPr lang="en-US" sz="1000" baseline="0" noProof="0" dirty="0" smtClean="0">
+                <a:latin typeface="Times New Roman"/>
+                <a:cs typeface="Times New Roman"/>
+              </a:rPr>
+              <a:t>or build generic parts, to ensure the server maintains a valid Data Store compliant </a:t>
+            </a:r>
+            <a:r>
+              <a:rPr lang="en-US" sz="1000" baseline="0" noProof="0" smtClean="0">
+                <a:latin typeface="Times New Roman"/>
+                <a:cs typeface="Times New Roman"/>
+              </a:rPr>
+              <a:t>with </a:t>
+            </a:r>
+            <a:r>
+              <a:rPr lang="en-US" sz="1000" baseline="0" noProof="0" smtClean="0">
+                <a:latin typeface="Times New Roman"/>
+                <a:cs typeface="Times New Roman"/>
+              </a:rPr>
+              <a:t>YANG. </a:t>
+            </a:r>
+            <a:r>
+              <a:rPr lang="en-US" sz="1000" baseline="0" noProof="0" dirty="0" smtClean="0">
+                <a:latin typeface="Times New Roman"/>
+                <a:cs typeface="Times New Roman"/>
+              </a:rPr>
+              <a:t>The server has to be able to send notifications especially those defined in YANG and must also accept user defined operations as there are YANG </a:t>
             </a:r>
             <a:r>
               <a:rPr lang="en-US" sz="1000" baseline="0" noProof="0" dirty="0" err="1" smtClean="0">
@@ -2216,7 +2251,7 @@
         <p:spPr/>
         <p:txBody>
           <a:bodyPr>
-            <a:normAutofit fontScale="92500"/>
+            <a:normAutofit lnSpcReduction="10000"/>
           </a:bodyPr>
           <a:lstStyle/>
           <a:p>
@@ -2629,20 +2664,34 @@
                 <a:latin typeface="Times New Roman"/>
                 <a:cs typeface="Times New Roman"/>
               </a:rPr>
-              <a:t> of the set entry are </a:t>
+              <a:t> of the set entry must </a:t>
             </a:r>
             <a:r>
               <a:rPr lang="fr-FR" sz="1000" b="0" i="0" baseline="0" dirty="0" err="1" smtClean="0">
                 <a:latin typeface="Times New Roman"/>
                 <a:cs typeface="Times New Roman"/>
               </a:rPr>
-              <a:t>given</a:t>
+              <a:t>be</a:t>
             </a:r>
             <a:r>
               <a:rPr lang="fr-FR" sz="1000" b="0" i="0" baseline="0" dirty="0" smtClean="0">
                 <a:latin typeface="Times New Roman"/>
                 <a:cs typeface="Times New Roman"/>
               </a:rPr>
+              <a:t> </a:t>
+            </a:r>
+            <a:r>
+              <a:rPr lang="fr-FR" sz="1000" b="0" i="0" baseline="0" dirty="0" err="1" smtClean="0">
+                <a:latin typeface="Times New Roman"/>
+                <a:cs typeface="Times New Roman"/>
+              </a:rPr>
+              <a:t>defined</a:t>
+            </a:r>
+            <a:r>
+              <a:rPr lang="fr-FR" sz="1000" b="0" i="0" baseline="0" dirty="0" smtClean="0">
+                <a:latin typeface="Times New Roman"/>
+                <a:cs typeface="Times New Roman"/>
+              </a:rPr>
               <a:t> as </a:t>
             </a:r>
             <a:r>
@@ -2650,21 +2699,21 @@
                 <a:latin typeface="Times New Roman"/>
                 <a:cs typeface="Times New Roman"/>
               </a:rPr>
-              <a:t>keys</a:t>
+              <a:t>list</a:t>
             </a:r>
             <a:r>
               <a:rPr lang="fr-FR" sz="1000" b="0" i="0" baseline="0" dirty="0" smtClean="0">
                 <a:latin typeface="Times New Roman"/>
                 <a:cs typeface="Times New Roman"/>
               </a:rPr>
-              <a:t> of the </a:t>
+              <a:t> </a:t>
             </a:r>
             <a:r>
               <a:rPr lang="fr-FR" sz="1000" b="0" i="0" baseline="0" dirty="0" err="1" smtClean="0">
                 <a:latin typeface="Times New Roman"/>
                 <a:cs typeface="Times New Roman"/>
               </a:rPr>
-              <a:t>list</a:t>
+              <a:t>key</a:t>
             </a:r>
             <a:r>
               <a:rPr lang="fr-FR" sz="1000" b="0" i="0" baseline="0" dirty="0" smtClean="0">
@@ -2779,31 +2828,38 @@
                 <a:latin typeface="Times New Roman"/>
                 <a:cs typeface="Times New Roman"/>
               </a:rPr>
-              <a:t>java object have getters methods to follow the tree of instances. About hundred of java classes</a:t>
+              <a:t>java object have getters methods to follow the tree of instances. About hundred</a:t>
             </a:r>
             <a:r>
               <a:rPr lang="en-US" sz="1000" b="0" i="0" baseline="0" dirty="0" smtClean="0">
                 <a:latin typeface="Times New Roman"/>
                 <a:cs typeface="Times New Roman"/>
               </a:rPr>
-              <a:t> were necessary to </a:t>
+              <a:t> java </a:t>
             </a:r>
             <a:r>
               <a:rPr lang="en-US" sz="1000" b="0" i="0" baseline="0" dirty="0" smtClean="0">
                 <a:latin typeface="Times New Roman"/>
                 <a:cs typeface="Times New Roman"/>
               </a:rPr>
-              <a:t>represent any </a:t>
-            </a:r>
-            <a:r>
-              <a:rPr lang="en-US" sz="1000" b="0" i="0" baseline="0" smtClean="0">
-                <a:latin typeface="Times New Roman"/>
-                <a:cs typeface="Times New Roman"/>
-              </a:rPr>
-              <a:t>YANG</a:t>
-            </a:r>
-            <a:r>
-              <a:rPr lang="en-US" sz="1000" b="0" i="0" baseline="0" smtClean="0">
+              <a:t>classes</a:t>
+            </a:r>
+            <a:r>
+              <a:rPr lang="en-US" sz="1000" b="0" i="0" baseline="0" dirty="0" smtClean="0">
+                <a:latin typeface="Times New Roman"/>
+                <a:cs typeface="Times New Roman"/>
+              </a:rPr>
+              <a:t> were necessaries to </a:t>
+            </a:r>
+            <a:r>
+              <a:rPr lang="en-US" sz="1000" b="0" i="0" baseline="0" dirty="0" smtClean="0">
+                <a:latin typeface="Times New Roman"/>
+                <a:cs typeface="Times New Roman"/>
+              </a:rPr>
+              <a:t>represent any YANG</a:t>
+            </a:r>
+            <a:r>
+              <a:rPr lang="en-US" sz="1000" b="0" i="0" baseline="0" dirty="0" smtClean="0">
                 <a:latin typeface="Times New Roman"/>
                 <a:cs typeface="Times New Roman"/>
               </a:rPr>
@@ -2866,7 +2922,7 @@
         <p:spPr/>
         <p:txBody>
           <a:bodyPr>
-            <a:normAutofit lnSpcReduction="10000"/>
+            <a:normAutofit fontScale="92500"/>
           </a:bodyPr>
           <a:lstStyle/>
           <a:p>
@@ -2932,161 +2988,77 @@
                 <a:latin typeface="Times New Roman"/>
                 <a:cs typeface="Times New Roman"/>
               </a:rPr>
-              <a:t>. A </a:t>
+              <a:t>. The parsing of one YANG data model generate other ones when a module imports or includes other module or </a:t>
             </a:r>
             <a:r>
               <a:rPr lang="en-US" sz="1000" baseline="0" dirty="0" err="1" smtClean="0">
                 <a:latin typeface="Times New Roman"/>
                 <a:cs typeface="Times New Roman"/>
               </a:rPr>
-              <a:t>jYang</a:t>
+              <a:t>submodule</a:t>
             </a:r>
             <a:r>
               <a:rPr lang="en-US" sz="1000" baseline="0" dirty="0" smtClean="0">
                 <a:latin typeface="Times New Roman"/>
                 <a:cs typeface="Times New Roman"/>
               </a:rPr>
-              <a:t> compilation starts with one or more YANG files references that will be loaded by the parser. All import and include statements are followed without parsing twice the same file. So for example if one just gives the </a:t>
-            </a:r>
-            <a:r>
-              <a:rPr lang="en-US" sz="1000" i="1" baseline="0" dirty="0" smtClean="0">
-                <a:latin typeface="Times New Roman"/>
-                <a:cs typeface="Times New Roman"/>
-              </a:rPr>
-              <a:t>sa1 </a:t>
+              <a:t>. On the example in the figure 4, the module </a:t>
+            </a:r>
+            <a:r>
+              <a:rPr lang="en-US" sz="1000" b="0" i="1" baseline="0" dirty="0" smtClean="0">
+                <a:latin typeface="Times New Roman"/>
+                <a:cs typeface="Times New Roman"/>
+              </a:rPr>
+              <a:t>a</a:t>
             </a:r>
             <a:r>
               <a:rPr lang="en-US" sz="1000" baseline="0" dirty="0" smtClean="0">
                 <a:latin typeface="Times New Roman"/>
                 <a:cs typeface="Times New Roman"/>
               </a:rPr>
-              <a:t>sub-module to check then the modules </a:t>
-            </a:r>
-            <a:r>
-              <a:rPr lang="en-US" sz="1000" i="1" baseline="0" dirty="0" smtClean="0">
-                <a:latin typeface="Times New Roman"/>
-                <a:cs typeface="Times New Roman"/>
-              </a:rPr>
-              <a:t>a</a:t>
+              <a:t> imports the module </a:t>
+            </a:r>
+            <a:r>
+              <a:rPr lang="en-US" sz="1000" b="0" i="1" baseline="0" dirty="0" err="1" smtClean="0">
+                <a:latin typeface="Times New Roman"/>
+                <a:cs typeface="Times New Roman"/>
+              </a:rPr>
+              <a:t>b</a:t>
             </a:r>
             <a:r>
               <a:rPr lang="en-US" sz="1000" baseline="0" dirty="0" smtClean="0">
                 <a:latin typeface="Times New Roman"/>
                 <a:cs typeface="Times New Roman"/>
               </a:rPr>
-              <a:t> and </a:t>
-            </a:r>
-            <a:r>
-              <a:rPr lang="en-US" sz="1000" i="1" baseline="0" dirty="0" err="1" smtClean="0">
-                <a:latin typeface="Times New Roman"/>
-                <a:cs typeface="Times New Roman"/>
-              </a:rPr>
-              <a:t>b</a:t>
-            </a:r>
-            <a:r>
-              <a:rPr lang="en-US" sz="1000" i="1" baseline="0" dirty="0" smtClean="0">
+              <a:t> and include the </a:t>
+            </a:r>
+            <a:r>
+              <a:rPr lang="en-US" sz="1000" baseline="0" dirty="0" err="1" smtClean="0">
+                <a:latin typeface="Times New Roman"/>
+                <a:cs typeface="Times New Roman"/>
+              </a:rPr>
+              <a:t>submodule</a:t>
+            </a:r>
+            <a:r>
+              <a:rPr lang="en-US" sz="1000" baseline="0" dirty="0" smtClean="0">
                 <a:latin typeface="Times New Roman"/>
                 <a:cs typeface="Times New Roman"/>
               </a:rPr>
               <a:t> </a:t>
             </a:r>
             <a:r>
-              <a:rPr lang="en-US" sz="1000" i="0" baseline="0" dirty="0" smtClean="0">
-                <a:latin typeface="Times New Roman"/>
-                <a:cs typeface="Times New Roman"/>
-              </a:rPr>
-              <a:t>will be too</a:t>
+              <a:rPr lang="en-US" sz="1000" b="0" i="1" baseline="0" dirty="0" smtClean="0">
+                <a:latin typeface="Times New Roman"/>
+                <a:cs typeface="Times New Roman"/>
+              </a:rPr>
+              <a:t>sa1</a:t>
             </a:r>
             <a:r>
               <a:rPr lang="en-US" sz="1000" baseline="0" dirty="0" smtClean="0">
                 <a:latin typeface="Times New Roman"/>
                 <a:cs typeface="Times New Roman"/>
               </a:rPr>
-              <a:t>, because </a:t>
-            </a:r>
-            <a:r>
-              <a:rPr lang="en-US" sz="1000" i="1" baseline="0" dirty="0" smtClean="0">
-                <a:latin typeface="Times New Roman"/>
-                <a:cs typeface="Times New Roman"/>
-              </a:rPr>
-              <a:t>sa1 </a:t>
-            </a:r>
-            <a:r>
-              <a:rPr lang="en-US" sz="1000" baseline="0" dirty="0" smtClean="0">
-                <a:latin typeface="Times New Roman"/>
-                <a:cs typeface="Times New Roman"/>
-              </a:rPr>
-              <a:t>belongs-to </a:t>
-            </a:r>
-            <a:r>
-              <a:rPr lang="en-US" sz="1000" i="1" baseline="0" dirty="0" smtClean="0">
-                <a:latin typeface="Times New Roman"/>
-                <a:cs typeface="Times New Roman"/>
-              </a:rPr>
-              <a:t>a </a:t>
-            </a:r>
-            <a:r>
-              <a:rPr lang="en-US" sz="1000" baseline="0" dirty="0" smtClean="0">
-                <a:latin typeface="Times New Roman"/>
-                <a:cs typeface="Times New Roman"/>
-              </a:rPr>
-              <a:t>and </a:t>
-            </a:r>
-            <a:r>
-              <a:rPr lang="en-US" sz="1000" i="1" baseline="0" dirty="0" smtClean="0">
-                <a:latin typeface="Times New Roman"/>
-                <a:cs typeface="Times New Roman"/>
-              </a:rPr>
-              <a:t>a </a:t>
-            </a:r>
-            <a:r>
-              <a:rPr lang="en-US" sz="1000" baseline="0" dirty="0" smtClean="0">
-                <a:latin typeface="Times New Roman"/>
-                <a:cs typeface="Times New Roman"/>
-              </a:rPr>
-              <a:t>import </a:t>
-            </a:r>
-            <a:r>
-              <a:rPr lang="en-US" sz="1000" i="1" baseline="0" dirty="0" err="1" smtClean="0">
-                <a:latin typeface="Times New Roman"/>
-                <a:cs typeface="Times New Roman"/>
-              </a:rPr>
-              <a:t>b</a:t>
-            </a:r>
-            <a:r>
-              <a:rPr lang="en-US" sz="1000" baseline="0" dirty="0" smtClean="0">
-                <a:latin typeface="Times New Roman"/>
-                <a:cs typeface="Times New Roman"/>
-              </a:rPr>
-              <a:t>. The internal representation of YANG specifications is one of the output of </a:t>
-            </a:r>
-            <a:r>
-              <a:rPr lang="en-US" sz="1000" baseline="0" dirty="0" err="1" smtClean="0">
-                <a:latin typeface="Times New Roman"/>
-                <a:cs typeface="Times New Roman"/>
-              </a:rPr>
-              <a:t>jYang</a:t>
-            </a:r>
-            <a:r>
-              <a:rPr lang="en-US" sz="1000" baseline="0" dirty="0" smtClean="0">
-                <a:latin typeface="Times New Roman"/>
-                <a:cs typeface="Times New Roman"/>
-              </a:rPr>
-              <a:t> and is composed of the java objects tree we show in </a:t>
-            </a:r>
-            <a:r>
-              <a:rPr lang="fr-FR" sz="1000" baseline="0" dirty="0" smtClean="0">
-                <a:latin typeface="Times New Roman"/>
-                <a:cs typeface="Times New Roman"/>
-              </a:rPr>
-              <a:t>slide</a:t>
-            </a:r>
-            <a:r>
-              <a:rPr lang="en-US" sz="1000" baseline="0" dirty="0" smtClean="0">
-                <a:latin typeface="Times New Roman"/>
-                <a:cs typeface="Times New Roman"/>
-              </a:rPr>
-              <a:t> 3. Another output can be a list of errors encountered during the parsing. Full syntax checking is done and some constraints (as default value that must fit to its type range) are covered. YANG allows data modelers to express some constraints like range number or string pattern. The constraints are checked when sub typing is used or when default values are set. Other constraints that can be expressed on the data value level are not checked. For example one can specify conditional presence of data depending on other data values (or hosting device capabilities).</a:t>
+              <a:t>. Either the parsing finish with error listing or it produces  a java representation of the YANG data model.</a:t>
             </a:r>
           </a:p>
           <a:p>
@@ -3103,231 +3075,21 @@
                 <a:latin typeface="Times New Roman"/>
                 <a:cs typeface="Times New Roman"/>
               </a:rPr>
-              <a:t>Another useful output of </a:t>
+              <a:t>Full syntax checking is done and some constraints are checked. YANG allows data modelers to express static constraints like default values or key indexing specification that can be checked at parsing time. Also when range number or string pattern defined for a type are modified by a new type (with the </a:t>
             </a:r>
             <a:r>
               <a:rPr lang="en-US" sz="1000" baseline="0" dirty="0" err="1" smtClean="0">
                 <a:latin typeface="Times New Roman"/>
                 <a:cs typeface="Times New Roman"/>
               </a:rPr>
-              <a:t>jYang</a:t>
+              <a:t>typedef</a:t>
             </a:r>
             <a:r>
               <a:rPr lang="en-US" sz="1000" baseline="0" dirty="0" smtClean="0">
                 <a:latin typeface="Times New Roman"/>
                 <a:cs typeface="Times New Roman"/>
               </a:rPr>
-              <a:t> is the </a:t>
-            </a:r>
-            <a:r>
-              <a:rPr lang="en-US" sz="1000" baseline="0" dirty="0" err="1" smtClean="0">
-                <a:latin typeface="Times New Roman"/>
-                <a:cs typeface="Times New Roman"/>
-              </a:rPr>
-              <a:t>YangTreeNode</a:t>
-            </a:r>
-            <a:r>
-              <a:rPr lang="en-US" sz="1000" baseline="0" dirty="0" smtClean="0">
-                <a:latin typeface="Times New Roman"/>
-                <a:cs typeface="Times New Roman"/>
-              </a:rPr>
-              <a:t> that is also a java object tree where each node contains a reference to a YANG statement. This tree represents YANG specification but where </a:t>
-            </a:r>
-            <a:r>
-              <a:rPr lang="en-US" sz="1000" baseline="0" dirty="0" err="1" smtClean="0">
-                <a:latin typeface="Times New Roman"/>
-                <a:cs typeface="Times New Roman"/>
-              </a:rPr>
-              <a:t>typedef</a:t>
-            </a:r>
-            <a:r>
-              <a:rPr lang="en-US" sz="1000" baseline="0" dirty="0" smtClean="0">
-                <a:latin typeface="Times New Roman"/>
-                <a:cs typeface="Times New Roman"/>
-              </a:rPr>
-              <a:t> and grouping are copied at places where they are used. </a:t>
-            </a:r>
-            <a:r>
-              <a:rPr lang="en-US" sz="1000" baseline="0" dirty="0" err="1" smtClean="0">
-                <a:latin typeface="Times New Roman"/>
-                <a:cs typeface="Times New Roman"/>
-              </a:rPr>
-              <a:t>YangTreeNode</a:t>
-            </a:r>
-            <a:r>
-              <a:rPr lang="en-US" sz="1000" baseline="0" dirty="0" smtClean="0">
-                <a:latin typeface="Times New Roman"/>
-                <a:cs typeface="Times New Roman"/>
-              </a:rPr>
-              <a:t> is an intermediary representation of YANG specifications between static data model and data values on the wire. Its goal is to alleviate the work of any backend that focuses on NETCONF data values. As an example on the </a:t>
-            </a:r>
-            <a:r>
-              <a:rPr lang="fr-FR" sz="1000" baseline="0" dirty="0" smtClean="0">
-                <a:latin typeface="Times New Roman"/>
-                <a:cs typeface="Times New Roman"/>
-              </a:rPr>
-              <a:t>slide</a:t>
-            </a:r>
-            <a:r>
-              <a:rPr lang="en-US" sz="1000" baseline="0" dirty="0" smtClean="0">
-                <a:latin typeface="Times New Roman"/>
-                <a:cs typeface="Times New Roman"/>
-              </a:rPr>
-              <a:t> 4 the module </a:t>
-            </a:r>
-            <a:r>
-              <a:rPr lang="en-US" sz="1000" i="1" baseline="0" dirty="0" err="1" smtClean="0">
-                <a:latin typeface="Times New Roman"/>
-                <a:cs typeface="Times New Roman"/>
-              </a:rPr>
-              <a:t>b</a:t>
-            </a:r>
-            <a:r>
-              <a:rPr lang="en-US" sz="1000" baseline="0" dirty="0" smtClean="0">
-                <a:latin typeface="Times New Roman"/>
-                <a:cs typeface="Times New Roman"/>
-              </a:rPr>
-              <a:t> only contains a grouping definition that is used two times in the module </a:t>
-            </a:r>
-            <a:r>
-              <a:rPr lang="en-US" sz="1000" i="1" baseline="0" dirty="0" smtClean="0">
-                <a:latin typeface="Times New Roman"/>
-                <a:cs typeface="Times New Roman"/>
-              </a:rPr>
-              <a:t>a </a:t>
-            </a:r>
-            <a:r>
-              <a:rPr lang="en-US" sz="1000" i="0" baseline="0" dirty="0" smtClean="0">
-                <a:latin typeface="Times New Roman"/>
-                <a:cs typeface="Times New Roman"/>
-              </a:rPr>
-              <a:t>so the </a:t>
-            </a:r>
-            <a:r>
-              <a:rPr lang="en-US" sz="1000" i="0" baseline="0" dirty="0" err="1" smtClean="0">
-                <a:latin typeface="Times New Roman"/>
-                <a:cs typeface="Times New Roman"/>
-              </a:rPr>
-              <a:t>YangTreeNode</a:t>
-            </a:r>
-            <a:r>
-              <a:rPr lang="en-US" sz="1000" i="0" baseline="0" dirty="0" smtClean="0">
-                <a:latin typeface="Times New Roman"/>
-                <a:cs typeface="Times New Roman"/>
-              </a:rPr>
-              <a:t>  from </a:t>
-            </a:r>
-            <a:r>
-              <a:rPr lang="en-US" sz="1000" i="1" baseline="0" dirty="0" smtClean="0">
-                <a:latin typeface="Times New Roman"/>
-                <a:cs typeface="Times New Roman"/>
-              </a:rPr>
-              <a:t>a</a:t>
-            </a:r>
-            <a:r>
-              <a:rPr lang="en-US" sz="1000" i="0" baseline="0" dirty="0" smtClean="0">
-                <a:latin typeface="Times New Roman"/>
-                <a:cs typeface="Times New Roman"/>
-              </a:rPr>
-              <a:t> that we note </a:t>
-            </a:r>
-            <a:r>
-              <a:rPr lang="en-US" sz="1000" i="1" baseline="0" dirty="0" smtClean="0">
-                <a:latin typeface="Times New Roman"/>
-                <a:cs typeface="Times New Roman"/>
-              </a:rPr>
-              <a:t>a’</a:t>
-            </a:r>
-            <a:r>
-              <a:rPr lang="en-US" sz="1000" i="0" baseline="0" dirty="0" smtClean="0">
-                <a:latin typeface="Times New Roman"/>
-                <a:cs typeface="Times New Roman"/>
-              </a:rPr>
-              <a:t>, contains two </a:t>
-            </a:r>
-            <a:r>
-              <a:rPr lang="en-US" sz="1000" i="0" baseline="0" dirty="0" err="1" smtClean="0">
-                <a:latin typeface="Times New Roman"/>
-                <a:cs typeface="Times New Roman"/>
-              </a:rPr>
-              <a:t>YangTreeNode</a:t>
-            </a:r>
-            <a:r>
-              <a:rPr lang="en-US" sz="1000" i="0" baseline="0" dirty="0" smtClean="0">
-                <a:latin typeface="Times New Roman"/>
-                <a:cs typeface="Times New Roman"/>
-              </a:rPr>
-              <a:t> </a:t>
-            </a:r>
-            <a:r>
-              <a:rPr lang="en-US" sz="1000" i="1" baseline="0" dirty="0" err="1" smtClean="0">
-                <a:latin typeface="Times New Roman"/>
-                <a:cs typeface="Times New Roman"/>
-              </a:rPr>
-              <a:t>b</a:t>
-            </a:r>
-            <a:r>
-              <a:rPr lang="en-US" sz="1000" i="1" baseline="0" dirty="0" smtClean="0">
-                <a:latin typeface="Times New Roman"/>
-                <a:cs typeface="Times New Roman"/>
-              </a:rPr>
-              <a:t>’</a:t>
-            </a:r>
-            <a:r>
-              <a:rPr lang="en-US" sz="1000" i="0" baseline="0" dirty="0" smtClean="0">
-                <a:latin typeface="Times New Roman"/>
-                <a:cs typeface="Times New Roman"/>
-              </a:rPr>
-              <a:t> from </a:t>
-            </a:r>
-            <a:r>
-              <a:rPr lang="en-US" sz="1000" i="1" baseline="0" dirty="0" err="1" smtClean="0">
-                <a:latin typeface="Times New Roman"/>
-                <a:cs typeface="Times New Roman"/>
-              </a:rPr>
-              <a:t>b</a:t>
-            </a:r>
-            <a:r>
-              <a:rPr lang="en-US" sz="1000" i="0" baseline="0" dirty="0" smtClean="0">
-                <a:latin typeface="Times New Roman"/>
-                <a:cs typeface="Times New Roman"/>
-              </a:rPr>
-              <a:t> (we do not show </a:t>
-            </a:r>
-            <a:r>
-              <a:rPr lang="en-US" sz="1000" i="1" baseline="0" dirty="0" smtClean="0">
-                <a:latin typeface="Times New Roman"/>
-                <a:cs typeface="Times New Roman"/>
-              </a:rPr>
-              <a:t>sa1’ </a:t>
-            </a:r>
-            <a:r>
-              <a:rPr lang="en-US" sz="1000" i="0" baseline="0" dirty="0" smtClean="0">
-                <a:latin typeface="Times New Roman"/>
-                <a:cs typeface="Times New Roman"/>
-              </a:rPr>
-              <a:t>for readability of </a:t>
-            </a:r>
-            <a:r>
-              <a:rPr lang="fr-FR" sz="1000" i="0" baseline="0" dirty="0" smtClean="0">
-                <a:latin typeface="Times New Roman"/>
-                <a:cs typeface="Times New Roman"/>
-              </a:rPr>
-              <a:t>the</a:t>
-            </a:r>
-            <a:r>
-              <a:rPr lang="en-US" sz="1000" i="0" baseline="0" dirty="0" smtClean="0">
-                <a:latin typeface="Times New Roman"/>
-                <a:cs typeface="Times New Roman"/>
-              </a:rPr>
-              <a:t> picture)</a:t>
-            </a:r>
-            <a:r>
-              <a:rPr lang="en-US" sz="1000" baseline="0" dirty="0" smtClean="0">
-                <a:latin typeface="Times New Roman"/>
-                <a:cs typeface="Times New Roman"/>
-              </a:rPr>
-              <a:t>. </a:t>
+              <a:t> statement). YANG allows dynamic constraints on the data value, as the conditional presence of data depending on other data values or hosting device capabilities, that obviously can not be checked at parsing time.</a:t>
             </a:r>
           </a:p>
           <a:p>
@@ -3344,7 +3106,7 @@
                 <a:latin typeface="Times New Roman"/>
                 <a:cs typeface="Times New Roman"/>
               </a:rPr>
-              <a:t> The </a:t>
+              <a:t>When no error are encountered the YANG data model is represented by what we call a </a:t>
             </a:r>
             <a:r>
               <a:rPr lang="en-US" sz="1000" baseline="0" dirty="0" err="1" smtClean="0">
@@ -3358,41 +3120,181 @@
                 <a:latin typeface="Times New Roman"/>
                 <a:cs typeface="Times New Roman"/>
               </a:rPr>
-              <a:t> is used to produce the YANG standard data tree from XML data of </a:t>
+              <a:t>. This tree, build from java instances of classes shown in the figure 3, is an interpretation of YANG data model where only YANG statement describing data values are present. For example on</a:t>
             </a:r>
             <a:r>
               <a:rPr lang="fr-FR" sz="1000" baseline="0" dirty="0" smtClean="0">
                 <a:latin typeface="Times New Roman"/>
                 <a:cs typeface="Times New Roman"/>
               </a:rPr>
-              <a:t>NETCONF</a:t>
+              <a:t> t</a:t>
             </a:r>
             <a:r>
               <a:rPr lang="en-US" sz="1000" baseline="0" dirty="0" smtClean="0">
                 <a:latin typeface="Times New Roman"/>
                 <a:cs typeface="Times New Roman"/>
               </a:rPr>
-              <a:t> operations. The </a:t>
+              <a:t>he upper part of the figure 4, suppose the module </a:t>
+            </a:r>
+            <a:r>
+              <a:rPr lang="en-US" sz="1000" b="0" i="1" kern="1200" baseline="0" dirty="0" err="1" smtClean="0">
+                <a:solidFill>
+                  <a:schemeClr val="tx1"/>
+                </a:solidFill>
+                <a:latin typeface="Times New Roman"/>
+                <a:ea typeface="+mn-ea"/>
+                <a:cs typeface="Times New Roman"/>
+              </a:rPr>
+              <a:t>b</a:t>
+            </a:r>
+            <a:r>
+              <a:rPr lang="en-US" sz="1000" baseline="0" dirty="0" smtClean="0">
+                <a:latin typeface="Times New Roman"/>
+                <a:cs typeface="Times New Roman"/>
+              </a:rPr>
+              <a:t> is only a grouping statement that is used by some statements in the module </a:t>
+            </a:r>
+            <a:r>
+              <a:rPr lang="en-US" sz="1000" b="0" i="1" baseline="0" dirty="0" smtClean="0">
+                <a:latin typeface="Times New Roman"/>
+                <a:cs typeface="Times New Roman"/>
+              </a:rPr>
+              <a:t>a</a:t>
+            </a:r>
+            <a:r>
+              <a:rPr lang="en-US" sz="1000" baseline="0" dirty="0" smtClean="0">
+                <a:latin typeface="Times New Roman"/>
+                <a:cs typeface="Times New Roman"/>
+              </a:rPr>
+              <a:t> (those with a dashed arrow). Then the final </a:t>
+            </a:r>
+            <a:r>
+              <a:rPr lang="en-US" sz="1000" baseline="0" dirty="0" err="1" smtClean="0">
+                <a:latin typeface="Times New Roman"/>
+                <a:cs typeface="Times New Roman"/>
+              </a:rPr>
+              <a:t>YangTreeNode</a:t>
+            </a:r>
+            <a:r>
+              <a:rPr lang="en-US" sz="1000" baseline="0" dirty="0" smtClean="0">
+                <a:latin typeface="Times New Roman"/>
+                <a:cs typeface="Times New Roman"/>
+              </a:rPr>
+              <a:t> reflects this by a tree with a full copy of all needed statements, we call </a:t>
+            </a:r>
+            <a:r>
+              <a:rPr lang="en-US" sz="1000" b="0" i="1" baseline="0" dirty="0" err="1" smtClean="0">
+                <a:latin typeface="Times New Roman"/>
+                <a:cs typeface="Times New Roman"/>
+              </a:rPr>
+              <a:t>b</a:t>
+            </a:r>
+            <a:r>
+              <a:rPr lang="en-US" sz="1000" b="0" i="1" baseline="0" dirty="0" smtClean="0">
+                <a:latin typeface="Times New Roman"/>
+                <a:cs typeface="Times New Roman"/>
+              </a:rPr>
+              <a:t>’</a:t>
+            </a:r>
+            <a:r>
+              <a:rPr lang="en-US" sz="1000" baseline="0" dirty="0" smtClean="0">
+                <a:latin typeface="Times New Roman"/>
+                <a:cs typeface="Times New Roman"/>
+              </a:rPr>
+              <a:t> and </a:t>
+            </a:r>
+            <a:r>
+              <a:rPr lang="en-US" sz="1000" b="0" i="1" baseline="0" dirty="0" err="1" smtClean="0">
+                <a:latin typeface="Times New Roman"/>
+                <a:cs typeface="Times New Roman"/>
+              </a:rPr>
+              <a:t>b</a:t>
+            </a:r>
+            <a:r>
+              <a:rPr lang="en-US" sz="1000" b="0" i="1" baseline="0" dirty="0" smtClean="0">
+                <a:latin typeface="Times New Roman"/>
+                <a:cs typeface="Times New Roman"/>
+              </a:rPr>
+              <a:t>’</a:t>
+            </a:r>
+            <a:r>
+              <a:rPr lang="en-US" sz="1000" baseline="0" dirty="0" smtClean="0">
+                <a:latin typeface="Times New Roman"/>
+                <a:cs typeface="Times New Roman"/>
+              </a:rPr>
+              <a:t>’. In the same way, when there are choice statements in the YANG data model then all cases are represented. But this is not the true for type definition because a type is not a value but is used inside a statement. </a:t>
             </a:r>
             <a:r>
               <a:rPr lang="fr-FR" sz="1000" baseline="0" dirty="0" smtClean="0">
                 <a:latin typeface="Times New Roman"/>
                 <a:cs typeface="Times New Roman"/>
               </a:rPr>
-              <a:t>slide</a:t>
+              <a:t>I</a:t>
+            </a:r>
+            <a:r>
+              <a:rPr lang="en-US" sz="1000" baseline="0" dirty="0" err="1" smtClean="0">
+                <a:latin typeface="Times New Roman"/>
+                <a:cs typeface="Times New Roman"/>
+              </a:rPr>
+              <a:t>n</a:t>
             </a:r>
             <a:r>
               <a:rPr lang="en-US" sz="1000" baseline="0" dirty="0" smtClean="0">
                 <a:latin typeface="Times New Roman"/>
                 <a:cs typeface="Times New Roman"/>
               </a:rPr>
-              <a:t> 4 suggests that the data tree has more nodes than the </a:t>
+              <a:t> our example the </a:t>
             </a:r>
             <a:r>
               <a:rPr lang="en-US" sz="1000" baseline="0" dirty="0" err="1" smtClean="0">
                 <a:latin typeface="Times New Roman"/>
                 <a:cs typeface="Times New Roman"/>
               </a:rPr>
+              <a:t>submodule</a:t>
+            </a:r>
+            <a:r>
+              <a:rPr lang="en-US" sz="1000" baseline="0" dirty="0" smtClean="0">
+                <a:latin typeface="Times New Roman"/>
+                <a:cs typeface="Times New Roman"/>
+              </a:rPr>
+              <a:t> sa1 is only a </a:t>
+            </a:r>
+            <a:r>
+              <a:rPr lang="en-US" sz="1000" baseline="0" dirty="0" err="1" smtClean="0">
+                <a:latin typeface="Times New Roman"/>
+                <a:cs typeface="Times New Roman"/>
+              </a:rPr>
+              <a:t>typedef</a:t>
+            </a:r>
+            <a:r>
+              <a:rPr lang="en-US" sz="1000" baseline="0" dirty="0" smtClean="0">
+                <a:latin typeface="Times New Roman"/>
+                <a:cs typeface="Times New Roman"/>
+              </a:rPr>
+              <a:t> collection and so there is no copy of them in the final tree.</a:t>
+            </a:r>
+          </a:p>
+          <a:p>
+            <a:pPr algn="just"/>
+            <a:endParaRPr lang="en-US" sz="1000" baseline="0" dirty="0" smtClean="0">
+              <a:latin typeface="Times New Roman"/>
+              <a:cs typeface="Times New Roman"/>
+            </a:endParaRPr>
+          </a:p>
+          <a:p>
+            <a:pPr algn="just"/>
+            <a:r>
+              <a:rPr lang="en-US" sz="1000" baseline="0" dirty="0" smtClean="0">
+                <a:latin typeface="Times New Roman"/>
+                <a:cs typeface="Times New Roman"/>
+              </a:rPr>
+              <a:t>The </a:t>
+            </a:r>
+            <a:r>
+              <a:rPr lang="en-US" sz="1000" baseline="0" dirty="0" err="1" smtClean="0">
+                <a:latin typeface="Times New Roman"/>
+                <a:cs typeface="Times New Roman"/>
+              </a:rPr>
               <a:t>YangTreeNode</a:t>
             </a:r>
             <a:r>
@@ -3400,7 +3302,77 @@
                 <a:latin typeface="Times New Roman"/>
                 <a:cs typeface="Times New Roman"/>
               </a:rPr>
-              <a:t> and that these nodes have a common pattern. </a:t>
+              <a:t> is used to</a:t>
+            </a:r>
+            <a:r>
+              <a:rPr lang="en-US" sz="1000" baseline="0" dirty="0" smtClean="0">
+                <a:latin typeface="Times New Roman"/>
+                <a:cs typeface="Times New Roman"/>
+              </a:rPr>
+              <a:t> match the YANG </a:t>
+            </a:r>
+            <a:r>
+              <a:rPr lang="en-US" sz="1000" baseline="0" dirty="0" smtClean="0">
+                <a:latin typeface="Times New Roman"/>
+                <a:cs typeface="Times New Roman"/>
+              </a:rPr>
+              <a:t>data tree</a:t>
+            </a:r>
+            <a:r>
+              <a:rPr lang="en-US" sz="1000" baseline="0" dirty="0" smtClean="0">
+                <a:latin typeface="Times New Roman"/>
+                <a:cs typeface="Times New Roman"/>
+              </a:rPr>
+              <a:t> with raw NETCONF XML data. The YANG data tree is the hierarchy of all configuration data values in a NETCONF server. The matching process take place in the configuration manager when receiving NETCONF responses. Note the right part of the figure </a:t>
+            </a:r>
+            <a:r>
+              <a:rPr lang="en-US" sz="1000" baseline="0" dirty="0" smtClean="0">
+                <a:latin typeface="Times New Roman"/>
+                <a:cs typeface="Times New Roman"/>
+              </a:rPr>
+              <a:t>4</a:t>
+            </a:r>
+            <a:r>
+              <a:rPr lang="en-US" sz="1000" baseline="0" dirty="0" smtClean="0">
+                <a:latin typeface="Times New Roman"/>
+                <a:cs typeface="Times New Roman"/>
+              </a:rPr>
+              <a:t> shows that the YANG </a:t>
+            </a:r>
+            <a:r>
+              <a:rPr lang="en-US" sz="1000" baseline="0" dirty="0" smtClean="0">
+                <a:latin typeface="Times New Roman"/>
+                <a:cs typeface="Times New Roman"/>
+              </a:rPr>
+              <a:t>data tree has more nodes than the </a:t>
+            </a:r>
+            <a:r>
+              <a:rPr lang="en-US" sz="1000" baseline="0" dirty="0" err="1" smtClean="0">
+                <a:latin typeface="Times New Roman"/>
+                <a:cs typeface="Times New Roman"/>
+              </a:rPr>
+              <a:t>YangTreeNode</a:t>
+            </a:r>
+            <a:r>
+              <a:rPr lang="en-US" sz="1000" baseline="0" dirty="0" smtClean="0">
+                <a:latin typeface="Times New Roman"/>
+                <a:cs typeface="Times New Roman"/>
+              </a:rPr>
+              <a:t> and</a:t>
+            </a:r>
+            <a:r>
+              <a:rPr lang="en-US" sz="1000" baseline="0" dirty="0" smtClean="0">
+                <a:latin typeface="Times New Roman"/>
+                <a:cs typeface="Times New Roman"/>
+              </a:rPr>
+              <a:t> these extra </a:t>
+            </a:r>
+            <a:r>
+              <a:rPr lang="en-US" sz="1000" baseline="0" dirty="0" smtClean="0">
+                <a:latin typeface="Times New Roman"/>
+                <a:cs typeface="Times New Roman"/>
+              </a:rPr>
+              <a:t>nodes have a common pattern. </a:t>
             </a:r>
             <a:r>
               <a:rPr lang="fr-FR" sz="1000" baseline="0" dirty="0" smtClean="0">
@@ -3414,22 +3386,103 @@
                 <a:latin typeface="Times New Roman"/>
                 <a:cs typeface="Times New Roman"/>
               </a:rPr>
-              <a:t>his can be the case when a YANG list (or leaf-list) is defined because the data tree will contain each entry of the list (or each value of a leaf list). At the opposite if a specification is made with plenty of choice statements then the data tree will only show one of the cases from the </a:t>
-            </a:r>
-            <a:r>
-              <a:rPr lang="fr-FR" sz="1000" baseline="0" dirty="0" smtClean="0">
-                <a:latin typeface="Times New Roman"/>
-                <a:cs typeface="Times New Roman"/>
-              </a:rPr>
-              <a:t>NETCONF</a:t>
+              <a:t>his</a:t>
             </a:r>
             <a:r>
               <a:rPr lang="en-US" sz="1000" baseline="0" dirty="0" smtClean="0">
                 <a:latin typeface="Times New Roman"/>
                 <a:cs typeface="Times New Roman"/>
               </a:rPr>
-              <a:t> data values.</a:t>
-            </a:r>
+              <a:t> is </a:t>
+            </a:r>
+            <a:r>
+              <a:rPr lang="en-US" sz="1000" baseline="0" dirty="0" smtClean="0">
+                <a:latin typeface="Times New Roman"/>
+                <a:cs typeface="Times New Roman"/>
+              </a:rPr>
+              <a:t>the case when a YANG list (or leaf-list) is defined</a:t>
+            </a:r>
+            <a:r>
+              <a:rPr lang="en-US" sz="1000" baseline="0" dirty="0" smtClean="0">
+                <a:latin typeface="Times New Roman"/>
+                <a:cs typeface="Times New Roman"/>
+              </a:rPr>
+              <a:t> and when the YANG data </a:t>
+            </a:r>
+            <a:r>
+              <a:rPr lang="en-US" sz="1000" baseline="0" dirty="0" smtClean="0">
+                <a:latin typeface="Times New Roman"/>
+                <a:cs typeface="Times New Roman"/>
+              </a:rPr>
+              <a:t>tree</a:t>
+            </a:r>
+            <a:r>
+              <a:rPr lang="en-US" sz="1000" baseline="0" dirty="0" smtClean="0">
+                <a:latin typeface="Times New Roman"/>
+                <a:cs typeface="Times New Roman"/>
+              </a:rPr>
+              <a:t> has several entries (</a:t>
+            </a:r>
+            <a:r>
+              <a:rPr lang="en-US" sz="1000" baseline="0" dirty="0" smtClean="0">
+                <a:latin typeface="Times New Roman"/>
+                <a:cs typeface="Times New Roman"/>
+              </a:rPr>
+              <a:t>or</a:t>
+            </a:r>
+            <a:r>
+              <a:rPr lang="en-US" sz="1000" baseline="0" dirty="0" smtClean="0">
+                <a:latin typeface="Times New Roman"/>
+                <a:cs typeface="Times New Roman"/>
+              </a:rPr>
+              <a:t> values)</a:t>
+            </a:r>
+            <a:r>
+              <a:rPr lang="en-US" sz="1000" baseline="0" dirty="0" smtClean="0">
+                <a:latin typeface="Times New Roman"/>
+                <a:cs typeface="Times New Roman"/>
+              </a:rPr>
+              <a:t>. At the </a:t>
+            </a:r>
+            <a:r>
+              <a:rPr lang="en-US" sz="1000" baseline="0" dirty="0" smtClean="0">
+                <a:latin typeface="Times New Roman"/>
+                <a:cs typeface="Times New Roman"/>
+              </a:rPr>
+              <a:t>opposite some data could be optional depending of the device itself, or when YANG data model has choice statements, </a:t>
+            </a:r>
+            <a:r>
+              <a:rPr lang="en-US" sz="1000" baseline="0" dirty="0" smtClean="0">
+                <a:latin typeface="Times New Roman"/>
+                <a:cs typeface="Times New Roman"/>
+              </a:rPr>
+              <a:t>then the</a:t>
+            </a:r>
+            <a:r>
+              <a:rPr lang="en-US" sz="1000" baseline="0" dirty="0" smtClean="0">
+                <a:latin typeface="Times New Roman"/>
+                <a:cs typeface="Times New Roman"/>
+              </a:rPr>
+              <a:t> YANG data </a:t>
+            </a:r>
+            <a:r>
+              <a:rPr lang="en-US" sz="1000" baseline="0" dirty="0" smtClean="0">
+                <a:latin typeface="Times New Roman"/>
+                <a:cs typeface="Times New Roman"/>
+              </a:rPr>
+              <a:t>tree will only</a:t>
+            </a:r>
+            <a:r>
+              <a:rPr lang="en-US" sz="1000" baseline="0" dirty="0" smtClean="0">
+                <a:latin typeface="Times New Roman"/>
+                <a:cs typeface="Times New Roman"/>
+              </a:rPr>
+              <a:t> have one case instantiated. </a:t>
+            </a:r>
+            <a:endParaRPr lang="en-US" sz="1000" baseline="0" dirty="0" smtClean="0">
+              <a:latin typeface="Times New Roman"/>
+              <a:cs typeface="Times New Roman"/>
+            </a:endParaRPr>
           </a:p>
         </p:txBody>
       </p:sp>
@@ -3483,7 +3536,7 @@
         <p:spPr/>
         <p:txBody>
           <a:bodyPr>
-            <a:normAutofit/>
+            <a:normAutofit lnSpcReduction="10000"/>
           </a:bodyPr>
           <a:lstStyle/>
           <a:p>
@@ -3507,21 +3560,63 @@
                 <a:latin typeface="Times New Roman"/>
                 <a:cs typeface="Times New Roman"/>
               </a:rPr>
-              <a:t> is an implementation of the server side of </a:t>
+              <a:t> is an</a:t>
+            </a:r>
+            <a:r>
+              <a:rPr lang="en-US" sz="1000" baseline="0" dirty="0" smtClean="0">
+                <a:latin typeface="Times New Roman"/>
+                <a:cs typeface="Times New Roman"/>
+              </a:rPr>
+              <a:t> open source implementation </a:t>
+            </a:r>
+            <a:r>
+              <a:rPr lang="en-US" sz="1000" baseline="0" dirty="0" smtClean="0">
+                <a:latin typeface="Times New Roman"/>
+                <a:cs typeface="Times New Roman"/>
+              </a:rPr>
+              <a:t>of the</a:t>
+            </a:r>
+            <a:r>
+              <a:rPr lang="en-US" sz="1000" baseline="0" dirty="0" smtClean="0">
+                <a:latin typeface="Times New Roman"/>
+                <a:cs typeface="Times New Roman"/>
+              </a:rPr>
+              <a:t> </a:t>
             </a:r>
             <a:r>
               <a:rPr lang="fr-FR" sz="1000" baseline="0" dirty="0" smtClean="0">
                 <a:latin typeface="Times New Roman"/>
                 <a:cs typeface="Times New Roman"/>
               </a:rPr>
-              <a:t>NETCONF.</a:t>
+              <a:t>NETCONF </a:t>
             </a:r>
             <a:r>
               <a:rPr lang="en-US" sz="1000" baseline="0" dirty="0" smtClean="0">
                 <a:latin typeface="Times New Roman"/>
                 <a:cs typeface="Times New Roman"/>
               </a:rPr>
-              <a:t> It is an open source software initially created by our research team. It is built on top of an SSH layer to ensure security, session and connection-oriented communication as stated by the standard. The RPC layer implements the RPC mechanism with &lt;</a:t>
+              <a:t>server side. The bottom part of its architecture </a:t>
+            </a:r>
+            <a:r>
+              <a:rPr lang="en-US" sz="1000" baseline="0" dirty="0" smtClean="0">
+                <a:latin typeface="Times New Roman"/>
+                <a:cs typeface="Times New Roman"/>
+              </a:rPr>
+              <a:t>is</a:t>
+            </a:r>
+            <a:r>
+              <a:rPr lang="en-US" sz="1000" baseline="0" dirty="0" smtClean="0">
+                <a:latin typeface="Times New Roman"/>
+                <a:cs typeface="Times New Roman"/>
+              </a:rPr>
+              <a:t> an </a:t>
+            </a:r>
+            <a:r>
+              <a:rPr lang="en-US" sz="1000" baseline="0" dirty="0" smtClean="0">
+                <a:latin typeface="Times New Roman"/>
+                <a:cs typeface="Times New Roman"/>
+              </a:rPr>
+              <a:t>SSH layer to ensure security, session and connection-oriented communication as stated by the standard. The RPC layer implements the RPC mechanism with &lt;</a:t>
             </a:r>
             <a:r>
               <a:rPr lang="en-US" sz="1000" baseline="0" dirty="0" err="1" smtClean="0">
@@ -3549,7 +3644,14 @@
                 <a:latin typeface="Times New Roman"/>
                 <a:cs typeface="Times New Roman"/>
               </a:rPr>
-              <a:t>-reply&gt; primitives that carries basic operations of the </a:t>
+              <a:t>-reply&gt; primitives that carries basic operations of </a:t>
+            </a:r>
+            <a:r>
+              <a:rPr lang="en-US" sz="1000" baseline="0" dirty="0" smtClean="0">
+                <a:latin typeface="Times New Roman"/>
+                <a:cs typeface="Times New Roman"/>
+              </a:rPr>
+              <a:t>the upper </a:t>
             </a:r>
             <a:r>
               <a:rPr lang="fr-FR" sz="1000" baseline="0" dirty="0" smtClean="0">
@@ -3591,21 +3693,14 @@
                 <a:latin typeface="Times New Roman"/>
                 <a:cs typeface="Times New Roman"/>
               </a:rPr>
-              <a:t>&gt; (notification are planned). The Data store Manager layer entity is responsible for maintaining a virtual database of configuration (and state) data and provides a read / write access to these data (state data being read-</a:t>
-            </a:r>
-            <a:r>
-              <a:rPr lang="en-US" sz="1000" baseline="0" dirty="0" err="1" smtClean="0">
-                <a:latin typeface="Times New Roman"/>
-                <a:cs typeface="Times New Roman"/>
-              </a:rPr>
-              <a:t>olny</a:t>
+              <a:t>&gt; (notification are planned). The Data store Manager layer entity is responsible for maintaining a virtual database of configuration (and state) data and provides a read / write access to these data (state data being read</a:t>
             </a:r>
             <a:r>
               <a:rPr lang="en-US" sz="1000" baseline="0" dirty="0" smtClean="0">
                 <a:latin typeface="Times New Roman"/>
                 <a:cs typeface="Times New Roman"/>
               </a:rPr>
-              <a:t>).</a:t>
+              <a:t>-only). The Data Store, illustrated in the figure 5, can be see as a global XML data tree where each module has its place.</a:t>
             </a:r>
           </a:p>
           <a:p>
@@ -3622,7 +3717,56 @@
                 <a:latin typeface="Times New Roman"/>
                 <a:cs typeface="Times New Roman"/>
               </a:rPr>
-              <a:t>At the starting of a session the Data Store Manager looks for modules in a text configuration file and dynamically loads them. A module is a piece of code that accesses to specific configuration and state information with an interface compliant with </a:t>
+              <a:t>When bootstrapping,  the </a:t>
+            </a:r>
+            <a:r>
+              <a:rPr lang="en-US" sz="1000" baseline="0" dirty="0" smtClean="0">
+                <a:latin typeface="Times New Roman"/>
+                <a:cs typeface="Times New Roman"/>
+              </a:rPr>
+              <a:t>Data Store Manager looks</a:t>
+            </a:r>
+            <a:r>
+              <a:rPr lang="en-US" sz="1000" baseline="0" dirty="0" smtClean="0">
+                <a:latin typeface="Times New Roman"/>
+                <a:cs typeface="Times New Roman"/>
+              </a:rPr>
+              <a:t> for </a:t>
+            </a:r>
+            <a:r>
+              <a:rPr lang="en-US" sz="1000" baseline="0" dirty="0" smtClean="0">
+                <a:latin typeface="Times New Roman"/>
+                <a:cs typeface="Times New Roman"/>
+              </a:rPr>
+              <a:t>modules</a:t>
+            </a:r>
+            <a:r>
+              <a:rPr lang="en-US" sz="1000" baseline="0" dirty="0" smtClean="0">
+                <a:latin typeface="Times New Roman"/>
+                <a:cs typeface="Times New Roman"/>
+              </a:rPr>
+              <a:t> through a local configuration </a:t>
+            </a:r>
+            <a:r>
+              <a:rPr lang="en-US" sz="1000" baseline="0" dirty="0" smtClean="0">
+                <a:latin typeface="Times New Roman"/>
+                <a:cs typeface="Times New Roman"/>
+              </a:rPr>
+              <a:t>file and dynamically loads them. A module is</a:t>
+            </a:r>
+            <a:r>
+              <a:rPr lang="en-US" sz="1000" baseline="0" dirty="0" smtClean="0">
+                <a:latin typeface="Times New Roman"/>
+                <a:cs typeface="Times New Roman"/>
+              </a:rPr>
+              <a:t> a </a:t>
+            </a:r>
+            <a:r>
+              <a:rPr lang="en-US" sz="1000" baseline="0" dirty="0" smtClean="0">
+                <a:latin typeface="Times New Roman"/>
+                <a:cs typeface="Times New Roman"/>
+              </a:rPr>
+              <a:t>piece of code that accesses to specific configuration and state information with an interface compliant with </a:t>
             </a:r>
             <a:r>
               <a:rPr lang="fr-FR" sz="1000" baseline="0" dirty="0" smtClean="0">
@@ -3636,13 +3780,158 @@
                 <a:latin typeface="Times New Roman"/>
                 <a:cs typeface="Times New Roman"/>
               </a:rPr>
-              <a:t> operations. For example there are modules for network interfaces, system, protocols like RIP or OLSR... When a module is loaded it must provide the location of its data by giving a path from the global root  (the &lt;</a:t>
+              <a:t> </a:t>
+            </a:r>
+            <a:r>
+              <a:rPr lang="en-US" sz="1000" baseline="0" dirty="0" smtClean="0">
+                <a:latin typeface="Times New Roman"/>
+                <a:cs typeface="Times New Roman"/>
+              </a:rPr>
+              <a:t>operations</a:t>
+            </a:r>
+            <a:r>
+              <a:rPr lang="en-US" sz="1000" baseline="0" dirty="0" smtClean="0">
+                <a:latin typeface="Times New Roman"/>
+                <a:cs typeface="Times New Roman"/>
+              </a:rPr>
+              <a:t>. For example there are modules for network interfaces, system, protocols like RIP or OLSR...</a:t>
+            </a:r>
+            <a:r>
+              <a:rPr lang="en-US" sz="1000" baseline="0" dirty="0" smtClean="0">
+                <a:latin typeface="Times New Roman"/>
+                <a:cs typeface="Times New Roman"/>
+              </a:rPr>
+              <a:t> </a:t>
+            </a:r>
+            <a:r>
+              <a:rPr lang="fr-FR" sz="1200" kern="1200" baseline="0" dirty="0" err="1" smtClean="0">
+                <a:solidFill>
+                  <a:schemeClr val="tx1"/>
+                </a:solidFill>
+                <a:latin typeface="+mn-lt"/>
+                <a:ea typeface="+mn-ea"/>
+                <a:cs typeface="+mn-cs"/>
+              </a:rPr>
+              <a:t>A</a:t>
+            </a:r>
+            <a:r>
+              <a:rPr lang="fr-FR" sz="1200" kern="1200" dirty="0" err="1" smtClean="0">
+                <a:solidFill>
+                  <a:schemeClr val="tx1"/>
+                </a:solidFill>
+                <a:latin typeface="+mn-lt"/>
+                <a:ea typeface="+mn-ea"/>
+                <a:cs typeface="+mn-cs"/>
+              </a:rPr>
+              <a:t>lthough</a:t>
+            </a:r>
+            <a:r>
+              <a:rPr lang="fr-FR" sz="1200" kern="1200" dirty="0" smtClean="0">
+                <a:solidFill>
+                  <a:schemeClr val="tx1"/>
+                </a:solidFill>
+                <a:latin typeface="+mn-lt"/>
+                <a:ea typeface="+mn-ea"/>
+                <a:cs typeface="+mn-cs"/>
+              </a:rPr>
+              <a:t> </a:t>
             </a:r>
             <a:r>
               <a:rPr lang="en-US" sz="1000" baseline="0" dirty="0" err="1" smtClean="0">
                 <a:latin typeface="Times New Roman"/>
                 <a:cs typeface="Times New Roman"/>
               </a:rPr>
+              <a:t>YencaP</a:t>
+            </a:r>
+            <a:r>
+              <a:rPr lang="en-US" sz="1000" baseline="0" dirty="0" smtClean="0">
+                <a:latin typeface="Times New Roman"/>
+                <a:cs typeface="Times New Roman"/>
+              </a:rPr>
+              <a:t> was written before YANG, the module concept of the former fits well with the YANG one. For each module, the configuration file contains some directives as for the interface module in the figure 5. The </a:t>
+            </a:r>
+            <a:r>
+              <a:rPr lang="en-US" sz="1000" baseline="0" dirty="0" smtClean="0">
+                <a:latin typeface="Times New Roman"/>
+                <a:cs typeface="Times New Roman"/>
+              </a:rPr>
+              <a:t>location of</a:t>
+            </a:r>
+            <a:r>
+              <a:rPr lang="en-US" sz="1000" baseline="0" dirty="0" smtClean="0">
+                <a:latin typeface="Times New Roman"/>
+                <a:cs typeface="Times New Roman"/>
+              </a:rPr>
+              <a:t> data </a:t>
+            </a:r>
+            <a:r>
+              <a:rPr lang="en-US" sz="1000" baseline="0" dirty="0" err="1" smtClean="0">
+                <a:latin typeface="Times New Roman"/>
+                <a:cs typeface="Times New Roman"/>
+              </a:rPr>
+              <a:t>mocule</a:t>
+            </a:r>
+            <a:r>
+              <a:rPr lang="en-US" sz="1000" baseline="0" dirty="0" smtClean="0">
+                <a:latin typeface="Times New Roman"/>
+                <a:cs typeface="Times New Roman"/>
+              </a:rPr>
+              <a:t> in the Data Store </a:t>
+            </a:r>
+            <a:r>
+              <a:rPr lang="en-US" sz="1000" baseline="0" dirty="0" smtClean="0">
+                <a:latin typeface="Times New Roman"/>
+                <a:cs typeface="Times New Roman"/>
+              </a:rPr>
+              <a:t>by giving a </a:t>
+            </a:r>
+            <a:r>
+              <a:rPr lang="en-US" sz="1000" baseline="0" dirty="0" smtClean="0">
+                <a:latin typeface="Times New Roman"/>
+                <a:cs typeface="Times New Roman"/>
+              </a:rPr>
+              <a:t>path (an </a:t>
+            </a:r>
+            <a:r>
+              <a:rPr lang="en-US" sz="1000" baseline="0" dirty="0" err="1" smtClean="0">
+                <a:latin typeface="Times New Roman"/>
+                <a:cs typeface="Times New Roman"/>
+              </a:rPr>
+              <a:t>Xpath</a:t>
+            </a:r>
+            <a:r>
+              <a:rPr lang="en-US" sz="1000" baseline="0" dirty="0" smtClean="0">
+                <a:latin typeface="Times New Roman"/>
+                <a:cs typeface="Times New Roman"/>
+              </a:rPr>
+              <a:t> expression) </a:t>
+            </a:r>
+            <a:r>
+              <a:rPr lang="en-US" sz="1000" baseline="0" dirty="0" smtClean="0">
+                <a:latin typeface="Times New Roman"/>
+                <a:cs typeface="Times New Roman"/>
+              </a:rPr>
+              <a:t>from the</a:t>
+            </a:r>
+            <a:r>
+              <a:rPr lang="en-US" sz="1000" baseline="0" dirty="0" smtClean="0">
+                <a:latin typeface="Times New Roman"/>
+                <a:cs typeface="Times New Roman"/>
+              </a:rPr>
+              <a:t> root  </a:t>
+            </a:r>
+            <a:r>
+              <a:rPr lang="en-US" sz="1000" baseline="0" dirty="0" smtClean="0">
+                <a:latin typeface="Times New Roman"/>
+                <a:cs typeface="Times New Roman"/>
+              </a:rPr>
+              <a:t>&lt;</a:t>
+            </a:r>
+            <a:r>
+              <a:rPr lang="en-US" sz="1000" baseline="0" dirty="0" err="1" smtClean="0">
+                <a:latin typeface="Times New Roman"/>
+                <a:cs typeface="Times New Roman"/>
+              </a:rPr>
               <a:t>netconf</a:t>
             </a:r>
             <a:r>
@@ -3650,21 +3939,35 @@
                 <a:latin typeface="Times New Roman"/>
                 <a:cs typeface="Times New Roman"/>
               </a:rPr>
-              <a:t>&gt; node) to the root node of the module. This path is expressed with the </a:t>
-            </a:r>
-            <a:r>
-              <a:rPr lang="en-US" sz="1000" baseline="0" dirty="0" err="1" smtClean="0">
-                <a:latin typeface="Times New Roman"/>
-                <a:cs typeface="Times New Roman"/>
-              </a:rPr>
-              <a:t>Xpath</a:t>
+              <a:t>&gt; </a:t>
             </a:r>
             <a:r>
               <a:rPr lang="en-US" sz="1000" baseline="0" dirty="0" smtClean="0">
                 <a:latin typeface="Times New Roman"/>
                 <a:cs typeface="Times New Roman"/>
               </a:rPr>
-              <a:t> notation. For example, the interfaces module is localized with the “/</a:t>
+              <a:t>node </a:t>
+            </a:r>
+            <a:r>
+              <a:rPr lang="en-US" sz="1000" baseline="0" dirty="0" smtClean="0">
+                <a:latin typeface="Times New Roman"/>
+                <a:cs typeface="Times New Roman"/>
+              </a:rPr>
+              <a:t>to the root node of the </a:t>
+            </a:r>
+            <a:r>
+              <a:rPr lang="en-US" sz="1000" baseline="0" dirty="0" smtClean="0">
+                <a:latin typeface="Times New Roman"/>
+                <a:cs typeface="Times New Roman"/>
+              </a:rPr>
+              <a:t>module. </a:t>
+            </a:r>
+            <a:r>
+              <a:rPr lang="en-US" sz="1000" baseline="0" dirty="0" smtClean="0">
+                <a:latin typeface="Times New Roman"/>
+                <a:cs typeface="Times New Roman"/>
+              </a:rPr>
+              <a:t>For example, the interfaces module is localized with the “/</a:t>
             </a:r>
             <a:r>
               <a:rPr lang="fr-FR" sz="1000" baseline="0" dirty="0" err="1" smtClean="0">
@@ -3678,21 +3981,77 @@
                 <a:latin typeface="Times New Roman"/>
                 <a:cs typeface="Times New Roman"/>
               </a:rPr>
-              <a:t>/network/interfaces” expression and  it maintains data under the &lt;interfaces&gt; node. Thus, part of the global Data Store is managed by the Data Store Manager (light grey on </a:t>
+              <a:t>/network/interfaces” expression and  it maintains data under the &lt;interfaces&gt; node. Thus,</a:t>
+            </a:r>
+            <a:r>
+              <a:rPr lang="en-US" sz="1000" baseline="0" dirty="0" smtClean="0">
+                <a:latin typeface="Times New Roman"/>
+                <a:cs typeface="Times New Roman"/>
+              </a:rPr>
+              <a:t> one part </a:t>
+            </a:r>
+            <a:r>
+              <a:rPr lang="en-US" sz="1000" baseline="0" dirty="0" smtClean="0">
+                <a:latin typeface="Times New Roman"/>
+                <a:cs typeface="Times New Roman"/>
+              </a:rPr>
+              <a:t>of the</a:t>
+            </a:r>
+            <a:r>
+              <a:rPr lang="en-US" sz="1000" baseline="0" dirty="0" smtClean="0">
+                <a:latin typeface="Times New Roman"/>
+                <a:cs typeface="Times New Roman"/>
+              </a:rPr>
+              <a:t> Data </a:t>
+            </a:r>
+            <a:r>
+              <a:rPr lang="en-US" sz="1000" baseline="0" dirty="0" smtClean="0">
+                <a:latin typeface="Times New Roman"/>
+                <a:cs typeface="Times New Roman"/>
+              </a:rPr>
+              <a:t>Store is managed by the Data Store Manager (light grey on</a:t>
+            </a:r>
+            <a:r>
+              <a:rPr lang="en-US" sz="1000" baseline="0" dirty="0" smtClean="0">
+                <a:latin typeface="Times New Roman"/>
+                <a:cs typeface="Times New Roman"/>
+              </a:rPr>
+              <a:t> </a:t>
             </a:r>
             <a:r>
               <a:rPr lang="fr-FR" sz="1000" baseline="0" dirty="0" smtClean="0">
                 <a:latin typeface="Times New Roman"/>
                 <a:cs typeface="Times New Roman"/>
               </a:rPr>
-              <a:t>slide</a:t>
+              <a:t>figure </a:t>
             </a:r>
             <a:r>
               <a:rPr lang="en-US" sz="1000" baseline="0" dirty="0" smtClean="0">
                 <a:latin typeface="Times New Roman"/>
                 <a:cs typeface="Times New Roman"/>
               </a:rPr>
-              <a:t> 5) and the rest is distributed among modules (dark grey sub trees). This enables modularity of the server without increasing the complexity of the Data Store Manager.</a:t>
+              <a:t>5</a:t>
+            </a:r>
+            <a:r>
+              <a:rPr lang="en-US" sz="1000" baseline="0" dirty="0" smtClean="0">
+                <a:latin typeface="Times New Roman"/>
+                <a:cs typeface="Times New Roman"/>
+              </a:rPr>
+              <a:t>) and the</a:t>
+            </a:r>
+            <a:r>
+              <a:rPr lang="en-US" sz="1000" baseline="0" dirty="0" smtClean="0">
+                <a:latin typeface="Times New Roman"/>
+                <a:cs typeface="Times New Roman"/>
+              </a:rPr>
+              <a:t> other parts are managed by the </a:t>
+            </a:r>
+            <a:r>
+              <a:rPr lang="en-US" sz="1000" baseline="0" dirty="0" smtClean="0">
+                <a:latin typeface="Times New Roman"/>
+                <a:cs typeface="Times New Roman"/>
+              </a:rPr>
+              <a:t>modules (dark grey sub trees). This enables modularity of the server without increasing the complexity of the Data Store Manager.</a:t>
             </a:r>
           </a:p>
           <a:p>
@@ -3723,7 +4082,21 @@
                 <a:latin typeface="Times New Roman"/>
                 <a:cs typeface="Times New Roman"/>
               </a:rPr>
-              <a:t> configuration file is open to any extends through a &lt;parameters&gt; markup that contains &lt;parameter&gt; items with name and value attributes. The integration of YANG into </a:t>
+              <a:t> configuration file is</a:t>
+            </a:r>
+            <a:r>
+              <a:rPr lang="en-US" sz="1000" baseline="0" dirty="0" smtClean="0">
+                <a:latin typeface="Times New Roman"/>
+                <a:cs typeface="Times New Roman"/>
+              </a:rPr>
+              <a:t> extensible through </a:t>
+            </a:r>
+            <a:r>
+              <a:rPr lang="en-US" sz="1000" baseline="0" dirty="0" smtClean="0">
+                <a:latin typeface="Times New Roman"/>
+                <a:cs typeface="Times New Roman"/>
+              </a:rPr>
+              <a:t>a &lt;parameters&gt; markup that contains &lt;parameter&gt; items with name and value attributes. The integration of YANG into </a:t>
             </a:r>
             <a:r>
               <a:rPr lang="en-US" sz="1000" baseline="0" dirty="0" err="1" smtClean="0">
@@ -3737,7 +4110,35 @@
                 <a:latin typeface="Times New Roman"/>
                 <a:cs typeface="Times New Roman"/>
               </a:rPr>
-              <a:t> is made by adding a parameter with the “yang” name attribute and the module name as value attribute. For each module inside the </a:t>
+              <a:t> is made</a:t>
+            </a:r>
+            <a:r>
+              <a:rPr lang="en-US" sz="1000" baseline="0" dirty="0" smtClean="0">
+                <a:latin typeface="Times New Roman"/>
+                <a:cs typeface="Times New Roman"/>
+              </a:rPr>
+              <a:t> through the addition of a </a:t>
+            </a:r>
+            <a:r>
+              <a:rPr lang="en-US" sz="1000" baseline="0" dirty="0" smtClean="0">
+                <a:latin typeface="Times New Roman"/>
+                <a:cs typeface="Times New Roman"/>
+              </a:rPr>
+              <a:t>parameter with the “yang” name attribute and the module name as value </a:t>
+            </a:r>
+            <a:r>
+              <a:rPr lang="en-US" sz="1000" baseline="0" dirty="0" smtClean="0">
+                <a:latin typeface="Times New Roman"/>
+                <a:cs typeface="Times New Roman"/>
+              </a:rPr>
+              <a:t>attribute (interface in the example). </a:t>
+            </a:r>
+            <a:r>
+              <a:rPr lang="en-US" sz="1000" baseline="0" dirty="0" smtClean="0">
+                <a:latin typeface="Times New Roman"/>
+                <a:cs typeface="Times New Roman"/>
+              </a:rPr>
+              <a:t>For each module inside the </a:t>
             </a:r>
             <a:r>
               <a:rPr lang="en-US" sz="1000" baseline="0" dirty="0" err="1" smtClean="0">
@@ -3751,7 +4152,21 @@
                 <a:latin typeface="Times New Roman"/>
                 <a:cs typeface="Times New Roman"/>
               </a:rPr>
-              <a:t> server there is one and only one YANG module. One can see on the example that there is a &lt;namespace&gt; markup before the module parameters list. This name space is needed </a:t>
+              <a:t> server there is one and only one YANG module. One can see on the</a:t>
+            </a:r>
+            <a:r>
+              <a:rPr lang="en-US" sz="1000" baseline="0" dirty="0" smtClean="0">
+                <a:latin typeface="Times New Roman"/>
+                <a:cs typeface="Times New Roman"/>
+              </a:rPr>
+              <a:t> figure that </a:t>
+            </a:r>
+            <a:r>
+              <a:rPr lang="en-US" sz="1000" baseline="0" dirty="0" smtClean="0">
+                <a:latin typeface="Times New Roman"/>
+                <a:cs typeface="Times New Roman"/>
+              </a:rPr>
+              <a:t>there is a &lt;namespace&gt; markup before the module parameters list. This name space is needed </a:t>
             </a:r>
             <a:r>
               <a:rPr lang="en-US" sz="1000" baseline="0" noProof="0" dirty="0" smtClean="0">
@@ -3772,21 +4187,28 @@
                 <a:latin typeface="Times New Roman"/>
                 <a:cs typeface="Times New Roman"/>
               </a:rPr>
-              <a:t> requests to distinguish its XML naming. It must be the same as the one defined in the YANG module and can easily be extracted from the </a:t>
-            </a:r>
-            <a:r>
-              <a:rPr lang="en-US" sz="1000" baseline="0" dirty="0" err="1" smtClean="0">
-                <a:latin typeface="Times New Roman"/>
-                <a:cs typeface="Times New Roman"/>
-              </a:rPr>
-              <a:t>YangTreeNode</a:t>
+              <a:t> requests to distinguish its XML naming.</a:t>
             </a:r>
             <a:r>
               <a:rPr lang="en-US" sz="1000" baseline="0" dirty="0" smtClean="0">
                 <a:latin typeface="Times New Roman"/>
                 <a:cs typeface="Times New Roman"/>
               </a:rPr>
-              <a:t>.</a:t>
+              <a:t> We choose that It </a:t>
+            </a:r>
+            <a:r>
+              <a:rPr lang="en-US" sz="1000" baseline="0" dirty="0" smtClean="0">
+                <a:latin typeface="Times New Roman"/>
+                <a:cs typeface="Times New Roman"/>
+              </a:rPr>
+              <a:t>must be the same as the one defined in the</a:t>
+            </a:r>
+            <a:r>
+              <a:rPr lang="en-US" sz="1000" baseline="0" dirty="0" smtClean="0">
+                <a:latin typeface="Times New Roman"/>
+                <a:cs typeface="Times New Roman"/>
+              </a:rPr>
+              <a:t> corresponding YANG module.</a:t>
             </a:r>
             <a:endParaRPr lang="en-US" sz="1000" dirty="0">
               <a:latin typeface="Times New Roman"/>
@@ -3854,6 +4276,13 @@
               <a:buNone/>
             </a:pPr>
             <a:r>
+              <a:rPr lang="en-US" sz="1000" baseline="0" noProof="0" dirty="0" smtClean="0">
+                <a:latin typeface="Times New Roman"/>
+                <a:cs typeface="Times New Roman"/>
+              </a:rPr>
+              <a:t>The </a:t>
+            </a:r>
+            <a:r>
               <a:rPr lang="en-US" sz="1000" baseline="0" noProof="0" dirty="0" err="1" smtClean="0">
                 <a:latin typeface="Times New Roman"/>
                 <a:cs typeface="Times New Roman"/>
@@ -3865,13 +4294,62 @@
                 <a:latin typeface="Times New Roman"/>
                 <a:cs typeface="Times New Roman"/>
               </a:rPr>
-              <a:t> Manager is an open source </a:t>
+              <a:t> Manager, on the center part in the figure 6, </a:t>
+            </a:r>
+            <a:r>
+              <a:rPr lang="en-US" sz="1000" baseline="0" noProof="0" dirty="0" smtClean="0">
+                <a:latin typeface="Times New Roman"/>
+                <a:cs typeface="Times New Roman"/>
+              </a:rPr>
+              <a:t>is an open source </a:t>
             </a:r>
             <a:r>
               <a:rPr lang="fr-FR" sz="1000" baseline="0" noProof="0" dirty="0" smtClean="0">
                 <a:latin typeface="Times New Roman"/>
                 <a:cs typeface="Times New Roman"/>
               </a:rPr>
+              <a:t>NETCONF client</a:t>
+            </a:r>
+            <a:r>
+              <a:rPr lang="en-US" sz="1000" baseline="0" noProof="0" dirty="0" smtClean="0">
+                <a:latin typeface="Times New Roman"/>
+                <a:cs typeface="Times New Roman"/>
+              </a:rPr>
+              <a:t> </a:t>
+            </a:r>
+            <a:r>
+              <a:rPr lang="en-US" sz="1000" baseline="0" noProof="0" dirty="0" smtClean="0">
+                <a:latin typeface="Times New Roman"/>
+                <a:cs typeface="Times New Roman"/>
+              </a:rPr>
+              <a:t>application that can send queries and receive responses with any </a:t>
+            </a:r>
+            <a:r>
+              <a:rPr lang="fr-FR" sz="1000" baseline="0" noProof="0" dirty="0" err="1" smtClean="0">
+                <a:latin typeface="Times New Roman"/>
+                <a:cs typeface="Times New Roman"/>
+              </a:rPr>
+              <a:t>NETCONF-compliant</a:t>
+            </a:r>
+            <a:r>
+              <a:rPr lang="en-US" sz="1000" baseline="0" noProof="0" dirty="0" smtClean="0">
+                <a:latin typeface="Times New Roman"/>
+                <a:cs typeface="Times New Roman"/>
+              </a:rPr>
+              <a:t> </a:t>
+            </a:r>
+            <a:r>
+              <a:rPr lang="en-US" sz="1000" baseline="0" noProof="0" dirty="0" smtClean="0">
+                <a:latin typeface="Times New Roman"/>
+                <a:cs typeface="Times New Roman"/>
+              </a:rPr>
+              <a:t>server. The </a:t>
+            </a:r>
+            <a:r>
+              <a:rPr lang="fr-FR" sz="1000" baseline="0" noProof="0" dirty="0" smtClean="0">
+                <a:latin typeface="Times New Roman"/>
+                <a:cs typeface="Times New Roman"/>
+              </a:rPr>
               <a:t>NETCONF</a:t>
             </a:r>
             <a:r>
@@ -3879,7 +4357,14 @@
                 <a:latin typeface="Times New Roman"/>
                 <a:cs typeface="Times New Roman"/>
               </a:rPr>
-              <a:t> application that can send queries and receive responses with any </a:t>
+              <a:t> client </a:t>
+            </a:r>
+            <a:r>
+              <a:rPr lang="en-US" sz="1000" baseline="0" noProof="0" dirty="0" smtClean="0">
+                <a:latin typeface="Times New Roman"/>
+                <a:cs typeface="Times New Roman"/>
+              </a:rPr>
+              <a:t>can have several </a:t>
             </a:r>
             <a:r>
               <a:rPr lang="fr-FR" sz="1000" baseline="0" noProof="0" dirty="0" smtClean="0">
@@ -3893,7 +4378,77 @@
                 <a:latin typeface="Times New Roman"/>
                 <a:cs typeface="Times New Roman"/>
               </a:rPr>
-              <a:t> server. The </a:t>
+              <a:t> sessions with</a:t>
+            </a:r>
+            <a:r>
+              <a:rPr lang="en-US" sz="1000" baseline="0" noProof="0" dirty="0" smtClean="0">
+                <a:latin typeface="Times New Roman"/>
+                <a:cs typeface="Times New Roman"/>
+              </a:rPr>
+              <a:t> several servers </a:t>
+            </a:r>
+            <a:r>
+              <a:rPr lang="en-US" sz="1000" baseline="0" noProof="0" dirty="0" smtClean="0">
+                <a:latin typeface="Times New Roman"/>
+                <a:cs typeface="Times New Roman"/>
+              </a:rPr>
+              <a:t>at one time. Each</a:t>
+            </a:r>
+            <a:r>
+              <a:rPr lang="en-US" sz="1000" baseline="0" noProof="0" dirty="0" smtClean="0">
+                <a:latin typeface="Times New Roman"/>
+                <a:cs typeface="Times New Roman"/>
+              </a:rPr>
+              <a:t> session is </a:t>
+            </a:r>
+            <a:r>
+              <a:rPr lang="en-US" sz="1000" baseline="0" noProof="0" dirty="0" smtClean="0">
+                <a:latin typeface="Times New Roman"/>
+                <a:cs typeface="Times New Roman"/>
+              </a:rPr>
+              <a:t>initialized</a:t>
+            </a:r>
+            <a:r>
+              <a:rPr lang="en-US" sz="1000" baseline="0" noProof="0" dirty="0" smtClean="0">
+                <a:latin typeface="Times New Roman"/>
+                <a:cs typeface="Times New Roman"/>
+              </a:rPr>
+              <a:t> by the </a:t>
+            </a:r>
+            <a:r>
+              <a:rPr lang="en-US" sz="1000" baseline="0" noProof="0" dirty="0" smtClean="0">
+                <a:latin typeface="Times New Roman"/>
+                <a:cs typeface="Times New Roman"/>
+              </a:rPr>
+              <a:t>HTTPS server inside the </a:t>
+            </a:r>
+            <a:r>
+              <a:rPr lang="en-US" sz="1000" baseline="0" noProof="0" dirty="0" err="1" smtClean="0">
+                <a:latin typeface="Times New Roman"/>
+                <a:cs typeface="Times New Roman"/>
+              </a:rPr>
+              <a:t>YencaP</a:t>
+            </a:r>
+            <a:r>
+              <a:rPr lang="en-US" sz="1000" baseline="0" noProof="0" dirty="0" smtClean="0">
+                <a:latin typeface="Times New Roman"/>
+                <a:cs typeface="Times New Roman"/>
+              </a:rPr>
+              <a:t> Manager when a user opens </a:t>
+            </a:r>
+            <a:r>
+              <a:rPr lang="en-US" sz="1000" baseline="0" noProof="0" dirty="0" smtClean="0">
+                <a:latin typeface="Times New Roman"/>
+                <a:cs typeface="Times New Roman"/>
+              </a:rPr>
+              <a:t>an </a:t>
+            </a:r>
+            <a:r>
+              <a:rPr lang="en-US" sz="1000" baseline="0" noProof="0" dirty="0" smtClean="0">
+                <a:latin typeface="Times New Roman"/>
+                <a:cs typeface="Times New Roman"/>
+              </a:rPr>
+              <a:t>HTTPS session.  There is a one to one mapping between HTTPS and </a:t>
             </a:r>
             <a:r>
               <a:rPr lang="fr-FR" sz="1000" baseline="0" noProof="0" dirty="0" smtClean="0">
@@ -3907,63 +4462,21 @@
                 <a:latin typeface="Times New Roman"/>
                 <a:cs typeface="Times New Roman"/>
               </a:rPr>
-              <a:t> Client can have several </a:t>
-            </a:r>
-            <a:r>
-              <a:rPr lang="fr-FR" sz="1000" baseline="0" noProof="0" dirty="0" smtClean="0">
-                <a:latin typeface="Times New Roman"/>
-                <a:cs typeface="Times New Roman"/>
-              </a:rPr>
-              <a:t>NETCONF</a:t>
+              <a:t> </a:t>
             </a:r>
             <a:r>
               <a:rPr lang="en-US" sz="1000" baseline="0" noProof="0" dirty="0" smtClean="0">
                 <a:latin typeface="Times New Roman"/>
                 <a:cs typeface="Times New Roman"/>
               </a:rPr>
-              <a:t> sessions with different servers at one time. Each of theses sessions is initialized from the HTTPS server inside the </a:t>
-            </a:r>
-            <a:r>
-              <a:rPr lang="en-US" sz="1000" baseline="0" noProof="0" dirty="0" err="1" smtClean="0">
-                <a:latin typeface="Times New Roman"/>
-                <a:cs typeface="Times New Roman"/>
-              </a:rPr>
-              <a:t>YencaP</a:t>
+              <a:t>sessions. </a:t>
             </a:r>
             <a:r>
               <a:rPr lang="en-US" sz="1000" baseline="0" noProof="0" dirty="0" smtClean="0">
                 <a:latin typeface="Times New Roman"/>
                 <a:cs typeface="Times New Roman"/>
               </a:rPr>
-              <a:t> Manager when a user opens a HTTPS session.  There is a one to one mapping between HTTPS and </a:t>
-            </a:r>
-            <a:r>
-              <a:rPr lang="fr-FR" sz="1000" baseline="0" noProof="0" dirty="0" smtClean="0">
-                <a:latin typeface="Times New Roman"/>
-                <a:cs typeface="Times New Roman"/>
-              </a:rPr>
-              <a:t>NETCONF</a:t>
-            </a:r>
-            <a:r>
-              <a:rPr lang="en-US" sz="1000" baseline="0" noProof="0" dirty="0" smtClean="0">
-                <a:latin typeface="Times New Roman"/>
-                <a:cs typeface="Times New Roman"/>
-              </a:rPr>
-              <a:t> sessions even if two users are accessing the same </a:t>
-            </a:r>
-            <a:r>
-              <a:rPr lang="fr-FR" sz="1000" baseline="0" noProof="0" dirty="0" smtClean="0">
-                <a:latin typeface="Times New Roman"/>
-                <a:cs typeface="Times New Roman"/>
-              </a:rPr>
-              <a:t>NETCONF</a:t>
-            </a:r>
-            <a:r>
-              <a:rPr lang="en-US" sz="1000" baseline="0" noProof="0" dirty="0" smtClean="0">
-                <a:latin typeface="Times New Roman"/>
-                <a:cs typeface="Times New Roman"/>
-              </a:rPr>
-              <a:t> server. The couple (</a:t>
+              <a:t>The couple (</a:t>
             </a:r>
             <a:r>
               <a:rPr lang="en-US" sz="1000" baseline="0" noProof="0" dirty="0" err="1" smtClean="0">
@@ -4014,154 +4527,231 @@
                 <a:latin typeface="Times New Roman"/>
                 <a:cs typeface="Times New Roman"/>
               </a:rPr>
-              <a:t>As shown in </a:t>
+              <a:t>On the right part of the figure 6, we extends </a:t>
+            </a:r>
+            <a:r>
+              <a:rPr lang="en-US" sz="1000" baseline="0" noProof="0" dirty="0" err="1" smtClean="0">
+                <a:latin typeface="Times New Roman"/>
+                <a:cs typeface="Times New Roman"/>
+              </a:rPr>
+              <a:t>YencaP</a:t>
+            </a:r>
+            <a:r>
+              <a:rPr lang="en-US" sz="1000" baseline="0" noProof="0" dirty="0" smtClean="0">
+                <a:latin typeface="Times New Roman"/>
+                <a:cs typeface="Times New Roman"/>
+              </a:rPr>
+              <a:t> to give it the possibility of announcing which </a:t>
+            </a:r>
+            <a:r>
+              <a:rPr lang="en-US" sz="1000" baseline="0" noProof="0" dirty="0" smtClean="0">
+                <a:latin typeface="Times New Roman"/>
+                <a:cs typeface="Times New Roman"/>
+              </a:rPr>
+              <a:t>YANG modules it implements</a:t>
+            </a:r>
+            <a:r>
+              <a:rPr lang="en-US" sz="1000" baseline="0" noProof="0" dirty="0" smtClean="0">
+                <a:latin typeface="Times New Roman"/>
+                <a:cs typeface="Times New Roman"/>
+              </a:rPr>
+              <a:t> as a capability in its standard hello message (</a:t>
+            </a:r>
+            <a:r>
+              <a:rPr lang="en-US" sz="1000" baseline="0" noProof="0" dirty="0" smtClean="0">
+                <a:latin typeface="Times New Roman"/>
+                <a:cs typeface="Times New Roman"/>
+              </a:rPr>
+              <a:t>together with version and revision information</a:t>
+            </a:r>
+            <a:r>
+              <a:rPr lang="en-US" sz="1000" baseline="0" noProof="0" dirty="0" smtClean="0">
+                <a:latin typeface="Times New Roman"/>
+                <a:cs typeface="Times New Roman"/>
+              </a:rPr>
+              <a:t>). This was easily realized with the information in the configuration file we show figure 5. </a:t>
+            </a:r>
+            <a:r>
+              <a:rPr lang="en-US" sz="1000" baseline="0" noProof="0" dirty="0" smtClean="0">
+                <a:latin typeface="Times New Roman"/>
+                <a:cs typeface="Times New Roman"/>
+              </a:rPr>
+              <a:t>On the</a:t>
+            </a:r>
+            <a:r>
+              <a:rPr lang="en-US" sz="1000" baseline="0" noProof="0" dirty="0" smtClean="0">
+                <a:latin typeface="Times New Roman"/>
+                <a:cs typeface="Times New Roman"/>
+              </a:rPr>
+              <a:t> </a:t>
+            </a:r>
+            <a:r>
+              <a:rPr lang="en-US" sz="1000" baseline="0" noProof="0" dirty="0" err="1" smtClean="0">
+                <a:latin typeface="Times New Roman"/>
+                <a:cs typeface="Times New Roman"/>
+              </a:rPr>
+              <a:t>YencaP</a:t>
+            </a:r>
+            <a:r>
+              <a:rPr lang="en-US" sz="1000" baseline="0" noProof="0" dirty="0" smtClean="0">
+                <a:latin typeface="Times New Roman"/>
+                <a:cs typeface="Times New Roman"/>
+              </a:rPr>
+              <a:t> Manager side</a:t>
+            </a:r>
+            <a:r>
+              <a:rPr lang="en-US" sz="1000" baseline="0" noProof="0" dirty="0" smtClean="0">
+                <a:latin typeface="Times New Roman"/>
+                <a:cs typeface="Times New Roman"/>
+              </a:rPr>
+              <a:t>, a YANG loader will be used</a:t>
+            </a:r>
+            <a:r>
+              <a:rPr lang="en-US" sz="1000" baseline="0" noProof="0" dirty="0" smtClean="0">
+                <a:latin typeface="Times New Roman"/>
+                <a:cs typeface="Times New Roman"/>
+              </a:rPr>
+              <a:t> when </a:t>
+            </a:r>
+            <a:r>
+              <a:rPr lang="en-US" sz="1000" baseline="0" noProof="0" dirty="0" smtClean="0">
+                <a:latin typeface="Times New Roman"/>
+                <a:cs typeface="Times New Roman"/>
+              </a:rPr>
+              <a:t>such a capability is detected. We do not constraint the </a:t>
+            </a:r>
+            <a:r>
+              <a:rPr lang="en-US" sz="1000" baseline="0" noProof="0" dirty="0" err="1" smtClean="0">
+                <a:latin typeface="Times New Roman"/>
+                <a:cs typeface="Times New Roman"/>
+              </a:rPr>
+              <a:t>YencaP</a:t>
+            </a:r>
+            <a:r>
+              <a:rPr lang="en-US" sz="1000" baseline="0" noProof="0" dirty="0" smtClean="0">
+                <a:latin typeface="Times New Roman"/>
+                <a:cs typeface="Times New Roman"/>
+              </a:rPr>
+              <a:t> Manager to only work with YANG but to accept servers that are YANG enabled or not. The YANG loader gets the specifications from an external repository and builds a specific </a:t>
+            </a:r>
+            <a:r>
+              <a:rPr lang="en-US" sz="1000" baseline="0" noProof="0" dirty="0" err="1" smtClean="0">
+                <a:latin typeface="Times New Roman"/>
+                <a:cs typeface="Times New Roman"/>
+              </a:rPr>
+              <a:t>YangTreeNode</a:t>
+            </a:r>
+            <a:r>
+              <a:rPr lang="en-US" sz="1000" baseline="0" noProof="0" dirty="0" smtClean="0">
+                <a:latin typeface="Times New Roman"/>
+                <a:cs typeface="Times New Roman"/>
+              </a:rPr>
+              <a:t> for the data model maintained by the server. The YANG loader is a java program that uses </a:t>
+            </a:r>
+            <a:r>
+              <a:rPr lang="en-US" sz="1000" baseline="0" noProof="0" dirty="0" err="1" smtClean="0">
+                <a:latin typeface="Times New Roman"/>
+                <a:cs typeface="Times New Roman"/>
+              </a:rPr>
+              <a:t>jYang</a:t>
+            </a:r>
+            <a:r>
+              <a:rPr lang="en-US" sz="1000" baseline="0" noProof="0" dirty="0" smtClean="0">
+                <a:latin typeface="Times New Roman"/>
+                <a:cs typeface="Times New Roman"/>
+              </a:rPr>
+              <a:t> to dynamically parse YANG</a:t>
+            </a:r>
+            <a:r>
+              <a:rPr lang="en-US" sz="1000" baseline="0" noProof="0" dirty="0" smtClean="0">
+                <a:latin typeface="Times New Roman"/>
+                <a:cs typeface="Times New Roman"/>
+              </a:rPr>
+              <a:t> data model. </a:t>
+            </a:r>
+            <a:r>
+              <a:rPr lang="en-US" sz="1000" baseline="0" noProof="0" dirty="0" smtClean="0">
+                <a:latin typeface="Times New Roman"/>
+                <a:cs typeface="Times New Roman"/>
+              </a:rPr>
+              <a:t>We took this choice because we suppose the </a:t>
+            </a:r>
+            <a:r>
+              <a:rPr lang="en-US" sz="1000" baseline="0" noProof="0" dirty="0" err="1" smtClean="0">
+                <a:latin typeface="Times New Roman"/>
+                <a:cs typeface="Times New Roman"/>
+              </a:rPr>
+              <a:t>YencaP</a:t>
+            </a:r>
+            <a:r>
+              <a:rPr lang="en-US" sz="1000" baseline="0" noProof="0" dirty="0" smtClean="0">
+                <a:latin typeface="Times New Roman"/>
+                <a:cs typeface="Times New Roman"/>
+              </a:rPr>
+              <a:t> Manager will discover servers without knowledge of their configuration and thus must be able to dynamically load and parse any YANG</a:t>
+            </a:r>
+            <a:r>
+              <a:rPr lang="en-US" sz="1000" baseline="0" noProof="0" dirty="0" smtClean="0">
+                <a:latin typeface="Times New Roman"/>
+                <a:cs typeface="Times New Roman"/>
+              </a:rPr>
+              <a:t> model. It is </a:t>
+            </a:r>
+            <a:r>
+              <a:rPr lang="en-US" sz="1000" baseline="0" noProof="0" dirty="0" smtClean="0">
+                <a:latin typeface="Times New Roman"/>
+                <a:cs typeface="Times New Roman"/>
+              </a:rPr>
+              <a:t>also</a:t>
+            </a:r>
+            <a:r>
+              <a:rPr lang="en-US" sz="1000" baseline="0" noProof="0" dirty="0" smtClean="0">
+                <a:latin typeface="Times New Roman"/>
+                <a:cs typeface="Times New Roman"/>
+              </a:rPr>
+              <a:t> necessary to create the root node in the </a:t>
+            </a:r>
+            <a:r>
+              <a:rPr lang="en-US" sz="1000" baseline="0" noProof="0" dirty="0" err="1" smtClean="0">
+                <a:latin typeface="Times New Roman"/>
+                <a:cs typeface="Times New Roman"/>
+              </a:rPr>
+              <a:t>YangTreeNode</a:t>
+            </a:r>
+            <a:r>
+              <a:rPr lang="en-US" sz="1000" baseline="0" noProof="0" dirty="0" smtClean="0">
+                <a:latin typeface="Times New Roman"/>
+                <a:cs typeface="Times New Roman"/>
+              </a:rPr>
+              <a:t> as a virtual </a:t>
+            </a:r>
+            <a:r>
+              <a:rPr lang="fr-FR" sz="1000" baseline="0" noProof="0" dirty="0" err="1" smtClean="0">
+                <a:latin typeface="Times New Roman"/>
+                <a:cs typeface="Times New Roman"/>
+              </a:rPr>
+              <a:t>netconf</a:t>
             </a:r>
             <a:r>
               <a:rPr lang="fr-FR" sz="1000" baseline="0" noProof="0" dirty="0" smtClean="0">
                 <a:latin typeface="Times New Roman"/>
                 <a:cs typeface="Times New Roman"/>
               </a:rPr>
-              <a:t>slide</a:t>
+              <a:t> </a:t>
             </a:r>
             <a:r>
               <a:rPr lang="en-US" sz="1000" baseline="0" noProof="0" dirty="0" smtClean="0">
                 <a:latin typeface="Times New Roman"/>
                 <a:cs typeface="Times New Roman"/>
               </a:rPr>
-              <a:t> 5 we had to extend </a:t>
-            </a:r>
-            <a:r>
-              <a:rPr lang="en-US" sz="1000" baseline="0" noProof="0" dirty="0" err="1" smtClean="0">
-                <a:latin typeface="Times New Roman"/>
-                <a:cs typeface="Times New Roman"/>
-              </a:rPr>
-              <a:t>YencaP</a:t>
+              <a:t>container. </a:t>
             </a:r>
             <a:r>
               <a:rPr lang="en-US" sz="1000" baseline="0" noProof="0" dirty="0" smtClean="0">
                 <a:latin typeface="Times New Roman"/>
                 <a:cs typeface="Times New Roman"/>
               </a:rPr>
-              <a:t> to announce which YANG modules it implements (together with version and revision information) as a capability in its standard hello message. On the client side, a YANG loader will be used by the </a:t>
-            </a:r>
-            <a:r>
-              <a:rPr lang="en-US" sz="1000" baseline="0" noProof="0" dirty="0" err="1" smtClean="0">
-                <a:latin typeface="Times New Roman"/>
-                <a:cs typeface="Times New Roman"/>
-              </a:rPr>
-              <a:t>YencaP</a:t>
-            </a:r>
-            <a:r>
-              <a:rPr lang="en-US" sz="1000" baseline="0" noProof="0" dirty="0" smtClean="0">
-                <a:latin typeface="Times New Roman"/>
-                <a:cs typeface="Times New Roman"/>
-              </a:rPr>
-              <a:t> Manager when such a capability is detected. We do not constraint the </a:t>
-            </a:r>
-            <a:r>
-              <a:rPr lang="en-US" sz="1000" baseline="0" noProof="0" dirty="0" err="1" smtClean="0">
-                <a:latin typeface="Times New Roman"/>
-                <a:cs typeface="Times New Roman"/>
-              </a:rPr>
-              <a:t>YencaP</a:t>
-            </a:r>
-            <a:r>
-              <a:rPr lang="en-US" sz="1000" baseline="0" noProof="0" dirty="0" smtClean="0">
-                <a:latin typeface="Times New Roman"/>
-                <a:cs typeface="Times New Roman"/>
-              </a:rPr>
-              <a:t> Manager to only work with YANG but to accept servers that are YANG enabled or not. The YANG loader gets the specifications from an external repository and builds a specific </a:t>
-            </a:r>
-            <a:r>
-              <a:rPr lang="en-US" sz="1000" baseline="0" noProof="0" dirty="0" err="1" smtClean="0">
-                <a:latin typeface="Times New Roman"/>
-                <a:cs typeface="Times New Roman"/>
-              </a:rPr>
-              <a:t>YangTreeNode</a:t>
-            </a:r>
-            <a:r>
-              <a:rPr lang="en-US" sz="1000" baseline="0" noProof="0" dirty="0" smtClean="0">
-                <a:latin typeface="Times New Roman"/>
-                <a:cs typeface="Times New Roman"/>
-              </a:rPr>
-              <a:t> for the data model maintained by the server. The YANG loader is a java program that uses </a:t>
-            </a:r>
-            <a:r>
-              <a:rPr lang="en-US" sz="1000" baseline="0" noProof="0" dirty="0" err="1" smtClean="0">
-                <a:latin typeface="Times New Roman"/>
-                <a:cs typeface="Times New Roman"/>
-              </a:rPr>
-              <a:t>jYang</a:t>
-            </a:r>
-            <a:r>
-              <a:rPr lang="en-US" sz="1000" baseline="0" noProof="0" dirty="0" smtClean="0">
-                <a:latin typeface="Times New Roman"/>
-                <a:cs typeface="Times New Roman"/>
-              </a:rPr>
-              <a:t> to dynamically parse YANG specifications. We took this choice because we suppose the </a:t>
-            </a:r>
-            <a:r>
-              <a:rPr lang="en-US" sz="1000" baseline="0" noProof="0" dirty="0" err="1" smtClean="0">
-                <a:latin typeface="Times New Roman"/>
-                <a:cs typeface="Times New Roman"/>
-              </a:rPr>
-              <a:t>YencaP</a:t>
-            </a:r>
-            <a:r>
-              <a:rPr lang="en-US" sz="1000" baseline="0" noProof="0" dirty="0" smtClean="0">
-                <a:latin typeface="Times New Roman"/>
-                <a:cs typeface="Times New Roman"/>
-              </a:rPr>
-              <a:t> Manager will discover servers without knowledge of their configuration and thus must be able to dynamically load and parse any YANG specification. There is also the creation of “glue” parts in the </a:t>
-            </a:r>
-            <a:r>
-              <a:rPr lang="en-US" sz="1000" baseline="0" noProof="0" dirty="0" err="1" smtClean="0">
-                <a:latin typeface="Times New Roman"/>
-                <a:cs typeface="Times New Roman"/>
-              </a:rPr>
-              <a:t>YangTreeNode</a:t>
-            </a:r>
-            <a:r>
-              <a:rPr lang="en-US" sz="1000" baseline="0" noProof="0" dirty="0" smtClean="0">
-                <a:latin typeface="Times New Roman"/>
-                <a:cs typeface="Times New Roman"/>
-              </a:rPr>
-              <a:t> as a virtual </a:t>
-            </a:r>
-            <a:r>
-              <a:rPr lang="fr-FR" sz="1000" baseline="0" noProof="0" dirty="0" err="1" smtClean="0">
-                <a:latin typeface="Times New Roman"/>
-                <a:cs typeface="Times New Roman"/>
-              </a:rPr>
-              <a:t>netconf</a:t>
-            </a:r>
-            <a:r>
-              <a:rPr lang="fr-FR" sz="1000" baseline="0" noProof="0" dirty="0" smtClean="0">
-                <a:latin typeface="Times New Roman"/>
-                <a:cs typeface="Times New Roman"/>
-              </a:rPr>
-              <a:t> </a:t>
-            </a:r>
-            <a:r>
-              <a:rPr lang="en-US" sz="1000" baseline="0" noProof="0" dirty="0" smtClean="0">
-                <a:latin typeface="Times New Roman"/>
-                <a:cs typeface="Times New Roman"/>
-              </a:rPr>
-              <a:t>container, that are needed to built one </a:t>
-            </a:r>
-            <a:r>
-              <a:rPr lang="en-US" sz="1000" baseline="0" noProof="0" dirty="0" err="1" smtClean="0">
-                <a:latin typeface="Times New Roman"/>
-                <a:cs typeface="Times New Roman"/>
-              </a:rPr>
-              <a:t>YangTreeNode</a:t>
-            </a:r>
-            <a:r>
-              <a:rPr lang="en-US" sz="1000" baseline="0" noProof="0" dirty="0" smtClean="0">
-                <a:latin typeface="Times New Roman"/>
-                <a:cs typeface="Times New Roman"/>
-              </a:rPr>
-              <a:t> from several YANG modules. The YANG specification repository is shown as an external element of the </a:t>
+              <a:t>The YANG specification repository is shown as an external element of the </a:t>
             </a:r>
             <a:r>
               <a:rPr lang="en-US" sz="1000" baseline="0" noProof="0" dirty="0" err="1" smtClean="0">
@@ -4212,40 +4802,28 @@
                 <a:latin typeface="Times New Roman"/>
                 <a:cs typeface="Times New Roman"/>
               </a:rPr>
-              <a:t> for this server only. The applet will be loaded by the web interface to provide the user with a graphical interface representing the configuration.</a:t>
-            </a:r>
-          </a:p>
-          <a:p>
-            <a:pPr algn="just">
-              <a:buFont typeface="Arial"/>
-              <a:buNone/>
-            </a:pPr>
-            <a:endParaRPr lang="en-US" sz="1000" baseline="0" noProof="0" dirty="0" smtClean="0">
-              <a:latin typeface="Times New Roman"/>
-              <a:cs typeface="Times New Roman"/>
-            </a:endParaRPr>
-          </a:p>
-          <a:p>
-            <a:pPr algn="just">
-              <a:buFont typeface="Arial"/>
-              <a:buNone/>
-            </a:pPr>
-            <a:endParaRPr lang="en-US" sz="1000" baseline="0" noProof="0" dirty="0" smtClean="0">
-              <a:latin typeface="Times New Roman"/>
-              <a:cs typeface="Times New Roman"/>
-            </a:endParaRPr>
-          </a:p>
-          <a:p>
-            <a:pPr>
-              <a:buFont typeface="Arial"/>
-              <a:buNone/>
-            </a:pPr>
-            <a:r>
-              <a:rPr lang="en-US" sz="1000" b="0" i="0" baseline="0" dirty="0" smtClean="0">
-                <a:latin typeface="Times New Roman"/>
-                <a:cs typeface="Times New Roman"/>
-              </a:rPr>
-              <a:t>Modules are the largest unit of granularity and a network device should announce which YANG modules it implements</a:t>
+              <a:t> for this server </a:t>
+            </a:r>
+            <a:r>
+              <a:rPr lang="en-US" sz="1000" baseline="0" noProof="0" dirty="0" smtClean="0">
+                <a:latin typeface="Times New Roman"/>
+                <a:cs typeface="Times New Roman"/>
+              </a:rPr>
+              <a:t>only (left part of the figure 6). </a:t>
+            </a:r>
+            <a:r>
+              <a:rPr lang="en-US" sz="1000" baseline="0" noProof="0" dirty="0" smtClean="0">
+                <a:latin typeface="Times New Roman"/>
+                <a:cs typeface="Times New Roman"/>
+              </a:rPr>
+              <a:t>The applet will be loaded by the web interface to provide the user with a graphical interface representing the configuration</a:t>
+            </a:r>
+            <a:r>
+              <a:rPr lang="en-US" sz="1000" baseline="0" noProof="0" dirty="0" smtClean="0">
+                <a:latin typeface="Times New Roman"/>
+                <a:cs typeface="Times New Roman"/>
+              </a:rPr>
+              <a:t>.</a:t>
             </a:r>
             <a:endParaRPr lang="en-US" sz="1000" noProof="0" dirty="0">
               <a:latin typeface="Times New Roman"/>
@@ -4314,14 +4892,63 @@
                 <a:latin typeface="Times New Roman"/>
                 <a:cs typeface="Times New Roman"/>
               </a:rPr>
-              <a:t>Slide 7 shows the applet part of the web</a:t>
+              <a:t>The figure 7 </a:t>
+            </a:r>
+            <a:r>
+              <a:rPr lang="en-US" sz="1000" dirty="0" smtClean="0">
+                <a:latin typeface="Times New Roman"/>
+                <a:cs typeface="Times New Roman"/>
+              </a:rPr>
+              <a:t>shows the applet part of the web</a:t>
             </a:r>
             <a:r>
               <a:rPr lang="en-US" sz="1000" baseline="0" dirty="0" smtClean="0">
                 <a:latin typeface="Times New Roman"/>
                 <a:cs typeface="Times New Roman"/>
               </a:rPr>
-              <a:t> interface, the user gets when asking for the configuration of a device. This first view can be used as a YANG specification browser that looks like a file system browser (we use the swing </a:t>
+              <a:t> </a:t>
+            </a:r>
+            <a:r>
+              <a:rPr lang="en-US" sz="1000" baseline="0" dirty="0" smtClean="0">
+                <a:latin typeface="Times New Roman"/>
+                <a:cs typeface="Times New Roman"/>
+              </a:rPr>
+              <a:t>interface displayed when a </a:t>
+            </a:r>
+            <a:r>
+              <a:rPr lang="en-US" sz="1000" baseline="0" dirty="0" smtClean="0">
+                <a:latin typeface="Times New Roman"/>
+                <a:cs typeface="Times New Roman"/>
+              </a:rPr>
+              <a:t>user</a:t>
+            </a:r>
+            <a:r>
+              <a:rPr lang="en-US" sz="1000" baseline="0" dirty="0" smtClean="0">
+                <a:latin typeface="Times New Roman"/>
+                <a:cs typeface="Times New Roman"/>
+              </a:rPr>
+              <a:t> is connected </a:t>
+            </a:r>
+            <a:r>
+              <a:rPr lang="en-US" sz="1000" baseline="0" dirty="0" smtClean="0">
+                <a:latin typeface="Times New Roman"/>
+                <a:cs typeface="Times New Roman"/>
+              </a:rPr>
+              <a:t>for the configuration of a device. This first view can be used as a </a:t>
+            </a:r>
+            <a:r>
+              <a:rPr lang="en-US" sz="1000" baseline="0" dirty="0" smtClean="0">
+                <a:latin typeface="Times New Roman"/>
+                <a:cs typeface="Times New Roman"/>
+              </a:rPr>
+              <a:t>YANG specification browser looking like </a:t>
+            </a:r>
+            <a:r>
+              <a:rPr lang="en-US" sz="1000" baseline="0" dirty="0" smtClean="0">
+                <a:latin typeface="Times New Roman"/>
+                <a:cs typeface="Times New Roman"/>
+              </a:rPr>
+              <a:t>a file system browser (we use the swing </a:t>
             </a:r>
             <a:r>
               <a:rPr lang="en-US" sz="1000" baseline="0" dirty="0" err="1" smtClean="0">
@@ -4335,63 +4962,28 @@
                 <a:latin typeface="Times New Roman"/>
                 <a:cs typeface="Times New Roman"/>
               </a:rPr>
-              <a:t> interface). The tree view matches well with YANG because it defines a schema tree. Specific icons are used to distinct nodes, here </a:t>
-            </a:r>
-            <a:r>
-              <a:rPr lang="fr-FR" sz="1000" baseline="0" dirty="0" smtClean="0">
-                <a:latin typeface="Times New Roman"/>
-                <a:cs typeface="Times New Roman"/>
-              </a:rPr>
-              <a:t>NETCONF</a:t>
+              <a:t> interface). The tree view matches well with YANG because it defines a schema tree.</a:t>
             </a:r>
             <a:r>
               <a:rPr lang="en-US" sz="1000" baseline="0" dirty="0" smtClean="0">
                 <a:latin typeface="Times New Roman"/>
                 <a:cs typeface="Times New Roman"/>
               </a:rPr>
-              <a:t>, network and interfaces are all YANG containers, interface is a YANG list and name, </a:t>
-            </a:r>
-            <a:r>
-              <a:rPr lang="en-US" sz="1000" baseline="0" dirty="0" err="1" smtClean="0">
-                <a:latin typeface="Times New Roman"/>
-                <a:cs typeface="Times New Roman"/>
-              </a:rPr>
-              <a:t>mac</a:t>
+              <a:t> Specific </a:t>
             </a:r>
             <a:r>
               <a:rPr lang="en-US" sz="1000" baseline="0" dirty="0" smtClean="0">
                 <a:latin typeface="Times New Roman"/>
                 <a:cs typeface="Times New Roman"/>
               </a:rPr>
-              <a:t>-address, </a:t>
-            </a:r>
-            <a:r>
-              <a:rPr lang="en-US" sz="1000" baseline="0" dirty="0" err="1" smtClean="0">
-                <a:latin typeface="Times New Roman"/>
-                <a:cs typeface="Times New Roman"/>
-              </a:rPr>
-              <a:t>mtu</a:t>
+              <a:t>icons are used to distinct</a:t>
             </a:r>
             <a:r>
               <a:rPr lang="en-US" sz="1000" baseline="0" dirty="0" smtClean="0">
                 <a:latin typeface="Times New Roman"/>
                 <a:cs typeface="Times New Roman"/>
               </a:rPr>
-              <a:t> are YANG leaves. A YANG list can have some key inside its leaf as is the “name” leaf referenced inside brackets in the “interface” list and by a little star on its leaf icon. When selecting a leaf in this tree, the lower part of the applet shows details of the YANG specification, as the type of a leaf and constraints such default value or range intervals. A leaf type is always at least of a built-in types (as string, int8,…) and can be refined by other types with added constraints or to use an existing useful type (as a </a:t>
-            </a:r>
-            <a:r>
-              <a:rPr lang="en-US" sz="1000" baseline="0" dirty="0" err="1" smtClean="0">
-                <a:latin typeface="Times New Roman"/>
-                <a:cs typeface="Times New Roman"/>
-              </a:rPr>
-              <a:t>mac</a:t>
-            </a:r>
-            <a:r>
-              <a:rPr lang="en-US" sz="1000" baseline="0" dirty="0" smtClean="0">
-                <a:latin typeface="Times New Roman"/>
-                <a:cs typeface="Times New Roman"/>
-              </a:rPr>
-              <a:t>-address). This is the meaning of the “-” (or “+”) behind the name type. When “+” is set (by one mouse click on the “-”) then only the built-in type is displayed.</a:t>
+              <a:t> container, list, key or leaf nodes.</a:t>
             </a:r>
           </a:p>
           <a:p>
@@ -4408,65 +5000,113 @@
                 <a:latin typeface="Times New Roman"/>
                 <a:cs typeface="Times New Roman"/>
               </a:rPr>
-              <a:t>As we said in the previous page there is a “</a:t>
-            </a:r>
-            <a:r>
-              <a:rPr lang="fr-FR" sz="1000" baseline="0" dirty="0" err="1" smtClean="0">
-                <a:latin typeface="Times New Roman"/>
-                <a:cs typeface="Times New Roman"/>
-              </a:rPr>
-              <a:t>netconf</a:t>
+              <a:t>When </a:t>
             </a:r>
             <a:r>
               <a:rPr lang="en-US" sz="1000" baseline="0" dirty="0" smtClean="0">
                 <a:latin typeface="Times New Roman"/>
                 <a:cs typeface="Times New Roman"/>
               </a:rPr>
-              <a:t>” container while there is no YANG module called “</a:t>
-            </a:r>
-            <a:r>
-              <a:rPr lang="fr-FR" sz="1000" baseline="0" dirty="0" err="1" smtClean="0">
-                <a:latin typeface="Times New Roman"/>
-                <a:cs typeface="Times New Roman"/>
-              </a:rPr>
-              <a:t>netconf</a:t>
+              <a:t>selecting a</a:t>
             </a:r>
             <a:r>
               <a:rPr lang="en-US" sz="1000" baseline="0" dirty="0" smtClean="0">
                 <a:latin typeface="Times New Roman"/>
                 <a:cs typeface="Times New Roman"/>
               </a:rPr>
-              <a:t>”. The YANG loader has created a virtual container called “</a:t>
-            </a:r>
-            <a:r>
-              <a:rPr lang="fr-FR" sz="1000" baseline="0" dirty="0" err="1" smtClean="0">
-                <a:latin typeface="Times New Roman"/>
-                <a:cs typeface="Times New Roman"/>
-              </a:rPr>
-              <a:t>netconf</a:t>
+              <a:t> node, </a:t>
             </a:r>
             <a:r>
               <a:rPr lang="en-US" sz="1000" baseline="0" dirty="0" smtClean="0">
                 <a:latin typeface="Times New Roman"/>
                 <a:cs typeface="Times New Roman"/>
               </a:rPr>
-              <a:t>” and has plug it on top of the existing “network” module (as for security, log, </a:t>
+              <a:t>the lower part of the applet shows details of</a:t>
+            </a:r>
+            <a:r>
+              <a:rPr lang="en-US" sz="1000" baseline="0" dirty="0" smtClean="0">
+                <a:latin typeface="Times New Roman"/>
+                <a:cs typeface="Times New Roman"/>
+              </a:rPr>
+              <a:t> its YANG </a:t>
+            </a:r>
+            <a:r>
+              <a:rPr lang="en-US" sz="1000" baseline="0" dirty="0" smtClean="0">
+                <a:latin typeface="Times New Roman"/>
+                <a:cs typeface="Times New Roman"/>
+              </a:rPr>
+              <a:t>specification, as the type of a leaf and constraints such default value or range intervals. A leaf type is always at least of a built-in types (as string, int8,…) and can be refined by other types with added constraints or to use an existing useful type (as a </a:t>
             </a:r>
             <a:r>
               <a:rPr lang="en-US" sz="1000" baseline="0" dirty="0" err="1" smtClean="0">
                 <a:latin typeface="Times New Roman"/>
                 <a:cs typeface="Times New Roman"/>
               </a:rPr>
-              <a:t>olsr</a:t>
+              <a:t>mac</a:t>
             </a:r>
             <a:r>
               <a:rPr lang="en-US" sz="1000" baseline="0" dirty="0" smtClean="0">
                 <a:latin typeface="Times New Roman"/>
                 <a:cs typeface="Times New Roman"/>
               </a:rPr>
-              <a:t> and system YANG modules).</a:t>
-            </a:r>
-            <a:endParaRPr lang="en-US" sz="1000" dirty="0">
+              <a:t>-address). This is the meaning of the “-” (or “+”) behind the name type. When “+” is set (by one mouse click on the “-”) then</a:t>
+            </a:r>
+            <a:r>
+              <a:rPr lang="en-US" sz="1000" baseline="0" dirty="0" smtClean="0">
+                <a:latin typeface="Times New Roman"/>
+                <a:cs typeface="Times New Roman"/>
+              </a:rPr>
+              <a:t> the </a:t>
+            </a:r>
+            <a:r>
+              <a:rPr lang="en-US" sz="1000" baseline="0" dirty="0" smtClean="0">
+                <a:latin typeface="Times New Roman"/>
+                <a:cs typeface="Times New Roman"/>
+              </a:rPr>
+              <a:t>built-in type is displayed</a:t>
+            </a:r>
+            <a:r>
+              <a:rPr lang="en-US" sz="1000" baseline="0" dirty="0" smtClean="0">
+                <a:latin typeface="Times New Roman"/>
+                <a:cs typeface="Times New Roman"/>
+              </a:rPr>
+              <a:t>.</a:t>
+            </a:r>
+          </a:p>
+          <a:p>
+            <a:pPr algn="just"/>
+            <a:endParaRPr lang="en-US" sz="1000" baseline="0" dirty="0" smtClean="0">
+              <a:latin typeface="Times New Roman"/>
+              <a:cs typeface="Times New Roman"/>
+            </a:endParaRPr>
+          </a:p>
+          <a:p>
+            <a:pPr algn="just"/>
+            <a:r>
+              <a:rPr lang="en-US" sz="1000" baseline="0" dirty="0" smtClean="0">
+                <a:latin typeface="Times New Roman"/>
+                <a:cs typeface="Times New Roman"/>
+              </a:rPr>
+              <a:t>This same applet is used in the following figures for sending request to the NETCONF device and receiving response. The matching of XML data with the YANG tree node is made at each response by the same applet.</a:t>
+            </a:r>
+          </a:p>
+          <a:p>
+            <a:pPr algn="just"/>
+            <a:endParaRPr lang="en-US" sz="1000" baseline="0" dirty="0" smtClean="0">
+              <a:latin typeface="Times New Roman"/>
+              <a:cs typeface="Times New Roman"/>
+            </a:endParaRPr>
+          </a:p>
+          <a:p>
+            <a:pPr algn="just"/>
+            <a:endParaRPr lang="en-US" sz="1000" baseline="0" dirty="0" smtClean="0">
+              <a:latin typeface="Times New Roman"/>
+              <a:cs typeface="Times New Roman"/>
+            </a:endParaRPr>
+          </a:p>
+          <a:p>
+            <a:pPr algn="just"/>
+            <a:endParaRPr lang="en-US" sz="1000" baseline="0" dirty="0" smtClean="0">
               <a:latin typeface="Times New Roman"/>
               <a:cs typeface="Times New Roman"/>
             </a:endParaRPr>
@@ -4529,32 +5169,46 @@
           <a:p>
             <a:pPr algn="just"/>
             <a:r>
-              <a:rPr lang="en-US" sz="1000" noProof="0" dirty="0" smtClean="0">
-                <a:latin typeface="Times New Roman"/>
-                <a:cs typeface="Times New Roman"/>
-              </a:rPr>
-              <a:t>From</a:t>
-            </a:r>
-            <a:r>
               <a:rPr lang="en-US" sz="1000" baseline="0" noProof="0" dirty="0" smtClean="0">
                 <a:latin typeface="Times New Roman"/>
                 <a:cs typeface="Times New Roman"/>
               </a:rPr>
-              <a:t> the </a:t>
+              <a:t>One </a:t>
+            </a:r>
+            <a:r>
+              <a:rPr lang="en-US" sz="1000" baseline="0" noProof="0" dirty="0" smtClean="0">
+                <a:latin typeface="Times New Roman"/>
+                <a:cs typeface="Times New Roman"/>
+              </a:rPr>
+              <a:t>can request the indirectly connected </a:t>
             </a:r>
             <a:r>
               <a:rPr lang="fr-FR" sz="1000" baseline="0" noProof="0" dirty="0" smtClean="0">
                 <a:latin typeface="Times New Roman"/>
                 <a:cs typeface="Times New Roman"/>
               </a:rPr>
-              <a:t>slide</a:t>
+              <a:t>NETCONF</a:t>
             </a:r>
             <a:r>
               <a:rPr lang="en-US" sz="1000" baseline="0" noProof="0" dirty="0" smtClean="0">
                 <a:latin typeface="Times New Roman"/>
                 <a:cs typeface="Times New Roman"/>
               </a:rPr>
-              <a:t> 7 one can request the indirectly connected </a:t>
+              <a:t> device by a mouse contextual menu that pops-up when the right button is pressed on a YANG</a:t>
+            </a:r>
+            <a:r>
+              <a:rPr lang="en-US" sz="1000" baseline="0" noProof="0" dirty="0" smtClean="0">
+                <a:latin typeface="Times New Roman"/>
+                <a:cs typeface="Times New Roman"/>
+              </a:rPr>
+              <a:t> node. </a:t>
+            </a:r>
+            <a:r>
+              <a:rPr lang="en-US" sz="1000" baseline="0" noProof="0" dirty="0" smtClean="0">
+                <a:latin typeface="Times New Roman"/>
+                <a:cs typeface="Times New Roman"/>
+              </a:rPr>
+              <a:t>When one of the standard </a:t>
             </a:r>
             <a:r>
               <a:rPr lang="fr-FR" sz="1000" baseline="0" noProof="0" dirty="0" smtClean="0">
@@ -4568,13 +5222,48 @@
                 <a:latin typeface="Times New Roman"/>
                 <a:cs typeface="Times New Roman"/>
               </a:rPr>
-              <a:t> device by a mouse contextual menu that pops-up when the right button is pressed on a YANG data type. When one of the standard </a:t>
+              <a:t> operations is chosen, the request is built from the root node (here the </a:t>
+            </a:r>
+            <a:r>
+              <a:rPr lang="fr-FR" sz="1000" baseline="0" noProof="0" dirty="0" err="1" smtClean="0">
+                <a:latin typeface="Times New Roman"/>
+                <a:cs typeface="Times New Roman"/>
+              </a:rPr>
+              <a:t>netconf</a:t>
             </a:r>
             <a:r>
               <a:rPr lang="fr-FR" sz="1000" baseline="0" noProof="0" dirty="0" smtClean="0">
                 <a:latin typeface="Times New Roman"/>
                 <a:cs typeface="Times New Roman"/>
               </a:rPr>
+              <a:t> </a:t>
+            </a:r>
+            <a:r>
+              <a:rPr lang="en-US" sz="1000" baseline="0" noProof="0" dirty="0" smtClean="0">
+                <a:latin typeface="Times New Roman"/>
+                <a:cs typeface="Times New Roman"/>
+              </a:rPr>
+              <a:t>virtual container) to the tree position of the selected node.</a:t>
+            </a:r>
+            <a:r>
+              <a:rPr lang="en-US" sz="1000" baseline="0" noProof="0" dirty="0" smtClean="0">
+                <a:latin typeface="Times New Roman"/>
+                <a:cs typeface="Times New Roman"/>
+              </a:rPr>
+              <a:t> At this step, the applet is vertically separated to show result of request on the right. The </a:t>
+            </a:r>
+            <a:r>
+              <a:rPr lang="en-US" sz="1000" baseline="0" noProof="0" dirty="0" smtClean="0">
+                <a:latin typeface="Times New Roman"/>
+                <a:cs typeface="Times New Roman"/>
+              </a:rPr>
+              <a:t>resulting XML document is sent inside a HTTP POST request. A specific header called “operation” is used to specify which </a:t>
+            </a:r>
+            <a:r>
+              <a:rPr lang="fr-FR" sz="1000" baseline="0" noProof="0" dirty="0" smtClean="0">
+                <a:latin typeface="Times New Roman"/>
+                <a:cs typeface="Times New Roman"/>
+              </a:rPr>
               <a:t>NETCONF</a:t>
             </a:r>
             <a:r>
@@ -4582,71 +5271,68 @@
                 <a:latin typeface="Times New Roman"/>
                 <a:cs typeface="Times New Roman"/>
               </a:rPr>
-              <a:t> operations is chosen, the request is built from the root node (here the </a:t>
-            </a:r>
-            <a:r>
-              <a:rPr lang="fr-FR" sz="1000" baseline="0" noProof="0" dirty="0" err="1" smtClean="0">
-                <a:latin typeface="Times New Roman"/>
-                <a:cs typeface="Times New Roman"/>
-              </a:rPr>
-              <a:t>netconf</a:t>
-            </a:r>
-            <a:r>
-              <a:rPr lang="fr-FR" sz="1000" baseline="0" noProof="0" dirty="0" smtClean="0">
-                <a:latin typeface="Times New Roman"/>
-                <a:cs typeface="Times New Roman"/>
-              </a:rPr>
-              <a:t> </a:t>
+              <a:t> operation must be performed on the server (get, get-</a:t>
+            </a:r>
+            <a:r>
+              <a:rPr lang="en-US" sz="1000" baseline="0" noProof="0" dirty="0" err="1" smtClean="0">
+                <a:latin typeface="Times New Roman"/>
+                <a:cs typeface="Times New Roman"/>
+              </a:rPr>
+              <a:t>config</a:t>
             </a:r>
             <a:r>
               <a:rPr lang="en-US" sz="1000" baseline="0" noProof="0" dirty="0" smtClean="0">
                 <a:latin typeface="Times New Roman"/>
                 <a:cs typeface="Times New Roman"/>
               </a:rPr>
-              <a:t>virtual container) to the tree position of the selected node. The resulting XML document is sent inside a HTTP POST request. A specific header called “operation” is used to specify which </a:t>
-            </a:r>
-            <a:r>
-              <a:rPr lang="fr-FR" sz="1000" baseline="0" noProof="0" dirty="0" smtClean="0">
-                <a:latin typeface="Times New Roman"/>
-                <a:cs typeface="Times New Roman"/>
-              </a:rPr>
-              <a:t>NETCONF</a:t>
+              <a:t> or edit-</a:t>
+            </a:r>
+            <a:r>
+              <a:rPr lang="en-US" sz="1000" baseline="0" noProof="0" dirty="0" err="1" smtClean="0">
+                <a:latin typeface="Times New Roman"/>
+                <a:cs typeface="Times New Roman"/>
+              </a:rPr>
+              <a:t>config</a:t>
             </a:r>
             <a:r>
               <a:rPr lang="en-US" sz="1000" baseline="0" noProof="0" dirty="0" smtClean="0">
                 <a:latin typeface="Times New Roman"/>
                 <a:cs typeface="Times New Roman"/>
               </a:rPr>
-              <a:t> operation must be performed on the server (get, get-</a:t>
+              <a:t>).</a:t>
+            </a:r>
+            <a:r>
+              <a:rPr lang="en-US" sz="1000" baseline="0" noProof="0" dirty="0" smtClean="0">
+                <a:latin typeface="Times New Roman"/>
+                <a:cs typeface="Times New Roman"/>
+              </a:rPr>
+              <a:t> The figure 8 shows a get request on the leaf </a:t>
             </a:r>
             <a:r>
               <a:rPr lang="en-US" sz="1000" baseline="0" noProof="0" dirty="0" err="1" smtClean="0">
                 <a:latin typeface="Times New Roman"/>
                 <a:cs typeface="Times New Roman"/>
               </a:rPr>
-              <a:t>config</a:t>
+              <a:t>mtu</a:t>
             </a:r>
             <a:r>
               <a:rPr lang="en-US" sz="1000" baseline="0" noProof="0" dirty="0" smtClean="0">
                 <a:latin typeface="Times New Roman"/>
                 <a:cs typeface="Times New Roman"/>
               </a:rPr>
-              <a:t> or edit-</a:t>
-            </a:r>
-            <a:r>
-              <a:rPr lang="en-US" sz="1000" baseline="0" noProof="0" dirty="0" err="1" smtClean="0">
-                <a:latin typeface="Times New Roman"/>
-                <a:cs typeface="Times New Roman"/>
-              </a:rPr>
-              <a:t>config</a:t>
+              <a:t> and this leaf is inside the interface list. Note </a:t>
             </a:r>
             <a:r>
               <a:rPr lang="en-US" sz="1000" baseline="0" noProof="0" dirty="0" smtClean="0">
                 <a:latin typeface="Times New Roman"/>
                 <a:cs typeface="Times New Roman"/>
               </a:rPr>
-              <a:t>). Note that the key of the list is added to the request while it is not explicitly asked. This is an optimization because subsequent requests on lists (and especially on list entries) will likely need the key. </a:t>
-            </a:r>
+              <a:t>that the key of the list is added to the request while it is not explicitly asked. This is an optimization because subsequent requests on lists (and especially on list entries) will likely need the key. </a:t>
+            </a:r>
+            <a:endParaRPr lang="en-US" sz="1000" baseline="0" noProof="0" dirty="0" smtClean="0">
+              <a:latin typeface="Times New Roman"/>
+              <a:cs typeface="Times New Roman"/>
+            </a:endParaRPr>
           </a:p>
           <a:p>
             <a:pPr algn="just"/>
@@ -4657,13 +5343,6 @@
           </a:p>
           <a:p>
             <a:pPr algn="just"/>
-            <a:endParaRPr lang="en-US" sz="1000" baseline="0" noProof="0" dirty="0" smtClean="0">
-              <a:latin typeface="Times New Roman"/>
-              <a:cs typeface="Times New Roman"/>
-            </a:endParaRPr>
-          </a:p>
-          <a:p>
-            <a:pPr algn="just"/>
             <a:r>
               <a:rPr lang="en-US" sz="1000" baseline="0" noProof="0" dirty="0" smtClean="0">
                 <a:latin typeface="Times New Roman"/>
@@ -4683,7 +5362,14 @@
                 <a:latin typeface="Times New Roman"/>
                 <a:cs typeface="Times New Roman"/>
               </a:rPr>
-              <a:t> Manager, the latter adds the </a:t>
+              <a:t> Manager, the latter</a:t>
+            </a:r>
+            <a:r>
+              <a:rPr lang="en-US" sz="1000" baseline="0" noProof="0" dirty="0" smtClean="0">
+                <a:latin typeface="Times New Roman"/>
+                <a:cs typeface="Times New Roman"/>
+              </a:rPr>
+              <a:t> surrounds it by the </a:t>
             </a:r>
             <a:r>
               <a:rPr lang="en-US" sz="1000" baseline="0" noProof="0" dirty="0" err="1" smtClean="0">
@@ -4697,7 +5383,21 @@
                 <a:latin typeface="Times New Roman"/>
                 <a:cs typeface="Times New Roman"/>
               </a:rPr>
-              <a:t> and filter mechanisms to surround the XML document received and sends a valid </a:t>
+              <a:t> and filter mechanisms</a:t>
+            </a:r>
+            <a:r>
+              <a:rPr lang="en-US" sz="1000" baseline="0" noProof="0" dirty="0" smtClean="0">
+                <a:latin typeface="Times New Roman"/>
+                <a:cs typeface="Times New Roman"/>
+              </a:rPr>
+              <a:t> and sends </a:t>
+            </a:r>
+            <a:r>
+              <a:rPr lang="en-US" sz="1000" baseline="0" noProof="0" dirty="0" smtClean="0">
+                <a:latin typeface="Times New Roman"/>
+                <a:cs typeface="Times New Roman"/>
+              </a:rPr>
+              <a:t>a valid </a:t>
             </a:r>
             <a:r>
               <a:rPr lang="fr-FR" sz="1000" baseline="0" noProof="0" dirty="0" smtClean="0">
@@ -4725,49 +5425,21 @@
                 <a:latin typeface="Times New Roman"/>
                 <a:cs typeface="Times New Roman"/>
               </a:rPr>
-              <a:t> session. So the reply is sent by the </a:t>
-            </a:r>
-            <a:r>
-              <a:rPr lang="fr-FR" sz="1000" baseline="0" noProof="0" dirty="0" smtClean="0">
-                <a:latin typeface="Times New Roman"/>
-                <a:cs typeface="Times New Roman"/>
-              </a:rPr>
-              <a:t>NETCONF</a:t>
+              <a:t> session</a:t>
             </a:r>
             <a:r>
               <a:rPr lang="en-US" sz="1000" baseline="0" noProof="0" dirty="0" smtClean="0">
                 <a:latin typeface="Times New Roman"/>
                 <a:cs typeface="Times New Roman"/>
               </a:rPr>
-              <a:t> server to the </a:t>
-            </a:r>
-            <a:r>
-              <a:rPr lang="en-US" sz="1000" baseline="0" noProof="0" dirty="0" err="1" smtClean="0">
-                <a:latin typeface="Times New Roman"/>
-                <a:cs typeface="Times New Roman"/>
-              </a:rPr>
-              <a:t>YencaP</a:t>
+              <a:t>. </a:t>
             </a:r>
             <a:r>
               <a:rPr lang="en-US" sz="1000" baseline="0" noProof="0" dirty="0" smtClean="0">
                 <a:latin typeface="Times New Roman"/>
                 <a:cs typeface="Times New Roman"/>
               </a:rPr>
-              <a:t> Manager and this finish the </a:t>
-            </a:r>
-            <a:r>
-              <a:rPr lang="fr-FR" sz="1000" baseline="0" noProof="0" dirty="0" smtClean="0">
-                <a:latin typeface="Times New Roman"/>
-                <a:cs typeface="Times New Roman"/>
-              </a:rPr>
-              <a:t>NETCONF</a:t>
-            </a:r>
-            <a:r>
-              <a:rPr lang="en-US" sz="1000" baseline="0" noProof="0" dirty="0" smtClean="0">
-                <a:latin typeface="Times New Roman"/>
-                <a:cs typeface="Times New Roman"/>
-              </a:rPr>
-              <a:t> operation. Following is simply a cleaning of </a:t>
+              <a:t>Following is simply a cleaning of </a:t>
             </a:r>
             <a:r>
               <a:rPr lang="fr-FR" sz="1000" baseline="0" noProof="0" dirty="0" smtClean="0">
@@ -4902,14 +5574,28 @@
                 <a:latin typeface="Times New Roman"/>
                 <a:cs typeface="Times New Roman"/>
               </a:rPr>
-              <a:t>slide</a:t>
+              <a:t>figure </a:t>
             </a:r>
             <a:r>
               <a:rPr lang="en-US" sz="1000" baseline="0" noProof="0" dirty="0" smtClean="0">
                 <a:latin typeface="Times New Roman"/>
                 <a:cs typeface="Times New Roman"/>
               </a:rPr>
-              <a:t> 9 depicts some functionalities of the Yang Browsing client. Part (a) is a simple access to a leaf in a container and where we get the response of a get-</a:t>
+              <a:t>9 </a:t>
+            </a:r>
+            <a:r>
+              <a:rPr lang="en-US" sz="1000" baseline="0" noProof="0" dirty="0" smtClean="0">
+                <a:latin typeface="Times New Roman"/>
+                <a:cs typeface="Times New Roman"/>
+              </a:rPr>
+              <a:t>depicts some functionalities</a:t>
+            </a:r>
+            <a:r>
+              <a:rPr lang="en-US" sz="1000" baseline="0" noProof="0" dirty="0" smtClean="0">
+                <a:latin typeface="Times New Roman"/>
+                <a:cs typeface="Times New Roman"/>
+              </a:rPr>
+              <a:t> of the applet related to NETCONF get and edit </a:t>
             </a:r>
             <a:r>
               <a:rPr lang="en-US" sz="1000" baseline="0" noProof="0" dirty="0" err="1" smtClean="0">
@@ -4923,13 +5609,82 @@
                 <a:latin typeface="Times New Roman"/>
                 <a:cs typeface="Times New Roman"/>
               </a:rPr>
-              <a:t> operation. Part (</a:t>
+              <a:t> operations. </a:t>
+            </a:r>
+          </a:p>
+          <a:p>
+            <a:pPr algn="just"/>
+            <a:endParaRPr lang="en-US" sz="1000" baseline="0" noProof="0" dirty="0" smtClean="0">
+              <a:latin typeface="Times New Roman"/>
+              <a:cs typeface="Times New Roman"/>
+            </a:endParaRPr>
+          </a:p>
+          <a:p>
+            <a:pPr algn="just"/>
+            <a:r>
+              <a:rPr lang="en-US" sz="1000" baseline="0" noProof="0" dirty="0" smtClean="0">
+                <a:latin typeface="Times New Roman"/>
+                <a:cs typeface="Times New Roman"/>
+              </a:rPr>
+              <a:t>Part </a:t>
+            </a:r>
+            <a:r>
+              <a:rPr lang="en-US" sz="1000" baseline="0" noProof="0" dirty="0" smtClean="0">
+                <a:latin typeface="Times New Roman"/>
+                <a:cs typeface="Times New Roman"/>
+              </a:rPr>
+              <a:t>(a) is a simple access to a leaf in a container and where we get the response of a get-</a:t>
             </a:r>
             <a:r>
               <a:rPr lang="en-US" sz="1000" baseline="0" noProof="0" dirty="0" err="1" smtClean="0">
                 <a:latin typeface="Times New Roman"/>
                 <a:cs typeface="Times New Roman"/>
               </a:rPr>
+              <a:t>config</a:t>
+            </a:r>
+            <a:r>
+              <a:rPr lang="en-US" sz="1000" baseline="0" noProof="0" dirty="0" smtClean="0">
+                <a:latin typeface="Times New Roman"/>
+                <a:cs typeface="Times New Roman"/>
+              </a:rPr>
+              <a:t> operation.</a:t>
+            </a:r>
+            <a:r>
+              <a:rPr lang="en-US" sz="1000" baseline="0" noProof="0" dirty="0" smtClean="0">
+                <a:latin typeface="Times New Roman"/>
+                <a:cs typeface="Times New Roman"/>
+              </a:rPr>
+              <a:t> </a:t>
+            </a:r>
+          </a:p>
+          <a:p>
+            <a:pPr algn="just"/>
+            <a:endParaRPr lang="en-US" sz="1000" baseline="0" noProof="0" dirty="0" smtClean="0">
+              <a:latin typeface="Times New Roman"/>
+              <a:cs typeface="Times New Roman"/>
+            </a:endParaRPr>
+          </a:p>
+          <a:p>
+            <a:pPr algn="just"/>
+            <a:r>
+              <a:rPr lang="en-US" sz="1000" baseline="0" noProof="0" dirty="0" smtClean="0">
+                <a:latin typeface="Times New Roman"/>
+                <a:cs typeface="Times New Roman"/>
+              </a:rPr>
+              <a:t>Part </a:t>
+            </a:r>
+            <a:r>
+              <a:rPr lang="en-US" sz="1000" baseline="0" noProof="0" dirty="0" smtClean="0">
+                <a:latin typeface="Times New Roman"/>
+                <a:cs typeface="Times New Roman"/>
+              </a:rPr>
+              <a:t>(</a:t>
+            </a:r>
+            <a:r>
+              <a:rPr lang="en-US" sz="1000" baseline="0" noProof="0" dirty="0" err="1" smtClean="0">
+                <a:latin typeface="Times New Roman"/>
+                <a:cs typeface="Times New Roman"/>
+              </a:rPr>
               <a:t>b</a:t>
             </a:r>
             <a:r>
@@ -4937,13 +5692,86 @@
                 <a:latin typeface="Times New Roman"/>
                 <a:cs typeface="Times New Roman"/>
               </a:rPr>
-              <a:t>) shows that when editing a container, its components are listed with a warning until a correct value is given. Part (</a:t>
+              <a:t>)</a:t>
+            </a:r>
+            <a:r>
+              <a:rPr lang="en-US" sz="1000" baseline="0" noProof="0" dirty="0" smtClean="0">
+                <a:latin typeface="Times New Roman"/>
+                <a:cs typeface="Times New Roman"/>
+              </a:rPr>
+              <a:t> is an edit-</a:t>
             </a:r>
             <a:r>
               <a:rPr lang="en-US" sz="1000" baseline="0" noProof="0" dirty="0" err="1" smtClean="0">
                 <a:latin typeface="Times New Roman"/>
                 <a:cs typeface="Times New Roman"/>
               </a:rPr>
+              <a:t>config</a:t>
+            </a:r>
+            <a:r>
+              <a:rPr lang="en-US" sz="1000" baseline="0" noProof="0" dirty="0" smtClean="0">
+                <a:latin typeface="Times New Roman"/>
+                <a:cs typeface="Times New Roman"/>
+              </a:rPr>
+              <a:t> for a container. When editing </a:t>
+            </a:r>
+            <a:r>
+              <a:rPr lang="en-US" sz="1000" baseline="0" noProof="0" dirty="0" smtClean="0">
+                <a:latin typeface="Times New Roman"/>
+                <a:cs typeface="Times New Roman"/>
+              </a:rPr>
+              <a:t>a container, its components are listed with a warning until a correct value is given.</a:t>
+            </a:r>
+            <a:r>
+              <a:rPr lang="en-US" sz="1000" baseline="0" noProof="0" dirty="0" smtClean="0">
+                <a:latin typeface="Times New Roman"/>
+                <a:cs typeface="Times New Roman"/>
+              </a:rPr>
+              <a:t> The applet shows warning messages and have editing functionalities (as in part </a:t>
+            </a:r>
+            <a:r>
+              <a:rPr lang="en-US" sz="1000" baseline="0" noProof="0" dirty="0" err="1" smtClean="0">
+                <a:latin typeface="Times New Roman"/>
+                <a:cs typeface="Times New Roman"/>
+              </a:rPr>
+              <a:t>d</a:t>
+            </a:r>
+            <a:r>
+              <a:rPr lang="en-US" sz="1000" baseline="0" noProof="0" dirty="0" smtClean="0">
+                <a:latin typeface="Times New Roman"/>
+                <a:cs typeface="Times New Roman"/>
+              </a:rPr>
+              <a:t>) to set values on edited data.</a:t>
+            </a:r>
+          </a:p>
+          <a:p>
+            <a:pPr algn="just"/>
+            <a:endParaRPr lang="en-US" sz="1000" baseline="0" noProof="0" dirty="0" smtClean="0">
+              <a:latin typeface="Times New Roman"/>
+              <a:cs typeface="Times New Roman"/>
+            </a:endParaRPr>
+          </a:p>
+          <a:p>
+            <a:pPr algn="just"/>
+            <a:r>
+              <a:rPr lang="en-US" sz="1000" baseline="0" noProof="0" dirty="0" smtClean="0">
+                <a:latin typeface="Times New Roman"/>
+                <a:cs typeface="Times New Roman"/>
+              </a:rPr>
+              <a:t>Part </a:t>
+            </a:r>
+            <a:r>
+              <a:rPr lang="en-US" sz="1000" baseline="0" noProof="0" dirty="0" smtClean="0">
+                <a:latin typeface="Times New Roman"/>
+                <a:cs typeface="Times New Roman"/>
+              </a:rPr>
+              <a:t>(</a:t>
+            </a:r>
+            <a:r>
+              <a:rPr lang="en-US" sz="1000" baseline="0" noProof="0" dirty="0" err="1" smtClean="0">
+                <a:latin typeface="Times New Roman"/>
+                <a:cs typeface="Times New Roman"/>
+              </a:rPr>
               <a:t>c</a:t>
             </a:r>
             <a:r>
@@ -4965,7 +5793,38 @@
                 <a:latin typeface="Times New Roman"/>
                 <a:cs typeface="Times New Roman"/>
               </a:rPr>
-              <a:t> for a list. Here a list is edited entry by entry (that we call a list occurrence) and one can see an empty list entry ready to be filled. Note that a red mark is on the “login” leaf because it is the key of the list and so its value must be set. Part (</a:t>
+              <a:t> for a list. Here a list is edited entry by entry (that we call a list occurrence) and one can see an empty list entry ready to be filled. Note that a red mark is on the “login” leaf because it is the key of the list and so its value must be set.</a:t>
+            </a:r>
+            <a:r>
+              <a:rPr lang="en-US" sz="1000" baseline="0" noProof="0" dirty="0" smtClean="0">
+                <a:latin typeface="Times New Roman"/>
+                <a:cs typeface="Times New Roman"/>
+              </a:rPr>
+              <a:t> </a:t>
+            </a:r>
+          </a:p>
+          <a:p>
+            <a:pPr algn="just"/>
+            <a:endParaRPr lang="en-US" sz="1000" baseline="0" noProof="0" dirty="0" smtClean="0">
+              <a:latin typeface="Times New Roman"/>
+              <a:cs typeface="Times New Roman"/>
+            </a:endParaRPr>
+          </a:p>
+          <a:p>
+            <a:pPr algn="just"/>
+            <a:r>
+              <a:rPr lang="en-US" sz="1000" baseline="0" noProof="0" dirty="0" smtClean="0">
+                <a:latin typeface="Times New Roman"/>
+                <a:cs typeface="Times New Roman"/>
+              </a:rPr>
+              <a:t>Part </a:t>
+            </a:r>
+            <a:r>
+              <a:rPr lang="en-US" sz="1000" baseline="0" noProof="0" dirty="0" smtClean="0">
+                <a:latin typeface="Times New Roman"/>
+                <a:cs typeface="Times New Roman"/>
+              </a:rPr>
+              <a:t>(</a:t>
             </a:r>
             <a:r>
               <a:rPr lang="en-US" sz="1000" baseline="0" noProof="0" dirty="0" err="1" smtClean="0">
@@ -23137,14 +23996,14 @@
           <a:p>
             <a:pPr algn="ctr"/>
             <a:r>
-              <a:rPr lang="en-US" sz="1200" dirty="0" smtClean="0">
+              <a:rPr lang="en-US" sz="1200" i="1" dirty="0" smtClean="0">
                 <a:solidFill>
                   <a:srgbClr val="000000"/>
                 </a:solidFill>
               </a:rPr>
               <a:t>a</a:t>
             </a:r>
-            <a:endParaRPr lang="en-US" sz="1200" dirty="0">
+            <a:endParaRPr lang="en-US" sz="1200" i="1" dirty="0">
               <a:solidFill>
                 <a:srgbClr val="000000"/>
               </a:solidFill>
@@ -23204,14 +24063,14 @@
           <a:p>
             <a:pPr algn="ctr"/>
             <a:r>
-              <a:rPr lang="en-US" sz="1200" dirty="0" err="1" smtClean="0">
+              <a:rPr lang="en-US" sz="1200" i="1" dirty="0" err="1" smtClean="0">
                 <a:solidFill>
                   <a:srgbClr val="000000"/>
                 </a:solidFill>
               </a:rPr>
               <a:t>b</a:t>
             </a:r>
-            <a:endParaRPr lang="en-US" sz="1200" dirty="0">
+            <a:endParaRPr lang="en-US" sz="1200" i="1" dirty="0">
               <a:solidFill>
                 <a:srgbClr val="000000"/>
               </a:solidFill>
@@ -23219,45 +24078,6 @@
           </a:p>
         </p:txBody>
       </p:sp>
-      <p:cxnSp>
-        <p:nvCxnSpPr>
-          <p:cNvPr id="8" name="Connecteur en arc 7"/>
-          <p:cNvCxnSpPr>
-            <a:stCxn id="6" idx="3"/>
-            <a:endCxn id="5" idx="2"/>
-          </p:cNvCxnSpPr>
-          <p:nvPr/>
-        </p:nvCxnSpPr>
-        <p:spPr>
-          <a:xfrm flipV="1">
-            <a:off x="990600" y="5302177"/>
-            <a:ext cx="528876" cy="593683"/>
-          </a:xfrm>
-          <a:prstGeom prst="curvedConnector2">
-            <a:avLst/>
-          </a:prstGeom>
-          <a:ln>
-            <a:solidFill>
-              <a:srgbClr val="000000"/>
-            </a:solidFill>
-            <a:tailEnd type="arrow"/>
-          </a:ln>
-        </p:spPr>
-        <p:style>
-          <a:lnRef idx="2">
-            <a:schemeClr val="accent1"/>
-          </a:lnRef>
-          <a:fillRef idx="0">
-            <a:schemeClr val="accent1"/>
-          </a:fillRef>
-          <a:effectRef idx="1">
-            <a:schemeClr val="accent1"/>
-          </a:effectRef>
-          <a:fontRef idx="minor">
-            <a:schemeClr val="tx1"/>
-          </a:fontRef>
-        </p:style>
-      </p:cxnSp>
       <p:sp>
         <p:nvSpPr>
           <p:cNvPr id="12" name="Carré corné 11"/>
@@ -23310,14 +24130,14 @@
           <a:p>
             <a:pPr algn="ctr"/>
             <a:r>
-              <a:rPr lang="en-US" sz="1200" dirty="0" smtClean="0">
+              <a:rPr lang="en-US" sz="1200" i="1" dirty="0" smtClean="0">
                 <a:solidFill>
                   <a:srgbClr val="000000"/>
                 </a:solidFill>
               </a:rPr>
               <a:t>sa1</a:t>
             </a:r>
-            <a:endParaRPr lang="en-US" sz="1200" dirty="0">
+            <a:endParaRPr lang="en-US" sz="1200" i="1" dirty="0">
               <a:solidFill>
                 <a:srgbClr val="000000"/>
               </a:solidFill>
@@ -23325,48 +24145,6 @@
           </a:p>
         </p:txBody>
       </p:sp>
-      <p:cxnSp>
-        <p:nvCxnSpPr>
-          <p:cNvPr id="13" name="Connecteur en arc 12"/>
-          <p:cNvCxnSpPr>
-            <a:stCxn id="12" idx="1"/>
-            <a:endCxn id="5" idx="2"/>
-          </p:cNvCxnSpPr>
-          <p:nvPr/>
-        </p:nvCxnSpPr>
-        <p:spPr>
-          <a:xfrm rot="10800000">
-            <a:off x="1519477" y="5302178"/>
-            <a:ext cx="282959" cy="661807"/>
-          </a:xfrm>
-          <a:prstGeom prst="curvedConnector2">
-            <a:avLst/>
-          </a:prstGeom>
-          <a:ln w="25400" cap="flat" cmpd="sng" algn="ctr">
-            <a:solidFill>
-              <a:srgbClr val="000000"/>
-            </a:solidFill>
-            <a:prstDash val="dash"/>
-            <a:round/>
-            <a:headEnd type="none" w="med" len="med"/>
-            <a:tailEnd type="arrow" w="med" len="med"/>
-          </a:ln>
-        </p:spPr>
-        <p:style>
-          <a:lnRef idx="2">
-            <a:schemeClr val="accent1"/>
-          </a:lnRef>
-          <a:fillRef idx="0">
-            <a:schemeClr val="accent1"/>
-          </a:fillRef>
-          <a:effectRef idx="1">
-            <a:schemeClr val="accent1"/>
-          </a:effectRef>
-          <a:fontRef idx="minor">
-            <a:schemeClr val="tx1"/>
-          </a:fontRef>
-        </p:style>
-      </p:cxnSp>
       <p:sp>
         <p:nvSpPr>
           <p:cNvPr id="25" name="Losange 24"/>
@@ -24361,17 +25139,20 @@
       <p:cxnSp>
         <p:nvCxnSpPr>
           <p:cNvPr id="71" name="Connecteur en arc 70"/>
-          <p:cNvCxnSpPr/>
+          <p:cNvCxnSpPr>
+            <a:stCxn id="25" idx="0"/>
+            <a:endCxn id="292" idx="0"/>
+          </p:cNvCxnSpPr>
           <p:nvPr/>
         </p:nvCxnSpPr>
         <p:spPr>
           <a:xfrm rot="5400000" flipH="1" flipV="1">
-            <a:off x="1342211" y="803363"/>
-            <a:ext cx="2182065" cy="2161595"/>
+            <a:off x="2386639" y="-454851"/>
+            <a:ext cx="2659156" cy="4651343"/>
           </a:xfrm>
           <a:prstGeom prst="curvedConnector3">
             <a:avLst>
-              <a:gd name="adj1" fmla="val 102086"/>
+              <a:gd name="adj1" fmla="val 108597"/>
             </a:avLst>
           </a:prstGeom>
           <a:ln>
@@ -24400,19 +25181,20 @@
         <p:nvCxnSpPr>
           <p:cNvPr id="72" name="Connecteur en arc 71"/>
           <p:cNvCxnSpPr>
-            <a:stCxn id="25" idx="0"/>
+            <a:stCxn id="25" idx="1"/>
             <a:endCxn id="29" idx="2"/>
           </p:cNvCxnSpPr>
           <p:nvPr/>
         </p:nvCxnSpPr>
         <p:spPr>
-          <a:xfrm rot="16200000" flipV="1">
-            <a:off x="566275" y="2376127"/>
-            <a:ext cx="1053573" cy="594970"/>
-          </a:xfrm>
-          <a:prstGeom prst="curvedConnector3">
+          <a:xfrm rot="10800000" flipH="1">
+            <a:off x="742846" y="2146825"/>
+            <a:ext cx="52730" cy="1432334"/>
+          </a:xfrm>
+          <a:prstGeom prst="curvedConnector4">
             <a:avLst>
-              <a:gd name="adj1" fmla="val 50000"/>
+              <a:gd name="adj1" fmla="val -433529"/>
+              <a:gd name="adj2" fmla="val 61196"/>
             </a:avLst>
           </a:prstGeom>
           <a:ln>
@@ -24437,592 +25219,529 @@
           </a:fontRef>
         </p:style>
       </p:cxnSp>
-      <p:grpSp>
-        <p:nvGrpSpPr>
-          <p:cNvPr id="126" name="Grouper 125"/>
-          <p:cNvGrpSpPr/>
-          <p:nvPr/>
-        </p:nvGrpSpPr>
-        <p:grpSpPr>
+      <p:sp>
+        <p:nvSpPr>
+          <p:cNvPr id="105" name="Ellipse 104"/>
+          <p:cNvSpPr/>
+          <p:nvPr/>
+        </p:nvSpPr>
+        <p:spPr>
           <a:xfrm>
-            <a:off x="4413812" y="976872"/>
-            <a:ext cx="609602" cy="814674"/>
-            <a:chOff x="4771344" y="4458249"/>
-            <a:chExt cx="609602" cy="814674"/>
-          </a:xfrm>
+            <a:off x="4528112" y="976872"/>
+            <a:ext cx="76200" cy="84042"/>
+          </a:xfrm>
+          <a:prstGeom prst="ellipse">
+            <a:avLst/>
+          </a:prstGeom>
           <a:solidFill>
             <a:schemeClr val="accent3">
               <a:lumMod val="75000"/>
             </a:schemeClr>
           </a:solidFill>
-        </p:grpSpPr>
-        <p:sp>
-          <p:nvSpPr>
-            <p:cNvPr id="105" name="Ellipse 104"/>
-            <p:cNvSpPr/>
-            <p:nvPr/>
-          </p:nvSpPr>
-          <p:spPr>
-            <a:xfrm>
-              <a:off x="4885644" y="4458249"/>
-              <a:ext cx="76200" cy="84042"/>
-            </a:xfrm>
-            <a:prstGeom prst="ellipse">
-              <a:avLst/>
-            </a:prstGeom>
-            <a:grpFill/>
-            <a:ln>
-              <a:solidFill>
-                <a:srgbClr val="FF0000"/>
-              </a:solidFill>
-            </a:ln>
-          </p:spPr>
-          <p:style>
-            <a:lnRef idx="1">
-              <a:schemeClr val="accent1"/>
-            </a:lnRef>
-            <a:fillRef idx="3">
-              <a:schemeClr val="accent1"/>
-            </a:fillRef>
-            <a:effectRef idx="2">
-              <a:schemeClr val="accent1"/>
-            </a:effectRef>
-            <a:fontRef idx="minor">
-              <a:schemeClr val="lt1"/>
-            </a:fontRef>
-          </p:style>
-          <p:txBody>
-            <a:bodyPr rtlCol="0" anchor="ctr"/>
-            <a:lstStyle/>
-            <a:p>
-              <a:pPr algn="ctr"/>
-              <a:endParaRPr lang="en-US"/>
-            </a:p>
-          </p:txBody>
-        </p:sp>
-        <p:sp>
-          <p:nvSpPr>
-            <p:cNvPr id="107" name="Ellipse 106"/>
-            <p:cNvSpPr/>
-            <p:nvPr/>
-          </p:nvSpPr>
-          <p:spPr>
-            <a:xfrm>
-              <a:off x="4771344" y="4823565"/>
-              <a:ext cx="76200" cy="84042"/>
-            </a:xfrm>
-            <a:prstGeom prst="ellipse">
-              <a:avLst/>
-            </a:prstGeom>
-            <a:grpFill/>
-            <a:ln>
-              <a:solidFill>
-                <a:srgbClr val="FF0000"/>
-              </a:solidFill>
-            </a:ln>
-          </p:spPr>
-          <p:style>
-            <a:lnRef idx="1">
-              <a:schemeClr val="accent1"/>
-            </a:lnRef>
-            <a:fillRef idx="3">
-              <a:schemeClr val="accent1"/>
-            </a:fillRef>
-            <a:effectRef idx="2">
-              <a:schemeClr val="accent1"/>
-            </a:effectRef>
-            <a:fontRef idx="minor">
-              <a:schemeClr val="lt1"/>
-            </a:fontRef>
-          </p:style>
-          <p:txBody>
-            <a:bodyPr rtlCol="0" anchor="ctr"/>
-            <a:lstStyle/>
-            <a:p>
-              <a:pPr algn="ctr"/>
-              <a:endParaRPr lang="en-US"/>
-            </a:p>
-          </p:txBody>
-        </p:sp>
-        <p:sp>
-          <p:nvSpPr>
-            <p:cNvPr id="108" name="Ellipse 107"/>
-            <p:cNvSpPr/>
-            <p:nvPr/>
-          </p:nvSpPr>
-          <p:spPr>
-            <a:xfrm>
-              <a:off x="4961844" y="4823565"/>
-              <a:ext cx="76200" cy="84042"/>
-            </a:xfrm>
-            <a:prstGeom prst="ellipse">
-              <a:avLst/>
-            </a:prstGeom>
-            <a:grpFill/>
-            <a:ln>
-              <a:solidFill>
-                <a:srgbClr val="FF0000"/>
-              </a:solidFill>
-            </a:ln>
-          </p:spPr>
-          <p:style>
-            <a:lnRef idx="1">
-              <a:schemeClr val="accent1"/>
-            </a:lnRef>
-            <a:fillRef idx="3">
-              <a:schemeClr val="accent1"/>
-            </a:fillRef>
-            <a:effectRef idx="2">
-              <a:schemeClr val="accent1"/>
-            </a:effectRef>
-            <a:fontRef idx="minor">
-              <a:schemeClr val="lt1"/>
-            </a:fontRef>
-          </p:style>
-          <p:txBody>
-            <a:bodyPr rtlCol="0" anchor="ctr"/>
-            <a:lstStyle/>
-            <a:p>
-              <a:pPr algn="ctr"/>
-              <a:endParaRPr lang="en-US"/>
-            </a:p>
-          </p:txBody>
-        </p:sp>
-        <p:cxnSp>
-          <p:nvCxnSpPr>
-            <p:cNvPr id="111" name="Connecteur droit 110"/>
-            <p:cNvCxnSpPr>
-              <a:stCxn id="105" idx="4"/>
-              <a:endCxn id="107" idx="0"/>
-            </p:cNvCxnSpPr>
-            <p:nvPr/>
-          </p:nvCxnSpPr>
-          <p:spPr>
-            <a:xfrm rot="5400000">
-              <a:off x="4725957" y="4625778"/>
-              <a:ext cx="281274" cy="114300"/>
-            </a:xfrm>
-            <a:prstGeom prst="line">
-              <a:avLst/>
-            </a:prstGeom>
-            <a:grpFill/>
-            <a:ln w="12700" cap="flat" cmpd="sng" algn="ctr">
-              <a:solidFill>
-                <a:srgbClr val="FF0000"/>
-              </a:solidFill>
-              <a:prstDash val="solid"/>
-              <a:round/>
-              <a:headEnd type="none" w="med" len="med"/>
-              <a:tailEnd type="none" w="med" len="med"/>
-            </a:ln>
-          </p:spPr>
-          <p:style>
-            <a:lnRef idx="2">
-              <a:schemeClr val="accent1"/>
-            </a:lnRef>
-            <a:fillRef idx="0">
-              <a:schemeClr val="accent1"/>
-            </a:fillRef>
-            <a:effectRef idx="1">
-              <a:schemeClr val="accent1"/>
-            </a:effectRef>
-            <a:fontRef idx="minor">
-              <a:schemeClr val="tx1"/>
-            </a:fontRef>
-          </p:style>
-        </p:cxnSp>
-        <p:cxnSp>
-          <p:nvCxnSpPr>
-            <p:cNvPr id="112" name="Connecteur droit 111"/>
-            <p:cNvCxnSpPr>
-              <a:stCxn id="105" idx="4"/>
-              <a:endCxn id="108" idx="0"/>
-            </p:cNvCxnSpPr>
-            <p:nvPr/>
-          </p:nvCxnSpPr>
-          <p:spPr>
-            <a:xfrm rot="16200000" flipH="1">
-              <a:off x="4821207" y="4644828"/>
-              <a:ext cx="281274" cy="76200"/>
-            </a:xfrm>
-            <a:prstGeom prst="line">
-              <a:avLst/>
-            </a:prstGeom>
-            <a:grpFill/>
-            <a:ln w="12700" cap="flat" cmpd="sng" algn="ctr">
-              <a:solidFill>
-                <a:srgbClr val="FF0000"/>
-              </a:solidFill>
-              <a:prstDash val="solid"/>
-              <a:round/>
-              <a:headEnd type="none" w="med" len="med"/>
-              <a:tailEnd type="none" w="med" len="med"/>
-            </a:ln>
-          </p:spPr>
-          <p:style>
-            <a:lnRef idx="2">
-              <a:schemeClr val="accent1"/>
-            </a:lnRef>
-            <a:fillRef idx="0">
-              <a:schemeClr val="accent1"/>
-            </a:fillRef>
-            <a:effectRef idx="1">
-              <a:schemeClr val="accent1"/>
-            </a:effectRef>
-            <a:fontRef idx="minor">
-              <a:schemeClr val="tx1"/>
-            </a:fontRef>
-          </p:style>
-        </p:cxnSp>
-        <p:sp>
-          <p:nvSpPr>
-            <p:cNvPr id="114" name="Ellipse 113"/>
-            <p:cNvSpPr/>
-            <p:nvPr/>
-          </p:nvSpPr>
-          <p:spPr>
-            <a:xfrm>
-              <a:off x="4847544" y="5188881"/>
-              <a:ext cx="76200" cy="84042"/>
-            </a:xfrm>
-            <a:prstGeom prst="ellipse">
-              <a:avLst/>
-            </a:prstGeom>
-            <a:grpFill/>
-            <a:ln>
-              <a:solidFill>
-                <a:srgbClr val="FF0000"/>
-              </a:solidFill>
-            </a:ln>
-          </p:spPr>
-          <p:style>
-            <a:lnRef idx="1">
-              <a:schemeClr val="accent1"/>
-            </a:lnRef>
-            <a:fillRef idx="3">
-              <a:schemeClr val="accent1"/>
-            </a:fillRef>
-            <a:effectRef idx="2">
-              <a:schemeClr val="accent1"/>
-            </a:effectRef>
-            <a:fontRef idx="minor">
-              <a:schemeClr val="lt1"/>
-            </a:fontRef>
-          </p:style>
-          <p:txBody>
-            <a:bodyPr rtlCol="0" anchor="ctr"/>
-            <a:lstStyle/>
-            <a:p>
-              <a:pPr algn="ctr"/>
-              <a:endParaRPr lang="en-US"/>
-            </a:p>
-          </p:txBody>
-        </p:sp>
-        <p:sp>
-          <p:nvSpPr>
-            <p:cNvPr id="116" name="Ellipse 115"/>
-            <p:cNvSpPr/>
-            <p:nvPr/>
-          </p:nvSpPr>
-          <p:spPr>
-            <a:xfrm>
-              <a:off x="5190444" y="5188881"/>
-              <a:ext cx="76200" cy="84042"/>
-            </a:xfrm>
-            <a:prstGeom prst="ellipse">
-              <a:avLst/>
-            </a:prstGeom>
-            <a:grpFill/>
-            <a:ln>
-              <a:solidFill>
-                <a:srgbClr val="FF0000"/>
-              </a:solidFill>
-            </a:ln>
-          </p:spPr>
-          <p:style>
-            <a:lnRef idx="1">
-              <a:schemeClr val="accent1"/>
-            </a:lnRef>
-            <a:fillRef idx="3">
-              <a:schemeClr val="accent1"/>
-            </a:fillRef>
-            <a:effectRef idx="2">
-              <a:schemeClr val="accent1"/>
-            </a:effectRef>
-            <a:fontRef idx="minor">
-              <a:schemeClr val="lt1"/>
-            </a:fontRef>
-          </p:style>
-          <p:txBody>
-            <a:bodyPr rtlCol="0" anchor="ctr"/>
-            <a:lstStyle/>
-            <a:p>
-              <a:pPr algn="ctr"/>
-              <a:endParaRPr lang="en-US"/>
-            </a:p>
-          </p:txBody>
-        </p:sp>
-        <p:cxnSp>
-          <p:nvCxnSpPr>
-            <p:cNvPr id="117" name="Connecteur droit 116"/>
-            <p:cNvCxnSpPr>
-              <a:stCxn id="108" idx="4"/>
-              <a:endCxn id="114" idx="0"/>
-            </p:cNvCxnSpPr>
-            <p:nvPr/>
-          </p:nvCxnSpPr>
-          <p:spPr>
-            <a:xfrm rot="5400000">
-              <a:off x="4802157" y="4991094"/>
-              <a:ext cx="281274" cy="114300"/>
-            </a:xfrm>
-            <a:prstGeom prst="line">
-              <a:avLst/>
-            </a:prstGeom>
-            <a:grpFill/>
-            <a:ln w="12700" cap="flat" cmpd="sng" algn="ctr">
-              <a:solidFill>
-                <a:srgbClr val="FF0000"/>
-              </a:solidFill>
-              <a:prstDash val="solid"/>
-              <a:round/>
-              <a:headEnd type="none" w="med" len="med"/>
-              <a:tailEnd type="none" w="med" len="med"/>
-            </a:ln>
-          </p:spPr>
-          <p:style>
-            <a:lnRef idx="2">
-              <a:schemeClr val="accent1"/>
-            </a:lnRef>
-            <a:fillRef idx="0">
-              <a:schemeClr val="accent1"/>
-            </a:fillRef>
-            <a:effectRef idx="1">
-              <a:schemeClr val="accent1"/>
-            </a:effectRef>
-            <a:fontRef idx="minor">
-              <a:schemeClr val="tx1"/>
-            </a:fontRef>
-          </p:style>
-        </p:cxnSp>
-        <p:cxnSp>
-          <p:nvCxnSpPr>
-            <p:cNvPr id="119" name="Connecteur droit 118"/>
-            <p:cNvCxnSpPr>
-              <a:stCxn id="108" idx="4"/>
-              <a:endCxn id="116" idx="0"/>
-            </p:cNvCxnSpPr>
-            <p:nvPr/>
-          </p:nvCxnSpPr>
-          <p:spPr>
-            <a:xfrm rot="16200000" flipH="1">
-              <a:off x="4973607" y="4933944"/>
-              <a:ext cx="281274" cy="228600"/>
-            </a:xfrm>
-            <a:prstGeom prst="line">
-              <a:avLst/>
-            </a:prstGeom>
-            <a:grpFill/>
-            <a:ln w="12700" cap="flat" cmpd="sng" algn="ctr">
-              <a:solidFill>
-                <a:srgbClr val="FF0000"/>
-              </a:solidFill>
-              <a:prstDash val="solid"/>
-              <a:round/>
-              <a:headEnd type="none" w="med" len="med"/>
-              <a:tailEnd type="none" w="med" len="med"/>
-            </a:ln>
-          </p:spPr>
-          <p:style>
-            <a:lnRef idx="2">
-              <a:schemeClr val="accent1"/>
-            </a:lnRef>
-            <a:fillRef idx="0">
-              <a:schemeClr val="accent1"/>
-            </a:fillRef>
-            <a:effectRef idx="1">
-              <a:schemeClr val="accent1"/>
-            </a:effectRef>
-            <a:fontRef idx="minor">
-              <a:schemeClr val="tx1"/>
-            </a:fontRef>
-          </p:style>
-        </p:cxnSp>
-        <p:sp>
-          <p:nvSpPr>
-            <p:cNvPr id="120" name="Ellipse 119"/>
-            <p:cNvSpPr/>
-            <p:nvPr/>
-          </p:nvSpPr>
-          <p:spPr>
-            <a:xfrm>
-              <a:off x="5266645" y="4823006"/>
-              <a:ext cx="76200" cy="84042"/>
-            </a:xfrm>
-            <a:prstGeom prst="ellipse">
-              <a:avLst/>
-            </a:prstGeom>
-            <a:grpFill/>
-            <a:ln>
-              <a:solidFill>
-                <a:srgbClr val="FF0000"/>
-              </a:solidFill>
-            </a:ln>
-          </p:spPr>
-          <p:style>
-            <a:lnRef idx="1">
-              <a:schemeClr val="accent1"/>
-            </a:lnRef>
-            <a:fillRef idx="3">
-              <a:schemeClr val="accent1"/>
-            </a:fillRef>
-            <a:effectRef idx="2">
-              <a:schemeClr val="accent1"/>
-            </a:effectRef>
-            <a:fontRef idx="minor">
-              <a:schemeClr val="lt1"/>
-            </a:fontRef>
-          </p:style>
-          <p:txBody>
-            <a:bodyPr rtlCol="0" anchor="ctr"/>
-            <a:lstStyle/>
-            <a:p>
-              <a:pPr algn="ctr"/>
-              <a:endParaRPr lang="en-US"/>
-            </a:p>
-          </p:txBody>
-        </p:sp>
-        <p:cxnSp>
-          <p:nvCxnSpPr>
-            <p:cNvPr id="121" name="Connecteur droit 120"/>
-            <p:cNvCxnSpPr>
-              <a:stCxn id="105" idx="4"/>
-              <a:endCxn id="120" idx="0"/>
-            </p:cNvCxnSpPr>
-            <p:nvPr/>
-          </p:nvCxnSpPr>
-          <p:spPr>
-            <a:xfrm rot="16200000" flipH="1">
-              <a:off x="4973887" y="4492147"/>
-              <a:ext cx="280715" cy="381001"/>
-            </a:xfrm>
-            <a:prstGeom prst="line">
-              <a:avLst/>
-            </a:prstGeom>
-            <a:grpFill/>
-            <a:ln w="12700" cap="flat" cmpd="sng" algn="ctr">
-              <a:solidFill>
-                <a:srgbClr val="FF0000"/>
-              </a:solidFill>
-              <a:prstDash val="solid"/>
-              <a:round/>
-              <a:headEnd type="none" w="med" len="med"/>
-              <a:tailEnd type="none" w="med" len="med"/>
-            </a:ln>
-          </p:spPr>
-          <p:style>
-            <a:lnRef idx="2">
-              <a:schemeClr val="accent1"/>
-            </a:lnRef>
-            <a:fillRef idx="0">
-              <a:schemeClr val="accent1"/>
-            </a:fillRef>
-            <a:effectRef idx="1">
-              <a:schemeClr val="accent1"/>
-            </a:effectRef>
-            <a:fontRef idx="minor">
-              <a:schemeClr val="tx1"/>
-            </a:fontRef>
-          </p:style>
-        </p:cxnSp>
-        <p:sp>
-          <p:nvSpPr>
-            <p:cNvPr id="122" name="Ellipse 121"/>
-            <p:cNvSpPr/>
-            <p:nvPr/>
-          </p:nvSpPr>
-          <p:spPr>
-            <a:xfrm>
-              <a:off x="5304746" y="5188322"/>
-              <a:ext cx="76200" cy="84042"/>
-            </a:xfrm>
-            <a:prstGeom prst="ellipse">
-              <a:avLst/>
-            </a:prstGeom>
-            <a:grpFill/>
-            <a:ln>
-              <a:solidFill>
-                <a:srgbClr val="FF0000"/>
-              </a:solidFill>
-            </a:ln>
-          </p:spPr>
-          <p:style>
-            <a:lnRef idx="1">
-              <a:schemeClr val="accent1"/>
-            </a:lnRef>
-            <a:fillRef idx="3">
-              <a:schemeClr val="accent1"/>
-            </a:fillRef>
-            <a:effectRef idx="2">
-              <a:schemeClr val="accent1"/>
-            </a:effectRef>
-            <a:fontRef idx="minor">
-              <a:schemeClr val="lt1"/>
-            </a:fontRef>
-          </p:style>
-          <p:txBody>
-            <a:bodyPr rtlCol="0" anchor="ctr"/>
-            <a:lstStyle/>
-            <a:p>
-              <a:pPr algn="ctr"/>
-              <a:endParaRPr lang="en-US"/>
-            </a:p>
-          </p:txBody>
-        </p:sp>
-        <p:cxnSp>
-          <p:nvCxnSpPr>
-            <p:cNvPr id="124" name="Connecteur droit 123"/>
-            <p:cNvCxnSpPr>
-              <a:stCxn id="120" idx="4"/>
-              <a:endCxn id="122" idx="0"/>
-            </p:cNvCxnSpPr>
-            <p:nvPr/>
-          </p:nvCxnSpPr>
-          <p:spPr>
-            <a:xfrm rot="16200000" flipH="1">
-              <a:off x="5183158" y="5028634"/>
-              <a:ext cx="281274" cy="38101"/>
-            </a:xfrm>
-            <a:prstGeom prst="line">
-              <a:avLst/>
-            </a:prstGeom>
-            <a:grpFill/>
-            <a:ln w="12700" cap="flat" cmpd="sng" algn="ctr">
-              <a:solidFill>
-                <a:srgbClr val="FF0000"/>
-              </a:solidFill>
-              <a:prstDash val="solid"/>
-              <a:round/>
-              <a:headEnd type="none" w="med" len="med"/>
-              <a:tailEnd type="none" w="med" len="med"/>
-            </a:ln>
-          </p:spPr>
-          <p:style>
-            <a:lnRef idx="2">
-              <a:schemeClr val="accent1"/>
-            </a:lnRef>
-            <a:fillRef idx="0">
-              <a:schemeClr val="accent1"/>
-            </a:fillRef>
-            <a:effectRef idx="1">
-              <a:schemeClr val="accent1"/>
-            </a:effectRef>
-            <a:fontRef idx="minor">
-              <a:schemeClr val="tx1"/>
-            </a:fontRef>
-          </p:style>
-        </p:cxnSp>
-      </p:grpSp>
+          <a:ln>
+            <a:solidFill>
+              <a:srgbClr val="FF0000"/>
+            </a:solidFill>
+          </a:ln>
+        </p:spPr>
+        <p:style>
+          <a:lnRef idx="1">
+            <a:schemeClr val="accent1"/>
+          </a:lnRef>
+          <a:fillRef idx="3">
+            <a:schemeClr val="accent1"/>
+          </a:fillRef>
+          <a:effectRef idx="2">
+            <a:schemeClr val="accent1"/>
+          </a:effectRef>
+          <a:fontRef idx="minor">
+            <a:schemeClr val="lt1"/>
+          </a:fontRef>
+        </p:style>
+        <p:txBody>
+          <a:bodyPr rtlCol="0" anchor="ctr"/>
+          <a:lstStyle/>
+          <a:p>
+            <a:pPr algn="ctr"/>
+            <a:endParaRPr lang="en-US"/>
+          </a:p>
+        </p:txBody>
+      </p:sp>
+      <p:sp>
+        <p:nvSpPr>
+          <p:cNvPr id="108" name="Ellipse 107"/>
+          <p:cNvSpPr/>
+          <p:nvPr/>
+        </p:nvSpPr>
+        <p:spPr>
+          <a:xfrm>
+            <a:off x="4604312" y="1342188"/>
+            <a:ext cx="76200" cy="84042"/>
+          </a:xfrm>
+          <a:prstGeom prst="ellipse">
+            <a:avLst/>
+          </a:prstGeom>
+          <a:solidFill>
+            <a:schemeClr val="accent3">
+              <a:lumMod val="75000"/>
+            </a:schemeClr>
+          </a:solidFill>
+          <a:ln>
+            <a:solidFill>
+              <a:srgbClr val="FF0000"/>
+            </a:solidFill>
+          </a:ln>
+        </p:spPr>
+        <p:style>
+          <a:lnRef idx="1">
+            <a:schemeClr val="accent1"/>
+          </a:lnRef>
+          <a:fillRef idx="3">
+            <a:schemeClr val="accent1"/>
+          </a:fillRef>
+          <a:effectRef idx="2">
+            <a:schemeClr val="accent1"/>
+          </a:effectRef>
+          <a:fontRef idx="minor">
+            <a:schemeClr val="lt1"/>
+          </a:fontRef>
+        </p:style>
+        <p:txBody>
+          <a:bodyPr rtlCol="0" anchor="ctr"/>
+          <a:lstStyle/>
+          <a:p>
+            <a:pPr algn="ctr"/>
+            <a:endParaRPr lang="en-US"/>
+          </a:p>
+        </p:txBody>
+      </p:sp>
+      <p:cxnSp>
+        <p:nvCxnSpPr>
+          <p:cNvPr id="112" name="Connecteur droit 111"/>
+          <p:cNvCxnSpPr>
+            <a:stCxn id="105" idx="4"/>
+            <a:endCxn id="108" idx="0"/>
+          </p:cNvCxnSpPr>
+          <p:nvPr/>
+        </p:nvCxnSpPr>
+        <p:spPr>
+          <a:xfrm rot="16200000" flipH="1">
+            <a:off x="4463675" y="1163451"/>
+            <a:ext cx="281274" cy="76200"/>
+          </a:xfrm>
+          <a:prstGeom prst="line">
+            <a:avLst/>
+          </a:prstGeom>
+          <a:solidFill>
+            <a:schemeClr val="accent3">
+              <a:lumMod val="75000"/>
+            </a:schemeClr>
+          </a:solidFill>
+          <a:ln w="12700" cap="flat" cmpd="sng" algn="ctr">
+            <a:solidFill>
+              <a:srgbClr val="FF0000"/>
+            </a:solidFill>
+            <a:prstDash val="solid"/>
+            <a:round/>
+            <a:headEnd type="none" w="med" len="med"/>
+            <a:tailEnd type="none" w="med" len="med"/>
+          </a:ln>
+        </p:spPr>
+        <p:style>
+          <a:lnRef idx="2">
+            <a:schemeClr val="accent1"/>
+          </a:lnRef>
+          <a:fillRef idx="0">
+            <a:schemeClr val="accent1"/>
+          </a:fillRef>
+          <a:effectRef idx="1">
+            <a:schemeClr val="accent1"/>
+          </a:effectRef>
+          <a:fontRef idx="minor">
+            <a:schemeClr val="tx1"/>
+          </a:fontRef>
+        </p:style>
+      </p:cxnSp>
+      <p:sp>
+        <p:nvSpPr>
+          <p:cNvPr id="114" name="Ellipse 113"/>
+          <p:cNvSpPr/>
+          <p:nvPr/>
+        </p:nvSpPr>
+        <p:spPr>
+          <a:xfrm>
+            <a:off x="4490012" y="1707504"/>
+            <a:ext cx="76200" cy="84042"/>
+          </a:xfrm>
+          <a:prstGeom prst="ellipse">
+            <a:avLst/>
+          </a:prstGeom>
+          <a:solidFill>
+            <a:schemeClr val="accent3">
+              <a:lumMod val="75000"/>
+            </a:schemeClr>
+          </a:solidFill>
+          <a:ln>
+            <a:solidFill>
+              <a:srgbClr val="FF0000"/>
+            </a:solidFill>
+          </a:ln>
+        </p:spPr>
+        <p:style>
+          <a:lnRef idx="1">
+            <a:schemeClr val="accent1"/>
+          </a:lnRef>
+          <a:fillRef idx="3">
+            <a:schemeClr val="accent1"/>
+          </a:fillRef>
+          <a:effectRef idx="2">
+            <a:schemeClr val="accent1"/>
+          </a:effectRef>
+          <a:fontRef idx="minor">
+            <a:schemeClr val="lt1"/>
+          </a:fontRef>
+        </p:style>
+        <p:txBody>
+          <a:bodyPr rtlCol="0" anchor="ctr"/>
+          <a:lstStyle/>
+          <a:p>
+            <a:pPr algn="ctr"/>
+            <a:endParaRPr lang="en-US"/>
+          </a:p>
+        </p:txBody>
+      </p:sp>
+      <p:sp>
+        <p:nvSpPr>
+          <p:cNvPr id="116" name="Ellipse 115"/>
+          <p:cNvSpPr/>
+          <p:nvPr/>
+        </p:nvSpPr>
+        <p:spPr>
+          <a:xfrm>
+            <a:off x="4832912" y="1707504"/>
+            <a:ext cx="76200" cy="84042"/>
+          </a:xfrm>
+          <a:prstGeom prst="ellipse">
+            <a:avLst/>
+          </a:prstGeom>
+          <a:solidFill>
+            <a:schemeClr val="accent3">
+              <a:lumMod val="75000"/>
+            </a:schemeClr>
+          </a:solidFill>
+          <a:ln>
+            <a:solidFill>
+              <a:srgbClr val="FF0000"/>
+            </a:solidFill>
+          </a:ln>
+        </p:spPr>
+        <p:style>
+          <a:lnRef idx="1">
+            <a:schemeClr val="accent1"/>
+          </a:lnRef>
+          <a:fillRef idx="3">
+            <a:schemeClr val="accent1"/>
+          </a:fillRef>
+          <a:effectRef idx="2">
+            <a:schemeClr val="accent1"/>
+          </a:effectRef>
+          <a:fontRef idx="minor">
+            <a:schemeClr val="lt1"/>
+          </a:fontRef>
+        </p:style>
+        <p:txBody>
+          <a:bodyPr rtlCol="0" anchor="ctr"/>
+          <a:lstStyle/>
+          <a:p>
+            <a:pPr algn="ctr"/>
+            <a:endParaRPr lang="en-US"/>
+          </a:p>
+        </p:txBody>
+      </p:sp>
+      <p:cxnSp>
+        <p:nvCxnSpPr>
+          <p:cNvPr id="117" name="Connecteur droit 116"/>
+          <p:cNvCxnSpPr>
+            <a:stCxn id="108" idx="4"/>
+            <a:endCxn id="114" idx="0"/>
+          </p:cNvCxnSpPr>
+          <p:nvPr/>
+        </p:nvCxnSpPr>
+        <p:spPr>
+          <a:xfrm rot="5400000">
+            <a:off x="4444625" y="1509717"/>
+            <a:ext cx="281274" cy="114300"/>
+          </a:xfrm>
+          <a:prstGeom prst="line">
+            <a:avLst/>
+          </a:prstGeom>
+          <a:solidFill>
+            <a:schemeClr val="accent3">
+              <a:lumMod val="75000"/>
+            </a:schemeClr>
+          </a:solidFill>
+          <a:ln w="12700" cap="flat" cmpd="sng" algn="ctr">
+            <a:solidFill>
+              <a:srgbClr val="FF0000"/>
+            </a:solidFill>
+            <a:prstDash val="solid"/>
+            <a:round/>
+            <a:headEnd type="none" w="med" len="med"/>
+            <a:tailEnd type="none" w="med" len="med"/>
+          </a:ln>
+        </p:spPr>
+        <p:style>
+          <a:lnRef idx="2">
+            <a:schemeClr val="accent1"/>
+          </a:lnRef>
+          <a:fillRef idx="0">
+            <a:schemeClr val="accent1"/>
+          </a:fillRef>
+          <a:effectRef idx="1">
+            <a:schemeClr val="accent1"/>
+          </a:effectRef>
+          <a:fontRef idx="minor">
+            <a:schemeClr val="tx1"/>
+          </a:fontRef>
+        </p:style>
+      </p:cxnSp>
+      <p:cxnSp>
+        <p:nvCxnSpPr>
+          <p:cNvPr id="119" name="Connecteur droit 118"/>
+          <p:cNvCxnSpPr>
+            <a:stCxn id="108" idx="4"/>
+            <a:endCxn id="116" idx="0"/>
+          </p:cNvCxnSpPr>
+          <p:nvPr/>
+        </p:nvCxnSpPr>
+        <p:spPr>
+          <a:xfrm rot="16200000" flipH="1">
+            <a:off x="4616075" y="1452567"/>
+            <a:ext cx="281274" cy="228600"/>
+          </a:xfrm>
+          <a:prstGeom prst="line">
+            <a:avLst/>
+          </a:prstGeom>
+          <a:solidFill>
+            <a:schemeClr val="accent3">
+              <a:lumMod val="75000"/>
+            </a:schemeClr>
+          </a:solidFill>
+          <a:ln w="12700" cap="flat" cmpd="sng" algn="ctr">
+            <a:solidFill>
+              <a:srgbClr val="FF0000"/>
+            </a:solidFill>
+            <a:prstDash val="solid"/>
+            <a:round/>
+            <a:headEnd type="none" w="med" len="med"/>
+            <a:tailEnd type="none" w="med" len="med"/>
+          </a:ln>
+        </p:spPr>
+        <p:style>
+          <a:lnRef idx="2">
+            <a:schemeClr val="accent1"/>
+          </a:lnRef>
+          <a:fillRef idx="0">
+            <a:schemeClr val="accent1"/>
+          </a:fillRef>
+          <a:effectRef idx="1">
+            <a:schemeClr val="accent1"/>
+          </a:effectRef>
+          <a:fontRef idx="minor">
+            <a:schemeClr val="tx1"/>
+          </a:fontRef>
+        </p:style>
+      </p:cxnSp>
+      <p:sp>
+        <p:nvSpPr>
+          <p:cNvPr id="120" name="Ellipse 119"/>
+          <p:cNvSpPr/>
+          <p:nvPr/>
+        </p:nvSpPr>
+        <p:spPr>
+          <a:xfrm>
+            <a:off x="4909113" y="1341629"/>
+            <a:ext cx="76200" cy="84042"/>
+          </a:xfrm>
+          <a:prstGeom prst="ellipse">
+            <a:avLst/>
+          </a:prstGeom>
+          <a:solidFill>
+            <a:schemeClr val="accent3">
+              <a:lumMod val="75000"/>
+            </a:schemeClr>
+          </a:solidFill>
+          <a:ln>
+            <a:solidFill>
+              <a:srgbClr val="FF0000"/>
+            </a:solidFill>
+          </a:ln>
+        </p:spPr>
+        <p:style>
+          <a:lnRef idx="1">
+            <a:schemeClr val="accent1"/>
+          </a:lnRef>
+          <a:fillRef idx="3">
+            <a:schemeClr val="accent1"/>
+          </a:fillRef>
+          <a:effectRef idx="2">
+            <a:schemeClr val="accent1"/>
+          </a:effectRef>
+          <a:fontRef idx="minor">
+            <a:schemeClr val="lt1"/>
+          </a:fontRef>
+        </p:style>
+        <p:txBody>
+          <a:bodyPr rtlCol="0" anchor="ctr"/>
+          <a:lstStyle/>
+          <a:p>
+            <a:pPr algn="ctr"/>
+            <a:endParaRPr lang="en-US"/>
+          </a:p>
+        </p:txBody>
+      </p:sp>
+      <p:cxnSp>
+        <p:nvCxnSpPr>
+          <p:cNvPr id="121" name="Connecteur droit 120"/>
+          <p:cNvCxnSpPr>
+            <a:stCxn id="105" idx="4"/>
+            <a:endCxn id="120" idx="0"/>
+          </p:cNvCxnSpPr>
+          <p:nvPr/>
+        </p:nvCxnSpPr>
+        <p:spPr>
+          <a:xfrm rot="16200000" flipH="1">
+            <a:off x="4616355" y="1010770"/>
+            <a:ext cx="280715" cy="381001"/>
+          </a:xfrm>
+          <a:prstGeom prst="line">
+            <a:avLst/>
+          </a:prstGeom>
+          <a:solidFill>
+            <a:schemeClr val="accent3">
+              <a:lumMod val="75000"/>
+            </a:schemeClr>
+          </a:solidFill>
+          <a:ln w="12700" cap="flat" cmpd="sng" algn="ctr">
+            <a:solidFill>
+              <a:srgbClr val="FF0000"/>
+            </a:solidFill>
+            <a:prstDash val="solid"/>
+            <a:round/>
+            <a:headEnd type="none" w="med" len="med"/>
+            <a:tailEnd type="none" w="med" len="med"/>
+          </a:ln>
+        </p:spPr>
+        <p:style>
+          <a:lnRef idx="2">
+            <a:schemeClr val="accent1"/>
+          </a:lnRef>
+          <a:fillRef idx="0">
+            <a:schemeClr val="accent1"/>
+          </a:fillRef>
+          <a:effectRef idx="1">
+            <a:schemeClr val="accent1"/>
+          </a:effectRef>
+          <a:fontRef idx="minor">
+            <a:schemeClr val="tx1"/>
+          </a:fontRef>
+        </p:style>
+      </p:cxnSp>
+      <p:sp>
+        <p:nvSpPr>
+          <p:cNvPr id="122" name="Ellipse 121"/>
+          <p:cNvSpPr/>
+          <p:nvPr/>
+        </p:nvSpPr>
+        <p:spPr>
+          <a:xfrm>
+            <a:off x="4947214" y="1706945"/>
+            <a:ext cx="76200" cy="84042"/>
+          </a:xfrm>
+          <a:prstGeom prst="ellipse">
+            <a:avLst/>
+          </a:prstGeom>
+          <a:solidFill>
+            <a:schemeClr val="accent3">
+              <a:lumMod val="75000"/>
+            </a:schemeClr>
+          </a:solidFill>
+          <a:ln>
+            <a:solidFill>
+              <a:srgbClr val="FF0000"/>
+            </a:solidFill>
+          </a:ln>
+        </p:spPr>
+        <p:style>
+          <a:lnRef idx="1">
+            <a:schemeClr val="accent1"/>
+          </a:lnRef>
+          <a:fillRef idx="3">
+            <a:schemeClr val="accent1"/>
+          </a:fillRef>
+          <a:effectRef idx="2">
+            <a:schemeClr val="accent1"/>
+          </a:effectRef>
+          <a:fontRef idx="minor">
+            <a:schemeClr val="lt1"/>
+          </a:fontRef>
+        </p:style>
+        <p:txBody>
+          <a:bodyPr rtlCol="0" anchor="ctr"/>
+          <a:lstStyle/>
+          <a:p>
+            <a:pPr algn="ctr"/>
+            <a:endParaRPr lang="en-US"/>
+          </a:p>
+        </p:txBody>
+      </p:sp>
+      <p:cxnSp>
+        <p:nvCxnSpPr>
+          <p:cNvPr id="124" name="Connecteur droit 123"/>
+          <p:cNvCxnSpPr>
+            <a:stCxn id="120" idx="4"/>
+            <a:endCxn id="122" idx="0"/>
+          </p:cNvCxnSpPr>
+          <p:nvPr/>
+        </p:nvCxnSpPr>
+        <p:spPr>
+          <a:xfrm rot="16200000" flipH="1">
+            <a:off x="4825626" y="1547257"/>
+            <a:ext cx="281274" cy="38101"/>
+          </a:xfrm>
+          <a:prstGeom prst="line">
+            <a:avLst/>
+          </a:prstGeom>
+          <a:solidFill>
+            <a:schemeClr val="accent3">
+              <a:lumMod val="75000"/>
+            </a:schemeClr>
+          </a:solidFill>
+          <a:ln w="12700" cap="flat" cmpd="sng" algn="ctr">
+            <a:solidFill>
+              <a:srgbClr val="FF0000"/>
+            </a:solidFill>
+            <a:prstDash val="solid"/>
+            <a:round/>
+            <a:headEnd type="none" w="med" len="med"/>
+            <a:tailEnd type="none" w="med" len="med"/>
+          </a:ln>
+        </p:spPr>
+        <p:style>
+          <a:lnRef idx="2">
+            <a:schemeClr val="accent1"/>
+          </a:lnRef>
+          <a:fillRef idx="0">
+            <a:schemeClr val="accent1"/>
+          </a:fillRef>
+          <a:effectRef idx="1">
+            <a:schemeClr val="accent1"/>
+          </a:effectRef>
+          <a:fontRef idx="minor">
+            <a:schemeClr val="tx1"/>
+          </a:fontRef>
+        </p:style>
+      </p:cxnSp>
       <p:grpSp>
         <p:nvGrpSpPr>
           <p:cNvPr id="149" name="Grouper 148"/>
@@ -25485,7 +26204,7 @@
         <p:spPr>
           <a:xfrm>
             <a:off x="3514041" y="1972757"/>
-            <a:ext cx="295236" cy="369332"/>
+            <a:ext cx="359832" cy="369332"/>
           </a:xfrm>
           <a:prstGeom prst="rect">
             <a:avLst/>
@@ -25499,10 +26218,10 @@
           <a:lstStyle/>
           <a:p>
             <a:r>
-              <a:rPr lang="en-US" dirty="0" smtClean="0"/>
+              <a:rPr lang="en-US" i="1" dirty="0" smtClean="0"/>
               <a:t>a</a:t>
             </a:r>
-            <a:endParaRPr lang="en-US" dirty="0"/>
+            <a:endParaRPr lang="en-US" i="1" dirty="0"/>
           </a:p>
         </p:txBody>
       </p:sp>
@@ -25529,10 +26248,10 @@
           <a:lstStyle/>
           <a:p>
             <a:r>
-              <a:rPr lang="en-US" dirty="0" smtClean="0"/>
+              <a:rPr lang="en-US" i="1" dirty="0" smtClean="0"/>
               <a:t>b</a:t>
             </a:r>
-            <a:endParaRPr lang="en-US" dirty="0"/>
+            <a:endParaRPr lang="en-US" i="1" dirty="0"/>
           </a:p>
         </p:txBody>
       </p:sp>
@@ -25545,7 +26264,7 @@
         <p:spPr>
           <a:xfrm>
             <a:off x="2576170" y="1940491"/>
-            <a:ext cx="502511" cy="369332"/>
+            <a:ext cx="566657" cy="369332"/>
           </a:xfrm>
           <a:prstGeom prst="rect">
             <a:avLst/>
@@ -25559,10 +26278,10 @@
           <a:lstStyle/>
           <a:p>
             <a:r>
-              <a:rPr lang="en-US" dirty="0" smtClean="0"/>
+              <a:rPr lang="en-US" i="1" dirty="0" smtClean="0"/>
               <a:t>sa1</a:t>
             </a:r>
-            <a:endParaRPr lang="en-US" dirty="0"/>
+            <a:endParaRPr lang="en-US" i="1" dirty="0"/>
           </a:p>
         </p:txBody>
       </p:sp>
@@ -26441,7 +27160,7 @@
         <p:spPr>
           <a:xfrm>
             <a:off x="6765791" y="865650"/>
-            <a:ext cx="352831" cy="369332"/>
+            <a:ext cx="359832" cy="369332"/>
           </a:xfrm>
           <a:prstGeom prst="rect">
             <a:avLst/>
@@ -26455,10 +27174,10 @@
           <a:lstStyle/>
           <a:p>
             <a:r>
-              <a:rPr lang="en-US" dirty="0" smtClean="0"/>
-              <a:t>a’</a:t>
-            </a:r>
-            <a:endParaRPr lang="en-US" dirty="0"/>
+              <a:rPr lang="en-US" i="1" dirty="0" smtClean="0"/>
+              <a:t>a</a:t>
+            </a:r>
+            <a:endParaRPr lang="en-US" i="1" dirty="0"/>
           </a:p>
         </p:txBody>
       </p:sp>
@@ -26471,7 +27190,7 @@
         <p:spPr>
           <a:xfrm>
             <a:off x="7221005" y="1459937"/>
-            <a:ext cx="363539" cy="369332"/>
+            <a:ext cx="475022" cy="369332"/>
           </a:xfrm>
           <a:prstGeom prst="rect">
             <a:avLst/>
@@ -26485,14 +27204,14 @@
           <a:lstStyle/>
           <a:p>
             <a:r>
-              <a:rPr lang="en-US" dirty="0" err="1" smtClean="0"/>
+              <a:rPr lang="fr-FR" i="1" dirty="0" smtClean="0"/>
               <a:t>b</a:t>
             </a:r>
             <a:r>
-              <a:rPr lang="en-US" dirty="0" smtClean="0"/>
-              <a:t>’</a:t>
-            </a:r>
-            <a:endParaRPr lang="en-US" dirty="0"/>
+              <a:rPr lang="en-US" i="1" dirty="0" smtClean="0"/>
+              <a:t>’’</a:t>
+            </a:r>
+            <a:endParaRPr lang="en-US" i="1" dirty="0"/>
           </a:p>
         </p:txBody>
       </p:sp>
@@ -26505,7 +27224,7 @@
         <p:spPr>
           <a:xfrm>
             <a:off x="5450628" y="1748406"/>
-            <a:ext cx="363539" cy="369332"/>
+            <a:ext cx="417427" cy="369332"/>
           </a:xfrm>
           <a:prstGeom prst="rect">
             <a:avLst/>
@@ -26519,14 +27238,14 @@
           <a:lstStyle/>
           <a:p>
             <a:r>
-              <a:rPr lang="en-US" dirty="0" err="1" smtClean="0"/>
+              <a:rPr lang="en-US" i="1" dirty="0" err="1" smtClean="0"/>
               <a:t>b</a:t>
             </a:r>
             <a:r>
-              <a:rPr lang="en-US" dirty="0" smtClean="0"/>
+              <a:rPr lang="en-US" i="1" dirty="0" smtClean="0"/>
               <a:t>’</a:t>
             </a:r>
-            <a:endParaRPr lang="en-US" dirty="0"/>
+            <a:endParaRPr lang="en-US" i="1" dirty="0"/>
           </a:p>
         </p:txBody>
       </p:sp>
@@ -30720,8 +31439,8 @@
         </p:nvSpPr>
         <p:spPr>
           <a:xfrm>
-            <a:off x="8678301" y="1788091"/>
-            <a:ext cx="1056825" cy="369332"/>
+            <a:off x="8197427" y="1606880"/>
+            <a:ext cx="1611814" cy="369332"/>
           </a:xfrm>
           <a:prstGeom prst="rect">
             <a:avLst/>
@@ -30736,7 +31455,7 @@
           <a:p>
             <a:r>
               <a:rPr lang="fr-FR" dirty="0" smtClean="0"/>
-              <a:t>Data </a:t>
+              <a:t>YANG data </a:t>
             </a:r>
             <a:r>
               <a:rPr lang="fr-FR" dirty="0" err="1" smtClean="0"/>
@@ -32664,314 +33383,6 @@
           </a:p>
         </p:txBody>
       </p:sp>
-      <p:grpSp>
-        <p:nvGrpSpPr>
-          <p:cNvPr id="500" name="Grouper 499"/>
-          <p:cNvGrpSpPr/>
-          <p:nvPr/>
-        </p:nvGrpSpPr>
-        <p:grpSpPr>
-          <a:xfrm>
-            <a:off x="5756292" y="1652872"/>
-            <a:ext cx="115750" cy="125220"/>
-            <a:chOff x="5698417" y="914682"/>
-            <a:chExt cx="115750" cy="125220"/>
-          </a:xfrm>
-        </p:grpSpPr>
-        <p:sp>
-          <p:nvSpPr>
-            <p:cNvPr id="501" name="Rectangle 500"/>
-            <p:cNvSpPr/>
-            <p:nvPr/>
-          </p:nvSpPr>
-          <p:spPr>
-            <a:xfrm>
-              <a:off x="5698417" y="914682"/>
-              <a:ext cx="115750" cy="125220"/>
-            </a:xfrm>
-            <a:prstGeom prst="rect">
-              <a:avLst/>
-            </a:prstGeom>
-            <a:noFill/>
-            <a:ln>
-              <a:solidFill>
-                <a:schemeClr val="tx1"/>
-              </a:solidFill>
-            </a:ln>
-          </p:spPr>
-          <p:style>
-            <a:lnRef idx="1">
-              <a:schemeClr val="accent1"/>
-            </a:lnRef>
-            <a:fillRef idx="3">
-              <a:schemeClr val="accent1"/>
-            </a:fillRef>
-            <a:effectRef idx="2">
-              <a:schemeClr val="accent1"/>
-            </a:effectRef>
-            <a:fontRef idx="minor">
-              <a:schemeClr val="lt1"/>
-            </a:fontRef>
-          </p:style>
-          <p:txBody>
-            <a:bodyPr rtlCol="0" anchor="ctr"/>
-            <a:lstStyle/>
-            <a:p>
-              <a:pPr algn="ctr"/>
-              <a:endParaRPr lang="fr-FR"/>
-            </a:p>
-          </p:txBody>
-        </p:sp>
-        <p:sp>
-          <p:nvSpPr>
-            <p:cNvPr id="502" name="Ellipse 501"/>
-            <p:cNvSpPr/>
-            <p:nvPr/>
-          </p:nvSpPr>
-          <p:spPr>
-            <a:xfrm>
-              <a:off x="5718192" y="935271"/>
-              <a:ext cx="76200" cy="84042"/>
-            </a:xfrm>
-            <a:prstGeom prst="ellipse">
-              <a:avLst/>
-            </a:prstGeom>
-            <a:solidFill>
-              <a:schemeClr val="accent3">
-                <a:lumMod val="75000"/>
-              </a:schemeClr>
-            </a:solidFill>
-            <a:ln>
-              <a:solidFill>
-                <a:srgbClr val="FF0000"/>
-              </a:solidFill>
-            </a:ln>
-          </p:spPr>
-          <p:style>
-            <a:lnRef idx="1">
-              <a:schemeClr val="accent1"/>
-            </a:lnRef>
-            <a:fillRef idx="3">
-              <a:schemeClr val="accent1"/>
-            </a:fillRef>
-            <a:effectRef idx="2">
-              <a:schemeClr val="accent1"/>
-            </a:effectRef>
-            <a:fontRef idx="minor">
-              <a:schemeClr val="lt1"/>
-            </a:fontRef>
-          </p:style>
-          <p:txBody>
-            <a:bodyPr rtlCol="0" anchor="ctr"/>
-            <a:lstStyle/>
-            <a:p>
-              <a:pPr algn="ctr"/>
-              <a:endParaRPr lang="en-US"/>
-            </a:p>
-          </p:txBody>
-        </p:sp>
-      </p:grpSp>
-      <p:grpSp>
-        <p:nvGrpSpPr>
-          <p:cNvPr id="503" name="Grouper 502"/>
-          <p:cNvGrpSpPr/>
-          <p:nvPr/>
-        </p:nvGrpSpPr>
-        <p:grpSpPr>
-          <a:xfrm>
-            <a:off x="6535375" y="1652874"/>
-            <a:ext cx="115750" cy="125220"/>
-            <a:chOff x="5698417" y="914682"/>
-            <a:chExt cx="115750" cy="125220"/>
-          </a:xfrm>
-        </p:grpSpPr>
-        <p:sp>
-          <p:nvSpPr>
-            <p:cNvPr id="504" name="Rectangle 503"/>
-            <p:cNvSpPr/>
-            <p:nvPr/>
-          </p:nvSpPr>
-          <p:spPr>
-            <a:xfrm>
-              <a:off x="5698417" y="914682"/>
-              <a:ext cx="115750" cy="125220"/>
-            </a:xfrm>
-            <a:prstGeom prst="rect">
-              <a:avLst/>
-            </a:prstGeom>
-            <a:noFill/>
-            <a:ln>
-              <a:solidFill>
-                <a:schemeClr val="tx1"/>
-              </a:solidFill>
-            </a:ln>
-          </p:spPr>
-          <p:style>
-            <a:lnRef idx="1">
-              <a:schemeClr val="accent1"/>
-            </a:lnRef>
-            <a:fillRef idx="3">
-              <a:schemeClr val="accent1"/>
-            </a:fillRef>
-            <a:effectRef idx="2">
-              <a:schemeClr val="accent1"/>
-            </a:effectRef>
-            <a:fontRef idx="minor">
-              <a:schemeClr val="lt1"/>
-            </a:fontRef>
-          </p:style>
-          <p:txBody>
-            <a:bodyPr rtlCol="0" anchor="ctr"/>
-            <a:lstStyle/>
-            <a:p>
-              <a:pPr algn="ctr"/>
-              <a:endParaRPr lang="fr-FR"/>
-            </a:p>
-          </p:txBody>
-        </p:sp>
-        <p:sp>
-          <p:nvSpPr>
-            <p:cNvPr id="505" name="Ellipse 504"/>
-            <p:cNvSpPr/>
-            <p:nvPr/>
-          </p:nvSpPr>
-          <p:spPr>
-            <a:xfrm>
-              <a:off x="5718192" y="935271"/>
-              <a:ext cx="76200" cy="84042"/>
-            </a:xfrm>
-            <a:prstGeom prst="ellipse">
-              <a:avLst/>
-            </a:prstGeom>
-            <a:solidFill>
-              <a:schemeClr val="accent3">
-                <a:lumMod val="75000"/>
-              </a:schemeClr>
-            </a:solidFill>
-            <a:ln>
-              <a:solidFill>
-                <a:srgbClr val="FF0000"/>
-              </a:solidFill>
-            </a:ln>
-          </p:spPr>
-          <p:style>
-            <a:lnRef idx="1">
-              <a:schemeClr val="accent1"/>
-            </a:lnRef>
-            <a:fillRef idx="3">
-              <a:schemeClr val="accent1"/>
-            </a:fillRef>
-            <a:effectRef idx="2">
-              <a:schemeClr val="accent1"/>
-            </a:effectRef>
-            <a:fontRef idx="minor">
-              <a:schemeClr val="lt1"/>
-            </a:fontRef>
-          </p:style>
-          <p:txBody>
-            <a:bodyPr rtlCol="0" anchor="ctr"/>
-            <a:lstStyle/>
-            <a:p>
-              <a:pPr algn="ctr"/>
-              <a:endParaRPr lang="en-US"/>
-            </a:p>
-          </p:txBody>
-        </p:sp>
-      </p:grpSp>
-      <p:cxnSp>
-        <p:nvCxnSpPr>
-          <p:cNvPr id="506" name="Connecteur droit 505"/>
-          <p:cNvCxnSpPr>
-            <a:stCxn id="367" idx="2"/>
-            <a:endCxn id="501" idx="0"/>
-          </p:cNvCxnSpPr>
-          <p:nvPr/>
-        </p:nvCxnSpPr>
-        <p:spPr>
-          <a:xfrm rot="5400000">
-            <a:off x="5813495" y="1457648"/>
-            <a:ext cx="195897" cy="194551"/>
-          </a:xfrm>
-          <a:prstGeom prst="line">
-            <a:avLst/>
-          </a:prstGeom>
-          <a:solidFill>
-            <a:schemeClr val="accent3">
-              <a:lumMod val="75000"/>
-            </a:schemeClr>
-          </a:solidFill>
-          <a:ln w="12700" cap="flat" cmpd="sng" algn="ctr">
-            <a:solidFill>
-              <a:srgbClr val="FF0000"/>
-            </a:solidFill>
-            <a:prstDash val="solid"/>
-            <a:round/>
-            <a:headEnd type="none" w="med" len="med"/>
-            <a:tailEnd type="none" w="med" len="med"/>
-          </a:ln>
-        </p:spPr>
-        <p:style>
-          <a:lnRef idx="2">
-            <a:schemeClr val="accent1"/>
-          </a:lnRef>
-          <a:fillRef idx="0">
-            <a:schemeClr val="accent1"/>
-          </a:fillRef>
-          <a:effectRef idx="1">
-            <a:schemeClr val="accent1"/>
-          </a:effectRef>
-          <a:fontRef idx="minor">
-            <a:schemeClr val="tx1"/>
-          </a:fontRef>
-        </p:style>
-      </p:cxnSp>
-      <p:cxnSp>
-        <p:nvCxnSpPr>
-          <p:cNvPr id="509" name="Connecteur droit 508"/>
-          <p:cNvCxnSpPr>
-            <a:stCxn id="389" idx="2"/>
-            <a:endCxn id="504" idx="0"/>
-          </p:cNvCxnSpPr>
-          <p:nvPr/>
-        </p:nvCxnSpPr>
-        <p:spPr>
-          <a:xfrm rot="5400000">
-            <a:off x="6543472" y="1506754"/>
-            <a:ext cx="195899" cy="96341"/>
-          </a:xfrm>
-          <a:prstGeom prst="line">
-            <a:avLst/>
-          </a:prstGeom>
-          <a:solidFill>
-            <a:schemeClr val="accent3">
-              <a:lumMod val="75000"/>
-            </a:schemeClr>
-          </a:solidFill>
-          <a:ln w="12700" cap="flat" cmpd="sng" algn="ctr">
-            <a:solidFill>
-              <a:srgbClr val="FF0000"/>
-            </a:solidFill>
-            <a:prstDash val="solid"/>
-            <a:round/>
-            <a:headEnd type="none" w="med" len="med"/>
-            <a:tailEnd type="none" w="med" len="med"/>
-          </a:ln>
-        </p:spPr>
-        <p:style>
-          <a:lnRef idx="2">
-            <a:schemeClr val="accent1"/>
-          </a:lnRef>
-          <a:fillRef idx="0">
-            <a:schemeClr val="accent1"/>
-          </a:fillRef>
-          <a:effectRef idx="1">
-            <a:schemeClr val="accent1"/>
-          </a:effectRef>
-          <a:fontRef idx="minor">
-            <a:schemeClr val="tx1"/>
-          </a:fontRef>
-        </p:style>
-      </p:cxnSp>
       <p:sp>
         <p:nvSpPr>
           <p:cNvPr id="327" name="Espace réservé du numéro de diapositive 326"/>
@@ -33039,6 +33450,164 @@
           </a:p>
         </p:txBody>
       </p:sp>
+      <p:sp>
+        <p:nvSpPr>
+          <p:cNvPr id="336" name="ZoneTexte 335"/>
+          <p:cNvSpPr txBox="1"/>
+          <p:nvPr/>
+        </p:nvSpPr>
+        <p:spPr>
+          <a:xfrm>
+            <a:off x="207885" y="6297920"/>
+            <a:ext cx="1830361" cy="369332"/>
+          </a:xfrm>
+          <a:prstGeom prst="rect">
+            <a:avLst/>
+          </a:prstGeom>
+          <a:noFill/>
+        </p:spPr>
+        <p:txBody>
+          <a:bodyPr wrap="none" rtlCol="0">
+            <a:spAutoFit/>
+          </a:bodyPr>
+          <a:lstStyle/>
+          <a:p>
+            <a:r>
+              <a:rPr lang="fr-FR" dirty="0" smtClean="0"/>
+              <a:t>I</a:t>
+            </a:r>
+            <a:r>
+              <a:rPr lang="fr-FR" dirty="0" err="1" smtClean="0"/>
+              <a:t>mported</a:t>
+            </a:r>
+            <a:r>
+              <a:rPr lang="fr-FR" dirty="0" smtClean="0"/>
+              <a:t> module</a:t>
+            </a:r>
+            <a:endParaRPr lang="fr-FR" dirty="0"/>
+          </a:p>
+        </p:txBody>
+      </p:sp>
+      <p:sp>
+        <p:nvSpPr>
+          <p:cNvPr id="338" name="ZoneTexte 337"/>
+          <p:cNvSpPr txBox="1"/>
+          <p:nvPr/>
+        </p:nvSpPr>
+        <p:spPr>
+          <a:xfrm>
+            <a:off x="2328212" y="6352144"/>
+            <a:ext cx="1762058" cy="369332"/>
+          </a:xfrm>
+          <a:prstGeom prst="rect">
+            <a:avLst/>
+          </a:prstGeom>
+          <a:noFill/>
+        </p:spPr>
+        <p:txBody>
+          <a:bodyPr wrap="none" rtlCol="0">
+            <a:spAutoFit/>
+          </a:bodyPr>
+          <a:lstStyle/>
+          <a:p>
+            <a:r>
+              <a:rPr lang="fr-FR" dirty="0" smtClean="0"/>
+              <a:t>I</a:t>
+            </a:r>
+            <a:r>
+              <a:rPr lang="fr-FR" dirty="0" err="1" smtClean="0"/>
+              <a:t>ncluded</a:t>
+            </a:r>
+            <a:r>
+              <a:rPr lang="fr-FR" dirty="0" smtClean="0"/>
+              <a:t> module</a:t>
+            </a:r>
+            <a:endParaRPr lang="fr-FR" dirty="0"/>
+          </a:p>
+        </p:txBody>
+      </p:sp>
+      <p:cxnSp>
+        <p:nvCxnSpPr>
+          <p:cNvPr id="342" name="Forme 341"/>
+          <p:cNvCxnSpPr>
+            <a:stCxn id="49" idx="4"/>
+            <a:endCxn id="105" idx="1"/>
+          </p:cNvCxnSpPr>
+          <p:nvPr/>
+        </p:nvCxnSpPr>
+        <p:spPr>
+          <a:xfrm rot="5400000" flipH="1" flipV="1">
+            <a:off x="3604742" y="898479"/>
+            <a:ext cx="843827" cy="1025230"/>
+          </a:xfrm>
+          <a:prstGeom prst="curvedConnector5">
+            <a:avLst>
+              <a:gd name="adj1" fmla="val -27091"/>
+              <a:gd name="adj2" fmla="val 51314"/>
+              <a:gd name="adj3" fmla="val 127091"/>
+            </a:avLst>
+          </a:prstGeom>
+          <a:ln>
+            <a:prstDash val="sysDash"/>
+            <a:tailEnd type="arrow"/>
+          </a:ln>
+        </p:spPr>
+        <p:style>
+          <a:lnRef idx="2">
+            <a:schemeClr val="accent1"/>
+          </a:lnRef>
+          <a:fillRef idx="0">
+            <a:schemeClr val="accent1"/>
+          </a:fillRef>
+          <a:effectRef idx="1">
+            <a:schemeClr val="accent1"/>
+          </a:effectRef>
+          <a:fontRef idx="minor">
+            <a:schemeClr val="tx1"/>
+          </a:fontRef>
+        </p:style>
+      </p:cxnSp>
+      <p:cxnSp>
+        <p:nvCxnSpPr>
+          <p:cNvPr id="343" name="Forme 342"/>
+          <p:cNvCxnSpPr>
+            <a:stCxn id="63" idx="4"/>
+            <a:endCxn id="105" idx="1"/>
+          </p:cNvCxnSpPr>
+          <p:nvPr/>
+        </p:nvCxnSpPr>
+        <p:spPr>
+          <a:xfrm rot="5400000" flipH="1" flipV="1">
+            <a:off x="3928873" y="1222050"/>
+            <a:ext cx="843268" cy="377528"/>
+          </a:xfrm>
+          <a:prstGeom prst="curvedConnector5">
+            <a:avLst>
+              <a:gd name="adj1" fmla="val -27109"/>
+              <a:gd name="adj2" fmla="val 53568"/>
+              <a:gd name="adj3" fmla="val 127109"/>
+            </a:avLst>
+          </a:prstGeom>
+          <a:ln>
+            <a:prstDash val="sysDash"/>
+            <a:tailEnd type="arrow"/>
+          </a:ln>
+        </p:spPr>
+        <p:style>
+          <a:lnRef idx="2">
+            <a:schemeClr val="accent1"/>
+          </a:lnRef>
+          <a:fillRef idx="0">
+            <a:schemeClr val="accent1"/>
+          </a:fillRef>
+          <a:effectRef idx="1">
+            <a:schemeClr val="accent1"/>
+          </a:effectRef>
+          <a:fontRef idx="minor">
+            <a:schemeClr val="tx1"/>
+          </a:fontRef>
+        </p:style>
+      </p:cxnSp>
     </p:spTree>
   </p:cSld>
   <p:clrMapOvr>
@@ -33869,7 +34438,7 @@
         <p:spPr>
           <a:xfrm>
             <a:off x="8153400" y="762000"/>
-            <a:ext cx="1313180" cy="369332"/>
+            <a:ext cx="1133644" cy="369332"/>
           </a:xfrm>
           <a:prstGeom prst="rect">
             <a:avLst/>
@@ -33887,8 +34456,8 @@
               <a:t>&lt;</a:t>
             </a:r>
             <a:r>
-              <a:rPr lang="fr-FR" dirty="0" smtClean="0"/>
-              <a:t>NETCONF</a:t>
+              <a:rPr lang="fr-FR" dirty="0" err="1" smtClean="0"/>
+              <a:t>netconf</a:t>
             </a:r>
             <a:r>
               <a:rPr lang="en-US" dirty="0" smtClean="0"/>
@@ -34024,7 +34593,23 @@
             </a:r>
             <a:r>
               <a:rPr lang="fr-FR" sz="1200" dirty="0" smtClean="0"/>
-              <a:t>&gt;/NETCONF/network/interfaces&lt;/</a:t>
+              <a:t>&gt;</a:t>
+            </a:r>
+            <a:r>
+              <a:rPr lang="fr-FR" sz="1200" dirty="0" smtClean="0"/>
+              <a:t>/</a:t>
+            </a:r>
+            <a:r>
+              <a:rPr lang="fr-FR" sz="1200" dirty="0" err="1" smtClean="0"/>
+              <a:t>netconf</a:t>
+            </a:r>
+            <a:r>
+              <a:rPr lang="fr-FR" sz="1200" dirty="0" smtClean="0"/>
+              <a:t>/</a:t>
+            </a:r>
+            <a:r>
+              <a:rPr lang="fr-FR" sz="1200" dirty="0" smtClean="0"/>
+              <a:t>network/interfaces&lt;/</a:t>
             </a:r>
             <a:r>
               <a:rPr lang="fr-FR" sz="1200" dirty="0" err="1" smtClean="0"/>

--- a/yang-manager/reports/YangArchiCameraReady.pptx
+++ b/yang-manager/reports/YangArchiCameraReady.pptx
@@ -216,7 +216,7 @@
             <a:fld id="{69351470-D01B-924B-AB3C-0D4571B89327}" type="datetime1">
               <a:rPr lang="fr-FR" smtClean="0"/>
               <a:pPr/>
-              <a:t>24/12/09</a:t>
+              <a:t>31/12/09</a:t>
             </a:fld>
             <a:endParaRPr lang="fr-FR"/>
           </a:p>
@@ -379,7 +379,7 @@
             <a:fld id="{94DC8044-5188-1245-98C0-4935C45961F4}" type="datetime1">
               <a:rPr lang="fr-FR" smtClean="0"/>
               <a:pPr/>
-              <a:t>24/12/09</a:t>
+              <a:t>31/12/09</a:t>
             </a:fld>
             <a:endParaRPr lang="fr-FR"/>
           </a:p>
@@ -892,35 +892,14 @@
                 <a:latin typeface="Times New Roman"/>
                 <a:cs typeface="Times New Roman"/>
               </a:rPr>
-              <a:t> to be able to generate parts of its code from YANG</a:t>
-            </a:r>
-            <a:r>
-              <a:rPr lang="en-US" sz="1000" baseline="0" noProof="0" dirty="0" smtClean="0">
-                <a:latin typeface="Times New Roman"/>
-                <a:cs typeface="Times New Roman"/>
-              </a:rPr>
-              <a:t> data model, </a:t>
-            </a:r>
-            <a:r>
-              <a:rPr lang="en-US" sz="1000" baseline="0" noProof="0" dirty="0" smtClean="0">
-                <a:latin typeface="Times New Roman"/>
-                <a:cs typeface="Times New Roman"/>
-              </a:rPr>
-              <a:t>or build generic parts, to ensure the server maintains a valid Data Store compliant </a:t>
+              <a:t> to be able to generate parts of its code from YANG data model, or build generic parts, to ensure the server maintains a valid Data Store compliant </a:t>
             </a:r>
             <a:r>
               <a:rPr lang="en-US" sz="1000" baseline="0" noProof="0" smtClean="0">
                 <a:latin typeface="Times New Roman"/>
                 <a:cs typeface="Times New Roman"/>
               </a:rPr>
-              <a:t>with </a:t>
-            </a:r>
-            <a:r>
-              <a:rPr lang="en-US" sz="1000" baseline="0" noProof="0" smtClean="0">
-                <a:latin typeface="Times New Roman"/>
-                <a:cs typeface="Times New Roman"/>
-              </a:rPr>
-              <a:t>YANG. </a:t>
+              <a:t>with YANG. </a:t>
             </a:r>
             <a:r>
               <a:rPr lang="en-US" sz="1000" baseline="0" noProof="0" dirty="0" smtClean="0">
@@ -2261,117 +2240,36 @@
                 <a:latin typeface="Times New Roman"/>
                 <a:cs typeface="Times New Roman"/>
               </a:rPr>
-              <a:t>Data models written with YANG describe hierarchical organization of configuration data. A YANG module is one data model related to a specific configuration purpose, as for example network configuration, or a generic, reusable, set of data models. The left part of the figure 3 shows a YANG module called network. A module must first defines its name space (line 2)</a:t>
+              <a:t>Data models written with YANG describe hierarchical organization of configuration data. A YANG module is one data model related to a specific configuration purpose, as for example network configuration, or a generic, reusable, set of data models. The left part of the figure 3 shows a YANG module called network. A module must first defines its name space (line 2) that must be unique among all YANG models. If needed, a module can import other YANG models (line 3, the “</a:t>
+            </a:r>
+            <a:r>
+              <a:rPr lang="en-US" sz="1000" b="0" i="0" baseline="0" dirty="0" err="1" smtClean="0">
+                <a:latin typeface="Times New Roman"/>
+                <a:cs typeface="Times New Roman"/>
+              </a:rPr>
+              <a:t>ietf</a:t>
             </a:r>
             <a:r>
               <a:rPr lang="en-US" sz="1000" b="0" i="0" baseline="0" dirty="0" smtClean="0">
                 <a:latin typeface="Times New Roman"/>
                 <a:cs typeface="Times New Roman"/>
               </a:rPr>
-              <a:t> that must be unique among all YANG models. </a:t>
+              <a:t>-yang-types” reference is a YANG module [7] with useful types intended to be used by other modules). Not shown in the figure, a module can be split in several </a:t>
+            </a:r>
+            <a:r>
+              <a:rPr lang="en-US" sz="1000" b="0" i="0" baseline="0" dirty="0" err="1" smtClean="0">
+                <a:latin typeface="Times New Roman"/>
+                <a:cs typeface="Times New Roman"/>
+              </a:rPr>
+              <a:t>submodules</a:t>
             </a:r>
             <a:r>
               <a:rPr lang="en-US" sz="1000" b="0" i="0" baseline="0" dirty="0" smtClean="0">
                 <a:latin typeface="Times New Roman"/>
                 <a:cs typeface="Times New Roman"/>
               </a:rPr>
-              <a:t>If needed, a module can import</a:t>
-            </a:r>
-            <a:r>
-              <a:rPr lang="en-US" sz="1000" b="0" i="0" baseline="0" dirty="0" smtClean="0">
-                <a:latin typeface="Times New Roman"/>
-                <a:cs typeface="Times New Roman"/>
-              </a:rPr>
-              <a:t> other YANG models (</a:t>
-            </a:r>
-            <a:r>
-              <a:rPr lang="en-US" sz="1000" b="0" i="0" baseline="0" dirty="0" smtClean="0">
-                <a:latin typeface="Times New Roman"/>
-                <a:cs typeface="Times New Roman"/>
-              </a:rPr>
-              <a:t>line 3, the “</a:t>
-            </a:r>
-            <a:r>
-              <a:rPr lang="en-US" sz="1000" b="0" i="0" baseline="0" dirty="0" err="1" smtClean="0">
-                <a:latin typeface="Times New Roman"/>
-                <a:cs typeface="Times New Roman"/>
-              </a:rPr>
-              <a:t>ietf</a:t>
-            </a:r>
-            <a:r>
-              <a:rPr lang="en-US" sz="1000" b="0" i="0" baseline="0" dirty="0" smtClean="0">
-                <a:latin typeface="Times New Roman"/>
-                <a:cs typeface="Times New Roman"/>
-              </a:rPr>
-              <a:t>-yang-types” reference is a YANG module [7] with useful types intended to be used by other modules). Not shown in the figure</a:t>
-            </a:r>
-            <a:r>
-              <a:rPr lang="en-US" sz="1000" b="0" i="0" baseline="0" dirty="0" smtClean="0">
-                <a:latin typeface="Times New Roman"/>
-                <a:cs typeface="Times New Roman"/>
-              </a:rPr>
-              <a:t>, a module can be split in several </a:t>
-            </a:r>
-            <a:r>
-              <a:rPr lang="en-US" sz="1000" b="0" i="0" baseline="0" dirty="0" err="1" smtClean="0">
-                <a:latin typeface="Times New Roman"/>
-                <a:cs typeface="Times New Roman"/>
-              </a:rPr>
-              <a:t>submodules</a:t>
-            </a:r>
-            <a:r>
-              <a:rPr lang="en-US" sz="1000" b="0" i="0" baseline="0" dirty="0" smtClean="0">
-                <a:latin typeface="Times New Roman"/>
-                <a:cs typeface="Times New Roman"/>
-              </a:rPr>
-              <a:t> if it </a:t>
-            </a:r>
-            <a:r>
-              <a:rPr lang="en-US" sz="1000" b="0" i="0" baseline="0" dirty="0" smtClean="0">
-                <a:latin typeface="Times New Roman"/>
-                <a:cs typeface="Times New Roman"/>
-              </a:rPr>
-              <a:t>seems to be too</a:t>
-            </a:r>
-            <a:r>
-              <a:rPr lang="en-US" sz="1000" b="0" i="0" baseline="0" dirty="0" smtClean="0">
-                <a:latin typeface="Times New Roman"/>
-                <a:cs typeface="Times New Roman"/>
-              </a:rPr>
-              <a:t> much complex </a:t>
-            </a:r>
-            <a:r>
-              <a:rPr lang="en-US" sz="1000" b="0" i="0" baseline="0" dirty="0" smtClean="0">
-                <a:latin typeface="Times New Roman"/>
-                <a:cs typeface="Times New Roman"/>
-              </a:rPr>
-              <a:t>or</a:t>
-            </a:r>
-            <a:r>
-              <a:rPr lang="en-US" sz="1000" b="0" i="0" baseline="0" dirty="0" smtClean="0">
-                <a:latin typeface="Times New Roman"/>
-                <a:cs typeface="Times New Roman"/>
-              </a:rPr>
-              <a:t> contains a </a:t>
-            </a:r>
-            <a:r>
-              <a:rPr lang="en-US" sz="1000" b="0" i="0" baseline="0" dirty="0" smtClean="0">
-                <a:latin typeface="Times New Roman"/>
-                <a:cs typeface="Times New Roman"/>
-              </a:rPr>
-              <a:t>mix of contrastive </a:t>
-            </a:r>
-            <a:r>
-              <a:rPr lang="en-US" sz="1000" b="0" i="0" baseline="0" dirty="0" smtClean="0">
-                <a:latin typeface="Times New Roman"/>
-                <a:cs typeface="Times New Roman"/>
-              </a:rPr>
-              <a:t>configuration data. </a:t>
-            </a:r>
-            <a:endParaRPr lang="en-US" sz="1000" b="0" i="0" baseline="0" dirty="0" smtClean="0">
-              <a:latin typeface="Times New Roman"/>
-              <a:cs typeface="Times New Roman"/>
-            </a:endParaRPr>
+              <a:t> if it seems to be too much complex or contains a mix of contrastive configuration data. </a:t>
+            </a:r>
           </a:p>
           <a:p>
             <a:pPr algn="just"/>
@@ -2401,14 +2299,21 @@
                 <a:latin typeface="Times New Roman"/>
                 <a:cs typeface="Times New Roman"/>
               </a:rPr>
-              <a:t> and integer. </a:t>
+              <a:t> and integer. These basic types can be used to create other types with a “</a:t>
+            </a:r>
+            <a:r>
+              <a:rPr lang="en-US" sz="1000" b="0" i="0" baseline="0" dirty="0" err="1" smtClean="0">
+                <a:latin typeface="Times New Roman"/>
+                <a:cs typeface="Times New Roman"/>
+              </a:rPr>
+              <a:t>typedef</a:t>
             </a:r>
             <a:r>
               <a:rPr lang="en-US" sz="1000" b="0" i="0" baseline="0" dirty="0" smtClean="0">
                 <a:latin typeface="Times New Roman"/>
                 <a:cs typeface="Times New Roman"/>
               </a:rPr>
-              <a:t>These basic types can be used to create other types with a “</a:t>
+              <a:t> “ statement (line 4). A </a:t>
             </a:r>
             <a:r>
               <a:rPr lang="en-US" sz="1000" b="0" i="0" baseline="0" dirty="0" err="1" smtClean="0">
@@ -2422,105 +2327,7 @@
                 <a:latin typeface="Times New Roman"/>
                 <a:cs typeface="Times New Roman"/>
               </a:rPr>
-              <a:t> “ statement (line 4</a:t>
-            </a:r>
-            <a:r>
-              <a:rPr lang="en-US" sz="1000" b="0" i="0" baseline="0" dirty="0" smtClean="0">
-                <a:latin typeface="Times New Roman"/>
-                <a:cs typeface="Times New Roman"/>
-              </a:rPr>
-              <a:t>). A </a:t>
-            </a:r>
-            <a:r>
-              <a:rPr lang="en-US" sz="1000" b="0" i="0" baseline="0" dirty="0" err="1" smtClean="0">
-                <a:latin typeface="Times New Roman"/>
-                <a:cs typeface="Times New Roman"/>
-              </a:rPr>
-              <a:t>typedef</a:t>
-            </a:r>
-            <a:r>
-              <a:rPr lang="en-US" sz="1000" b="0" i="0" baseline="0" dirty="0" smtClean="0">
-                <a:latin typeface="Times New Roman"/>
-                <a:cs typeface="Times New Roman"/>
-              </a:rPr>
-              <a:t> allows to add some </a:t>
-            </a:r>
-            <a:r>
-              <a:rPr lang="en-US" sz="1000" b="0" i="0" baseline="0" dirty="0" smtClean="0">
-                <a:latin typeface="Times New Roman"/>
-                <a:cs typeface="Times New Roman"/>
-              </a:rPr>
-              <a:t>constraints</a:t>
-            </a:r>
-            <a:r>
-              <a:rPr lang="en-US" sz="1000" b="0" i="0" baseline="0" dirty="0" smtClean="0">
-                <a:latin typeface="Times New Roman"/>
-                <a:cs typeface="Times New Roman"/>
-              </a:rPr>
-              <a:t> on its base type as </a:t>
-            </a:r>
-            <a:r>
-              <a:rPr lang="en-US" sz="1000" b="0" i="0" baseline="0" dirty="0" smtClean="0">
-                <a:latin typeface="Times New Roman"/>
-                <a:cs typeface="Times New Roman"/>
-              </a:rPr>
-              <a:t>the length of a string</a:t>
-            </a:r>
-            <a:r>
-              <a:rPr lang="en-US" sz="1000" b="0" i="0" baseline="0" dirty="0" smtClean="0">
-                <a:latin typeface="Times New Roman"/>
-                <a:cs typeface="Times New Roman"/>
-              </a:rPr>
-              <a:t> (line 6). </a:t>
-            </a:r>
-            <a:r>
-              <a:rPr lang="en-US" sz="1000" b="0" i="0" baseline="0" dirty="0" smtClean="0">
-                <a:latin typeface="Times New Roman"/>
-                <a:cs typeface="Times New Roman"/>
-              </a:rPr>
-              <a:t>Another construct that improves reusability is the “grouping” statement (line 8) that can be </a:t>
-            </a:r>
-            <a:r>
-              <a:rPr lang="en-US" sz="1000" b="0" i="0" baseline="0" dirty="0" smtClean="0">
-                <a:latin typeface="Times New Roman"/>
-                <a:cs typeface="Times New Roman"/>
-              </a:rPr>
-              <a:t>used, with an “use” statement </a:t>
-            </a:r>
-            <a:r>
-              <a:rPr lang="en-US" sz="1000" b="0" i="0" baseline="0" dirty="0" smtClean="0">
-                <a:latin typeface="Times New Roman"/>
-                <a:cs typeface="Times New Roman"/>
-              </a:rPr>
-              <a:t>at separate places</a:t>
-            </a:r>
-            <a:r>
-              <a:rPr lang="en-US" sz="1000" b="0" i="0" baseline="0" dirty="0" smtClean="0">
-                <a:latin typeface="Times New Roman"/>
-                <a:cs typeface="Times New Roman"/>
-              </a:rPr>
-              <a:t> (</a:t>
-            </a:r>
-            <a:r>
-              <a:rPr lang="en-US" sz="1000" b="0" i="0" baseline="0" dirty="0" smtClean="0">
-                <a:latin typeface="Times New Roman"/>
-                <a:cs typeface="Times New Roman"/>
-              </a:rPr>
-              <a:t>line </a:t>
-            </a:r>
-            <a:r>
-              <a:rPr lang="en-US" sz="1000" b="0" i="0" baseline="0" dirty="0" smtClean="0">
-                <a:latin typeface="Times New Roman"/>
-                <a:cs typeface="Times New Roman"/>
-              </a:rPr>
-              <a:t>21 for example)</a:t>
-            </a:r>
-            <a:r>
-              <a:rPr lang="en-US" sz="1000" b="0" i="0" baseline="0" dirty="0" smtClean="0">
-                <a:latin typeface="Times New Roman"/>
-                <a:cs typeface="Times New Roman"/>
-              </a:rPr>
-              <a:t>. </a:t>
+              <a:t> allows to add some constraints on its base type as the length of a string (line 6). Another construct that improves reusability is the “grouping” statement (line 8) that can be used, with an “use” statement at separate places (line 21 for example). </a:t>
             </a:r>
           </a:p>
           <a:p>
@@ -2577,33 +2384,22 @@
                 <a:latin typeface="Times New Roman"/>
                 <a:cs typeface="Times New Roman"/>
               </a:rPr>
-              <a:t> Container : a set of</a:t>
+              <a:t> Container : a set of </a:t>
+            </a:r>
+            <a:r>
+              <a:rPr lang="en-US" sz="1000" b="0" i="0" baseline="0" dirty="0" err="1" smtClean="0">
+                <a:latin typeface="Times New Roman"/>
+                <a:cs typeface="Times New Roman"/>
+              </a:rPr>
+              <a:t>datadefs</a:t>
             </a:r>
             <a:r>
               <a:rPr lang="en-US" sz="1000" b="0" i="0" baseline="0" dirty="0" smtClean="0">
                 <a:latin typeface="Times New Roman"/>
                 <a:cs typeface="Times New Roman"/>
               </a:rPr>
-              <a:t> </a:t>
-            </a:r>
-            <a:r>
-              <a:rPr lang="en-US" sz="1000" b="0" i="0" baseline="0" dirty="0" err="1" smtClean="0">
-                <a:latin typeface="Times New Roman"/>
-                <a:cs typeface="Times New Roman"/>
-              </a:rPr>
-              <a:t>datadefs</a:t>
-            </a:r>
-            <a:r>
-              <a:rPr lang="en-US" sz="1000" b="0" i="0" baseline="0" dirty="0" smtClean="0">
-                <a:latin typeface="Times New Roman"/>
-                <a:cs typeface="Times New Roman"/>
-              </a:rPr>
               <a:t>.</a:t>
             </a:r>
-            <a:endParaRPr lang="en-US" sz="1000" b="0" i="0" baseline="0" dirty="0" smtClean="0">
-              <a:latin typeface="Times New Roman"/>
-              <a:cs typeface="Times New Roman"/>
-            </a:endParaRPr>
           </a:p>
           <a:p>
             <a:pPr lvl="1" algn="just">
@@ -2615,14 +2411,7 @@
                 <a:latin typeface="Times New Roman"/>
                 <a:cs typeface="Times New Roman"/>
               </a:rPr>
-              <a:t> List : an ordered set of</a:t>
-            </a:r>
-            <a:r>
-              <a:rPr lang="en-US" sz="1000" b="0" i="0" baseline="0" dirty="0" smtClean="0">
-                <a:latin typeface="Times New Roman"/>
-                <a:cs typeface="Times New Roman"/>
-              </a:rPr>
-              <a:t> entries and all entries are made from the same set of </a:t>
+              <a:t> List : an ordered set of entries and all entries are made from the same set of </a:t>
             </a:r>
             <a:r>
               <a:rPr lang="en-US" sz="1000" b="0" i="0" baseline="0" dirty="0" err="1" smtClean="0">
@@ -2800,75 +2589,8 @@
                 <a:latin typeface="Times New Roman"/>
                 <a:cs typeface="Times New Roman"/>
               </a:rPr>
-              <a:t>The API we propose reflects YANG statements</a:t>
-            </a:r>
-            <a:r>
-              <a:rPr lang="en-US" sz="1000" b="0" i="0" baseline="0" dirty="0" smtClean="0">
-                <a:latin typeface="Times New Roman"/>
-                <a:cs typeface="Times New Roman"/>
-              </a:rPr>
-              <a:t> hierarchy. </a:t>
-            </a:r>
-            <a:r>
-              <a:rPr lang="en-US" sz="1000" b="0" i="0" baseline="0" dirty="0" smtClean="0">
-                <a:latin typeface="Times New Roman"/>
-                <a:cs typeface="Times New Roman"/>
-              </a:rPr>
-              <a:t>For each YANG statement we have a corresponding java class (see class diagram on the</a:t>
-            </a:r>
-            <a:r>
-              <a:rPr lang="en-US" sz="1000" b="0" i="0" baseline="0" dirty="0" smtClean="0">
-                <a:latin typeface="Times New Roman"/>
-                <a:cs typeface="Times New Roman"/>
-              </a:rPr>
-              <a:t> right part of the figure 3).  Each </a:t>
-            </a:r>
-            <a:r>
-              <a:rPr lang="en-US" sz="1000" b="0" i="0" baseline="0" dirty="0" smtClean="0">
-                <a:latin typeface="Times New Roman"/>
-                <a:cs typeface="Times New Roman"/>
-              </a:rPr>
-              <a:t>java object have getters methods to follow the tree of instances. About hundred</a:t>
-            </a:r>
-            <a:r>
-              <a:rPr lang="en-US" sz="1000" b="0" i="0" baseline="0" dirty="0" smtClean="0">
-                <a:latin typeface="Times New Roman"/>
-                <a:cs typeface="Times New Roman"/>
-              </a:rPr>
-              <a:t> java </a:t>
-            </a:r>
-            <a:r>
-              <a:rPr lang="en-US" sz="1000" b="0" i="0" baseline="0" dirty="0" smtClean="0">
-                <a:latin typeface="Times New Roman"/>
-                <a:cs typeface="Times New Roman"/>
-              </a:rPr>
-              <a:t>classes</a:t>
-            </a:r>
-            <a:r>
-              <a:rPr lang="en-US" sz="1000" b="0" i="0" baseline="0" dirty="0" smtClean="0">
-                <a:latin typeface="Times New Roman"/>
-                <a:cs typeface="Times New Roman"/>
-              </a:rPr>
-              <a:t> were necessaries to </a:t>
-            </a:r>
-            <a:r>
-              <a:rPr lang="en-US" sz="1000" b="0" i="0" baseline="0" dirty="0" smtClean="0">
-                <a:latin typeface="Times New Roman"/>
-                <a:cs typeface="Times New Roman"/>
-              </a:rPr>
-              <a:t>represent any YANG</a:t>
-            </a:r>
-            <a:r>
-              <a:rPr lang="en-US" sz="1000" b="0" i="0" baseline="0" dirty="0" smtClean="0">
-                <a:latin typeface="Times New Roman"/>
-                <a:cs typeface="Times New Roman"/>
-              </a:rPr>
-              <a:t> model.</a:t>
-            </a:r>
-            <a:endParaRPr lang="en-US" sz="1000" b="0" i="0" baseline="0" dirty="0" smtClean="0">
-              <a:latin typeface="Times New Roman"/>
-              <a:cs typeface="Times New Roman"/>
-            </a:endParaRPr>
+              <a:t>The API we propose reflects YANG statements hierarchy. For each YANG statement we have a corresponding java class (see class diagram on the right part of the figure 3).  Each java object have getters methods to follow the tree of instances. About hundred java classes were necessaries to represent any YANG model.</a:t>
+            </a:r>
           </a:p>
         </p:txBody>
       </p:sp>
@@ -3302,187 +3024,36 @@
                 <a:latin typeface="Times New Roman"/>
                 <a:cs typeface="Times New Roman"/>
               </a:rPr>
-              <a:t> is used to</a:t>
+              <a:t> is used to match the YANG data tree with raw NETCONF XML data. The YANG data tree is the hierarchy of all configuration data values in a NETCONF server. The matching process take place in the configuration manager when receiving NETCONF responses. Note the right part of the figure 4 shows that the YANG data tree has more nodes than the </a:t>
+            </a:r>
+            <a:r>
+              <a:rPr lang="en-US" sz="1000" baseline="0" dirty="0" err="1" smtClean="0">
+                <a:latin typeface="Times New Roman"/>
+                <a:cs typeface="Times New Roman"/>
+              </a:rPr>
+              <a:t>YangTreeNode</a:t>
             </a:r>
             <a:r>
               <a:rPr lang="en-US" sz="1000" baseline="0" dirty="0" smtClean="0">
                 <a:latin typeface="Times New Roman"/>
                 <a:cs typeface="Times New Roman"/>
               </a:rPr>
-              <a:t> match the YANG </a:t>
+              <a:t> and these extra nodes have a common pattern. </a:t>
+            </a:r>
+            <a:r>
+              <a:rPr lang="fr-FR" sz="1000" baseline="0" dirty="0" smtClean="0">
+                <a:latin typeface="Times New Roman"/>
+                <a:cs typeface="Times New Roman"/>
+              </a:rPr>
+              <a:t>T</a:t>
             </a:r>
             <a:r>
               <a:rPr lang="en-US" sz="1000" baseline="0" dirty="0" smtClean="0">
                 <a:latin typeface="Times New Roman"/>
                 <a:cs typeface="Times New Roman"/>
               </a:rPr>
-              <a:t>data tree</a:t>
-            </a:r>
-            <a:r>
-              <a:rPr lang="en-US" sz="1000" baseline="0" dirty="0" smtClean="0">
-                <a:latin typeface="Times New Roman"/>
-                <a:cs typeface="Times New Roman"/>
-              </a:rPr>
-              <a:t> with raw NETCONF XML data. The YANG data tree is the hierarchy of all configuration data values in a NETCONF server. The matching process take place in the configuration manager when receiving NETCONF responses. Note the right part of the figure </a:t>
-            </a:r>
-            <a:r>
-              <a:rPr lang="en-US" sz="1000" baseline="0" dirty="0" smtClean="0">
-                <a:latin typeface="Times New Roman"/>
-                <a:cs typeface="Times New Roman"/>
-              </a:rPr>
-              <a:t>4</a:t>
-            </a:r>
-            <a:r>
-              <a:rPr lang="en-US" sz="1000" baseline="0" dirty="0" smtClean="0">
-                <a:latin typeface="Times New Roman"/>
-                <a:cs typeface="Times New Roman"/>
-              </a:rPr>
-              <a:t> shows that the YANG </a:t>
-            </a:r>
-            <a:r>
-              <a:rPr lang="en-US" sz="1000" baseline="0" dirty="0" smtClean="0">
-                <a:latin typeface="Times New Roman"/>
-                <a:cs typeface="Times New Roman"/>
-              </a:rPr>
-              <a:t>data tree has more nodes than the </a:t>
-            </a:r>
-            <a:r>
-              <a:rPr lang="en-US" sz="1000" baseline="0" dirty="0" err="1" smtClean="0">
-                <a:latin typeface="Times New Roman"/>
-                <a:cs typeface="Times New Roman"/>
-              </a:rPr>
-              <a:t>YangTreeNode</a:t>
-            </a:r>
-            <a:r>
-              <a:rPr lang="en-US" sz="1000" baseline="0" dirty="0" smtClean="0">
-                <a:latin typeface="Times New Roman"/>
-                <a:cs typeface="Times New Roman"/>
-              </a:rPr>
-              <a:t> and</a:t>
-            </a:r>
-            <a:r>
-              <a:rPr lang="en-US" sz="1000" baseline="0" dirty="0" smtClean="0">
-                <a:latin typeface="Times New Roman"/>
-                <a:cs typeface="Times New Roman"/>
-              </a:rPr>
-              <a:t> these extra </a:t>
-            </a:r>
-            <a:r>
-              <a:rPr lang="en-US" sz="1000" baseline="0" dirty="0" smtClean="0">
-                <a:latin typeface="Times New Roman"/>
-                <a:cs typeface="Times New Roman"/>
-              </a:rPr>
-              <a:t>nodes have a common pattern. </a:t>
-            </a:r>
-            <a:r>
-              <a:rPr lang="fr-FR" sz="1000" baseline="0" dirty="0" smtClean="0">
-                <a:latin typeface="Times New Roman"/>
-                <a:cs typeface="Times New Roman"/>
-              </a:rPr>
-              <a:t>T</a:t>
-            </a:r>
-            <a:r>
-              <a:rPr lang="en-US" sz="1000" baseline="0" dirty="0" smtClean="0">
-                <a:latin typeface="Times New Roman"/>
-                <a:cs typeface="Times New Roman"/>
-              </a:rPr>
-              <a:t>his</a:t>
-            </a:r>
-            <a:r>
-              <a:rPr lang="en-US" sz="1000" baseline="0" dirty="0" smtClean="0">
-                <a:latin typeface="Times New Roman"/>
-                <a:cs typeface="Times New Roman"/>
-              </a:rPr>
-              <a:t> is </a:t>
-            </a:r>
-            <a:r>
-              <a:rPr lang="en-US" sz="1000" baseline="0" dirty="0" smtClean="0">
-                <a:latin typeface="Times New Roman"/>
-                <a:cs typeface="Times New Roman"/>
-              </a:rPr>
-              <a:t>the case when a YANG list (or leaf-list) is defined</a:t>
-            </a:r>
-            <a:r>
-              <a:rPr lang="en-US" sz="1000" baseline="0" dirty="0" smtClean="0">
-                <a:latin typeface="Times New Roman"/>
-                <a:cs typeface="Times New Roman"/>
-              </a:rPr>
-              <a:t> and when the YANG data </a:t>
-            </a:r>
-            <a:r>
-              <a:rPr lang="en-US" sz="1000" baseline="0" dirty="0" smtClean="0">
-                <a:latin typeface="Times New Roman"/>
-                <a:cs typeface="Times New Roman"/>
-              </a:rPr>
-              <a:t>tree</a:t>
-            </a:r>
-            <a:r>
-              <a:rPr lang="en-US" sz="1000" baseline="0" dirty="0" smtClean="0">
-                <a:latin typeface="Times New Roman"/>
-                <a:cs typeface="Times New Roman"/>
-              </a:rPr>
-              <a:t> has several entries (</a:t>
-            </a:r>
-            <a:r>
-              <a:rPr lang="en-US" sz="1000" baseline="0" dirty="0" smtClean="0">
-                <a:latin typeface="Times New Roman"/>
-                <a:cs typeface="Times New Roman"/>
-              </a:rPr>
-              <a:t>or</a:t>
-            </a:r>
-            <a:r>
-              <a:rPr lang="en-US" sz="1000" baseline="0" dirty="0" smtClean="0">
-                <a:latin typeface="Times New Roman"/>
-                <a:cs typeface="Times New Roman"/>
-              </a:rPr>
-              <a:t> values)</a:t>
-            </a:r>
-            <a:r>
-              <a:rPr lang="en-US" sz="1000" baseline="0" dirty="0" smtClean="0">
-                <a:latin typeface="Times New Roman"/>
-                <a:cs typeface="Times New Roman"/>
-              </a:rPr>
-              <a:t>. At the </a:t>
-            </a:r>
-            <a:r>
-              <a:rPr lang="en-US" sz="1000" baseline="0" dirty="0" smtClean="0">
-                <a:latin typeface="Times New Roman"/>
-                <a:cs typeface="Times New Roman"/>
-              </a:rPr>
-              <a:t>opposite some data could be optional depending of the device itself, or when YANG data model has choice statements, </a:t>
-            </a:r>
-            <a:r>
-              <a:rPr lang="en-US" sz="1000" baseline="0" dirty="0" smtClean="0">
-                <a:latin typeface="Times New Roman"/>
-                <a:cs typeface="Times New Roman"/>
-              </a:rPr>
-              <a:t>then the</a:t>
-            </a:r>
-            <a:r>
-              <a:rPr lang="en-US" sz="1000" baseline="0" dirty="0" smtClean="0">
-                <a:latin typeface="Times New Roman"/>
-                <a:cs typeface="Times New Roman"/>
-              </a:rPr>
-              <a:t> YANG data </a:t>
-            </a:r>
-            <a:r>
-              <a:rPr lang="en-US" sz="1000" baseline="0" dirty="0" smtClean="0">
-                <a:latin typeface="Times New Roman"/>
-                <a:cs typeface="Times New Roman"/>
-              </a:rPr>
-              <a:t>tree will only</a:t>
-            </a:r>
-            <a:r>
-              <a:rPr lang="en-US" sz="1000" baseline="0" dirty="0" smtClean="0">
-                <a:latin typeface="Times New Roman"/>
-                <a:cs typeface="Times New Roman"/>
-              </a:rPr>
-              <a:t> have one case instantiated. </a:t>
-            </a:r>
-            <a:endParaRPr lang="en-US" sz="1000" baseline="0" dirty="0" smtClean="0">
-              <a:latin typeface="Times New Roman"/>
-              <a:cs typeface="Times New Roman"/>
-            </a:endParaRPr>
+              <a:t>his is the case when a YANG list (or leaf-list) is defined and when the YANG data tree has several entries (or values). At the opposite some data could be optional depending of the device itself, or when YANG data model has choice statements, then the YANG data tree will only have one case instantiated. </a:t>
+            </a:r>
           </a:p>
         </p:txBody>
       </p:sp>
@@ -3560,147 +3131,91 @@
                 <a:latin typeface="Times New Roman"/>
                 <a:cs typeface="Times New Roman"/>
               </a:rPr>
-              <a:t> is an</a:t>
+              <a:t> is an open source implementation of the </a:t>
+            </a:r>
+            <a:r>
+              <a:rPr lang="fr-FR" sz="1000" baseline="0" dirty="0" smtClean="0">
+                <a:latin typeface="Times New Roman"/>
+                <a:cs typeface="Times New Roman"/>
+              </a:rPr>
+              <a:t>NETCONF </a:t>
             </a:r>
             <a:r>
               <a:rPr lang="en-US" sz="1000" baseline="0" dirty="0" smtClean="0">
                 <a:latin typeface="Times New Roman"/>
                 <a:cs typeface="Times New Roman"/>
               </a:rPr>
-              <a:t> open source implementation </a:t>
+              <a:t>server side. The bottom part of its architecture is an SSH layer to ensure security, session and connection-oriented communication as stated by the standard. The RPC layer implements the RPC mechanism with &lt;</a:t>
+            </a:r>
+            <a:r>
+              <a:rPr lang="en-US" sz="1000" baseline="0" dirty="0" err="1" smtClean="0">
+                <a:latin typeface="Times New Roman"/>
+                <a:cs typeface="Times New Roman"/>
+              </a:rPr>
+              <a:t>rpc</a:t>
             </a:r>
             <a:r>
               <a:rPr lang="en-US" sz="1000" baseline="0" dirty="0" smtClean="0">
                 <a:latin typeface="Times New Roman"/>
                 <a:cs typeface="Times New Roman"/>
               </a:rPr>
-              <a:t>of the</a:t>
+              <a:t>&gt; and &lt;</a:t>
+            </a:r>
+            <a:r>
+              <a:rPr lang="en-US" sz="1000" baseline="0" dirty="0" err="1" smtClean="0">
+                <a:latin typeface="Times New Roman"/>
+                <a:cs typeface="Times New Roman"/>
+              </a:rPr>
+              <a:t>rpc</a:t>
             </a:r>
             <a:r>
               <a:rPr lang="en-US" sz="1000" baseline="0" dirty="0" smtClean="0">
                 <a:latin typeface="Times New Roman"/>
                 <a:cs typeface="Times New Roman"/>
               </a:rPr>
-              <a:t> </a:t>
+              <a:t>-reply&gt; primitives that carries basic operations of the upper </a:t>
             </a:r>
             <a:r>
               <a:rPr lang="fr-FR" sz="1000" baseline="0" dirty="0" smtClean="0">
                 <a:latin typeface="Times New Roman"/>
                 <a:cs typeface="Times New Roman"/>
               </a:rPr>
-              <a:t>NETCONF </a:t>
+              <a:t>NETCONF</a:t>
             </a:r>
             <a:r>
               <a:rPr lang="en-US" sz="1000" baseline="0" dirty="0" smtClean="0">
                 <a:latin typeface="Times New Roman"/>
                 <a:cs typeface="Times New Roman"/>
               </a:rPr>
-              <a:t>server side. The bottom part of its architecture </a:t>
+              <a:t> operation layer as &lt;get&gt;, &lt;get-</a:t>
+            </a:r>
+            <a:r>
+              <a:rPr lang="en-US" sz="1000" baseline="0" dirty="0" err="1" smtClean="0">
+                <a:latin typeface="Times New Roman"/>
+                <a:cs typeface="Times New Roman"/>
+              </a:rPr>
+              <a:t>config</a:t>
             </a:r>
             <a:r>
               <a:rPr lang="en-US" sz="1000" baseline="0" dirty="0" smtClean="0">
                 <a:latin typeface="Times New Roman"/>
                 <a:cs typeface="Times New Roman"/>
               </a:rPr>
-              <a:t>is</a:t>
+              <a:t>&gt; and &lt;edit-</a:t>
+            </a:r>
+            <a:r>
+              <a:rPr lang="en-US" sz="1000" baseline="0" dirty="0" err="1" smtClean="0">
+                <a:latin typeface="Times New Roman"/>
+                <a:cs typeface="Times New Roman"/>
+              </a:rPr>
+              <a:t>config</a:t>
             </a:r>
             <a:r>
               <a:rPr lang="en-US" sz="1000" baseline="0" dirty="0" smtClean="0">
                 <a:latin typeface="Times New Roman"/>
                 <a:cs typeface="Times New Roman"/>
               </a:rPr>
-              <a:t> an </a:t>
-            </a:r>
-            <a:r>
-              <a:rPr lang="en-US" sz="1000" baseline="0" dirty="0" smtClean="0">
-                <a:latin typeface="Times New Roman"/>
-                <a:cs typeface="Times New Roman"/>
-              </a:rPr>
-              <a:t>SSH layer to ensure security, session and connection-oriented communication as stated by the standard. The RPC layer implements the RPC mechanism with &lt;</a:t>
-            </a:r>
-            <a:r>
-              <a:rPr lang="en-US" sz="1000" baseline="0" dirty="0" err="1" smtClean="0">
-                <a:latin typeface="Times New Roman"/>
-                <a:cs typeface="Times New Roman"/>
-              </a:rPr>
-              <a:t>rpc</a:t>
-            </a:r>
-            <a:r>
-              <a:rPr lang="en-US" sz="1000" baseline="0" dirty="0" smtClean="0">
-                <a:latin typeface="Times New Roman"/>
-                <a:cs typeface="Times New Roman"/>
-              </a:rPr>
-              <a:t>&gt; and &lt;</a:t>
-            </a:r>
-            <a:r>
-              <a:rPr lang="en-US" sz="1000" baseline="0" dirty="0" err="1" smtClean="0">
-                <a:latin typeface="Times New Roman"/>
-                <a:cs typeface="Times New Roman"/>
-              </a:rPr>
-              <a:t>rpc</a:t>
-            </a:r>
-            <a:r>
-              <a:rPr lang="en-US" sz="1000" baseline="0" dirty="0" smtClean="0">
-                <a:latin typeface="Times New Roman"/>
-                <a:cs typeface="Times New Roman"/>
-              </a:rPr>
-              <a:t>-reply&gt; primitives that carries basic operations of </a:t>
-            </a:r>
-            <a:r>
-              <a:rPr lang="en-US" sz="1000" baseline="0" dirty="0" smtClean="0">
-                <a:latin typeface="Times New Roman"/>
-                <a:cs typeface="Times New Roman"/>
-              </a:rPr>
-              <a:t>the upper </a:t>
-            </a:r>
-            <a:r>
-              <a:rPr lang="fr-FR" sz="1000" baseline="0" dirty="0" smtClean="0">
-                <a:latin typeface="Times New Roman"/>
-                <a:cs typeface="Times New Roman"/>
-              </a:rPr>
-              <a:t>NETCONF</a:t>
-            </a:r>
-            <a:r>
-              <a:rPr lang="en-US" sz="1000" baseline="0" dirty="0" smtClean="0">
-                <a:latin typeface="Times New Roman"/>
-                <a:cs typeface="Times New Roman"/>
-              </a:rPr>
-              <a:t> operation layer as &lt;get&gt;, &lt;get-</a:t>
-            </a:r>
-            <a:r>
-              <a:rPr lang="en-US" sz="1000" baseline="0" dirty="0" err="1" smtClean="0">
-                <a:latin typeface="Times New Roman"/>
-                <a:cs typeface="Times New Roman"/>
-              </a:rPr>
-              <a:t>config</a:t>
-            </a:r>
-            <a:r>
-              <a:rPr lang="en-US" sz="1000" baseline="0" dirty="0" smtClean="0">
-                <a:latin typeface="Times New Roman"/>
-                <a:cs typeface="Times New Roman"/>
-              </a:rPr>
-              <a:t>&gt; and &lt;edit-</a:t>
-            </a:r>
-            <a:r>
-              <a:rPr lang="en-US" sz="1000" baseline="0" dirty="0" err="1" smtClean="0">
-                <a:latin typeface="Times New Roman"/>
-                <a:cs typeface="Times New Roman"/>
-              </a:rPr>
-              <a:t>config</a:t>
-            </a:r>
-            <a:r>
-              <a:rPr lang="en-US" sz="1000" baseline="0" dirty="0" smtClean="0">
-                <a:latin typeface="Times New Roman"/>
-                <a:cs typeface="Times New Roman"/>
-              </a:rPr>
-              <a:t>&gt; (notification are planned). The Data store Manager layer entity is responsible for maintaining a virtual database of configuration (and state) data and provides a read / write access to these data (state data being read</a:t>
-            </a:r>
-            <a:r>
-              <a:rPr lang="en-US" sz="1000" baseline="0" dirty="0" smtClean="0">
-                <a:latin typeface="Times New Roman"/>
-                <a:cs typeface="Times New Roman"/>
-              </a:rPr>
-              <a:t>-only). The Data Store, illustrated in the figure 5, can be see as a global XML data tree where each module has its place.</a:t>
+              <a:t>&gt; (notification are planned). The Data store Manager layer entity is responsible for maintaining a virtual database of configuration (and state) data and provides a read / write access to these data (state data being read-only). The Data Store, illustrated in the figure 5, can be see as a global XML data tree where each module has its place.</a:t>
             </a:r>
           </a:p>
           <a:p>
@@ -3717,91 +3232,21 @@
                 <a:latin typeface="Times New Roman"/>
                 <a:cs typeface="Times New Roman"/>
               </a:rPr>
-              <a:t>When bootstrapping,  the </a:t>
+              <a:t>When bootstrapping,  the Data Store Manager looks for modules through a local configuration file and dynamically loads them. A module is a piece of code that accesses to specific configuration and state information with an interface compliant with </a:t>
+            </a:r>
+            <a:r>
+              <a:rPr lang="fr-FR" sz="1000" baseline="0" dirty="0" smtClean="0">
+                <a:latin typeface="Times New Roman"/>
+                <a:cs typeface="Times New Roman"/>
+              </a:rPr>
+              <a:t>NETCONF</a:t>
             </a:r>
             <a:r>
               <a:rPr lang="en-US" sz="1000" baseline="0" dirty="0" smtClean="0">
                 <a:latin typeface="Times New Roman"/>
                 <a:cs typeface="Times New Roman"/>
               </a:rPr>
-              <a:t>Data Store Manager looks</a:t>
-            </a:r>
-            <a:r>
-              <a:rPr lang="en-US" sz="1000" baseline="0" dirty="0" smtClean="0">
-                <a:latin typeface="Times New Roman"/>
-                <a:cs typeface="Times New Roman"/>
-              </a:rPr>
-              <a:t> for </a:t>
-            </a:r>
-            <a:r>
-              <a:rPr lang="en-US" sz="1000" baseline="0" dirty="0" smtClean="0">
-                <a:latin typeface="Times New Roman"/>
-                <a:cs typeface="Times New Roman"/>
-              </a:rPr>
-              <a:t>modules</a:t>
-            </a:r>
-            <a:r>
-              <a:rPr lang="en-US" sz="1000" baseline="0" dirty="0" smtClean="0">
-                <a:latin typeface="Times New Roman"/>
-                <a:cs typeface="Times New Roman"/>
-              </a:rPr>
-              <a:t> through a local configuration </a:t>
-            </a:r>
-            <a:r>
-              <a:rPr lang="en-US" sz="1000" baseline="0" dirty="0" smtClean="0">
-                <a:latin typeface="Times New Roman"/>
-                <a:cs typeface="Times New Roman"/>
-              </a:rPr>
-              <a:t>file and dynamically loads them. A module is</a:t>
-            </a:r>
-            <a:r>
-              <a:rPr lang="en-US" sz="1000" baseline="0" dirty="0" smtClean="0">
-                <a:latin typeface="Times New Roman"/>
-                <a:cs typeface="Times New Roman"/>
-              </a:rPr>
-              <a:t> a </a:t>
-            </a:r>
-            <a:r>
-              <a:rPr lang="en-US" sz="1000" baseline="0" dirty="0" smtClean="0">
-                <a:latin typeface="Times New Roman"/>
-                <a:cs typeface="Times New Roman"/>
-              </a:rPr>
-              <a:t>piece of code that accesses to specific configuration and state information with an interface compliant with </a:t>
-            </a:r>
-            <a:r>
-              <a:rPr lang="fr-FR" sz="1000" baseline="0" dirty="0" smtClean="0">
-                <a:latin typeface="Times New Roman"/>
-                <a:cs typeface="Times New Roman"/>
-              </a:rPr>
-              <a:t>NETCONF</a:t>
-            </a:r>
-            <a:r>
-              <a:rPr lang="en-US" sz="1000" baseline="0" dirty="0" smtClean="0">
-                <a:latin typeface="Times New Roman"/>
-                <a:cs typeface="Times New Roman"/>
-              </a:rPr>
-              <a:t> </a:t>
-            </a:r>
-            <a:r>
-              <a:rPr lang="en-US" sz="1000" baseline="0" dirty="0" smtClean="0">
-                <a:latin typeface="Times New Roman"/>
-                <a:cs typeface="Times New Roman"/>
-              </a:rPr>
-              <a:t>operations</a:t>
-            </a:r>
-            <a:r>
-              <a:rPr lang="en-US" sz="1000" baseline="0" dirty="0" smtClean="0">
-                <a:latin typeface="Times New Roman"/>
-                <a:cs typeface="Times New Roman"/>
-              </a:rPr>
-              <a:t>. For example there are modules for network interfaces, system, protocols like RIP or OLSR...</a:t>
-            </a:r>
-            <a:r>
-              <a:rPr lang="en-US" sz="1000" baseline="0" dirty="0" smtClean="0">
-                <a:latin typeface="Times New Roman"/>
-                <a:cs typeface="Times New Roman"/>
-              </a:rPr>
-              <a:t> </a:t>
+              <a:t> operations. For example there are modules for network interfaces, system, protocols like RIP or OLSR... </a:t>
             </a:r>
             <a:r>
               <a:rPr lang="fr-FR" sz="1200" kern="1200" baseline="0" dirty="0" err="1" smtClean="0">
@@ -3848,210 +3293,77 @@
                 <a:latin typeface="Times New Roman"/>
                 <a:cs typeface="Times New Roman"/>
               </a:rPr>
-              <a:t> was written before YANG, the module concept of the former fits well with the YANG one. For each module, the configuration file contains some directives as for the interface module in the figure 5. The </a:t>
+              <a:t> was written before YANG, the module concept of the former fits well with the YANG one. For each module, the configuration file contains some directives as for the interface module in the figure 5. The location of data </a:t>
+            </a:r>
+            <a:r>
+              <a:rPr lang="en-US" sz="1000" baseline="0" dirty="0" err="1" smtClean="0">
+                <a:latin typeface="Times New Roman"/>
+                <a:cs typeface="Times New Roman"/>
+              </a:rPr>
+              <a:t>mocule</a:t>
             </a:r>
             <a:r>
               <a:rPr lang="en-US" sz="1000" baseline="0" dirty="0" smtClean="0">
                 <a:latin typeface="Times New Roman"/>
                 <a:cs typeface="Times New Roman"/>
               </a:rPr>
-              <a:t>location of</a:t>
+              <a:t> in the Data Store by giving a path (an </a:t>
+            </a:r>
+            <a:r>
+              <a:rPr lang="en-US" sz="1000" baseline="0" dirty="0" err="1" smtClean="0">
+                <a:latin typeface="Times New Roman"/>
+                <a:cs typeface="Times New Roman"/>
+              </a:rPr>
+              <a:t>Xpath</a:t>
             </a:r>
             <a:r>
               <a:rPr lang="en-US" sz="1000" baseline="0" dirty="0" smtClean="0">
                 <a:latin typeface="Times New Roman"/>
                 <a:cs typeface="Times New Roman"/>
               </a:rPr>
-              <a:t> data </a:t>
+              <a:t> expression) from the root  &lt;</a:t>
             </a:r>
             <a:r>
               <a:rPr lang="en-US" sz="1000" baseline="0" dirty="0" err="1" smtClean="0">
                 <a:latin typeface="Times New Roman"/>
                 <a:cs typeface="Times New Roman"/>
               </a:rPr>
-              <a:t>mocule</a:t>
+              <a:t>netconf</a:t>
             </a:r>
             <a:r>
               <a:rPr lang="en-US" sz="1000" baseline="0" dirty="0" smtClean="0">
                 <a:latin typeface="Times New Roman"/>
                 <a:cs typeface="Times New Roman"/>
               </a:rPr>
-              <a:t> in the Data Store </a:t>
+              <a:t>&gt; node to the root node of the module. For example, the interfaces module is localized with the “/</a:t>
+            </a:r>
+            <a:r>
+              <a:rPr lang="fr-FR" sz="1000" baseline="0" dirty="0" err="1" smtClean="0">
+                <a:latin typeface="Times New Roman"/>
+                <a:cs typeface="Times New Roman"/>
+              </a:rPr>
+              <a:t>netconf</a:t>
             </a:r>
             <a:r>
               <a:rPr lang="en-US" sz="1000" baseline="0" dirty="0" smtClean="0">
                 <a:latin typeface="Times New Roman"/>
                 <a:cs typeface="Times New Roman"/>
               </a:rPr>
-              <a:t>by giving a </a:t>
+              <a:t>/network/interfaces” expression and  it maintains data under the &lt;interfaces&gt; node. Thus, one part of the Data Store is managed by the Data Store Manager (light grey on </a:t>
+            </a:r>
+            <a:r>
+              <a:rPr lang="fr-FR" sz="1000" baseline="0" dirty="0" smtClean="0">
+                <a:latin typeface="Times New Roman"/>
+                <a:cs typeface="Times New Roman"/>
+              </a:rPr>
+              <a:t>figure </a:t>
             </a:r>
             <a:r>
               <a:rPr lang="en-US" sz="1000" baseline="0" dirty="0" smtClean="0">
                 <a:latin typeface="Times New Roman"/>
                 <a:cs typeface="Times New Roman"/>
               </a:rPr>
-              <a:t>path (an </a:t>
-            </a:r>
-            <a:r>
-              <a:rPr lang="en-US" sz="1000" baseline="0" dirty="0" err="1" smtClean="0">
-                <a:latin typeface="Times New Roman"/>
-                <a:cs typeface="Times New Roman"/>
-              </a:rPr>
-              <a:t>Xpath</a:t>
-            </a:r>
-            <a:r>
-              <a:rPr lang="en-US" sz="1000" baseline="0" dirty="0" smtClean="0">
-                <a:latin typeface="Times New Roman"/>
-                <a:cs typeface="Times New Roman"/>
-              </a:rPr>
-              <a:t> expression) </a:t>
-            </a:r>
-            <a:r>
-              <a:rPr lang="en-US" sz="1000" baseline="0" dirty="0" smtClean="0">
-                <a:latin typeface="Times New Roman"/>
-                <a:cs typeface="Times New Roman"/>
-              </a:rPr>
-              <a:t>from the</a:t>
-            </a:r>
-            <a:r>
-              <a:rPr lang="en-US" sz="1000" baseline="0" dirty="0" smtClean="0">
-                <a:latin typeface="Times New Roman"/>
-                <a:cs typeface="Times New Roman"/>
-              </a:rPr>
-              <a:t> root  </a:t>
-            </a:r>
-            <a:r>
-              <a:rPr lang="en-US" sz="1000" baseline="0" dirty="0" smtClean="0">
-                <a:latin typeface="Times New Roman"/>
-                <a:cs typeface="Times New Roman"/>
-              </a:rPr>
-              <a:t>&lt;</a:t>
-            </a:r>
-            <a:r>
-              <a:rPr lang="en-US" sz="1000" baseline="0" dirty="0" err="1" smtClean="0">
-                <a:latin typeface="Times New Roman"/>
-                <a:cs typeface="Times New Roman"/>
-              </a:rPr>
-              <a:t>netconf</a:t>
-            </a:r>
-            <a:r>
-              <a:rPr lang="en-US" sz="1000" baseline="0" dirty="0" smtClean="0">
-                <a:latin typeface="Times New Roman"/>
-                <a:cs typeface="Times New Roman"/>
-              </a:rPr>
-              <a:t>&gt; </a:t>
-            </a:r>
-            <a:r>
-              <a:rPr lang="en-US" sz="1000" baseline="0" dirty="0" smtClean="0">
-                <a:latin typeface="Times New Roman"/>
-                <a:cs typeface="Times New Roman"/>
-              </a:rPr>
-              <a:t>node </a:t>
-            </a:r>
-            <a:r>
-              <a:rPr lang="en-US" sz="1000" baseline="0" dirty="0" smtClean="0">
-                <a:latin typeface="Times New Roman"/>
-                <a:cs typeface="Times New Roman"/>
-              </a:rPr>
-              <a:t>to the root node of the </a:t>
-            </a:r>
-            <a:r>
-              <a:rPr lang="en-US" sz="1000" baseline="0" dirty="0" smtClean="0">
-                <a:latin typeface="Times New Roman"/>
-                <a:cs typeface="Times New Roman"/>
-              </a:rPr>
-              <a:t>module. </a:t>
-            </a:r>
-            <a:r>
-              <a:rPr lang="en-US" sz="1000" baseline="0" dirty="0" smtClean="0">
-                <a:latin typeface="Times New Roman"/>
-                <a:cs typeface="Times New Roman"/>
-              </a:rPr>
-              <a:t>For example, the interfaces module is localized with the “/</a:t>
-            </a:r>
-            <a:r>
-              <a:rPr lang="fr-FR" sz="1000" baseline="0" dirty="0" err="1" smtClean="0">
-                <a:latin typeface="Times New Roman"/>
-                <a:cs typeface="Times New Roman"/>
-              </a:rPr>
-              <a:t>netconf</a:t>
-            </a:r>
-            <a:r>
-              <a:rPr lang="en-US" sz="1000" baseline="0" dirty="0" smtClean="0">
-                <a:latin typeface="Times New Roman"/>
-                <a:cs typeface="Times New Roman"/>
-              </a:rPr>
-              <a:t>/network/interfaces” expression and  it maintains data under the &lt;interfaces&gt; node. Thus,</a:t>
-            </a:r>
-            <a:r>
-              <a:rPr lang="en-US" sz="1000" baseline="0" dirty="0" smtClean="0">
-                <a:latin typeface="Times New Roman"/>
-                <a:cs typeface="Times New Roman"/>
-              </a:rPr>
-              <a:t> one part </a:t>
-            </a:r>
-            <a:r>
-              <a:rPr lang="en-US" sz="1000" baseline="0" dirty="0" smtClean="0">
-                <a:latin typeface="Times New Roman"/>
-                <a:cs typeface="Times New Roman"/>
-              </a:rPr>
-              <a:t>of the</a:t>
-            </a:r>
-            <a:r>
-              <a:rPr lang="en-US" sz="1000" baseline="0" dirty="0" smtClean="0">
-                <a:latin typeface="Times New Roman"/>
-                <a:cs typeface="Times New Roman"/>
-              </a:rPr>
-              <a:t> Data </a:t>
-            </a:r>
-            <a:r>
-              <a:rPr lang="en-US" sz="1000" baseline="0" dirty="0" smtClean="0">
-                <a:latin typeface="Times New Roman"/>
-                <a:cs typeface="Times New Roman"/>
-              </a:rPr>
-              <a:t>Store is managed by the Data Store Manager (light grey on</a:t>
-            </a:r>
-            <a:r>
-              <a:rPr lang="en-US" sz="1000" baseline="0" dirty="0" smtClean="0">
-                <a:latin typeface="Times New Roman"/>
-                <a:cs typeface="Times New Roman"/>
-              </a:rPr>
-              <a:t> </a:t>
-            </a:r>
-            <a:r>
-              <a:rPr lang="fr-FR" sz="1000" baseline="0" dirty="0" smtClean="0">
-                <a:latin typeface="Times New Roman"/>
-                <a:cs typeface="Times New Roman"/>
-              </a:rPr>
-              <a:t>figure </a:t>
-            </a:r>
-            <a:r>
-              <a:rPr lang="en-US" sz="1000" baseline="0" dirty="0" smtClean="0">
-                <a:latin typeface="Times New Roman"/>
-                <a:cs typeface="Times New Roman"/>
-              </a:rPr>
-              <a:t>5</a:t>
-            </a:r>
-            <a:r>
-              <a:rPr lang="en-US" sz="1000" baseline="0" dirty="0" smtClean="0">
-                <a:latin typeface="Times New Roman"/>
-                <a:cs typeface="Times New Roman"/>
-              </a:rPr>
-              <a:t>) and the</a:t>
-            </a:r>
-            <a:r>
-              <a:rPr lang="en-US" sz="1000" baseline="0" dirty="0" smtClean="0">
-                <a:latin typeface="Times New Roman"/>
-                <a:cs typeface="Times New Roman"/>
-              </a:rPr>
-              <a:t> other parts are managed by the </a:t>
-            </a:r>
-            <a:r>
-              <a:rPr lang="en-US" sz="1000" baseline="0" dirty="0" smtClean="0">
-                <a:latin typeface="Times New Roman"/>
-                <a:cs typeface="Times New Roman"/>
-              </a:rPr>
-              <a:t>modules (dark grey sub trees). This enables modularity of the server without increasing the complexity of the Data Store Manager.</a:t>
+              <a:t>5) and the other parts are managed by the modules (dark grey sub trees). This enables modularity of the server without increasing the complexity of the Data Store Manager.</a:t>
             </a:r>
           </a:p>
           <a:p>
@@ -4082,133 +3394,56 @@
                 <a:latin typeface="Times New Roman"/>
                 <a:cs typeface="Times New Roman"/>
               </a:rPr>
-              <a:t> configuration file is</a:t>
+              <a:t> configuration file is extensible through a &lt;parameters&gt; markup that contains &lt;parameter&gt; items with name and value attributes. The integration of YANG into </a:t>
+            </a:r>
+            <a:r>
+              <a:rPr lang="en-US" sz="1000" baseline="0" dirty="0" err="1" smtClean="0">
+                <a:latin typeface="Times New Roman"/>
+                <a:cs typeface="Times New Roman"/>
+              </a:rPr>
+              <a:t>YencaP</a:t>
             </a:r>
             <a:r>
               <a:rPr lang="en-US" sz="1000" baseline="0" dirty="0" smtClean="0">
                 <a:latin typeface="Times New Roman"/>
                 <a:cs typeface="Times New Roman"/>
               </a:rPr>
-              <a:t> extensible through </a:t>
+              <a:t> is made through the addition of a parameter with the “yang” name attribute and the module name as value attribute (interface in the example). For each module inside the </a:t>
+            </a:r>
+            <a:r>
+              <a:rPr lang="en-US" sz="1000" baseline="0" dirty="0" err="1" smtClean="0">
+                <a:latin typeface="Times New Roman"/>
+                <a:cs typeface="Times New Roman"/>
+              </a:rPr>
+              <a:t>YencaP</a:t>
             </a:r>
             <a:r>
               <a:rPr lang="en-US" sz="1000" baseline="0" dirty="0" smtClean="0">
                 <a:latin typeface="Times New Roman"/>
                 <a:cs typeface="Times New Roman"/>
               </a:rPr>
-              <a:t>a &lt;parameters&gt; markup that contains &lt;parameter&gt; items with name and value attributes. The integration of YANG into </a:t>
-            </a:r>
-            <a:r>
-              <a:rPr lang="en-US" sz="1000" baseline="0" dirty="0" err="1" smtClean="0">
+              <a:t> server there is one and only one YANG module. One can see on the figure that there is a &lt;namespace&gt; markup before the module parameters list. This name space is needed </a:t>
+            </a:r>
+            <a:r>
+              <a:rPr lang="en-US" sz="1000" baseline="0" noProof="0" dirty="0" smtClean="0">
                 <a:latin typeface="Times New Roman"/>
                 <a:cs typeface="Times New Roman"/>
               </a:rPr>
-              <a:t>YencaP</a:t>
+              <a:t>inside </a:t>
+            </a:r>
+            <a:r>
+              <a:rPr lang="fr-FR" sz="1000" baseline="0" dirty="0" smtClean="0">
+                <a:latin typeface="Times New Roman"/>
+                <a:cs typeface="Times New Roman"/>
+              </a:rPr>
+              <a:t>NETCONF</a:t>
             </a:r>
             <a:r>
               <a:rPr lang="en-US" sz="1000" baseline="0" dirty="0" smtClean="0">
                 <a:latin typeface="Times New Roman"/>
                 <a:cs typeface="Times New Roman"/>
               </a:rPr>
-              <a:t> is made</a:t>
-            </a:r>
-            <a:r>
-              <a:rPr lang="en-US" sz="1000" baseline="0" dirty="0" smtClean="0">
-                <a:latin typeface="Times New Roman"/>
-                <a:cs typeface="Times New Roman"/>
-              </a:rPr>
-              <a:t> through the addition of a </a:t>
-            </a:r>
-            <a:r>
-              <a:rPr lang="en-US" sz="1000" baseline="0" dirty="0" smtClean="0">
-                <a:latin typeface="Times New Roman"/>
-                <a:cs typeface="Times New Roman"/>
-              </a:rPr>
-              <a:t>parameter with the “yang” name attribute and the module name as value </a:t>
-            </a:r>
-            <a:r>
-              <a:rPr lang="en-US" sz="1000" baseline="0" dirty="0" smtClean="0">
-                <a:latin typeface="Times New Roman"/>
-                <a:cs typeface="Times New Roman"/>
-              </a:rPr>
-              <a:t>attribute (interface in the example). </a:t>
-            </a:r>
-            <a:r>
-              <a:rPr lang="en-US" sz="1000" baseline="0" dirty="0" smtClean="0">
-                <a:latin typeface="Times New Roman"/>
-                <a:cs typeface="Times New Roman"/>
-              </a:rPr>
-              <a:t>For each module inside the </a:t>
-            </a:r>
-            <a:r>
-              <a:rPr lang="en-US" sz="1000" baseline="0" dirty="0" err="1" smtClean="0">
-                <a:latin typeface="Times New Roman"/>
-                <a:cs typeface="Times New Roman"/>
-              </a:rPr>
-              <a:t>YencaP</a:t>
-            </a:r>
-            <a:r>
-              <a:rPr lang="en-US" sz="1000" baseline="0" dirty="0" smtClean="0">
-                <a:latin typeface="Times New Roman"/>
-                <a:cs typeface="Times New Roman"/>
-              </a:rPr>
-              <a:t> server there is one and only one YANG module. One can see on the</a:t>
-            </a:r>
-            <a:r>
-              <a:rPr lang="en-US" sz="1000" baseline="0" dirty="0" smtClean="0">
-                <a:latin typeface="Times New Roman"/>
-                <a:cs typeface="Times New Roman"/>
-              </a:rPr>
-              <a:t> figure that </a:t>
-            </a:r>
-            <a:r>
-              <a:rPr lang="en-US" sz="1000" baseline="0" dirty="0" smtClean="0">
-                <a:latin typeface="Times New Roman"/>
-                <a:cs typeface="Times New Roman"/>
-              </a:rPr>
-              <a:t>there is a &lt;namespace&gt; markup before the module parameters list. This name space is needed </a:t>
-            </a:r>
-            <a:r>
-              <a:rPr lang="en-US" sz="1000" baseline="0" noProof="0" dirty="0" smtClean="0">
-                <a:latin typeface="Times New Roman"/>
-                <a:cs typeface="Times New Roman"/>
-              </a:rPr>
-              <a:t>inside </a:t>
-            </a:r>
-            <a:r>
-              <a:rPr lang="fr-FR" sz="1000" baseline="0" dirty="0" smtClean="0">
-                <a:latin typeface="Times New Roman"/>
-                <a:cs typeface="Times New Roman"/>
-              </a:rPr>
-              <a:t>NETCONF</a:t>
-            </a:r>
-            <a:r>
-              <a:rPr lang="en-US" sz="1000" baseline="0" dirty="0" smtClean="0">
-                <a:latin typeface="Times New Roman"/>
-                <a:cs typeface="Times New Roman"/>
-              </a:rPr>
-              <a:t> requests to distinguish its XML naming.</a:t>
-            </a:r>
-            <a:r>
-              <a:rPr lang="en-US" sz="1000" baseline="0" dirty="0" smtClean="0">
-                <a:latin typeface="Times New Roman"/>
-                <a:cs typeface="Times New Roman"/>
-              </a:rPr>
-              <a:t> We choose that It </a:t>
-            </a:r>
-            <a:r>
-              <a:rPr lang="en-US" sz="1000" baseline="0" dirty="0" smtClean="0">
-                <a:latin typeface="Times New Roman"/>
-                <a:cs typeface="Times New Roman"/>
-              </a:rPr>
-              <a:t>must be the same as the one defined in the</a:t>
-            </a:r>
-            <a:r>
-              <a:rPr lang="en-US" sz="1000" baseline="0" dirty="0" smtClean="0">
-                <a:latin typeface="Times New Roman"/>
-                <a:cs typeface="Times New Roman"/>
-              </a:rPr>
-              <a:t> corresponding YANG module.</a:t>
+              <a:t> requests to distinguish its XML naming. We choose that It must be the same as the one defined in the corresponding YANG module.</a:t>
             </a:r>
             <a:endParaRPr lang="en-US" sz="1000" dirty="0">
               <a:latin typeface="Times New Roman"/>
@@ -4294,189 +3529,91 @@
                 <a:latin typeface="Times New Roman"/>
                 <a:cs typeface="Times New Roman"/>
               </a:rPr>
-              <a:t> Manager, on the center part in the figure 6, </a:t>
+              <a:t> Manager, on the center part in the figure 6, is an open source </a:t>
+            </a:r>
+            <a:r>
+              <a:rPr lang="fr-FR" sz="1000" baseline="0" noProof="0" dirty="0" smtClean="0">
+                <a:latin typeface="Times New Roman"/>
+                <a:cs typeface="Times New Roman"/>
+              </a:rPr>
+              <a:t>NETCONF client</a:t>
             </a:r>
             <a:r>
               <a:rPr lang="en-US" sz="1000" baseline="0" noProof="0" dirty="0" smtClean="0">
                 <a:latin typeface="Times New Roman"/>
                 <a:cs typeface="Times New Roman"/>
               </a:rPr>
-              <a:t>is an open source </a:t>
+              <a:t> application that can send queries and receive responses with any </a:t>
+            </a:r>
+            <a:r>
+              <a:rPr lang="fr-FR" sz="1000" baseline="0" noProof="0" dirty="0" err="1" smtClean="0">
+                <a:latin typeface="Times New Roman"/>
+                <a:cs typeface="Times New Roman"/>
+              </a:rPr>
+              <a:t>NETCONF-compliant</a:t>
+            </a:r>
+            <a:r>
+              <a:rPr lang="en-US" sz="1000" baseline="0" noProof="0" dirty="0" smtClean="0">
+                <a:latin typeface="Times New Roman"/>
+                <a:cs typeface="Times New Roman"/>
+              </a:rPr>
+              <a:t> server. The </a:t>
             </a:r>
             <a:r>
               <a:rPr lang="fr-FR" sz="1000" baseline="0" noProof="0" dirty="0" smtClean="0">
                 <a:latin typeface="Times New Roman"/>
                 <a:cs typeface="Times New Roman"/>
               </a:rPr>
-              <a:t>NETCONF client</a:t>
+              <a:t>NETCONF</a:t>
             </a:r>
             <a:r>
               <a:rPr lang="en-US" sz="1000" baseline="0" noProof="0" dirty="0" smtClean="0">
                 <a:latin typeface="Times New Roman"/>
                 <a:cs typeface="Times New Roman"/>
               </a:rPr>
-              <a:t> </a:t>
+              <a:t> client can have several </a:t>
+            </a:r>
+            <a:r>
+              <a:rPr lang="fr-FR" sz="1000" baseline="0" noProof="0" dirty="0" smtClean="0">
+                <a:latin typeface="Times New Roman"/>
+                <a:cs typeface="Times New Roman"/>
+              </a:rPr>
+              <a:t>NETCONF</a:t>
             </a:r>
             <a:r>
               <a:rPr lang="en-US" sz="1000" baseline="0" noProof="0" dirty="0" smtClean="0">
                 <a:latin typeface="Times New Roman"/>
                 <a:cs typeface="Times New Roman"/>
               </a:rPr>
-              <a:t>application that can send queries and receive responses with any </a:t>
-            </a:r>
-            <a:r>
-              <a:rPr lang="fr-FR" sz="1000" baseline="0" noProof="0" dirty="0" err="1" smtClean="0">
+              <a:t> sessions with several servers at one time. Each session is initialized by the HTTPS server inside the </a:t>
+            </a:r>
+            <a:r>
+              <a:rPr lang="en-US" sz="1000" baseline="0" noProof="0" dirty="0" err="1" smtClean="0">
                 <a:latin typeface="Times New Roman"/>
                 <a:cs typeface="Times New Roman"/>
               </a:rPr>
-              <a:t>NETCONF-compliant</a:t>
+              <a:t>YencaP</a:t>
             </a:r>
             <a:r>
               <a:rPr lang="en-US" sz="1000" baseline="0" noProof="0" dirty="0" smtClean="0">
                 <a:latin typeface="Times New Roman"/>
                 <a:cs typeface="Times New Roman"/>
               </a:rPr>
-              <a:t> </a:t>
+              <a:t> Manager when a user opens an HTTPS session.  There is a one to one mapping between HTTPS and </a:t>
+            </a:r>
+            <a:r>
+              <a:rPr lang="fr-FR" sz="1000" baseline="0" noProof="0" dirty="0" smtClean="0">
+                <a:latin typeface="Times New Roman"/>
+                <a:cs typeface="Times New Roman"/>
+              </a:rPr>
+              <a:t>NETCONF</a:t>
             </a:r>
             <a:r>
               <a:rPr lang="en-US" sz="1000" baseline="0" noProof="0" dirty="0" smtClean="0">
                 <a:latin typeface="Times New Roman"/>
                 <a:cs typeface="Times New Roman"/>
               </a:rPr>
-              <a:t>server. The </a:t>
-            </a:r>
-            <a:r>
-              <a:rPr lang="fr-FR" sz="1000" baseline="0" noProof="0" dirty="0" smtClean="0">
-                <a:latin typeface="Times New Roman"/>
-                <a:cs typeface="Times New Roman"/>
-              </a:rPr>
-              <a:t>NETCONF</a:t>
-            </a:r>
-            <a:r>
-              <a:rPr lang="en-US" sz="1000" baseline="0" noProof="0" dirty="0" smtClean="0">
-                <a:latin typeface="Times New Roman"/>
-                <a:cs typeface="Times New Roman"/>
-              </a:rPr>
-              <a:t> client </a:t>
-            </a:r>
-            <a:r>
-              <a:rPr lang="en-US" sz="1000" baseline="0" noProof="0" dirty="0" smtClean="0">
-                <a:latin typeface="Times New Roman"/>
-                <a:cs typeface="Times New Roman"/>
-              </a:rPr>
-              <a:t>can have several </a:t>
-            </a:r>
-            <a:r>
-              <a:rPr lang="fr-FR" sz="1000" baseline="0" noProof="0" dirty="0" smtClean="0">
-                <a:latin typeface="Times New Roman"/>
-                <a:cs typeface="Times New Roman"/>
-              </a:rPr>
-              <a:t>NETCONF</a:t>
-            </a:r>
-            <a:r>
-              <a:rPr lang="en-US" sz="1000" baseline="0" noProof="0" dirty="0" smtClean="0">
-                <a:latin typeface="Times New Roman"/>
-                <a:cs typeface="Times New Roman"/>
-              </a:rPr>
-              <a:t> sessions with</a:t>
-            </a:r>
-            <a:r>
-              <a:rPr lang="en-US" sz="1000" baseline="0" noProof="0" dirty="0" smtClean="0">
-                <a:latin typeface="Times New Roman"/>
-                <a:cs typeface="Times New Roman"/>
-              </a:rPr>
-              <a:t> several servers </a:t>
-            </a:r>
-            <a:r>
-              <a:rPr lang="en-US" sz="1000" baseline="0" noProof="0" dirty="0" smtClean="0">
-                <a:latin typeface="Times New Roman"/>
-                <a:cs typeface="Times New Roman"/>
-              </a:rPr>
-              <a:t>at one time. Each</a:t>
-            </a:r>
-            <a:r>
-              <a:rPr lang="en-US" sz="1000" baseline="0" noProof="0" dirty="0" smtClean="0">
-                <a:latin typeface="Times New Roman"/>
-                <a:cs typeface="Times New Roman"/>
-              </a:rPr>
-              <a:t> session is </a:t>
-            </a:r>
-            <a:r>
-              <a:rPr lang="en-US" sz="1000" baseline="0" noProof="0" dirty="0" smtClean="0">
-                <a:latin typeface="Times New Roman"/>
-                <a:cs typeface="Times New Roman"/>
-              </a:rPr>
-              <a:t>initialized</a:t>
-            </a:r>
-            <a:r>
-              <a:rPr lang="en-US" sz="1000" baseline="0" noProof="0" dirty="0" smtClean="0">
-                <a:latin typeface="Times New Roman"/>
-                <a:cs typeface="Times New Roman"/>
-              </a:rPr>
-              <a:t> by the </a:t>
-            </a:r>
-            <a:r>
-              <a:rPr lang="en-US" sz="1000" baseline="0" noProof="0" dirty="0" smtClean="0">
-                <a:latin typeface="Times New Roman"/>
-                <a:cs typeface="Times New Roman"/>
-              </a:rPr>
-              <a:t>HTTPS server inside the </a:t>
-            </a:r>
-            <a:r>
-              <a:rPr lang="en-US" sz="1000" baseline="0" noProof="0" dirty="0" err="1" smtClean="0">
-                <a:latin typeface="Times New Roman"/>
-                <a:cs typeface="Times New Roman"/>
-              </a:rPr>
-              <a:t>YencaP</a:t>
-            </a:r>
-            <a:r>
-              <a:rPr lang="en-US" sz="1000" baseline="0" noProof="0" dirty="0" smtClean="0">
-                <a:latin typeface="Times New Roman"/>
-                <a:cs typeface="Times New Roman"/>
-              </a:rPr>
-              <a:t> Manager when a user opens </a:t>
-            </a:r>
-            <a:r>
-              <a:rPr lang="en-US" sz="1000" baseline="0" noProof="0" dirty="0" smtClean="0">
-                <a:latin typeface="Times New Roman"/>
-                <a:cs typeface="Times New Roman"/>
-              </a:rPr>
-              <a:t>an </a:t>
-            </a:r>
-            <a:r>
-              <a:rPr lang="en-US" sz="1000" baseline="0" noProof="0" dirty="0" smtClean="0">
-                <a:latin typeface="Times New Roman"/>
-                <a:cs typeface="Times New Roman"/>
-              </a:rPr>
-              <a:t>HTTPS session.  There is a one to one mapping between HTTPS and </a:t>
-            </a:r>
-            <a:r>
-              <a:rPr lang="fr-FR" sz="1000" baseline="0" noProof="0" dirty="0" smtClean="0">
-                <a:latin typeface="Times New Roman"/>
-                <a:cs typeface="Times New Roman"/>
-              </a:rPr>
-              <a:t>NETCONF</a:t>
-            </a:r>
-            <a:r>
-              <a:rPr lang="en-US" sz="1000" baseline="0" noProof="0" dirty="0" smtClean="0">
-                <a:latin typeface="Times New Roman"/>
-                <a:cs typeface="Times New Roman"/>
-              </a:rPr>
-              <a:t> </a:t>
-            </a:r>
-            <a:r>
-              <a:rPr lang="en-US" sz="1000" baseline="0" noProof="0" dirty="0" smtClean="0">
-                <a:latin typeface="Times New Roman"/>
-                <a:cs typeface="Times New Roman"/>
-              </a:rPr>
-              <a:t>sessions. </a:t>
-            </a:r>
-            <a:r>
-              <a:rPr lang="en-US" sz="1000" baseline="0" noProof="0" dirty="0" smtClean="0">
-                <a:latin typeface="Times New Roman"/>
-                <a:cs typeface="Times New Roman"/>
-              </a:rPr>
-              <a:t>The couple (</a:t>
+              <a:t> sessions. The couple (</a:t>
             </a:r>
             <a:r>
               <a:rPr lang="en-US" sz="1000" baseline="0" noProof="0" dirty="0" err="1" smtClean="0">
@@ -4541,217 +3678,112 @@
                 <a:latin typeface="Times New Roman"/>
                 <a:cs typeface="Times New Roman"/>
               </a:rPr>
-              <a:t> to give it the possibility of announcing which </a:t>
+              <a:t> to give it the possibility of announcing which YANG modules it implements as a capability in its standard hello message (together with version and revision information). This was easily realized with the information in the configuration file we show figure 5. On the </a:t>
+            </a:r>
+            <a:r>
+              <a:rPr lang="en-US" sz="1000" baseline="0" noProof="0" dirty="0" err="1" smtClean="0">
+                <a:latin typeface="Times New Roman"/>
+                <a:cs typeface="Times New Roman"/>
+              </a:rPr>
+              <a:t>YencaP</a:t>
             </a:r>
             <a:r>
               <a:rPr lang="en-US" sz="1000" baseline="0" noProof="0" dirty="0" smtClean="0">
                 <a:latin typeface="Times New Roman"/>
                 <a:cs typeface="Times New Roman"/>
               </a:rPr>
-              <a:t>YANG modules it implements</a:t>
+              <a:t> Manager side, a YANG loader will be used when such a capability is detected. We do not constraint the </a:t>
+            </a:r>
+            <a:r>
+              <a:rPr lang="en-US" sz="1000" baseline="0" noProof="0" dirty="0" err="1" smtClean="0">
+                <a:latin typeface="Times New Roman"/>
+                <a:cs typeface="Times New Roman"/>
+              </a:rPr>
+              <a:t>YencaP</a:t>
             </a:r>
             <a:r>
               <a:rPr lang="en-US" sz="1000" baseline="0" noProof="0" dirty="0" smtClean="0">
                 <a:latin typeface="Times New Roman"/>
                 <a:cs typeface="Times New Roman"/>
               </a:rPr>
-              <a:t> as a capability in its standard hello message (</a:t>
+              <a:t> Manager to only work with YANG but to accept servers that are YANG enabled or not. The YANG loader gets the specifications from an external repository and builds a specific </a:t>
+            </a:r>
+            <a:r>
+              <a:rPr lang="en-US" sz="1000" baseline="0" noProof="0" dirty="0" err="1" smtClean="0">
+                <a:latin typeface="Times New Roman"/>
+                <a:cs typeface="Times New Roman"/>
+              </a:rPr>
+              <a:t>YangTreeNode</a:t>
             </a:r>
             <a:r>
               <a:rPr lang="en-US" sz="1000" baseline="0" noProof="0" dirty="0" smtClean="0">
                 <a:latin typeface="Times New Roman"/>
                 <a:cs typeface="Times New Roman"/>
               </a:rPr>
-              <a:t>together with version and revision information</a:t>
+              <a:t> for the data model maintained by the server. The YANG loader is a java program that uses </a:t>
+            </a:r>
+            <a:r>
+              <a:rPr lang="en-US" sz="1000" baseline="0" noProof="0" dirty="0" err="1" smtClean="0">
+                <a:latin typeface="Times New Roman"/>
+                <a:cs typeface="Times New Roman"/>
+              </a:rPr>
+              <a:t>jYang</a:t>
             </a:r>
             <a:r>
               <a:rPr lang="en-US" sz="1000" baseline="0" noProof="0" dirty="0" smtClean="0">
                 <a:latin typeface="Times New Roman"/>
                 <a:cs typeface="Times New Roman"/>
               </a:rPr>
-              <a:t>). This was easily realized with the information in the configuration file we show figure 5. </a:t>
+              <a:t> to dynamically parse YANG data model. We took this choice because we suppose the </a:t>
+            </a:r>
+            <a:r>
+              <a:rPr lang="en-US" sz="1000" baseline="0" noProof="0" dirty="0" err="1" smtClean="0">
+                <a:latin typeface="Times New Roman"/>
+                <a:cs typeface="Times New Roman"/>
+              </a:rPr>
+              <a:t>YencaP</a:t>
             </a:r>
             <a:r>
               <a:rPr lang="en-US" sz="1000" baseline="0" noProof="0" dirty="0" smtClean="0">
                 <a:latin typeface="Times New Roman"/>
                 <a:cs typeface="Times New Roman"/>
               </a:rPr>
-              <a:t>On the</a:t>
+              <a:t> Manager will discover servers without knowledge of their configuration and thus must be able to dynamically load and parse any YANG model. It is also necessary to create the root node in the </a:t>
+            </a:r>
+            <a:r>
+              <a:rPr lang="en-US" sz="1000" baseline="0" noProof="0" dirty="0" err="1" smtClean="0">
+                <a:latin typeface="Times New Roman"/>
+                <a:cs typeface="Times New Roman"/>
+              </a:rPr>
+              <a:t>YangTreeNode</a:t>
             </a:r>
             <a:r>
               <a:rPr lang="en-US" sz="1000" baseline="0" noProof="0" dirty="0" smtClean="0">
                 <a:latin typeface="Times New Roman"/>
                 <a:cs typeface="Times New Roman"/>
               </a:rPr>
-              <a:t> </a:t>
-            </a:r>
-            <a:r>
-              <a:rPr lang="en-US" sz="1000" baseline="0" noProof="0" dirty="0" err="1" smtClean="0">
+              <a:t> as a virtual </a:t>
+            </a:r>
+            <a:r>
+              <a:rPr lang="fr-FR" sz="1000" baseline="0" noProof="0" dirty="0" err="1" smtClean="0">
                 <a:latin typeface="Times New Roman"/>
                 <a:cs typeface="Times New Roman"/>
               </a:rPr>
-              <a:t>YencaP</a:t>
+              <a:t>netconf</a:t>
+            </a:r>
+            <a:r>
+              <a:rPr lang="fr-FR" sz="1000" baseline="0" noProof="0" dirty="0" smtClean="0">
+                <a:latin typeface="Times New Roman"/>
+                <a:cs typeface="Times New Roman"/>
+              </a:rPr>
+              <a:t> </a:t>
             </a:r>
             <a:r>
               <a:rPr lang="en-US" sz="1000" baseline="0" noProof="0" dirty="0" smtClean="0">
                 <a:latin typeface="Times New Roman"/>
                 <a:cs typeface="Times New Roman"/>
               </a:rPr>
-              <a:t> Manager side</a:t>
-            </a:r>
-            <a:r>
-              <a:rPr lang="en-US" sz="1000" baseline="0" noProof="0" dirty="0" smtClean="0">
-                <a:latin typeface="Times New Roman"/>
-                <a:cs typeface="Times New Roman"/>
-              </a:rPr>
-              <a:t>, a YANG loader will be used</a:t>
-            </a:r>
-            <a:r>
-              <a:rPr lang="en-US" sz="1000" baseline="0" noProof="0" dirty="0" smtClean="0">
-                <a:latin typeface="Times New Roman"/>
-                <a:cs typeface="Times New Roman"/>
-              </a:rPr>
-              <a:t> when </a:t>
-            </a:r>
-            <a:r>
-              <a:rPr lang="en-US" sz="1000" baseline="0" noProof="0" dirty="0" smtClean="0">
-                <a:latin typeface="Times New Roman"/>
-                <a:cs typeface="Times New Roman"/>
-              </a:rPr>
-              <a:t>such a capability is detected. We do not constraint the </a:t>
-            </a:r>
-            <a:r>
-              <a:rPr lang="en-US" sz="1000" baseline="0" noProof="0" dirty="0" err="1" smtClean="0">
-                <a:latin typeface="Times New Roman"/>
-                <a:cs typeface="Times New Roman"/>
-              </a:rPr>
-              <a:t>YencaP</a:t>
-            </a:r>
-            <a:r>
-              <a:rPr lang="en-US" sz="1000" baseline="0" noProof="0" dirty="0" smtClean="0">
-                <a:latin typeface="Times New Roman"/>
-                <a:cs typeface="Times New Roman"/>
-              </a:rPr>
-              <a:t> Manager to only work with YANG but to accept servers that are YANG enabled or not. The YANG loader gets the specifications from an external repository and builds a specific </a:t>
-            </a:r>
-            <a:r>
-              <a:rPr lang="en-US" sz="1000" baseline="0" noProof="0" dirty="0" err="1" smtClean="0">
-                <a:latin typeface="Times New Roman"/>
-                <a:cs typeface="Times New Roman"/>
-              </a:rPr>
-              <a:t>YangTreeNode</a:t>
-            </a:r>
-            <a:r>
-              <a:rPr lang="en-US" sz="1000" baseline="0" noProof="0" dirty="0" smtClean="0">
-                <a:latin typeface="Times New Roman"/>
-                <a:cs typeface="Times New Roman"/>
-              </a:rPr>
-              <a:t> for the data model maintained by the server. The YANG loader is a java program that uses </a:t>
-            </a:r>
-            <a:r>
-              <a:rPr lang="en-US" sz="1000" baseline="0" noProof="0" dirty="0" err="1" smtClean="0">
-                <a:latin typeface="Times New Roman"/>
-                <a:cs typeface="Times New Roman"/>
-              </a:rPr>
-              <a:t>jYang</a:t>
-            </a:r>
-            <a:r>
-              <a:rPr lang="en-US" sz="1000" baseline="0" noProof="0" dirty="0" smtClean="0">
-                <a:latin typeface="Times New Roman"/>
-                <a:cs typeface="Times New Roman"/>
-              </a:rPr>
-              <a:t> to dynamically parse YANG</a:t>
-            </a:r>
-            <a:r>
-              <a:rPr lang="en-US" sz="1000" baseline="0" noProof="0" dirty="0" smtClean="0">
-                <a:latin typeface="Times New Roman"/>
-                <a:cs typeface="Times New Roman"/>
-              </a:rPr>
-              <a:t> data model. </a:t>
-            </a:r>
-            <a:r>
-              <a:rPr lang="en-US" sz="1000" baseline="0" noProof="0" dirty="0" smtClean="0">
-                <a:latin typeface="Times New Roman"/>
-                <a:cs typeface="Times New Roman"/>
-              </a:rPr>
-              <a:t>We took this choice because we suppose the </a:t>
-            </a:r>
-            <a:r>
-              <a:rPr lang="en-US" sz="1000" baseline="0" noProof="0" dirty="0" err="1" smtClean="0">
-                <a:latin typeface="Times New Roman"/>
-                <a:cs typeface="Times New Roman"/>
-              </a:rPr>
-              <a:t>YencaP</a:t>
-            </a:r>
-            <a:r>
-              <a:rPr lang="en-US" sz="1000" baseline="0" noProof="0" dirty="0" smtClean="0">
-                <a:latin typeface="Times New Roman"/>
-                <a:cs typeface="Times New Roman"/>
-              </a:rPr>
-              <a:t> Manager will discover servers without knowledge of their configuration and thus must be able to dynamically load and parse any YANG</a:t>
-            </a:r>
-            <a:r>
-              <a:rPr lang="en-US" sz="1000" baseline="0" noProof="0" dirty="0" smtClean="0">
-                <a:latin typeface="Times New Roman"/>
-                <a:cs typeface="Times New Roman"/>
-              </a:rPr>
-              <a:t> model. It is </a:t>
-            </a:r>
-            <a:r>
-              <a:rPr lang="en-US" sz="1000" baseline="0" noProof="0" dirty="0" smtClean="0">
-                <a:latin typeface="Times New Roman"/>
-                <a:cs typeface="Times New Roman"/>
-              </a:rPr>
-              <a:t>also</a:t>
-            </a:r>
-            <a:r>
-              <a:rPr lang="en-US" sz="1000" baseline="0" noProof="0" dirty="0" smtClean="0">
-                <a:latin typeface="Times New Roman"/>
-                <a:cs typeface="Times New Roman"/>
-              </a:rPr>
-              <a:t> necessary to create the root node in the </a:t>
-            </a:r>
-            <a:r>
-              <a:rPr lang="en-US" sz="1000" baseline="0" noProof="0" dirty="0" err="1" smtClean="0">
-                <a:latin typeface="Times New Roman"/>
-                <a:cs typeface="Times New Roman"/>
-              </a:rPr>
-              <a:t>YangTreeNode</a:t>
-            </a:r>
-            <a:r>
-              <a:rPr lang="en-US" sz="1000" baseline="0" noProof="0" dirty="0" smtClean="0">
-                <a:latin typeface="Times New Roman"/>
-                <a:cs typeface="Times New Roman"/>
-              </a:rPr>
-              <a:t> as a virtual </a:t>
-            </a:r>
-            <a:r>
-              <a:rPr lang="fr-FR" sz="1000" baseline="0" noProof="0" dirty="0" err="1" smtClean="0">
-                <a:latin typeface="Times New Roman"/>
-                <a:cs typeface="Times New Roman"/>
-              </a:rPr>
-              <a:t>netconf</a:t>
-            </a:r>
-            <a:r>
-              <a:rPr lang="fr-FR" sz="1000" baseline="0" noProof="0" dirty="0" smtClean="0">
-                <a:latin typeface="Times New Roman"/>
-                <a:cs typeface="Times New Roman"/>
-              </a:rPr>
-              <a:t> </a:t>
-            </a:r>
-            <a:r>
-              <a:rPr lang="en-US" sz="1000" baseline="0" noProof="0" dirty="0" smtClean="0">
-                <a:latin typeface="Times New Roman"/>
-                <a:cs typeface="Times New Roman"/>
-              </a:rPr>
-              <a:t>container. </a:t>
-            </a:r>
-            <a:r>
-              <a:rPr lang="en-US" sz="1000" baseline="0" noProof="0" dirty="0" smtClean="0">
-                <a:latin typeface="Times New Roman"/>
-                <a:cs typeface="Times New Roman"/>
-              </a:rPr>
-              <a:t>The YANG specification repository is shown as an external element of the </a:t>
+              <a:t>container. The YANG specification repository is shown as an external element of the </a:t>
             </a:r>
             <a:r>
               <a:rPr lang="en-US" sz="1000" baseline="0" noProof="0" dirty="0" err="1" smtClean="0">
@@ -4802,28 +3834,7 @@
                 <a:latin typeface="Times New Roman"/>
                 <a:cs typeface="Times New Roman"/>
               </a:rPr>
-              <a:t> for this server </a:t>
-            </a:r>
-            <a:r>
-              <a:rPr lang="en-US" sz="1000" baseline="0" noProof="0" dirty="0" smtClean="0">
-                <a:latin typeface="Times New Roman"/>
-                <a:cs typeface="Times New Roman"/>
-              </a:rPr>
-              <a:t>only (left part of the figure 6). </a:t>
-            </a:r>
-            <a:r>
-              <a:rPr lang="en-US" sz="1000" baseline="0" noProof="0" dirty="0" smtClean="0">
-                <a:latin typeface="Times New Roman"/>
-                <a:cs typeface="Times New Roman"/>
-              </a:rPr>
-              <a:t>The applet will be loaded by the web interface to provide the user with a graphical interface representing the configuration</a:t>
-            </a:r>
-            <a:r>
-              <a:rPr lang="en-US" sz="1000" baseline="0" noProof="0" dirty="0" smtClean="0">
-                <a:latin typeface="Times New Roman"/>
-                <a:cs typeface="Times New Roman"/>
-              </a:rPr>
-              <a:t>.</a:t>
+              <a:t> for this server only (left part of the figure 6). The applet will be loaded by the web interface to provide the user with a graphical interface representing the configuration.</a:t>
             </a:r>
             <a:endParaRPr lang="en-US" sz="1000" noProof="0" dirty="0">
               <a:latin typeface="Times New Roman"/>
@@ -4892,98 +3903,28 @@
                 <a:latin typeface="Times New Roman"/>
                 <a:cs typeface="Times New Roman"/>
               </a:rPr>
-              <a:t>The figure 7 </a:t>
-            </a:r>
-            <a:r>
-              <a:rPr lang="en-US" sz="1000" dirty="0" smtClean="0">
-                <a:latin typeface="Times New Roman"/>
-                <a:cs typeface="Times New Roman"/>
-              </a:rPr>
-              <a:t>shows the applet part of the web</a:t>
+              <a:t>The figure 7 shows the applet part of the web</a:t>
             </a:r>
             <a:r>
               <a:rPr lang="en-US" sz="1000" baseline="0" dirty="0" smtClean="0">
                 <a:latin typeface="Times New Roman"/>
                 <a:cs typeface="Times New Roman"/>
               </a:rPr>
-              <a:t> </a:t>
+              <a:t> interface displayed when a user is connected for the configuration of a device. This first view can be used as a YANG specification browser looking like a file system browser (we use the swing </a:t>
+            </a:r>
+            <a:r>
+              <a:rPr lang="en-US" sz="1000" baseline="0" dirty="0" err="1" smtClean="0">
+                <a:latin typeface="Times New Roman"/>
+                <a:cs typeface="Times New Roman"/>
+              </a:rPr>
+              <a:t>Jtree</a:t>
             </a:r>
             <a:r>
               <a:rPr lang="en-US" sz="1000" baseline="0" dirty="0" smtClean="0">
                 <a:latin typeface="Times New Roman"/>
                 <a:cs typeface="Times New Roman"/>
               </a:rPr>
-              <a:t>interface displayed when a </a:t>
-            </a:r>
-            <a:r>
-              <a:rPr lang="en-US" sz="1000" baseline="0" dirty="0" smtClean="0">
-                <a:latin typeface="Times New Roman"/>
-                <a:cs typeface="Times New Roman"/>
-              </a:rPr>
-              <a:t>user</a:t>
-            </a:r>
-            <a:r>
-              <a:rPr lang="en-US" sz="1000" baseline="0" dirty="0" smtClean="0">
-                <a:latin typeface="Times New Roman"/>
-                <a:cs typeface="Times New Roman"/>
-              </a:rPr>
-              <a:t> is connected </a:t>
-            </a:r>
-            <a:r>
-              <a:rPr lang="en-US" sz="1000" baseline="0" dirty="0" smtClean="0">
-                <a:latin typeface="Times New Roman"/>
-                <a:cs typeface="Times New Roman"/>
-              </a:rPr>
-              <a:t>for the configuration of a device. This first view can be used as a </a:t>
-            </a:r>
-            <a:r>
-              <a:rPr lang="en-US" sz="1000" baseline="0" dirty="0" smtClean="0">
-                <a:latin typeface="Times New Roman"/>
-                <a:cs typeface="Times New Roman"/>
-              </a:rPr>
-              <a:t>YANG specification browser looking like </a:t>
-            </a:r>
-            <a:r>
-              <a:rPr lang="en-US" sz="1000" baseline="0" dirty="0" smtClean="0">
-                <a:latin typeface="Times New Roman"/>
-                <a:cs typeface="Times New Roman"/>
-              </a:rPr>
-              <a:t>a file system browser (we use the swing </a:t>
-            </a:r>
-            <a:r>
-              <a:rPr lang="en-US" sz="1000" baseline="0" dirty="0" err="1" smtClean="0">
-                <a:latin typeface="Times New Roman"/>
-                <a:cs typeface="Times New Roman"/>
-              </a:rPr>
-              <a:t>Jtree</a:t>
-            </a:r>
-            <a:r>
-              <a:rPr lang="en-US" sz="1000" baseline="0" dirty="0" smtClean="0">
-                <a:latin typeface="Times New Roman"/>
-                <a:cs typeface="Times New Roman"/>
-              </a:rPr>
-              <a:t> interface). The tree view matches well with YANG because it defines a schema tree.</a:t>
-            </a:r>
-            <a:r>
-              <a:rPr lang="en-US" sz="1000" baseline="0" dirty="0" smtClean="0">
-                <a:latin typeface="Times New Roman"/>
-                <a:cs typeface="Times New Roman"/>
-              </a:rPr>
-              <a:t> Specific </a:t>
-            </a:r>
-            <a:r>
-              <a:rPr lang="en-US" sz="1000" baseline="0" dirty="0" smtClean="0">
-                <a:latin typeface="Times New Roman"/>
-                <a:cs typeface="Times New Roman"/>
-              </a:rPr>
-              <a:t>icons are used to distinct</a:t>
-            </a:r>
-            <a:r>
-              <a:rPr lang="en-US" sz="1000" baseline="0" dirty="0" smtClean="0">
-                <a:latin typeface="Times New Roman"/>
-                <a:cs typeface="Times New Roman"/>
-              </a:rPr>
-              <a:t> container, list, key or leaf nodes.</a:t>
+              <a:t> interface). The tree view matches well with YANG because it defines a schema tree. Specific icons are used to distinct container, list, key or leaf nodes.</a:t>
             </a:r>
           </a:p>
           <a:p>
@@ -5000,77 +3941,21 @@
                 <a:latin typeface="Times New Roman"/>
                 <a:cs typeface="Times New Roman"/>
               </a:rPr>
-              <a:t>When </a:t>
+              <a:t>When selecting a node, the lower part of the applet shows details of its YANG specification, as the type of a leaf and constraints such default value or range intervals. A leaf type is always at least of a built-in types (as string, int8,…) and can be refined by other types with added constraints or to use an existing useful type (as a </a:t>
+            </a:r>
+            <a:r>
+              <a:rPr lang="en-US" sz="1000" baseline="0" dirty="0" err="1" smtClean="0">
+                <a:latin typeface="Times New Roman"/>
+                <a:cs typeface="Times New Roman"/>
+              </a:rPr>
+              <a:t>mac</a:t>
             </a:r>
             <a:r>
               <a:rPr lang="en-US" sz="1000" baseline="0" dirty="0" smtClean="0">
                 <a:latin typeface="Times New Roman"/>
                 <a:cs typeface="Times New Roman"/>
               </a:rPr>
-              <a:t>selecting a</a:t>
-            </a:r>
-            <a:r>
-              <a:rPr lang="en-US" sz="1000" baseline="0" dirty="0" smtClean="0">
-                <a:latin typeface="Times New Roman"/>
-                <a:cs typeface="Times New Roman"/>
-              </a:rPr>
-              <a:t> node, </a:t>
-            </a:r>
-            <a:r>
-              <a:rPr lang="en-US" sz="1000" baseline="0" dirty="0" smtClean="0">
-                <a:latin typeface="Times New Roman"/>
-                <a:cs typeface="Times New Roman"/>
-              </a:rPr>
-              <a:t>the lower part of the applet shows details of</a:t>
-            </a:r>
-            <a:r>
-              <a:rPr lang="en-US" sz="1000" baseline="0" dirty="0" smtClean="0">
-                <a:latin typeface="Times New Roman"/>
-                <a:cs typeface="Times New Roman"/>
-              </a:rPr>
-              <a:t> its YANG </a:t>
-            </a:r>
-            <a:r>
-              <a:rPr lang="en-US" sz="1000" baseline="0" dirty="0" smtClean="0">
-                <a:latin typeface="Times New Roman"/>
-                <a:cs typeface="Times New Roman"/>
-              </a:rPr>
-              <a:t>specification, as the type of a leaf and constraints such default value or range intervals. A leaf type is always at least of a built-in types (as string, int8,…) and can be refined by other types with added constraints or to use an existing useful type (as a </a:t>
-            </a:r>
-            <a:r>
-              <a:rPr lang="en-US" sz="1000" baseline="0" dirty="0" err="1" smtClean="0">
-                <a:latin typeface="Times New Roman"/>
-                <a:cs typeface="Times New Roman"/>
-              </a:rPr>
-              <a:t>mac</a:t>
-            </a:r>
-            <a:r>
-              <a:rPr lang="en-US" sz="1000" baseline="0" dirty="0" smtClean="0">
-                <a:latin typeface="Times New Roman"/>
-                <a:cs typeface="Times New Roman"/>
-              </a:rPr>
-              <a:t>-address). This is the meaning of the “-” (or “+”) behind the name type. When “+” is set (by one mouse click on the “-”) then</a:t>
-            </a:r>
-            <a:r>
-              <a:rPr lang="en-US" sz="1000" baseline="0" dirty="0" smtClean="0">
-                <a:latin typeface="Times New Roman"/>
-                <a:cs typeface="Times New Roman"/>
-              </a:rPr>
-              <a:t> the </a:t>
-            </a:r>
-            <a:r>
-              <a:rPr lang="en-US" sz="1000" baseline="0" dirty="0" smtClean="0">
-                <a:latin typeface="Times New Roman"/>
-                <a:cs typeface="Times New Roman"/>
-              </a:rPr>
-              <a:t>built-in type is displayed</a:t>
-            </a:r>
-            <a:r>
-              <a:rPr lang="en-US" sz="1000" baseline="0" dirty="0" smtClean="0">
-                <a:latin typeface="Times New Roman"/>
-                <a:cs typeface="Times New Roman"/>
-              </a:rPr>
-              <a:t>.</a:t>
+              <a:t>-address). This is the meaning of the “-” (or “+”) behind the name type. When “+” is set (by one mouse click on the “-”) then the built-in type is displayed.</a:t>
             </a:r>
           </a:p>
           <a:p>
@@ -5173,14 +4058,21 @@
                 <a:latin typeface="Times New Roman"/>
                 <a:cs typeface="Times New Roman"/>
               </a:rPr>
-              <a:t>One </a:t>
+              <a:t>One can request the indirectly connected </a:t>
+            </a:r>
+            <a:r>
+              <a:rPr lang="fr-FR" sz="1000" baseline="0" noProof="0" dirty="0" smtClean="0">
+                <a:latin typeface="Times New Roman"/>
+                <a:cs typeface="Times New Roman"/>
+              </a:rPr>
+              <a:t>NETCONF</a:t>
             </a:r>
             <a:r>
               <a:rPr lang="en-US" sz="1000" baseline="0" noProof="0" dirty="0" smtClean="0">
                 <a:latin typeface="Times New Roman"/>
                 <a:cs typeface="Times New Roman"/>
               </a:rPr>
-              <a:t>can request the indirectly connected </a:t>
+              <a:t> device by a mouse contextual menu that pops-up when the right button is pressed on a YANG node. When one of the standard </a:t>
             </a:r>
             <a:r>
               <a:rPr lang="fr-FR" sz="1000" baseline="0" noProof="0" dirty="0" smtClean="0">
@@ -5194,145 +4086,85 @@
                 <a:latin typeface="Times New Roman"/>
                 <a:cs typeface="Times New Roman"/>
               </a:rPr>
-              <a:t> device by a mouse contextual menu that pops-up when the right button is pressed on a YANG</a:t>
+              <a:t> operations is chosen, the request is built from the root node (here the </a:t>
+            </a:r>
+            <a:r>
+              <a:rPr lang="fr-FR" sz="1000" baseline="0" noProof="0" dirty="0" err="1" smtClean="0">
+                <a:latin typeface="Times New Roman"/>
+                <a:cs typeface="Times New Roman"/>
+              </a:rPr>
+              <a:t>netconf</a:t>
+            </a:r>
+            <a:r>
+              <a:rPr lang="fr-FR" sz="1000" baseline="0" noProof="0" dirty="0" smtClean="0">
+                <a:latin typeface="Times New Roman"/>
+                <a:cs typeface="Times New Roman"/>
+              </a:rPr>
+              <a:t> </a:t>
             </a:r>
             <a:r>
               <a:rPr lang="en-US" sz="1000" baseline="0" noProof="0" dirty="0" smtClean="0">
                 <a:latin typeface="Times New Roman"/>
                 <a:cs typeface="Times New Roman"/>
               </a:rPr>
-              <a:t> node. </a:t>
+              <a:t>virtual container) to the tree position of the selected node. At this step, the applet is vertically separated to show result of request on the right. The resulting XML document is sent inside a HTTP POST request. A specific header called “operation” is used to specify which </a:t>
+            </a:r>
+            <a:r>
+              <a:rPr lang="fr-FR" sz="1000" baseline="0" noProof="0" dirty="0" smtClean="0">
+                <a:latin typeface="Times New Roman"/>
+                <a:cs typeface="Times New Roman"/>
+              </a:rPr>
+              <a:t>NETCONF</a:t>
             </a:r>
             <a:r>
               <a:rPr lang="en-US" sz="1000" baseline="0" noProof="0" dirty="0" smtClean="0">
                 <a:latin typeface="Times New Roman"/>
                 <a:cs typeface="Times New Roman"/>
               </a:rPr>
-              <a:t>When one of the standard </a:t>
-            </a:r>
-            <a:r>
-              <a:rPr lang="fr-FR" sz="1000" baseline="0" noProof="0" dirty="0" smtClean="0">
+              <a:t> operation must be performed on the server (get, get-</a:t>
+            </a:r>
+            <a:r>
+              <a:rPr lang="en-US" sz="1000" baseline="0" noProof="0" dirty="0" err="1" smtClean="0">
                 <a:latin typeface="Times New Roman"/>
                 <a:cs typeface="Times New Roman"/>
               </a:rPr>
-              <a:t>NETCONF</a:t>
+              <a:t>config</a:t>
             </a:r>
             <a:r>
               <a:rPr lang="en-US" sz="1000" baseline="0" noProof="0" dirty="0" smtClean="0">
                 <a:latin typeface="Times New Roman"/>
                 <a:cs typeface="Times New Roman"/>
               </a:rPr>
-              <a:t> operations is chosen, the request is built from the root node (here the </a:t>
-            </a:r>
-            <a:r>
-              <a:rPr lang="fr-FR" sz="1000" baseline="0" noProof="0" dirty="0" err="1" smtClean="0">
+              <a:t> or edit-</a:t>
+            </a:r>
+            <a:r>
+              <a:rPr lang="en-US" sz="1000" baseline="0" noProof="0" dirty="0" err="1" smtClean="0">
                 <a:latin typeface="Times New Roman"/>
                 <a:cs typeface="Times New Roman"/>
               </a:rPr>
-              <a:t>netconf</a:t>
-            </a:r>
-            <a:r>
-              <a:rPr lang="fr-FR" sz="1000" baseline="0" noProof="0" dirty="0" smtClean="0">
-                <a:latin typeface="Times New Roman"/>
-                <a:cs typeface="Times New Roman"/>
-              </a:rPr>
-              <a:t> </a:t>
+              <a:t>config</a:t>
             </a:r>
             <a:r>
               <a:rPr lang="en-US" sz="1000" baseline="0" noProof="0" dirty="0" smtClean="0">
                 <a:latin typeface="Times New Roman"/>
                 <a:cs typeface="Times New Roman"/>
               </a:rPr>
-              <a:t>virtual container) to the tree position of the selected node.</a:t>
+              <a:t>). The figure 8 shows a get request on the leaf </a:t>
+            </a:r>
+            <a:r>
+              <a:rPr lang="en-US" sz="1000" baseline="0" noProof="0" dirty="0" err="1" smtClean="0">
+                <a:latin typeface="Times New Roman"/>
+                <a:cs typeface="Times New Roman"/>
+              </a:rPr>
+              <a:t>mtu</a:t>
             </a:r>
             <a:r>
               <a:rPr lang="en-US" sz="1000" baseline="0" noProof="0" dirty="0" smtClean="0">
                 <a:latin typeface="Times New Roman"/>
                 <a:cs typeface="Times New Roman"/>
               </a:rPr>
-              <a:t> At this step, the applet is vertically separated to show result of request on the right. The </a:t>
-            </a:r>
-            <a:r>
-              <a:rPr lang="en-US" sz="1000" baseline="0" noProof="0" dirty="0" smtClean="0">
-                <a:latin typeface="Times New Roman"/>
-                <a:cs typeface="Times New Roman"/>
-              </a:rPr>
-              <a:t>resulting XML document is sent inside a HTTP POST request. A specific header called “operation” is used to specify which </a:t>
-            </a:r>
-            <a:r>
-              <a:rPr lang="fr-FR" sz="1000" baseline="0" noProof="0" dirty="0" smtClean="0">
-                <a:latin typeface="Times New Roman"/>
-                <a:cs typeface="Times New Roman"/>
-              </a:rPr>
-              <a:t>NETCONF</a:t>
-            </a:r>
-            <a:r>
-              <a:rPr lang="en-US" sz="1000" baseline="0" noProof="0" dirty="0" smtClean="0">
-                <a:latin typeface="Times New Roman"/>
-                <a:cs typeface="Times New Roman"/>
-              </a:rPr>
-              <a:t> operation must be performed on the server (get, get-</a:t>
-            </a:r>
-            <a:r>
-              <a:rPr lang="en-US" sz="1000" baseline="0" noProof="0" dirty="0" err="1" smtClean="0">
-                <a:latin typeface="Times New Roman"/>
-                <a:cs typeface="Times New Roman"/>
-              </a:rPr>
-              <a:t>config</a:t>
-            </a:r>
-            <a:r>
-              <a:rPr lang="en-US" sz="1000" baseline="0" noProof="0" dirty="0" smtClean="0">
-                <a:latin typeface="Times New Roman"/>
-                <a:cs typeface="Times New Roman"/>
-              </a:rPr>
-              <a:t> or edit-</a:t>
-            </a:r>
-            <a:r>
-              <a:rPr lang="en-US" sz="1000" baseline="0" noProof="0" dirty="0" err="1" smtClean="0">
-                <a:latin typeface="Times New Roman"/>
-                <a:cs typeface="Times New Roman"/>
-              </a:rPr>
-              <a:t>config</a:t>
-            </a:r>
-            <a:r>
-              <a:rPr lang="en-US" sz="1000" baseline="0" noProof="0" dirty="0" smtClean="0">
-                <a:latin typeface="Times New Roman"/>
-                <a:cs typeface="Times New Roman"/>
-              </a:rPr>
-              <a:t>).</a:t>
-            </a:r>
-            <a:r>
-              <a:rPr lang="en-US" sz="1000" baseline="0" noProof="0" dirty="0" smtClean="0">
-                <a:latin typeface="Times New Roman"/>
-                <a:cs typeface="Times New Roman"/>
-              </a:rPr>
-              <a:t> The figure 8 shows a get request on the leaf </a:t>
-            </a:r>
-            <a:r>
-              <a:rPr lang="en-US" sz="1000" baseline="0" noProof="0" dirty="0" err="1" smtClean="0">
-                <a:latin typeface="Times New Roman"/>
-                <a:cs typeface="Times New Roman"/>
-              </a:rPr>
-              <a:t>mtu</a:t>
-            </a:r>
-            <a:r>
-              <a:rPr lang="en-US" sz="1000" baseline="0" noProof="0" dirty="0" smtClean="0">
-                <a:latin typeface="Times New Roman"/>
-                <a:cs typeface="Times New Roman"/>
-              </a:rPr>
-              <a:t> and this leaf is inside the interface list. Note </a:t>
-            </a:r>
-            <a:r>
-              <a:rPr lang="en-US" sz="1000" baseline="0" noProof="0" dirty="0" smtClean="0">
-                <a:latin typeface="Times New Roman"/>
-                <a:cs typeface="Times New Roman"/>
-              </a:rPr>
-              <a:t>that the key of the list is added to the request while it is not explicitly asked. This is an optimization because subsequent requests on lists (and especially on list entries) will likely need the key. </a:t>
-            </a:r>
-            <a:endParaRPr lang="en-US" sz="1000" baseline="0" noProof="0" dirty="0" smtClean="0">
-              <a:latin typeface="Times New Roman"/>
-              <a:cs typeface="Times New Roman"/>
-            </a:endParaRPr>
+              <a:t> and this leaf is inside the interface list. Note that the key of the list is added to the request while it is not explicitly asked. This is an optimization because subsequent requests on lists (and especially on list entries) will likely need the key. </a:t>
+            </a:r>
           </a:p>
           <a:p>
             <a:pPr algn="just"/>
@@ -5362,112 +4194,91 @@
                 <a:latin typeface="Times New Roman"/>
                 <a:cs typeface="Times New Roman"/>
               </a:rPr>
-              <a:t> Manager, the latter</a:t>
+              <a:t> Manager, the latter surrounds it by the </a:t>
+            </a:r>
+            <a:r>
+              <a:rPr lang="en-US" sz="1000" baseline="0" noProof="0" dirty="0" err="1" smtClean="0">
+                <a:latin typeface="Times New Roman"/>
+                <a:cs typeface="Times New Roman"/>
+              </a:rPr>
+              <a:t>rpc</a:t>
             </a:r>
             <a:r>
               <a:rPr lang="en-US" sz="1000" baseline="0" noProof="0" dirty="0" smtClean="0">
                 <a:latin typeface="Times New Roman"/>
                 <a:cs typeface="Times New Roman"/>
               </a:rPr>
-              <a:t> surrounds it by the </a:t>
-            </a:r>
-            <a:r>
-              <a:rPr lang="en-US" sz="1000" baseline="0" noProof="0" dirty="0" err="1" smtClean="0">
+              <a:t> and filter mechanisms and sends a valid </a:t>
+            </a:r>
+            <a:r>
+              <a:rPr lang="fr-FR" sz="1000" baseline="0" noProof="0" dirty="0" smtClean="0">
                 <a:latin typeface="Times New Roman"/>
                 <a:cs typeface="Times New Roman"/>
               </a:rPr>
-              <a:t>rpc</a:t>
+              <a:t>NETCONF</a:t>
             </a:r>
             <a:r>
               <a:rPr lang="en-US" sz="1000" baseline="0" noProof="0" dirty="0" smtClean="0">
                 <a:latin typeface="Times New Roman"/>
                 <a:cs typeface="Times New Roman"/>
               </a:rPr>
-              <a:t> and filter mechanisms</a:t>
+              <a:t> request. From this step we are independent of any YANG concern because we are in a full </a:t>
+            </a:r>
+            <a:r>
+              <a:rPr lang="fr-FR" sz="1000" baseline="0" noProof="0" dirty="0" smtClean="0">
+                <a:latin typeface="Times New Roman"/>
+                <a:cs typeface="Times New Roman"/>
+              </a:rPr>
+              <a:t>NETCONF</a:t>
             </a:r>
             <a:r>
               <a:rPr lang="en-US" sz="1000" baseline="0" noProof="0" dirty="0" smtClean="0">
                 <a:latin typeface="Times New Roman"/>
                 <a:cs typeface="Times New Roman"/>
               </a:rPr>
-              <a:t> and sends </a:t>
+              <a:t> session. Following is simply a cleaning of </a:t>
+            </a:r>
+            <a:r>
+              <a:rPr lang="fr-FR" sz="1000" baseline="0" noProof="0" dirty="0" smtClean="0">
+                <a:latin typeface="Times New Roman"/>
+                <a:cs typeface="Times New Roman"/>
+              </a:rPr>
+              <a:t>NETCONF</a:t>
             </a:r>
             <a:r>
               <a:rPr lang="en-US" sz="1000" baseline="0" noProof="0" dirty="0" smtClean="0">
                 <a:latin typeface="Times New Roman"/>
                 <a:cs typeface="Times New Roman"/>
               </a:rPr>
-              <a:t>a valid </a:t>
-            </a:r>
-            <a:r>
-              <a:rPr lang="fr-FR" sz="1000" baseline="0" noProof="0" dirty="0" smtClean="0">
-                <a:latin typeface="Times New Roman"/>
-                <a:cs typeface="Times New Roman"/>
-              </a:rPr>
-              <a:t>NETCONF</a:t>
+              <a:t> XML data until the first node of the Data Store and its forwarding to the client applet that is waiting for the response. The</a:t>
             </a:r>
             <a:r>
               <a:rPr lang="en-US" sz="1000" baseline="0" noProof="0" dirty="0" smtClean="0">
                 <a:latin typeface="Times New Roman"/>
                 <a:cs typeface="Times New Roman"/>
               </a:rPr>
-              <a:t> request. From this step we are independent of any YANG concern because we are in a full </a:t>
-            </a:r>
-            <a:r>
-              <a:rPr lang="fr-FR" sz="1000" baseline="0" noProof="0" dirty="0" smtClean="0">
+              <a:t> </a:t>
+            </a:r>
+            <a:r>
+              <a:rPr lang="fr-FR" sz="1000" baseline="0" noProof="0" smtClean="0">
                 <a:latin typeface="Times New Roman"/>
                 <a:cs typeface="Times New Roman"/>
               </a:rPr>
-              <a:t>NETCONF</a:t>
+              <a:t>figure </a:t>
+            </a:r>
+            <a:r>
+              <a:rPr lang="en-US" sz="1000" baseline="0" noProof="0" smtClean="0">
+                <a:latin typeface="Times New Roman"/>
+                <a:cs typeface="Times New Roman"/>
+              </a:rPr>
+              <a:t>8 </a:t>
             </a:r>
             <a:r>
               <a:rPr lang="en-US" sz="1000" baseline="0" noProof="0" dirty="0" smtClean="0">
                 <a:latin typeface="Times New Roman"/>
                 <a:cs typeface="Times New Roman"/>
               </a:rPr>
-              <a:t> session</a:t>
-            </a:r>
-            <a:r>
-              <a:rPr lang="en-US" sz="1000" baseline="0" noProof="0" dirty="0" smtClean="0">
-                <a:latin typeface="Times New Roman"/>
-                <a:cs typeface="Times New Roman"/>
-              </a:rPr>
-              <a:t>. </a:t>
-            </a:r>
-            <a:r>
-              <a:rPr lang="en-US" sz="1000" baseline="0" noProof="0" dirty="0" smtClean="0">
-                <a:latin typeface="Times New Roman"/>
-                <a:cs typeface="Times New Roman"/>
-              </a:rPr>
-              <a:t>Following is simply a cleaning of </a:t>
-            </a:r>
-            <a:r>
-              <a:rPr lang="fr-FR" sz="1000" baseline="0" noProof="0" dirty="0" smtClean="0">
-                <a:latin typeface="Times New Roman"/>
-                <a:cs typeface="Times New Roman"/>
-              </a:rPr>
-              <a:t>NETCONF</a:t>
-            </a:r>
-            <a:r>
-              <a:rPr lang="en-US" sz="1000" baseline="0" noProof="0" dirty="0" smtClean="0">
-                <a:latin typeface="Times New Roman"/>
-                <a:cs typeface="Times New Roman"/>
-              </a:rPr>
-              <a:t> XML data until the first node of the Data Store and its forwarding to the client applet that is waiting for the response. The </a:t>
-            </a:r>
-            <a:r>
-              <a:rPr lang="fr-FR" sz="1000" baseline="0" noProof="0" dirty="0" smtClean="0">
-                <a:latin typeface="Times New Roman"/>
-                <a:cs typeface="Times New Roman"/>
-              </a:rPr>
-              <a:t>slide</a:t>
-            </a:r>
-            <a:r>
-              <a:rPr lang="en-US" sz="1000" baseline="0" noProof="0" dirty="0" smtClean="0">
-                <a:latin typeface="Times New Roman"/>
-                <a:cs typeface="Times New Roman"/>
-              </a:rPr>
-              <a:t> 8 shows the response on the right part of the management applet. The request is synchronous because even if one request contains several data (as can be a request on a list) all of them are returned by one response. Note we have made our protocol synchronous on top of HTTP with several asynchronous requests. We plan to allow multiple selections for the same </a:t>
+              <a:t>shows the response on the right part of the management applet. The request is synchronous because even if one request contains several data (as can be a request on a list) all of them are returned by one response. Note we have made our protocol synchronous on top of HTTP with several asynchronous requests. We plan to allow multiple selections for the same </a:t>
             </a:r>
             <a:r>
               <a:rPr lang="fr-FR" sz="1000" baseline="0" noProof="0" dirty="0" smtClean="0">
@@ -5581,21 +4392,7 @@
                 <a:latin typeface="Times New Roman"/>
                 <a:cs typeface="Times New Roman"/>
               </a:rPr>
-              <a:t>9 </a:t>
-            </a:r>
-            <a:r>
-              <a:rPr lang="en-US" sz="1000" baseline="0" noProof="0" dirty="0" smtClean="0">
-                <a:latin typeface="Times New Roman"/>
-                <a:cs typeface="Times New Roman"/>
-              </a:rPr>
-              <a:t>depicts some functionalities</a:t>
-            </a:r>
-            <a:r>
-              <a:rPr lang="en-US" sz="1000" baseline="0" noProof="0" dirty="0" smtClean="0">
-                <a:latin typeface="Times New Roman"/>
-                <a:cs typeface="Times New Roman"/>
-              </a:rPr>
-              <a:t> of the applet related to NETCONF get and edit </a:t>
+              <a:t>9 depicts some functionalities of the applet related to NETCONF get and edit </a:t>
             </a:r>
             <a:r>
               <a:rPr lang="en-US" sz="1000" baseline="0" noProof="0" dirty="0" err="1" smtClean="0">
@@ -5626,35 +4423,21 @@
                 <a:latin typeface="Times New Roman"/>
                 <a:cs typeface="Times New Roman"/>
               </a:rPr>
-              <a:t>Part </a:t>
+              <a:t>Part (a) is a simple access to a leaf in a container and where we get the response of a get-</a:t>
+            </a:r>
+            <a:r>
+              <a:rPr lang="en-US" sz="1000" baseline="0" noProof="0" dirty="0" err="1" smtClean="0">
+                <a:latin typeface="Times New Roman"/>
+                <a:cs typeface="Times New Roman"/>
+              </a:rPr>
+              <a:t>config</a:t>
             </a:r>
             <a:r>
               <a:rPr lang="en-US" sz="1000" baseline="0" noProof="0" dirty="0" smtClean="0">
                 <a:latin typeface="Times New Roman"/>
                 <a:cs typeface="Times New Roman"/>
               </a:rPr>
-              <a:t>(a) is a simple access to a leaf in a container and where we get the response of a get-</a:t>
-            </a:r>
-            <a:r>
-              <a:rPr lang="en-US" sz="1000" baseline="0" noProof="0" dirty="0" err="1" smtClean="0">
-                <a:latin typeface="Times New Roman"/>
-                <a:cs typeface="Times New Roman"/>
-              </a:rPr>
-              <a:t>config</a:t>
-            </a:r>
-            <a:r>
-              <a:rPr lang="en-US" sz="1000" baseline="0" noProof="0" dirty="0" smtClean="0">
-                <a:latin typeface="Times New Roman"/>
-                <a:cs typeface="Times New Roman"/>
-              </a:rPr>
-              <a:t> operation.</a:t>
-            </a:r>
-            <a:r>
-              <a:rPr lang="en-US" sz="1000" baseline="0" noProof="0" dirty="0" smtClean="0">
-                <a:latin typeface="Times New Roman"/>
-                <a:cs typeface="Times New Roman"/>
-              </a:rPr>
-              <a:t> </a:t>
+              <a:t> operation. </a:t>
             </a:r>
           </a:p>
           <a:p>
@@ -5671,63 +4454,35 @@
                 <a:latin typeface="Times New Roman"/>
                 <a:cs typeface="Times New Roman"/>
               </a:rPr>
-              <a:t>Part </a:t>
+              <a:t>Part (</a:t>
+            </a:r>
+            <a:r>
+              <a:rPr lang="en-US" sz="1000" baseline="0" noProof="0" dirty="0" err="1" smtClean="0">
+                <a:latin typeface="Times New Roman"/>
+                <a:cs typeface="Times New Roman"/>
+              </a:rPr>
+              <a:t>b</a:t>
             </a:r>
             <a:r>
               <a:rPr lang="en-US" sz="1000" baseline="0" noProof="0" dirty="0" smtClean="0">
                 <a:latin typeface="Times New Roman"/>
                 <a:cs typeface="Times New Roman"/>
               </a:rPr>
-              <a:t>(</a:t>
+              <a:t>) is an edit-</a:t>
             </a:r>
             <a:r>
               <a:rPr lang="en-US" sz="1000" baseline="0" noProof="0" dirty="0" err="1" smtClean="0">
                 <a:latin typeface="Times New Roman"/>
                 <a:cs typeface="Times New Roman"/>
               </a:rPr>
-              <a:t>b</a:t>
+              <a:t>config</a:t>
             </a:r>
             <a:r>
               <a:rPr lang="en-US" sz="1000" baseline="0" noProof="0" dirty="0" smtClean="0">
                 <a:latin typeface="Times New Roman"/>
                 <a:cs typeface="Times New Roman"/>
               </a:rPr>
-              <a:t>)</a:t>
-            </a:r>
-            <a:r>
-              <a:rPr lang="en-US" sz="1000" baseline="0" noProof="0" dirty="0" smtClean="0">
-                <a:latin typeface="Times New Roman"/>
-                <a:cs typeface="Times New Roman"/>
-              </a:rPr>
-              <a:t> is an edit-</a:t>
-            </a:r>
-            <a:r>
-              <a:rPr lang="en-US" sz="1000" baseline="0" noProof="0" dirty="0" err="1" smtClean="0">
-                <a:latin typeface="Times New Roman"/>
-                <a:cs typeface="Times New Roman"/>
-              </a:rPr>
-              <a:t>config</a:t>
-            </a:r>
-            <a:r>
-              <a:rPr lang="en-US" sz="1000" baseline="0" noProof="0" dirty="0" smtClean="0">
-                <a:latin typeface="Times New Roman"/>
-                <a:cs typeface="Times New Roman"/>
-              </a:rPr>
-              <a:t> for a container. When editing </a:t>
-            </a:r>
-            <a:r>
-              <a:rPr lang="en-US" sz="1000" baseline="0" noProof="0" dirty="0" smtClean="0">
-                <a:latin typeface="Times New Roman"/>
-                <a:cs typeface="Times New Roman"/>
-              </a:rPr>
-              <a:t>a container, its components are listed with a warning until a correct value is given.</a:t>
-            </a:r>
-            <a:r>
-              <a:rPr lang="en-US" sz="1000" baseline="0" noProof="0" dirty="0" smtClean="0">
-                <a:latin typeface="Times New Roman"/>
-                <a:cs typeface="Times New Roman"/>
-              </a:rPr>
-              <a:t> The applet shows warning messages and have editing functionalities (as in part </a:t>
+              <a:t> for a container. When editing a container, its components are listed with a warning until a correct value is given. The applet shows warning messages and have editing functionalities (as in part </a:t>
             </a:r>
             <a:r>
               <a:rPr lang="en-US" sz="1000" baseline="0" noProof="0" dirty="0" err="1" smtClean="0">
@@ -5758,49 +4513,35 @@
                 <a:latin typeface="Times New Roman"/>
                 <a:cs typeface="Times New Roman"/>
               </a:rPr>
-              <a:t>Part </a:t>
+              <a:t>Part (</a:t>
+            </a:r>
+            <a:r>
+              <a:rPr lang="en-US" sz="1000" baseline="0" noProof="0" dirty="0" err="1" smtClean="0">
+                <a:latin typeface="Times New Roman"/>
+                <a:cs typeface="Times New Roman"/>
+              </a:rPr>
+              <a:t>c</a:t>
             </a:r>
             <a:r>
               <a:rPr lang="en-US" sz="1000" baseline="0" noProof="0" dirty="0" smtClean="0">
                 <a:latin typeface="Times New Roman"/>
                 <a:cs typeface="Times New Roman"/>
               </a:rPr>
-              <a:t>(</a:t>
+              <a:t>) is an edit-</a:t>
             </a:r>
             <a:r>
               <a:rPr lang="en-US" sz="1000" baseline="0" noProof="0" dirty="0" err="1" smtClean="0">
                 <a:latin typeface="Times New Roman"/>
                 <a:cs typeface="Times New Roman"/>
               </a:rPr>
-              <a:t>c</a:t>
+              <a:t>config</a:t>
             </a:r>
             <a:r>
               <a:rPr lang="en-US" sz="1000" baseline="0" noProof="0" dirty="0" smtClean="0">
                 <a:latin typeface="Times New Roman"/>
                 <a:cs typeface="Times New Roman"/>
               </a:rPr>
-              <a:t>) is an edit-</a:t>
-            </a:r>
-            <a:r>
-              <a:rPr lang="en-US" sz="1000" baseline="0" noProof="0" dirty="0" err="1" smtClean="0">
-                <a:latin typeface="Times New Roman"/>
-                <a:cs typeface="Times New Roman"/>
-              </a:rPr>
-              <a:t>config</a:t>
-            </a:r>
-            <a:r>
-              <a:rPr lang="en-US" sz="1000" baseline="0" noProof="0" dirty="0" smtClean="0">
-                <a:latin typeface="Times New Roman"/>
-                <a:cs typeface="Times New Roman"/>
-              </a:rPr>
-              <a:t> for a list. Here a list is edited entry by entry (that we call a list occurrence) and one can see an empty list entry ready to be filled. Note that a red mark is on the “login” leaf because it is the key of the list and so its value must be set.</a:t>
-            </a:r>
-            <a:r>
-              <a:rPr lang="en-US" sz="1000" baseline="0" noProof="0" dirty="0" smtClean="0">
-                <a:latin typeface="Times New Roman"/>
-                <a:cs typeface="Times New Roman"/>
-              </a:rPr>
-              <a:t> </a:t>
+              <a:t> for a list. Here a list is edited entry by entry (that we call a list occurrence) and one can see an empty list entry ready to be filled. Note that a red mark is on the “login” leaf because it is the key of the list and so its value must be set. </a:t>
             </a:r>
           </a:p>
           <a:p>
@@ -5817,14 +4558,7 @@
                 <a:latin typeface="Times New Roman"/>
                 <a:cs typeface="Times New Roman"/>
               </a:rPr>
-              <a:t>Part </a:t>
-            </a:r>
-            <a:r>
-              <a:rPr lang="en-US" sz="1000" baseline="0" noProof="0" dirty="0" smtClean="0">
-                <a:latin typeface="Times New Roman"/>
-                <a:cs typeface="Times New Roman"/>
-              </a:rPr>
-              <a:t>(</a:t>
+              <a:t>Part (</a:t>
             </a:r>
             <a:r>
               <a:rPr lang="en-US" sz="1000" baseline="0" noProof="0" dirty="0" err="1" smtClean="0">
@@ -6051,7 +4785,7 @@
             <a:fld id="{7F2B8709-3F46-DE42-BD3E-692D784503EE}" type="datetime1">
               <a:rPr lang="fr-FR" smtClean="0"/>
               <a:pPr/>
-              <a:t>24/12/09</a:t>
+              <a:t>31/12/09</a:t>
             </a:fld>
             <a:endParaRPr lang="fr-FR"/>
           </a:p>
@@ -6218,7 +4952,7 @@
             <a:fld id="{4EBEFD6C-C087-154D-B622-7C02A58805D5}" type="datetime1">
               <a:rPr lang="fr-FR" smtClean="0"/>
               <a:pPr/>
-              <a:t>24/12/09</a:t>
+              <a:t>31/12/09</a:t>
             </a:fld>
             <a:endParaRPr lang="fr-FR"/>
           </a:p>
@@ -6395,7 +5129,7 @@
             <a:fld id="{07D8C6FC-5D38-E240-8250-E4BC28BDE1B6}" type="datetime1">
               <a:rPr lang="fr-FR" smtClean="0"/>
               <a:pPr/>
-              <a:t>24/12/09</a:t>
+              <a:t>31/12/09</a:t>
             </a:fld>
             <a:endParaRPr lang="fr-FR"/>
           </a:p>
@@ -6562,7 +5296,7 @@
             <a:fld id="{4E2F6B51-FB45-C74D-A600-600DD287541D}" type="datetime1">
               <a:rPr lang="fr-FR" smtClean="0"/>
               <a:pPr/>
-              <a:t>24/12/09</a:t>
+              <a:t>31/12/09</a:t>
             </a:fld>
             <a:endParaRPr lang="fr-FR"/>
           </a:p>
@@ -6805,7 +5539,7 @@
             <a:fld id="{DFEE11C6-5005-A744-9B9D-B94478DE044A}" type="datetime1">
               <a:rPr lang="fr-FR" smtClean="0"/>
               <a:pPr/>
-              <a:t>24/12/09</a:t>
+              <a:t>31/12/09</a:t>
             </a:fld>
             <a:endParaRPr lang="fr-FR"/>
           </a:p>
@@ -7090,7 +5824,7 @@
             <a:fld id="{9202BA27-7F62-034A-AD65-AD2BE6700D12}" type="datetime1">
               <a:rPr lang="fr-FR" smtClean="0"/>
               <a:pPr/>
-              <a:t>24/12/09</a:t>
+              <a:t>31/12/09</a:t>
             </a:fld>
             <a:endParaRPr lang="fr-FR"/>
           </a:p>
@@ -7509,7 +6243,7 @@
             <a:fld id="{33C87D94-F7E6-1E43-8374-5AB40E5CD468}" type="datetime1">
               <a:rPr lang="fr-FR" smtClean="0"/>
               <a:pPr/>
-              <a:t>24/12/09</a:t>
+              <a:t>31/12/09</a:t>
             </a:fld>
             <a:endParaRPr lang="fr-FR"/>
           </a:p>
@@ -7624,7 +6358,7 @@
             <a:fld id="{52EA62D5-502B-6246-986C-7F1DA3AA6C60}" type="datetime1">
               <a:rPr lang="fr-FR" smtClean="0"/>
               <a:pPr/>
-              <a:t>24/12/09</a:t>
+              <a:t>31/12/09</a:t>
             </a:fld>
             <a:endParaRPr lang="fr-FR"/>
           </a:p>
@@ -7716,7 +6450,7 @@
             <a:fld id="{8A43F226-8798-FB4E-9920-C90450151C74}" type="datetime1">
               <a:rPr lang="fr-FR" smtClean="0"/>
               <a:pPr/>
-              <a:t>24/12/09</a:t>
+              <a:t>31/12/09</a:t>
             </a:fld>
             <a:endParaRPr lang="fr-FR"/>
           </a:p>
@@ -7990,7 +6724,7 @@
             <a:fld id="{F3A22977-08BB-B542-B315-0A1A944980B8}" type="datetime1">
               <a:rPr lang="fr-FR" smtClean="0"/>
               <a:pPr/>
-              <a:t>24/12/09</a:t>
+              <a:t>31/12/09</a:t>
             </a:fld>
             <a:endParaRPr lang="fr-FR"/>
           </a:p>
@@ -8240,7 +6974,7 @@
             <a:fld id="{096F2F73-03B7-8F4F-B0B3-3EA33E3C8A3F}" type="datetime1">
               <a:rPr lang="fr-FR" smtClean="0"/>
               <a:pPr/>
-              <a:t>24/12/09</a:t>
+              <a:t>31/12/09</a:t>
             </a:fld>
             <a:endParaRPr lang="fr-FR"/>
           </a:p>
@@ -8450,7 +7184,7 @@
             <a:fld id="{C1D26DE3-065C-5345-9B04-A6BA04230672}" type="datetime1">
               <a:rPr lang="fr-FR" smtClean="0"/>
               <a:pPr/>
-              <a:t>24/12/09</a:t>
+              <a:t>31/12/09</a:t>
             </a:fld>
             <a:endParaRPr lang="fr-FR"/>
           </a:p>
@@ -34593,11 +33327,7 @@
             </a:r>
             <a:r>
               <a:rPr lang="fr-FR" sz="1200" dirty="0" smtClean="0"/>
-              <a:t>&gt;</a:t>
-            </a:r>
-            <a:r>
-              <a:rPr lang="fr-FR" sz="1200" dirty="0" smtClean="0"/>
-              <a:t>/</a:t>
+              <a:t>&gt;/</a:t>
             </a:r>
             <a:r>
               <a:rPr lang="fr-FR" sz="1200" dirty="0" err="1" smtClean="0"/>
@@ -34605,11 +33335,7 @@
             </a:r>
             <a:r>
               <a:rPr lang="fr-FR" sz="1200" dirty="0" smtClean="0"/>
-              <a:t>/</a:t>
-            </a:r>
-            <a:r>
-              <a:rPr lang="fr-FR" sz="1200" dirty="0" smtClean="0"/>
-              <a:t>network/interfaces&lt;/</a:t>
+              <a:t>/network/interfaces&lt;/</a:t>
             </a:r>
             <a:r>
               <a:rPr lang="fr-FR" sz="1200" dirty="0" err="1" smtClean="0"/>

--- a/yang-manager/reports/YangArchiCameraReady.pptx
+++ b/yang-manager/reports/YangArchiCameraReady.pptx
@@ -216,7 +216,7 @@
             <a:fld id="{69351470-D01B-924B-AB3C-0D4571B89327}" type="datetime1">
               <a:rPr lang="fr-FR" smtClean="0"/>
               <a:pPr/>
-              <a:t>31/12/09</a:t>
+              <a:t>5/01/10</a:t>
             </a:fld>
             <a:endParaRPr lang="fr-FR"/>
           </a:p>
@@ -379,7 +379,7 @@
             <a:fld id="{94DC8044-5188-1245-98C0-4935C45961F4}" type="datetime1">
               <a:rPr lang="fr-FR" smtClean="0"/>
               <a:pPr/>
-              <a:t>31/12/09</a:t>
+              <a:t>5/01/10</a:t>
             </a:fld>
             <a:endParaRPr lang="fr-FR"/>
           </a:p>
@@ -4250,14 +4250,7 @@
                 <a:latin typeface="Times New Roman"/>
                 <a:cs typeface="Times New Roman"/>
               </a:rPr>
-              <a:t> XML data until the first node of the Data Store and its forwarding to the client applet that is waiting for the response. The</a:t>
-            </a:r>
-            <a:r>
-              <a:rPr lang="en-US" sz="1000" baseline="0" noProof="0" dirty="0" smtClean="0">
-                <a:latin typeface="Times New Roman"/>
-                <a:cs typeface="Times New Roman"/>
-              </a:rPr>
-              <a:t> </a:t>
+              <a:t> XML data until the first node of the Data Store and its forwarding to the client applet that is waiting for the response. The </a:t>
             </a:r>
             <a:r>
               <a:rPr lang="fr-FR" sz="1000" baseline="0" noProof="0" smtClean="0">
@@ -4785,7 +4778,7 @@
             <a:fld id="{7F2B8709-3F46-DE42-BD3E-692D784503EE}" type="datetime1">
               <a:rPr lang="fr-FR" smtClean="0"/>
               <a:pPr/>
-              <a:t>31/12/09</a:t>
+              <a:t>5/01/10</a:t>
             </a:fld>
             <a:endParaRPr lang="fr-FR"/>
           </a:p>
@@ -4952,7 +4945,7 @@
             <a:fld id="{4EBEFD6C-C087-154D-B622-7C02A58805D5}" type="datetime1">
               <a:rPr lang="fr-FR" smtClean="0"/>
               <a:pPr/>
-              <a:t>31/12/09</a:t>
+              <a:t>5/01/10</a:t>
             </a:fld>
             <a:endParaRPr lang="fr-FR"/>
           </a:p>
@@ -5129,7 +5122,7 @@
             <a:fld id="{07D8C6FC-5D38-E240-8250-E4BC28BDE1B6}" type="datetime1">
               <a:rPr lang="fr-FR" smtClean="0"/>
               <a:pPr/>
-              <a:t>31/12/09</a:t>
+              <a:t>5/01/10</a:t>
             </a:fld>
             <a:endParaRPr lang="fr-FR"/>
           </a:p>
@@ -5296,7 +5289,7 @@
             <a:fld id="{4E2F6B51-FB45-C74D-A600-600DD287541D}" type="datetime1">
               <a:rPr lang="fr-FR" smtClean="0"/>
               <a:pPr/>
-              <a:t>31/12/09</a:t>
+              <a:t>5/01/10</a:t>
             </a:fld>
             <a:endParaRPr lang="fr-FR"/>
           </a:p>
@@ -5539,7 +5532,7 @@
             <a:fld id="{DFEE11C6-5005-A744-9B9D-B94478DE044A}" type="datetime1">
               <a:rPr lang="fr-FR" smtClean="0"/>
               <a:pPr/>
-              <a:t>31/12/09</a:t>
+              <a:t>5/01/10</a:t>
             </a:fld>
             <a:endParaRPr lang="fr-FR"/>
           </a:p>
@@ -5824,7 +5817,7 @@
             <a:fld id="{9202BA27-7F62-034A-AD65-AD2BE6700D12}" type="datetime1">
               <a:rPr lang="fr-FR" smtClean="0"/>
               <a:pPr/>
-              <a:t>31/12/09</a:t>
+              <a:t>5/01/10</a:t>
             </a:fld>
             <a:endParaRPr lang="fr-FR"/>
           </a:p>
@@ -6243,7 +6236,7 @@
             <a:fld id="{33C87D94-F7E6-1E43-8374-5AB40E5CD468}" type="datetime1">
               <a:rPr lang="fr-FR" smtClean="0"/>
               <a:pPr/>
-              <a:t>31/12/09</a:t>
+              <a:t>5/01/10</a:t>
             </a:fld>
             <a:endParaRPr lang="fr-FR"/>
           </a:p>
@@ -6358,7 +6351,7 @@
             <a:fld id="{52EA62D5-502B-6246-986C-7F1DA3AA6C60}" type="datetime1">
               <a:rPr lang="fr-FR" smtClean="0"/>
               <a:pPr/>
-              <a:t>31/12/09</a:t>
+              <a:t>5/01/10</a:t>
             </a:fld>
             <a:endParaRPr lang="fr-FR"/>
           </a:p>
@@ -6450,7 +6443,7 @@
             <a:fld id="{8A43F226-8798-FB4E-9920-C90450151C74}" type="datetime1">
               <a:rPr lang="fr-FR" smtClean="0"/>
               <a:pPr/>
-              <a:t>31/12/09</a:t>
+              <a:t>5/01/10</a:t>
             </a:fld>
             <a:endParaRPr lang="fr-FR"/>
           </a:p>
@@ -6724,7 +6717,7 @@
             <a:fld id="{F3A22977-08BB-B542-B315-0A1A944980B8}" type="datetime1">
               <a:rPr lang="fr-FR" smtClean="0"/>
               <a:pPr/>
-              <a:t>31/12/09</a:t>
+              <a:t>5/01/10</a:t>
             </a:fld>
             <a:endParaRPr lang="fr-FR"/>
           </a:p>
@@ -6974,7 +6967,7 @@
             <a:fld id="{096F2F73-03B7-8F4F-B0B3-3EA33E3C8A3F}" type="datetime1">
               <a:rPr lang="fr-FR" smtClean="0"/>
               <a:pPr/>
-              <a:t>31/12/09</a:t>
+              <a:t>5/01/10</a:t>
             </a:fld>
             <a:endParaRPr lang="fr-FR"/>
           </a:p>
@@ -7184,7 +7177,7 @@
             <a:fld id="{C1D26DE3-065C-5345-9B04-A6BA04230672}" type="datetime1">
               <a:rPr lang="fr-FR" smtClean="0"/>
               <a:pPr/>
-              <a:t>31/12/09</a:t>
+              <a:t>5/01/10</a:t>
             </a:fld>
             <a:endParaRPr lang="fr-FR"/>
           </a:p>
@@ -7604,75 +7597,121 @@
         <p:spPr/>
         <p:txBody>
           <a:bodyPr>
-            <a:normAutofit fontScale="85000" lnSpcReduction="20000"/>
+            <a:normAutofit fontScale="70000" lnSpcReduction="20000"/>
           </a:bodyPr>
           <a:lstStyle/>
           <a:p>
             <a:r>
-              <a:rPr lang="fr-FR" dirty="0" smtClean="0"/>
-              <a:t>A Yang </a:t>
-            </a:r>
-            <a:r>
-              <a:rPr lang="fr-FR" dirty="0" err="1" smtClean="0"/>
-              <a:t>Parser</a:t>
-            </a:r>
-            <a:r>
-              <a:rPr lang="fr-FR" dirty="0" smtClean="0"/>
-              <a:t> and Browser </a:t>
-            </a:r>
-            <a:r>
-              <a:rPr lang="fr-FR" dirty="0" err="1" smtClean="0"/>
-              <a:t>implementation</a:t>
-            </a:r>
-            <a:endParaRPr lang="fr-FR" dirty="0" smtClean="0"/>
-          </a:p>
-          <a:p>
-            <a:r>
-              <a:rPr lang="fr-FR" dirty="0" smtClean="0"/>
+              <a:rPr lang="en-GB" dirty="0" smtClean="0"/>
+              <a:t>A Yang Parser and Browser implementation on NETCONF</a:t>
+            </a:r>
+          </a:p>
+          <a:p>
+            <a:r>
+              <a:rPr lang="en-GB" dirty="0" smtClean="0"/>
               <a:t>E. Nataf, O. </a:t>
             </a:r>
             <a:r>
-              <a:rPr lang="fr-FR" dirty="0" err="1" smtClean="0"/>
+              <a:rPr lang="en-GB" dirty="0" err="1" smtClean="0"/>
               <a:t>Festor</a:t>
             </a:r>
-            <a:endParaRPr lang="fr-FR" dirty="0" smtClean="0"/>
-          </a:p>
-          <a:p>
-            <a:r>
-              <a:rPr lang="fr-FR" dirty="0" smtClean="0"/>
-              <a:t>Nancy </a:t>
-            </a:r>
-            <a:r>
-              <a:rPr lang="fr-FR" dirty="0" err="1" smtClean="0"/>
-              <a:t>University</a:t>
-            </a:r>
-            <a:r>
-              <a:rPr lang="fr-FR" dirty="0" smtClean="0"/>
-              <a:t>, </a:t>
-            </a:r>
-            <a:r>
-              <a:rPr lang="fr-FR" dirty="0" err="1" smtClean="0"/>
+            <a:endParaRPr lang="en-GB" dirty="0" smtClean="0"/>
+          </a:p>
+          <a:p>
+            <a:r>
+              <a:rPr lang="en-GB" dirty="0" smtClean="0"/>
+              <a:t>Nancy University, </a:t>
+            </a:r>
+            <a:r>
+              <a:rPr lang="en-GB" dirty="0" err="1" smtClean="0"/>
               <a:t>Madynes</a:t>
             </a:r>
             <a:r>
-              <a:rPr lang="fr-FR" dirty="0" smtClean="0"/>
-              <a:t> – INRIA </a:t>
-            </a:r>
-            <a:r>
-              <a:rPr lang="fr-FR" dirty="0" err="1" smtClean="0"/>
-              <a:t>project</a:t>
-            </a:r>
-            <a:endParaRPr lang="fr-FR" dirty="0" smtClean="0"/>
-          </a:p>
-          <a:p>
-            <a:r>
-              <a:rPr lang="fr-FR" dirty="0" err="1" smtClean="0"/>
+              <a:rPr lang="en-GB" dirty="0" smtClean="0"/>
+              <a:t> – INRIA project</a:t>
+            </a:r>
+          </a:p>
+          <a:p>
+            <a:r>
+              <a:rPr lang="en-GB" dirty="0" err="1" smtClean="0"/>
               <a:t>Loria</a:t>
             </a:r>
-            <a:endParaRPr lang="fr-FR" dirty="0"/>
+            <a:endParaRPr lang="en-GB" dirty="0"/>
           </a:p>
         </p:txBody>
       </p:sp>
+      <p:pic>
+        <p:nvPicPr>
+          <p:cNvPr id="4" name="Image 3" descr="loria.jpg"/>
+          <p:cNvPicPr>
+            <a:picLocks noChangeAspect="1"/>
+          </p:cNvPicPr>
+          <p:nvPr/>
+        </p:nvPicPr>
+        <p:blipFill>
+          <a:blip r:embed="rId3"/>
+          <a:stretch>
+            <a:fillRect/>
+          </a:stretch>
+        </p:blipFill>
+        <p:spPr>
+          <a:xfrm>
+            <a:off x="7924800" y="304800"/>
+            <a:ext cx="1714500" cy="1168400"/>
+          </a:xfrm>
+          <a:prstGeom prst="rect">
+            <a:avLst/>
+          </a:prstGeom>
+        </p:spPr>
+      </p:pic>
+      <p:pic>
+        <p:nvPicPr>
+          <p:cNvPr id="5" name="Image 4" descr="nancy2.jpg"/>
+          <p:cNvPicPr>
+            <a:picLocks noChangeAspect="1"/>
+          </p:cNvPicPr>
+          <p:nvPr/>
+        </p:nvPicPr>
+        <p:blipFill>
+          <a:blip r:embed="rId4"/>
+          <a:stretch>
+            <a:fillRect/>
+          </a:stretch>
+        </p:blipFill>
+        <p:spPr>
+          <a:xfrm>
+            <a:off x="381000" y="304800"/>
+            <a:ext cx="2247900" cy="990600"/>
+          </a:xfrm>
+          <a:prstGeom prst="rect">
+            <a:avLst/>
+          </a:prstGeom>
+        </p:spPr>
+      </p:pic>
+      <p:pic>
+        <p:nvPicPr>
+          <p:cNvPr id="7" name="Image 6" descr="inria2.jpg"/>
+          <p:cNvPicPr>
+            <a:picLocks noChangeAspect="1"/>
+          </p:cNvPicPr>
+          <p:nvPr/>
+        </p:nvPicPr>
+        <p:blipFill>
+          <a:blip r:embed="rId5"/>
+          <a:stretch>
+            <a:fillRect/>
+          </a:stretch>
+        </p:blipFill>
+        <p:spPr>
+          <a:xfrm>
+            <a:off x="3962400" y="304800"/>
+            <a:ext cx="1905000" cy="495300"/>
+          </a:xfrm>
+          <a:prstGeom prst="rect">
+            <a:avLst/>
+          </a:prstGeom>
+        </p:spPr>
+      </p:pic>
     </p:spTree>
   </p:cSld>
   <p:clrMapOvr>
@@ -15360,7 +15399,7 @@
         <p:spPr>
           <a:xfrm>
             <a:off x="152400" y="1574999"/>
-            <a:ext cx="2571550" cy="369332"/>
+            <a:ext cx="3876520" cy="369332"/>
           </a:xfrm>
           <a:prstGeom prst="rect">
             <a:avLst/>
@@ -15375,7 +15414,11 @@
           <a:p>
             <a:r>
               <a:rPr lang="en-US" dirty="0" smtClean="0"/>
-              <a:t>Configuration Application</a:t>
+              <a:t>Configuration</a:t>
+            </a:r>
+            <a:r>
+              <a:rPr lang="en-US" dirty="0" smtClean="0"/>
+              <a:t> Management Application</a:t>
             </a:r>
             <a:endParaRPr lang="en-US" dirty="0"/>
           </a:p>
@@ -15981,6 +16024,126 @@
               <a:t>Standard Configuration Management</a:t>
             </a:r>
             <a:endParaRPr lang="fr-FR" sz="2400" i="1" dirty="0"/>
+          </a:p>
+        </p:txBody>
+      </p:sp>
+      <p:sp>
+        <p:nvSpPr>
+          <p:cNvPr id="25" name="ZoneTexte 24"/>
+          <p:cNvSpPr txBox="1"/>
+          <p:nvPr/>
+        </p:nvSpPr>
+        <p:spPr>
+          <a:xfrm>
+            <a:off x="990600" y="1068055"/>
+            <a:ext cx="2774442" cy="369332"/>
+          </a:xfrm>
+          <a:prstGeom prst="rect">
+            <a:avLst/>
+          </a:prstGeom>
+          <a:noFill/>
+        </p:spPr>
+        <p:txBody>
+          <a:bodyPr wrap="none" rtlCol="0">
+            <a:spAutoFit/>
+          </a:bodyPr>
+          <a:lstStyle/>
+          <a:p>
+            <a:r>
+              <a:rPr lang="fr-FR" i="1" dirty="0" smtClean="0"/>
+              <a:t>IETF </a:t>
+            </a:r>
+            <a:r>
+              <a:rPr lang="fr-FR" i="1" dirty="0" err="1" smtClean="0"/>
+              <a:t>netconf</a:t>
+            </a:r>
+            <a:r>
+              <a:rPr lang="fr-FR" i="1" dirty="0" smtClean="0"/>
+              <a:t> &amp; </a:t>
+            </a:r>
+            <a:r>
+              <a:rPr lang="fr-FR" i="1" dirty="0" err="1" smtClean="0"/>
+              <a:t>netmod</a:t>
+            </a:r>
+            <a:r>
+              <a:rPr lang="fr-FR" i="1" dirty="0" smtClean="0"/>
+              <a:t> WG</a:t>
+            </a:r>
+            <a:endParaRPr lang="fr-FR" i="1" dirty="0"/>
+          </a:p>
+        </p:txBody>
+      </p:sp>
+      <p:sp>
+        <p:nvSpPr>
+          <p:cNvPr id="26" name="ZoneTexte 25"/>
+          <p:cNvSpPr txBox="1"/>
+          <p:nvPr/>
+        </p:nvSpPr>
+        <p:spPr>
+          <a:xfrm>
+            <a:off x="7099300" y="6033185"/>
+            <a:ext cx="1924250" cy="646331"/>
+          </a:xfrm>
+          <a:prstGeom prst="rect">
+            <a:avLst/>
+          </a:prstGeom>
+          <a:noFill/>
+        </p:spPr>
+        <p:txBody>
+          <a:bodyPr wrap="none" rtlCol="0">
+            <a:spAutoFit/>
+          </a:bodyPr>
+          <a:lstStyle/>
+          <a:p>
+            <a:r>
+              <a:rPr lang="fr-FR" dirty="0" smtClean="0"/>
+              <a:t>Configuration data</a:t>
+            </a:r>
+          </a:p>
+          <a:p>
+            <a:r>
+              <a:rPr lang="fr-FR" dirty="0" smtClean="0"/>
+              <a:t>State data</a:t>
+            </a:r>
+            <a:endParaRPr lang="fr-FR" dirty="0"/>
+          </a:p>
+        </p:txBody>
+      </p:sp>
+      <p:sp>
+        <p:nvSpPr>
+          <p:cNvPr id="27" name="Accolade ouvrante 26"/>
+          <p:cNvSpPr/>
+          <p:nvPr/>
+        </p:nvSpPr>
+        <p:spPr>
+          <a:xfrm>
+            <a:off x="6939725" y="6069233"/>
+            <a:ext cx="276814" cy="609712"/>
+          </a:xfrm>
+          <a:prstGeom prst="leftBrace">
+            <a:avLst/>
+          </a:prstGeom>
+        </p:spPr>
+        <p:style>
+          <a:lnRef idx="2">
+            <a:schemeClr val="accent1"/>
+          </a:lnRef>
+          <a:fillRef idx="0">
+            <a:schemeClr val="accent1"/>
+          </a:fillRef>
+          <a:effectRef idx="1">
+            <a:schemeClr val="accent1"/>
+          </a:effectRef>
+          <a:fontRef idx="minor">
+            <a:schemeClr val="tx1"/>
+          </a:fontRef>
+        </p:style>
+        <p:txBody>
+          <a:bodyPr rtlCol="0" anchor="ctr"/>
+          <a:lstStyle/>
+          <a:p>
+            <a:pPr algn="ctr"/>
+            <a:endParaRPr lang="fr-FR"/>
           </a:p>
         </p:txBody>
       </p:sp>

--- a/yang-manager/reports/YangArchiCameraReady.pptx
+++ b/yang-manager/reports/YangArchiCameraReady.pptx
@@ -216,7 +216,7 @@
             <a:fld id="{69351470-D01B-924B-AB3C-0D4571B89327}" type="datetime1">
               <a:rPr lang="fr-FR" smtClean="0"/>
               <a:pPr/>
-              <a:t>5/01/10</a:t>
+              <a:t>7/01/10</a:t>
             </a:fld>
             <a:endParaRPr lang="fr-FR"/>
           </a:p>
@@ -379,7 +379,7 @@
             <a:fld id="{94DC8044-5188-1245-98C0-4935C45961F4}" type="datetime1">
               <a:rPr lang="fr-FR" smtClean="0"/>
               <a:pPr/>
-              <a:t>5/01/10</a:t>
+              <a:t>7/01/10</a:t>
             </a:fld>
             <a:endParaRPr lang="fr-FR"/>
           </a:p>
@@ -721,7 +721,7 @@
                 <a:latin typeface="Times New Roman"/>
                 <a:cs typeface="Times New Roman"/>
               </a:rPr>
-              <a:t> are of increasing complexity and have to be configured to guarantee proper operation. Within the IETF, current efforts are focused on both a protocol and a data model definition language for configuration management. The NETCONF protocol describes the communication between devices to be configured and configuration applications. </a:t>
+              <a:t> are of increasing complexity and have to be configured properly to guarantee their operation. Within the IETF, current efforts are focused on both a protocol and a data model definition language for configuration management. The NETCONF protocol describes the communication between devices to be configured and configuration applications. </a:t>
             </a:r>
             <a:r>
               <a:rPr lang="fr-FR" sz="1000" baseline="0" noProof="0" dirty="0" smtClean="0">
@@ -775,7 +775,7 @@
                 <a:latin typeface="Times New Roman"/>
                 <a:cs typeface="Times New Roman"/>
               </a:rPr>
-              <a:t>We present in this paper the result of the integration of YANG and NETCONF in the ENSUITE open source framework. We illustrate this integration through a YANG-based configuration navigation and edition application that works with YANG-enabled devices.</a:t>
+              <a:t>We present in this paper the result of the integration of YANG and NETCONF in the ENSUITE open source framework. We illustrate this integration through a YANG-based navigation and edition application that works with YANG-enabled devices and interacts through NETCONF.</a:t>
             </a:r>
           </a:p>
           <a:p>
@@ -1625,14 +1625,14 @@
                 <a:latin typeface="Times New Roman"/>
                 <a:cs typeface="Times New Roman"/>
               </a:rPr>
-              <a:t>Configuration</a:t>
+              <a:t>The importance of configuration</a:t>
             </a:r>
             <a:r>
               <a:rPr lang="en-US" sz="1000" baseline="0" noProof="0" dirty="0" smtClean="0">
                 <a:latin typeface="Times New Roman"/>
                 <a:cs typeface="Times New Roman"/>
               </a:rPr>
-              <a:t> management importance is increasing with the growing size and the complexity of network resources and applications. In the Internet context, the </a:t>
+              <a:t> management is increasing with the growing size and the complexity of network resources and applications. In the Internet context, the </a:t>
             </a:r>
             <a:r>
               <a:rPr lang="en-US" sz="1000" baseline="0" noProof="0" dirty="0" err="1" smtClean="0">
@@ -1646,7 +1646,7 @@
                 <a:latin typeface="Times New Roman"/>
                 <a:cs typeface="Times New Roman"/>
               </a:rPr>
-              <a:t> working group has proposed the </a:t>
+              <a:t> working group has designed the </a:t>
             </a:r>
             <a:r>
               <a:rPr lang="fr-FR" sz="1000" baseline="0" noProof="0" dirty="0" smtClean="0">
@@ -1660,7 +1660,7 @@
                 <a:latin typeface="Times New Roman"/>
                 <a:cs typeface="Times New Roman"/>
               </a:rPr>
-              <a:t> protocol [1] as a standard to manage configuration of network devices. This protocol is tailored to configuration operation  i.e. setting and/or getting configuration data values to/from devices with an RPC mechanism. Data values are transmitted inside XML document. The standardization body acknowledges this should be improved by a data modeling language that will describes these data values. </a:t>
+              <a:t> protocol [1] as a standard to manage configuration of network devices. This protocol is tailored to configuration operation  i.e. setting and/or getting configuration data values to/from devices with an RPC mechanism. Data values are transmitted as XML documents. The standardization body acknowledges this should be improved by a data modeling language that will describes these data values. </a:t>
             </a:r>
           </a:p>
           <a:p>
@@ -1709,7 +1709,35 @@
                 <a:latin typeface="Times New Roman"/>
                 <a:cs typeface="Times New Roman"/>
               </a:rPr>
-              <a:t>When the data exchanged are XML formatted, it is usual to describe the hierarchy by XML Schema or Relax NG [5,6]. Even if these schema languages are powerful, standardization body choose to define by itself a language that it can control the evolutions and that is enough descriptive and more focused on configuration management.</a:t>
+              <a:t>Several specification languages exist to model XML document structure like XML Schema or </a:t>
+            </a:r>
+            <a:r>
+              <a:rPr lang="en-US" sz="1000" baseline="0" noProof="0" dirty="0" err="1" smtClean="0">
+                <a:latin typeface="Times New Roman"/>
+                <a:cs typeface="Times New Roman"/>
+              </a:rPr>
+              <a:t>RelaxNG</a:t>
+            </a:r>
+            <a:r>
+              <a:rPr lang="en-US" sz="1000" baseline="0" noProof="0" dirty="0" smtClean="0">
+                <a:latin typeface="Times New Roman"/>
+                <a:cs typeface="Times New Roman"/>
+              </a:rPr>
+              <a:t> [5,6]. Even if these schema languages are powerful, the </a:t>
+            </a:r>
+            <a:r>
+              <a:rPr lang="en-US" sz="1000" baseline="0" noProof="0" dirty="0" err="1" smtClean="0">
+                <a:latin typeface="Times New Roman"/>
+                <a:cs typeface="Times New Roman"/>
+              </a:rPr>
+              <a:t>netmod</a:t>
+            </a:r>
+            <a:r>
+              <a:rPr lang="en-US" sz="1000" baseline="0" noProof="0" dirty="0" smtClean="0">
+                <a:latin typeface="Times New Roman"/>
+                <a:cs typeface="Times New Roman"/>
+              </a:rPr>
+              <a:t> WG chose to define its own language that can control the evolutions and which is descriptive enough and more focused on configuration management.</a:t>
             </a:r>
           </a:p>
           <a:p>
@@ -1772,8 +1800,33 @@
                 <a:latin typeface="Times New Roman"/>
                 <a:cs typeface="Times New Roman"/>
               </a:rPr>
-              <a:t> working group. YANG can be compared to SMI [3] in the SNMP [4] framework because it is a data modeling language where data values are distributed and accessible through a protocol. In the same way, a YANG specification is a reference document used by device vendor and application developer. </a:t>
-            </a:r>
+              <a:t> working group. YANG can be compared to SMI [3] in the SNMP [4] framework because it is a data modeling language where data values are distributed and accessible through a protocol. In the same way, a YANG specification is a reference document used </a:t>
+            </a:r>
+            <a:r>
+              <a:rPr lang="en-US" sz="1000" baseline="0" noProof="0" smtClean="0">
+                <a:latin typeface="Times New Roman"/>
+                <a:cs typeface="Times New Roman"/>
+              </a:rPr>
+              <a:t>by device vendors </a:t>
+            </a:r>
+            <a:r>
+              <a:rPr lang="en-US" sz="1000" baseline="0" noProof="0" dirty="0" smtClean="0">
+                <a:latin typeface="Times New Roman"/>
+                <a:cs typeface="Times New Roman"/>
+              </a:rPr>
+              <a:t>and </a:t>
+            </a:r>
+            <a:r>
+              <a:rPr lang="en-US" sz="1000" baseline="0" noProof="0" smtClean="0">
+                <a:latin typeface="Times New Roman"/>
+                <a:cs typeface="Times New Roman"/>
+              </a:rPr>
+              <a:t>application developers. </a:t>
+            </a:r>
+            <a:endParaRPr lang="en-US" sz="1000" baseline="0" noProof="0" dirty="0" smtClean="0">
+              <a:latin typeface="Times New Roman"/>
+              <a:cs typeface="Times New Roman"/>
+            </a:endParaRPr>
           </a:p>
           <a:p>
             <a:pPr marL="0" marR="0" indent="0" algn="just" defTabSz="457200" rtl="0" eaLnBrk="1" fontAlgn="auto" latinLnBrk="0" hangingPunct="1">
@@ -2240,7 +2293,7 @@
                 <a:latin typeface="Times New Roman"/>
                 <a:cs typeface="Times New Roman"/>
               </a:rPr>
-              <a:t>Data models written with YANG describe hierarchical organization of configuration data. A YANG module is one data model related to a specific configuration purpose, as for example network configuration, or a generic, reusable, set of data models. The left part of the figure 3 shows a YANG module called network. A module must first defines its name space (line 2) that must be unique among all YANG models. If needed, a module can import other YANG models (line 3, the “</a:t>
+              <a:t>Data models written with YANG describe hierarchical organization of configuration data. A YANG module is one data model related to a specific configuration purpose, as for example network configuration, or a generic, reusable, set of data models. The left part of the figure shows a YANG module called network. A module must first defines its name space (line 2) that must be unique among all YANG models. If needed, a module can import other YANG models (line 3, the “</a:t>
             </a:r>
             <a:r>
               <a:rPr lang="en-US" sz="1000" b="0" i="0" baseline="0" dirty="0" err="1" smtClean="0">
@@ -2254,21 +2307,7 @@
                 <a:latin typeface="Times New Roman"/>
                 <a:cs typeface="Times New Roman"/>
               </a:rPr>
-              <a:t>-yang-types” reference is a YANG module [7] with useful types intended to be used by other modules). Not shown in the figure, a module can be split in several </a:t>
-            </a:r>
-            <a:r>
-              <a:rPr lang="en-US" sz="1000" b="0" i="0" baseline="0" dirty="0" err="1" smtClean="0">
-                <a:latin typeface="Times New Roman"/>
-                <a:cs typeface="Times New Roman"/>
-              </a:rPr>
-              <a:t>submodules</a:t>
-            </a:r>
-            <a:r>
-              <a:rPr lang="en-US" sz="1000" b="0" i="0" baseline="0" dirty="0" smtClean="0">
-                <a:latin typeface="Times New Roman"/>
-                <a:cs typeface="Times New Roman"/>
-              </a:rPr>
-              <a:t> if it seems to be too much complex or contains a mix of contrastive configuration data. </a:t>
+              <a:t>-yang-types” reference is a YANG module [7] with useful types intended to be used by other modules). </a:t>
             </a:r>
           </a:p>
           <a:p>
@@ -2327,7 +2366,7 @@
                 <a:latin typeface="Times New Roman"/>
                 <a:cs typeface="Times New Roman"/>
               </a:rPr>
-              <a:t> allows to add some constraints on its base type as the length of a string (line 6). Another construct that improves reusability is the “grouping” statement (line 8) that can be used, with an “use” statement at separate places (line 21 for example). </a:t>
+              <a:t> allows to add some constraints on its base type as the length of a string (line 6). Another construct that improves reusability is the “grouping” statement (line 8) that can be used, with a “use” statement at separate places (line 21 for example). </a:t>
             </a:r>
           </a:p>
           <a:p>
@@ -2344,21 +2383,21 @@
                 <a:latin typeface="Times New Roman"/>
                 <a:cs typeface="Times New Roman"/>
               </a:rPr>
-              <a:t>Data models are mainly expressed with the following statements that are called </a:t>
+              <a:t>Data models are mainly expressed with the following statements (called </a:t>
             </a:r>
             <a:r>
               <a:rPr lang="en-US" sz="1000" b="0" i="0" baseline="0" dirty="0" err="1" smtClean="0">
                 <a:latin typeface="Times New Roman"/>
                 <a:cs typeface="Times New Roman"/>
               </a:rPr>
-              <a:t>datadef</a:t>
+              <a:t>datadefs</a:t>
             </a:r>
             <a:r>
               <a:rPr lang="en-US" sz="1000" b="0" i="0" baseline="0" dirty="0" smtClean="0">
                 <a:latin typeface="Times New Roman"/>
                 <a:cs typeface="Times New Roman"/>
               </a:rPr>
-              <a:t> statement:</a:t>
+              <a:t>) :</a:t>
             </a:r>
           </a:p>
           <a:p>
@@ -2569,7 +2608,7 @@
                 <a:latin typeface="Times New Roman"/>
                 <a:cs typeface="Times New Roman"/>
               </a:rPr>
-              <a:t>The example shows two containers (lines 9 and 14) a list (line 15) and a choice (line 20).</a:t>
+              <a:t>The example shows two containers (lines 9 and 14), a list (line 15) and a choice (line 20).</a:t>
             </a:r>
           </a:p>
           <a:p>
@@ -2589,8 +2628,12 @@
                 <a:latin typeface="Times New Roman"/>
                 <a:cs typeface="Times New Roman"/>
               </a:rPr>
-              <a:t>The API we propose reflects YANG statements hierarchy. For each YANG statement we have a corresponding java class (see class diagram on the right part of the figure 3).  Each java object have getters methods to follow the tree of instances. About hundred java classes were necessaries to represent any YANG model.</a:t>
-            </a:r>
+              <a:t>The API we propose reflects the YANG statements hierarchy. For each YANG statement a corresponding java class is available (see class diagram on the right part of the figure).  Each java object has getter methods to follow the tree of instances. Hundred java classes were required to represent any YANG model.</a:t>
+            </a:r>
+            <a:endParaRPr lang="en-US" sz="1000" b="0" i="0" baseline="0" dirty="0" smtClean="0">
+              <a:latin typeface="Times New Roman"/>
+              <a:cs typeface="Times New Roman"/>
+            </a:endParaRPr>
           </a:p>
         </p:txBody>
       </p:sp>
@@ -4778,7 +4821,7 @@
             <a:fld id="{7F2B8709-3F46-DE42-BD3E-692D784503EE}" type="datetime1">
               <a:rPr lang="fr-FR" smtClean="0"/>
               <a:pPr/>
-              <a:t>5/01/10</a:t>
+              <a:t>7/01/10</a:t>
             </a:fld>
             <a:endParaRPr lang="fr-FR"/>
           </a:p>
@@ -4945,7 +4988,7 @@
             <a:fld id="{4EBEFD6C-C087-154D-B622-7C02A58805D5}" type="datetime1">
               <a:rPr lang="fr-FR" smtClean="0"/>
               <a:pPr/>
-              <a:t>5/01/10</a:t>
+              <a:t>7/01/10</a:t>
             </a:fld>
             <a:endParaRPr lang="fr-FR"/>
           </a:p>
@@ -5122,7 +5165,7 @@
             <a:fld id="{07D8C6FC-5D38-E240-8250-E4BC28BDE1B6}" type="datetime1">
               <a:rPr lang="fr-FR" smtClean="0"/>
               <a:pPr/>
-              <a:t>5/01/10</a:t>
+              <a:t>7/01/10</a:t>
             </a:fld>
             <a:endParaRPr lang="fr-FR"/>
           </a:p>
@@ -5289,7 +5332,7 @@
             <a:fld id="{4E2F6B51-FB45-C74D-A600-600DD287541D}" type="datetime1">
               <a:rPr lang="fr-FR" smtClean="0"/>
               <a:pPr/>
-              <a:t>5/01/10</a:t>
+              <a:t>7/01/10</a:t>
             </a:fld>
             <a:endParaRPr lang="fr-FR"/>
           </a:p>
@@ -5532,7 +5575,7 @@
             <a:fld id="{DFEE11C6-5005-A744-9B9D-B94478DE044A}" type="datetime1">
               <a:rPr lang="fr-FR" smtClean="0"/>
               <a:pPr/>
-              <a:t>5/01/10</a:t>
+              <a:t>7/01/10</a:t>
             </a:fld>
             <a:endParaRPr lang="fr-FR"/>
           </a:p>
@@ -5817,7 +5860,7 @@
             <a:fld id="{9202BA27-7F62-034A-AD65-AD2BE6700D12}" type="datetime1">
               <a:rPr lang="fr-FR" smtClean="0"/>
               <a:pPr/>
-              <a:t>5/01/10</a:t>
+              <a:t>7/01/10</a:t>
             </a:fld>
             <a:endParaRPr lang="fr-FR"/>
           </a:p>
@@ -6236,7 +6279,7 @@
             <a:fld id="{33C87D94-F7E6-1E43-8374-5AB40E5CD468}" type="datetime1">
               <a:rPr lang="fr-FR" smtClean="0"/>
               <a:pPr/>
-              <a:t>5/01/10</a:t>
+              <a:t>7/01/10</a:t>
             </a:fld>
             <a:endParaRPr lang="fr-FR"/>
           </a:p>
@@ -6351,7 +6394,7 @@
             <a:fld id="{52EA62D5-502B-6246-986C-7F1DA3AA6C60}" type="datetime1">
               <a:rPr lang="fr-FR" smtClean="0"/>
               <a:pPr/>
-              <a:t>5/01/10</a:t>
+              <a:t>7/01/10</a:t>
             </a:fld>
             <a:endParaRPr lang="fr-FR"/>
           </a:p>
@@ -6443,7 +6486,7 @@
             <a:fld id="{8A43F226-8798-FB4E-9920-C90450151C74}" type="datetime1">
               <a:rPr lang="fr-FR" smtClean="0"/>
               <a:pPr/>
-              <a:t>5/01/10</a:t>
+              <a:t>7/01/10</a:t>
             </a:fld>
             <a:endParaRPr lang="fr-FR"/>
           </a:p>
@@ -6717,7 +6760,7 @@
             <a:fld id="{F3A22977-08BB-B542-B315-0A1A944980B8}" type="datetime1">
               <a:rPr lang="fr-FR" smtClean="0"/>
               <a:pPr/>
-              <a:t>5/01/10</a:t>
+              <a:t>7/01/10</a:t>
             </a:fld>
             <a:endParaRPr lang="fr-FR"/>
           </a:p>
@@ -6967,7 +7010,7 @@
             <a:fld id="{096F2F73-03B7-8F4F-B0B3-3EA33E3C8A3F}" type="datetime1">
               <a:rPr lang="fr-FR" smtClean="0"/>
               <a:pPr/>
-              <a:t>5/01/10</a:t>
+              <a:t>7/01/10</a:t>
             </a:fld>
             <a:endParaRPr lang="fr-FR"/>
           </a:p>
@@ -7177,7 +7220,7 @@
             <a:fld id="{C1D26DE3-065C-5345-9B04-A6BA04230672}" type="datetime1">
               <a:rPr lang="fr-FR" smtClean="0"/>
               <a:pPr/>
-              <a:t>5/01/10</a:t>
+              <a:t>7/01/10</a:t>
             </a:fld>
             <a:endParaRPr lang="fr-FR"/>
           </a:p>
@@ -15286,7 +15329,7 @@
         <p:spPr>
           <a:xfrm>
             <a:off x="7120468" y="318700"/>
-            <a:ext cx="2189121" cy="646331"/>
+            <a:ext cx="2435395" cy="646331"/>
           </a:xfrm>
           <a:prstGeom prst="rect">
             <a:avLst/>
@@ -15307,15 +15350,24 @@
               <a:rPr lang="fr-FR" dirty="0" smtClean="0"/>
               <a:t> </a:t>
             </a:r>
-          </a:p>
-          <a:p>
             <a:r>
               <a:rPr lang="fr-FR" dirty="0" err="1" smtClean="0"/>
               <a:t>with</a:t>
             </a:r>
             <a:r>
               <a:rPr lang="fr-FR" dirty="0" smtClean="0"/>
-              <a:t> NETCONF server</a:t>
+              <a:t> </a:t>
+            </a:r>
+            <a:r>
+              <a:rPr lang="fr-FR" dirty="0" err="1" smtClean="0"/>
+              <a:t>embedded</a:t>
+            </a:r>
+            <a:endParaRPr lang="fr-FR" dirty="0" smtClean="0"/>
+          </a:p>
+          <a:p>
+            <a:r>
+              <a:rPr lang="fr-FR" dirty="0" smtClean="0"/>
+              <a:t>NETCONF servers </a:t>
             </a:r>
             <a:endParaRPr lang="fr-FR" dirty="0"/>
           </a:p>
@@ -15375,12 +15427,12 @@
           <a:p>
             <a:pPr algn="ctr"/>
             <a:r>
-              <a:rPr lang="fr-FR" dirty="0" err="1" smtClean="0">
+              <a:rPr lang="fr-FR" dirty="0" smtClean="0">
                 <a:solidFill>
                   <a:schemeClr val="tx1"/>
                 </a:solidFill>
               </a:rPr>
-              <a:t>Ref:Host</a:t>
+              <a:t>Host</a:t>
             </a:r>
             <a:endParaRPr lang="fr-FR" dirty="0">
               <a:solidFill>
@@ -15414,11 +15466,7 @@
           <a:p>
             <a:r>
               <a:rPr lang="en-US" dirty="0" smtClean="0"/>
-              <a:t>Configuration</a:t>
-            </a:r>
-            <a:r>
-              <a:rPr lang="en-US" dirty="0" smtClean="0"/>
-              <a:t> Management Application</a:t>
+              <a:t>Configuration Management Application</a:t>
             </a:r>
             <a:endParaRPr lang="en-US" dirty="0"/>
           </a:p>
@@ -15545,12 +15593,12 @@
           <a:p>
             <a:pPr algn="ctr"/>
             <a:r>
-              <a:rPr lang="fr-FR" dirty="0" err="1" smtClean="0">
+              <a:rPr lang="fr-FR" dirty="0" smtClean="0">
                 <a:solidFill>
                   <a:schemeClr val="tx1"/>
                 </a:solidFill>
               </a:rPr>
-              <a:t>Ref:Router</a:t>
+              <a:t>Router</a:t>
             </a:r>
             <a:endParaRPr lang="fr-FR" dirty="0">
               <a:solidFill>
@@ -15614,12 +15662,12 @@
           <a:p>
             <a:pPr algn="ctr"/>
             <a:r>
-              <a:rPr lang="fr-FR" dirty="0" err="1" smtClean="0">
+              <a:rPr lang="fr-FR" dirty="0" smtClean="0">
                 <a:solidFill>
                   <a:schemeClr val="tx1"/>
                 </a:solidFill>
               </a:rPr>
-              <a:t>Ref:Host</a:t>
+              <a:t>Host</a:t>
             </a:r>
             <a:endParaRPr lang="fr-FR" dirty="0">
               <a:solidFill>
@@ -15677,15 +15725,7 @@
                   <a:schemeClr val="tx1"/>
                 </a:solidFill>
               </a:rPr>
-              <a:t>Data Model </a:t>
-            </a:r>
-            <a:r>
-              <a:rPr lang="fr-FR" dirty="0" err="1" smtClean="0">
-                <a:solidFill>
-                  <a:schemeClr val="tx1"/>
-                </a:solidFill>
-              </a:rPr>
-              <a:t>Ref:Host</a:t>
+              <a:t>Data Model Host</a:t>
             </a:r>
             <a:endParaRPr lang="fr-FR" dirty="0">
               <a:solidFill>
@@ -15749,12 +15789,12 @@
           <a:p>
             <a:pPr algn="ctr"/>
             <a:r>
-              <a:rPr lang="fr-FR" dirty="0" err="1" smtClean="0">
+              <a:rPr lang="fr-FR" dirty="0" smtClean="0">
                 <a:solidFill>
                   <a:schemeClr val="tx1"/>
                 </a:solidFill>
               </a:rPr>
-              <a:t>Ref:Router</a:t>
+              <a:t>Router</a:t>
             </a:r>
             <a:endParaRPr lang="fr-FR" dirty="0">
               <a:solidFill>
@@ -15772,7 +15812,7 @@
         </p:nvSpPr>
         <p:spPr>
           <a:xfrm>
-            <a:off x="3952683" y="6050923"/>
+            <a:off x="2984415" y="6050923"/>
             <a:ext cx="933268" cy="610855"/>
           </a:xfrm>
           <a:prstGeom prst="foldedCorner">
@@ -15830,7 +15870,7 @@
         </p:nvSpPr>
         <p:spPr>
           <a:xfrm>
-            <a:off x="4885951" y="6107780"/>
+            <a:off x="3917683" y="6107780"/>
             <a:ext cx="1936535" cy="369332"/>
           </a:xfrm>
           <a:prstGeom prst="rect">
@@ -16081,7 +16121,7 @@
         </p:nvSpPr>
         <p:spPr>
           <a:xfrm>
-            <a:off x="7099300" y="6033185"/>
+            <a:off x="6131032" y="6033185"/>
             <a:ext cx="1924250" cy="646331"/>
           </a:xfrm>
           <a:prstGeom prst="rect">
@@ -16117,7 +16157,7 @@
         </p:nvSpPr>
         <p:spPr>
           <a:xfrm>
-            <a:off x="6939725" y="6069233"/>
+            <a:off x="5971457" y="6069233"/>
             <a:ext cx="276814" cy="609712"/>
           </a:xfrm>
           <a:prstGeom prst="leftBrace">
@@ -17786,15 +17826,7 @@
                   <a:schemeClr val="tx1"/>
                 </a:solidFill>
               </a:rPr>
-              <a:t>(2) </a:t>
-            </a:r>
-            <a:r>
-              <a:rPr lang="fr-FR" sz="1100" dirty="0" err="1" smtClean="0">
-                <a:solidFill>
-                  <a:schemeClr val="tx1"/>
-                </a:solidFill>
-              </a:rPr>
-              <a:t>namespace</a:t>
+              <a:t>(2) 		</a:t>
             </a:r>
             <a:r>
               <a:rPr lang="fr-FR" sz="1100" dirty="0" smtClean="0">
@@ -17802,7 +17834,7 @@
                   <a:schemeClr val="tx1"/>
                 </a:solidFill>
               </a:rPr>
-              <a:t> </a:t>
+              <a:t>namespace </a:t>
             </a:r>
           </a:p>
           <a:p>
@@ -18831,7 +18863,7 @@
           <a:p>
             <a:pPr algn="ctr"/>
             <a:r>
-              <a:rPr lang="fr-FR" sz="1200" dirty="0" err="1" smtClean="0">
+              <a:rPr lang="fr-FR" sz="1200" dirty="0" smtClean="0">
                 <a:solidFill>
                   <a:srgbClr val="000000"/>
                 </a:solidFill>
@@ -21027,7 +21059,7 @@
         <p:spPr>
           <a:xfrm>
             <a:off x="433414" y="163540"/>
-            <a:ext cx="2210974" cy="461665"/>
+            <a:ext cx="2885288" cy="461665"/>
           </a:xfrm>
           <a:prstGeom prst="rect">
             <a:avLst/>
@@ -21051,7 +21083,7 @@
           <a:p>
             <a:r>
               <a:rPr lang="en-US" sz="2400" i="1" dirty="0" smtClean="0"/>
-              <a:t>YANG Modeling</a:t>
+              <a:t>YANG Data Modeling</a:t>
             </a:r>
             <a:endParaRPr lang="en-US" sz="2400" i="1" dirty="0"/>
           </a:p>
@@ -33512,15 +33544,7 @@
           <a:p>
             <a:r>
               <a:rPr lang="fr-FR" sz="1200" dirty="0" smtClean="0"/>
-              <a:t>	&lt;</a:t>
-            </a:r>
-            <a:r>
-              <a:rPr lang="fr-FR" sz="1200" dirty="0" err="1" smtClean="0"/>
-              <a:t>namespace</a:t>
-            </a:r>
-            <a:r>
-              <a:rPr lang="fr-FR" sz="1200" dirty="0" smtClean="0"/>
-              <a:t> </a:t>
+              <a:t>	&lt;namespace </a:t>
             </a:r>
             <a:r>
               <a:rPr lang="fr-FR" sz="1200" dirty="0" err="1" smtClean="0"/>
@@ -33528,15 +33552,7 @@
             </a:r>
             <a:r>
               <a:rPr lang="fr-FR" sz="1200" dirty="0" smtClean="0"/>
-              <a:t>="ifs"&gt;urn:loria:madynes:ensuite:yencap:1.0:module:Interfaces:1.0&lt;/</a:t>
-            </a:r>
-            <a:r>
-              <a:rPr lang="fr-FR" sz="1200" dirty="0" err="1" smtClean="0"/>
-              <a:t>namespace</a:t>
-            </a:r>
-            <a:r>
-              <a:rPr lang="fr-FR" sz="1200" dirty="0" smtClean="0"/>
-              <a:t>&gt;</a:t>
+              <a:t>="ifs"&gt;urn:loria:madynes:ensuite:yencap:1.0:module:Interfaces:1.0&lt;/namespace&gt;</a:t>
             </a:r>
           </a:p>
           <a:p>

--- a/yang-manager/reports/YangArchiCameraReady.pptx
+++ b/yang-manager/reports/YangArchiCameraReady.pptx
@@ -216,7 +216,7 @@
             <a:fld id="{69351470-D01B-924B-AB3C-0D4571B89327}" type="datetime1">
               <a:rPr lang="fr-FR" smtClean="0"/>
               <a:pPr/>
-              <a:t>7/01/10</a:t>
+              <a:t>8/01/10</a:t>
             </a:fld>
             <a:endParaRPr lang="fr-FR"/>
           </a:p>
@@ -379,7 +379,7 @@
             <a:fld id="{94DC8044-5188-1245-98C0-4935C45961F4}" type="datetime1">
               <a:rPr lang="fr-FR" smtClean="0"/>
               <a:pPr/>
-              <a:t>7/01/10</a:t>
+              <a:t>8/01/10</a:t>
             </a:fld>
             <a:endParaRPr lang="fr-FR"/>
           </a:p>
@@ -2630,10 +2630,6 @@
               </a:rPr>
               <a:t>The API we propose reflects the YANG statements hierarchy. For each YANG statement a corresponding java class is available (see class diagram on the right part of the figure).  Each java object has getter methods to follow the tree of instances. Hundred java classes were required to represent any YANG model.</a:t>
             </a:r>
-            <a:endParaRPr lang="en-US" sz="1000" b="0" i="0" baseline="0" dirty="0" smtClean="0">
-              <a:latin typeface="Times New Roman"/>
-              <a:cs typeface="Times New Roman"/>
-            </a:endParaRPr>
           </a:p>
         </p:txBody>
       </p:sp>
@@ -2753,77 +2749,7 @@
                 <a:latin typeface="Times New Roman"/>
                 <a:cs typeface="Times New Roman"/>
               </a:rPr>
-              <a:t>. The parsing of one YANG data model generate other ones when a module imports or includes other module or </a:t>
-            </a:r>
-            <a:r>
-              <a:rPr lang="en-US" sz="1000" baseline="0" dirty="0" err="1" smtClean="0">
-                <a:latin typeface="Times New Roman"/>
-                <a:cs typeface="Times New Roman"/>
-              </a:rPr>
-              <a:t>submodule</a:t>
-            </a:r>
-            <a:r>
-              <a:rPr lang="en-US" sz="1000" baseline="0" dirty="0" smtClean="0">
-                <a:latin typeface="Times New Roman"/>
-                <a:cs typeface="Times New Roman"/>
-              </a:rPr>
-              <a:t>. On the example in the figure 4, the module </a:t>
-            </a:r>
-            <a:r>
-              <a:rPr lang="en-US" sz="1000" b="0" i="1" baseline="0" dirty="0" smtClean="0">
-                <a:latin typeface="Times New Roman"/>
-                <a:cs typeface="Times New Roman"/>
-              </a:rPr>
-              <a:t>a</a:t>
-            </a:r>
-            <a:r>
-              <a:rPr lang="en-US" sz="1000" baseline="0" dirty="0" smtClean="0">
-                <a:latin typeface="Times New Roman"/>
-                <a:cs typeface="Times New Roman"/>
-              </a:rPr>
-              <a:t> imports the module </a:t>
-            </a:r>
-            <a:r>
-              <a:rPr lang="en-US" sz="1000" b="0" i="1" baseline="0" dirty="0" err="1" smtClean="0">
-                <a:latin typeface="Times New Roman"/>
-                <a:cs typeface="Times New Roman"/>
-              </a:rPr>
-              <a:t>b</a:t>
-            </a:r>
-            <a:r>
-              <a:rPr lang="en-US" sz="1000" baseline="0" dirty="0" smtClean="0">
-                <a:latin typeface="Times New Roman"/>
-                <a:cs typeface="Times New Roman"/>
-              </a:rPr>
-              <a:t> and include the </a:t>
-            </a:r>
-            <a:r>
-              <a:rPr lang="en-US" sz="1000" baseline="0" dirty="0" err="1" smtClean="0">
-                <a:latin typeface="Times New Roman"/>
-                <a:cs typeface="Times New Roman"/>
-              </a:rPr>
-              <a:t>submodule</a:t>
-            </a:r>
-            <a:r>
-              <a:rPr lang="en-US" sz="1000" baseline="0" dirty="0" smtClean="0">
-                <a:latin typeface="Times New Roman"/>
-                <a:cs typeface="Times New Roman"/>
-              </a:rPr>
-              <a:t> </a:t>
-            </a:r>
-            <a:r>
-              <a:rPr lang="en-US" sz="1000" b="0" i="1" baseline="0" dirty="0" smtClean="0">
-                <a:latin typeface="Times New Roman"/>
-                <a:cs typeface="Times New Roman"/>
-              </a:rPr>
-              <a:t>sa1</a:t>
-            </a:r>
-            <a:r>
-              <a:rPr lang="en-US" sz="1000" baseline="0" dirty="0" smtClean="0">
-                <a:latin typeface="Times New Roman"/>
-                <a:cs typeface="Times New Roman"/>
-              </a:rPr>
-              <a:t>. Either the parsing finish with error listing or it produces  a java representation of the YANG data model.</a:t>
+              <a:t>. The parser supports multiple modules inclusion (part (1) of the figure).</a:t>
             </a:r>
           </a:p>
           <a:p>
@@ -2840,21 +2766,7 @@
                 <a:latin typeface="Times New Roman"/>
                 <a:cs typeface="Times New Roman"/>
               </a:rPr>
-              <a:t>Full syntax checking is done and some constraints are checked. YANG allows data modelers to express static constraints like default values or key indexing specification that can be checked at parsing time. Also when range number or string pattern defined for a type are modified by a new type (with the </a:t>
-            </a:r>
-            <a:r>
-              <a:rPr lang="en-US" sz="1000" baseline="0" dirty="0" err="1" smtClean="0">
-                <a:latin typeface="Times New Roman"/>
-                <a:cs typeface="Times New Roman"/>
-              </a:rPr>
-              <a:t>typedef</a:t>
-            </a:r>
-            <a:r>
-              <a:rPr lang="en-US" sz="1000" baseline="0" dirty="0" smtClean="0">
-                <a:latin typeface="Times New Roman"/>
-                <a:cs typeface="Times New Roman"/>
-              </a:rPr>
-              <a:t> statement). YANG allows dynamic constraints on the data value, as the conditional presence of data depending on other data values or hosting device capabilities, that obviously can not be checked at parsing time.</a:t>
+              <a:t>Full syntax checking is done and some constraints are checked. YANG allows data modelers to express static constraints like default values, key indexing or sub-typing that can be checked during the parsing phase. Also, YANG allows dynamic constraints on data values, like the conditional presence of data depending on other data values or hosting device capabilities, that obviously can not be checked at parsing time.</a:t>
             </a:r>
           </a:p>
           <a:p>
@@ -2871,7 +2783,7 @@
                 <a:latin typeface="Times New Roman"/>
                 <a:cs typeface="Times New Roman"/>
               </a:rPr>
-              <a:t>When no error are encountered the YANG data model is represented by what we call a </a:t>
+              <a:t>When no error is encountered the YANG data model is represented by the </a:t>
             </a:r>
             <a:r>
               <a:rPr lang="en-US" sz="1000" baseline="0" dirty="0" err="1" smtClean="0">
@@ -2885,7 +2797,7 @@
                 <a:latin typeface="Times New Roman"/>
                 <a:cs typeface="Times New Roman"/>
               </a:rPr>
-              <a:t>. This tree, build from java instances of classes shown in the figure 3, is an interpretation of YANG data model where only YANG statement describing data values are present. For example on</a:t>
+              <a:t> object. This tree, built from java instances, is an interpretation of YANG data model where only YANG statements describing data values are present. For example on</a:t>
             </a:r>
             <a:r>
               <a:rPr lang="fr-FR" sz="1000" baseline="0" dirty="0" smtClean="0">
@@ -2899,7 +2811,7 @@
                 <a:latin typeface="Times New Roman"/>
                 <a:cs typeface="Times New Roman"/>
               </a:rPr>
-              <a:t>he upper part of the figure 4, suppose the module </a:t>
+              <a:t>he part (2) of the figure, suppose the module </a:t>
             </a:r>
             <a:r>
               <a:rPr lang="en-US" sz="1000" b="0" i="1" kern="1200" baseline="0" dirty="0" err="1" smtClean="0">
@@ -2945,7 +2857,7 @@
                 <a:latin typeface="Times New Roman"/>
                 <a:cs typeface="Times New Roman"/>
               </a:rPr>
-              <a:t> reflects this by a tree with a full copy of all needed statements, we call </a:t>
+              <a:t> reflects this by a tree with a full copy of all needed statements, called </a:t>
             </a:r>
             <a:r>
               <a:rPr lang="en-US" sz="1000" b="0" i="1" baseline="0" dirty="0" err="1" smtClean="0">
@@ -2987,7 +2899,7 @@
                 <a:latin typeface="Times New Roman"/>
                 <a:cs typeface="Times New Roman"/>
               </a:rPr>
-              <a:t>’. In the same way, when there are choice statements in the YANG data model then all cases are represented. But this is not the true for type definition because a type is not a value but is used inside a statement. </a:t>
+              <a:t>’. In the same way, when there are choice statements in the YANG data model then all cases are represented. This is not the true for type definitions because a type is not a value. </a:t>
             </a:r>
             <a:r>
               <a:rPr lang="fr-FR" sz="1000" baseline="0" dirty="0" smtClean="0">
@@ -3067,7 +2979,7 @@
                 <a:latin typeface="Times New Roman"/>
                 <a:cs typeface="Times New Roman"/>
               </a:rPr>
-              <a:t> is used to match the YANG data tree with raw NETCONF XML data. The YANG data tree is the hierarchy of all configuration data values in a NETCONF server. The matching process take place in the configuration manager when receiving NETCONF responses. Note the right part of the figure 4 shows that the YANG data tree has more nodes than the </a:t>
+              <a:t> is used to match the YANG data tree with raw NETCONF XML data. The YANG data tree is the hierarchy of all configuration data values in a NETCONF server. The matching process takes place in the configuration manager when receiving NETCONF responses. The part (3) of the figure shows that the YANG data tree has more nodes than the </a:t>
             </a:r>
             <a:r>
               <a:rPr lang="en-US" sz="1000" baseline="0" dirty="0" err="1" smtClean="0">
@@ -3095,7 +3007,7 @@
                 <a:latin typeface="Times New Roman"/>
                 <a:cs typeface="Times New Roman"/>
               </a:rPr>
-              <a:t>his is the case when a YANG list (or leaf-list) is defined and when the YANG data tree has several entries (or values). At the opposite some data could be optional depending of the device itself, or when YANG data model has choice statements, then the YANG data tree will only have one case instantiated. </a:t>
+              <a:t>his is the case when a YANG list or leaf-list is defined and when the YANG data tree has several entries. At the opposite some data could be optional depending of the device itself, or when the YANG data model has choice statements. </a:t>
             </a:r>
           </a:p>
         </p:txBody>
@@ -3188,7 +3100,21 @@
                 <a:latin typeface="Times New Roman"/>
                 <a:cs typeface="Times New Roman"/>
               </a:rPr>
-              <a:t>server side. The bottom part of its architecture is an SSH layer to ensure security, session and connection-oriented communication as stated by the standard. The RPC layer implements the RPC mechanism with &lt;</a:t>
+              <a:t>server side.</a:t>
+            </a:r>
+            <a:r>
+              <a:rPr lang="en-US" sz="1000" baseline="0" dirty="0" smtClean="0">
+                <a:latin typeface="Times New Roman"/>
+                <a:cs typeface="Times New Roman"/>
+              </a:rPr>
+              <a:t> The </a:t>
+            </a:r>
+            <a:r>
+              <a:rPr lang="en-US" sz="1000" baseline="0" dirty="0" smtClean="0">
+                <a:latin typeface="Times New Roman"/>
+                <a:cs typeface="Times New Roman"/>
+              </a:rPr>
+              <a:t>bottom part of its architecture is an SSH layer. The RPC layer implements the RPC mechanism with &lt;</a:t>
             </a:r>
             <a:r>
               <a:rPr lang="en-US" sz="1000" baseline="0" dirty="0" err="1" smtClean="0">
@@ -3216,7 +3142,7 @@
                 <a:latin typeface="Times New Roman"/>
                 <a:cs typeface="Times New Roman"/>
               </a:rPr>
-              <a:t>-reply&gt; primitives that carries basic operations of the upper </a:t>
+              <a:t>-reply&gt; primitives that carry basic operations on top of </a:t>
             </a:r>
             <a:r>
               <a:rPr lang="fr-FR" sz="1000" baseline="0" dirty="0" smtClean="0">
@@ -3230,7 +3156,7 @@
                 <a:latin typeface="Times New Roman"/>
                 <a:cs typeface="Times New Roman"/>
               </a:rPr>
-              <a:t> operation layer as &lt;get&gt;, &lt;get-</a:t>
+              <a:t> operation layer like &lt;get&gt;, &lt;get-</a:t>
             </a:r>
             <a:r>
               <a:rPr lang="en-US" sz="1000" baseline="0" dirty="0" err="1" smtClean="0">
@@ -3244,7 +3170,7 @@
                 <a:latin typeface="Times New Roman"/>
                 <a:cs typeface="Times New Roman"/>
               </a:rPr>
-              <a:t>&gt; and &lt;edit-</a:t>
+              <a:t>&gt; or &lt;edit-</a:t>
             </a:r>
             <a:r>
               <a:rPr lang="en-US" sz="1000" baseline="0" dirty="0" err="1" smtClean="0">
@@ -3258,7 +3184,7 @@
                 <a:latin typeface="Times New Roman"/>
                 <a:cs typeface="Times New Roman"/>
               </a:rPr>
-              <a:t>&gt; (notification are planned). The Data store Manager layer entity is responsible for maintaining a virtual database of configuration (and state) data and provides a read / write access to these data (state data being read-only). The Data Store, illustrated in the figure 5, can be see as a global XML data tree where each module has its place.</a:t>
+              <a:t>&gt; (notifications are planned). The Data store Manager layer entity is responsible for maintaining a virtual database of configuration (and state) data and provides a read / write access to these data. The Data Store, illustrated in the figure, can be seen as a global XML data tree where each module has its place.</a:t>
             </a:r>
           </a:p>
           <a:p>
@@ -3275,7 +3201,21 @@
                 <a:latin typeface="Times New Roman"/>
                 <a:cs typeface="Times New Roman"/>
               </a:rPr>
-              <a:t>When bootstrapping,  the Data Store Manager looks for modules through a local configuration file and dynamically loads them. A module is a piece of code that accesses to specific configuration and state information with an interface compliant with </a:t>
+              <a:t>When bootstrapping,  the Data Store Manager looks for modules through a local configuration file and dynamically loads them. A module is a piece of code that accesses</a:t>
+            </a:r>
+            <a:r>
+              <a:rPr lang="en-US" sz="1000" baseline="0" dirty="0" smtClean="0">
+                <a:latin typeface="Times New Roman"/>
+                <a:cs typeface="Times New Roman"/>
+              </a:rPr>
+              <a:t> specific </a:t>
+            </a:r>
+            <a:r>
+              <a:rPr lang="en-US" sz="1000" baseline="0" dirty="0" smtClean="0">
+                <a:latin typeface="Times New Roman"/>
+                <a:cs typeface="Times New Roman"/>
+              </a:rPr>
+              <a:t>configuration and state information with an interface compliant with </a:t>
             </a:r>
             <a:r>
               <a:rPr lang="fr-FR" sz="1000" baseline="0" dirty="0" smtClean="0">
@@ -3289,10 +3229,34 @@
                 <a:latin typeface="Times New Roman"/>
                 <a:cs typeface="Times New Roman"/>
               </a:rPr>
-              <a:t> operations. For example there are modules for network interfaces, system, protocols like RIP or OLSR... </a:t>
-            </a:r>
-            <a:r>
-              <a:rPr lang="fr-FR" sz="1200" kern="1200" baseline="0" dirty="0" err="1" smtClean="0">
+              <a:t> operations. For example there are modules for network interfaces, system, protocols like RIP or OLSR..</a:t>
+            </a:r>
+            <a:r>
+              <a:rPr lang="en-US" sz="1000" baseline="0" dirty="0" smtClean="0">
+                <a:latin typeface="Times New Roman"/>
+                <a:cs typeface="Times New Roman"/>
+              </a:rPr>
+              <a:t>.</a:t>
+            </a:r>
+          </a:p>
+          <a:p>
+            <a:pPr algn="just"/>
+            <a:endParaRPr lang="en-US" sz="1000" baseline="0" dirty="0" smtClean="0">
+              <a:latin typeface="Times New Roman"/>
+              <a:cs typeface="Times New Roman"/>
+            </a:endParaRPr>
+          </a:p>
+          <a:p>
+            <a:pPr algn="just"/>
+            <a:r>
+              <a:rPr lang="en-US" sz="1000" baseline="0" dirty="0" smtClean="0">
+                <a:latin typeface="Times New Roman"/>
+                <a:cs typeface="Times New Roman"/>
+              </a:rPr>
+              <a:t> </a:t>
+            </a:r>
+            <a:r>
+              <a:rPr lang="en-US" sz="1200" kern="1200" baseline="0" noProof="0" dirty="0" smtClean="0">
                 <a:solidFill>
                   <a:schemeClr val="tx1"/>
                 </a:solidFill>
@@ -3300,10 +3264,10 @@
                 <a:ea typeface="+mn-ea"/>
                 <a:cs typeface="+mn-cs"/>
               </a:rPr>
-              <a:t>A</a:t>
-            </a:r>
-            <a:r>
-              <a:rPr lang="fr-FR" sz="1200" kern="1200" dirty="0" err="1" smtClean="0">
+              <a:t>Although </a:t>
+            </a:r>
+            <a:r>
+              <a:rPr lang="fr-FR" sz="1200" kern="1200" baseline="0" dirty="0" smtClean="0">
                 <a:solidFill>
                   <a:schemeClr val="tx1"/>
                 </a:solidFill>
@@ -3311,74 +3275,119 @@
                 <a:ea typeface="+mn-ea"/>
                 <a:cs typeface="+mn-cs"/>
               </a:rPr>
-              <a:t>lthough</a:t>
-            </a:r>
-            <a:r>
-              <a:rPr lang="fr-FR" sz="1200" kern="1200" dirty="0" smtClean="0">
-                <a:solidFill>
-                  <a:schemeClr val="tx1"/>
-                </a:solidFill>
-                <a:latin typeface="+mn-lt"/>
-                <a:ea typeface="+mn-ea"/>
-                <a:cs typeface="+mn-cs"/>
-              </a:rPr>
-              <a:t> </a:t>
+              <a:t>Y</a:t>
             </a:r>
             <a:r>
               <a:rPr lang="en-US" sz="1000" baseline="0" dirty="0" err="1" smtClean="0">
                 <a:latin typeface="Times New Roman"/>
                 <a:cs typeface="Times New Roman"/>
               </a:rPr>
-              <a:t>YencaP</a:t>
+              <a:t>encaP</a:t>
             </a:r>
             <a:r>
               <a:rPr lang="en-US" sz="1000" baseline="0" dirty="0" smtClean="0">
                 <a:latin typeface="Times New Roman"/>
                 <a:cs typeface="Times New Roman"/>
               </a:rPr>
-              <a:t> was written before YANG, the module concept of the former fits well with the YANG one. For each module, the configuration file contains some directives as for the interface module in the figure 5. The location of data </a:t>
+              <a:t> </a:t>
+            </a:r>
+            <a:r>
+              <a:rPr lang="en-US" sz="1000" baseline="0" dirty="0" smtClean="0">
+                <a:latin typeface="Times New Roman"/>
+                <a:cs typeface="Times New Roman"/>
+              </a:rPr>
+              <a:t>was written before YANG, the module concept of the former fits well with the YANG one.</a:t>
+            </a:r>
+            <a:r>
+              <a:rPr lang="en-US" sz="1000" baseline="0" dirty="0" smtClean="0">
+                <a:latin typeface="Times New Roman"/>
+                <a:cs typeface="Times New Roman"/>
+              </a:rPr>
+              <a:t>  For </a:t>
+            </a:r>
+            <a:r>
+              <a:rPr lang="en-US" sz="1000" baseline="0" dirty="0" smtClean="0">
+                <a:latin typeface="Times New Roman"/>
+                <a:cs typeface="Times New Roman"/>
+              </a:rPr>
+              <a:t>each module, the configuration file contains some directives as for the interface module in </a:t>
+            </a:r>
+            <a:r>
+              <a:rPr lang="en-US" sz="1000" baseline="0" dirty="0" smtClean="0">
+                <a:latin typeface="Times New Roman"/>
+                <a:cs typeface="Times New Roman"/>
+              </a:rPr>
+              <a:t>the part 2 of the figure. </a:t>
+            </a:r>
+            <a:r>
+              <a:rPr lang="en-US" sz="1000" baseline="0" dirty="0" smtClean="0">
+                <a:latin typeface="Times New Roman"/>
+                <a:cs typeface="Times New Roman"/>
+              </a:rPr>
+              <a:t>The location of data </a:t>
+            </a:r>
+            <a:r>
+              <a:rPr lang="en-US" sz="1000" baseline="0" dirty="0" smtClean="0">
+                <a:latin typeface="Times New Roman"/>
+                <a:cs typeface="Times New Roman"/>
+              </a:rPr>
+              <a:t>module </a:t>
+            </a:r>
+            <a:r>
+              <a:rPr lang="en-US" sz="1000" baseline="0" dirty="0" smtClean="0">
+                <a:latin typeface="Times New Roman"/>
+                <a:cs typeface="Times New Roman"/>
+              </a:rPr>
+              <a:t>in the Data Store by giving a path (an </a:t>
             </a:r>
             <a:r>
               <a:rPr lang="en-US" sz="1000" baseline="0" dirty="0" err="1" smtClean="0">
                 <a:latin typeface="Times New Roman"/>
                 <a:cs typeface="Times New Roman"/>
               </a:rPr>
-              <a:t>mocule</a:t>
+              <a:t>Xpath</a:t>
             </a:r>
             <a:r>
               <a:rPr lang="en-US" sz="1000" baseline="0" dirty="0" smtClean="0">
                 <a:latin typeface="Times New Roman"/>
                 <a:cs typeface="Times New Roman"/>
               </a:rPr>
-              <a:t> in the Data Store by giving a path (an </a:t>
+              <a:t> expression) </a:t>
+            </a:r>
+            <a:r>
+              <a:rPr lang="en-US" sz="1000" baseline="0" dirty="0" smtClean="0">
+                <a:latin typeface="Times New Roman"/>
+                <a:cs typeface="Times New Roman"/>
+              </a:rPr>
+              <a:t>from the root  &lt;</a:t>
             </a:r>
             <a:r>
               <a:rPr lang="en-US" sz="1000" baseline="0" dirty="0" err="1" smtClean="0">
                 <a:latin typeface="Times New Roman"/>
                 <a:cs typeface="Times New Roman"/>
               </a:rPr>
-              <a:t>Xpath</a:t>
+              <a:t>netconf</a:t>
             </a:r>
             <a:r>
               <a:rPr lang="en-US" sz="1000" baseline="0" dirty="0" smtClean="0">
                 <a:latin typeface="Times New Roman"/>
                 <a:cs typeface="Times New Roman"/>
               </a:rPr>
-              <a:t> expression) from the root  &lt;</a:t>
-            </a:r>
-            <a:r>
-              <a:rPr lang="en-US" sz="1000" baseline="0" dirty="0" err="1" smtClean="0">
-                <a:latin typeface="Times New Roman"/>
-                <a:cs typeface="Times New Roman"/>
-              </a:rPr>
-              <a:t>netconf</a:t>
+              <a:t>&gt; node to the root node of the module. For example</a:t>
             </a:r>
             <a:r>
               <a:rPr lang="en-US" sz="1000" baseline="0" dirty="0" smtClean="0">
                 <a:latin typeface="Times New Roman"/>
                 <a:cs typeface="Times New Roman"/>
               </a:rPr>
-              <a:t>&gt; node to the root node of the module. For example, the interfaces module is localized with the “/</a:t>
+              <a:t>, at the line 3, </a:t>
+            </a:r>
+            <a:r>
+              <a:rPr lang="en-US" sz="1000" baseline="0" dirty="0" smtClean="0">
+                <a:latin typeface="Times New Roman"/>
+                <a:cs typeface="Times New Roman"/>
+              </a:rPr>
+              <a:t>the interfaces module is localized with the “/</a:t>
             </a:r>
             <a:r>
               <a:rPr lang="fr-FR" sz="1000" baseline="0" dirty="0" err="1" smtClean="0">
@@ -3392,21 +3401,14 @@
                 <a:latin typeface="Times New Roman"/>
                 <a:cs typeface="Times New Roman"/>
               </a:rPr>
-              <a:t>/network/interfaces” expression and  it maintains data under the &lt;interfaces&gt; node. Thus, one part of the Data Store is managed by the Data Store Manager (light grey on </a:t>
-            </a:r>
-            <a:r>
-              <a:rPr lang="fr-FR" sz="1000" baseline="0" dirty="0" smtClean="0">
-                <a:latin typeface="Times New Roman"/>
-                <a:cs typeface="Times New Roman"/>
-              </a:rPr>
-              <a:t>figure </a:t>
+              <a:t>/network/interfaces” expression and  it maintains data under the &lt;interfaces&gt; node.</a:t>
             </a:r>
             <a:r>
               <a:rPr lang="en-US" sz="1000" baseline="0" dirty="0" smtClean="0">
                 <a:latin typeface="Times New Roman"/>
                 <a:cs typeface="Times New Roman"/>
               </a:rPr>
-              <a:t>5) and the other parts are managed by the modules (dark grey sub trees). This enables modularity of the server without increasing the complexity of the Data Store Manager.</a:t>
+              <a:t> </a:t>
             </a:r>
           </a:p>
           <a:p>
@@ -3423,7 +3425,14 @@
                 <a:latin typeface="Times New Roman"/>
                 <a:cs typeface="Times New Roman"/>
               </a:rPr>
-              <a:t>The format for the </a:t>
+              <a:t>The </a:t>
+            </a:r>
+            <a:r>
+              <a:rPr lang="en-US" sz="1000" baseline="0" dirty="0" smtClean="0">
+                <a:latin typeface="Times New Roman"/>
+                <a:cs typeface="Times New Roman"/>
+              </a:rPr>
+              <a:t>integration of YANG into </a:t>
             </a:r>
             <a:r>
               <a:rPr lang="en-US" sz="1000" baseline="0" dirty="0" err="1" smtClean="0">
@@ -3437,7 +3446,49 @@
                 <a:latin typeface="Times New Roman"/>
                 <a:cs typeface="Times New Roman"/>
               </a:rPr>
-              <a:t> configuration file is extensible through a &lt;parameters&gt; markup that contains &lt;parameter&gt; items with name and value attributes. The integration of YANG into </a:t>
+              <a:t> is made</a:t>
+            </a:r>
+            <a:r>
+              <a:rPr lang="en-US" sz="1000" baseline="0" dirty="0" smtClean="0">
+                <a:latin typeface="Times New Roman"/>
+                <a:cs typeface="Times New Roman"/>
+              </a:rPr>
+              <a:t> in the configuration file through </a:t>
+            </a:r>
+            <a:r>
+              <a:rPr lang="en-US" sz="1000" baseline="0" dirty="0" smtClean="0">
+                <a:latin typeface="Times New Roman"/>
+                <a:cs typeface="Times New Roman"/>
+              </a:rPr>
+              <a:t>the addition of a parameter with the “yang” name attribute and the module name </a:t>
+            </a:r>
+            <a:r>
+              <a:rPr lang="en-US" sz="1000" baseline="0" dirty="0" smtClean="0">
+                <a:latin typeface="Times New Roman"/>
+                <a:cs typeface="Times New Roman"/>
+              </a:rPr>
+              <a:t>as a </a:t>
+            </a:r>
+            <a:r>
+              <a:rPr lang="en-US" sz="1000" baseline="0" dirty="0" smtClean="0">
+                <a:latin typeface="Times New Roman"/>
+                <a:cs typeface="Times New Roman"/>
+              </a:rPr>
+              <a:t>value attribute </a:t>
+            </a:r>
+            <a:r>
+              <a:rPr lang="en-US" sz="1000" baseline="0" dirty="0" smtClean="0">
+                <a:latin typeface="Times New Roman"/>
+                <a:cs typeface="Times New Roman"/>
+              </a:rPr>
+              <a:t>(line 6)</a:t>
+            </a:r>
+            <a:r>
+              <a:rPr lang="en-US" sz="1000" baseline="0" dirty="0" smtClean="0">
+                <a:latin typeface="Times New Roman"/>
+                <a:cs typeface="Times New Roman"/>
+              </a:rPr>
+              <a:t>. For each module inside the </a:t>
             </a:r>
             <a:r>
               <a:rPr lang="en-US" sz="1000" baseline="0" dirty="0" err="1" smtClean="0">
@@ -3451,21 +3502,35 @@
                 <a:latin typeface="Times New Roman"/>
                 <a:cs typeface="Times New Roman"/>
               </a:rPr>
-              <a:t> is made through the addition of a parameter with the “yang” name attribute and the module name as value attribute (interface in the example). For each module inside the </a:t>
-            </a:r>
-            <a:r>
-              <a:rPr lang="en-US" sz="1000" baseline="0" dirty="0" err="1" smtClean="0">
-                <a:latin typeface="Times New Roman"/>
-                <a:cs typeface="Times New Roman"/>
-              </a:rPr>
-              <a:t>YencaP</a:t>
+              <a:t> server there is one and only one</a:t>
             </a:r>
             <a:r>
               <a:rPr lang="en-US" sz="1000" baseline="0" dirty="0" smtClean="0">
                 <a:latin typeface="Times New Roman"/>
                 <a:cs typeface="Times New Roman"/>
               </a:rPr>
-              <a:t> server there is one and only one YANG module. One can see on the figure that there is a &lt;namespace&gt; markup before the module parameters list. This name space is needed </a:t>
+              <a:t> associate YANG </a:t>
+            </a:r>
+            <a:r>
+              <a:rPr lang="en-US" sz="1000" baseline="0" dirty="0" smtClean="0">
+                <a:latin typeface="Times New Roman"/>
+                <a:cs typeface="Times New Roman"/>
+              </a:rPr>
+              <a:t>module. One can see on the figure that there is a &lt;namespace&gt; markup</a:t>
+            </a:r>
+            <a:r>
+              <a:rPr lang="en-US" sz="1000" baseline="0" dirty="0" smtClean="0">
+                <a:latin typeface="Times New Roman"/>
+                <a:cs typeface="Times New Roman"/>
+              </a:rPr>
+              <a:t> at line 4. </a:t>
+            </a:r>
+            <a:r>
+              <a:rPr lang="en-US" sz="1000" baseline="0" dirty="0" smtClean="0">
+                <a:latin typeface="Times New Roman"/>
+                <a:cs typeface="Times New Roman"/>
+              </a:rPr>
+              <a:t>This name space is needed </a:t>
             </a:r>
             <a:r>
               <a:rPr lang="en-US" sz="1000" baseline="0" noProof="0" dirty="0" smtClean="0">
@@ -3486,7 +3551,59 @@
                 <a:latin typeface="Times New Roman"/>
                 <a:cs typeface="Times New Roman"/>
               </a:rPr>
-              <a:t> requests to distinguish its XML naming. We choose that It must be the same as the one defined in the corresponding YANG module.</a:t>
+              <a:t> requests to distinguish its XML naming. We choose that</a:t>
+            </a:r>
+            <a:r>
+              <a:rPr lang="en-US" sz="1000" baseline="0" dirty="0" smtClean="0">
+                <a:latin typeface="Times New Roman"/>
+                <a:cs typeface="Times New Roman"/>
+              </a:rPr>
+              <a:t> it </a:t>
+            </a:r>
+            <a:r>
+              <a:rPr lang="en-US" sz="1000" baseline="0" dirty="0" smtClean="0">
+                <a:latin typeface="Times New Roman"/>
+                <a:cs typeface="Times New Roman"/>
+              </a:rPr>
+              <a:t>must be the same as the one defined in the corresponding YANG module</a:t>
+            </a:r>
+            <a:r>
+              <a:rPr lang="en-US" sz="1000" baseline="0" dirty="0" smtClean="0">
+                <a:latin typeface="Times New Roman"/>
+                <a:cs typeface="Times New Roman"/>
+              </a:rPr>
+              <a:t>.</a:t>
+            </a:r>
+          </a:p>
+          <a:p>
+            <a:pPr algn="just"/>
+            <a:endParaRPr lang="en-US" sz="1000" baseline="0" dirty="0" smtClean="0">
+              <a:latin typeface="Times New Roman"/>
+              <a:cs typeface="Times New Roman"/>
+            </a:endParaRPr>
+          </a:p>
+          <a:p>
+            <a:pPr algn="just"/>
+            <a:r>
+              <a:rPr lang="en-US" sz="1000" baseline="0" dirty="0" smtClean="0">
+                <a:latin typeface="Times New Roman"/>
+                <a:cs typeface="Times New Roman"/>
+              </a:rPr>
+              <a:t>Thus, one part of the Data Store is managed by the Data Store Manager (white on the </a:t>
+            </a:r>
+            <a:r>
+              <a:rPr lang="fr-FR" sz="1000" baseline="0" dirty="0" smtClean="0">
+                <a:latin typeface="Times New Roman"/>
+                <a:cs typeface="Times New Roman"/>
+              </a:rPr>
+              <a:t>figure</a:t>
+            </a:r>
+            <a:r>
+              <a:rPr lang="en-US" sz="1000" baseline="0" dirty="0" smtClean="0">
+                <a:latin typeface="Times New Roman"/>
+                <a:cs typeface="Times New Roman"/>
+              </a:rPr>
+              <a:t>) and the other parts are managed by the modules (black sub trees). This enables modularity of the server without increasing the complexity of the Data Store Manager.</a:t>
             </a:r>
             <a:endParaRPr lang="en-US" sz="1000" dirty="0">
               <a:latin typeface="Times New Roman"/>
@@ -3572,7 +3689,21 @@
                 <a:latin typeface="Times New Roman"/>
                 <a:cs typeface="Times New Roman"/>
               </a:rPr>
-              <a:t> Manager, on the center part in the figure 6, is an open source </a:t>
+              <a:t> Manager, on the center part in the </a:t>
+            </a:r>
+            <a:r>
+              <a:rPr lang="en-US" sz="1000" baseline="0" noProof="0" dirty="0" smtClean="0">
+                <a:latin typeface="Times New Roman"/>
+                <a:cs typeface="Times New Roman"/>
+              </a:rPr>
+              <a:t>figure, </a:t>
+            </a:r>
+            <a:r>
+              <a:rPr lang="en-US" sz="1000" baseline="0" noProof="0" dirty="0" smtClean="0">
+                <a:latin typeface="Times New Roman"/>
+                <a:cs typeface="Times New Roman"/>
+              </a:rPr>
+              <a:t>is an open source </a:t>
             </a:r>
             <a:r>
               <a:rPr lang="fr-FR" sz="1000" baseline="0" noProof="0" dirty="0" smtClean="0">
@@ -3707,7 +3838,21 @@
                 <a:latin typeface="Times New Roman"/>
                 <a:cs typeface="Times New Roman"/>
               </a:rPr>
-              <a:t>On the right part of the figure 6, we extends </a:t>
+              <a:t>On the right part of the </a:t>
+            </a:r>
+            <a:r>
+              <a:rPr lang="en-US" sz="1000" baseline="0" noProof="0" dirty="0" smtClean="0">
+                <a:latin typeface="Times New Roman"/>
+                <a:cs typeface="Times New Roman"/>
+              </a:rPr>
+              <a:t>figure, </a:t>
+            </a:r>
+            <a:r>
+              <a:rPr lang="en-US" sz="1000" baseline="0" noProof="0" dirty="0" smtClean="0">
+                <a:latin typeface="Times New Roman"/>
+                <a:cs typeface="Times New Roman"/>
+              </a:rPr>
+              <a:t>we extends </a:t>
             </a:r>
             <a:r>
               <a:rPr lang="en-US" sz="1000" baseline="0" noProof="0" dirty="0" err="1" smtClean="0">
@@ -3721,7 +3866,21 @@
                 <a:latin typeface="Times New Roman"/>
                 <a:cs typeface="Times New Roman"/>
               </a:rPr>
-              <a:t> to give it the possibility of announcing which YANG modules it implements as a capability in its standard hello message (together with version and revision information). This was easily realized with the information in the configuration file we show figure 5. On the </a:t>
+              <a:t> to give it the possibility of announcing which YANG modules it implements as a capability in its standard hello message (together with version and revision information). This was easily realized with the information in the configuration file</a:t>
+            </a:r>
+            <a:r>
+              <a:rPr lang="en-US" sz="1000" baseline="0" noProof="0" dirty="0" smtClean="0">
+                <a:latin typeface="Times New Roman"/>
+                <a:cs typeface="Times New Roman"/>
+              </a:rPr>
+              <a:t> shown in the previous figure </a:t>
+            </a:r>
+            <a:r>
+              <a:rPr lang="en-US" sz="1000" baseline="0" noProof="0" dirty="0" smtClean="0">
+                <a:latin typeface="Times New Roman"/>
+                <a:cs typeface="Times New Roman"/>
+              </a:rPr>
+              <a:t>5. On the </a:t>
             </a:r>
             <a:r>
               <a:rPr lang="en-US" sz="1000" baseline="0" noProof="0" dirty="0" err="1" smtClean="0">
@@ -3735,7 +3894,35 @@
                 <a:latin typeface="Times New Roman"/>
                 <a:cs typeface="Times New Roman"/>
               </a:rPr>
-              <a:t> Manager side, a YANG loader will be used when such a capability is detected. We do not constraint the </a:t>
+              <a:t> Manager side, a YANG loader</a:t>
+            </a:r>
+            <a:r>
+              <a:rPr lang="en-US" sz="1000" baseline="0" noProof="0" dirty="0" smtClean="0">
+                <a:latin typeface="Times New Roman"/>
+                <a:cs typeface="Times New Roman"/>
+              </a:rPr>
+              <a:t> is used </a:t>
+            </a:r>
+            <a:r>
+              <a:rPr lang="en-US" sz="1000" baseline="0" noProof="0" dirty="0" smtClean="0">
+                <a:latin typeface="Times New Roman"/>
+                <a:cs typeface="Times New Roman"/>
+              </a:rPr>
+              <a:t>when such a capability is detected. We do not </a:t>
+            </a:r>
+            <a:r>
+              <a:rPr lang="en-US" sz="1000" baseline="0" noProof="0" dirty="0" smtClean="0">
+                <a:latin typeface="Times New Roman"/>
+                <a:cs typeface="Times New Roman"/>
+              </a:rPr>
+              <a:t>constrain </a:t>
+            </a:r>
+            <a:r>
+              <a:rPr lang="en-US" sz="1000" baseline="0" noProof="0" dirty="0" smtClean="0">
+                <a:latin typeface="Times New Roman"/>
+                <a:cs typeface="Times New Roman"/>
+              </a:rPr>
+              <a:t>the </a:t>
             </a:r>
             <a:r>
               <a:rPr lang="en-US" sz="1000" baseline="0" noProof="0" dirty="0" err="1" smtClean="0">
@@ -3749,7 +3936,35 @@
                 <a:latin typeface="Times New Roman"/>
                 <a:cs typeface="Times New Roman"/>
               </a:rPr>
-              <a:t> Manager to only work with YANG but to accept servers that are YANG enabled or not. The YANG loader gets the specifications from an external repository and builds a specific </a:t>
+              <a:t> Manager to</a:t>
+            </a:r>
+            <a:r>
+              <a:rPr lang="en-US" sz="1000" baseline="0" noProof="0" dirty="0" smtClean="0">
+                <a:latin typeface="Times New Roman"/>
+                <a:cs typeface="Times New Roman"/>
+              </a:rPr>
+              <a:t> solely work </a:t>
+            </a:r>
+            <a:r>
+              <a:rPr lang="en-US" sz="1000" baseline="0" noProof="0" dirty="0" smtClean="0">
+                <a:latin typeface="Times New Roman"/>
+                <a:cs typeface="Times New Roman"/>
+              </a:rPr>
+              <a:t>with YANG but to accept servers that are YANG enabled or not. The YANG loader gets the </a:t>
+            </a:r>
+            <a:r>
+              <a:rPr lang="en-US" sz="1000" baseline="0" noProof="0" dirty="0" smtClean="0">
+                <a:latin typeface="Times New Roman"/>
+                <a:cs typeface="Times New Roman"/>
+              </a:rPr>
+              <a:t>specification </a:t>
+            </a:r>
+            <a:r>
+              <a:rPr lang="en-US" sz="1000" baseline="0" noProof="0" dirty="0" smtClean="0">
+                <a:latin typeface="Times New Roman"/>
+                <a:cs typeface="Times New Roman"/>
+              </a:rPr>
+              <a:t>from an external repository and builds a specific </a:t>
             </a:r>
             <a:r>
               <a:rPr lang="en-US" sz="1000" baseline="0" noProof="0" dirty="0" err="1" smtClean="0">
@@ -3777,7 +3992,14 @@
                 <a:latin typeface="Times New Roman"/>
                 <a:cs typeface="Times New Roman"/>
               </a:rPr>
-              <a:t> to dynamically parse YANG data model. We took this choice because we suppose the </a:t>
+              <a:t> to dynamically parse YANG data model. We</a:t>
+            </a:r>
+            <a:r>
+              <a:rPr lang="en-US" sz="1000" baseline="0" noProof="0" dirty="0" smtClean="0">
+                <a:latin typeface="Times New Roman"/>
+                <a:cs typeface="Times New Roman"/>
+              </a:rPr>
+              <a:t> assume that the </a:t>
             </a:r>
             <a:r>
               <a:rPr lang="en-US" sz="1000" baseline="0" noProof="0" dirty="0" err="1" smtClean="0">
@@ -3791,7 +4013,21 @@
                 <a:latin typeface="Times New Roman"/>
                 <a:cs typeface="Times New Roman"/>
               </a:rPr>
-              <a:t> Manager will discover servers without knowledge of their configuration and thus must be able to dynamically load and parse any YANG model. It is also necessary to create the root node in the </a:t>
+              <a:t> Manager</a:t>
+            </a:r>
+            <a:r>
+              <a:rPr lang="en-US" sz="1000" baseline="0" noProof="0" dirty="0" smtClean="0">
+                <a:latin typeface="Times New Roman"/>
+                <a:cs typeface="Times New Roman"/>
+              </a:rPr>
+              <a:t> discovers </a:t>
+            </a:r>
+            <a:r>
+              <a:rPr lang="en-US" sz="1000" baseline="0" noProof="0" dirty="0" smtClean="0">
+                <a:latin typeface="Times New Roman"/>
+                <a:cs typeface="Times New Roman"/>
+              </a:rPr>
+              <a:t>servers without knowledge of their configuration and thus must be able to dynamically load and parse any YANG model. It is also necessary to create the root node in the </a:t>
             </a:r>
             <a:r>
               <a:rPr lang="en-US" sz="1000" baseline="0" noProof="0" dirty="0" err="1" smtClean="0">
@@ -3840,7 +4076,21 @@
                 <a:latin typeface="Times New Roman"/>
                 <a:cs typeface="Times New Roman"/>
               </a:rPr>
-              <a:t> Manager as it should be  a global repository implemented  for example as a web service.</a:t>
+              <a:t> Manager as it should </a:t>
+            </a:r>
+            <a:r>
+              <a:rPr lang="en-US" sz="1000" baseline="0" noProof="0" dirty="0" smtClean="0">
+                <a:latin typeface="Times New Roman"/>
+                <a:cs typeface="Times New Roman"/>
+              </a:rPr>
+              <a:t>be </a:t>
+            </a:r>
+            <a:r>
+              <a:rPr lang="en-US" sz="1000" baseline="0" noProof="0" dirty="0" smtClean="0">
+                <a:latin typeface="Times New Roman"/>
+                <a:cs typeface="Times New Roman"/>
+              </a:rPr>
+              <a:t>a global repository implemented  for example as a web service.</a:t>
             </a:r>
           </a:p>
           <a:p>
@@ -3877,7 +4127,21 @@
                 <a:latin typeface="Times New Roman"/>
                 <a:cs typeface="Times New Roman"/>
               </a:rPr>
-              <a:t> for this server only (left part of the figure 6). The applet will be loaded by the web interface to provide the user with a graphical interface representing the configuration.</a:t>
+              <a:t> for this server only (left part of the </a:t>
+            </a:r>
+            <a:r>
+              <a:rPr lang="en-US" sz="1000" baseline="0" noProof="0" dirty="0" smtClean="0">
+                <a:latin typeface="Times New Roman"/>
+                <a:cs typeface="Times New Roman"/>
+              </a:rPr>
+              <a:t>figure)</a:t>
+            </a:r>
+            <a:r>
+              <a:rPr lang="en-US" sz="1000" baseline="0" noProof="0" dirty="0" smtClean="0">
+                <a:latin typeface="Times New Roman"/>
+                <a:cs typeface="Times New Roman"/>
+              </a:rPr>
+              <a:t>. The applet will be loaded by the web interface to provide the user with a graphical interface representing the configuration.</a:t>
             </a:r>
             <a:endParaRPr lang="en-US" sz="1000" noProof="0" dirty="0">
               <a:latin typeface="Times New Roman"/>
@@ -3946,7 +4210,21 @@
                 <a:latin typeface="Times New Roman"/>
                 <a:cs typeface="Times New Roman"/>
               </a:rPr>
-              <a:t>The figure 7 shows the applet part of the web</a:t>
+              <a:t>The figure</a:t>
+            </a:r>
+            <a:r>
+              <a:rPr lang="en-US" sz="1000" dirty="0" smtClean="0">
+                <a:latin typeface="Times New Roman"/>
+                <a:cs typeface="Times New Roman"/>
+              </a:rPr>
+              <a:t>  </a:t>
+            </a:r>
+            <a:r>
+              <a:rPr lang="en-US" sz="1000" dirty="0" smtClean="0">
+                <a:latin typeface="Times New Roman"/>
+                <a:cs typeface="Times New Roman"/>
+              </a:rPr>
+              <a:t>shows the applet part of the web</a:t>
             </a:r>
             <a:r>
               <a:rPr lang="en-US" sz="1000" baseline="0" dirty="0" smtClean="0">
@@ -3967,7 +4245,21 @@
                 <a:latin typeface="Times New Roman"/>
                 <a:cs typeface="Times New Roman"/>
               </a:rPr>
-              <a:t> interface). The tree view matches well with YANG because it defines a schema tree. Specific icons are used to distinct container, list, key or leaf nodes.</a:t>
+              <a:t> interface). The tree view matches well with YANG because it defines a schema tree. Specific icons are used to</a:t>
+            </a:r>
+            <a:r>
+              <a:rPr lang="en-US" sz="1000" baseline="0" dirty="0" smtClean="0">
+                <a:latin typeface="Times New Roman"/>
+                <a:cs typeface="Times New Roman"/>
+              </a:rPr>
+              <a:t> distinguish containers, lists, keys </a:t>
+            </a:r>
+            <a:r>
+              <a:rPr lang="en-US" sz="1000" baseline="0" dirty="0" smtClean="0">
+                <a:latin typeface="Times New Roman"/>
+                <a:cs typeface="Times New Roman"/>
+              </a:rPr>
+              <a:t>or leaf nodes.</a:t>
             </a:r>
           </a:p>
           <a:p>
@@ -3984,7 +4276,56 @@
                 <a:latin typeface="Times New Roman"/>
                 <a:cs typeface="Times New Roman"/>
               </a:rPr>
-              <a:t>When selecting a node, the lower part of the applet shows details of its YANG specification, as the type of a leaf and constraints such default value or range intervals. A leaf type is always at least of a built-in types (as string, int8,…) and can be refined by other types with added constraints or to use an existing useful type (as a </a:t>
+              <a:t>When selecting a node, the lower part of the applet shows details of its YANG specification, as the type of a leaf and constraints such</a:t>
+            </a:r>
+            <a:r>
+              <a:rPr lang="en-US" sz="1000" baseline="0" dirty="0" smtClean="0">
+                <a:latin typeface="Times New Roman"/>
+                <a:cs typeface="Times New Roman"/>
+              </a:rPr>
+              <a:t> as default </a:t>
+            </a:r>
+            <a:r>
+              <a:rPr lang="en-US" sz="1000" baseline="0" dirty="0" smtClean="0">
+                <a:latin typeface="Times New Roman"/>
+                <a:cs typeface="Times New Roman"/>
+              </a:rPr>
+              <a:t>value or range intervals. A leaf type is always at least of a built-in </a:t>
+            </a:r>
+            <a:r>
+              <a:rPr lang="en-US" sz="1000" baseline="0" dirty="0" smtClean="0">
+                <a:latin typeface="Times New Roman"/>
+                <a:cs typeface="Times New Roman"/>
+              </a:rPr>
+              <a:t>type (string</a:t>
+            </a:r>
+            <a:r>
+              <a:rPr lang="en-US" sz="1000" baseline="0" dirty="0" smtClean="0">
+                <a:latin typeface="Times New Roman"/>
+                <a:cs typeface="Times New Roman"/>
+              </a:rPr>
+              <a:t>, int8,…) and can be refined by other types with added </a:t>
+            </a:r>
+            <a:r>
+              <a:rPr lang="en-US" sz="1000" baseline="0" dirty="0" smtClean="0">
+                <a:latin typeface="Times New Roman"/>
+                <a:cs typeface="Times New Roman"/>
+              </a:rPr>
+              <a:t>constraints. It can also </a:t>
+            </a:r>
+            <a:r>
+              <a:rPr lang="en-US" sz="1000" baseline="0" dirty="0" smtClean="0">
+                <a:latin typeface="Times New Roman"/>
+                <a:cs typeface="Times New Roman"/>
+              </a:rPr>
+              <a:t>use an existing</a:t>
+            </a:r>
+            <a:r>
+              <a:rPr lang="en-US" sz="1000" baseline="0" dirty="0" smtClean="0">
+                <a:latin typeface="Times New Roman"/>
+                <a:cs typeface="Times New Roman"/>
+              </a:rPr>
+              <a:t> type (e.g. </a:t>
             </a:r>
             <a:r>
               <a:rPr lang="en-US" sz="1000" baseline="0" dirty="0" err="1" smtClean="0">
@@ -3998,7 +4339,14 @@
                 <a:latin typeface="Times New Roman"/>
                 <a:cs typeface="Times New Roman"/>
               </a:rPr>
-              <a:t>-address). This is the meaning of the “-” (or “+”) behind the name type. When “+” is set (by one mouse click on the “-”) then the built-in type is displayed.</a:t>
+              <a:t>-address).</a:t>
+            </a:r>
+            <a:r>
+              <a:rPr lang="en-US" sz="1000" baseline="0" dirty="0" smtClean="0">
+                <a:latin typeface="Times New Roman"/>
+                <a:cs typeface="Times New Roman"/>
+              </a:rPr>
+              <a:t> </a:t>
             </a:r>
           </a:p>
           <a:p>
@@ -4015,8 +4363,33 @@
                 <a:latin typeface="Times New Roman"/>
                 <a:cs typeface="Times New Roman"/>
               </a:rPr>
-              <a:t>This same applet is used in the following figures for sending request to the NETCONF device and receiving response. The matching of XML data with the YANG tree node is made at each response by the same applet.</a:t>
-            </a:r>
+              <a:t>This same applet is used in the following figures for sending </a:t>
+            </a:r>
+            <a:r>
+              <a:rPr lang="en-US" sz="1000" baseline="0" dirty="0" smtClean="0">
+                <a:latin typeface="Times New Roman"/>
+                <a:cs typeface="Times New Roman"/>
+              </a:rPr>
+              <a:t>requests </a:t>
+            </a:r>
+            <a:r>
+              <a:rPr lang="en-US" sz="1000" baseline="0" dirty="0" smtClean="0">
+                <a:latin typeface="Times New Roman"/>
+                <a:cs typeface="Times New Roman"/>
+              </a:rPr>
+              <a:t>to the NETCONF device and receiving response. The matching of XML data with the YANG tree node is made at each response by the same </a:t>
+            </a:r>
+            <a:r>
+              <a:rPr lang="en-US" sz="1000" baseline="0" dirty="0" smtClean="0">
+                <a:latin typeface="Times New Roman"/>
+                <a:cs typeface="Times New Roman"/>
+              </a:rPr>
+              <a:t>applets.</a:t>
+            </a:r>
+            <a:endParaRPr lang="en-US" sz="1000" baseline="0" dirty="0" smtClean="0">
+              <a:latin typeface="Times New Roman"/>
+              <a:cs typeface="Times New Roman"/>
+            </a:endParaRPr>
           </a:p>
           <a:p>
             <a:pPr algn="just"/>
@@ -4821,7 +5194,7 @@
             <a:fld id="{7F2B8709-3F46-DE42-BD3E-692D784503EE}" type="datetime1">
               <a:rPr lang="fr-FR" smtClean="0"/>
               <a:pPr/>
-              <a:t>7/01/10</a:t>
+              <a:t>8/01/10</a:t>
             </a:fld>
             <a:endParaRPr lang="fr-FR"/>
           </a:p>
@@ -4988,7 +5361,7 @@
             <a:fld id="{4EBEFD6C-C087-154D-B622-7C02A58805D5}" type="datetime1">
               <a:rPr lang="fr-FR" smtClean="0"/>
               <a:pPr/>
-              <a:t>7/01/10</a:t>
+              <a:t>8/01/10</a:t>
             </a:fld>
             <a:endParaRPr lang="fr-FR"/>
           </a:p>
@@ -5165,7 +5538,7 @@
             <a:fld id="{07D8C6FC-5D38-E240-8250-E4BC28BDE1B6}" type="datetime1">
               <a:rPr lang="fr-FR" smtClean="0"/>
               <a:pPr/>
-              <a:t>7/01/10</a:t>
+              <a:t>8/01/10</a:t>
             </a:fld>
             <a:endParaRPr lang="fr-FR"/>
           </a:p>
@@ -5332,7 +5705,7 @@
             <a:fld id="{4E2F6B51-FB45-C74D-A600-600DD287541D}" type="datetime1">
               <a:rPr lang="fr-FR" smtClean="0"/>
               <a:pPr/>
-              <a:t>7/01/10</a:t>
+              <a:t>8/01/10</a:t>
             </a:fld>
             <a:endParaRPr lang="fr-FR"/>
           </a:p>
@@ -5575,7 +5948,7 @@
             <a:fld id="{DFEE11C6-5005-A744-9B9D-B94478DE044A}" type="datetime1">
               <a:rPr lang="fr-FR" smtClean="0"/>
               <a:pPr/>
-              <a:t>7/01/10</a:t>
+              <a:t>8/01/10</a:t>
             </a:fld>
             <a:endParaRPr lang="fr-FR"/>
           </a:p>
@@ -5860,7 +6233,7 @@
             <a:fld id="{9202BA27-7F62-034A-AD65-AD2BE6700D12}" type="datetime1">
               <a:rPr lang="fr-FR" smtClean="0"/>
               <a:pPr/>
-              <a:t>7/01/10</a:t>
+              <a:t>8/01/10</a:t>
             </a:fld>
             <a:endParaRPr lang="fr-FR"/>
           </a:p>
@@ -6279,7 +6652,7 @@
             <a:fld id="{33C87D94-F7E6-1E43-8374-5AB40E5CD468}" type="datetime1">
               <a:rPr lang="fr-FR" smtClean="0"/>
               <a:pPr/>
-              <a:t>7/01/10</a:t>
+              <a:t>8/01/10</a:t>
             </a:fld>
             <a:endParaRPr lang="fr-FR"/>
           </a:p>
@@ -6394,7 +6767,7 @@
             <a:fld id="{52EA62D5-502B-6246-986C-7F1DA3AA6C60}" type="datetime1">
               <a:rPr lang="fr-FR" smtClean="0"/>
               <a:pPr/>
-              <a:t>7/01/10</a:t>
+              <a:t>8/01/10</a:t>
             </a:fld>
             <a:endParaRPr lang="fr-FR"/>
           </a:p>
@@ -6486,7 +6859,7 @@
             <a:fld id="{8A43F226-8798-FB4E-9920-C90450151C74}" type="datetime1">
               <a:rPr lang="fr-FR" smtClean="0"/>
               <a:pPr/>
-              <a:t>7/01/10</a:t>
+              <a:t>8/01/10</a:t>
             </a:fld>
             <a:endParaRPr lang="fr-FR"/>
           </a:p>
@@ -6760,7 +7133,7 @@
             <a:fld id="{F3A22977-08BB-B542-B315-0A1A944980B8}" type="datetime1">
               <a:rPr lang="fr-FR" smtClean="0"/>
               <a:pPr/>
-              <a:t>7/01/10</a:t>
+              <a:t>8/01/10</a:t>
             </a:fld>
             <a:endParaRPr lang="fr-FR"/>
           </a:p>
@@ -7010,7 +7383,7 @@
             <a:fld id="{096F2F73-03B7-8F4F-B0B3-3EA33E3C8A3F}" type="datetime1">
               <a:rPr lang="fr-FR" smtClean="0"/>
               <a:pPr/>
-              <a:t>7/01/10</a:t>
+              <a:t>8/01/10</a:t>
             </a:fld>
             <a:endParaRPr lang="fr-FR"/>
           </a:p>
@@ -7220,7 +7593,7 @@
             <a:fld id="{C1D26DE3-065C-5345-9B04-A6BA04230672}" type="datetime1">
               <a:rPr lang="fr-FR" smtClean="0"/>
               <a:pPr/>
-              <a:t>7/01/10</a:t>
+              <a:t>8/01/10</a:t>
             </a:fld>
             <a:endParaRPr lang="fr-FR"/>
           </a:p>
@@ -21121,1758 +21494,6 @@
           <a:chExt cx="0" cy="0"/>
         </a:xfrm>
       </p:grpSpPr>
-      <p:grpSp>
-        <p:nvGrpSpPr>
-          <p:cNvPr id="425" name="Grouper 424"/>
-          <p:cNvGrpSpPr/>
-          <p:nvPr/>
-        </p:nvGrpSpPr>
-        <p:grpSpPr>
-          <a:xfrm rot="293467">
-            <a:off x="8159190" y="2491753"/>
-            <a:ext cx="213663" cy="476774"/>
-            <a:chOff x="8382000" y="2327868"/>
-            <a:chExt cx="533402" cy="1182781"/>
-          </a:xfrm>
-        </p:grpSpPr>
-        <p:sp>
-          <p:nvSpPr>
-            <p:cNvPr id="426" name="Ellipse 425"/>
-            <p:cNvSpPr/>
-            <p:nvPr/>
-          </p:nvSpPr>
-          <p:spPr>
-            <a:xfrm>
-              <a:off x="8534401" y="2327868"/>
-              <a:ext cx="76200" cy="84042"/>
-            </a:xfrm>
-            <a:prstGeom prst="ellipse">
-              <a:avLst/>
-            </a:prstGeom>
-            <a:ln cap="flat" cmpd="sng" algn="ctr">
-              <a:solidFill>
-                <a:scrgbClr r="0" g="0" b="0"/>
-              </a:solidFill>
-              <a:prstDash val="sysDash"/>
-              <a:round/>
-              <a:headEnd type="none" w="med" len="med"/>
-              <a:tailEnd type="none" w="med" len="med"/>
-            </a:ln>
-          </p:spPr>
-          <p:style>
-            <a:lnRef idx="1">
-              <a:schemeClr val="accent1"/>
-            </a:lnRef>
-            <a:fillRef idx="3">
-              <a:schemeClr val="accent1"/>
-            </a:fillRef>
-            <a:effectRef idx="2">
-              <a:schemeClr val="accent1"/>
-            </a:effectRef>
-            <a:fontRef idx="minor">
-              <a:schemeClr val="lt1"/>
-            </a:fontRef>
-          </p:style>
-          <p:txBody>
-            <a:bodyPr rtlCol="0" anchor="ctr"/>
-            <a:lstStyle/>
-            <a:p>
-              <a:pPr algn="ctr"/>
-              <a:endParaRPr lang="en-US"/>
-            </a:p>
-          </p:txBody>
-        </p:sp>
-        <p:sp>
-          <p:nvSpPr>
-            <p:cNvPr id="427" name="Ellipse 426"/>
-            <p:cNvSpPr/>
-            <p:nvPr/>
-          </p:nvSpPr>
-          <p:spPr>
-            <a:xfrm>
-              <a:off x="8420101" y="2693184"/>
-              <a:ext cx="76200" cy="84042"/>
-            </a:xfrm>
-            <a:prstGeom prst="ellipse">
-              <a:avLst/>
-            </a:prstGeom>
-            <a:ln cap="flat" cmpd="sng" algn="ctr">
-              <a:solidFill>
-                <a:scrgbClr r="0" g="0" b="0"/>
-              </a:solidFill>
-              <a:prstDash val="sysDash"/>
-              <a:round/>
-              <a:headEnd type="none" w="med" len="med"/>
-              <a:tailEnd type="none" w="med" len="med"/>
-            </a:ln>
-          </p:spPr>
-          <p:style>
-            <a:lnRef idx="1">
-              <a:schemeClr val="accent1"/>
-            </a:lnRef>
-            <a:fillRef idx="3">
-              <a:schemeClr val="accent1"/>
-            </a:fillRef>
-            <a:effectRef idx="2">
-              <a:schemeClr val="accent1"/>
-            </a:effectRef>
-            <a:fontRef idx="minor">
-              <a:schemeClr val="lt1"/>
-            </a:fontRef>
-          </p:style>
-          <p:txBody>
-            <a:bodyPr rtlCol="0" anchor="ctr"/>
-            <a:lstStyle/>
-            <a:p>
-              <a:pPr algn="ctr"/>
-              <a:endParaRPr lang="en-US"/>
-            </a:p>
-          </p:txBody>
-        </p:sp>
-        <p:sp>
-          <p:nvSpPr>
-            <p:cNvPr id="428" name="Ellipse 427"/>
-            <p:cNvSpPr/>
-            <p:nvPr/>
-          </p:nvSpPr>
-          <p:spPr>
-            <a:xfrm>
-              <a:off x="8610601" y="2693184"/>
-              <a:ext cx="76200" cy="84042"/>
-            </a:xfrm>
-            <a:prstGeom prst="ellipse">
-              <a:avLst/>
-            </a:prstGeom>
-            <a:ln cap="flat" cmpd="sng" algn="ctr">
-              <a:solidFill>
-                <a:scrgbClr r="0" g="0" b="0"/>
-              </a:solidFill>
-              <a:prstDash val="sysDash"/>
-              <a:round/>
-              <a:headEnd type="none" w="med" len="med"/>
-              <a:tailEnd type="none" w="med" len="med"/>
-            </a:ln>
-          </p:spPr>
-          <p:style>
-            <a:lnRef idx="1">
-              <a:schemeClr val="accent1"/>
-            </a:lnRef>
-            <a:fillRef idx="3">
-              <a:schemeClr val="accent1"/>
-            </a:fillRef>
-            <a:effectRef idx="2">
-              <a:schemeClr val="accent1"/>
-            </a:effectRef>
-            <a:fontRef idx="minor">
-              <a:schemeClr val="lt1"/>
-            </a:fontRef>
-          </p:style>
-          <p:txBody>
-            <a:bodyPr rtlCol="0" anchor="ctr"/>
-            <a:lstStyle/>
-            <a:p>
-              <a:pPr algn="ctr"/>
-              <a:endParaRPr lang="en-US"/>
-            </a:p>
-          </p:txBody>
-        </p:sp>
-        <p:sp>
-          <p:nvSpPr>
-            <p:cNvPr id="429" name="Ellipse 428"/>
-            <p:cNvSpPr/>
-            <p:nvPr/>
-          </p:nvSpPr>
-          <p:spPr>
-            <a:xfrm>
-              <a:off x="8763001" y="2693184"/>
-              <a:ext cx="76200" cy="84042"/>
-            </a:xfrm>
-            <a:prstGeom prst="ellipse">
-              <a:avLst/>
-            </a:prstGeom>
-            <a:ln cap="flat" cmpd="sng" algn="ctr">
-              <a:solidFill>
-                <a:scrgbClr r="0" g="0" b="0"/>
-              </a:solidFill>
-              <a:prstDash val="sysDash"/>
-              <a:round/>
-              <a:headEnd type="none" w="med" len="med"/>
-              <a:tailEnd type="none" w="med" len="med"/>
-            </a:ln>
-          </p:spPr>
-          <p:style>
-            <a:lnRef idx="1">
-              <a:schemeClr val="accent1"/>
-            </a:lnRef>
-            <a:fillRef idx="3">
-              <a:schemeClr val="accent1"/>
-            </a:fillRef>
-            <a:effectRef idx="2">
-              <a:schemeClr val="accent1"/>
-            </a:effectRef>
-            <a:fontRef idx="minor">
-              <a:schemeClr val="lt1"/>
-            </a:fontRef>
-          </p:style>
-          <p:txBody>
-            <a:bodyPr rtlCol="0" anchor="ctr"/>
-            <a:lstStyle/>
-            <a:p>
-              <a:pPr algn="ctr"/>
-              <a:endParaRPr lang="en-US"/>
-            </a:p>
-          </p:txBody>
-        </p:sp>
-        <p:cxnSp>
-          <p:nvCxnSpPr>
-            <p:cNvPr id="430" name="Connecteur droit 429"/>
-            <p:cNvCxnSpPr>
-              <a:stCxn id="426" idx="4"/>
-              <a:endCxn id="427" idx="0"/>
-            </p:cNvCxnSpPr>
-            <p:nvPr/>
-          </p:nvCxnSpPr>
-          <p:spPr>
-            <a:xfrm rot="5400000">
-              <a:off x="8374714" y="2495397"/>
-              <a:ext cx="281274" cy="114300"/>
-            </a:xfrm>
-            <a:prstGeom prst="line">
-              <a:avLst/>
-            </a:prstGeom>
-            <a:ln w="12700" cap="flat" cmpd="sng" algn="ctr">
-              <a:solidFill>
-                <a:schemeClr val="accent1"/>
-              </a:solidFill>
-              <a:prstDash val="sysDash"/>
-              <a:round/>
-              <a:headEnd type="none" w="med" len="med"/>
-              <a:tailEnd type="none" w="med" len="med"/>
-            </a:ln>
-          </p:spPr>
-          <p:style>
-            <a:lnRef idx="2">
-              <a:schemeClr val="accent1"/>
-            </a:lnRef>
-            <a:fillRef idx="0">
-              <a:schemeClr val="accent1"/>
-            </a:fillRef>
-            <a:effectRef idx="1">
-              <a:schemeClr val="accent1"/>
-            </a:effectRef>
-            <a:fontRef idx="minor">
-              <a:schemeClr val="tx1"/>
-            </a:fontRef>
-          </p:style>
-        </p:cxnSp>
-        <p:cxnSp>
-          <p:nvCxnSpPr>
-            <p:cNvPr id="431" name="Connecteur droit 430"/>
-            <p:cNvCxnSpPr>
-              <a:stCxn id="426" idx="4"/>
-              <a:endCxn id="428" idx="0"/>
-            </p:cNvCxnSpPr>
-            <p:nvPr/>
-          </p:nvCxnSpPr>
-          <p:spPr>
-            <a:xfrm rot="16200000" flipH="1">
-              <a:off x="8469964" y="2514447"/>
-              <a:ext cx="281274" cy="76200"/>
-            </a:xfrm>
-            <a:prstGeom prst="line">
-              <a:avLst/>
-            </a:prstGeom>
-            <a:ln w="12700" cap="flat" cmpd="sng" algn="ctr">
-              <a:solidFill>
-                <a:schemeClr val="accent1"/>
-              </a:solidFill>
-              <a:prstDash val="sysDash"/>
-              <a:round/>
-              <a:headEnd type="none" w="med" len="med"/>
-              <a:tailEnd type="none" w="med" len="med"/>
-            </a:ln>
-          </p:spPr>
-          <p:style>
-            <a:lnRef idx="2">
-              <a:schemeClr val="accent1"/>
-            </a:lnRef>
-            <a:fillRef idx="0">
-              <a:schemeClr val="accent1"/>
-            </a:fillRef>
-            <a:effectRef idx="1">
-              <a:schemeClr val="accent1"/>
-            </a:effectRef>
-            <a:fontRef idx="minor">
-              <a:schemeClr val="tx1"/>
-            </a:fontRef>
-          </p:style>
-        </p:cxnSp>
-        <p:cxnSp>
-          <p:nvCxnSpPr>
-            <p:cNvPr id="432" name="Connecteur droit 431"/>
-            <p:cNvCxnSpPr>
-              <a:stCxn id="426" idx="4"/>
-              <a:endCxn id="429" idx="0"/>
-            </p:cNvCxnSpPr>
-            <p:nvPr/>
-          </p:nvCxnSpPr>
-          <p:spPr>
-            <a:xfrm rot="16200000" flipH="1">
-              <a:off x="8546164" y="2438247"/>
-              <a:ext cx="281274" cy="228600"/>
-            </a:xfrm>
-            <a:prstGeom prst="line">
-              <a:avLst/>
-            </a:prstGeom>
-            <a:ln w="12700" cap="flat" cmpd="sng" algn="ctr">
-              <a:solidFill>
-                <a:schemeClr val="accent1"/>
-              </a:solidFill>
-              <a:prstDash val="sysDash"/>
-              <a:round/>
-              <a:headEnd type="none" w="med" len="med"/>
-              <a:tailEnd type="none" w="med" len="med"/>
-            </a:ln>
-          </p:spPr>
-          <p:style>
-            <a:lnRef idx="2">
-              <a:schemeClr val="accent1"/>
-            </a:lnRef>
-            <a:fillRef idx="0">
-              <a:schemeClr val="accent1"/>
-            </a:fillRef>
-            <a:effectRef idx="1">
-              <a:schemeClr val="accent1"/>
-            </a:effectRef>
-            <a:fontRef idx="minor">
-              <a:schemeClr val="tx1"/>
-            </a:fontRef>
-          </p:style>
-        </p:cxnSp>
-        <p:sp>
-          <p:nvSpPr>
-            <p:cNvPr id="433" name="Ellipse 432"/>
-            <p:cNvSpPr/>
-            <p:nvPr/>
-          </p:nvSpPr>
-          <p:spPr>
-            <a:xfrm>
-              <a:off x="8420100" y="2695975"/>
-              <a:ext cx="76200" cy="84042"/>
-            </a:xfrm>
-            <a:prstGeom prst="ellipse">
-              <a:avLst/>
-            </a:prstGeom>
-            <a:solidFill>
-              <a:schemeClr val="accent3">
-                <a:lumMod val="75000"/>
-              </a:schemeClr>
-            </a:solidFill>
-            <a:ln cap="flat" cmpd="sng" algn="ctr">
-              <a:solidFill>
-                <a:srgbClr val="FF0000"/>
-              </a:solidFill>
-              <a:prstDash val="sysDash"/>
-              <a:round/>
-              <a:headEnd type="none" w="med" len="med"/>
-              <a:tailEnd type="none" w="med" len="med"/>
-            </a:ln>
-          </p:spPr>
-          <p:style>
-            <a:lnRef idx="1">
-              <a:schemeClr val="accent1"/>
-            </a:lnRef>
-            <a:fillRef idx="3">
-              <a:schemeClr val="accent1"/>
-            </a:fillRef>
-            <a:effectRef idx="2">
-              <a:schemeClr val="accent1"/>
-            </a:effectRef>
-            <a:fontRef idx="minor">
-              <a:schemeClr val="lt1"/>
-            </a:fontRef>
-          </p:style>
-          <p:txBody>
-            <a:bodyPr rtlCol="0" anchor="ctr"/>
-            <a:lstStyle/>
-            <a:p>
-              <a:pPr algn="ctr"/>
-              <a:endParaRPr lang="en-US"/>
-            </a:p>
-          </p:txBody>
-        </p:sp>
-        <p:sp>
-          <p:nvSpPr>
-            <p:cNvPr id="434" name="Ellipse 433"/>
-            <p:cNvSpPr/>
-            <p:nvPr/>
-          </p:nvSpPr>
-          <p:spPr>
-            <a:xfrm>
-              <a:off x="8496300" y="3061291"/>
-              <a:ext cx="76200" cy="84042"/>
-            </a:xfrm>
-            <a:prstGeom prst="ellipse">
-              <a:avLst/>
-            </a:prstGeom>
-            <a:solidFill>
-              <a:schemeClr val="accent3">
-                <a:lumMod val="75000"/>
-              </a:schemeClr>
-            </a:solidFill>
-            <a:ln cap="flat" cmpd="sng" algn="ctr">
-              <a:solidFill>
-                <a:srgbClr val="FF0000"/>
-              </a:solidFill>
-              <a:prstDash val="sysDash"/>
-              <a:round/>
-              <a:headEnd type="none" w="med" len="med"/>
-              <a:tailEnd type="none" w="med" len="med"/>
-            </a:ln>
-          </p:spPr>
-          <p:style>
-            <a:lnRef idx="1">
-              <a:schemeClr val="accent1"/>
-            </a:lnRef>
-            <a:fillRef idx="3">
-              <a:schemeClr val="accent1"/>
-            </a:fillRef>
-            <a:effectRef idx="2">
-              <a:schemeClr val="accent1"/>
-            </a:effectRef>
-            <a:fontRef idx="minor">
-              <a:schemeClr val="lt1"/>
-            </a:fontRef>
-          </p:style>
-          <p:txBody>
-            <a:bodyPr rtlCol="0" anchor="ctr"/>
-            <a:lstStyle/>
-            <a:p>
-              <a:pPr algn="ctr"/>
-              <a:endParaRPr lang="en-US"/>
-            </a:p>
-          </p:txBody>
-        </p:sp>
-        <p:cxnSp>
-          <p:nvCxnSpPr>
-            <p:cNvPr id="435" name="Connecteur droit 434"/>
-            <p:cNvCxnSpPr>
-              <a:stCxn id="433" idx="4"/>
-              <a:endCxn id="434" idx="0"/>
-            </p:cNvCxnSpPr>
-            <p:nvPr/>
-          </p:nvCxnSpPr>
-          <p:spPr>
-            <a:xfrm rot="16200000" flipH="1">
-              <a:off x="8355663" y="2882554"/>
-              <a:ext cx="281274" cy="76200"/>
-            </a:xfrm>
-            <a:prstGeom prst="line">
-              <a:avLst/>
-            </a:prstGeom>
-            <a:solidFill>
-              <a:schemeClr val="accent3">
-                <a:lumMod val="75000"/>
-              </a:schemeClr>
-            </a:solidFill>
-            <a:ln w="12700" cap="flat" cmpd="sng" algn="ctr">
-              <a:solidFill>
-                <a:srgbClr val="FF0000"/>
-              </a:solidFill>
-              <a:prstDash val="sysDash"/>
-              <a:round/>
-              <a:headEnd type="none" w="med" len="med"/>
-              <a:tailEnd type="none" w="med" len="med"/>
-            </a:ln>
-          </p:spPr>
-          <p:style>
-            <a:lnRef idx="2">
-              <a:schemeClr val="accent1"/>
-            </a:lnRef>
-            <a:fillRef idx="0">
-              <a:schemeClr val="accent1"/>
-            </a:fillRef>
-            <a:effectRef idx="1">
-              <a:schemeClr val="accent1"/>
-            </a:effectRef>
-            <a:fontRef idx="minor">
-              <a:schemeClr val="tx1"/>
-            </a:fontRef>
-          </p:style>
-        </p:cxnSp>
-        <p:sp>
-          <p:nvSpPr>
-            <p:cNvPr id="436" name="Ellipse 435"/>
-            <p:cNvSpPr/>
-            <p:nvPr/>
-          </p:nvSpPr>
-          <p:spPr>
-            <a:xfrm>
-              <a:off x="8382000" y="3426607"/>
-              <a:ext cx="76200" cy="84042"/>
-            </a:xfrm>
-            <a:prstGeom prst="ellipse">
-              <a:avLst/>
-            </a:prstGeom>
-            <a:solidFill>
-              <a:schemeClr val="accent3">
-                <a:lumMod val="75000"/>
-              </a:schemeClr>
-            </a:solidFill>
-            <a:ln cap="flat" cmpd="sng" algn="ctr">
-              <a:solidFill>
-                <a:srgbClr val="FF0000"/>
-              </a:solidFill>
-              <a:prstDash val="sysDash"/>
-              <a:round/>
-              <a:headEnd type="none" w="med" len="med"/>
-              <a:tailEnd type="none" w="med" len="med"/>
-            </a:ln>
-          </p:spPr>
-          <p:style>
-            <a:lnRef idx="1">
-              <a:schemeClr val="accent1"/>
-            </a:lnRef>
-            <a:fillRef idx="3">
-              <a:schemeClr val="accent1"/>
-            </a:fillRef>
-            <a:effectRef idx="2">
-              <a:schemeClr val="accent1"/>
-            </a:effectRef>
-            <a:fontRef idx="minor">
-              <a:schemeClr val="lt1"/>
-            </a:fontRef>
-          </p:style>
-          <p:txBody>
-            <a:bodyPr rtlCol="0" anchor="ctr"/>
-            <a:lstStyle/>
-            <a:p>
-              <a:pPr algn="ctr"/>
-              <a:endParaRPr lang="en-US"/>
-            </a:p>
-          </p:txBody>
-        </p:sp>
-        <p:sp>
-          <p:nvSpPr>
-            <p:cNvPr id="437" name="Ellipse 436"/>
-            <p:cNvSpPr/>
-            <p:nvPr/>
-          </p:nvSpPr>
-          <p:spPr>
-            <a:xfrm>
-              <a:off x="8724900" y="3426607"/>
-              <a:ext cx="76200" cy="84042"/>
-            </a:xfrm>
-            <a:prstGeom prst="ellipse">
-              <a:avLst/>
-            </a:prstGeom>
-            <a:solidFill>
-              <a:schemeClr val="accent3">
-                <a:lumMod val="75000"/>
-              </a:schemeClr>
-            </a:solidFill>
-            <a:ln cap="flat" cmpd="sng" algn="ctr">
-              <a:solidFill>
-                <a:srgbClr val="FF0000"/>
-              </a:solidFill>
-              <a:prstDash val="sysDash"/>
-              <a:round/>
-              <a:headEnd type="none" w="med" len="med"/>
-              <a:tailEnd type="none" w="med" len="med"/>
-            </a:ln>
-          </p:spPr>
-          <p:style>
-            <a:lnRef idx="1">
-              <a:schemeClr val="accent1"/>
-            </a:lnRef>
-            <a:fillRef idx="3">
-              <a:schemeClr val="accent1"/>
-            </a:fillRef>
-            <a:effectRef idx="2">
-              <a:schemeClr val="accent1"/>
-            </a:effectRef>
-            <a:fontRef idx="minor">
-              <a:schemeClr val="lt1"/>
-            </a:fontRef>
-          </p:style>
-          <p:txBody>
-            <a:bodyPr rtlCol="0" anchor="ctr"/>
-            <a:lstStyle/>
-            <a:p>
-              <a:pPr algn="ctr"/>
-              <a:endParaRPr lang="en-US"/>
-            </a:p>
-          </p:txBody>
-        </p:sp>
-        <p:cxnSp>
-          <p:nvCxnSpPr>
-            <p:cNvPr id="438" name="Connecteur droit 437"/>
-            <p:cNvCxnSpPr>
-              <a:stCxn id="434" idx="4"/>
-              <a:endCxn id="436" idx="0"/>
-            </p:cNvCxnSpPr>
-            <p:nvPr/>
-          </p:nvCxnSpPr>
-          <p:spPr>
-            <a:xfrm rot="5400000">
-              <a:off x="8336613" y="3228820"/>
-              <a:ext cx="281274" cy="114300"/>
-            </a:xfrm>
-            <a:prstGeom prst="line">
-              <a:avLst/>
-            </a:prstGeom>
-            <a:solidFill>
-              <a:schemeClr val="accent3">
-                <a:lumMod val="75000"/>
-              </a:schemeClr>
-            </a:solidFill>
-            <a:ln w="12700" cap="flat" cmpd="sng" algn="ctr">
-              <a:solidFill>
-                <a:srgbClr val="FF0000"/>
-              </a:solidFill>
-              <a:prstDash val="sysDash"/>
-              <a:round/>
-              <a:headEnd type="none" w="med" len="med"/>
-              <a:tailEnd type="none" w="med" len="med"/>
-            </a:ln>
-          </p:spPr>
-          <p:style>
-            <a:lnRef idx="2">
-              <a:schemeClr val="accent1"/>
-            </a:lnRef>
-            <a:fillRef idx="0">
-              <a:schemeClr val="accent1"/>
-            </a:fillRef>
-            <a:effectRef idx="1">
-              <a:schemeClr val="accent1"/>
-            </a:effectRef>
-            <a:fontRef idx="minor">
-              <a:schemeClr val="tx1"/>
-            </a:fontRef>
-          </p:style>
-        </p:cxnSp>
-        <p:cxnSp>
-          <p:nvCxnSpPr>
-            <p:cNvPr id="439" name="Connecteur droit 438"/>
-            <p:cNvCxnSpPr>
-              <a:stCxn id="434" idx="4"/>
-              <a:endCxn id="437" idx="0"/>
-            </p:cNvCxnSpPr>
-            <p:nvPr/>
-          </p:nvCxnSpPr>
-          <p:spPr>
-            <a:xfrm rot="16200000" flipH="1">
-              <a:off x="8508063" y="3171670"/>
-              <a:ext cx="281274" cy="228600"/>
-            </a:xfrm>
-            <a:prstGeom prst="line">
-              <a:avLst/>
-            </a:prstGeom>
-            <a:solidFill>
-              <a:schemeClr val="accent3">
-                <a:lumMod val="75000"/>
-              </a:schemeClr>
-            </a:solidFill>
-            <a:ln w="12700" cap="flat" cmpd="sng" algn="ctr">
-              <a:solidFill>
-                <a:srgbClr val="FF0000"/>
-              </a:solidFill>
-              <a:prstDash val="sysDash"/>
-              <a:round/>
-              <a:headEnd type="none" w="med" len="med"/>
-              <a:tailEnd type="none" w="med" len="med"/>
-            </a:ln>
-          </p:spPr>
-          <p:style>
-            <a:lnRef idx="2">
-              <a:schemeClr val="accent1"/>
-            </a:lnRef>
-            <a:fillRef idx="0">
-              <a:schemeClr val="accent1"/>
-            </a:fillRef>
-            <a:effectRef idx="1">
-              <a:schemeClr val="accent1"/>
-            </a:effectRef>
-            <a:fontRef idx="minor">
-              <a:schemeClr val="tx1"/>
-            </a:fontRef>
-          </p:style>
-        </p:cxnSp>
-        <p:sp>
-          <p:nvSpPr>
-            <p:cNvPr id="440" name="Ellipse 439"/>
-            <p:cNvSpPr/>
-            <p:nvPr/>
-          </p:nvSpPr>
-          <p:spPr>
-            <a:xfrm>
-              <a:off x="8801101" y="3060732"/>
-              <a:ext cx="76200" cy="84042"/>
-            </a:xfrm>
-            <a:prstGeom prst="ellipse">
-              <a:avLst/>
-            </a:prstGeom>
-            <a:solidFill>
-              <a:schemeClr val="accent3">
-                <a:lumMod val="75000"/>
-              </a:schemeClr>
-            </a:solidFill>
-            <a:ln cap="flat" cmpd="sng" algn="ctr">
-              <a:solidFill>
-                <a:srgbClr val="FF0000"/>
-              </a:solidFill>
-              <a:prstDash val="sysDash"/>
-              <a:round/>
-              <a:headEnd type="none" w="med" len="med"/>
-              <a:tailEnd type="none" w="med" len="med"/>
-            </a:ln>
-          </p:spPr>
-          <p:style>
-            <a:lnRef idx="1">
-              <a:schemeClr val="accent1"/>
-            </a:lnRef>
-            <a:fillRef idx="3">
-              <a:schemeClr val="accent1"/>
-            </a:fillRef>
-            <a:effectRef idx="2">
-              <a:schemeClr val="accent1"/>
-            </a:effectRef>
-            <a:fontRef idx="minor">
-              <a:schemeClr val="lt1"/>
-            </a:fontRef>
-          </p:style>
-          <p:txBody>
-            <a:bodyPr rtlCol="0" anchor="ctr"/>
-            <a:lstStyle/>
-            <a:p>
-              <a:pPr algn="ctr"/>
-              <a:endParaRPr lang="en-US"/>
-            </a:p>
-          </p:txBody>
-        </p:sp>
-        <p:cxnSp>
-          <p:nvCxnSpPr>
-            <p:cNvPr id="441" name="Connecteur droit 440"/>
-            <p:cNvCxnSpPr>
-              <a:stCxn id="433" idx="4"/>
-              <a:endCxn id="440" idx="0"/>
-            </p:cNvCxnSpPr>
-            <p:nvPr/>
-          </p:nvCxnSpPr>
-          <p:spPr>
-            <a:xfrm rot="16200000" flipH="1">
-              <a:off x="8508343" y="2729873"/>
-              <a:ext cx="280715" cy="381001"/>
-            </a:xfrm>
-            <a:prstGeom prst="line">
-              <a:avLst/>
-            </a:prstGeom>
-            <a:solidFill>
-              <a:schemeClr val="accent3">
-                <a:lumMod val="75000"/>
-              </a:schemeClr>
-            </a:solidFill>
-            <a:ln w="12700" cap="flat" cmpd="sng" algn="ctr">
-              <a:solidFill>
-                <a:srgbClr val="FF0000"/>
-              </a:solidFill>
-              <a:prstDash val="sysDash"/>
-              <a:round/>
-              <a:headEnd type="none" w="med" len="med"/>
-              <a:tailEnd type="none" w="med" len="med"/>
-            </a:ln>
-          </p:spPr>
-          <p:style>
-            <a:lnRef idx="2">
-              <a:schemeClr val="accent1"/>
-            </a:lnRef>
-            <a:fillRef idx="0">
-              <a:schemeClr val="accent1"/>
-            </a:fillRef>
-            <a:effectRef idx="1">
-              <a:schemeClr val="accent1"/>
-            </a:effectRef>
-            <a:fontRef idx="minor">
-              <a:schemeClr val="tx1"/>
-            </a:fontRef>
-          </p:style>
-        </p:cxnSp>
-        <p:sp>
-          <p:nvSpPr>
-            <p:cNvPr id="442" name="Ellipse 441"/>
-            <p:cNvSpPr/>
-            <p:nvPr/>
-          </p:nvSpPr>
-          <p:spPr>
-            <a:xfrm>
-              <a:off x="8839202" y="3426048"/>
-              <a:ext cx="76200" cy="84042"/>
-            </a:xfrm>
-            <a:prstGeom prst="ellipse">
-              <a:avLst/>
-            </a:prstGeom>
-            <a:solidFill>
-              <a:schemeClr val="accent3">
-                <a:lumMod val="75000"/>
-              </a:schemeClr>
-            </a:solidFill>
-            <a:ln cap="flat" cmpd="sng" algn="ctr">
-              <a:solidFill>
-                <a:srgbClr val="FF0000"/>
-              </a:solidFill>
-              <a:prstDash val="sysDash"/>
-              <a:round/>
-              <a:headEnd type="none" w="med" len="med"/>
-              <a:tailEnd type="none" w="med" len="med"/>
-            </a:ln>
-          </p:spPr>
-          <p:style>
-            <a:lnRef idx="1">
-              <a:schemeClr val="accent1"/>
-            </a:lnRef>
-            <a:fillRef idx="3">
-              <a:schemeClr val="accent1"/>
-            </a:fillRef>
-            <a:effectRef idx="2">
-              <a:schemeClr val="accent1"/>
-            </a:effectRef>
-            <a:fontRef idx="minor">
-              <a:schemeClr val="lt1"/>
-            </a:fontRef>
-          </p:style>
-          <p:txBody>
-            <a:bodyPr rtlCol="0" anchor="ctr"/>
-            <a:lstStyle/>
-            <a:p>
-              <a:pPr algn="ctr"/>
-              <a:endParaRPr lang="en-US"/>
-            </a:p>
-          </p:txBody>
-        </p:sp>
-        <p:cxnSp>
-          <p:nvCxnSpPr>
-            <p:cNvPr id="443" name="Connecteur droit 442"/>
-            <p:cNvCxnSpPr>
-              <a:stCxn id="440" idx="4"/>
-              <a:endCxn id="442" idx="0"/>
-            </p:cNvCxnSpPr>
-            <p:nvPr/>
-          </p:nvCxnSpPr>
-          <p:spPr>
-            <a:xfrm rot="16200000" flipH="1">
-              <a:off x="8717614" y="3266360"/>
-              <a:ext cx="281274" cy="38101"/>
-            </a:xfrm>
-            <a:prstGeom prst="line">
-              <a:avLst/>
-            </a:prstGeom>
-            <a:solidFill>
-              <a:schemeClr val="accent3">
-                <a:lumMod val="75000"/>
-              </a:schemeClr>
-            </a:solidFill>
-            <a:ln w="12700" cap="flat" cmpd="sng" algn="ctr">
-              <a:solidFill>
-                <a:srgbClr val="FF0000"/>
-              </a:solidFill>
-              <a:prstDash val="sysDash"/>
-              <a:round/>
-              <a:headEnd type="none" w="med" len="med"/>
-              <a:tailEnd type="none" w="med" len="med"/>
-            </a:ln>
-          </p:spPr>
-          <p:style>
-            <a:lnRef idx="2">
-              <a:schemeClr val="accent1"/>
-            </a:lnRef>
-            <a:fillRef idx="0">
-              <a:schemeClr val="accent1"/>
-            </a:fillRef>
-            <a:effectRef idx="1">
-              <a:schemeClr val="accent1"/>
-            </a:effectRef>
-            <a:fontRef idx="minor">
-              <a:schemeClr val="tx1"/>
-            </a:fontRef>
-          </p:style>
-        </p:cxnSp>
-      </p:grpSp>
-      <p:grpSp>
-        <p:nvGrpSpPr>
-          <p:cNvPr id="406" name="Grouper 405"/>
-          <p:cNvGrpSpPr/>
-          <p:nvPr/>
-        </p:nvGrpSpPr>
-        <p:grpSpPr>
-          <a:xfrm rot="212483">
-            <a:off x="8365567" y="2523363"/>
-            <a:ext cx="295021" cy="654188"/>
-            <a:chOff x="8382000" y="2327868"/>
-            <a:chExt cx="533402" cy="1182781"/>
-          </a:xfrm>
-        </p:grpSpPr>
-        <p:sp>
-          <p:nvSpPr>
-            <p:cNvPr id="407" name="Ellipse 406"/>
-            <p:cNvSpPr/>
-            <p:nvPr/>
-          </p:nvSpPr>
-          <p:spPr>
-            <a:xfrm>
-              <a:off x="8534401" y="2327868"/>
-              <a:ext cx="76200" cy="84042"/>
-            </a:xfrm>
-            <a:prstGeom prst="ellipse">
-              <a:avLst/>
-            </a:prstGeom>
-            <a:ln cap="flat" cmpd="sng" algn="ctr">
-              <a:solidFill>
-                <a:scrgbClr r="0" g="0" b="0"/>
-              </a:solidFill>
-              <a:prstDash val="sysDash"/>
-              <a:round/>
-              <a:headEnd type="none" w="med" len="med"/>
-              <a:tailEnd type="none" w="med" len="med"/>
-            </a:ln>
-          </p:spPr>
-          <p:style>
-            <a:lnRef idx="1">
-              <a:schemeClr val="accent1"/>
-            </a:lnRef>
-            <a:fillRef idx="3">
-              <a:schemeClr val="accent1"/>
-            </a:fillRef>
-            <a:effectRef idx="2">
-              <a:schemeClr val="accent1"/>
-            </a:effectRef>
-            <a:fontRef idx="minor">
-              <a:schemeClr val="lt1"/>
-            </a:fontRef>
-          </p:style>
-          <p:txBody>
-            <a:bodyPr rtlCol="0" anchor="ctr"/>
-            <a:lstStyle/>
-            <a:p>
-              <a:pPr algn="ctr"/>
-              <a:endParaRPr lang="en-US"/>
-            </a:p>
-          </p:txBody>
-        </p:sp>
-        <p:sp>
-          <p:nvSpPr>
-            <p:cNvPr id="408" name="Ellipse 407"/>
-            <p:cNvSpPr/>
-            <p:nvPr/>
-          </p:nvSpPr>
-          <p:spPr>
-            <a:xfrm>
-              <a:off x="8420101" y="2693184"/>
-              <a:ext cx="76200" cy="84042"/>
-            </a:xfrm>
-            <a:prstGeom prst="ellipse">
-              <a:avLst/>
-            </a:prstGeom>
-            <a:ln cap="flat" cmpd="sng" algn="ctr">
-              <a:solidFill>
-                <a:scrgbClr r="0" g="0" b="0"/>
-              </a:solidFill>
-              <a:prstDash val="sysDash"/>
-              <a:round/>
-              <a:headEnd type="none" w="med" len="med"/>
-              <a:tailEnd type="none" w="med" len="med"/>
-            </a:ln>
-          </p:spPr>
-          <p:style>
-            <a:lnRef idx="1">
-              <a:schemeClr val="accent1"/>
-            </a:lnRef>
-            <a:fillRef idx="3">
-              <a:schemeClr val="accent1"/>
-            </a:fillRef>
-            <a:effectRef idx="2">
-              <a:schemeClr val="accent1"/>
-            </a:effectRef>
-            <a:fontRef idx="minor">
-              <a:schemeClr val="lt1"/>
-            </a:fontRef>
-          </p:style>
-          <p:txBody>
-            <a:bodyPr rtlCol="0" anchor="ctr"/>
-            <a:lstStyle/>
-            <a:p>
-              <a:pPr algn="ctr"/>
-              <a:endParaRPr lang="en-US"/>
-            </a:p>
-          </p:txBody>
-        </p:sp>
-        <p:sp>
-          <p:nvSpPr>
-            <p:cNvPr id="409" name="Ellipse 408"/>
-            <p:cNvSpPr/>
-            <p:nvPr/>
-          </p:nvSpPr>
-          <p:spPr>
-            <a:xfrm>
-              <a:off x="8610601" y="2693184"/>
-              <a:ext cx="76200" cy="84042"/>
-            </a:xfrm>
-            <a:prstGeom prst="ellipse">
-              <a:avLst/>
-            </a:prstGeom>
-            <a:ln cap="flat" cmpd="sng" algn="ctr">
-              <a:solidFill>
-                <a:scrgbClr r="0" g="0" b="0"/>
-              </a:solidFill>
-              <a:prstDash val="sysDash"/>
-              <a:round/>
-              <a:headEnd type="none" w="med" len="med"/>
-              <a:tailEnd type="none" w="med" len="med"/>
-            </a:ln>
-          </p:spPr>
-          <p:style>
-            <a:lnRef idx="1">
-              <a:schemeClr val="accent1"/>
-            </a:lnRef>
-            <a:fillRef idx="3">
-              <a:schemeClr val="accent1"/>
-            </a:fillRef>
-            <a:effectRef idx="2">
-              <a:schemeClr val="accent1"/>
-            </a:effectRef>
-            <a:fontRef idx="minor">
-              <a:schemeClr val="lt1"/>
-            </a:fontRef>
-          </p:style>
-          <p:txBody>
-            <a:bodyPr rtlCol="0" anchor="ctr"/>
-            <a:lstStyle/>
-            <a:p>
-              <a:pPr algn="ctr"/>
-              <a:endParaRPr lang="en-US"/>
-            </a:p>
-          </p:txBody>
-        </p:sp>
-        <p:sp>
-          <p:nvSpPr>
-            <p:cNvPr id="410" name="Ellipse 409"/>
-            <p:cNvSpPr/>
-            <p:nvPr/>
-          </p:nvSpPr>
-          <p:spPr>
-            <a:xfrm>
-              <a:off x="8763001" y="2693184"/>
-              <a:ext cx="76200" cy="84042"/>
-            </a:xfrm>
-            <a:prstGeom prst="ellipse">
-              <a:avLst/>
-            </a:prstGeom>
-            <a:ln cap="flat" cmpd="sng" algn="ctr">
-              <a:solidFill>
-                <a:scrgbClr r="0" g="0" b="0"/>
-              </a:solidFill>
-              <a:prstDash val="sysDash"/>
-              <a:round/>
-              <a:headEnd type="none" w="med" len="med"/>
-              <a:tailEnd type="none" w="med" len="med"/>
-            </a:ln>
-          </p:spPr>
-          <p:style>
-            <a:lnRef idx="1">
-              <a:schemeClr val="accent1"/>
-            </a:lnRef>
-            <a:fillRef idx="3">
-              <a:schemeClr val="accent1"/>
-            </a:fillRef>
-            <a:effectRef idx="2">
-              <a:schemeClr val="accent1"/>
-            </a:effectRef>
-            <a:fontRef idx="minor">
-              <a:schemeClr val="lt1"/>
-            </a:fontRef>
-          </p:style>
-          <p:txBody>
-            <a:bodyPr rtlCol="0" anchor="ctr"/>
-            <a:lstStyle/>
-            <a:p>
-              <a:pPr algn="ctr"/>
-              <a:endParaRPr lang="en-US"/>
-            </a:p>
-          </p:txBody>
-        </p:sp>
-        <p:cxnSp>
-          <p:nvCxnSpPr>
-            <p:cNvPr id="411" name="Connecteur droit 410"/>
-            <p:cNvCxnSpPr>
-              <a:stCxn id="407" idx="4"/>
-              <a:endCxn id="408" idx="0"/>
-            </p:cNvCxnSpPr>
-            <p:nvPr/>
-          </p:nvCxnSpPr>
-          <p:spPr>
-            <a:xfrm rot="5400000">
-              <a:off x="8374714" y="2495397"/>
-              <a:ext cx="281274" cy="114300"/>
-            </a:xfrm>
-            <a:prstGeom prst="line">
-              <a:avLst/>
-            </a:prstGeom>
-            <a:ln w="12700" cap="flat" cmpd="sng" algn="ctr">
-              <a:solidFill>
-                <a:schemeClr val="accent1"/>
-              </a:solidFill>
-              <a:prstDash val="sysDash"/>
-              <a:round/>
-              <a:headEnd type="none" w="med" len="med"/>
-              <a:tailEnd type="none" w="med" len="med"/>
-            </a:ln>
-          </p:spPr>
-          <p:style>
-            <a:lnRef idx="2">
-              <a:schemeClr val="accent1"/>
-            </a:lnRef>
-            <a:fillRef idx="0">
-              <a:schemeClr val="accent1"/>
-            </a:fillRef>
-            <a:effectRef idx="1">
-              <a:schemeClr val="accent1"/>
-            </a:effectRef>
-            <a:fontRef idx="minor">
-              <a:schemeClr val="tx1"/>
-            </a:fontRef>
-          </p:style>
-        </p:cxnSp>
-        <p:cxnSp>
-          <p:nvCxnSpPr>
-            <p:cNvPr id="412" name="Connecteur droit 411"/>
-            <p:cNvCxnSpPr>
-              <a:stCxn id="407" idx="4"/>
-              <a:endCxn id="409" idx="0"/>
-            </p:cNvCxnSpPr>
-            <p:nvPr/>
-          </p:nvCxnSpPr>
-          <p:spPr>
-            <a:xfrm rot="16200000" flipH="1">
-              <a:off x="8469964" y="2514447"/>
-              <a:ext cx="281274" cy="76200"/>
-            </a:xfrm>
-            <a:prstGeom prst="line">
-              <a:avLst/>
-            </a:prstGeom>
-            <a:ln w="12700" cap="flat" cmpd="sng" algn="ctr">
-              <a:solidFill>
-                <a:schemeClr val="accent1"/>
-              </a:solidFill>
-              <a:prstDash val="sysDash"/>
-              <a:round/>
-              <a:headEnd type="none" w="med" len="med"/>
-              <a:tailEnd type="none" w="med" len="med"/>
-            </a:ln>
-          </p:spPr>
-          <p:style>
-            <a:lnRef idx="2">
-              <a:schemeClr val="accent1"/>
-            </a:lnRef>
-            <a:fillRef idx="0">
-              <a:schemeClr val="accent1"/>
-            </a:fillRef>
-            <a:effectRef idx="1">
-              <a:schemeClr val="accent1"/>
-            </a:effectRef>
-            <a:fontRef idx="minor">
-              <a:schemeClr val="tx1"/>
-            </a:fontRef>
-          </p:style>
-        </p:cxnSp>
-        <p:cxnSp>
-          <p:nvCxnSpPr>
-            <p:cNvPr id="413" name="Connecteur droit 412"/>
-            <p:cNvCxnSpPr>
-              <a:stCxn id="407" idx="4"/>
-              <a:endCxn id="410" idx="0"/>
-            </p:cNvCxnSpPr>
-            <p:nvPr/>
-          </p:nvCxnSpPr>
-          <p:spPr>
-            <a:xfrm rot="16200000" flipH="1">
-              <a:off x="8546164" y="2438247"/>
-              <a:ext cx="281274" cy="228600"/>
-            </a:xfrm>
-            <a:prstGeom prst="line">
-              <a:avLst/>
-            </a:prstGeom>
-            <a:ln w="12700" cap="flat" cmpd="sng" algn="ctr">
-              <a:solidFill>
-                <a:schemeClr val="accent1"/>
-              </a:solidFill>
-              <a:prstDash val="sysDash"/>
-              <a:round/>
-              <a:headEnd type="none" w="med" len="med"/>
-              <a:tailEnd type="none" w="med" len="med"/>
-            </a:ln>
-          </p:spPr>
-          <p:style>
-            <a:lnRef idx="2">
-              <a:schemeClr val="accent1"/>
-            </a:lnRef>
-            <a:fillRef idx="0">
-              <a:schemeClr val="accent1"/>
-            </a:fillRef>
-            <a:effectRef idx="1">
-              <a:schemeClr val="accent1"/>
-            </a:effectRef>
-            <a:fontRef idx="minor">
-              <a:schemeClr val="tx1"/>
-            </a:fontRef>
-          </p:style>
-        </p:cxnSp>
-        <p:sp>
-          <p:nvSpPr>
-            <p:cNvPr id="414" name="Ellipse 413"/>
-            <p:cNvSpPr/>
-            <p:nvPr/>
-          </p:nvSpPr>
-          <p:spPr>
-            <a:xfrm>
-              <a:off x="8420100" y="2695975"/>
-              <a:ext cx="76200" cy="84042"/>
-            </a:xfrm>
-            <a:prstGeom prst="ellipse">
-              <a:avLst/>
-            </a:prstGeom>
-            <a:solidFill>
-              <a:schemeClr val="accent3">
-                <a:lumMod val="75000"/>
-              </a:schemeClr>
-            </a:solidFill>
-            <a:ln cap="flat" cmpd="sng" algn="ctr">
-              <a:solidFill>
-                <a:srgbClr val="FF0000"/>
-              </a:solidFill>
-              <a:prstDash val="sysDash"/>
-              <a:round/>
-              <a:headEnd type="none" w="med" len="med"/>
-              <a:tailEnd type="none" w="med" len="med"/>
-            </a:ln>
-          </p:spPr>
-          <p:style>
-            <a:lnRef idx="1">
-              <a:schemeClr val="accent1"/>
-            </a:lnRef>
-            <a:fillRef idx="3">
-              <a:schemeClr val="accent1"/>
-            </a:fillRef>
-            <a:effectRef idx="2">
-              <a:schemeClr val="accent1"/>
-            </a:effectRef>
-            <a:fontRef idx="minor">
-              <a:schemeClr val="lt1"/>
-            </a:fontRef>
-          </p:style>
-          <p:txBody>
-            <a:bodyPr rtlCol="0" anchor="ctr"/>
-            <a:lstStyle/>
-            <a:p>
-              <a:pPr algn="ctr"/>
-              <a:endParaRPr lang="en-US"/>
-            </a:p>
-          </p:txBody>
-        </p:sp>
-        <p:sp>
-          <p:nvSpPr>
-            <p:cNvPr id="415" name="Ellipse 414"/>
-            <p:cNvSpPr/>
-            <p:nvPr/>
-          </p:nvSpPr>
-          <p:spPr>
-            <a:xfrm>
-              <a:off x="8496300" y="3061291"/>
-              <a:ext cx="76200" cy="84042"/>
-            </a:xfrm>
-            <a:prstGeom prst="ellipse">
-              <a:avLst/>
-            </a:prstGeom>
-            <a:solidFill>
-              <a:schemeClr val="accent3">
-                <a:lumMod val="75000"/>
-              </a:schemeClr>
-            </a:solidFill>
-            <a:ln cap="flat" cmpd="sng" algn="ctr">
-              <a:solidFill>
-                <a:srgbClr val="FF0000"/>
-              </a:solidFill>
-              <a:prstDash val="sysDash"/>
-              <a:round/>
-              <a:headEnd type="none" w="med" len="med"/>
-              <a:tailEnd type="none" w="med" len="med"/>
-            </a:ln>
-          </p:spPr>
-          <p:style>
-            <a:lnRef idx="1">
-              <a:schemeClr val="accent1"/>
-            </a:lnRef>
-            <a:fillRef idx="3">
-              <a:schemeClr val="accent1"/>
-            </a:fillRef>
-            <a:effectRef idx="2">
-              <a:schemeClr val="accent1"/>
-            </a:effectRef>
-            <a:fontRef idx="minor">
-              <a:schemeClr val="lt1"/>
-            </a:fontRef>
-          </p:style>
-          <p:txBody>
-            <a:bodyPr rtlCol="0" anchor="ctr"/>
-            <a:lstStyle/>
-            <a:p>
-              <a:pPr algn="ctr"/>
-              <a:endParaRPr lang="en-US"/>
-            </a:p>
-          </p:txBody>
-        </p:sp>
-        <p:cxnSp>
-          <p:nvCxnSpPr>
-            <p:cNvPr id="416" name="Connecteur droit 415"/>
-            <p:cNvCxnSpPr>
-              <a:stCxn id="414" idx="4"/>
-              <a:endCxn id="415" idx="0"/>
-            </p:cNvCxnSpPr>
-            <p:nvPr/>
-          </p:nvCxnSpPr>
-          <p:spPr>
-            <a:xfrm rot="16200000" flipH="1">
-              <a:off x="8355663" y="2882554"/>
-              <a:ext cx="281274" cy="76200"/>
-            </a:xfrm>
-            <a:prstGeom prst="line">
-              <a:avLst/>
-            </a:prstGeom>
-            <a:solidFill>
-              <a:schemeClr val="accent3">
-                <a:lumMod val="75000"/>
-              </a:schemeClr>
-            </a:solidFill>
-            <a:ln w="12700" cap="flat" cmpd="sng" algn="ctr">
-              <a:solidFill>
-                <a:srgbClr val="FF0000"/>
-              </a:solidFill>
-              <a:prstDash val="sysDash"/>
-              <a:round/>
-              <a:headEnd type="none" w="med" len="med"/>
-              <a:tailEnd type="none" w="med" len="med"/>
-            </a:ln>
-          </p:spPr>
-          <p:style>
-            <a:lnRef idx="2">
-              <a:schemeClr val="accent1"/>
-            </a:lnRef>
-            <a:fillRef idx="0">
-              <a:schemeClr val="accent1"/>
-            </a:fillRef>
-            <a:effectRef idx="1">
-              <a:schemeClr val="accent1"/>
-            </a:effectRef>
-            <a:fontRef idx="minor">
-              <a:schemeClr val="tx1"/>
-            </a:fontRef>
-          </p:style>
-        </p:cxnSp>
-        <p:sp>
-          <p:nvSpPr>
-            <p:cNvPr id="417" name="Ellipse 416"/>
-            <p:cNvSpPr/>
-            <p:nvPr/>
-          </p:nvSpPr>
-          <p:spPr>
-            <a:xfrm>
-              <a:off x="8382000" y="3426607"/>
-              <a:ext cx="76200" cy="84042"/>
-            </a:xfrm>
-            <a:prstGeom prst="ellipse">
-              <a:avLst/>
-            </a:prstGeom>
-            <a:solidFill>
-              <a:schemeClr val="accent3">
-                <a:lumMod val="75000"/>
-              </a:schemeClr>
-            </a:solidFill>
-            <a:ln cap="flat" cmpd="sng" algn="ctr">
-              <a:solidFill>
-                <a:srgbClr val="FF0000"/>
-              </a:solidFill>
-              <a:prstDash val="sysDash"/>
-              <a:round/>
-              <a:headEnd type="none" w="med" len="med"/>
-              <a:tailEnd type="none" w="med" len="med"/>
-            </a:ln>
-          </p:spPr>
-          <p:style>
-            <a:lnRef idx="1">
-              <a:schemeClr val="accent1"/>
-            </a:lnRef>
-            <a:fillRef idx="3">
-              <a:schemeClr val="accent1"/>
-            </a:fillRef>
-            <a:effectRef idx="2">
-              <a:schemeClr val="accent1"/>
-            </a:effectRef>
-            <a:fontRef idx="minor">
-              <a:schemeClr val="lt1"/>
-            </a:fontRef>
-          </p:style>
-          <p:txBody>
-            <a:bodyPr rtlCol="0" anchor="ctr"/>
-            <a:lstStyle/>
-            <a:p>
-              <a:pPr algn="ctr"/>
-              <a:endParaRPr lang="en-US"/>
-            </a:p>
-          </p:txBody>
-        </p:sp>
-        <p:sp>
-          <p:nvSpPr>
-            <p:cNvPr id="418" name="Ellipse 417"/>
-            <p:cNvSpPr/>
-            <p:nvPr/>
-          </p:nvSpPr>
-          <p:spPr>
-            <a:xfrm>
-              <a:off x="8724900" y="3426607"/>
-              <a:ext cx="76200" cy="84042"/>
-            </a:xfrm>
-            <a:prstGeom prst="ellipse">
-              <a:avLst/>
-            </a:prstGeom>
-            <a:solidFill>
-              <a:schemeClr val="accent3">
-                <a:lumMod val="75000"/>
-              </a:schemeClr>
-            </a:solidFill>
-            <a:ln cap="flat" cmpd="sng" algn="ctr">
-              <a:solidFill>
-                <a:srgbClr val="FF0000"/>
-              </a:solidFill>
-              <a:prstDash val="sysDash"/>
-              <a:round/>
-              <a:headEnd type="none" w="med" len="med"/>
-              <a:tailEnd type="none" w="med" len="med"/>
-            </a:ln>
-          </p:spPr>
-          <p:style>
-            <a:lnRef idx="1">
-              <a:schemeClr val="accent1"/>
-            </a:lnRef>
-            <a:fillRef idx="3">
-              <a:schemeClr val="accent1"/>
-            </a:fillRef>
-            <a:effectRef idx="2">
-              <a:schemeClr val="accent1"/>
-            </a:effectRef>
-            <a:fontRef idx="minor">
-              <a:schemeClr val="lt1"/>
-            </a:fontRef>
-          </p:style>
-          <p:txBody>
-            <a:bodyPr rtlCol="0" anchor="ctr"/>
-            <a:lstStyle/>
-            <a:p>
-              <a:pPr algn="ctr"/>
-              <a:endParaRPr lang="en-US"/>
-            </a:p>
-          </p:txBody>
-        </p:sp>
-        <p:cxnSp>
-          <p:nvCxnSpPr>
-            <p:cNvPr id="419" name="Connecteur droit 418"/>
-            <p:cNvCxnSpPr>
-              <a:stCxn id="415" idx="4"/>
-              <a:endCxn id="417" idx="0"/>
-            </p:cNvCxnSpPr>
-            <p:nvPr/>
-          </p:nvCxnSpPr>
-          <p:spPr>
-            <a:xfrm rot="5400000">
-              <a:off x="8336613" y="3228820"/>
-              <a:ext cx="281274" cy="114300"/>
-            </a:xfrm>
-            <a:prstGeom prst="line">
-              <a:avLst/>
-            </a:prstGeom>
-            <a:solidFill>
-              <a:schemeClr val="accent3">
-                <a:lumMod val="75000"/>
-              </a:schemeClr>
-            </a:solidFill>
-            <a:ln w="12700" cap="flat" cmpd="sng" algn="ctr">
-              <a:solidFill>
-                <a:srgbClr val="FF0000"/>
-              </a:solidFill>
-              <a:prstDash val="sysDash"/>
-              <a:round/>
-              <a:headEnd type="none" w="med" len="med"/>
-              <a:tailEnd type="none" w="med" len="med"/>
-            </a:ln>
-          </p:spPr>
-          <p:style>
-            <a:lnRef idx="2">
-              <a:schemeClr val="accent1"/>
-            </a:lnRef>
-            <a:fillRef idx="0">
-              <a:schemeClr val="accent1"/>
-            </a:fillRef>
-            <a:effectRef idx="1">
-              <a:schemeClr val="accent1"/>
-            </a:effectRef>
-            <a:fontRef idx="minor">
-              <a:schemeClr val="tx1"/>
-            </a:fontRef>
-          </p:style>
-        </p:cxnSp>
-        <p:cxnSp>
-          <p:nvCxnSpPr>
-            <p:cNvPr id="420" name="Connecteur droit 419"/>
-            <p:cNvCxnSpPr>
-              <a:stCxn id="415" idx="4"/>
-              <a:endCxn id="418" idx="0"/>
-            </p:cNvCxnSpPr>
-            <p:nvPr/>
-          </p:nvCxnSpPr>
-          <p:spPr>
-            <a:xfrm rot="16200000" flipH="1">
-              <a:off x="8508063" y="3171670"/>
-              <a:ext cx="281274" cy="228600"/>
-            </a:xfrm>
-            <a:prstGeom prst="line">
-              <a:avLst/>
-            </a:prstGeom>
-            <a:solidFill>
-              <a:schemeClr val="accent3">
-                <a:lumMod val="75000"/>
-              </a:schemeClr>
-            </a:solidFill>
-            <a:ln w="12700" cap="flat" cmpd="sng" algn="ctr">
-              <a:solidFill>
-                <a:srgbClr val="FF0000"/>
-              </a:solidFill>
-              <a:prstDash val="sysDash"/>
-              <a:round/>
-              <a:headEnd type="none" w="med" len="med"/>
-              <a:tailEnd type="none" w="med" len="med"/>
-            </a:ln>
-          </p:spPr>
-          <p:style>
-            <a:lnRef idx="2">
-              <a:schemeClr val="accent1"/>
-            </a:lnRef>
-            <a:fillRef idx="0">
-              <a:schemeClr val="accent1"/>
-            </a:fillRef>
-            <a:effectRef idx="1">
-              <a:schemeClr val="accent1"/>
-            </a:effectRef>
-            <a:fontRef idx="minor">
-              <a:schemeClr val="tx1"/>
-            </a:fontRef>
-          </p:style>
-        </p:cxnSp>
-        <p:sp>
-          <p:nvSpPr>
-            <p:cNvPr id="421" name="Ellipse 420"/>
-            <p:cNvSpPr/>
-            <p:nvPr/>
-          </p:nvSpPr>
-          <p:spPr>
-            <a:xfrm>
-              <a:off x="8801101" y="3060732"/>
-              <a:ext cx="76200" cy="84042"/>
-            </a:xfrm>
-            <a:prstGeom prst="ellipse">
-              <a:avLst/>
-            </a:prstGeom>
-            <a:solidFill>
-              <a:schemeClr val="accent3">
-                <a:lumMod val="75000"/>
-              </a:schemeClr>
-            </a:solidFill>
-            <a:ln cap="flat" cmpd="sng" algn="ctr">
-              <a:solidFill>
-                <a:srgbClr val="FF0000"/>
-              </a:solidFill>
-              <a:prstDash val="sysDash"/>
-              <a:round/>
-              <a:headEnd type="none" w="med" len="med"/>
-              <a:tailEnd type="none" w="med" len="med"/>
-            </a:ln>
-          </p:spPr>
-          <p:style>
-            <a:lnRef idx="1">
-              <a:schemeClr val="accent1"/>
-            </a:lnRef>
-            <a:fillRef idx="3">
-              <a:schemeClr val="accent1"/>
-            </a:fillRef>
-            <a:effectRef idx="2">
-              <a:schemeClr val="accent1"/>
-            </a:effectRef>
-            <a:fontRef idx="minor">
-              <a:schemeClr val="lt1"/>
-            </a:fontRef>
-          </p:style>
-          <p:txBody>
-            <a:bodyPr rtlCol="0" anchor="ctr"/>
-            <a:lstStyle/>
-            <a:p>
-              <a:pPr algn="ctr"/>
-              <a:endParaRPr lang="en-US"/>
-            </a:p>
-          </p:txBody>
-        </p:sp>
-        <p:cxnSp>
-          <p:nvCxnSpPr>
-            <p:cNvPr id="422" name="Connecteur droit 421"/>
-            <p:cNvCxnSpPr>
-              <a:stCxn id="414" idx="4"/>
-              <a:endCxn id="421" idx="0"/>
-            </p:cNvCxnSpPr>
-            <p:nvPr/>
-          </p:nvCxnSpPr>
-          <p:spPr>
-            <a:xfrm rot="16200000" flipH="1">
-              <a:off x="8508343" y="2729873"/>
-              <a:ext cx="280715" cy="381001"/>
-            </a:xfrm>
-            <a:prstGeom prst="line">
-              <a:avLst/>
-            </a:prstGeom>
-            <a:solidFill>
-              <a:schemeClr val="accent3">
-                <a:lumMod val="75000"/>
-              </a:schemeClr>
-            </a:solidFill>
-            <a:ln w="12700" cap="flat" cmpd="sng" algn="ctr">
-              <a:solidFill>
-                <a:srgbClr val="FF0000"/>
-              </a:solidFill>
-              <a:prstDash val="sysDash"/>
-              <a:round/>
-              <a:headEnd type="none" w="med" len="med"/>
-              <a:tailEnd type="none" w="med" len="med"/>
-            </a:ln>
-          </p:spPr>
-          <p:style>
-            <a:lnRef idx="2">
-              <a:schemeClr val="accent1"/>
-            </a:lnRef>
-            <a:fillRef idx="0">
-              <a:schemeClr val="accent1"/>
-            </a:fillRef>
-            <a:effectRef idx="1">
-              <a:schemeClr val="accent1"/>
-            </a:effectRef>
-            <a:fontRef idx="minor">
-              <a:schemeClr val="tx1"/>
-            </a:fontRef>
-          </p:style>
-        </p:cxnSp>
-        <p:sp>
-          <p:nvSpPr>
-            <p:cNvPr id="423" name="Ellipse 422"/>
-            <p:cNvSpPr/>
-            <p:nvPr/>
-          </p:nvSpPr>
-          <p:spPr>
-            <a:xfrm>
-              <a:off x="8839202" y="3426048"/>
-              <a:ext cx="76200" cy="84042"/>
-            </a:xfrm>
-            <a:prstGeom prst="ellipse">
-              <a:avLst/>
-            </a:prstGeom>
-            <a:solidFill>
-              <a:schemeClr val="accent3">
-                <a:lumMod val="75000"/>
-              </a:schemeClr>
-            </a:solidFill>
-            <a:ln cap="flat" cmpd="sng" algn="ctr">
-              <a:solidFill>
-                <a:srgbClr val="FF0000"/>
-              </a:solidFill>
-              <a:prstDash val="sysDash"/>
-              <a:round/>
-              <a:headEnd type="none" w="med" len="med"/>
-              <a:tailEnd type="none" w="med" len="med"/>
-            </a:ln>
-          </p:spPr>
-          <p:style>
-            <a:lnRef idx="1">
-              <a:schemeClr val="accent1"/>
-            </a:lnRef>
-            <a:fillRef idx="3">
-              <a:schemeClr val="accent1"/>
-            </a:fillRef>
-            <a:effectRef idx="2">
-              <a:schemeClr val="accent1"/>
-            </a:effectRef>
-            <a:fontRef idx="minor">
-              <a:schemeClr val="lt1"/>
-            </a:fontRef>
-          </p:style>
-          <p:txBody>
-            <a:bodyPr rtlCol="0" anchor="ctr"/>
-            <a:lstStyle/>
-            <a:p>
-              <a:pPr algn="ctr"/>
-              <a:endParaRPr lang="en-US"/>
-            </a:p>
-          </p:txBody>
-        </p:sp>
-        <p:cxnSp>
-          <p:nvCxnSpPr>
-            <p:cNvPr id="424" name="Connecteur droit 423"/>
-            <p:cNvCxnSpPr>
-              <a:stCxn id="421" idx="4"/>
-              <a:endCxn id="423" idx="0"/>
-            </p:cNvCxnSpPr>
-            <p:nvPr/>
-          </p:nvCxnSpPr>
-          <p:spPr>
-            <a:xfrm rot="16200000" flipH="1">
-              <a:off x="8717614" y="3266360"/>
-              <a:ext cx="281274" cy="38101"/>
-            </a:xfrm>
-            <a:prstGeom prst="line">
-              <a:avLst/>
-            </a:prstGeom>
-            <a:solidFill>
-              <a:schemeClr val="accent3">
-                <a:lumMod val="75000"/>
-              </a:schemeClr>
-            </a:solidFill>
-            <a:ln w="12700" cap="flat" cmpd="sng" algn="ctr">
-              <a:solidFill>
-                <a:srgbClr val="FF0000"/>
-              </a:solidFill>
-              <a:prstDash val="sysDash"/>
-              <a:round/>
-              <a:headEnd type="none" w="med" len="med"/>
-              <a:tailEnd type="none" w="med" len="med"/>
-            </a:ln>
-          </p:spPr>
-          <p:style>
-            <a:lnRef idx="2">
-              <a:schemeClr val="accent1"/>
-            </a:lnRef>
-            <a:fillRef idx="0">
-              <a:schemeClr val="accent1"/>
-            </a:fillRef>
-            <a:effectRef idx="1">
-              <a:schemeClr val="accent1"/>
-            </a:effectRef>
-            <a:fontRef idx="minor">
-              <a:schemeClr val="tx1"/>
-            </a:fontRef>
-          </p:style>
-        </p:cxnSp>
-      </p:grpSp>
       <p:sp>
         <p:nvSpPr>
           <p:cNvPr id="5" name="Carré corné 4"/>
@@ -24048,47 +22669,6 @@
             <a:round/>
             <a:headEnd type="none" w="med" len="med"/>
             <a:tailEnd type="none" w="med" len="med"/>
-          </a:ln>
-        </p:spPr>
-        <p:style>
-          <a:lnRef idx="2">
-            <a:schemeClr val="accent1"/>
-          </a:lnRef>
-          <a:fillRef idx="0">
-            <a:schemeClr val="accent1"/>
-          </a:fillRef>
-          <a:effectRef idx="1">
-            <a:schemeClr val="accent1"/>
-          </a:effectRef>
-          <a:fontRef idx="minor">
-            <a:schemeClr val="tx1"/>
-          </a:fontRef>
-        </p:style>
-      </p:cxnSp>
-      <p:cxnSp>
-        <p:nvCxnSpPr>
-          <p:cNvPr id="71" name="Connecteur en arc 70"/>
-          <p:cNvCxnSpPr>
-            <a:stCxn id="25" idx="0"/>
-            <a:endCxn id="292" idx="0"/>
-          </p:cNvCxnSpPr>
-          <p:nvPr/>
-        </p:nvCxnSpPr>
-        <p:spPr>
-          <a:xfrm rot="5400000" flipH="1" flipV="1">
-            <a:off x="2386639" y="-454851"/>
-            <a:ext cx="2659156" cy="4651343"/>
-          </a:xfrm>
-          <a:prstGeom prst="curvedConnector3">
-            <a:avLst>
-              <a:gd name="adj1" fmla="val 108597"/>
-            </a:avLst>
-          </a:prstGeom>
-          <a:ln>
-            <a:solidFill>
-              <a:srgbClr val="000000"/>
-            </a:solidFill>
-            <a:tailEnd type="arrow"/>
           </a:ln>
         </p:spPr>
         <p:style>
@@ -25222,8 +23802,8 @@
         </p:nvSpPr>
         <p:spPr>
           <a:xfrm>
-            <a:off x="2636541" y="2342089"/>
-            <a:ext cx="1815371" cy="369332"/>
+            <a:off x="2610449" y="2342089"/>
+            <a:ext cx="1968094" cy="646331"/>
           </a:xfrm>
           <a:prstGeom prst="rect">
             <a:avLst/>
@@ -25236,9 +23816,21 @@
           </a:bodyPr>
           <a:lstStyle/>
           <a:p>
+            <a:pPr algn="ctr"/>
             <a:r>
               <a:rPr lang="en-US" dirty="0" err="1" smtClean="0"/>
-              <a:t>YangSpecification</a:t>
+              <a:t>jYANG</a:t>
+            </a:r>
+            <a:r>
+              <a:rPr lang="en-US" dirty="0" smtClean="0"/>
+              <a:t> data models</a:t>
+            </a:r>
+          </a:p>
+          <a:p>
+            <a:pPr algn="ctr"/>
+            <a:r>
+              <a:rPr lang="en-US" dirty="0" smtClean="0"/>
+              <a:t>(2)</a:t>
             </a:r>
             <a:endParaRPr lang="en-US" dirty="0"/>
           </a:p>
@@ -28309,1021 +26901,1781 @@
           </a:p>
         </p:txBody>
       </p:sp>
-      <p:sp>
-        <p:nvSpPr>
-          <p:cNvPr id="188" name="Ellipse 187"/>
-          <p:cNvSpPr/>
-          <p:nvPr/>
-        </p:nvSpPr>
-        <p:spPr>
-          <a:xfrm>
-            <a:off x="8602102" y="2157729"/>
-            <a:ext cx="76200" cy="84042"/>
-          </a:xfrm>
-          <a:prstGeom prst="ellipse">
-            <a:avLst/>
-          </a:prstGeom>
-          <a:ln cap="flat" cmpd="sng" algn="ctr">
-            <a:solidFill>
-              <a:scrgbClr r="0" g="0" b="0"/>
-            </a:solidFill>
-            <a:prstDash val="sysDash"/>
-            <a:round/>
-            <a:headEnd type="none" w="med" len="med"/>
-            <a:tailEnd type="none" w="med" len="med"/>
-          </a:ln>
-        </p:spPr>
-        <p:style>
-          <a:lnRef idx="1">
-            <a:schemeClr val="accent1"/>
-          </a:lnRef>
-          <a:fillRef idx="3">
-            <a:schemeClr val="accent1"/>
-          </a:fillRef>
-          <a:effectRef idx="2">
-            <a:schemeClr val="accent1"/>
-          </a:effectRef>
-          <a:fontRef idx="minor">
-            <a:schemeClr val="lt1"/>
-          </a:fontRef>
-        </p:style>
-        <p:txBody>
-          <a:bodyPr rtlCol="0" anchor="ctr"/>
-          <a:lstStyle/>
-          <a:p>
-            <a:pPr algn="ctr"/>
-            <a:endParaRPr lang="en-US"/>
-          </a:p>
-        </p:txBody>
-      </p:sp>
-      <p:sp>
-        <p:nvSpPr>
-          <p:cNvPr id="227" name="Ellipse 226"/>
-          <p:cNvSpPr/>
-          <p:nvPr/>
-        </p:nvSpPr>
-        <p:spPr>
-          <a:xfrm>
-            <a:off x="8868802" y="2520082"/>
-            <a:ext cx="76200" cy="84042"/>
-          </a:xfrm>
-          <a:prstGeom prst="ellipse">
-            <a:avLst/>
-          </a:prstGeom>
-          <a:ln cap="flat" cmpd="sng" algn="ctr">
-            <a:solidFill>
-              <a:scrgbClr r="0" g="0" b="0"/>
-            </a:solidFill>
-            <a:prstDash val="sysDash"/>
-            <a:round/>
-            <a:headEnd type="none" w="med" len="med"/>
-            <a:tailEnd type="none" w="med" len="med"/>
-          </a:ln>
-        </p:spPr>
-        <p:style>
-          <a:lnRef idx="1">
-            <a:schemeClr val="accent1"/>
-          </a:lnRef>
-          <a:fillRef idx="3">
-            <a:schemeClr val="accent1"/>
-          </a:fillRef>
-          <a:effectRef idx="2">
-            <a:schemeClr val="accent1"/>
-          </a:effectRef>
-          <a:fontRef idx="minor">
-            <a:schemeClr val="lt1"/>
-          </a:fontRef>
-        </p:style>
-        <p:txBody>
-          <a:bodyPr rtlCol="0" anchor="ctr"/>
-          <a:lstStyle/>
-          <a:p>
-            <a:pPr algn="ctr"/>
-            <a:endParaRPr lang="en-US"/>
-          </a:p>
-        </p:txBody>
-      </p:sp>
-      <p:cxnSp>
-        <p:nvCxnSpPr>
-          <p:cNvPr id="228" name="Connecteur droit 227"/>
-          <p:cNvCxnSpPr>
-            <a:stCxn id="188" idx="4"/>
-            <a:endCxn id="226" idx="0"/>
-          </p:cNvCxnSpPr>
-          <p:nvPr/>
-        </p:nvCxnSpPr>
-        <p:spPr>
-          <a:xfrm rot="16200000" flipH="1">
-            <a:off x="8571054" y="2310919"/>
-            <a:ext cx="278098" cy="139802"/>
-          </a:xfrm>
-          <a:prstGeom prst="line">
-            <a:avLst/>
-          </a:prstGeom>
-          <a:ln w="12700" cap="flat" cmpd="sng" algn="ctr">
-            <a:solidFill>
-              <a:schemeClr val="accent1"/>
-            </a:solidFill>
-            <a:prstDash val="sysDash"/>
-            <a:round/>
-            <a:headEnd type="none" w="med" len="med"/>
-            <a:tailEnd type="none" w="med" len="med"/>
-          </a:ln>
-        </p:spPr>
-        <p:style>
-          <a:lnRef idx="2">
-            <a:schemeClr val="accent1"/>
-          </a:lnRef>
-          <a:fillRef idx="0">
-            <a:schemeClr val="accent1"/>
-          </a:fillRef>
-          <a:effectRef idx="1">
-            <a:schemeClr val="accent1"/>
-          </a:effectRef>
-          <a:fontRef idx="minor">
-            <a:schemeClr val="tx1"/>
-          </a:fontRef>
-        </p:style>
-      </p:cxnSp>
-      <p:cxnSp>
-        <p:nvCxnSpPr>
-          <p:cNvPr id="229" name="Connecteur droit 228"/>
-          <p:cNvCxnSpPr>
-            <a:stCxn id="188" idx="4"/>
-            <a:endCxn id="227" idx="0"/>
-          </p:cNvCxnSpPr>
-          <p:nvPr/>
-        </p:nvCxnSpPr>
-        <p:spPr>
-          <a:xfrm rot="16200000" flipH="1">
-            <a:off x="8634397" y="2247576"/>
-            <a:ext cx="278311" cy="266700"/>
-          </a:xfrm>
-          <a:prstGeom prst="line">
-            <a:avLst/>
-          </a:prstGeom>
-          <a:ln w="12700" cap="flat" cmpd="sng" algn="ctr">
-            <a:solidFill>
-              <a:schemeClr val="accent1"/>
-            </a:solidFill>
-            <a:prstDash val="sysDash"/>
-            <a:round/>
-            <a:headEnd type="none" w="med" len="med"/>
-            <a:tailEnd type="none" w="med" len="med"/>
-          </a:ln>
-        </p:spPr>
-        <p:style>
-          <a:lnRef idx="2">
-            <a:schemeClr val="accent1"/>
-          </a:lnRef>
-          <a:fillRef idx="0">
-            <a:schemeClr val="accent1"/>
-          </a:fillRef>
-          <a:effectRef idx="1">
-            <a:schemeClr val="accent1"/>
-          </a:effectRef>
-          <a:fontRef idx="minor">
-            <a:schemeClr val="tx1"/>
-          </a:fontRef>
-        </p:style>
-      </p:cxnSp>
-      <p:sp>
-        <p:nvSpPr>
-          <p:cNvPr id="296" name="Ellipse 295"/>
-          <p:cNvSpPr/>
-          <p:nvPr/>
-        </p:nvSpPr>
-        <p:spPr>
-          <a:xfrm>
-            <a:off x="9059304" y="2516157"/>
-            <a:ext cx="76200" cy="84042"/>
-          </a:xfrm>
-          <a:prstGeom prst="ellipse">
-            <a:avLst/>
-          </a:prstGeom>
-          <a:ln cap="flat" cmpd="sng" algn="ctr">
-            <a:solidFill>
-              <a:scrgbClr r="0" g="0" b="0"/>
-            </a:solidFill>
-            <a:prstDash val="sysDash"/>
-            <a:round/>
-            <a:headEnd type="none" w="med" len="med"/>
-            <a:tailEnd type="none" w="med" len="med"/>
-          </a:ln>
-        </p:spPr>
-        <p:style>
-          <a:lnRef idx="1">
-            <a:schemeClr val="accent1"/>
-          </a:lnRef>
-          <a:fillRef idx="3">
-            <a:schemeClr val="accent1"/>
-          </a:fillRef>
-          <a:effectRef idx="2">
-            <a:schemeClr val="accent1"/>
-          </a:effectRef>
-          <a:fontRef idx="minor">
-            <a:schemeClr val="lt1"/>
-          </a:fontRef>
-        </p:style>
-        <p:txBody>
-          <a:bodyPr rtlCol="0" anchor="ctr"/>
-          <a:lstStyle/>
-          <a:p>
-            <a:pPr algn="ctr"/>
-            <a:endParaRPr lang="en-US"/>
-          </a:p>
-        </p:txBody>
-      </p:sp>
-      <p:cxnSp>
-        <p:nvCxnSpPr>
-          <p:cNvPr id="297" name="Connecteur droit 296"/>
-          <p:cNvCxnSpPr>
-            <a:stCxn id="188" idx="4"/>
-            <a:endCxn id="296" idx="0"/>
-          </p:cNvCxnSpPr>
-          <p:nvPr/>
-        </p:nvCxnSpPr>
-        <p:spPr>
-          <a:xfrm rot="16200000" flipH="1">
-            <a:off x="8731610" y="2150363"/>
-            <a:ext cx="274386" cy="457202"/>
-          </a:xfrm>
-          <a:prstGeom prst="line">
-            <a:avLst/>
-          </a:prstGeom>
-          <a:ln w="12700" cap="flat" cmpd="sng" algn="ctr">
-            <a:solidFill>
-              <a:schemeClr val="accent1"/>
-            </a:solidFill>
-            <a:prstDash val="sysDash"/>
-            <a:round/>
-            <a:headEnd type="none" w="med" len="med"/>
-            <a:tailEnd type="none" w="med" len="med"/>
-          </a:ln>
-        </p:spPr>
-        <p:style>
-          <a:lnRef idx="2">
-            <a:schemeClr val="accent1"/>
-          </a:lnRef>
-          <a:fillRef idx="0">
-            <a:schemeClr val="accent1"/>
-          </a:fillRef>
-          <a:effectRef idx="1">
-            <a:schemeClr val="accent1"/>
-          </a:effectRef>
-          <a:fontRef idx="minor">
-            <a:schemeClr val="tx1"/>
-          </a:fontRef>
-        </p:style>
-      </p:cxnSp>
-      <p:sp>
-        <p:nvSpPr>
-          <p:cNvPr id="298" name="Ellipse 297"/>
-          <p:cNvSpPr/>
-          <p:nvPr/>
-        </p:nvSpPr>
-        <p:spPr>
-          <a:xfrm>
-            <a:off x="9097405" y="2888614"/>
-            <a:ext cx="76200" cy="84042"/>
-          </a:xfrm>
-          <a:prstGeom prst="ellipse">
-            <a:avLst/>
-          </a:prstGeom>
-          <a:ln cap="flat" cmpd="sng" algn="ctr">
-            <a:solidFill>
-              <a:scrgbClr r="0" g="0" b="0"/>
-            </a:solidFill>
-            <a:prstDash val="sysDash"/>
-            <a:round/>
-            <a:headEnd type="none" w="med" len="med"/>
-            <a:tailEnd type="none" w="med" len="med"/>
-          </a:ln>
-        </p:spPr>
-        <p:style>
-          <a:lnRef idx="1">
-            <a:schemeClr val="accent1"/>
-          </a:lnRef>
-          <a:fillRef idx="3">
-            <a:schemeClr val="accent1"/>
-          </a:fillRef>
-          <a:effectRef idx="2">
-            <a:schemeClr val="accent1"/>
-          </a:effectRef>
-          <a:fontRef idx="minor">
-            <a:schemeClr val="lt1"/>
-          </a:fontRef>
-        </p:style>
-        <p:txBody>
-          <a:bodyPr rtlCol="0" anchor="ctr"/>
-          <a:lstStyle/>
-          <a:p>
-            <a:pPr algn="ctr"/>
-            <a:endParaRPr lang="en-US"/>
-          </a:p>
-        </p:txBody>
-      </p:sp>
-      <p:sp>
-        <p:nvSpPr>
-          <p:cNvPr id="299" name="Ellipse 298"/>
-          <p:cNvSpPr/>
-          <p:nvPr/>
-        </p:nvSpPr>
-        <p:spPr>
-          <a:xfrm>
-            <a:off x="9211704" y="2887802"/>
-            <a:ext cx="76200" cy="84042"/>
-          </a:xfrm>
-          <a:prstGeom prst="ellipse">
-            <a:avLst/>
-          </a:prstGeom>
-          <a:ln cap="flat" cmpd="sng" algn="ctr">
-            <a:solidFill>
-              <a:scrgbClr r="0" g="0" b="0"/>
-            </a:solidFill>
-            <a:prstDash val="sysDash"/>
-            <a:round/>
-            <a:headEnd type="none" w="med" len="med"/>
-            <a:tailEnd type="none" w="med" len="med"/>
-          </a:ln>
-        </p:spPr>
-        <p:style>
-          <a:lnRef idx="1">
-            <a:schemeClr val="accent1"/>
-          </a:lnRef>
-          <a:fillRef idx="3">
-            <a:schemeClr val="accent1"/>
-          </a:fillRef>
-          <a:effectRef idx="2">
-            <a:schemeClr val="accent1"/>
-          </a:effectRef>
-          <a:fontRef idx="minor">
-            <a:schemeClr val="lt1"/>
-          </a:fontRef>
-        </p:style>
-        <p:txBody>
-          <a:bodyPr rtlCol="0" anchor="ctr"/>
-          <a:lstStyle/>
-          <a:p>
-            <a:pPr algn="ctr"/>
-            <a:endParaRPr lang="en-US"/>
-          </a:p>
-        </p:txBody>
-      </p:sp>
-      <p:cxnSp>
-        <p:nvCxnSpPr>
-          <p:cNvPr id="300" name="Connecteur droit 299"/>
-          <p:cNvCxnSpPr>
-            <a:stCxn id="296" idx="4"/>
-            <a:endCxn id="298" idx="0"/>
-          </p:cNvCxnSpPr>
-          <p:nvPr/>
-        </p:nvCxnSpPr>
-        <p:spPr>
-          <a:xfrm rot="16200000" flipH="1">
-            <a:off x="8972247" y="2725355"/>
-            <a:ext cx="288415" cy="38101"/>
-          </a:xfrm>
-          <a:prstGeom prst="line">
-            <a:avLst/>
-          </a:prstGeom>
-          <a:ln w="12700" cap="flat" cmpd="sng" algn="ctr">
-            <a:solidFill>
-              <a:schemeClr val="accent1"/>
-            </a:solidFill>
-            <a:prstDash val="sysDash"/>
-            <a:round/>
-            <a:headEnd type="none" w="med" len="med"/>
-            <a:tailEnd type="none" w="med" len="med"/>
-          </a:ln>
-        </p:spPr>
-        <p:style>
-          <a:lnRef idx="2">
-            <a:schemeClr val="accent1"/>
-          </a:lnRef>
-          <a:fillRef idx="0">
-            <a:schemeClr val="accent1"/>
-          </a:fillRef>
-          <a:effectRef idx="1">
-            <a:schemeClr val="accent1"/>
-          </a:effectRef>
-          <a:fontRef idx="minor">
-            <a:schemeClr val="tx1"/>
-          </a:fontRef>
-        </p:style>
-      </p:cxnSp>
-      <p:cxnSp>
-        <p:nvCxnSpPr>
-          <p:cNvPr id="301" name="Connecteur droit 300"/>
-          <p:cNvCxnSpPr>
-            <a:stCxn id="296" idx="4"/>
-            <a:endCxn id="299" idx="0"/>
-          </p:cNvCxnSpPr>
-          <p:nvPr/>
-        </p:nvCxnSpPr>
-        <p:spPr>
-          <a:xfrm rot="16200000" flipH="1">
-            <a:off x="9029803" y="2667800"/>
-            <a:ext cx="287603" cy="152400"/>
-          </a:xfrm>
-          <a:prstGeom prst="line">
-            <a:avLst/>
-          </a:prstGeom>
-          <a:ln w="12700" cap="flat" cmpd="sng" algn="ctr">
-            <a:solidFill>
-              <a:schemeClr val="accent1"/>
-            </a:solidFill>
-            <a:prstDash val="sysDash"/>
-            <a:round/>
-            <a:headEnd type="none" w="med" len="med"/>
-            <a:tailEnd type="none" w="med" len="med"/>
-          </a:ln>
-        </p:spPr>
-        <p:style>
-          <a:lnRef idx="2">
-            <a:schemeClr val="accent1"/>
-          </a:lnRef>
-          <a:fillRef idx="0">
-            <a:schemeClr val="accent1"/>
-          </a:fillRef>
-          <a:effectRef idx="1">
-            <a:schemeClr val="accent1"/>
-          </a:effectRef>
-          <a:fontRef idx="minor">
-            <a:schemeClr val="tx1"/>
-          </a:fontRef>
-        </p:style>
-      </p:cxnSp>
-      <p:sp>
-        <p:nvSpPr>
-          <p:cNvPr id="302" name="Ellipse 301"/>
-          <p:cNvSpPr/>
-          <p:nvPr/>
-        </p:nvSpPr>
-        <p:spPr>
-          <a:xfrm>
-            <a:off x="9211704" y="2891152"/>
-            <a:ext cx="76200" cy="84042"/>
-          </a:xfrm>
-          <a:prstGeom prst="ellipse">
-            <a:avLst/>
-          </a:prstGeom>
-          <a:solidFill>
-            <a:schemeClr val="accent3">
-              <a:lumMod val="75000"/>
-            </a:schemeClr>
-          </a:solidFill>
-          <a:ln cap="flat" cmpd="sng" algn="ctr">
-            <a:solidFill>
-              <a:srgbClr val="FF0000"/>
-            </a:solidFill>
-            <a:prstDash val="sysDash"/>
-            <a:round/>
-            <a:headEnd type="none" w="med" len="med"/>
-            <a:tailEnd type="none" w="med" len="med"/>
-          </a:ln>
-        </p:spPr>
-        <p:style>
-          <a:lnRef idx="1">
-            <a:schemeClr val="accent1"/>
-          </a:lnRef>
-          <a:fillRef idx="3">
-            <a:schemeClr val="accent1"/>
-          </a:fillRef>
-          <a:effectRef idx="2">
-            <a:schemeClr val="accent1"/>
-          </a:effectRef>
-          <a:fontRef idx="minor">
-            <a:schemeClr val="lt1"/>
-          </a:fontRef>
-        </p:style>
-        <p:txBody>
-          <a:bodyPr rtlCol="0" anchor="ctr"/>
-          <a:lstStyle/>
-          <a:p>
-            <a:pPr algn="ctr"/>
-            <a:endParaRPr lang="en-US"/>
-          </a:p>
-        </p:txBody>
-      </p:sp>
-      <p:sp>
-        <p:nvSpPr>
-          <p:cNvPr id="303" name="Ellipse 302"/>
-          <p:cNvSpPr/>
-          <p:nvPr/>
-        </p:nvSpPr>
-        <p:spPr>
-          <a:xfrm>
-            <a:off x="9287904" y="3256468"/>
-            <a:ext cx="76200" cy="84042"/>
-          </a:xfrm>
-          <a:prstGeom prst="ellipse">
-            <a:avLst/>
-          </a:prstGeom>
-          <a:solidFill>
-            <a:schemeClr val="accent3">
-              <a:lumMod val="75000"/>
-            </a:schemeClr>
-          </a:solidFill>
-          <a:ln cap="flat" cmpd="sng" algn="ctr">
-            <a:solidFill>
-              <a:srgbClr val="FF0000"/>
-            </a:solidFill>
-            <a:prstDash val="sysDash"/>
-            <a:round/>
-            <a:headEnd type="none" w="med" len="med"/>
-            <a:tailEnd type="none" w="med" len="med"/>
-          </a:ln>
-        </p:spPr>
-        <p:style>
-          <a:lnRef idx="1">
-            <a:schemeClr val="accent1"/>
-          </a:lnRef>
-          <a:fillRef idx="3">
-            <a:schemeClr val="accent1"/>
-          </a:fillRef>
-          <a:effectRef idx="2">
-            <a:schemeClr val="accent1"/>
-          </a:effectRef>
-          <a:fontRef idx="minor">
-            <a:schemeClr val="lt1"/>
-          </a:fontRef>
-        </p:style>
-        <p:txBody>
-          <a:bodyPr rtlCol="0" anchor="ctr"/>
-          <a:lstStyle/>
-          <a:p>
-            <a:pPr algn="ctr"/>
-            <a:endParaRPr lang="en-US"/>
-          </a:p>
-        </p:txBody>
-      </p:sp>
-      <p:cxnSp>
-        <p:nvCxnSpPr>
-          <p:cNvPr id="304" name="Connecteur droit 303"/>
-          <p:cNvCxnSpPr>
-            <a:stCxn id="302" idx="4"/>
-            <a:endCxn id="303" idx="0"/>
-          </p:cNvCxnSpPr>
-          <p:nvPr/>
-        </p:nvCxnSpPr>
-        <p:spPr>
-          <a:xfrm rot="16200000" flipH="1">
-            <a:off x="9147267" y="3077731"/>
-            <a:ext cx="281274" cy="76200"/>
-          </a:xfrm>
-          <a:prstGeom prst="line">
-            <a:avLst/>
-          </a:prstGeom>
-          <a:solidFill>
-            <a:schemeClr val="accent3">
-              <a:lumMod val="75000"/>
-            </a:schemeClr>
-          </a:solidFill>
-          <a:ln w="12700" cap="flat" cmpd="sng" algn="ctr">
-            <a:solidFill>
-              <a:srgbClr val="FF0000"/>
-            </a:solidFill>
-            <a:prstDash val="sysDash"/>
-            <a:round/>
-            <a:headEnd type="none" w="med" len="med"/>
-            <a:tailEnd type="none" w="med" len="med"/>
-          </a:ln>
-        </p:spPr>
-        <p:style>
-          <a:lnRef idx="2">
-            <a:schemeClr val="accent1"/>
-          </a:lnRef>
-          <a:fillRef idx="0">
-            <a:schemeClr val="accent1"/>
-          </a:fillRef>
-          <a:effectRef idx="1">
-            <a:schemeClr val="accent1"/>
-          </a:effectRef>
-          <a:fontRef idx="minor">
-            <a:schemeClr val="tx1"/>
-          </a:fontRef>
-        </p:style>
-      </p:cxnSp>
-      <p:sp>
-        <p:nvSpPr>
-          <p:cNvPr id="305" name="Ellipse 304"/>
-          <p:cNvSpPr/>
-          <p:nvPr/>
-        </p:nvSpPr>
-        <p:spPr>
-          <a:xfrm>
-            <a:off x="9173604" y="3621784"/>
-            <a:ext cx="76200" cy="84042"/>
-          </a:xfrm>
-          <a:prstGeom prst="ellipse">
-            <a:avLst/>
-          </a:prstGeom>
-          <a:solidFill>
-            <a:schemeClr val="accent3">
-              <a:lumMod val="75000"/>
-            </a:schemeClr>
-          </a:solidFill>
-          <a:ln cap="flat" cmpd="sng" algn="ctr">
-            <a:solidFill>
-              <a:srgbClr val="FF0000"/>
-            </a:solidFill>
-            <a:prstDash val="sysDash"/>
-            <a:round/>
-            <a:headEnd type="none" w="med" len="med"/>
-            <a:tailEnd type="none" w="med" len="med"/>
-          </a:ln>
-        </p:spPr>
-        <p:style>
-          <a:lnRef idx="1">
-            <a:schemeClr val="accent1"/>
-          </a:lnRef>
-          <a:fillRef idx="3">
-            <a:schemeClr val="accent1"/>
-          </a:fillRef>
-          <a:effectRef idx="2">
-            <a:schemeClr val="accent1"/>
-          </a:effectRef>
-          <a:fontRef idx="minor">
-            <a:schemeClr val="lt1"/>
-          </a:fontRef>
-        </p:style>
-        <p:txBody>
-          <a:bodyPr rtlCol="0" anchor="ctr"/>
-          <a:lstStyle/>
-          <a:p>
-            <a:pPr algn="ctr"/>
-            <a:endParaRPr lang="en-US"/>
-          </a:p>
-        </p:txBody>
-      </p:sp>
-      <p:sp>
-        <p:nvSpPr>
-          <p:cNvPr id="306" name="Ellipse 305"/>
-          <p:cNvSpPr/>
-          <p:nvPr/>
-        </p:nvSpPr>
-        <p:spPr>
-          <a:xfrm>
-            <a:off x="9516504" y="3621784"/>
-            <a:ext cx="76200" cy="84042"/>
-          </a:xfrm>
-          <a:prstGeom prst="ellipse">
-            <a:avLst/>
-          </a:prstGeom>
-          <a:solidFill>
-            <a:schemeClr val="accent3">
-              <a:lumMod val="75000"/>
-            </a:schemeClr>
-          </a:solidFill>
-          <a:ln cap="flat" cmpd="sng" algn="ctr">
-            <a:solidFill>
-              <a:srgbClr val="FF0000"/>
-            </a:solidFill>
-            <a:prstDash val="sysDash"/>
-            <a:round/>
-            <a:headEnd type="none" w="med" len="med"/>
-            <a:tailEnd type="none" w="med" len="med"/>
-          </a:ln>
-        </p:spPr>
-        <p:style>
-          <a:lnRef idx="1">
-            <a:schemeClr val="accent1"/>
-          </a:lnRef>
-          <a:fillRef idx="3">
-            <a:schemeClr val="accent1"/>
-          </a:fillRef>
-          <a:effectRef idx="2">
-            <a:schemeClr val="accent1"/>
-          </a:effectRef>
-          <a:fontRef idx="minor">
-            <a:schemeClr val="lt1"/>
-          </a:fontRef>
-        </p:style>
-        <p:txBody>
-          <a:bodyPr rtlCol="0" anchor="ctr"/>
-          <a:lstStyle/>
-          <a:p>
-            <a:pPr algn="ctr"/>
-            <a:endParaRPr lang="en-US"/>
-          </a:p>
-        </p:txBody>
-      </p:sp>
-      <p:cxnSp>
-        <p:nvCxnSpPr>
-          <p:cNvPr id="307" name="Connecteur droit 306"/>
-          <p:cNvCxnSpPr>
-            <a:stCxn id="303" idx="4"/>
-            <a:endCxn id="305" idx="0"/>
-          </p:cNvCxnSpPr>
-          <p:nvPr/>
-        </p:nvCxnSpPr>
-        <p:spPr>
-          <a:xfrm rot="5400000">
-            <a:off x="9128217" y="3423997"/>
-            <a:ext cx="281274" cy="114300"/>
-          </a:xfrm>
-          <a:prstGeom prst="line">
-            <a:avLst/>
-          </a:prstGeom>
-          <a:solidFill>
-            <a:schemeClr val="accent3">
-              <a:lumMod val="75000"/>
-            </a:schemeClr>
-          </a:solidFill>
-          <a:ln w="12700" cap="flat" cmpd="sng" algn="ctr">
-            <a:solidFill>
-              <a:srgbClr val="FF0000"/>
-            </a:solidFill>
-            <a:prstDash val="sysDash"/>
-            <a:round/>
-            <a:headEnd type="none" w="med" len="med"/>
-            <a:tailEnd type="none" w="med" len="med"/>
-          </a:ln>
-        </p:spPr>
-        <p:style>
-          <a:lnRef idx="2">
-            <a:schemeClr val="accent1"/>
-          </a:lnRef>
-          <a:fillRef idx="0">
-            <a:schemeClr val="accent1"/>
-          </a:fillRef>
-          <a:effectRef idx="1">
-            <a:schemeClr val="accent1"/>
-          </a:effectRef>
-          <a:fontRef idx="minor">
-            <a:schemeClr val="tx1"/>
-          </a:fontRef>
-        </p:style>
-      </p:cxnSp>
-      <p:cxnSp>
-        <p:nvCxnSpPr>
-          <p:cNvPr id="308" name="Connecteur droit 307"/>
-          <p:cNvCxnSpPr>
-            <a:stCxn id="303" idx="4"/>
-            <a:endCxn id="306" idx="0"/>
-          </p:cNvCxnSpPr>
-          <p:nvPr/>
-        </p:nvCxnSpPr>
-        <p:spPr>
-          <a:xfrm rot="16200000" flipH="1">
-            <a:off x="9299667" y="3366847"/>
-            <a:ext cx="281274" cy="228600"/>
-          </a:xfrm>
-          <a:prstGeom prst="line">
-            <a:avLst/>
-          </a:prstGeom>
-          <a:solidFill>
-            <a:schemeClr val="accent3">
-              <a:lumMod val="75000"/>
-            </a:schemeClr>
-          </a:solidFill>
-          <a:ln w="12700" cap="flat" cmpd="sng" algn="ctr">
-            <a:solidFill>
-              <a:srgbClr val="FF0000"/>
-            </a:solidFill>
-            <a:prstDash val="sysDash"/>
-            <a:round/>
-            <a:headEnd type="none" w="med" len="med"/>
-            <a:tailEnd type="none" w="med" len="med"/>
-          </a:ln>
-        </p:spPr>
-        <p:style>
-          <a:lnRef idx="2">
-            <a:schemeClr val="accent1"/>
-          </a:lnRef>
-          <a:fillRef idx="0">
-            <a:schemeClr val="accent1"/>
-          </a:fillRef>
-          <a:effectRef idx="1">
-            <a:schemeClr val="accent1"/>
-          </a:effectRef>
-          <a:fontRef idx="minor">
-            <a:schemeClr val="tx1"/>
-          </a:fontRef>
-        </p:style>
-      </p:cxnSp>
-      <p:sp>
-        <p:nvSpPr>
-          <p:cNvPr id="309" name="Ellipse 308"/>
-          <p:cNvSpPr/>
-          <p:nvPr/>
-        </p:nvSpPr>
-        <p:spPr>
-          <a:xfrm>
-            <a:off x="9592705" y="3255909"/>
-            <a:ext cx="76200" cy="84042"/>
-          </a:xfrm>
-          <a:prstGeom prst="ellipse">
-            <a:avLst/>
-          </a:prstGeom>
-          <a:solidFill>
-            <a:schemeClr val="accent3">
-              <a:lumMod val="75000"/>
-            </a:schemeClr>
-          </a:solidFill>
-          <a:ln cap="flat" cmpd="sng" algn="ctr">
-            <a:solidFill>
-              <a:srgbClr val="FF0000"/>
-            </a:solidFill>
-            <a:prstDash val="sysDash"/>
-            <a:round/>
-            <a:headEnd type="none" w="med" len="med"/>
-            <a:tailEnd type="none" w="med" len="med"/>
-          </a:ln>
-        </p:spPr>
-        <p:style>
-          <a:lnRef idx="1">
-            <a:schemeClr val="accent1"/>
-          </a:lnRef>
-          <a:fillRef idx="3">
-            <a:schemeClr val="accent1"/>
-          </a:fillRef>
-          <a:effectRef idx="2">
-            <a:schemeClr val="accent1"/>
-          </a:effectRef>
-          <a:fontRef idx="minor">
-            <a:schemeClr val="lt1"/>
-          </a:fontRef>
-        </p:style>
-        <p:txBody>
-          <a:bodyPr rtlCol="0" anchor="ctr"/>
-          <a:lstStyle/>
-          <a:p>
-            <a:pPr algn="ctr"/>
-            <a:endParaRPr lang="en-US"/>
-          </a:p>
-        </p:txBody>
-      </p:sp>
-      <p:cxnSp>
-        <p:nvCxnSpPr>
-          <p:cNvPr id="310" name="Connecteur droit 309"/>
-          <p:cNvCxnSpPr>
-            <a:stCxn id="302" idx="4"/>
-            <a:endCxn id="309" idx="0"/>
-          </p:cNvCxnSpPr>
-          <p:nvPr/>
-        </p:nvCxnSpPr>
-        <p:spPr>
-          <a:xfrm rot="16200000" flipH="1">
-            <a:off x="9299947" y="2925050"/>
-            <a:ext cx="280715" cy="381001"/>
-          </a:xfrm>
-          <a:prstGeom prst="line">
-            <a:avLst/>
-          </a:prstGeom>
-          <a:solidFill>
-            <a:schemeClr val="accent3">
-              <a:lumMod val="75000"/>
-            </a:schemeClr>
-          </a:solidFill>
-          <a:ln w="12700" cap="flat" cmpd="sng" algn="ctr">
-            <a:solidFill>
-              <a:srgbClr val="FF0000"/>
-            </a:solidFill>
-            <a:prstDash val="sysDash"/>
-            <a:round/>
-            <a:headEnd type="none" w="med" len="med"/>
-            <a:tailEnd type="none" w="med" len="med"/>
-          </a:ln>
-        </p:spPr>
-        <p:style>
-          <a:lnRef idx="2">
-            <a:schemeClr val="accent1"/>
-          </a:lnRef>
-          <a:fillRef idx="0">
-            <a:schemeClr val="accent1"/>
-          </a:fillRef>
-          <a:effectRef idx="1">
-            <a:schemeClr val="accent1"/>
-          </a:effectRef>
-          <a:fontRef idx="minor">
-            <a:schemeClr val="tx1"/>
-          </a:fontRef>
-        </p:style>
-      </p:cxnSp>
-      <p:sp>
-        <p:nvSpPr>
-          <p:cNvPr id="311" name="Ellipse 310"/>
-          <p:cNvSpPr/>
-          <p:nvPr/>
-        </p:nvSpPr>
-        <p:spPr>
-          <a:xfrm>
-            <a:off x="9630806" y="3621225"/>
-            <a:ext cx="76200" cy="84042"/>
-          </a:xfrm>
-          <a:prstGeom prst="ellipse">
-            <a:avLst/>
-          </a:prstGeom>
-          <a:solidFill>
-            <a:schemeClr val="accent3">
-              <a:lumMod val="75000"/>
-            </a:schemeClr>
-          </a:solidFill>
-          <a:ln cap="flat" cmpd="sng" algn="ctr">
-            <a:solidFill>
-              <a:srgbClr val="FF0000"/>
-            </a:solidFill>
-            <a:prstDash val="sysDash"/>
-            <a:round/>
-            <a:headEnd type="none" w="med" len="med"/>
-            <a:tailEnd type="none" w="med" len="med"/>
-          </a:ln>
-        </p:spPr>
-        <p:style>
-          <a:lnRef idx="1">
-            <a:schemeClr val="accent1"/>
-          </a:lnRef>
-          <a:fillRef idx="3">
-            <a:schemeClr val="accent1"/>
-          </a:fillRef>
-          <a:effectRef idx="2">
-            <a:schemeClr val="accent1"/>
-          </a:effectRef>
-          <a:fontRef idx="minor">
-            <a:schemeClr val="lt1"/>
-          </a:fontRef>
-        </p:style>
-        <p:txBody>
-          <a:bodyPr rtlCol="0" anchor="ctr"/>
-          <a:lstStyle/>
-          <a:p>
-            <a:pPr algn="ctr"/>
-            <a:endParaRPr lang="en-US"/>
-          </a:p>
-        </p:txBody>
-      </p:sp>
-      <p:cxnSp>
-        <p:nvCxnSpPr>
-          <p:cNvPr id="312" name="Connecteur droit 311"/>
-          <p:cNvCxnSpPr>
-            <a:stCxn id="309" idx="4"/>
-            <a:endCxn id="311" idx="0"/>
-          </p:cNvCxnSpPr>
-          <p:nvPr/>
-        </p:nvCxnSpPr>
-        <p:spPr>
-          <a:xfrm rot="16200000" flipH="1">
-            <a:off x="9509218" y="3461537"/>
-            <a:ext cx="281274" cy="38101"/>
-          </a:xfrm>
-          <a:prstGeom prst="line">
-            <a:avLst/>
-          </a:prstGeom>
-          <a:solidFill>
-            <a:schemeClr val="accent3">
-              <a:lumMod val="75000"/>
-            </a:schemeClr>
-          </a:solidFill>
-          <a:ln w="12700" cap="flat" cmpd="sng" algn="ctr">
-            <a:solidFill>
-              <a:srgbClr val="FF0000"/>
-            </a:solidFill>
-            <a:prstDash val="sysDash"/>
-            <a:round/>
-            <a:headEnd type="none" w="med" len="med"/>
-            <a:tailEnd type="none" w="med" len="med"/>
-          </a:ln>
-        </p:spPr>
-        <p:style>
-          <a:lnRef idx="2">
-            <a:schemeClr val="accent1"/>
-          </a:lnRef>
-          <a:fillRef idx="0">
-            <a:schemeClr val="accent1"/>
-          </a:fillRef>
-          <a:effectRef idx="1">
-            <a:schemeClr val="accent1"/>
-          </a:effectRef>
-          <a:fontRef idx="minor">
-            <a:schemeClr val="tx1"/>
-          </a:fontRef>
-        </p:style>
-      </p:cxnSp>
       <p:grpSp>
         <p:nvGrpSpPr>
-          <p:cNvPr id="405" name="Grouper 404"/>
+          <p:cNvPr id="341" name="Grouper 340"/>
           <p:cNvGrpSpPr/>
           <p:nvPr/>
         </p:nvGrpSpPr>
         <p:grpSpPr>
           <a:xfrm>
-            <a:off x="8589503" y="2519869"/>
-            <a:ext cx="533402" cy="1182781"/>
-            <a:chOff x="8382000" y="2327868"/>
-            <a:chExt cx="533402" cy="1182781"/>
+            <a:off x="7696027" y="1673463"/>
+            <a:ext cx="2010979" cy="2032364"/>
+            <a:chOff x="8159190" y="2157729"/>
+            <a:chExt cx="1547816" cy="1548097"/>
           </a:xfrm>
         </p:grpSpPr>
+        <p:grpSp>
+          <p:nvGrpSpPr>
+            <p:cNvPr id="425" name="Grouper 424"/>
+            <p:cNvGrpSpPr/>
+            <p:nvPr/>
+          </p:nvGrpSpPr>
+          <p:grpSpPr>
+            <a:xfrm rot="293467">
+              <a:off x="8159190" y="2491753"/>
+              <a:ext cx="213663" cy="476774"/>
+              <a:chOff x="8382000" y="2327868"/>
+              <a:chExt cx="533402" cy="1182781"/>
+            </a:xfrm>
+          </p:grpSpPr>
+          <p:sp>
+            <p:nvSpPr>
+              <p:cNvPr id="426" name="Ellipse 425"/>
+              <p:cNvSpPr/>
+              <p:nvPr/>
+            </p:nvSpPr>
+            <p:spPr>
+              <a:xfrm>
+                <a:off x="8534401" y="2327868"/>
+                <a:ext cx="76200" cy="84042"/>
+              </a:xfrm>
+              <a:prstGeom prst="ellipse">
+                <a:avLst/>
+              </a:prstGeom>
+              <a:ln cap="flat" cmpd="sng" algn="ctr">
+                <a:solidFill>
+                  <a:scrgbClr r="0" g="0" b="0"/>
+                </a:solidFill>
+                <a:prstDash val="sysDash"/>
+                <a:round/>
+                <a:headEnd type="none" w="med" len="med"/>
+                <a:tailEnd type="none" w="med" len="med"/>
+              </a:ln>
+            </p:spPr>
+            <p:style>
+              <a:lnRef idx="1">
+                <a:schemeClr val="accent1"/>
+              </a:lnRef>
+              <a:fillRef idx="3">
+                <a:schemeClr val="accent1"/>
+              </a:fillRef>
+              <a:effectRef idx="2">
+                <a:schemeClr val="accent1"/>
+              </a:effectRef>
+              <a:fontRef idx="minor">
+                <a:schemeClr val="lt1"/>
+              </a:fontRef>
+            </p:style>
+            <p:txBody>
+              <a:bodyPr rtlCol="0" anchor="ctr"/>
+              <a:lstStyle/>
+              <a:p>
+                <a:pPr algn="ctr"/>
+                <a:endParaRPr lang="en-US"/>
+              </a:p>
+            </p:txBody>
+          </p:sp>
+          <p:sp>
+            <p:nvSpPr>
+              <p:cNvPr id="427" name="Ellipse 426"/>
+              <p:cNvSpPr/>
+              <p:nvPr/>
+            </p:nvSpPr>
+            <p:spPr>
+              <a:xfrm>
+                <a:off x="8420101" y="2693184"/>
+                <a:ext cx="76200" cy="84042"/>
+              </a:xfrm>
+              <a:prstGeom prst="ellipse">
+                <a:avLst/>
+              </a:prstGeom>
+              <a:ln cap="flat" cmpd="sng" algn="ctr">
+                <a:solidFill>
+                  <a:scrgbClr r="0" g="0" b="0"/>
+                </a:solidFill>
+                <a:prstDash val="sysDash"/>
+                <a:round/>
+                <a:headEnd type="none" w="med" len="med"/>
+                <a:tailEnd type="none" w="med" len="med"/>
+              </a:ln>
+            </p:spPr>
+            <p:style>
+              <a:lnRef idx="1">
+                <a:schemeClr val="accent1"/>
+              </a:lnRef>
+              <a:fillRef idx="3">
+                <a:schemeClr val="accent1"/>
+              </a:fillRef>
+              <a:effectRef idx="2">
+                <a:schemeClr val="accent1"/>
+              </a:effectRef>
+              <a:fontRef idx="minor">
+                <a:schemeClr val="lt1"/>
+              </a:fontRef>
+            </p:style>
+            <p:txBody>
+              <a:bodyPr rtlCol="0" anchor="ctr"/>
+              <a:lstStyle/>
+              <a:p>
+                <a:pPr algn="ctr"/>
+                <a:endParaRPr lang="en-US"/>
+              </a:p>
+            </p:txBody>
+          </p:sp>
+          <p:sp>
+            <p:nvSpPr>
+              <p:cNvPr id="428" name="Ellipse 427"/>
+              <p:cNvSpPr/>
+              <p:nvPr/>
+            </p:nvSpPr>
+            <p:spPr>
+              <a:xfrm>
+                <a:off x="8610601" y="2693184"/>
+                <a:ext cx="76200" cy="84042"/>
+              </a:xfrm>
+              <a:prstGeom prst="ellipse">
+                <a:avLst/>
+              </a:prstGeom>
+              <a:ln cap="flat" cmpd="sng" algn="ctr">
+                <a:solidFill>
+                  <a:scrgbClr r="0" g="0" b="0"/>
+                </a:solidFill>
+                <a:prstDash val="sysDash"/>
+                <a:round/>
+                <a:headEnd type="none" w="med" len="med"/>
+                <a:tailEnd type="none" w="med" len="med"/>
+              </a:ln>
+            </p:spPr>
+            <p:style>
+              <a:lnRef idx="1">
+                <a:schemeClr val="accent1"/>
+              </a:lnRef>
+              <a:fillRef idx="3">
+                <a:schemeClr val="accent1"/>
+              </a:fillRef>
+              <a:effectRef idx="2">
+                <a:schemeClr val="accent1"/>
+              </a:effectRef>
+              <a:fontRef idx="minor">
+                <a:schemeClr val="lt1"/>
+              </a:fontRef>
+            </p:style>
+            <p:txBody>
+              <a:bodyPr rtlCol="0" anchor="ctr"/>
+              <a:lstStyle/>
+              <a:p>
+                <a:pPr algn="ctr"/>
+                <a:endParaRPr lang="en-US"/>
+              </a:p>
+            </p:txBody>
+          </p:sp>
+          <p:sp>
+            <p:nvSpPr>
+              <p:cNvPr id="429" name="Ellipse 428"/>
+              <p:cNvSpPr/>
+              <p:nvPr/>
+            </p:nvSpPr>
+            <p:spPr>
+              <a:xfrm>
+                <a:off x="8763001" y="2693184"/>
+                <a:ext cx="76200" cy="84042"/>
+              </a:xfrm>
+              <a:prstGeom prst="ellipse">
+                <a:avLst/>
+              </a:prstGeom>
+              <a:ln cap="flat" cmpd="sng" algn="ctr">
+                <a:solidFill>
+                  <a:scrgbClr r="0" g="0" b="0"/>
+                </a:solidFill>
+                <a:prstDash val="sysDash"/>
+                <a:round/>
+                <a:headEnd type="none" w="med" len="med"/>
+                <a:tailEnd type="none" w="med" len="med"/>
+              </a:ln>
+            </p:spPr>
+            <p:style>
+              <a:lnRef idx="1">
+                <a:schemeClr val="accent1"/>
+              </a:lnRef>
+              <a:fillRef idx="3">
+                <a:schemeClr val="accent1"/>
+              </a:fillRef>
+              <a:effectRef idx="2">
+                <a:schemeClr val="accent1"/>
+              </a:effectRef>
+              <a:fontRef idx="minor">
+                <a:schemeClr val="lt1"/>
+              </a:fontRef>
+            </p:style>
+            <p:txBody>
+              <a:bodyPr rtlCol="0" anchor="ctr"/>
+              <a:lstStyle/>
+              <a:p>
+                <a:pPr algn="ctr"/>
+                <a:endParaRPr lang="en-US"/>
+              </a:p>
+            </p:txBody>
+          </p:sp>
+          <p:cxnSp>
+            <p:nvCxnSpPr>
+              <p:cNvPr id="430" name="Connecteur droit 429"/>
+              <p:cNvCxnSpPr>
+                <a:stCxn id="426" idx="4"/>
+                <a:endCxn id="427" idx="0"/>
+              </p:cNvCxnSpPr>
+              <p:nvPr/>
+            </p:nvCxnSpPr>
+            <p:spPr>
+              <a:xfrm rot="5400000">
+                <a:off x="8374714" y="2495397"/>
+                <a:ext cx="281274" cy="114300"/>
+              </a:xfrm>
+              <a:prstGeom prst="line">
+                <a:avLst/>
+              </a:prstGeom>
+              <a:ln w="12700" cap="flat" cmpd="sng" algn="ctr">
+                <a:solidFill>
+                  <a:schemeClr val="accent1"/>
+                </a:solidFill>
+                <a:prstDash val="sysDash"/>
+                <a:round/>
+                <a:headEnd type="none" w="med" len="med"/>
+                <a:tailEnd type="none" w="med" len="med"/>
+              </a:ln>
+            </p:spPr>
+            <p:style>
+              <a:lnRef idx="2">
+                <a:schemeClr val="accent1"/>
+              </a:lnRef>
+              <a:fillRef idx="0">
+                <a:schemeClr val="accent1"/>
+              </a:fillRef>
+              <a:effectRef idx="1">
+                <a:schemeClr val="accent1"/>
+              </a:effectRef>
+              <a:fontRef idx="minor">
+                <a:schemeClr val="tx1"/>
+              </a:fontRef>
+            </p:style>
+          </p:cxnSp>
+          <p:cxnSp>
+            <p:nvCxnSpPr>
+              <p:cNvPr id="431" name="Connecteur droit 430"/>
+              <p:cNvCxnSpPr>
+                <a:stCxn id="426" idx="4"/>
+                <a:endCxn id="428" idx="0"/>
+              </p:cNvCxnSpPr>
+              <p:nvPr/>
+            </p:nvCxnSpPr>
+            <p:spPr>
+              <a:xfrm rot="16200000" flipH="1">
+                <a:off x="8469964" y="2514447"/>
+                <a:ext cx="281274" cy="76200"/>
+              </a:xfrm>
+              <a:prstGeom prst="line">
+                <a:avLst/>
+              </a:prstGeom>
+              <a:ln w="12700" cap="flat" cmpd="sng" algn="ctr">
+                <a:solidFill>
+                  <a:schemeClr val="accent1"/>
+                </a:solidFill>
+                <a:prstDash val="sysDash"/>
+                <a:round/>
+                <a:headEnd type="none" w="med" len="med"/>
+                <a:tailEnd type="none" w="med" len="med"/>
+              </a:ln>
+            </p:spPr>
+            <p:style>
+              <a:lnRef idx="2">
+                <a:schemeClr val="accent1"/>
+              </a:lnRef>
+              <a:fillRef idx="0">
+                <a:schemeClr val="accent1"/>
+              </a:fillRef>
+              <a:effectRef idx="1">
+                <a:schemeClr val="accent1"/>
+              </a:effectRef>
+              <a:fontRef idx="minor">
+                <a:schemeClr val="tx1"/>
+              </a:fontRef>
+            </p:style>
+          </p:cxnSp>
+          <p:cxnSp>
+            <p:nvCxnSpPr>
+              <p:cNvPr id="432" name="Connecteur droit 431"/>
+              <p:cNvCxnSpPr>
+                <a:stCxn id="426" idx="4"/>
+                <a:endCxn id="429" idx="0"/>
+              </p:cNvCxnSpPr>
+              <p:nvPr/>
+            </p:nvCxnSpPr>
+            <p:spPr>
+              <a:xfrm rot="16200000" flipH="1">
+                <a:off x="8546164" y="2438247"/>
+                <a:ext cx="281274" cy="228600"/>
+              </a:xfrm>
+              <a:prstGeom prst="line">
+                <a:avLst/>
+              </a:prstGeom>
+              <a:ln w="12700" cap="flat" cmpd="sng" algn="ctr">
+                <a:solidFill>
+                  <a:schemeClr val="accent1"/>
+                </a:solidFill>
+                <a:prstDash val="sysDash"/>
+                <a:round/>
+                <a:headEnd type="none" w="med" len="med"/>
+                <a:tailEnd type="none" w="med" len="med"/>
+              </a:ln>
+            </p:spPr>
+            <p:style>
+              <a:lnRef idx="2">
+                <a:schemeClr val="accent1"/>
+              </a:lnRef>
+              <a:fillRef idx="0">
+                <a:schemeClr val="accent1"/>
+              </a:fillRef>
+              <a:effectRef idx="1">
+                <a:schemeClr val="accent1"/>
+              </a:effectRef>
+              <a:fontRef idx="minor">
+                <a:schemeClr val="tx1"/>
+              </a:fontRef>
+            </p:style>
+          </p:cxnSp>
+          <p:sp>
+            <p:nvSpPr>
+              <p:cNvPr id="433" name="Ellipse 432"/>
+              <p:cNvSpPr/>
+              <p:nvPr/>
+            </p:nvSpPr>
+            <p:spPr>
+              <a:xfrm>
+                <a:off x="8420100" y="2695975"/>
+                <a:ext cx="76200" cy="84042"/>
+              </a:xfrm>
+              <a:prstGeom prst="ellipse">
+                <a:avLst/>
+              </a:prstGeom>
+              <a:solidFill>
+                <a:schemeClr val="accent3">
+                  <a:lumMod val="75000"/>
+                </a:schemeClr>
+              </a:solidFill>
+              <a:ln cap="flat" cmpd="sng" algn="ctr">
+                <a:solidFill>
+                  <a:srgbClr val="FF0000"/>
+                </a:solidFill>
+                <a:prstDash val="sysDash"/>
+                <a:round/>
+                <a:headEnd type="none" w="med" len="med"/>
+                <a:tailEnd type="none" w="med" len="med"/>
+              </a:ln>
+            </p:spPr>
+            <p:style>
+              <a:lnRef idx="1">
+                <a:schemeClr val="accent1"/>
+              </a:lnRef>
+              <a:fillRef idx="3">
+                <a:schemeClr val="accent1"/>
+              </a:fillRef>
+              <a:effectRef idx="2">
+                <a:schemeClr val="accent1"/>
+              </a:effectRef>
+              <a:fontRef idx="minor">
+                <a:schemeClr val="lt1"/>
+              </a:fontRef>
+            </p:style>
+            <p:txBody>
+              <a:bodyPr rtlCol="0" anchor="ctr"/>
+              <a:lstStyle/>
+              <a:p>
+                <a:pPr algn="ctr"/>
+                <a:endParaRPr lang="en-US"/>
+              </a:p>
+            </p:txBody>
+          </p:sp>
+          <p:sp>
+            <p:nvSpPr>
+              <p:cNvPr id="434" name="Ellipse 433"/>
+              <p:cNvSpPr/>
+              <p:nvPr/>
+            </p:nvSpPr>
+            <p:spPr>
+              <a:xfrm>
+                <a:off x="8496300" y="3061291"/>
+                <a:ext cx="76200" cy="84042"/>
+              </a:xfrm>
+              <a:prstGeom prst="ellipse">
+                <a:avLst/>
+              </a:prstGeom>
+              <a:solidFill>
+                <a:schemeClr val="accent3">
+                  <a:lumMod val="75000"/>
+                </a:schemeClr>
+              </a:solidFill>
+              <a:ln cap="flat" cmpd="sng" algn="ctr">
+                <a:solidFill>
+                  <a:srgbClr val="FF0000"/>
+                </a:solidFill>
+                <a:prstDash val="sysDash"/>
+                <a:round/>
+                <a:headEnd type="none" w="med" len="med"/>
+                <a:tailEnd type="none" w="med" len="med"/>
+              </a:ln>
+            </p:spPr>
+            <p:style>
+              <a:lnRef idx="1">
+                <a:schemeClr val="accent1"/>
+              </a:lnRef>
+              <a:fillRef idx="3">
+                <a:schemeClr val="accent1"/>
+              </a:fillRef>
+              <a:effectRef idx="2">
+                <a:schemeClr val="accent1"/>
+              </a:effectRef>
+              <a:fontRef idx="minor">
+                <a:schemeClr val="lt1"/>
+              </a:fontRef>
+            </p:style>
+            <p:txBody>
+              <a:bodyPr rtlCol="0" anchor="ctr"/>
+              <a:lstStyle/>
+              <a:p>
+                <a:pPr algn="ctr"/>
+                <a:endParaRPr lang="en-US"/>
+              </a:p>
+            </p:txBody>
+          </p:sp>
+          <p:cxnSp>
+            <p:nvCxnSpPr>
+              <p:cNvPr id="435" name="Connecteur droit 434"/>
+              <p:cNvCxnSpPr>
+                <a:stCxn id="433" idx="4"/>
+                <a:endCxn id="434" idx="0"/>
+              </p:cNvCxnSpPr>
+              <p:nvPr/>
+            </p:nvCxnSpPr>
+            <p:spPr>
+              <a:xfrm rot="16200000" flipH="1">
+                <a:off x="8355663" y="2882554"/>
+                <a:ext cx="281274" cy="76200"/>
+              </a:xfrm>
+              <a:prstGeom prst="line">
+                <a:avLst/>
+              </a:prstGeom>
+              <a:solidFill>
+                <a:schemeClr val="accent3">
+                  <a:lumMod val="75000"/>
+                </a:schemeClr>
+              </a:solidFill>
+              <a:ln w="12700" cap="flat" cmpd="sng" algn="ctr">
+                <a:solidFill>
+                  <a:srgbClr val="FF0000"/>
+                </a:solidFill>
+                <a:prstDash val="sysDash"/>
+                <a:round/>
+                <a:headEnd type="none" w="med" len="med"/>
+                <a:tailEnd type="none" w="med" len="med"/>
+              </a:ln>
+            </p:spPr>
+            <p:style>
+              <a:lnRef idx="2">
+                <a:schemeClr val="accent1"/>
+              </a:lnRef>
+              <a:fillRef idx="0">
+                <a:schemeClr val="accent1"/>
+              </a:fillRef>
+              <a:effectRef idx="1">
+                <a:schemeClr val="accent1"/>
+              </a:effectRef>
+              <a:fontRef idx="minor">
+                <a:schemeClr val="tx1"/>
+              </a:fontRef>
+            </p:style>
+          </p:cxnSp>
+          <p:sp>
+            <p:nvSpPr>
+              <p:cNvPr id="436" name="Ellipse 435"/>
+              <p:cNvSpPr/>
+              <p:nvPr/>
+            </p:nvSpPr>
+            <p:spPr>
+              <a:xfrm>
+                <a:off x="8382000" y="3426607"/>
+                <a:ext cx="76200" cy="84042"/>
+              </a:xfrm>
+              <a:prstGeom prst="ellipse">
+                <a:avLst/>
+              </a:prstGeom>
+              <a:solidFill>
+                <a:schemeClr val="accent3">
+                  <a:lumMod val="75000"/>
+                </a:schemeClr>
+              </a:solidFill>
+              <a:ln cap="flat" cmpd="sng" algn="ctr">
+                <a:solidFill>
+                  <a:srgbClr val="FF0000"/>
+                </a:solidFill>
+                <a:prstDash val="sysDash"/>
+                <a:round/>
+                <a:headEnd type="none" w="med" len="med"/>
+                <a:tailEnd type="none" w="med" len="med"/>
+              </a:ln>
+            </p:spPr>
+            <p:style>
+              <a:lnRef idx="1">
+                <a:schemeClr val="accent1"/>
+              </a:lnRef>
+              <a:fillRef idx="3">
+                <a:schemeClr val="accent1"/>
+              </a:fillRef>
+              <a:effectRef idx="2">
+                <a:schemeClr val="accent1"/>
+              </a:effectRef>
+              <a:fontRef idx="minor">
+                <a:schemeClr val="lt1"/>
+              </a:fontRef>
+            </p:style>
+            <p:txBody>
+              <a:bodyPr rtlCol="0" anchor="ctr"/>
+              <a:lstStyle/>
+              <a:p>
+                <a:pPr algn="ctr"/>
+                <a:endParaRPr lang="en-US"/>
+              </a:p>
+            </p:txBody>
+          </p:sp>
+          <p:sp>
+            <p:nvSpPr>
+              <p:cNvPr id="437" name="Ellipse 436"/>
+              <p:cNvSpPr/>
+              <p:nvPr/>
+            </p:nvSpPr>
+            <p:spPr>
+              <a:xfrm>
+                <a:off x="8724900" y="3426607"/>
+                <a:ext cx="76200" cy="84042"/>
+              </a:xfrm>
+              <a:prstGeom prst="ellipse">
+                <a:avLst/>
+              </a:prstGeom>
+              <a:solidFill>
+                <a:schemeClr val="accent3">
+                  <a:lumMod val="75000"/>
+                </a:schemeClr>
+              </a:solidFill>
+              <a:ln cap="flat" cmpd="sng" algn="ctr">
+                <a:solidFill>
+                  <a:srgbClr val="FF0000"/>
+                </a:solidFill>
+                <a:prstDash val="sysDash"/>
+                <a:round/>
+                <a:headEnd type="none" w="med" len="med"/>
+                <a:tailEnd type="none" w="med" len="med"/>
+              </a:ln>
+            </p:spPr>
+            <p:style>
+              <a:lnRef idx="1">
+                <a:schemeClr val="accent1"/>
+              </a:lnRef>
+              <a:fillRef idx="3">
+                <a:schemeClr val="accent1"/>
+              </a:fillRef>
+              <a:effectRef idx="2">
+                <a:schemeClr val="accent1"/>
+              </a:effectRef>
+              <a:fontRef idx="minor">
+                <a:schemeClr val="lt1"/>
+              </a:fontRef>
+            </p:style>
+            <p:txBody>
+              <a:bodyPr rtlCol="0" anchor="ctr"/>
+              <a:lstStyle/>
+              <a:p>
+                <a:pPr algn="ctr"/>
+                <a:endParaRPr lang="en-US"/>
+              </a:p>
+            </p:txBody>
+          </p:sp>
+          <p:cxnSp>
+            <p:nvCxnSpPr>
+              <p:cNvPr id="438" name="Connecteur droit 437"/>
+              <p:cNvCxnSpPr>
+                <a:stCxn id="434" idx="4"/>
+                <a:endCxn id="436" idx="0"/>
+              </p:cNvCxnSpPr>
+              <p:nvPr/>
+            </p:nvCxnSpPr>
+            <p:spPr>
+              <a:xfrm rot="5400000">
+                <a:off x="8336613" y="3228820"/>
+                <a:ext cx="281274" cy="114300"/>
+              </a:xfrm>
+              <a:prstGeom prst="line">
+                <a:avLst/>
+              </a:prstGeom>
+              <a:solidFill>
+                <a:schemeClr val="accent3">
+                  <a:lumMod val="75000"/>
+                </a:schemeClr>
+              </a:solidFill>
+              <a:ln w="12700" cap="flat" cmpd="sng" algn="ctr">
+                <a:solidFill>
+                  <a:srgbClr val="FF0000"/>
+                </a:solidFill>
+                <a:prstDash val="sysDash"/>
+                <a:round/>
+                <a:headEnd type="none" w="med" len="med"/>
+                <a:tailEnd type="none" w="med" len="med"/>
+              </a:ln>
+            </p:spPr>
+            <p:style>
+              <a:lnRef idx="2">
+                <a:schemeClr val="accent1"/>
+              </a:lnRef>
+              <a:fillRef idx="0">
+                <a:schemeClr val="accent1"/>
+              </a:fillRef>
+              <a:effectRef idx="1">
+                <a:schemeClr val="accent1"/>
+              </a:effectRef>
+              <a:fontRef idx="minor">
+                <a:schemeClr val="tx1"/>
+              </a:fontRef>
+            </p:style>
+          </p:cxnSp>
+          <p:cxnSp>
+            <p:nvCxnSpPr>
+              <p:cNvPr id="439" name="Connecteur droit 438"/>
+              <p:cNvCxnSpPr>
+                <a:stCxn id="434" idx="4"/>
+                <a:endCxn id="437" idx="0"/>
+              </p:cNvCxnSpPr>
+              <p:nvPr/>
+            </p:nvCxnSpPr>
+            <p:spPr>
+              <a:xfrm rot="16200000" flipH="1">
+                <a:off x="8508063" y="3171670"/>
+                <a:ext cx="281274" cy="228600"/>
+              </a:xfrm>
+              <a:prstGeom prst="line">
+                <a:avLst/>
+              </a:prstGeom>
+              <a:solidFill>
+                <a:schemeClr val="accent3">
+                  <a:lumMod val="75000"/>
+                </a:schemeClr>
+              </a:solidFill>
+              <a:ln w="12700" cap="flat" cmpd="sng" algn="ctr">
+                <a:solidFill>
+                  <a:srgbClr val="FF0000"/>
+                </a:solidFill>
+                <a:prstDash val="sysDash"/>
+                <a:round/>
+                <a:headEnd type="none" w="med" len="med"/>
+                <a:tailEnd type="none" w="med" len="med"/>
+              </a:ln>
+            </p:spPr>
+            <p:style>
+              <a:lnRef idx="2">
+                <a:schemeClr val="accent1"/>
+              </a:lnRef>
+              <a:fillRef idx="0">
+                <a:schemeClr val="accent1"/>
+              </a:fillRef>
+              <a:effectRef idx="1">
+                <a:schemeClr val="accent1"/>
+              </a:effectRef>
+              <a:fontRef idx="minor">
+                <a:schemeClr val="tx1"/>
+              </a:fontRef>
+            </p:style>
+          </p:cxnSp>
+          <p:sp>
+            <p:nvSpPr>
+              <p:cNvPr id="440" name="Ellipse 439"/>
+              <p:cNvSpPr/>
+              <p:nvPr/>
+            </p:nvSpPr>
+            <p:spPr>
+              <a:xfrm>
+                <a:off x="8801101" y="3060732"/>
+                <a:ext cx="76200" cy="84042"/>
+              </a:xfrm>
+              <a:prstGeom prst="ellipse">
+                <a:avLst/>
+              </a:prstGeom>
+              <a:solidFill>
+                <a:schemeClr val="accent3">
+                  <a:lumMod val="75000"/>
+                </a:schemeClr>
+              </a:solidFill>
+              <a:ln cap="flat" cmpd="sng" algn="ctr">
+                <a:solidFill>
+                  <a:srgbClr val="FF0000"/>
+                </a:solidFill>
+                <a:prstDash val="sysDash"/>
+                <a:round/>
+                <a:headEnd type="none" w="med" len="med"/>
+                <a:tailEnd type="none" w="med" len="med"/>
+              </a:ln>
+            </p:spPr>
+            <p:style>
+              <a:lnRef idx="1">
+                <a:schemeClr val="accent1"/>
+              </a:lnRef>
+              <a:fillRef idx="3">
+                <a:schemeClr val="accent1"/>
+              </a:fillRef>
+              <a:effectRef idx="2">
+                <a:schemeClr val="accent1"/>
+              </a:effectRef>
+              <a:fontRef idx="minor">
+                <a:schemeClr val="lt1"/>
+              </a:fontRef>
+            </p:style>
+            <p:txBody>
+              <a:bodyPr rtlCol="0" anchor="ctr"/>
+              <a:lstStyle/>
+              <a:p>
+                <a:pPr algn="ctr"/>
+                <a:endParaRPr lang="en-US"/>
+              </a:p>
+            </p:txBody>
+          </p:sp>
+          <p:cxnSp>
+            <p:nvCxnSpPr>
+              <p:cNvPr id="441" name="Connecteur droit 440"/>
+              <p:cNvCxnSpPr>
+                <a:stCxn id="433" idx="4"/>
+                <a:endCxn id="440" idx="0"/>
+              </p:cNvCxnSpPr>
+              <p:nvPr/>
+            </p:nvCxnSpPr>
+            <p:spPr>
+              <a:xfrm rot="16200000" flipH="1">
+                <a:off x="8508343" y="2729873"/>
+                <a:ext cx="280715" cy="381001"/>
+              </a:xfrm>
+              <a:prstGeom prst="line">
+                <a:avLst/>
+              </a:prstGeom>
+              <a:solidFill>
+                <a:schemeClr val="accent3">
+                  <a:lumMod val="75000"/>
+                </a:schemeClr>
+              </a:solidFill>
+              <a:ln w="12700" cap="flat" cmpd="sng" algn="ctr">
+                <a:solidFill>
+                  <a:srgbClr val="FF0000"/>
+                </a:solidFill>
+                <a:prstDash val="sysDash"/>
+                <a:round/>
+                <a:headEnd type="none" w="med" len="med"/>
+                <a:tailEnd type="none" w="med" len="med"/>
+              </a:ln>
+            </p:spPr>
+            <p:style>
+              <a:lnRef idx="2">
+                <a:schemeClr val="accent1"/>
+              </a:lnRef>
+              <a:fillRef idx="0">
+                <a:schemeClr val="accent1"/>
+              </a:fillRef>
+              <a:effectRef idx="1">
+                <a:schemeClr val="accent1"/>
+              </a:effectRef>
+              <a:fontRef idx="minor">
+                <a:schemeClr val="tx1"/>
+              </a:fontRef>
+            </p:style>
+          </p:cxnSp>
+          <p:sp>
+            <p:nvSpPr>
+              <p:cNvPr id="442" name="Ellipse 441"/>
+              <p:cNvSpPr/>
+              <p:nvPr/>
+            </p:nvSpPr>
+            <p:spPr>
+              <a:xfrm>
+                <a:off x="8839202" y="3426048"/>
+                <a:ext cx="76200" cy="84042"/>
+              </a:xfrm>
+              <a:prstGeom prst="ellipse">
+                <a:avLst/>
+              </a:prstGeom>
+              <a:solidFill>
+                <a:schemeClr val="accent3">
+                  <a:lumMod val="75000"/>
+                </a:schemeClr>
+              </a:solidFill>
+              <a:ln cap="flat" cmpd="sng" algn="ctr">
+                <a:solidFill>
+                  <a:srgbClr val="FF0000"/>
+                </a:solidFill>
+                <a:prstDash val="sysDash"/>
+                <a:round/>
+                <a:headEnd type="none" w="med" len="med"/>
+                <a:tailEnd type="none" w="med" len="med"/>
+              </a:ln>
+            </p:spPr>
+            <p:style>
+              <a:lnRef idx="1">
+                <a:schemeClr val="accent1"/>
+              </a:lnRef>
+              <a:fillRef idx="3">
+                <a:schemeClr val="accent1"/>
+              </a:fillRef>
+              <a:effectRef idx="2">
+                <a:schemeClr val="accent1"/>
+              </a:effectRef>
+              <a:fontRef idx="minor">
+                <a:schemeClr val="lt1"/>
+              </a:fontRef>
+            </p:style>
+            <p:txBody>
+              <a:bodyPr rtlCol="0" anchor="ctr"/>
+              <a:lstStyle/>
+              <a:p>
+                <a:pPr algn="ctr"/>
+                <a:endParaRPr lang="en-US"/>
+              </a:p>
+            </p:txBody>
+          </p:sp>
+          <p:cxnSp>
+            <p:nvCxnSpPr>
+              <p:cNvPr id="443" name="Connecteur droit 442"/>
+              <p:cNvCxnSpPr>
+                <a:stCxn id="440" idx="4"/>
+                <a:endCxn id="442" idx="0"/>
+              </p:cNvCxnSpPr>
+              <p:nvPr/>
+            </p:nvCxnSpPr>
+            <p:spPr>
+              <a:xfrm rot="16200000" flipH="1">
+                <a:off x="8717614" y="3266360"/>
+                <a:ext cx="281274" cy="38101"/>
+              </a:xfrm>
+              <a:prstGeom prst="line">
+                <a:avLst/>
+              </a:prstGeom>
+              <a:solidFill>
+                <a:schemeClr val="accent3">
+                  <a:lumMod val="75000"/>
+                </a:schemeClr>
+              </a:solidFill>
+              <a:ln w="12700" cap="flat" cmpd="sng" algn="ctr">
+                <a:solidFill>
+                  <a:srgbClr val="FF0000"/>
+                </a:solidFill>
+                <a:prstDash val="sysDash"/>
+                <a:round/>
+                <a:headEnd type="none" w="med" len="med"/>
+                <a:tailEnd type="none" w="med" len="med"/>
+              </a:ln>
+            </p:spPr>
+            <p:style>
+              <a:lnRef idx="2">
+                <a:schemeClr val="accent1"/>
+              </a:lnRef>
+              <a:fillRef idx="0">
+                <a:schemeClr val="accent1"/>
+              </a:fillRef>
+              <a:effectRef idx="1">
+                <a:schemeClr val="accent1"/>
+              </a:effectRef>
+              <a:fontRef idx="minor">
+                <a:schemeClr val="tx1"/>
+              </a:fontRef>
+            </p:style>
+          </p:cxnSp>
+        </p:grpSp>
+        <p:grpSp>
+          <p:nvGrpSpPr>
+            <p:cNvPr id="406" name="Grouper 405"/>
+            <p:cNvGrpSpPr/>
+            <p:nvPr/>
+          </p:nvGrpSpPr>
+          <p:grpSpPr>
+            <a:xfrm rot="212483">
+              <a:off x="8365567" y="2523363"/>
+              <a:ext cx="295021" cy="654188"/>
+              <a:chOff x="8382000" y="2327868"/>
+              <a:chExt cx="533402" cy="1182781"/>
+            </a:xfrm>
+          </p:grpSpPr>
+          <p:sp>
+            <p:nvSpPr>
+              <p:cNvPr id="407" name="Ellipse 406"/>
+              <p:cNvSpPr/>
+              <p:nvPr/>
+            </p:nvSpPr>
+            <p:spPr>
+              <a:xfrm>
+                <a:off x="8534401" y="2327868"/>
+                <a:ext cx="76200" cy="84042"/>
+              </a:xfrm>
+              <a:prstGeom prst="ellipse">
+                <a:avLst/>
+              </a:prstGeom>
+              <a:ln cap="flat" cmpd="sng" algn="ctr">
+                <a:solidFill>
+                  <a:scrgbClr r="0" g="0" b="0"/>
+                </a:solidFill>
+                <a:prstDash val="sysDash"/>
+                <a:round/>
+                <a:headEnd type="none" w="med" len="med"/>
+                <a:tailEnd type="none" w="med" len="med"/>
+              </a:ln>
+            </p:spPr>
+            <p:style>
+              <a:lnRef idx="1">
+                <a:schemeClr val="accent1"/>
+              </a:lnRef>
+              <a:fillRef idx="3">
+                <a:schemeClr val="accent1"/>
+              </a:fillRef>
+              <a:effectRef idx="2">
+                <a:schemeClr val="accent1"/>
+              </a:effectRef>
+              <a:fontRef idx="minor">
+                <a:schemeClr val="lt1"/>
+              </a:fontRef>
+            </p:style>
+            <p:txBody>
+              <a:bodyPr rtlCol="0" anchor="ctr"/>
+              <a:lstStyle/>
+              <a:p>
+                <a:pPr algn="ctr"/>
+                <a:endParaRPr lang="en-US"/>
+              </a:p>
+            </p:txBody>
+          </p:sp>
+          <p:sp>
+            <p:nvSpPr>
+              <p:cNvPr id="408" name="Ellipse 407"/>
+              <p:cNvSpPr/>
+              <p:nvPr/>
+            </p:nvSpPr>
+            <p:spPr>
+              <a:xfrm>
+                <a:off x="8420101" y="2693184"/>
+                <a:ext cx="76200" cy="84042"/>
+              </a:xfrm>
+              <a:prstGeom prst="ellipse">
+                <a:avLst/>
+              </a:prstGeom>
+              <a:ln cap="flat" cmpd="sng" algn="ctr">
+                <a:solidFill>
+                  <a:scrgbClr r="0" g="0" b="0"/>
+                </a:solidFill>
+                <a:prstDash val="sysDash"/>
+                <a:round/>
+                <a:headEnd type="none" w="med" len="med"/>
+                <a:tailEnd type="none" w="med" len="med"/>
+              </a:ln>
+            </p:spPr>
+            <p:style>
+              <a:lnRef idx="1">
+                <a:schemeClr val="accent1"/>
+              </a:lnRef>
+              <a:fillRef idx="3">
+                <a:schemeClr val="accent1"/>
+              </a:fillRef>
+              <a:effectRef idx="2">
+                <a:schemeClr val="accent1"/>
+              </a:effectRef>
+              <a:fontRef idx="minor">
+                <a:schemeClr val="lt1"/>
+              </a:fontRef>
+            </p:style>
+            <p:txBody>
+              <a:bodyPr rtlCol="0" anchor="ctr"/>
+              <a:lstStyle/>
+              <a:p>
+                <a:pPr algn="ctr"/>
+                <a:endParaRPr lang="en-US"/>
+              </a:p>
+            </p:txBody>
+          </p:sp>
+          <p:sp>
+            <p:nvSpPr>
+              <p:cNvPr id="409" name="Ellipse 408"/>
+              <p:cNvSpPr/>
+              <p:nvPr/>
+            </p:nvSpPr>
+            <p:spPr>
+              <a:xfrm>
+                <a:off x="8610601" y="2693184"/>
+                <a:ext cx="76200" cy="84042"/>
+              </a:xfrm>
+              <a:prstGeom prst="ellipse">
+                <a:avLst/>
+              </a:prstGeom>
+              <a:ln cap="flat" cmpd="sng" algn="ctr">
+                <a:solidFill>
+                  <a:scrgbClr r="0" g="0" b="0"/>
+                </a:solidFill>
+                <a:prstDash val="sysDash"/>
+                <a:round/>
+                <a:headEnd type="none" w="med" len="med"/>
+                <a:tailEnd type="none" w="med" len="med"/>
+              </a:ln>
+            </p:spPr>
+            <p:style>
+              <a:lnRef idx="1">
+                <a:schemeClr val="accent1"/>
+              </a:lnRef>
+              <a:fillRef idx="3">
+                <a:schemeClr val="accent1"/>
+              </a:fillRef>
+              <a:effectRef idx="2">
+                <a:schemeClr val="accent1"/>
+              </a:effectRef>
+              <a:fontRef idx="minor">
+                <a:schemeClr val="lt1"/>
+              </a:fontRef>
+            </p:style>
+            <p:txBody>
+              <a:bodyPr rtlCol="0" anchor="ctr"/>
+              <a:lstStyle/>
+              <a:p>
+                <a:pPr algn="ctr"/>
+                <a:endParaRPr lang="en-US"/>
+              </a:p>
+            </p:txBody>
+          </p:sp>
+          <p:sp>
+            <p:nvSpPr>
+              <p:cNvPr id="410" name="Ellipse 409"/>
+              <p:cNvSpPr/>
+              <p:nvPr/>
+            </p:nvSpPr>
+            <p:spPr>
+              <a:xfrm>
+                <a:off x="8763001" y="2693184"/>
+                <a:ext cx="76200" cy="84042"/>
+              </a:xfrm>
+              <a:prstGeom prst="ellipse">
+                <a:avLst/>
+              </a:prstGeom>
+              <a:ln cap="flat" cmpd="sng" algn="ctr">
+                <a:solidFill>
+                  <a:scrgbClr r="0" g="0" b="0"/>
+                </a:solidFill>
+                <a:prstDash val="sysDash"/>
+                <a:round/>
+                <a:headEnd type="none" w="med" len="med"/>
+                <a:tailEnd type="none" w="med" len="med"/>
+              </a:ln>
+            </p:spPr>
+            <p:style>
+              <a:lnRef idx="1">
+                <a:schemeClr val="accent1"/>
+              </a:lnRef>
+              <a:fillRef idx="3">
+                <a:schemeClr val="accent1"/>
+              </a:fillRef>
+              <a:effectRef idx="2">
+                <a:schemeClr val="accent1"/>
+              </a:effectRef>
+              <a:fontRef idx="minor">
+                <a:schemeClr val="lt1"/>
+              </a:fontRef>
+            </p:style>
+            <p:txBody>
+              <a:bodyPr rtlCol="0" anchor="ctr"/>
+              <a:lstStyle/>
+              <a:p>
+                <a:pPr algn="ctr"/>
+                <a:endParaRPr lang="en-US"/>
+              </a:p>
+            </p:txBody>
+          </p:sp>
+          <p:cxnSp>
+            <p:nvCxnSpPr>
+              <p:cNvPr id="411" name="Connecteur droit 410"/>
+              <p:cNvCxnSpPr>
+                <a:stCxn id="407" idx="4"/>
+                <a:endCxn id="408" idx="0"/>
+              </p:cNvCxnSpPr>
+              <p:nvPr/>
+            </p:nvCxnSpPr>
+            <p:spPr>
+              <a:xfrm rot="5400000">
+                <a:off x="8374714" y="2495397"/>
+                <a:ext cx="281274" cy="114300"/>
+              </a:xfrm>
+              <a:prstGeom prst="line">
+                <a:avLst/>
+              </a:prstGeom>
+              <a:ln w="12700" cap="flat" cmpd="sng" algn="ctr">
+                <a:solidFill>
+                  <a:schemeClr val="accent1"/>
+                </a:solidFill>
+                <a:prstDash val="sysDash"/>
+                <a:round/>
+                <a:headEnd type="none" w="med" len="med"/>
+                <a:tailEnd type="none" w="med" len="med"/>
+              </a:ln>
+            </p:spPr>
+            <p:style>
+              <a:lnRef idx="2">
+                <a:schemeClr val="accent1"/>
+              </a:lnRef>
+              <a:fillRef idx="0">
+                <a:schemeClr val="accent1"/>
+              </a:fillRef>
+              <a:effectRef idx="1">
+                <a:schemeClr val="accent1"/>
+              </a:effectRef>
+              <a:fontRef idx="minor">
+                <a:schemeClr val="tx1"/>
+              </a:fontRef>
+            </p:style>
+          </p:cxnSp>
+          <p:cxnSp>
+            <p:nvCxnSpPr>
+              <p:cNvPr id="412" name="Connecteur droit 411"/>
+              <p:cNvCxnSpPr>
+                <a:stCxn id="407" idx="4"/>
+                <a:endCxn id="409" idx="0"/>
+              </p:cNvCxnSpPr>
+              <p:nvPr/>
+            </p:nvCxnSpPr>
+            <p:spPr>
+              <a:xfrm rot="16200000" flipH="1">
+                <a:off x="8469964" y="2514447"/>
+                <a:ext cx="281274" cy="76200"/>
+              </a:xfrm>
+              <a:prstGeom prst="line">
+                <a:avLst/>
+              </a:prstGeom>
+              <a:ln w="12700" cap="flat" cmpd="sng" algn="ctr">
+                <a:solidFill>
+                  <a:schemeClr val="accent1"/>
+                </a:solidFill>
+                <a:prstDash val="sysDash"/>
+                <a:round/>
+                <a:headEnd type="none" w="med" len="med"/>
+                <a:tailEnd type="none" w="med" len="med"/>
+              </a:ln>
+            </p:spPr>
+            <p:style>
+              <a:lnRef idx="2">
+                <a:schemeClr val="accent1"/>
+              </a:lnRef>
+              <a:fillRef idx="0">
+                <a:schemeClr val="accent1"/>
+              </a:fillRef>
+              <a:effectRef idx="1">
+                <a:schemeClr val="accent1"/>
+              </a:effectRef>
+              <a:fontRef idx="minor">
+                <a:schemeClr val="tx1"/>
+              </a:fontRef>
+            </p:style>
+          </p:cxnSp>
+          <p:cxnSp>
+            <p:nvCxnSpPr>
+              <p:cNvPr id="413" name="Connecteur droit 412"/>
+              <p:cNvCxnSpPr>
+                <a:stCxn id="407" idx="4"/>
+                <a:endCxn id="410" idx="0"/>
+              </p:cNvCxnSpPr>
+              <p:nvPr/>
+            </p:nvCxnSpPr>
+            <p:spPr>
+              <a:xfrm rot="16200000" flipH="1">
+                <a:off x="8546164" y="2438247"/>
+                <a:ext cx="281274" cy="228600"/>
+              </a:xfrm>
+              <a:prstGeom prst="line">
+                <a:avLst/>
+              </a:prstGeom>
+              <a:ln w="12700" cap="flat" cmpd="sng" algn="ctr">
+                <a:solidFill>
+                  <a:schemeClr val="accent1"/>
+                </a:solidFill>
+                <a:prstDash val="sysDash"/>
+                <a:round/>
+                <a:headEnd type="none" w="med" len="med"/>
+                <a:tailEnd type="none" w="med" len="med"/>
+              </a:ln>
+            </p:spPr>
+            <p:style>
+              <a:lnRef idx="2">
+                <a:schemeClr val="accent1"/>
+              </a:lnRef>
+              <a:fillRef idx="0">
+                <a:schemeClr val="accent1"/>
+              </a:fillRef>
+              <a:effectRef idx="1">
+                <a:schemeClr val="accent1"/>
+              </a:effectRef>
+              <a:fontRef idx="minor">
+                <a:schemeClr val="tx1"/>
+              </a:fontRef>
+            </p:style>
+          </p:cxnSp>
+          <p:sp>
+            <p:nvSpPr>
+              <p:cNvPr id="414" name="Ellipse 413"/>
+              <p:cNvSpPr/>
+              <p:nvPr/>
+            </p:nvSpPr>
+            <p:spPr>
+              <a:xfrm>
+                <a:off x="8420100" y="2695975"/>
+                <a:ext cx="76200" cy="84042"/>
+              </a:xfrm>
+              <a:prstGeom prst="ellipse">
+                <a:avLst/>
+              </a:prstGeom>
+              <a:solidFill>
+                <a:schemeClr val="accent3">
+                  <a:lumMod val="75000"/>
+                </a:schemeClr>
+              </a:solidFill>
+              <a:ln cap="flat" cmpd="sng" algn="ctr">
+                <a:solidFill>
+                  <a:srgbClr val="FF0000"/>
+                </a:solidFill>
+                <a:prstDash val="sysDash"/>
+                <a:round/>
+                <a:headEnd type="none" w="med" len="med"/>
+                <a:tailEnd type="none" w="med" len="med"/>
+              </a:ln>
+            </p:spPr>
+            <p:style>
+              <a:lnRef idx="1">
+                <a:schemeClr val="accent1"/>
+              </a:lnRef>
+              <a:fillRef idx="3">
+                <a:schemeClr val="accent1"/>
+              </a:fillRef>
+              <a:effectRef idx="2">
+                <a:schemeClr val="accent1"/>
+              </a:effectRef>
+              <a:fontRef idx="minor">
+                <a:schemeClr val="lt1"/>
+              </a:fontRef>
+            </p:style>
+            <p:txBody>
+              <a:bodyPr rtlCol="0" anchor="ctr"/>
+              <a:lstStyle/>
+              <a:p>
+                <a:pPr algn="ctr"/>
+                <a:endParaRPr lang="en-US"/>
+              </a:p>
+            </p:txBody>
+          </p:sp>
+          <p:sp>
+            <p:nvSpPr>
+              <p:cNvPr id="415" name="Ellipse 414"/>
+              <p:cNvSpPr/>
+              <p:nvPr/>
+            </p:nvSpPr>
+            <p:spPr>
+              <a:xfrm>
+                <a:off x="8496300" y="3061291"/>
+                <a:ext cx="76200" cy="84042"/>
+              </a:xfrm>
+              <a:prstGeom prst="ellipse">
+                <a:avLst/>
+              </a:prstGeom>
+              <a:solidFill>
+                <a:schemeClr val="accent3">
+                  <a:lumMod val="75000"/>
+                </a:schemeClr>
+              </a:solidFill>
+              <a:ln cap="flat" cmpd="sng" algn="ctr">
+                <a:solidFill>
+                  <a:srgbClr val="FF0000"/>
+                </a:solidFill>
+                <a:prstDash val="sysDash"/>
+                <a:round/>
+                <a:headEnd type="none" w="med" len="med"/>
+                <a:tailEnd type="none" w="med" len="med"/>
+              </a:ln>
+            </p:spPr>
+            <p:style>
+              <a:lnRef idx="1">
+                <a:schemeClr val="accent1"/>
+              </a:lnRef>
+              <a:fillRef idx="3">
+                <a:schemeClr val="accent1"/>
+              </a:fillRef>
+              <a:effectRef idx="2">
+                <a:schemeClr val="accent1"/>
+              </a:effectRef>
+              <a:fontRef idx="minor">
+                <a:schemeClr val="lt1"/>
+              </a:fontRef>
+            </p:style>
+            <p:txBody>
+              <a:bodyPr rtlCol="0" anchor="ctr"/>
+              <a:lstStyle/>
+              <a:p>
+                <a:pPr algn="ctr"/>
+                <a:endParaRPr lang="en-US"/>
+              </a:p>
+            </p:txBody>
+          </p:sp>
+          <p:cxnSp>
+            <p:nvCxnSpPr>
+              <p:cNvPr id="416" name="Connecteur droit 415"/>
+              <p:cNvCxnSpPr>
+                <a:stCxn id="414" idx="4"/>
+                <a:endCxn id="415" idx="0"/>
+              </p:cNvCxnSpPr>
+              <p:nvPr/>
+            </p:nvCxnSpPr>
+            <p:spPr>
+              <a:xfrm rot="16200000" flipH="1">
+                <a:off x="8355663" y="2882554"/>
+                <a:ext cx="281274" cy="76200"/>
+              </a:xfrm>
+              <a:prstGeom prst="line">
+                <a:avLst/>
+              </a:prstGeom>
+              <a:solidFill>
+                <a:schemeClr val="accent3">
+                  <a:lumMod val="75000"/>
+                </a:schemeClr>
+              </a:solidFill>
+              <a:ln w="12700" cap="flat" cmpd="sng" algn="ctr">
+                <a:solidFill>
+                  <a:srgbClr val="FF0000"/>
+                </a:solidFill>
+                <a:prstDash val="sysDash"/>
+                <a:round/>
+                <a:headEnd type="none" w="med" len="med"/>
+                <a:tailEnd type="none" w="med" len="med"/>
+              </a:ln>
+            </p:spPr>
+            <p:style>
+              <a:lnRef idx="2">
+                <a:schemeClr val="accent1"/>
+              </a:lnRef>
+              <a:fillRef idx="0">
+                <a:schemeClr val="accent1"/>
+              </a:fillRef>
+              <a:effectRef idx="1">
+                <a:schemeClr val="accent1"/>
+              </a:effectRef>
+              <a:fontRef idx="minor">
+                <a:schemeClr val="tx1"/>
+              </a:fontRef>
+            </p:style>
+          </p:cxnSp>
+          <p:sp>
+            <p:nvSpPr>
+              <p:cNvPr id="417" name="Ellipse 416"/>
+              <p:cNvSpPr/>
+              <p:nvPr/>
+            </p:nvSpPr>
+            <p:spPr>
+              <a:xfrm>
+                <a:off x="8382000" y="3426607"/>
+                <a:ext cx="76200" cy="84042"/>
+              </a:xfrm>
+              <a:prstGeom prst="ellipse">
+                <a:avLst/>
+              </a:prstGeom>
+              <a:solidFill>
+                <a:schemeClr val="accent3">
+                  <a:lumMod val="75000"/>
+                </a:schemeClr>
+              </a:solidFill>
+              <a:ln cap="flat" cmpd="sng" algn="ctr">
+                <a:solidFill>
+                  <a:srgbClr val="FF0000"/>
+                </a:solidFill>
+                <a:prstDash val="sysDash"/>
+                <a:round/>
+                <a:headEnd type="none" w="med" len="med"/>
+                <a:tailEnd type="none" w="med" len="med"/>
+              </a:ln>
+            </p:spPr>
+            <p:style>
+              <a:lnRef idx="1">
+                <a:schemeClr val="accent1"/>
+              </a:lnRef>
+              <a:fillRef idx="3">
+                <a:schemeClr val="accent1"/>
+              </a:fillRef>
+              <a:effectRef idx="2">
+                <a:schemeClr val="accent1"/>
+              </a:effectRef>
+              <a:fontRef idx="minor">
+                <a:schemeClr val="lt1"/>
+              </a:fontRef>
+            </p:style>
+            <p:txBody>
+              <a:bodyPr rtlCol="0" anchor="ctr"/>
+              <a:lstStyle/>
+              <a:p>
+                <a:pPr algn="ctr"/>
+                <a:endParaRPr lang="en-US"/>
+              </a:p>
+            </p:txBody>
+          </p:sp>
+          <p:sp>
+            <p:nvSpPr>
+              <p:cNvPr id="418" name="Ellipse 417"/>
+              <p:cNvSpPr/>
+              <p:nvPr/>
+            </p:nvSpPr>
+            <p:spPr>
+              <a:xfrm>
+                <a:off x="8724900" y="3426607"/>
+                <a:ext cx="76200" cy="84042"/>
+              </a:xfrm>
+              <a:prstGeom prst="ellipse">
+                <a:avLst/>
+              </a:prstGeom>
+              <a:solidFill>
+                <a:schemeClr val="accent3">
+                  <a:lumMod val="75000"/>
+                </a:schemeClr>
+              </a:solidFill>
+              <a:ln cap="flat" cmpd="sng" algn="ctr">
+                <a:solidFill>
+                  <a:srgbClr val="FF0000"/>
+                </a:solidFill>
+                <a:prstDash val="sysDash"/>
+                <a:round/>
+                <a:headEnd type="none" w="med" len="med"/>
+                <a:tailEnd type="none" w="med" len="med"/>
+              </a:ln>
+            </p:spPr>
+            <p:style>
+              <a:lnRef idx="1">
+                <a:schemeClr val="accent1"/>
+              </a:lnRef>
+              <a:fillRef idx="3">
+                <a:schemeClr val="accent1"/>
+              </a:fillRef>
+              <a:effectRef idx="2">
+                <a:schemeClr val="accent1"/>
+              </a:effectRef>
+              <a:fontRef idx="minor">
+                <a:schemeClr val="lt1"/>
+              </a:fontRef>
+            </p:style>
+            <p:txBody>
+              <a:bodyPr rtlCol="0" anchor="ctr"/>
+              <a:lstStyle/>
+              <a:p>
+                <a:pPr algn="ctr"/>
+                <a:endParaRPr lang="en-US"/>
+              </a:p>
+            </p:txBody>
+          </p:sp>
+          <p:cxnSp>
+            <p:nvCxnSpPr>
+              <p:cNvPr id="419" name="Connecteur droit 418"/>
+              <p:cNvCxnSpPr>
+                <a:stCxn id="415" idx="4"/>
+                <a:endCxn id="417" idx="0"/>
+              </p:cNvCxnSpPr>
+              <p:nvPr/>
+            </p:nvCxnSpPr>
+            <p:spPr>
+              <a:xfrm rot="5400000">
+                <a:off x="8336613" y="3228820"/>
+                <a:ext cx="281274" cy="114300"/>
+              </a:xfrm>
+              <a:prstGeom prst="line">
+                <a:avLst/>
+              </a:prstGeom>
+              <a:solidFill>
+                <a:schemeClr val="accent3">
+                  <a:lumMod val="75000"/>
+                </a:schemeClr>
+              </a:solidFill>
+              <a:ln w="12700" cap="flat" cmpd="sng" algn="ctr">
+                <a:solidFill>
+                  <a:srgbClr val="FF0000"/>
+                </a:solidFill>
+                <a:prstDash val="sysDash"/>
+                <a:round/>
+                <a:headEnd type="none" w="med" len="med"/>
+                <a:tailEnd type="none" w="med" len="med"/>
+              </a:ln>
+            </p:spPr>
+            <p:style>
+              <a:lnRef idx="2">
+                <a:schemeClr val="accent1"/>
+              </a:lnRef>
+              <a:fillRef idx="0">
+                <a:schemeClr val="accent1"/>
+              </a:fillRef>
+              <a:effectRef idx="1">
+                <a:schemeClr val="accent1"/>
+              </a:effectRef>
+              <a:fontRef idx="minor">
+                <a:schemeClr val="tx1"/>
+              </a:fontRef>
+            </p:style>
+          </p:cxnSp>
+          <p:cxnSp>
+            <p:nvCxnSpPr>
+              <p:cNvPr id="420" name="Connecteur droit 419"/>
+              <p:cNvCxnSpPr>
+                <a:stCxn id="415" idx="4"/>
+                <a:endCxn id="418" idx="0"/>
+              </p:cNvCxnSpPr>
+              <p:nvPr/>
+            </p:nvCxnSpPr>
+            <p:spPr>
+              <a:xfrm rot="16200000" flipH="1">
+                <a:off x="8508063" y="3171670"/>
+                <a:ext cx="281274" cy="228600"/>
+              </a:xfrm>
+              <a:prstGeom prst="line">
+                <a:avLst/>
+              </a:prstGeom>
+              <a:solidFill>
+                <a:schemeClr val="accent3">
+                  <a:lumMod val="75000"/>
+                </a:schemeClr>
+              </a:solidFill>
+              <a:ln w="12700" cap="flat" cmpd="sng" algn="ctr">
+                <a:solidFill>
+                  <a:srgbClr val="FF0000"/>
+                </a:solidFill>
+                <a:prstDash val="sysDash"/>
+                <a:round/>
+                <a:headEnd type="none" w="med" len="med"/>
+                <a:tailEnd type="none" w="med" len="med"/>
+              </a:ln>
+            </p:spPr>
+            <p:style>
+              <a:lnRef idx="2">
+                <a:schemeClr val="accent1"/>
+              </a:lnRef>
+              <a:fillRef idx="0">
+                <a:schemeClr val="accent1"/>
+              </a:fillRef>
+              <a:effectRef idx="1">
+                <a:schemeClr val="accent1"/>
+              </a:effectRef>
+              <a:fontRef idx="minor">
+                <a:schemeClr val="tx1"/>
+              </a:fontRef>
+            </p:style>
+          </p:cxnSp>
+          <p:sp>
+            <p:nvSpPr>
+              <p:cNvPr id="421" name="Ellipse 420"/>
+              <p:cNvSpPr/>
+              <p:nvPr/>
+            </p:nvSpPr>
+            <p:spPr>
+              <a:xfrm>
+                <a:off x="8801101" y="3060732"/>
+                <a:ext cx="76200" cy="84042"/>
+              </a:xfrm>
+              <a:prstGeom prst="ellipse">
+                <a:avLst/>
+              </a:prstGeom>
+              <a:solidFill>
+                <a:schemeClr val="accent3">
+                  <a:lumMod val="75000"/>
+                </a:schemeClr>
+              </a:solidFill>
+              <a:ln cap="flat" cmpd="sng" algn="ctr">
+                <a:solidFill>
+                  <a:srgbClr val="FF0000"/>
+                </a:solidFill>
+                <a:prstDash val="sysDash"/>
+                <a:round/>
+                <a:headEnd type="none" w="med" len="med"/>
+                <a:tailEnd type="none" w="med" len="med"/>
+              </a:ln>
+            </p:spPr>
+            <p:style>
+              <a:lnRef idx="1">
+                <a:schemeClr val="accent1"/>
+              </a:lnRef>
+              <a:fillRef idx="3">
+                <a:schemeClr val="accent1"/>
+              </a:fillRef>
+              <a:effectRef idx="2">
+                <a:schemeClr val="accent1"/>
+              </a:effectRef>
+              <a:fontRef idx="minor">
+                <a:schemeClr val="lt1"/>
+              </a:fontRef>
+            </p:style>
+            <p:txBody>
+              <a:bodyPr rtlCol="0" anchor="ctr"/>
+              <a:lstStyle/>
+              <a:p>
+                <a:pPr algn="ctr"/>
+                <a:endParaRPr lang="en-US"/>
+              </a:p>
+            </p:txBody>
+          </p:sp>
+          <p:cxnSp>
+            <p:nvCxnSpPr>
+              <p:cNvPr id="422" name="Connecteur droit 421"/>
+              <p:cNvCxnSpPr>
+                <a:stCxn id="414" idx="4"/>
+                <a:endCxn id="421" idx="0"/>
+              </p:cNvCxnSpPr>
+              <p:nvPr/>
+            </p:nvCxnSpPr>
+            <p:spPr>
+              <a:xfrm rot="16200000" flipH="1">
+                <a:off x="8508343" y="2729873"/>
+                <a:ext cx="280715" cy="381001"/>
+              </a:xfrm>
+              <a:prstGeom prst="line">
+                <a:avLst/>
+              </a:prstGeom>
+              <a:solidFill>
+                <a:schemeClr val="accent3">
+                  <a:lumMod val="75000"/>
+                </a:schemeClr>
+              </a:solidFill>
+              <a:ln w="12700" cap="flat" cmpd="sng" algn="ctr">
+                <a:solidFill>
+                  <a:srgbClr val="FF0000"/>
+                </a:solidFill>
+                <a:prstDash val="sysDash"/>
+                <a:round/>
+                <a:headEnd type="none" w="med" len="med"/>
+                <a:tailEnd type="none" w="med" len="med"/>
+              </a:ln>
+            </p:spPr>
+            <p:style>
+              <a:lnRef idx="2">
+                <a:schemeClr val="accent1"/>
+              </a:lnRef>
+              <a:fillRef idx="0">
+                <a:schemeClr val="accent1"/>
+              </a:fillRef>
+              <a:effectRef idx="1">
+                <a:schemeClr val="accent1"/>
+              </a:effectRef>
+              <a:fontRef idx="minor">
+                <a:schemeClr val="tx1"/>
+              </a:fontRef>
+            </p:style>
+          </p:cxnSp>
+          <p:sp>
+            <p:nvSpPr>
+              <p:cNvPr id="423" name="Ellipse 422"/>
+              <p:cNvSpPr/>
+              <p:nvPr/>
+            </p:nvSpPr>
+            <p:spPr>
+              <a:xfrm>
+                <a:off x="8839202" y="3426048"/>
+                <a:ext cx="76200" cy="84042"/>
+              </a:xfrm>
+              <a:prstGeom prst="ellipse">
+                <a:avLst/>
+              </a:prstGeom>
+              <a:solidFill>
+                <a:schemeClr val="accent3">
+                  <a:lumMod val="75000"/>
+                </a:schemeClr>
+              </a:solidFill>
+              <a:ln cap="flat" cmpd="sng" algn="ctr">
+                <a:solidFill>
+                  <a:srgbClr val="FF0000"/>
+                </a:solidFill>
+                <a:prstDash val="sysDash"/>
+                <a:round/>
+                <a:headEnd type="none" w="med" len="med"/>
+                <a:tailEnd type="none" w="med" len="med"/>
+              </a:ln>
+            </p:spPr>
+            <p:style>
+              <a:lnRef idx="1">
+                <a:schemeClr val="accent1"/>
+              </a:lnRef>
+              <a:fillRef idx="3">
+                <a:schemeClr val="accent1"/>
+              </a:fillRef>
+              <a:effectRef idx="2">
+                <a:schemeClr val="accent1"/>
+              </a:effectRef>
+              <a:fontRef idx="minor">
+                <a:schemeClr val="lt1"/>
+              </a:fontRef>
+            </p:style>
+            <p:txBody>
+              <a:bodyPr rtlCol="0" anchor="ctr"/>
+              <a:lstStyle/>
+              <a:p>
+                <a:pPr algn="ctr"/>
+                <a:endParaRPr lang="en-US"/>
+              </a:p>
+            </p:txBody>
+          </p:sp>
+          <p:cxnSp>
+            <p:nvCxnSpPr>
+              <p:cNvPr id="424" name="Connecteur droit 423"/>
+              <p:cNvCxnSpPr>
+                <a:stCxn id="421" idx="4"/>
+                <a:endCxn id="423" idx="0"/>
+              </p:cNvCxnSpPr>
+              <p:nvPr/>
+            </p:nvCxnSpPr>
+            <p:spPr>
+              <a:xfrm rot="16200000" flipH="1">
+                <a:off x="8717614" y="3266360"/>
+                <a:ext cx="281274" cy="38101"/>
+              </a:xfrm>
+              <a:prstGeom prst="line">
+                <a:avLst/>
+              </a:prstGeom>
+              <a:solidFill>
+                <a:schemeClr val="accent3">
+                  <a:lumMod val="75000"/>
+                </a:schemeClr>
+              </a:solidFill>
+              <a:ln w="12700" cap="flat" cmpd="sng" algn="ctr">
+                <a:solidFill>
+                  <a:srgbClr val="FF0000"/>
+                </a:solidFill>
+                <a:prstDash val="sysDash"/>
+                <a:round/>
+                <a:headEnd type="none" w="med" len="med"/>
+                <a:tailEnd type="none" w="med" len="med"/>
+              </a:ln>
+            </p:spPr>
+            <p:style>
+              <a:lnRef idx="2">
+                <a:schemeClr val="accent1"/>
+              </a:lnRef>
+              <a:fillRef idx="0">
+                <a:schemeClr val="accent1"/>
+              </a:fillRef>
+              <a:effectRef idx="1">
+                <a:schemeClr val="accent1"/>
+              </a:effectRef>
+              <a:fontRef idx="minor">
+                <a:schemeClr val="tx1"/>
+              </a:fontRef>
+            </p:style>
+          </p:cxnSp>
+        </p:grpSp>
         <p:sp>
           <p:nvSpPr>
-            <p:cNvPr id="226" name="Ellipse 225"/>
+            <p:cNvPr id="188" name="Ellipse 187"/>
             <p:cNvSpPr/>
             <p:nvPr/>
           </p:nvSpPr>
           <p:spPr>
             <a:xfrm>
-              <a:off x="8534401" y="2327868"/>
+              <a:off x="8602102" y="2157729"/>
               <a:ext cx="76200" cy="84042"/>
             </a:xfrm>
             <a:prstGeom prst="ellipse">
@@ -29364,13 +28716,233 @@
         </p:sp>
         <p:sp>
           <p:nvSpPr>
-            <p:cNvPr id="266" name="Ellipse 265"/>
+            <p:cNvPr id="227" name="Ellipse 226"/>
             <p:cNvSpPr/>
             <p:nvPr/>
           </p:nvSpPr>
           <p:spPr>
             <a:xfrm>
-              <a:off x="8420101" y="2693184"/>
+              <a:off x="8868802" y="2520082"/>
+              <a:ext cx="76200" cy="84042"/>
+            </a:xfrm>
+            <a:prstGeom prst="ellipse">
+              <a:avLst/>
+            </a:prstGeom>
+            <a:ln cap="flat" cmpd="sng" algn="ctr">
+              <a:solidFill>
+                <a:scrgbClr r="0" g="0" b="0"/>
+              </a:solidFill>
+              <a:prstDash val="sysDash"/>
+              <a:round/>
+              <a:headEnd type="none" w="med" len="med"/>
+              <a:tailEnd type="none" w="med" len="med"/>
+            </a:ln>
+          </p:spPr>
+          <p:style>
+            <a:lnRef idx="1">
+              <a:schemeClr val="accent1"/>
+            </a:lnRef>
+            <a:fillRef idx="3">
+              <a:schemeClr val="accent1"/>
+            </a:fillRef>
+            <a:effectRef idx="2">
+              <a:schemeClr val="accent1"/>
+            </a:effectRef>
+            <a:fontRef idx="minor">
+              <a:schemeClr val="lt1"/>
+            </a:fontRef>
+          </p:style>
+          <p:txBody>
+            <a:bodyPr rtlCol="0" anchor="ctr"/>
+            <a:lstStyle/>
+            <a:p>
+              <a:pPr algn="ctr"/>
+              <a:endParaRPr lang="en-US"/>
+            </a:p>
+          </p:txBody>
+        </p:sp>
+        <p:cxnSp>
+          <p:nvCxnSpPr>
+            <p:cNvPr id="228" name="Connecteur droit 227"/>
+            <p:cNvCxnSpPr>
+              <a:stCxn id="188" idx="4"/>
+              <a:endCxn id="226" idx="0"/>
+            </p:cNvCxnSpPr>
+            <p:nvPr/>
+          </p:nvCxnSpPr>
+          <p:spPr>
+            <a:xfrm rot="16200000" flipH="1">
+              <a:off x="8571054" y="2310919"/>
+              <a:ext cx="278098" cy="139802"/>
+            </a:xfrm>
+            <a:prstGeom prst="line">
+              <a:avLst/>
+            </a:prstGeom>
+            <a:ln w="12700" cap="flat" cmpd="sng" algn="ctr">
+              <a:solidFill>
+                <a:schemeClr val="accent1"/>
+              </a:solidFill>
+              <a:prstDash val="sysDash"/>
+              <a:round/>
+              <a:headEnd type="none" w="med" len="med"/>
+              <a:tailEnd type="none" w="med" len="med"/>
+            </a:ln>
+          </p:spPr>
+          <p:style>
+            <a:lnRef idx="2">
+              <a:schemeClr val="accent1"/>
+            </a:lnRef>
+            <a:fillRef idx="0">
+              <a:schemeClr val="accent1"/>
+            </a:fillRef>
+            <a:effectRef idx="1">
+              <a:schemeClr val="accent1"/>
+            </a:effectRef>
+            <a:fontRef idx="minor">
+              <a:schemeClr val="tx1"/>
+            </a:fontRef>
+          </p:style>
+        </p:cxnSp>
+        <p:cxnSp>
+          <p:nvCxnSpPr>
+            <p:cNvPr id="229" name="Connecteur droit 228"/>
+            <p:cNvCxnSpPr>
+              <a:stCxn id="188" idx="4"/>
+              <a:endCxn id="227" idx="0"/>
+            </p:cNvCxnSpPr>
+            <p:nvPr/>
+          </p:nvCxnSpPr>
+          <p:spPr>
+            <a:xfrm rot="16200000" flipH="1">
+              <a:off x="8634397" y="2247576"/>
+              <a:ext cx="278311" cy="266700"/>
+            </a:xfrm>
+            <a:prstGeom prst="line">
+              <a:avLst/>
+            </a:prstGeom>
+            <a:ln w="12700" cap="flat" cmpd="sng" algn="ctr">
+              <a:solidFill>
+                <a:schemeClr val="accent1"/>
+              </a:solidFill>
+              <a:prstDash val="sysDash"/>
+              <a:round/>
+              <a:headEnd type="none" w="med" len="med"/>
+              <a:tailEnd type="none" w="med" len="med"/>
+            </a:ln>
+          </p:spPr>
+          <p:style>
+            <a:lnRef idx="2">
+              <a:schemeClr val="accent1"/>
+            </a:lnRef>
+            <a:fillRef idx="0">
+              <a:schemeClr val="accent1"/>
+            </a:fillRef>
+            <a:effectRef idx="1">
+              <a:schemeClr val="accent1"/>
+            </a:effectRef>
+            <a:fontRef idx="minor">
+              <a:schemeClr val="tx1"/>
+            </a:fontRef>
+          </p:style>
+        </p:cxnSp>
+        <p:sp>
+          <p:nvSpPr>
+            <p:cNvPr id="296" name="Ellipse 295"/>
+            <p:cNvSpPr/>
+            <p:nvPr/>
+          </p:nvSpPr>
+          <p:spPr>
+            <a:xfrm>
+              <a:off x="9059304" y="2516157"/>
+              <a:ext cx="76200" cy="84042"/>
+            </a:xfrm>
+            <a:prstGeom prst="ellipse">
+              <a:avLst/>
+            </a:prstGeom>
+            <a:ln cap="flat" cmpd="sng" algn="ctr">
+              <a:solidFill>
+                <a:scrgbClr r="0" g="0" b="0"/>
+              </a:solidFill>
+              <a:prstDash val="sysDash"/>
+              <a:round/>
+              <a:headEnd type="none" w="med" len="med"/>
+              <a:tailEnd type="none" w="med" len="med"/>
+            </a:ln>
+          </p:spPr>
+          <p:style>
+            <a:lnRef idx="1">
+              <a:schemeClr val="accent1"/>
+            </a:lnRef>
+            <a:fillRef idx="3">
+              <a:schemeClr val="accent1"/>
+            </a:fillRef>
+            <a:effectRef idx="2">
+              <a:schemeClr val="accent1"/>
+            </a:effectRef>
+            <a:fontRef idx="minor">
+              <a:schemeClr val="lt1"/>
+            </a:fontRef>
+          </p:style>
+          <p:txBody>
+            <a:bodyPr rtlCol="0" anchor="ctr"/>
+            <a:lstStyle/>
+            <a:p>
+              <a:pPr algn="ctr"/>
+              <a:endParaRPr lang="en-US"/>
+            </a:p>
+          </p:txBody>
+        </p:sp>
+        <p:cxnSp>
+          <p:nvCxnSpPr>
+            <p:cNvPr id="297" name="Connecteur droit 296"/>
+            <p:cNvCxnSpPr>
+              <a:stCxn id="188" idx="4"/>
+              <a:endCxn id="296" idx="0"/>
+            </p:cNvCxnSpPr>
+            <p:nvPr/>
+          </p:nvCxnSpPr>
+          <p:spPr>
+            <a:xfrm rot="16200000" flipH="1">
+              <a:off x="8731610" y="2150363"/>
+              <a:ext cx="274386" cy="457202"/>
+            </a:xfrm>
+            <a:prstGeom prst="line">
+              <a:avLst/>
+            </a:prstGeom>
+            <a:ln w="12700" cap="flat" cmpd="sng" algn="ctr">
+              <a:solidFill>
+                <a:schemeClr val="accent1"/>
+              </a:solidFill>
+              <a:prstDash val="sysDash"/>
+              <a:round/>
+              <a:headEnd type="none" w="med" len="med"/>
+              <a:tailEnd type="none" w="med" len="med"/>
+            </a:ln>
+          </p:spPr>
+          <p:style>
+            <a:lnRef idx="2">
+              <a:schemeClr val="accent1"/>
+            </a:lnRef>
+            <a:fillRef idx="0">
+              <a:schemeClr val="accent1"/>
+            </a:fillRef>
+            <a:effectRef idx="1">
+              <a:schemeClr val="accent1"/>
+            </a:effectRef>
+            <a:fontRef idx="minor">
+              <a:schemeClr val="tx1"/>
+            </a:fontRef>
+          </p:style>
+        </p:cxnSp>
+        <p:sp>
+          <p:nvSpPr>
+            <p:cNvPr id="298" name="Ellipse 297"/>
+            <p:cNvSpPr/>
+            <p:nvPr/>
+          </p:nvSpPr>
+          <p:spPr>
+            <a:xfrm>
+              <a:off x="9097405" y="2888614"/>
               <a:ext cx="76200" cy="84042"/>
             </a:xfrm>
             <a:prstGeom prst="ellipse">
@@ -29411,60 +28983,13 @@
         </p:sp>
         <p:sp>
           <p:nvSpPr>
-            <p:cNvPr id="267" name="Ellipse 266"/>
+            <p:cNvPr id="299" name="Ellipse 298"/>
             <p:cNvSpPr/>
             <p:nvPr/>
           </p:nvSpPr>
           <p:spPr>
             <a:xfrm>
-              <a:off x="8610601" y="2693184"/>
-              <a:ext cx="76200" cy="84042"/>
-            </a:xfrm>
-            <a:prstGeom prst="ellipse">
-              <a:avLst/>
-            </a:prstGeom>
-            <a:ln cap="flat" cmpd="sng" algn="ctr">
-              <a:solidFill>
-                <a:scrgbClr r="0" g="0" b="0"/>
-              </a:solidFill>
-              <a:prstDash val="sysDash"/>
-              <a:round/>
-              <a:headEnd type="none" w="med" len="med"/>
-              <a:tailEnd type="none" w="med" len="med"/>
-            </a:ln>
-          </p:spPr>
-          <p:style>
-            <a:lnRef idx="1">
-              <a:schemeClr val="accent1"/>
-            </a:lnRef>
-            <a:fillRef idx="3">
-              <a:schemeClr val="accent1"/>
-            </a:fillRef>
-            <a:effectRef idx="2">
-              <a:schemeClr val="accent1"/>
-            </a:effectRef>
-            <a:fontRef idx="minor">
-              <a:schemeClr val="lt1"/>
-            </a:fontRef>
-          </p:style>
-          <p:txBody>
-            <a:bodyPr rtlCol="0" anchor="ctr"/>
-            <a:lstStyle/>
-            <a:p>
-              <a:pPr algn="ctr"/>
-              <a:endParaRPr lang="en-US"/>
-            </a:p>
-          </p:txBody>
-        </p:sp>
-        <p:sp>
-          <p:nvSpPr>
-            <p:cNvPr id="289" name="Ellipse 288"/>
-            <p:cNvSpPr/>
-            <p:nvPr/>
-          </p:nvSpPr>
-          <p:spPr>
-            <a:xfrm>
-              <a:off x="8763001" y="2693184"/>
+              <a:off x="9211704" y="2887802"/>
               <a:ext cx="76200" cy="84042"/>
             </a:xfrm>
             <a:prstGeom prst="ellipse">
@@ -29505,17 +29030,17 @@
         </p:sp>
         <p:cxnSp>
           <p:nvCxnSpPr>
-            <p:cNvPr id="291" name="Connecteur droit 290"/>
+            <p:cNvPr id="300" name="Connecteur droit 299"/>
             <p:cNvCxnSpPr>
-              <a:stCxn id="226" idx="4"/>
-              <a:endCxn id="266" idx="0"/>
+              <a:stCxn id="296" idx="4"/>
+              <a:endCxn id="298" idx="0"/>
             </p:cNvCxnSpPr>
             <p:nvPr/>
           </p:nvCxnSpPr>
           <p:spPr>
-            <a:xfrm rot="5400000">
-              <a:off x="8374714" y="2495397"/>
-              <a:ext cx="281274" cy="114300"/>
+            <a:xfrm rot="16200000" flipH="1">
+              <a:off x="8972247" y="2725355"/>
+              <a:ext cx="288415" cy="38101"/>
             </a:xfrm>
             <a:prstGeom prst="line">
               <a:avLst/>
@@ -29547,59 +29072,17 @@
         </p:cxnSp>
         <p:cxnSp>
           <p:nvCxnSpPr>
-            <p:cNvPr id="294" name="Connecteur droit 293"/>
+            <p:cNvPr id="301" name="Connecteur droit 300"/>
             <p:cNvCxnSpPr>
-              <a:stCxn id="226" idx="4"/>
-              <a:endCxn id="267" idx="0"/>
+              <a:stCxn id="296" idx="4"/>
+              <a:endCxn id="299" idx="0"/>
             </p:cNvCxnSpPr>
             <p:nvPr/>
           </p:nvCxnSpPr>
           <p:spPr>
             <a:xfrm rot="16200000" flipH="1">
-              <a:off x="8469964" y="2514447"/>
-              <a:ext cx="281274" cy="76200"/>
-            </a:xfrm>
-            <a:prstGeom prst="line">
-              <a:avLst/>
-            </a:prstGeom>
-            <a:ln w="12700" cap="flat" cmpd="sng" algn="ctr">
-              <a:solidFill>
-                <a:schemeClr val="accent1"/>
-              </a:solidFill>
-              <a:prstDash val="sysDash"/>
-              <a:round/>
-              <a:headEnd type="none" w="med" len="med"/>
-              <a:tailEnd type="none" w="med" len="med"/>
-            </a:ln>
-          </p:spPr>
-          <p:style>
-            <a:lnRef idx="2">
-              <a:schemeClr val="accent1"/>
-            </a:lnRef>
-            <a:fillRef idx="0">
-              <a:schemeClr val="accent1"/>
-            </a:fillRef>
-            <a:effectRef idx="1">
-              <a:schemeClr val="accent1"/>
-            </a:effectRef>
-            <a:fontRef idx="minor">
-              <a:schemeClr val="tx1"/>
-            </a:fontRef>
-          </p:style>
-        </p:cxnSp>
-        <p:cxnSp>
-          <p:nvCxnSpPr>
-            <p:cNvPr id="295" name="Connecteur droit 294"/>
-            <p:cNvCxnSpPr>
-              <a:stCxn id="226" idx="4"/>
-              <a:endCxn id="289" idx="0"/>
-            </p:cNvCxnSpPr>
-            <p:nvPr/>
-          </p:nvCxnSpPr>
-          <p:spPr>
-            <a:xfrm rot="16200000" flipH="1">
-              <a:off x="8546164" y="2438247"/>
-              <a:ext cx="281274" cy="228600"/>
+              <a:off x="9029803" y="2667800"/>
+              <a:ext cx="287603" cy="152400"/>
             </a:xfrm>
             <a:prstGeom prst="line">
               <a:avLst/>
@@ -29631,13 +29114,13 @@
         </p:cxnSp>
         <p:sp>
           <p:nvSpPr>
-            <p:cNvPr id="313" name="Ellipse 312"/>
+            <p:cNvPr id="302" name="Ellipse 301"/>
             <p:cNvSpPr/>
             <p:nvPr/>
           </p:nvSpPr>
           <p:spPr>
             <a:xfrm>
-              <a:off x="8420100" y="2695975"/>
+              <a:off x="9211704" y="2891152"/>
               <a:ext cx="76200" cy="84042"/>
             </a:xfrm>
             <a:prstGeom prst="ellipse">
@@ -29683,13 +29166,13 @@
         </p:sp>
         <p:sp>
           <p:nvSpPr>
-            <p:cNvPr id="314" name="Ellipse 313"/>
+            <p:cNvPr id="303" name="Ellipse 302"/>
             <p:cNvSpPr/>
             <p:nvPr/>
           </p:nvSpPr>
           <p:spPr>
             <a:xfrm>
-              <a:off x="8496300" y="3061291"/>
+              <a:off x="9287904" y="3256468"/>
               <a:ext cx="76200" cy="84042"/>
             </a:xfrm>
             <a:prstGeom prst="ellipse">
@@ -29735,16 +29218,16 @@
         </p:sp>
         <p:cxnSp>
           <p:nvCxnSpPr>
-            <p:cNvPr id="315" name="Connecteur droit 314"/>
+            <p:cNvPr id="304" name="Connecteur droit 303"/>
             <p:cNvCxnSpPr>
-              <a:stCxn id="313" idx="4"/>
-              <a:endCxn id="314" idx="0"/>
+              <a:stCxn id="302" idx="4"/>
+              <a:endCxn id="303" idx="0"/>
             </p:cNvCxnSpPr>
             <p:nvPr/>
           </p:nvCxnSpPr>
           <p:spPr>
             <a:xfrm rot="16200000" flipH="1">
-              <a:off x="8355663" y="2882554"/>
+              <a:off x="9147267" y="3077731"/>
               <a:ext cx="281274" cy="76200"/>
             </a:xfrm>
             <a:prstGeom prst="line">
@@ -29782,13 +29265,13 @@
         </p:cxnSp>
         <p:sp>
           <p:nvSpPr>
-            <p:cNvPr id="316" name="Ellipse 315"/>
+            <p:cNvPr id="305" name="Ellipse 304"/>
             <p:cNvSpPr/>
             <p:nvPr/>
           </p:nvSpPr>
           <p:spPr>
             <a:xfrm>
-              <a:off x="8382000" y="3426607"/>
+              <a:off x="9173604" y="3621784"/>
               <a:ext cx="76200" cy="84042"/>
             </a:xfrm>
             <a:prstGeom prst="ellipse">
@@ -29834,13 +29317,13 @@
         </p:sp>
         <p:sp>
           <p:nvSpPr>
-            <p:cNvPr id="317" name="Ellipse 316"/>
+            <p:cNvPr id="306" name="Ellipse 305"/>
             <p:cNvSpPr/>
             <p:nvPr/>
           </p:nvSpPr>
           <p:spPr>
             <a:xfrm>
-              <a:off x="8724900" y="3426607"/>
+              <a:off x="9516504" y="3621784"/>
               <a:ext cx="76200" cy="84042"/>
             </a:xfrm>
             <a:prstGeom prst="ellipse">
@@ -29886,16 +29369,16 @@
         </p:sp>
         <p:cxnSp>
           <p:nvCxnSpPr>
-            <p:cNvPr id="318" name="Connecteur droit 317"/>
+            <p:cNvPr id="307" name="Connecteur droit 306"/>
             <p:cNvCxnSpPr>
-              <a:stCxn id="314" idx="4"/>
-              <a:endCxn id="316" idx="0"/>
+              <a:stCxn id="303" idx="4"/>
+              <a:endCxn id="305" idx="0"/>
             </p:cNvCxnSpPr>
             <p:nvPr/>
           </p:nvCxnSpPr>
           <p:spPr>
             <a:xfrm rot="5400000">
-              <a:off x="8336613" y="3228820"/>
+              <a:off x="9128217" y="3423997"/>
               <a:ext cx="281274" cy="114300"/>
             </a:xfrm>
             <a:prstGeom prst="line">
@@ -29933,16 +29416,16 @@
         </p:cxnSp>
         <p:cxnSp>
           <p:nvCxnSpPr>
-            <p:cNvPr id="319" name="Connecteur droit 318"/>
+            <p:cNvPr id="308" name="Connecteur droit 307"/>
             <p:cNvCxnSpPr>
-              <a:stCxn id="314" idx="4"/>
-              <a:endCxn id="317" idx="0"/>
+              <a:stCxn id="303" idx="4"/>
+              <a:endCxn id="306" idx="0"/>
             </p:cNvCxnSpPr>
             <p:nvPr/>
           </p:nvCxnSpPr>
           <p:spPr>
             <a:xfrm rot="16200000" flipH="1">
-              <a:off x="8508063" y="3171670"/>
+              <a:off x="9299667" y="3366847"/>
               <a:ext cx="281274" cy="228600"/>
             </a:xfrm>
             <a:prstGeom prst="line">
@@ -29980,13 +29463,13 @@
         </p:cxnSp>
         <p:sp>
           <p:nvSpPr>
-            <p:cNvPr id="320" name="Ellipse 319"/>
+            <p:cNvPr id="309" name="Ellipse 308"/>
             <p:cNvSpPr/>
             <p:nvPr/>
           </p:nvSpPr>
           <p:spPr>
             <a:xfrm>
-              <a:off x="8801101" y="3060732"/>
+              <a:off x="9592705" y="3255909"/>
               <a:ext cx="76200" cy="84042"/>
             </a:xfrm>
             <a:prstGeom prst="ellipse">
@@ -30032,16 +29515,16 @@
         </p:sp>
         <p:cxnSp>
           <p:nvCxnSpPr>
-            <p:cNvPr id="321" name="Connecteur droit 320"/>
+            <p:cNvPr id="310" name="Connecteur droit 309"/>
             <p:cNvCxnSpPr>
-              <a:stCxn id="313" idx="4"/>
-              <a:endCxn id="320" idx="0"/>
+              <a:stCxn id="302" idx="4"/>
+              <a:endCxn id="309" idx="0"/>
             </p:cNvCxnSpPr>
             <p:nvPr/>
           </p:nvCxnSpPr>
           <p:spPr>
             <a:xfrm rot="16200000" flipH="1">
-              <a:off x="8508343" y="2729873"/>
+              <a:off x="9299947" y="2925050"/>
               <a:ext cx="280715" cy="381001"/>
             </a:xfrm>
             <a:prstGeom prst="line">
@@ -30079,13 +29562,13 @@
         </p:cxnSp>
         <p:sp>
           <p:nvSpPr>
-            <p:cNvPr id="322" name="Ellipse 321"/>
+            <p:cNvPr id="311" name="Ellipse 310"/>
             <p:cNvSpPr/>
             <p:nvPr/>
           </p:nvSpPr>
           <p:spPr>
             <a:xfrm>
-              <a:off x="8839202" y="3426048"/>
+              <a:off x="9630806" y="3621225"/>
               <a:ext cx="76200" cy="84042"/>
             </a:xfrm>
             <a:prstGeom prst="ellipse">
@@ -30131,16 +29614,16 @@
         </p:sp>
         <p:cxnSp>
           <p:nvCxnSpPr>
-            <p:cNvPr id="323" name="Connecteur droit 322"/>
+            <p:cNvPr id="312" name="Connecteur droit 311"/>
             <p:cNvCxnSpPr>
-              <a:stCxn id="320" idx="4"/>
-              <a:endCxn id="322" idx="0"/>
+              <a:stCxn id="309" idx="4"/>
+              <a:endCxn id="311" idx="0"/>
             </p:cNvCxnSpPr>
             <p:nvPr/>
           </p:nvCxnSpPr>
           <p:spPr>
             <a:xfrm rot="16200000" flipH="1">
-              <a:off x="8717614" y="3266360"/>
+              <a:off x="9509218" y="3461537"/>
               <a:ext cx="281274" cy="38101"/>
             </a:xfrm>
             <a:prstGeom prst="line">
@@ -30176,91 +29659,967 @@
             </a:fontRef>
           </p:style>
         </p:cxnSp>
+        <p:grpSp>
+          <p:nvGrpSpPr>
+            <p:cNvPr id="405" name="Grouper 404"/>
+            <p:cNvGrpSpPr/>
+            <p:nvPr/>
+          </p:nvGrpSpPr>
+          <p:grpSpPr>
+            <a:xfrm>
+              <a:off x="8589503" y="2519869"/>
+              <a:ext cx="533402" cy="1182781"/>
+              <a:chOff x="8382000" y="2327868"/>
+              <a:chExt cx="533402" cy="1182781"/>
+            </a:xfrm>
+          </p:grpSpPr>
+          <p:sp>
+            <p:nvSpPr>
+              <p:cNvPr id="226" name="Ellipse 225"/>
+              <p:cNvSpPr/>
+              <p:nvPr/>
+            </p:nvSpPr>
+            <p:spPr>
+              <a:xfrm>
+                <a:off x="8534401" y="2327868"/>
+                <a:ext cx="76200" cy="84042"/>
+              </a:xfrm>
+              <a:prstGeom prst="ellipse">
+                <a:avLst/>
+              </a:prstGeom>
+              <a:ln cap="flat" cmpd="sng" algn="ctr">
+                <a:solidFill>
+                  <a:scrgbClr r="0" g="0" b="0"/>
+                </a:solidFill>
+                <a:prstDash val="sysDash"/>
+                <a:round/>
+                <a:headEnd type="none" w="med" len="med"/>
+                <a:tailEnd type="none" w="med" len="med"/>
+              </a:ln>
+            </p:spPr>
+            <p:style>
+              <a:lnRef idx="1">
+                <a:schemeClr val="accent1"/>
+              </a:lnRef>
+              <a:fillRef idx="3">
+                <a:schemeClr val="accent1"/>
+              </a:fillRef>
+              <a:effectRef idx="2">
+                <a:schemeClr val="accent1"/>
+              </a:effectRef>
+              <a:fontRef idx="minor">
+                <a:schemeClr val="lt1"/>
+              </a:fontRef>
+            </p:style>
+            <p:txBody>
+              <a:bodyPr rtlCol="0" anchor="ctr"/>
+              <a:lstStyle/>
+              <a:p>
+                <a:pPr algn="ctr"/>
+                <a:endParaRPr lang="en-US"/>
+              </a:p>
+            </p:txBody>
+          </p:sp>
+          <p:sp>
+            <p:nvSpPr>
+              <p:cNvPr id="266" name="Ellipse 265"/>
+              <p:cNvSpPr/>
+              <p:nvPr/>
+            </p:nvSpPr>
+            <p:spPr>
+              <a:xfrm>
+                <a:off x="8420101" y="2693184"/>
+                <a:ext cx="76200" cy="84042"/>
+              </a:xfrm>
+              <a:prstGeom prst="ellipse">
+                <a:avLst/>
+              </a:prstGeom>
+              <a:ln cap="flat" cmpd="sng" algn="ctr">
+                <a:solidFill>
+                  <a:scrgbClr r="0" g="0" b="0"/>
+                </a:solidFill>
+                <a:prstDash val="sysDash"/>
+                <a:round/>
+                <a:headEnd type="none" w="med" len="med"/>
+                <a:tailEnd type="none" w="med" len="med"/>
+              </a:ln>
+            </p:spPr>
+            <p:style>
+              <a:lnRef idx="1">
+                <a:schemeClr val="accent1"/>
+              </a:lnRef>
+              <a:fillRef idx="3">
+                <a:schemeClr val="accent1"/>
+              </a:fillRef>
+              <a:effectRef idx="2">
+                <a:schemeClr val="accent1"/>
+              </a:effectRef>
+              <a:fontRef idx="minor">
+                <a:schemeClr val="lt1"/>
+              </a:fontRef>
+            </p:style>
+            <p:txBody>
+              <a:bodyPr rtlCol="0" anchor="ctr"/>
+              <a:lstStyle/>
+              <a:p>
+                <a:pPr algn="ctr"/>
+                <a:endParaRPr lang="en-US"/>
+              </a:p>
+            </p:txBody>
+          </p:sp>
+          <p:sp>
+            <p:nvSpPr>
+              <p:cNvPr id="267" name="Ellipse 266"/>
+              <p:cNvSpPr/>
+              <p:nvPr/>
+            </p:nvSpPr>
+            <p:spPr>
+              <a:xfrm>
+                <a:off x="8610601" y="2693184"/>
+                <a:ext cx="76200" cy="84042"/>
+              </a:xfrm>
+              <a:prstGeom prst="ellipse">
+                <a:avLst/>
+              </a:prstGeom>
+              <a:ln cap="flat" cmpd="sng" algn="ctr">
+                <a:solidFill>
+                  <a:scrgbClr r="0" g="0" b="0"/>
+                </a:solidFill>
+                <a:prstDash val="sysDash"/>
+                <a:round/>
+                <a:headEnd type="none" w="med" len="med"/>
+                <a:tailEnd type="none" w="med" len="med"/>
+              </a:ln>
+            </p:spPr>
+            <p:style>
+              <a:lnRef idx="1">
+                <a:schemeClr val="accent1"/>
+              </a:lnRef>
+              <a:fillRef idx="3">
+                <a:schemeClr val="accent1"/>
+              </a:fillRef>
+              <a:effectRef idx="2">
+                <a:schemeClr val="accent1"/>
+              </a:effectRef>
+              <a:fontRef idx="minor">
+                <a:schemeClr val="lt1"/>
+              </a:fontRef>
+            </p:style>
+            <p:txBody>
+              <a:bodyPr rtlCol="0" anchor="ctr"/>
+              <a:lstStyle/>
+              <a:p>
+                <a:pPr algn="ctr"/>
+                <a:endParaRPr lang="en-US"/>
+              </a:p>
+            </p:txBody>
+          </p:sp>
+          <p:sp>
+            <p:nvSpPr>
+              <p:cNvPr id="289" name="Ellipse 288"/>
+              <p:cNvSpPr/>
+              <p:nvPr/>
+            </p:nvSpPr>
+            <p:spPr>
+              <a:xfrm>
+                <a:off x="8763001" y="2693184"/>
+                <a:ext cx="76200" cy="84042"/>
+              </a:xfrm>
+              <a:prstGeom prst="ellipse">
+                <a:avLst/>
+              </a:prstGeom>
+              <a:ln cap="flat" cmpd="sng" algn="ctr">
+                <a:solidFill>
+                  <a:scrgbClr r="0" g="0" b="0"/>
+                </a:solidFill>
+                <a:prstDash val="sysDash"/>
+                <a:round/>
+                <a:headEnd type="none" w="med" len="med"/>
+                <a:tailEnd type="none" w="med" len="med"/>
+              </a:ln>
+            </p:spPr>
+            <p:style>
+              <a:lnRef idx="1">
+                <a:schemeClr val="accent1"/>
+              </a:lnRef>
+              <a:fillRef idx="3">
+                <a:schemeClr val="accent1"/>
+              </a:fillRef>
+              <a:effectRef idx="2">
+                <a:schemeClr val="accent1"/>
+              </a:effectRef>
+              <a:fontRef idx="minor">
+                <a:schemeClr val="lt1"/>
+              </a:fontRef>
+            </p:style>
+            <p:txBody>
+              <a:bodyPr rtlCol="0" anchor="ctr"/>
+              <a:lstStyle/>
+              <a:p>
+                <a:pPr algn="ctr"/>
+                <a:endParaRPr lang="en-US"/>
+              </a:p>
+            </p:txBody>
+          </p:sp>
+          <p:cxnSp>
+            <p:nvCxnSpPr>
+              <p:cNvPr id="291" name="Connecteur droit 290"/>
+              <p:cNvCxnSpPr>
+                <a:stCxn id="226" idx="4"/>
+                <a:endCxn id="266" idx="0"/>
+              </p:cNvCxnSpPr>
+              <p:nvPr/>
+            </p:nvCxnSpPr>
+            <p:spPr>
+              <a:xfrm rot="5400000">
+                <a:off x="8374714" y="2495397"/>
+                <a:ext cx="281274" cy="114300"/>
+              </a:xfrm>
+              <a:prstGeom prst="line">
+                <a:avLst/>
+              </a:prstGeom>
+              <a:ln w="12700" cap="flat" cmpd="sng" algn="ctr">
+                <a:solidFill>
+                  <a:schemeClr val="accent1"/>
+                </a:solidFill>
+                <a:prstDash val="sysDash"/>
+                <a:round/>
+                <a:headEnd type="none" w="med" len="med"/>
+                <a:tailEnd type="none" w="med" len="med"/>
+              </a:ln>
+            </p:spPr>
+            <p:style>
+              <a:lnRef idx="2">
+                <a:schemeClr val="accent1"/>
+              </a:lnRef>
+              <a:fillRef idx="0">
+                <a:schemeClr val="accent1"/>
+              </a:fillRef>
+              <a:effectRef idx="1">
+                <a:schemeClr val="accent1"/>
+              </a:effectRef>
+              <a:fontRef idx="minor">
+                <a:schemeClr val="tx1"/>
+              </a:fontRef>
+            </p:style>
+          </p:cxnSp>
+          <p:cxnSp>
+            <p:nvCxnSpPr>
+              <p:cNvPr id="294" name="Connecteur droit 293"/>
+              <p:cNvCxnSpPr>
+                <a:stCxn id="226" idx="4"/>
+                <a:endCxn id="267" idx="0"/>
+              </p:cNvCxnSpPr>
+              <p:nvPr/>
+            </p:nvCxnSpPr>
+            <p:spPr>
+              <a:xfrm rot="16200000" flipH="1">
+                <a:off x="8469964" y="2514447"/>
+                <a:ext cx="281274" cy="76200"/>
+              </a:xfrm>
+              <a:prstGeom prst="line">
+                <a:avLst/>
+              </a:prstGeom>
+              <a:ln w="12700" cap="flat" cmpd="sng" algn="ctr">
+                <a:solidFill>
+                  <a:schemeClr val="accent1"/>
+                </a:solidFill>
+                <a:prstDash val="sysDash"/>
+                <a:round/>
+                <a:headEnd type="none" w="med" len="med"/>
+                <a:tailEnd type="none" w="med" len="med"/>
+              </a:ln>
+            </p:spPr>
+            <p:style>
+              <a:lnRef idx="2">
+                <a:schemeClr val="accent1"/>
+              </a:lnRef>
+              <a:fillRef idx="0">
+                <a:schemeClr val="accent1"/>
+              </a:fillRef>
+              <a:effectRef idx="1">
+                <a:schemeClr val="accent1"/>
+              </a:effectRef>
+              <a:fontRef idx="minor">
+                <a:schemeClr val="tx1"/>
+              </a:fontRef>
+            </p:style>
+          </p:cxnSp>
+          <p:cxnSp>
+            <p:nvCxnSpPr>
+              <p:cNvPr id="295" name="Connecteur droit 294"/>
+              <p:cNvCxnSpPr>
+                <a:stCxn id="226" idx="4"/>
+                <a:endCxn id="289" idx="0"/>
+              </p:cNvCxnSpPr>
+              <p:nvPr/>
+            </p:nvCxnSpPr>
+            <p:spPr>
+              <a:xfrm rot="16200000" flipH="1">
+                <a:off x="8546164" y="2438247"/>
+                <a:ext cx="281274" cy="228600"/>
+              </a:xfrm>
+              <a:prstGeom prst="line">
+                <a:avLst/>
+              </a:prstGeom>
+              <a:ln w="12700" cap="flat" cmpd="sng" algn="ctr">
+                <a:solidFill>
+                  <a:schemeClr val="accent1"/>
+                </a:solidFill>
+                <a:prstDash val="sysDash"/>
+                <a:round/>
+                <a:headEnd type="none" w="med" len="med"/>
+                <a:tailEnd type="none" w="med" len="med"/>
+              </a:ln>
+            </p:spPr>
+            <p:style>
+              <a:lnRef idx="2">
+                <a:schemeClr val="accent1"/>
+              </a:lnRef>
+              <a:fillRef idx="0">
+                <a:schemeClr val="accent1"/>
+              </a:fillRef>
+              <a:effectRef idx="1">
+                <a:schemeClr val="accent1"/>
+              </a:effectRef>
+              <a:fontRef idx="minor">
+                <a:schemeClr val="tx1"/>
+              </a:fontRef>
+            </p:style>
+          </p:cxnSp>
+          <p:sp>
+            <p:nvSpPr>
+              <p:cNvPr id="313" name="Ellipse 312"/>
+              <p:cNvSpPr/>
+              <p:nvPr/>
+            </p:nvSpPr>
+            <p:spPr>
+              <a:xfrm>
+                <a:off x="8420100" y="2695975"/>
+                <a:ext cx="76200" cy="84042"/>
+              </a:xfrm>
+              <a:prstGeom prst="ellipse">
+                <a:avLst/>
+              </a:prstGeom>
+              <a:solidFill>
+                <a:schemeClr val="accent3">
+                  <a:lumMod val="75000"/>
+                </a:schemeClr>
+              </a:solidFill>
+              <a:ln cap="flat" cmpd="sng" algn="ctr">
+                <a:solidFill>
+                  <a:srgbClr val="FF0000"/>
+                </a:solidFill>
+                <a:prstDash val="sysDash"/>
+                <a:round/>
+                <a:headEnd type="none" w="med" len="med"/>
+                <a:tailEnd type="none" w="med" len="med"/>
+              </a:ln>
+            </p:spPr>
+            <p:style>
+              <a:lnRef idx="1">
+                <a:schemeClr val="accent1"/>
+              </a:lnRef>
+              <a:fillRef idx="3">
+                <a:schemeClr val="accent1"/>
+              </a:fillRef>
+              <a:effectRef idx="2">
+                <a:schemeClr val="accent1"/>
+              </a:effectRef>
+              <a:fontRef idx="minor">
+                <a:schemeClr val="lt1"/>
+              </a:fontRef>
+            </p:style>
+            <p:txBody>
+              <a:bodyPr rtlCol="0" anchor="ctr"/>
+              <a:lstStyle/>
+              <a:p>
+                <a:pPr algn="ctr"/>
+                <a:endParaRPr lang="en-US"/>
+              </a:p>
+            </p:txBody>
+          </p:sp>
+          <p:sp>
+            <p:nvSpPr>
+              <p:cNvPr id="314" name="Ellipse 313"/>
+              <p:cNvSpPr/>
+              <p:nvPr/>
+            </p:nvSpPr>
+            <p:spPr>
+              <a:xfrm>
+                <a:off x="8496300" y="3061291"/>
+                <a:ext cx="76200" cy="84042"/>
+              </a:xfrm>
+              <a:prstGeom prst="ellipse">
+                <a:avLst/>
+              </a:prstGeom>
+              <a:solidFill>
+                <a:schemeClr val="accent3">
+                  <a:lumMod val="75000"/>
+                </a:schemeClr>
+              </a:solidFill>
+              <a:ln cap="flat" cmpd="sng" algn="ctr">
+                <a:solidFill>
+                  <a:srgbClr val="FF0000"/>
+                </a:solidFill>
+                <a:prstDash val="sysDash"/>
+                <a:round/>
+                <a:headEnd type="none" w="med" len="med"/>
+                <a:tailEnd type="none" w="med" len="med"/>
+              </a:ln>
+            </p:spPr>
+            <p:style>
+              <a:lnRef idx="1">
+                <a:schemeClr val="accent1"/>
+              </a:lnRef>
+              <a:fillRef idx="3">
+                <a:schemeClr val="accent1"/>
+              </a:fillRef>
+              <a:effectRef idx="2">
+                <a:schemeClr val="accent1"/>
+              </a:effectRef>
+              <a:fontRef idx="minor">
+                <a:schemeClr val="lt1"/>
+              </a:fontRef>
+            </p:style>
+            <p:txBody>
+              <a:bodyPr rtlCol="0" anchor="ctr"/>
+              <a:lstStyle/>
+              <a:p>
+                <a:pPr algn="ctr"/>
+                <a:endParaRPr lang="en-US"/>
+              </a:p>
+            </p:txBody>
+          </p:sp>
+          <p:cxnSp>
+            <p:nvCxnSpPr>
+              <p:cNvPr id="315" name="Connecteur droit 314"/>
+              <p:cNvCxnSpPr>
+                <a:stCxn id="313" idx="4"/>
+                <a:endCxn id="314" idx="0"/>
+              </p:cNvCxnSpPr>
+              <p:nvPr/>
+            </p:nvCxnSpPr>
+            <p:spPr>
+              <a:xfrm rot="16200000" flipH="1">
+                <a:off x="8355663" y="2882554"/>
+                <a:ext cx="281274" cy="76200"/>
+              </a:xfrm>
+              <a:prstGeom prst="line">
+                <a:avLst/>
+              </a:prstGeom>
+              <a:solidFill>
+                <a:schemeClr val="accent3">
+                  <a:lumMod val="75000"/>
+                </a:schemeClr>
+              </a:solidFill>
+              <a:ln w="12700" cap="flat" cmpd="sng" algn="ctr">
+                <a:solidFill>
+                  <a:srgbClr val="FF0000"/>
+                </a:solidFill>
+                <a:prstDash val="sysDash"/>
+                <a:round/>
+                <a:headEnd type="none" w="med" len="med"/>
+                <a:tailEnd type="none" w="med" len="med"/>
+              </a:ln>
+            </p:spPr>
+            <p:style>
+              <a:lnRef idx="2">
+                <a:schemeClr val="accent1"/>
+              </a:lnRef>
+              <a:fillRef idx="0">
+                <a:schemeClr val="accent1"/>
+              </a:fillRef>
+              <a:effectRef idx="1">
+                <a:schemeClr val="accent1"/>
+              </a:effectRef>
+              <a:fontRef idx="minor">
+                <a:schemeClr val="tx1"/>
+              </a:fontRef>
+            </p:style>
+          </p:cxnSp>
+          <p:sp>
+            <p:nvSpPr>
+              <p:cNvPr id="316" name="Ellipse 315"/>
+              <p:cNvSpPr/>
+              <p:nvPr/>
+            </p:nvSpPr>
+            <p:spPr>
+              <a:xfrm>
+                <a:off x="8382000" y="3426607"/>
+                <a:ext cx="76200" cy="84042"/>
+              </a:xfrm>
+              <a:prstGeom prst="ellipse">
+                <a:avLst/>
+              </a:prstGeom>
+              <a:solidFill>
+                <a:schemeClr val="accent3">
+                  <a:lumMod val="75000"/>
+                </a:schemeClr>
+              </a:solidFill>
+              <a:ln cap="flat" cmpd="sng" algn="ctr">
+                <a:solidFill>
+                  <a:srgbClr val="FF0000"/>
+                </a:solidFill>
+                <a:prstDash val="sysDash"/>
+                <a:round/>
+                <a:headEnd type="none" w="med" len="med"/>
+                <a:tailEnd type="none" w="med" len="med"/>
+              </a:ln>
+            </p:spPr>
+            <p:style>
+              <a:lnRef idx="1">
+                <a:schemeClr val="accent1"/>
+              </a:lnRef>
+              <a:fillRef idx="3">
+                <a:schemeClr val="accent1"/>
+              </a:fillRef>
+              <a:effectRef idx="2">
+                <a:schemeClr val="accent1"/>
+              </a:effectRef>
+              <a:fontRef idx="minor">
+                <a:schemeClr val="lt1"/>
+              </a:fontRef>
+            </p:style>
+            <p:txBody>
+              <a:bodyPr rtlCol="0" anchor="ctr"/>
+              <a:lstStyle/>
+              <a:p>
+                <a:pPr algn="ctr"/>
+                <a:endParaRPr lang="en-US"/>
+              </a:p>
+            </p:txBody>
+          </p:sp>
+          <p:sp>
+            <p:nvSpPr>
+              <p:cNvPr id="317" name="Ellipse 316"/>
+              <p:cNvSpPr/>
+              <p:nvPr/>
+            </p:nvSpPr>
+            <p:spPr>
+              <a:xfrm>
+                <a:off x="8724900" y="3426607"/>
+                <a:ext cx="76200" cy="84042"/>
+              </a:xfrm>
+              <a:prstGeom prst="ellipse">
+                <a:avLst/>
+              </a:prstGeom>
+              <a:solidFill>
+                <a:schemeClr val="accent3">
+                  <a:lumMod val="75000"/>
+                </a:schemeClr>
+              </a:solidFill>
+              <a:ln cap="flat" cmpd="sng" algn="ctr">
+                <a:solidFill>
+                  <a:srgbClr val="FF0000"/>
+                </a:solidFill>
+                <a:prstDash val="sysDash"/>
+                <a:round/>
+                <a:headEnd type="none" w="med" len="med"/>
+                <a:tailEnd type="none" w="med" len="med"/>
+              </a:ln>
+            </p:spPr>
+            <p:style>
+              <a:lnRef idx="1">
+                <a:schemeClr val="accent1"/>
+              </a:lnRef>
+              <a:fillRef idx="3">
+                <a:schemeClr val="accent1"/>
+              </a:fillRef>
+              <a:effectRef idx="2">
+                <a:schemeClr val="accent1"/>
+              </a:effectRef>
+              <a:fontRef idx="minor">
+                <a:schemeClr val="lt1"/>
+              </a:fontRef>
+            </p:style>
+            <p:txBody>
+              <a:bodyPr rtlCol="0" anchor="ctr"/>
+              <a:lstStyle/>
+              <a:p>
+                <a:pPr algn="ctr"/>
+                <a:endParaRPr lang="en-US"/>
+              </a:p>
+            </p:txBody>
+          </p:sp>
+          <p:cxnSp>
+            <p:nvCxnSpPr>
+              <p:cNvPr id="318" name="Connecteur droit 317"/>
+              <p:cNvCxnSpPr>
+                <a:stCxn id="314" idx="4"/>
+                <a:endCxn id="316" idx="0"/>
+              </p:cNvCxnSpPr>
+              <p:nvPr/>
+            </p:nvCxnSpPr>
+            <p:spPr>
+              <a:xfrm rot="5400000">
+                <a:off x="8336613" y="3228820"/>
+                <a:ext cx="281274" cy="114300"/>
+              </a:xfrm>
+              <a:prstGeom prst="line">
+                <a:avLst/>
+              </a:prstGeom>
+              <a:solidFill>
+                <a:schemeClr val="accent3">
+                  <a:lumMod val="75000"/>
+                </a:schemeClr>
+              </a:solidFill>
+              <a:ln w="12700" cap="flat" cmpd="sng" algn="ctr">
+                <a:solidFill>
+                  <a:srgbClr val="FF0000"/>
+                </a:solidFill>
+                <a:prstDash val="sysDash"/>
+                <a:round/>
+                <a:headEnd type="none" w="med" len="med"/>
+                <a:tailEnd type="none" w="med" len="med"/>
+              </a:ln>
+            </p:spPr>
+            <p:style>
+              <a:lnRef idx="2">
+                <a:schemeClr val="accent1"/>
+              </a:lnRef>
+              <a:fillRef idx="0">
+                <a:schemeClr val="accent1"/>
+              </a:fillRef>
+              <a:effectRef idx="1">
+                <a:schemeClr val="accent1"/>
+              </a:effectRef>
+              <a:fontRef idx="minor">
+                <a:schemeClr val="tx1"/>
+              </a:fontRef>
+            </p:style>
+          </p:cxnSp>
+          <p:cxnSp>
+            <p:nvCxnSpPr>
+              <p:cNvPr id="319" name="Connecteur droit 318"/>
+              <p:cNvCxnSpPr>
+                <a:stCxn id="314" idx="4"/>
+                <a:endCxn id="317" idx="0"/>
+              </p:cNvCxnSpPr>
+              <p:nvPr/>
+            </p:nvCxnSpPr>
+            <p:spPr>
+              <a:xfrm rot="16200000" flipH="1">
+                <a:off x="8508063" y="3171670"/>
+                <a:ext cx="281274" cy="228600"/>
+              </a:xfrm>
+              <a:prstGeom prst="line">
+                <a:avLst/>
+              </a:prstGeom>
+              <a:solidFill>
+                <a:schemeClr val="accent3">
+                  <a:lumMod val="75000"/>
+                </a:schemeClr>
+              </a:solidFill>
+              <a:ln w="12700" cap="flat" cmpd="sng" algn="ctr">
+                <a:solidFill>
+                  <a:srgbClr val="FF0000"/>
+                </a:solidFill>
+                <a:prstDash val="sysDash"/>
+                <a:round/>
+                <a:headEnd type="none" w="med" len="med"/>
+                <a:tailEnd type="none" w="med" len="med"/>
+              </a:ln>
+            </p:spPr>
+            <p:style>
+              <a:lnRef idx="2">
+                <a:schemeClr val="accent1"/>
+              </a:lnRef>
+              <a:fillRef idx="0">
+                <a:schemeClr val="accent1"/>
+              </a:fillRef>
+              <a:effectRef idx="1">
+                <a:schemeClr val="accent1"/>
+              </a:effectRef>
+              <a:fontRef idx="minor">
+                <a:schemeClr val="tx1"/>
+              </a:fontRef>
+            </p:style>
+          </p:cxnSp>
+          <p:sp>
+            <p:nvSpPr>
+              <p:cNvPr id="320" name="Ellipse 319"/>
+              <p:cNvSpPr/>
+              <p:nvPr/>
+            </p:nvSpPr>
+            <p:spPr>
+              <a:xfrm>
+                <a:off x="8801101" y="3060732"/>
+                <a:ext cx="76200" cy="84042"/>
+              </a:xfrm>
+              <a:prstGeom prst="ellipse">
+                <a:avLst/>
+              </a:prstGeom>
+              <a:solidFill>
+                <a:schemeClr val="accent3">
+                  <a:lumMod val="75000"/>
+                </a:schemeClr>
+              </a:solidFill>
+              <a:ln cap="flat" cmpd="sng" algn="ctr">
+                <a:solidFill>
+                  <a:srgbClr val="FF0000"/>
+                </a:solidFill>
+                <a:prstDash val="sysDash"/>
+                <a:round/>
+                <a:headEnd type="none" w="med" len="med"/>
+                <a:tailEnd type="none" w="med" len="med"/>
+              </a:ln>
+            </p:spPr>
+            <p:style>
+              <a:lnRef idx="1">
+                <a:schemeClr val="accent1"/>
+              </a:lnRef>
+              <a:fillRef idx="3">
+                <a:schemeClr val="accent1"/>
+              </a:fillRef>
+              <a:effectRef idx="2">
+                <a:schemeClr val="accent1"/>
+              </a:effectRef>
+              <a:fontRef idx="minor">
+                <a:schemeClr val="lt1"/>
+              </a:fontRef>
+            </p:style>
+            <p:txBody>
+              <a:bodyPr rtlCol="0" anchor="ctr"/>
+              <a:lstStyle/>
+              <a:p>
+                <a:pPr algn="ctr"/>
+                <a:endParaRPr lang="en-US"/>
+              </a:p>
+            </p:txBody>
+          </p:sp>
+          <p:cxnSp>
+            <p:nvCxnSpPr>
+              <p:cNvPr id="321" name="Connecteur droit 320"/>
+              <p:cNvCxnSpPr>
+                <a:stCxn id="313" idx="4"/>
+                <a:endCxn id="320" idx="0"/>
+              </p:cNvCxnSpPr>
+              <p:nvPr/>
+            </p:nvCxnSpPr>
+            <p:spPr>
+              <a:xfrm rot="16200000" flipH="1">
+                <a:off x="8508343" y="2729873"/>
+                <a:ext cx="280715" cy="381001"/>
+              </a:xfrm>
+              <a:prstGeom prst="line">
+                <a:avLst/>
+              </a:prstGeom>
+              <a:solidFill>
+                <a:schemeClr val="accent3">
+                  <a:lumMod val="75000"/>
+                </a:schemeClr>
+              </a:solidFill>
+              <a:ln w="12700" cap="flat" cmpd="sng" algn="ctr">
+                <a:solidFill>
+                  <a:srgbClr val="FF0000"/>
+                </a:solidFill>
+                <a:prstDash val="sysDash"/>
+                <a:round/>
+                <a:headEnd type="none" w="med" len="med"/>
+                <a:tailEnd type="none" w="med" len="med"/>
+              </a:ln>
+            </p:spPr>
+            <p:style>
+              <a:lnRef idx="2">
+                <a:schemeClr val="accent1"/>
+              </a:lnRef>
+              <a:fillRef idx="0">
+                <a:schemeClr val="accent1"/>
+              </a:fillRef>
+              <a:effectRef idx="1">
+                <a:schemeClr val="accent1"/>
+              </a:effectRef>
+              <a:fontRef idx="minor">
+                <a:schemeClr val="tx1"/>
+              </a:fontRef>
+            </p:style>
+          </p:cxnSp>
+          <p:sp>
+            <p:nvSpPr>
+              <p:cNvPr id="322" name="Ellipse 321"/>
+              <p:cNvSpPr/>
+              <p:nvPr/>
+            </p:nvSpPr>
+            <p:spPr>
+              <a:xfrm>
+                <a:off x="8839202" y="3426048"/>
+                <a:ext cx="76200" cy="84042"/>
+              </a:xfrm>
+              <a:prstGeom prst="ellipse">
+                <a:avLst/>
+              </a:prstGeom>
+              <a:solidFill>
+                <a:schemeClr val="accent3">
+                  <a:lumMod val="75000"/>
+                </a:schemeClr>
+              </a:solidFill>
+              <a:ln cap="flat" cmpd="sng" algn="ctr">
+                <a:solidFill>
+                  <a:srgbClr val="FF0000"/>
+                </a:solidFill>
+                <a:prstDash val="sysDash"/>
+                <a:round/>
+                <a:headEnd type="none" w="med" len="med"/>
+                <a:tailEnd type="none" w="med" len="med"/>
+              </a:ln>
+            </p:spPr>
+            <p:style>
+              <a:lnRef idx="1">
+                <a:schemeClr val="accent1"/>
+              </a:lnRef>
+              <a:fillRef idx="3">
+                <a:schemeClr val="accent1"/>
+              </a:fillRef>
+              <a:effectRef idx="2">
+                <a:schemeClr val="accent1"/>
+              </a:effectRef>
+              <a:fontRef idx="minor">
+                <a:schemeClr val="lt1"/>
+              </a:fontRef>
+            </p:style>
+            <p:txBody>
+              <a:bodyPr rtlCol="0" anchor="ctr"/>
+              <a:lstStyle/>
+              <a:p>
+                <a:pPr algn="ctr"/>
+                <a:endParaRPr lang="en-US"/>
+              </a:p>
+            </p:txBody>
+          </p:sp>
+          <p:cxnSp>
+            <p:nvCxnSpPr>
+              <p:cNvPr id="323" name="Connecteur droit 322"/>
+              <p:cNvCxnSpPr>
+                <a:stCxn id="320" idx="4"/>
+                <a:endCxn id="322" idx="0"/>
+              </p:cNvCxnSpPr>
+              <p:nvPr/>
+            </p:nvCxnSpPr>
+            <p:spPr>
+              <a:xfrm rot="16200000" flipH="1">
+                <a:off x="8717614" y="3266360"/>
+                <a:ext cx="281274" cy="38101"/>
+              </a:xfrm>
+              <a:prstGeom prst="line">
+                <a:avLst/>
+              </a:prstGeom>
+              <a:solidFill>
+                <a:schemeClr val="accent3">
+                  <a:lumMod val="75000"/>
+                </a:schemeClr>
+              </a:solidFill>
+              <a:ln w="12700" cap="flat" cmpd="sng" algn="ctr">
+                <a:solidFill>
+                  <a:srgbClr val="FF0000"/>
+                </a:solidFill>
+                <a:prstDash val="sysDash"/>
+                <a:round/>
+                <a:headEnd type="none" w="med" len="med"/>
+                <a:tailEnd type="none" w="med" len="med"/>
+              </a:ln>
+            </p:spPr>
+            <p:style>
+              <a:lnRef idx="2">
+                <a:schemeClr val="accent1"/>
+              </a:lnRef>
+              <a:fillRef idx="0">
+                <a:schemeClr val="accent1"/>
+              </a:fillRef>
+              <a:effectRef idx="1">
+                <a:schemeClr val="accent1"/>
+              </a:effectRef>
+              <a:fontRef idx="minor">
+                <a:schemeClr val="tx1"/>
+              </a:fontRef>
+            </p:style>
+          </p:cxnSp>
+        </p:grpSp>
+        <p:cxnSp>
+          <p:nvCxnSpPr>
+            <p:cNvPr id="446" name="Connecteur droit 445"/>
+            <p:cNvCxnSpPr>
+              <a:stCxn id="426" idx="0"/>
+              <a:endCxn id="188" idx="4"/>
+            </p:cNvCxnSpPr>
+            <p:nvPr/>
+          </p:nvCxnSpPr>
+          <p:spPr>
+            <a:xfrm rot="5400000" flipH="1" flipV="1">
+              <a:off x="8323944" y="2173762"/>
+              <a:ext cx="248248" cy="384267"/>
+            </a:xfrm>
+            <a:prstGeom prst="line">
+              <a:avLst/>
+            </a:prstGeom>
+            <a:ln w="12700" cap="flat" cmpd="sng" algn="ctr">
+              <a:solidFill>
+                <a:schemeClr val="accent1"/>
+              </a:solidFill>
+              <a:prstDash val="sysDash"/>
+              <a:round/>
+              <a:headEnd type="none" w="med" len="med"/>
+              <a:tailEnd type="none" w="med" len="med"/>
+            </a:ln>
+          </p:spPr>
+          <p:style>
+            <a:lnRef idx="2">
+              <a:schemeClr val="accent1"/>
+            </a:lnRef>
+            <a:fillRef idx="0">
+              <a:schemeClr val="accent1"/>
+            </a:fillRef>
+            <a:effectRef idx="1">
+              <a:schemeClr val="accent1"/>
+            </a:effectRef>
+            <a:fontRef idx="minor">
+              <a:schemeClr val="tx1"/>
+            </a:fontRef>
+          </p:style>
+        </p:cxnSp>
+        <p:cxnSp>
+          <p:nvCxnSpPr>
+            <p:cNvPr id="449" name="Connecteur droit 448"/>
+            <p:cNvCxnSpPr>
+              <a:stCxn id="407" idx="0"/>
+              <a:endCxn id="188" idx="4"/>
+            </p:cNvCxnSpPr>
+            <p:nvPr/>
+          </p:nvCxnSpPr>
+          <p:spPr>
+            <a:xfrm rot="5400000" flipH="1" flipV="1">
+              <a:off x="8425903" y="2307086"/>
+              <a:ext cx="279613" cy="148985"/>
+            </a:xfrm>
+            <a:prstGeom prst="line">
+              <a:avLst/>
+            </a:prstGeom>
+            <a:ln w="12700" cap="flat" cmpd="sng" algn="ctr">
+              <a:solidFill>
+                <a:schemeClr val="accent1"/>
+              </a:solidFill>
+              <a:prstDash val="sysDash"/>
+              <a:round/>
+              <a:headEnd type="none" w="med" len="med"/>
+              <a:tailEnd type="none" w="med" len="med"/>
+            </a:ln>
+          </p:spPr>
+          <p:style>
+            <a:lnRef idx="2">
+              <a:schemeClr val="accent1"/>
+            </a:lnRef>
+            <a:fillRef idx="0">
+              <a:schemeClr val="accent1"/>
+            </a:fillRef>
+            <a:effectRef idx="1">
+              <a:schemeClr val="accent1"/>
+            </a:effectRef>
+            <a:fontRef idx="minor">
+              <a:schemeClr val="tx1"/>
+            </a:fontRef>
+          </p:style>
+        </p:cxnSp>
       </p:grpSp>
-      <p:cxnSp>
-        <p:nvCxnSpPr>
-          <p:cNvPr id="446" name="Connecteur droit 445"/>
-          <p:cNvCxnSpPr>
-            <a:stCxn id="426" idx="0"/>
-            <a:endCxn id="188" idx="4"/>
-          </p:cNvCxnSpPr>
-          <p:nvPr/>
-        </p:nvCxnSpPr>
-        <p:spPr>
-          <a:xfrm rot="5400000" flipH="1" flipV="1">
-            <a:off x="8323944" y="2173762"/>
-            <a:ext cx="248248" cy="384267"/>
-          </a:xfrm>
-          <a:prstGeom prst="line">
-            <a:avLst/>
-          </a:prstGeom>
-          <a:ln w="12700" cap="flat" cmpd="sng" algn="ctr">
-            <a:solidFill>
-              <a:schemeClr val="accent1"/>
-            </a:solidFill>
-            <a:prstDash val="sysDash"/>
-            <a:round/>
-            <a:headEnd type="none" w="med" len="med"/>
-            <a:tailEnd type="none" w="med" len="med"/>
-          </a:ln>
-        </p:spPr>
-        <p:style>
-          <a:lnRef idx="2">
-            <a:schemeClr val="accent1"/>
-          </a:lnRef>
-          <a:fillRef idx="0">
-            <a:schemeClr val="accent1"/>
-          </a:fillRef>
-          <a:effectRef idx="1">
-            <a:schemeClr val="accent1"/>
-          </a:effectRef>
-          <a:fontRef idx="minor">
-            <a:schemeClr val="tx1"/>
-          </a:fontRef>
-        </p:style>
-      </p:cxnSp>
-      <p:cxnSp>
-        <p:nvCxnSpPr>
-          <p:cNvPr id="449" name="Connecteur droit 448"/>
-          <p:cNvCxnSpPr>
-            <a:stCxn id="407" idx="0"/>
-            <a:endCxn id="188" idx="4"/>
-          </p:cNvCxnSpPr>
-          <p:nvPr/>
-        </p:nvCxnSpPr>
-        <p:spPr>
-          <a:xfrm rot="5400000" flipH="1" flipV="1">
-            <a:off x="8425903" y="2307086"/>
-            <a:ext cx="279613" cy="148985"/>
-          </a:xfrm>
-          <a:prstGeom prst="line">
-            <a:avLst/>
-          </a:prstGeom>
-          <a:ln w="12700" cap="flat" cmpd="sng" algn="ctr">
-            <a:solidFill>
-              <a:schemeClr val="accent1"/>
-            </a:solidFill>
-            <a:prstDash val="sysDash"/>
-            <a:round/>
-            <a:headEnd type="none" w="med" len="med"/>
-            <a:tailEnd type="none" w="med" len="med"/>
-          </a:ln>
-        </p:spPr>
-        <p:style>
-          <a:lnRef idx="2">
-            <a:schemeClr val="accent1"/>
-          </a:lnRef>
-          <a:fillRef idx="0">
-            <a:schemeClr val="accent1"/>
-          </a:fillRef>
-          <a:effectRef idx="1">
-            <a:schemeClr val="accent1"/>
-          </a:effectRef>
-          <a:fontRef idx="minor">
-            <a:schemeClr val="tx1"/>
-          </a:fontRef>
-        </p:style>
-      </p:cxnSp>
       <p:cxnSp>
         <p:nvCxnSpPr>
           <p:cNvPr id="453" name="Connecteur droit avec flèche 452"/>
@@ -30368,7 +30727,7 @@
         </p:nvSpPr>
         <p:spPr>
           <a:xfrm>
-            <a:off x="8197427" y="1606880"/>
+            <a:off x="8212968" y="1198423"/>
             <a:ext cx="1611814" cy="369332"/>
           </a:xfrm>
           <a:prstGeom prst="rect">
@@ -32388,7 +32747,7 @@
         <p:spPr>
           <a:xfrm>
             <a:off x="207885" y="6297920"/>
-            <a:ext cx="1830361" cy="369332"/>
+            <a:ext cx="2827404" cy="369332"/>
           </a:xfrm>
           <a:prstGeom prst="rect">
             <a:avLst/>
@@ -32402,50 +32761,16 @@
           <a:lstStyle/>
           <a:p>
             <a:r>
+              <a:rPr lang="fr-FR" dirty="0" err="1" smtClean="0"/>
+              <a:t>Imported</a:t>
+            </a:r>
+            <a:r>
               <a:rPr lang="fr-FR" dirty="0" smtClean="0"/>
-              <a:t>I</a:t>
+              <a:t> / </a:t>
             </a:r>
             <a:r>
               <a:rPr lang="fr-FR" dirty="0" err="1" smtClean="0"/>
-              <a:t>mported</a:t>
-            </a:r>
-            <a:r>
-              <a:rPr lang="fr-FR" dirty="0" smtClean="0"/>
-              <a:t> module</a:t>
-            </a:r>
-            <a:endParaRPr lang="fr-FR" dirty="0"/>
-          </a:p>
-        </p:txBody>
-      </p:sp>
-      <p:sp>
-        <p:nvSpPr>
-          <p:cNvPr id="338" name="ZoneTexte 337"/>
-          <p:cNvSpPr txBox="1"/>
-          <p:nvPr/>
-        </p:nvSpPr>
-        <p:spPr>
-          <a:xfrm>
-            <a:off x="2328212" y="6352144"/>
-            <a:ext cx="1762058" cy="369332"/>
-          </a:xfrm>
-          <a:prstGeom prst="rect">
-            <a:avLst/>
-          </a:prstGeom>
-          <a:noFill/>
-        </p:spPr>
-        <p:txBody>
-          <a:bodyPr wrap="none" rtlCol="0">
-            <a:spAutoFit/>
-          </a:bodyPr>
-          <a:lstStyle/>
-          <a:p>
-            <a:r>
-              <a:rPr lang="fr-FR" dirty="0" smtClean="0"/>
-              <a:t>I</a:t>
-            </a:r>
-            <a:r>
-              <a:rPr lang="fr-FR" dirty="0" err="1" smtClean="0"/>
-              <a:t>ncluded</a:t>
+              <a:t>included</a:t>
             </a:r>
             <a:r>
               <a:rPr lang="fr-FR" dirty="0" smtClean="0"/>
@@ -32472,13 +32797,17 @@
           <a:prstGeom prst="curvedConnector5">
             <a:avLst>
               <a:gd name="adj1" fmla="val -27091"/>
-              <a:gd name="adj2" fmla="val 51314"/>
+              <a:gd name="adj2" fmla="val 58747"/>
               <a:gd name="adj3" fmla="val 127091"/>
             </a:avLst>
           </a:prstGeom>
           <a:ln>
+            <a:solidFill>
+              <a:srgbClr val="000000"/>
+            </a:solidFill>
             <a:prstDash val="sysDash"/>
-            <a:tailEnd type="arrow"/>
+            <a:headEnd type="arrow"/>
+            <a:tailEnd type="none"/>
           </a:ln>
         </p:spPr>
         <p:style>
@@ -32518,8 +32847,12 @@
             </a:avLst>
           </a:prstGeom>
           <a:ln>
+            <a:solidFill>
+              <a:srgbClr val="000000"/>
+            </a:solidFill>
             <a:prstDash val="sysDash"/>
-            <a:tailEnd type="arrow"/>
+            <a:headEnd type="arrow"/>
+            <a:tailEnd type="none"/>
           </a:ln>
         </p:spPr>
         <p:style>
@@ -32537,6 +32870,480 @@
           </a:fontRef>
         </p:style>
       </p:cxnSp>
+      <p:sp>
+        <p:nvSpPr>
+          <p:cNvPr id="324" name="Ellipse 323"/>
+          <p:cNvSpPr/>
+          <p:nvPr/>
+        </p:nvSpPr>
+        <p:spPr>
+          <a:xfrm>
+            <a:off x="5670933" y="956281"/>
+            <a:ext cx="76200" cy="84042"/>
+          </a:xfrm>
+          <a:prstGeom prst="ellipse">
+            <a:avLst/>
+          </a:prstGeom>
+        </p:spPr>
+        <p:style>
+          <a:lnRef idx="1">
+            <a:schemeClr val="accent1"/>
+          </a:lnRef>
+          <a:fillRef idx="3">
+            <a:schemeClr val="accent1"/>
+          </a:fillRef>
+          <a:effectRef idx="2">
+            <a:schemeClr val="accent1"/>
+          </a:effectRef>
+          <a:fontRef idx="minor">
+            <a:schemeClr val="lt1"/>
+          </a:fontRef>
+        </p:style>
+        <p:txBody>
+          <a:bodyPr rtlCol="0" anchor="ctr"/>
+          <a:lstStyle/>
+          <a:p>
+            <a:pPr algn="ctr"/>
+            <a:endParaRPr lang="en-US"/>
+          </a:p>
+        </p:txBody>
+      </p:sp>
+      <p:sp>
+        <p:nvSpPr>
+          <p:cNvPr id="325" name="Ellipse 324"/>
+          <p:cNvSpPr/>
+          <p:nvPr/>
+        </p:nvSpPr>
+        <p:spPr>
+          <a:xfrm>
+            <a:off x="5861433" y="956281"/>
+            <a:ext cx="76200" cy="84042"/>
+          </a:xfrm>
+          <a:prstGeom prst="ellipse">
+            <a:avLst/>
+          </a:prstGeom>
+        </p:spPr>
+        <p:style>
+          <a:lnRef idx="1">
+            <a:schemeClr val="accent1"/>
+          </a:lnRef>
+          <a:fillRef idx="3">
+            <a:schemeClr val="accent1"/>
+          </a:fillRef>
+          <a:effectRef idx="2">
+            <a:schemeClr val="accent1"/>
+          </a:effectRef>
+          <a:fontRef idx="minor">
+            <a:schemeClr val="lt1"/>
+          </a:fontRef>
+        </p:style>
+        <p:txBody>
+          <a:bodyPr rtlCol="0" anchor="ctr"/>
+          <a:lstStyle/>
+          <a:p>
+            <a:pPr algn="ctr"/>
+            <a:endParaRPr lang="en-US"/>
+          </a:p>
+        </p:txBody>
+      </p:sp>
+      <p:cxnSp>
+        <p:nvCxnSpPr>
+          <p:cNvPr id="326" name="Connecteur droit 325"/>
+          <p:cNvCxnSpPr>
+            <a:endCxn id="324" idx="0"/>
+          </p:cNvCxnSpPr>
+          <p:nvPr/>
+        </p:nvCxnSpPr>
+        <p:spPr>
+          <a:xfrm rot="5400000">
+            <a:off x="5720796" y="663244"/>
+            <a:ext cx="281274" cy="304800"/>
+          </a:xfrm>
+          <a:prstGeom prst="line">
+            <a:avLst/>
+          </a:prstGeom>
+          <a:ln w="12700" cap="flat" cmpd="sng" algn="ctr">
+            <a:solidFill>
+              <a:schemeClr val="accent1"/>
+            </a:solidFill>
+            <a:prstDash val="solid"/>
+            <a:round/>
+            <a:headEnd type="none" w="med" len="med"/>
+            <a:tailEnd type="none" w="med" len="med"/>
+          </a:ln>
+        </p:spPr>
+        <p:style>
+          <a:lnRef idx="2">
+            <a:schemeClr val="accent1"/>
+          </a:lnRef>
+          <a:fillRef idx="0">
+            <a:schemeClr val="accent1"/>
+          </a:fillRef>
+          <a:effectRef idx="1">
+            <a:schemeClr val="accent1"/>
+          </a:effectRef>
+          <a:fontRef idx="minor">
+            <a:schemeClr val="tx1"/>
+          </a:fontRef>
+        </p:style>
+      </p:cxnSp>
+      <p:cxnSp>
+        <p:nvCxnSpPr>
+          <p:cNvPr id="329" name="Connecteur droit 328"/>
+          <p:cNvCxnSpPr>
+            <a:endCxn id="325" idx="0"/>
+          </p:cNvCxnSpPr>
+          <p:nvPr/>
+        </p:nvCxnSpPr>
+        <p:spPr>
+          <a:xfrm rot="5400000">
+            <a:off x="5816046" y="758494"/>
+            <a:ext cx="281274" cy="114300"/>
+          </a:xfrm>
+          <a:prstGeom prst="line">
+            <a:avLst/>
+          </a:prstGeom>
+          <a:ln w="12700" cap="flat" cmpd="sng" algn="ctr">
+            <a:solidFill>
+              <a:schemeClr val="accent1"/>
+            </a:solidFill>
+            <a:prstDash val="solid"/>
+            <a:round/>
+            <a:headEnd type="none" w="med" len="med"/>
+            <a:tailEnd type="none" w="med" len="med"/>
+          </a:ln>
+        </p:spPr>
+        <p:style>
+          <a:lnRef idx="2">
+            <a:schemeClr val="accent1"/>
+          </a:lnRef>
+          <a:fillRef idx="0">
+            <a:schemeClr val="accent1"/>
+          </a:fillRef>
+          <a:effectRef idx="1">
+            <a:schemeClr val="accent1"/>
+          </a:effectRef>
+          <a:fontRef idx="minor">
+            <a:schemeClr val="tx1"/>
+          </a:fontRef>
+        </p:style>
+      </p:cxnSp>
+      <p:sp>
+        <p:nvSpPr>
+          <p:cNvPr id="331" name="Forme libre 330"/>
+          <p:cNvSpPr/>
+          <p:nvPr/>
+        </p:nvSpPr>
+        <p:spPr>
+          <a:xfrm>
+            <a:off x="1384300" y="423333"/>
+            <a:ext cx="2374900" cy="2764367"/>
+          </a:xfrm>
+          <a:custGeom>
+            <a:avLst/>
+            <a:gdLst>
+              <a:gd name="connsiteX0" fmla="*/ 0 w 2374900"/>
+              <a:gd name="connsiteY0" fmla="*/ 2764367 h 2764367"/>
+              <a:gd name="connsiteX1" fmla="*/ 431800 w 2374900"/>
+              <a:gd name="connsiteY1" fmla="*/ 1138767 h 2764367"/>
+              <a:gd name="connsiteX2" fmla="*/ 1600200 w 2374900"/>
+              <a:gd name="connsiteY2" fmla="*/ 148167 h 2764367"/>
+              <a:gd name="connsiteX3" fmla="*/ 2374900 w 2374900"/>
+              <a:gd name="connsiteY3" fmla="*/ 249767 h 2764367"/>
+            </a:gdLst>
+            <a:ahLst/>
+            <a:cxnLst>
+              <a:cxn ang="0">
+                <a:pos x="connsiteX0" y="connsiteY0"/>
+              </a:cxn>
+              <a:cxn ang="0">
+                <a:pos x="connsiteX1" y="connsiteY1"/>
+              </a:cxn>
+              <a:cxn ang="0">
+                <a:pos x="connsiteX2" y="connsiteY2"/>
+              </a:cxn>
+              <a:cxn ang="0">
+                <a:pos x="connsiteX3" y="connsiteY3"/>
+              </a:cxn>
+            </a:cxnLst>
+            <a:rect l="l" t="t" r="r" b="b"/>
+            <a:pathLst>
+              <a:path w="2374900" h="2764367">
+                <a:moveTo>
+                  <a:pt x="0" y="2764367"/>
+                </a:moveTo>
+                <a:cubicBezTo>
+                  <a:pt x="82550" y="2169583"/>
+                  <a:pt x="165100" y="1574800"/>
+                  <a:pt x="431800" y="1138767"/>
+                </a:cubicBezTo>
+                <a:cubicBezTo>
+                  <a:pt x="698500" y="702734"/>
+                  <a:pt x="1276350" y="296334"/>
+                  <a:pt x="1600200" y="148167"/>
+                </a:cubicBezTo>
+                <a:cubicBezTo>
+                  <a:pt x="1924050" y="0"/>
+                  <a:pt x="2374900" y="249767"/>
+                  <a:pt x="2374900" y="249767"/>
+                </a:cubicBezTo>
+              </a:path>
+            </a:pathLst>
+          </a:custGeom>
+          <a:ln>
+            <a:solidFill>
+              <a:srgbClr val="000000"/>
+            </a:solidFill>
+            <a:tailEnd type="arrow"/>
+          </a:ln>
+        </p:spPr>
+        <p:style>
+          <a:lnRef idx="2">
+            <a:schemeClr val="accent1"/>
+          </a:lnRef>
+          <a:fillRef idx="0">
+            <a:schemeClr val="accent1"/>
+          </a:fillRef>
+          <a:effectRef idx="1">
+            <a:schemeClr val="accent1"/>
+          </a:effectRef>
+          <a:fontRef idx="minor">
+            <a:schemeClr val="tx1"/>
+          </a:fontRef>
+        </p:style>
+        <p:txBody>
+          <a:bodyPr rtlCol="0" anchor="ctr"/>
+          <a:lstStyle/>
+          <a:p>
+            <a:pPr algn="ctr"/>
+            <a:endParaRPr lang="fr-FR"/>
+          </a:p>
+        </p:txBody>
+      </p:sp>
+      <p:sp>
+        <p:nvSpPr>
+          <p:cNvPr id="332" name="ZoneTexte 331"/>
+          <p:cNvSpPr txBox="1"/>
+          <p:nvPr/>
+        </p:nvSpPr>
+        <p:spPr>
+          <a:xfrm>
+            <a:off x="2096423" y="3823435"/>
+            <a:ext cx="441647" cy="369332"/>
+          </a:xfrm>
+          <a:prstGeom prst="rect">
+            <a:avLst/>
+          </a:prstGeom>
+          <a:noFill/>
+        </p:spPr>
+        <p:txBody>
+          <a:bodyPr wrap="none" rtlCol="0">
+            <a:spAutoFit/>
+          </a:bodyPr>
+          <a:lstStyle/>
+          <a:p>
+            <a:r>
+              <a:rPr lang="fr-FR" dirty="0" smtClean="0"/>
+              <a:t>(1)</a:t>
+            </a:r>
+            <a:endParaRPr lang="fr-FR" dirty="0"/>
+          </a:p>
+        </p:txBody>
+      </p:sp>
+      <p:sp>
+        <p:nvSpPr>
+          <p:cNvPr id="333" name="Forme libre 332"/>
+          <p:cNvSpPr/>
+          <p:nvPr/>
+        </p:nvSpPr>
+        <p:spPr>
+          <a:xfrm>
+            <a:off x="478367" y="3924300"/>
+            <a:ext cx="728133" cy="1612900"/>
+          </a:xfrm>
+          <a:custGeom>
+            <a:avLst/>
+            <a:gdLst>
+              <a:gd name="connsiteX0" fmla="*/ 93133 w 728133"/>
+              <a:gd name="connsiteY0" fmla="*/ 1612900 h 1612900"/>
+              <a:gd name="connsiteX1" fmla="*/ 105833 w 728133"/>
+              <a:gd name="connsiteY1" fmla="*/ 685800 h 1612900"/>
+              <a:gd name="connsiteX2" fmla="*/ 728133 w 728133"/>
+              <a:gd name="connsiteY2" fmla="*/ 0 h 1612900"/>
+            </a:gdLst>
+            <a:ahLst/>
+            <a:cxnLst>
+              <a:cxn ang="0">
+                <a:pos x="connsiteX0" y="connsiteY0"/>
+              </a:cxn>
+              <a:cxn ang="0">
+                <a:pos x="connsiteX1" y="connsiteY1"/>
+              </a:cxn>
+              <a:cxn ang="0">
+                <a:pos x="connsiteX2" y="connsiteY2"/>
+              </a:cxn>
+            </a:cxnLst>
+            <a:rect l="l" t="t" r="r" b="b"/>
+            <a:pathLst>
+              <a:path w="728133" h="1612900">
+                <a:moveTo>
+                  <a:pt x="93133" y="1612900"/>
+                </a:moveTo>
+                <a:cubicBezTo>
+                  <a:pt x="46566" y="1283758"/>
+                  <a:pt x="0" y="954617"/>
+                  <a:pt x="105833" y="685800"/>
+                </a:cubicBezTo>
+                <a:cubicBezTo>
+                  <a:pt x="211666" y="416983"/>
+                  <a:pt x="728133" y="0"/>
+                  <a:pt x="728133" y="0"/>
+                </a:cubicBezTo>
+              </a:path>
+            </a:pathLst>
+          </a:custGeom>
+          <a:ln>
+            <a:solidFill>
+              <a:srgbClr val="000000"/>
+            </a:solidFill>
+            <a:tailEnd type="arrow"/>
+          </a:ln>
+        </p:spPr>
+        <p:style>
+          <a:lnRef idx="2">
+            <a:schemeClr val="accent1"/>
+          </a:lnRef>
+          <a:fillRef idx="0">
+            <a:schemeClr val="accent1"/>
+          </a:fillRef>
+          <a:effectRef idx="1">
+            <a:schemeClr val="accent1"/>
+          </a:effectRef>
+          <a:fontRef idx="minor">
+            <a:schemeClr val="tx1"/>
+          </a:fontRef>
+        </p:style>
+        <p:txBody>
+          <a:bodyPr rtlCol="0" anchor="ctr"/>
+          <a:lstStyle/>
+          <a:p>
+            <a:pPr algn="ctr"/>
+            <a:endParaRPr lang="fr-FR"/>
+          </a:p>
+        </p:txBody>
+      </p:sp>
+      <p:sp>
+        <p:nvSpPr>
+          <p:cNvPr id="334" name="Forme libre 333"/>
+          <p:cNvSpPr/>
+          <p:nvPr/>
+        </p:nvSpPr>
+        <p:spPr>
+          <a:xfrm flipH="1">
+            <a:off x="1619437" y="3969195"/>
+            <a:ext cx="728133" cy="1612900"/>
+          </a:xfrm>
+          <a:custGeom>
+            <a:avLst/>
+            <a:gdLst>
+              <a:gd name="connsiteX0" fmla="*/ 93133 w 728133"/>
+              <a:gd name="connsiteY0" fmla="*/ 1612900 h 1612900"/>
+              <a:gd name="connsiteX1" fmla="*/ 105833 w 728133"/>
+              <a:gd name="connsiteY1" fmla="*/ 685800 h 1612900"/>
+              <a:gd name="connsiteX2" fmla="*/ 728133 w 728133"/>
+              <a:gd name="connsiteY2" fmla="*/ 0 h 1612900"/>
+            </a:gdLst>
+            <a:ahLst/>
+            <a:cxnLst>
+              <a:cxn ang="0">
+                <a:pos x="connsiteX0" y="connsiteY0"/>
+              </a:cxn>
+              <a:cxn ang="0">
+                <a:pos x="connsiteX1" y="connsiteY1"/>
+              </a:cxn>
+              <a:cxn ang="0">
+                <a:pos x="connsiteX2" y="connsiteY2"/>
+              </a:cxn>
+            </a:cxnLst>
+            <a:rect l="l" t="t" r="r" b="b"/>
+            <a:pathLst>
+              <a:path w="728133" h="1612900">
+                <a:moveTo>
+                  <a:pt x="93133" y="1612900"/>
+                </a:moveTo>
+                <a:cubicBezTo>
+                  <a:pt x="46566" y="1283758"/>
+                  <a:pt x="0" y="954617"/>
+                  <a:pt x="105833" y="685800"/>
+                </a:cubicBezTo>
+                <a:cubicBezTo>
+                  <a:pt x="211666" y="416983"/>
+                  <a:pt x="728133" y="0"/>
+                  <a:pt x="728133" y="0"/>
+                </a:cubicBezTo>
+              </a:path>
+            </a:pathLst>
+          </a:custGeom>
+          <a:ln>
+            <a:solidFill>
+              <a:srgbClr val="000000"/>
+            </a:solidFill>
+            <a:tailEnd type="arrow"/>
+          </a:ln>
+        </p:spPr>
+        <p:style>
+          <a:lnRef idx="2">
+            <a:schemeClr val="accent1"/>
+          </a:lnRef>
+          <a:fillRef idx="0">
+            <a:schemeClr val="accent1"/>
+          </a:fillRef>
+          <a:effectRef idx="1">
+            <a:schemeClr val="accent1"/>
+          </a:effectRef>
+          <a:fontRef idx="minor">
+            <a:schemeClr val="tx1"/>
+          </a:fontRef>
+        </p:style>
+        <p:txBody>
+          <a:bodyPr rtlCol="0" anchor="ctr"/>
+          <a:lstStyle/>
+          <a:p>
+            <a:pPr algn="ctr"/>
+            <a:endParaRPr lang="fr-FR"/>
+          </a:p>
+        </p:txBody>
+      </p:sp>
+      <p:sp>
+        <p:nvSpPr>
+          <p:cNvPr id="339" name="ZoneTexte 338"/>
+          <p:cNvSpPr txBox="1"/>
+          <p:nvPr/>
+        </p:nvSpPr>
+        <p:spPr>
+          <a:xfrm>
+            <a:off x="7961413" y="3726463"/>
+            <a:ext cx="441647" cy="369332"/>
+          </a:xfrm>
+          <a:prstGeom prst="rect">
+            <a:avLst/>
+          </a:prstGeom>
+          <a:noFill/>
+        </p:spPr>
+        <p:txBody>
+          <a:bodyPr wrap="none" rtlCol="0">
+            <a:spAutoFit/>
+          </a:bodyPr>
+          <a:lstStyle/>
+          <a:p>
+            <a:r>
+              <a:rPr lang="fr-FR" dirty="0" smtClean="0"/>
+              <a:t>(3)</a:t>
+            </a:r>
+            <a:endParaRPr lang="fr-FR" dirty="0"/>
+          </a:p>
+        </p:txBody>
+      </p:sp>
     </p:spTree>
   </p:cSld>
   <p:clrMapOvr>
@@ -33039,10 +33846,13 @@
             <a:avLst/>
           </a:prstGeom>
           <a:solidFill>
-            <a:schemeClr val="bg1">
-              <a:lumMod val="75000"/>
-            </a:schemeClr>
+            <a:schemeClr val="bg1"/>
           </a:solidFill>
+          <a:ln>
+            <a:solidFill>
+              <a:schemeClr val="tx1"/>
+            </a:solidFill>
+          </a:ln>
         </p:spPr>
         <p:style>
           <a:lnRef idx="1">
@@ -33084,9 +33894,7 @@
             </a:avLst>
           </a:prstGeom>
           <a:solidFill>
-            <a:schemeClr val="bg1">
-              <a:lumMod val="50000"/>
-            </a:schemeClr>
+            <a:schemeClr val="tx1"/>
           </a:solidFill>
         </p:spPr>
         <p:style>
@@ -33127,9 +33935,7 @@
             <a:avLst/>
           </a:prstGeom>
           <a:solidFill>
-            <a:schemeClr val="bg1">
-              <a:lumMod val="50000"/>
-            </a:schemeClr>
+            <a:schemeClr val="tx1"/>
           </a:solidFill>
         </p:spPr>
         <p:style>
@@ -33172,9 +33978,7 @@
             </a:avLst>
           </a:prstGeom>
           <a:solidFill>
-            <a:schemeClr val="bg1">
-              <a:lumMod val="50000"/>
-            </a:schemeClr>
+            <a:schemeClr val="tx1"/>
           </a:solidFill>
         </p:spPr>
         <p:style>
@@ -33217,9 +34021,7 @@
             </a:avLst>
           </a:prstGeom>
           <a:solidFill>
-            <a:schemeClr val="bg1">
-              <a:lumMod val="50000"/>
-            </a:schemeClr>
+            <a:schemeClr val="tx1"/>
           </a:solidFill>
         </p:spPr>
         <p:style>
@@ -33486,21 +34288,130 @@
           <a:p>
             <a:r>
               <a:rPr lang="fr-FR" sz="1200" dirty="0" smtClean="0"/>
-              <a:t>&lt;module&gt;</a:t>
-            </a:r>
-          </a:p>
-          <a:p>
+              <a:t>(1) &lt;</a:t>
+            </a:r>
+            <a:r>
+              <a:rPr lang="fr-FR" sz="1200" dirty="0" smtClean="0"/>
+              <a:t>module&gt;</a:t>
+            </a:r>
+            <a:endParaRPr lang="fr-FR" sz="1200" dirty="0" smtClean="0"/>
+          </a:p>
+          <a:p>
+            <a:r>
+              <a:rPr lang="fr-FR" sz="1200" dirty="0" smtClean="0"/>
+              <a:t>(2)	</a:t>
+            </a:r>
+            <a:r>
+              <a:rPr lang="fr-FR" sz="1200" dirty="0" smtClean="0"/>
+              <a:t>&lt;</a:t>
+            </a:r>
+            <a:r>
+              <a:rPr lang="fr-FR" sz="1200" dirty="0" err="1" smtClean="0"/>
+              <a:t>name</a:t>
+            </a:r>
+            <a:r>
+              <a:rPr lang="fr-FR" sz="1200" dirty="0" smtClean="0"/>
+              <a:t>&gt;Interfaces&lt;/</a:t>
+            </a:r>
+            <a:r>
+              <a:rPr lang="fr-FR" sz="1200" dirty="0" err="1" smtClean="0"/>
+              <a:t>name</a:t>
+            </a:r>
+            <a:r>
+              <a:rPr lang="fr-FR" sz="1200" dirty="0" smtClean="0"/>
+              <a:t>&gt;</a:t>
+            </a:r>
+            <a:endParaRPr lang="fr-FR" sz="1200" dirty="0" smtClean="0"/>
+          </a:p>
+          <a:p>
+            <a:r>
+              <a:rPr lang="fr-FR" sz="1200" dirty="0" smtClean="0"/>
+              <a:t>(3)	</a:t>
+            </a:r>
+            <a:r>
+              <a:rPr lang="fr-FR" sz="1200" dirty="0" smtClean="0"/>
+              <a:t>&lt;</a:t>
+            </a:r>
+            <a:r>
+              <a:rPr lang="fr-FR" sz="1200" dirty="0" err="1" smtClean="0"/>
+              <a:t>xpath</a:t>
+            </a:r>
+            <a:r>
+              <a:rPr lang="fr-FR" sz="1200" dirty="0" smtClean="0"/>
+              <a:t>&gt;/</a:t>
+            </a:r>
+            <a:r>
+              <a:rPr lang="fr-FR" sz="1200" dirty="0" err="1" smtClean="0"/>
+              <a:t>netconf</a:t>
+            </a:r>
+            <a:r>
+              <a:rPr lang="fr-FR" sz="1200" dirty="0" smtClean="0"/>
+              <a:t>/network/interfaces&lt;/</a:t>
+            </a:r>
+            <a:r>
+              <a:rPr lang="fr-FR" sz="1200" dirty="0" err="1" smtClean="0"/>
+              <a:t>xpath</a:t>
+            </a:r>
+            <a:r>
+              <a:rPr lang="fr-FR" sz="1200" dirty="0" smtClean="0"/>
+              <a:t>&gt;</a:t>
+            </a:r>
+            <a:endParaRPr lang="fr-FR" sz="1200" dirty="0" smtClean="0"/>
+          </a:p>
+          <a:p>
+            <a:r>
+              <a:rPr lang="fr-FR" sz="1200" dirty="0" smtClean="0"/>
+              <a:t>(4)	</a:t>
+            </a:r>
+            <a:r>
+              <a:rPr lang="fr-FR" sz="1200" dirty="0" smtClean="0"/>
+              <a:t>&lt;namespace </a:t>
+            </a:r>
+            <a:r>
+              <a:rPr lang="fr-FR" sz="1200" dirty="0" err="1" smtClean="0"/>
+              <a:t>pref</a:t>
+            </a:r>
+            <a:r>
+              <a:rPr lang="fr-FR" sz="1200" dirty="0" smtClean="0"/>
+              <a:t>="ifs"&gt;urn:loria:madynes:ensuite:yencap:1.0:module:Interfaces:1.0&lt;/namespace&gt;</a:t>
+            </a:r>
+            <a:endParaRPr lang="fr-FR" sz="1200" dirty="0" smtClean="0"/>
+          </a:p>
+          <a:p>
+            <a:r>
+              <a:rPr lang="fr-FR" sz="1200" dirty="0" smtClean="0"/>
+              <a:t>(5)	</a:t>
+            </a:r>
+            <a:r>
+              <a:rPr lang="fr-FR" sz="1200" dirty="0" smtClean="0"/>
+              <a:t>&lt;</a:t>
+            </a:r>
+            <a:r>
+              <a:rPr lang="fr-FR" sz="1200" dirty="0" err="1" smtClean="0"/>
+              <a:t>parameters</a:t>
+            </a:r>
+            <a:r>
+              <a:rPr lang="fr-FR" sz="1200" dirty="0" smtClean="0"/>
+              <a:t>&gt;</a:t>
+            </a:r>
+            <a:endParaRPr lang="fr-FR" sz="1200" dirty="0" smtClean="0"/>
+          </a:p>
+          <a:p>
+            <a:r>
+              <a:rPr lang="fr-FR" sz="1200" dirty="0" smtClean="0"/>
+              <a:t>(6)	</a:t>
+            </a:r>
             <a:r>
               <a:rPr lang="fr-FR" sz="1200" dirty="0" smtClean="0"/>
               <a:t>	&lt;</a:t>
             </a:r>
             <a:r>
               <a:rPr lang="fr-FR" sz="1200" dirty="0" err="1" smtClean="0"/>
-              <a:t>name</a:t>
+              <a:t>parameter</a:t>
             </a:r>
             <a:r>
               <a:rPr lang="fr-FR" sz="1200" dirty="0" smtClean="0"/>
-              <a:t>&gt;Interfaces&lt;/</a:t>
+              <a:t> </a:t>
             </a:r>
             <a:r>
               <a:rPr lang="fr-FR" sz="1200" dirty="0" err="1" smtClean="0"/>
@@ -33508,107 +34419,37 @@
             </a:r>
             <a:r>
               <a:rPr lang="fr-FR" sz="1200" dirty="0" smtClean="0"/>
-              <a:t>&gt;</a:t>
-            </a:r>
+              <a:t>="yang" value="interfaces"/&gt;</a:t>
+            </a:r>
+            <a:endParaRPr lang="fr-FR" sz="1200" dirty="0" smtClean="0"/>
           </a:p>
           <a:p>
             <a:r>
               <a:rPr lang="fr-FR" sz="1200" dirty="0" smtClean="0"/>
-              <a:t>	&lt;</a:t>
+              <a:t>(7)	</a:t>
+            </a:r>
+            <a:r>
+              <a:rPr lang="fr-FR" sz="1200" dirty="0" smtClean="0"/>
+              <a:t>&lt;/</a:t>
             </a:r>
             <a:r>
               <a:rPr lang="fr-FR" sz="1200" dirty="0" err="1" smtClean="0"/>
-              <a:t>xpath</a:t>
-            </a:r>
-            <a:r>
-              <a:rPr lang="fr-FR" sz="1200" dirty="0" smtClean="0"/>
-              <a:t>&gt;/</a:t>
-            </a:r>
-            <a:r>
-              <a:rPr lang="fr-FR" sz="1200" dirty="0" err="1" smtClean="0"/>
-              <a:t>netconf</a:t>
-            </a:r>
-            <a:r>
-              <a:rPr lang="fr-FR" sz="1200" dirty="0" smtClean="0"/>
-              <a:t>/network/interfaces&lt;/</a:t>
-            </a:r>
-            <a:r>
-              <a:rPr lang="fr-FR" sz="1200" dirty="0" err="1" smtClean="0"/>
-              <a:t>xpath</a:t>
+              <a:t>parameters</a:t>
             </a:r>
             <a:r>
               <a:rPr lang="fr-FR" sz="1200" dirty="0" smtClean="0"/>
               <a:t>&gt;</a:t>
             </a:r>
+            <a:endParaRPr lang="fr-FR" sz="1200" dirty="0" smtClean="0"/>
           </a:p>
           <a:p>
             <a:r>
               <a:rPr lang="fr-FR" sz="1200" dirty="0" smtClean="0"/>
-              <a:t>	&lt;namespace </a:t>
-            </a:r>
-            <a:r>
-              <a:rPr lang="fr-FR" sz="1200" dirty="0" err="1" smtClean="0"/>
-              <a:t>pref</a:t>
+              <a:t>(8) &lt;</a:t>
             </a:r>
             <a:r>
               <a:rPr lang="fr-FR" sz="1200" dirty="0" smtClean="0"/>
-              <a:t>="ifs"&gt;urn:loria:madynes:ensuite:yencap:1.0:module:Interfaces:1.0&lt;/namespace&gt;</a:t>
-            </a:r>
-          </a:p>
-          <a:p>
-            <a:r>
-              <a:rPr lang="fr-FR" sz="1200" dirty="0" smtClean="0"/>
-              <a:t>	&lt;</a:t>
-            </a:r>
-            <a:r>
-              <a:rPr lang="fr-FR" sz="1200" dirty="0" err="1" smtClean="0"/>
-              <a:t>parameters</a:t>
-            </a:r>
-            <a:r>
-              <a:rPr lang="fr-FR" sz="1200" dirty="0" smtClean="0"/>
-              <a:t>&gt;</a:t>
-            </a:r>
-          </a:p>
-          <a:p>
-            <a:r>
-              <a:rPr lang="fr-FR" sz="1200" dirty="0" smtClean="0"/>
-              <a:t>		&lt;</a:t>
-            </a:r>
-            <a:r>
-              <a:rPr lang="fr-FR" sz="1200" dirty="0" err="1" smtClean="0"/>
-              <a:t>parameter</a:t>
-            </a:r>
-            <a:r>
-              <a:rPr lang="fr-FR" sz="1200" dirty="0" smtClean="0"/>
-              <a:t> </a:t>
-            </a:r>
-            <a:r>
-              <a:rPr lang="fr-FR" sz="1200" dirty="0" err="1" smtClean="0"/>
-              <a:t>name</a:t>
-            </a:r>
-            <a:r>
-              <a:rPr lang="fr-FR" sz="1200" dirty="0" smtClean="0"/>
-              <a:t>="yang" value="interfaces"/&gt;</a:t>
-            </a:r>
-          </a:p>
-          <a:p>
-            <a:r>
-              <a:rPr lang="fr-FR" sz="1200" dirty="0" smtClean="0"/>
-              <a:t>	&lt;/</a:t>
-            </a:r>
-            <a:r>
-              <a:rPr lang="fr-FR" sz="1200" dirty="0" err="1" smtClean="0"/>
-              <a:t>parameters</a:t>
-            </a:r>
-            <a:r>
-              <a:rPr lang="fr-FR" sz="1200" dirty="0" smtClean="0"/>
-              <a:t>&gt;</a:t>
-            </a:r>
-          </a:p>
-          <a:p>
-            <a:r>
-              <a:rPr lang="fr-FR" sz="1200" dirty="0" smtClean="0"/>
-              <a:t>&lt;/module&gt;</a:t>
+              <a:t>/module&gt;</a:t>
             </a:r>
             <a:endParaRPr lang="en-US" sz="1200" dirty="0"/>
           </a:p>
@@ -33686,6 +34527,66 @@
               <a:t> server</a:t>
             </a:r>
             <a:endParaRPr lang="en-US" sz="2400" i="1" dirty="0"/>
+          </a:p>
+        </p:txBody>
+      </p:sp>
+      <p:sp>
+        <p:nvSpPr>
+          <p:cNvPr id="35" name="ZoneTexte 34"/>
+          <p:cNvSpPr txBox="1"/>
+          <p:nvPr/>
+        </p:nvSpPr>
+        <p:spPr>
+          <a:xfrm>
+            <a:off x="228600" y="3124200"/>
+            <a:ext cx="746447" cy="369332"/>
+          </a:xfrm>
+          <a:prstGeom prst="rect">
+            <a:avLst/>
+          </a:prstGeom>
+          <a:noFill/>
+        </p:spPr>
+        <p:txBody>
+          <a:bodyPr wrap="square" rtlCol="0">
+            <a:spAutoFit/>
+          </a:bodyPr>
+          <a:lstStyle/>
+          <a:p>
+            <a:r>
+              <a:rPr lang="fr-FR" dirty="0" smtClean="0"/>
+              <a:t>(1)</a:t>
+            </a:r>
+            <a:endParaRPr lang="fr-FR" dirty="0"/>
+          </a:p>
+        </p:txBody>
+      </p:sp>
+      <p:sp>
+        <p:nvSpPr>
+          <p:cNvPr id="38" name="ZoneTexte 37"/>
+          <p:cNvSpPr txBox="1"/>
+          <p:nvPr/>
+        </p:nvSpPr>
+        <p:spPr>
+          <a:xfrm>
+            <a:off x="304800" y="5486400"/>
+            <a:ext cx="457200" cy="369332"/>
+          </a:xfrm>
+          <a:prstGeom prst="rect">
+            <a:avLst/>
+          </a:prstGeom>
+          <a:noFill/>
+        </p:spPr>
+        <p:txBody>
+          <a:bodyPr wrap="square" rtlCol="0">
+            <a:spAutoFit/>
+          </a:bodyPr>
+          <a:lstStyle/>
+          <a:p>
+            <a:r>
+              <a:rPr lang="fr-FR" dirty="0" smtClean="0"/>
+              <a:t>(2)</a:t>
+            </a:r>
+            <a:endParaRPr lang="fr-FR" dirty="0"/>
           </a:p>
         </p:txBody>
       </p:sp>

--- a/yang-manager/reports/YangArchiCameraReady.pptx
+++ b/yang-manager/reports/YangArchiCameraReady.pptx
@@ -216,7 +216,7 @@
             <a:fld id="{69351470-D01B-924B-AB3C-0D4571B89327}" type="datetime1">
               <a:rPr lang="fr-FR" smtClean="0"/>
               <a:pPr/>
-              <a:t>8/01/10</a:t>
+              <a:t>11/01/10</a:t>
             </a:fld>
             <a:endParaRPr lang="fr-FR"/>
           </a:p>
@@ -379,7 +379,7 @@
             <a:fld id="{94DC8044-5188-1245-98C0-4935C45961F4}" type="datetime1">
               <a:rPr lang="fr-FR" smtClean="0"/>
               <a:pPr/>
-              <a:t>8/01/10</a:t>
+              <a:t>11/01/10</a:t>
             </a:fld>
             <a:endParaRPr lang="fr-FR"/>
           </a:p>
@@ -854,14 +854,42 @@
                 <a:latin typeface="Times New Roman"/>
                 <a:cs typeface="Times New Roman"/>
               </a:rPr>
-              <a:t>We provide two contribution to the network</a:t>
+              <a:t>We provide two </a:t>
+            </a:r>
+            <a:r>
+              <a:rPr lang="en-US" sz="1000" noProof="0" dirty="0" smtClean="0">
+                <a:latin typeface="Times New Roman"/>
+                <a:cs typeface="Times New Roman"/>
+              </a:rPr>
+              <a:t>contributions </a:t>
+            </a:r>
+            <a:r>
+              <a:rPr lang="en-US" sz="1000" noProof="0" dirty="0" smtClean="0">
+                <a:latin typeface="Times New Roman"/>
+                <a:cs typeface="Times New Roman"/>
+              </a:rPr>
+              <a:t>to the network</a:t>
             </a:r>
             <a:r>
               <a:rPr lang="en-US" sz="1000" baseline="0" noProof="0" dirty="0" smtClean="0">
                 <a:latin typeface="Times New Roman"/>
                 <a:cs typeface="Times New Roman"/>
               </a:rPr>
-              <a:t> configuration domain. The first one is a YANG parser and semantic checker close to the actual version of the draft definition of YANG. The second contribution is the support within the ENSUITE framework of YANG based models both on the server and the client side. </a:t>
+              <a:t> configuration domain. The first one is a YANG parser and semantic checker close to the actual version of the draft definition of YANG. The second contribution is the support within the ENSUITE framework of YANG</a:t>
+            </a:r>
+            <a:r>
+              <a:rPr lang="en-US" sz="1000" baseline="0" noProof="0" dirty="0" smtClean="0">
+                <a:latin typeface="Times New Roman"/>
+                <a:cs typeface="Times New Roman"/>
+              </a:rPr>
+              <a:t> data models </a:t>
+            </a:r>
+            <a:r>
+              <a:rPr lang="en-US" sz="1000" baseline="0" noProof="0" dirty="0" smtClean="0">
+                <a:latin typeface="Times New Roman"/>
+                <a:cs typeface="Times New Roman"/>
+              </a:rPr>
+              <a:t>both on the server and the client side. </a:t>
             </a:r>
           </a:p>
           <a:p>
@@ -878,7 +906,14 @@
                 <a:latin typeface="Times New Roman"/>
                 <a:cs typeface="Times New Roman"/>
               </a:rPr>
-              <a:t>We plan to extend </a:t>
+              <a:t>We plan to</a:t>
+            </a:r>
+            <a:r>
+              <a:rPr lang="en-US" sz="1000" baseline="0" noProof="0" dirty="0" smtClean="0">
+                <a:latin typeface="Times New Roman"/>
+                <a:cs typeface="Times New Roman"/>
+              </a:rPr>
+              <a:t> generate </a:t>
             </a:r>
             <a:r>
               <a:rPr lang="en-US" sz="1000" baseline="0" noProof="0" dirty="0" err="1" smtClean="0">
@@ -892,21 +927,84 @@
                 <a:latin typeface="Times New Roman"/>
                 <a:cs typeface="Times New Roman"/>
               </a:rPr>
-              <a:t> to be able to generate parts of its code from YANG data model, or build generic parts, to ensure the server maintains a valid Data Store compliant </a:t>
-            </a:r>
-            <a:r>
-              <a:rPr lang="en-US" sz="1000" baseline="0" noProof="0" smtClean="0">
-                <a:latin typeface="Times New Roman"/>
-                <a:cs typeface="Times New Roman"/>
-              </a:rPr>
-              <a:t>with YANG. </a:t>
+              <a:t> part from </a:t>
             </a:r>
             <a:r>
               <a:rPr lang="en-US" sz="1000" baseline="0" noProof="0" dirty="0" smtClean="0">
                 <a:latin typeface="Times New Roman"/>
                 <a:cs typeface="Times New Roman"/>
               </a:rPr>
-              <a:t>The server has to be able to send notifications especially those defined in YANG and must also accept user defined operations as there are YANG </a:t>
+              <a:t>YANG data </a:t>
+            </a:r>
+            <a:r>
+              <a:rPr lang="en-US" sz="1000" baseline="0" noProof="0" dirty="0" smtClean="0">
+                <a:latin typeface="Times New Roman"/>
+                <a:cs typeface="Times New Roman"/>
+              </a:rPr>
+              <a:t>model to </a:t>
+            </a:r>
+            <a:r>
+              <a:rPr lang="en-US" sz="1000" baseline="0" noProof="0" dirty="0" smtClean="0">
+                <a:latin typeface="Times New Roman"/>
+                <a:cs typeface="Times New Roman"/>
+              </a:rPr>
+              <a:t>ensure the server maintains a valid Data Store</a:t>
+            </a:r>
+            <a:r>
+              <a:rPr lang="en-US" sz="1000" baseline="0" noProof="0" dirty="0" smtClean="0">
+                <a:latin typeface="Times New Roman"/>
+                <a:cs typeface="Times New Roman"/>
+              </a:rPr>
+              <a:t> against YANG specification constraints. </a:t>
+            </a:r>
+            <a:r>
+              <a:rPr lang="en-US" sz="1000" baseline="0" noProof="0" dirty="0" smtClean="0">
+                <a:latin typeface="Times New Roman"/>
+                <a:cs typeface="Times New Roman"/>
+              </a:rPr>
+              <a:t>The server has to be</a:t>
+            </a:r>
+            <a:r>
+              <a:rPr lang="en-US" sz="1000" baseline="0" noProof="0" dirty="0" smtClean="0">
+                <a:latin typeface="Times New Roman"/>
+                <a:cs typeface="Times New Roman"/>
+              </a:rPr>
+              <a:t> extended to </a:t>
+            </a:r>
+            <a:r>
+              <a:rPr lang="en-US" sz="1000" baseline="0" noProof="0" dirty="0" smtClean="0">
+                <a:latin typeface="Times New Roman"/>
+                <a:cs typeface="Times New Roman"/>
+              </a:rPr>
+              <a:t>send </a:t>
+            </a:r>
+            <a:r>
+              <a:rPr lang="en-US" sz="1000" baseline="0" noProof="0" dirty="0" smtClean="0">
+                <a:latin typeface="Times New Roman"/>
+                <a:cs typeface="Times New Roman"/>
+              </a:rPr>
+              <a:t>notifications </a:t>
+            </a:r>
+            <a:r>
+              <a:rPr lang="en-US" sz="1000" baseline="0" noProof="0" dirty="0" smtClean="0">
+                <a:latin typeface="Times New Roman"/>
+                <a:cs typeface="Times New Roman"/>
+              </a:rPr>
+              <a:t>and</a:t>
+            </a:r>
+            <a:r>
+              <a:rPr lang="en-US" sz="1000" baseline="0" noProof="0" dirty="0" smtClean="0">
+                <a:latin typeface="Times New Roman"/>
+                <a:cs typeface="Times New Roman"/>
+              </a:rPr>
+              <a:t> to accept </a:t>
+            </a:r>
+            <a:r>
+              <a:rPr lang="en-US" sz="1000" baseline="0" noProof="0" dirty="0" smtClean="0">
+                <a:latin typeface="Times New Roman"/>
+                <a:cs typeface="Times New Roman"/>
+              </a:rPr>
+              <a:t>user defined operations as there are YANG </a:t>
             </a:r>
             <a:r>
               <a:rPr lang="en-US" sz="1000" baseline="0" noProof="0" dirty="0" err="1" smtClean="0">
@@ -953,6 +1051,17 @@
               </a:rPr>
               <a:t> server with such knowledge this server will be enabled to autonomously checks its configuration. At the client side the constraints can ensure the manager does not make mistakes in its configuration operations and can notify users if constraints are not respected.</a:t>
             </a:r>
+            <a:endParaRPr lang="en-US" sz="1000" baseline="0" noProof="0" dirty="0" smtClean="0">
+              <a:latin typeface="Times New Roman"/>
+              <a:cs typeface="Times New Roman"/>
+            </a:endParaRPr>
+          </a:p>
+          <a:p>
+            <a:pPr algn="just"/>
+            <a:endParaRPr lang="en-US" sz="1000" baseline="0" noProof="0" smtClean="0">
+              <a:latin typeface="Times New Roman"/>
+              <a:cs typeface="Times New Roman"/>
+            </a:endParaRPr>
           </a:p>
           <a:p>
             <a:pPr algn="just"/>
@@ -2283,7 +2392,7 @@
         <p:spPr/>
         <p:txBody>
           <a:bodyPr>
-            <a:normAutofit lnSpcReduction="10000"/>
+            <a:normAutofit/>
           </a:bodyPr>
           <a:lstStyle/>
           <a:p>
@@ -2683,7 +2792,7 @@
         <p:spPr/>
         <p:txBody>
           <a:bodyPr>
-            <a:normAutofit fontScale="92500"/>
+            <a:normAutofit/>
           </a:bodyPr>
           <a:lstStyle/>
           <a:p>
@@ -3062,7 +3171,7 @@
         <p:spPr/>
         <p:txBody>
           <a:bodyPr>
-            <a:normAutofit lnSpcReduction="10000"/>
+            <a:normAutofit fontScale="92500"/>
           </a:bodyPr>
           <a:lstStyle/>
           <a:p>
@@ -3100,21 +3209,7 @@
                 <a:latin typeface="Times New Roman"/>
                 <a:cs typeface="Times New Roman"/>
               </a:rPr>
-              <a:t>server side.</a:t>
-            </a:r>
-            <a:r>
-              <a:rPr lang="en-US" sz="1000" baseline="0" dirty="0" smtClean="0">
-                <a:latin typeface="Times New Roman"/>
-                <a:cs typeface="Times New Roman"/>
-              </a:rPr>
-              <a:t> The </a:t>
-            </a:r>
-            <a:r>
-              <a:rPr lang="en-US" sz="1000" baseline="0" dirty="0" smtClean="0">
-                <a:latin typeface="Times New Roman"/>
-                <a:cs typeface="Times New Roman"/>
-              </a:rPr>
-              <a:t>bottom part of its architecture is an SSH layer. The RPC layer implements the RPC mechanism with &lt;</a:t>
+              <a:t>server side. The bottom part of its architecture is an SSH layer. The RPC layer implements the RPC mechanism with &lt;</a:t>
             </a:r>
             <a:r>
               <a:rPr lang="en-US" sz="1000" baseline="0" dirty="0" err="1" smtClean="0">
@@ -3201,42 +3296,21 @@
                 <a:latin typeface="Times New Roman"/>
                 <a:cs typeface="Times New Roman"/>
               </a:rPr>
-              <a:t>When bootstrapping,  the Data Store Manager looks for modules through a local configuration file and dynamically loads them. A module is a piece of code that accesses</a:t>
+              <a:t>When bootstrapping,  the Data Store Manager looks for modules through a local configuration file and dynamically loads them. A module is a piece of code that accesses specific configuration and state information with an interface compliant with </a:t>
+            </a:r>
+            <a:r>
+              <a:rPr lang="fr-FR" sz="1000" baseline="0" dirty="0" smtClean="0">
+                <a:latin typeface="Times New Roman"/>
+                <a:cs typeface="Times New Roman"/>
+              </a:rPr>
+              <a:t>NETCONF</a:t>
             </a:r>
             <a:r>
               <a:rPr lang="en-US" sz="1000" baseline="0" dirty="0" smtClean="0">
                 <a:latin typeface="Times New Roman"/>
                 <a:cs typeface="Times New Roman"/>
               </a:rPr>
-              <a:t> specific </a:t>
-            </a:r>
-            <a:r>
-              <a:rPr lang="en-US" sz="1000" baseline="0" dirty="0" smtClean="0">
-                <a:latin typeface="Times New Roman"/>
-                <a:cs typeface="Times New Roman"/>
-              </a:rPr>
-              <a:t>configuration and state information with an interface compliant with </a:t>
-            </a:r>
-            <a:r>
-              <a:rPr lang="fr-FR" sz="1000" baseline="0" dirty="0" smtClean="0">
-                <a:latin typeface="Times New Roman"/>
-                <a:cs typeface="Times New Roman"/>
-              </a:rPr>
-              <a:t>NETCONF</a:t>
-            </a:r>
-            <a:r>
-              <a:rPr lang="en-US" sz="1000" baseline="0" dirty="0" smtClean="0">
-                <a:latin typeface="Times New Roman"/>
-                <a:cs typeface="Times New Roman"/>
-              </a:rPr>
-              <a:t> operations. For example there are modules for network interfaces, system, protocols like RIP or OLSR..</a:t>
-            </a:r>
-            <a:r>
-              <a:rPr lang="en-US" sz="1000" baseline="0" dirty="0" smtClean="0">
-                <a:latin typeface="Times New Roman"/>
-                <a:cs typeface="Times New Roman"/>
-              </a:rPr>
-              <a:t>.</a:t>
+              <a:t> operations. For example there are modules for network interfaces, system, protocols like RIP or OLSR...</a:t>
             </a:r>
           </a:p>
           <a:p>
@@ -3289,126 +3363,49 @@
                 <a:latin typeface="Times New Roman"/>
                 <a:cs typeface="Times New Roman"/>
               </a:rPr>
-              <a:t> </a:t>
+              <a:t> was written before YANG, the module concept of the former fits well with the YANG one.  For each module, the configuration file contains some directives as for the interface module in the part 2 of the figure. The location of data module in the Data Store by giving a path (an </a:t>
+            </a:r>
+            <a:r>
+              <a:rPr lang="en-US" sz="1000" baseline="0" dirty="0" err="1" smtClean="0">
+                <a:latin typeface="Times New Roman"/>
+                <a:cs typeface="Times New Roman"/>
+              </a:rPr>
+              <a:t>Xpath</a:t>
             </a:r>
             <a:r>
               <a:rPr lang="en-US" sz="1000" baseline="0" dirty="0" smtClean="0">
                 <a:latin typeface="Times New Roman"/>
                 <a:cs typeface="Times New Roman"/>
               </a:rPr>
-              <a:t>was written before YANG, the module concept of the former fits well with the YANG one.</a:t>
+              <a:t> expression) from the root  &lt;</a:t>
+            </a:r>
+            <a:r>
+              <a:rPr lang="en-US" sz="1000" baseline="0" dirty="0" err="1" smtClean="0">
+                <a:latin typeface="Times New Roman"/>
+                <a:cs typeface="Times New Roman"/>
+              </a:rPr>
+              <a:t>netconf</a:t>
             </a:r>
             <a:r>
               <a:rPr lang="en-US" sz="1000" baseline="0" dirty="0" smtClean="0">
                 <a:latin typeface="Times New Roman"/>
                 <a:cs typeface="Times New Roman"/>
               </a:rPr>
-              <a:t>  For </a:t>
+              <a:t>&gt; node to the root node of the module. For example, at the line 3, the interfaces module is localized with the “/</a:t>
+            </a:r>
+            <a:r>
+              <a:rPr lang="fr-FR" sz="1000" baseline="0" dirty="0" err="1" smtClean="0">
+                <a:latin typeface="Times New Roman"/>
+                <a:cs typeface="Times New Roman"/>
+              </a:rPr>
+              <a:t>netconf</a:t>
             </a:r>
             <a:r>
               <a:rPr lang="en-US" sz="1000" baseline="0" dirty="0" smtClean="0">
                 <a:latin typeface="Times New Roman"/>
                 <a:cs typeface="Times New Roman"/>
               </a:rPr>
-              <a:t>each module, the configuration file contains some directives as for the interface module in </a:t>
-            </a:r>
-            <a:r>
-              <a:rPr lang="en-US" sz="1000" baseline="0" dirty="0" smtClean="0">
-                <a:latin typeface="Times New Roman"/>
-                <a:cs typeface="Times New Roman"/>
-              </a:rPr>
-              <a:t>the part 2 of the figure. </a:t>
-            </a:r>
-            <a:r>
-              <a:rPr lang="en-US" sz="1000" baseline="0" dirty="0" smtClean="0">
-                <a:latin typeface="Times New Roman"/>
-                <a:cs typeface="Times New Roman"/>
-              </a:rPr>
-              <a:t>The location of data </a:t>
-            </a:r>
-            <a:r>
-              <a:rPr lang="en-US" sz="1000" baseline="0" dirty="0" smtClean="0">
-                <a:latin typeface="Times New Roman"/>
-                <a:cs typeface="Times New Roman"/>
-              </a:rPr>
-              <a:t>module </a:t>
-            </a:r>
-            <a:r>
-              <a:rPr lang="en-US" sz="1000" baseline="0" dirty="0" smtClean="0">
-                <a:latin typeface="Times New Roman"/>
-                <a:cs typeface="Times New Roman"/>
-              </a:rPr>
-              <a:t>in the Data Store by giving a path (an </a:t>
-            </a:r>
-            <a:r>
-              <a:rPr lang="en-US" sz="1000" baseline="0" dirty="0" err="1" smtClean="0">
-                <a:latin typeface="Times New Roman"/>
-                <a:cs typeface="Times New Roman"/>
-              </a:rPr>
-              <a:t>Xpath</a:t>
-            </a:r>
-            <a:r>
-              <a:rPr lang="en-US" sz="1000" baseline="0" dirty="0" smtClean="0">
-                <a:latin typeface="Times New Roman"/>
-                <a:cs typeface="Times New Roman"/>
-              </a:rPr>
-              <a:t> expression) </a:t>
-            </a:r>
-            <a:r>
-              <a:rPr lang="en-US" sz="1000" baseline="0" dirty="0" smtClean="0">
-                <a:latin typeface="Times New Roman"/>
-                <a:cs typeface="Times New Roman"/>
-              </a:rPr>
-              <a:t>from the root  &lt;</a:t>
-            </a:r>
-            <a:r>
-              <a:rPr lang="en-US" sz="1000" baseline="0" dirty="0" err="1" smtClean="0">
-                <a:latin typeface="Times New Roman"/>
-                <a:cs typeface="Times New Roman"/>
-              </a:rPr>
-              <a:t>netconf</a:t>
-            </a:r>
-            <a:r>
-              <a:rPr lang="en-US" sz="1000" baseline="0" dirty="0" smtClean="0">
-                <a:latin typeface="Times New Roman"/>
-                <a:cs typeface="Times New Roman"/>
-              </a:rPr>
-              <a:t>&gt; node to the root node of the module. For example</a:t>
-            </a:r>
-            <a:r>
-              <a:rPr lang="en-US" sz="1000" baseline="0" dirty="0" smtClean="0">
-                <a:latin typeface="Times New Roman"/>
-                <a:cs typeface="Times New Roman"/>
-              </a:rPr>
-              <a:t>, at the line 3, </a:t>
-            </a:r>
-            <a:r>
-              <a:rPr lang="en-US" sz="1000" baseline="0" dirty="0" smtClean="0">
-                <a:latin typeface="Times New Roman"/>
-                <a:cs typeface="Times New Roman"/>
-              </a:rPr>
-              <a:t>the interfaces module is localized with the “/</a:t>
-            </a:r>
-            <a:r>
-              <a:rPr lang="fr-FR" sz="1000" baseline="0" dirty="0" err="1" smtClean="0">
-                <a:latin typeface="Times New Roman"/>
-                <a:cs typeface="Times New Roman"/>
-              </a:rPr>
-              <a:t>netconf</a:t>
-            </a:r>
-            <a:r>
-              <a:rPr lang="en-US" sz="1000" baseline="0" dirty="0" smtClean="0">
-                <a:latin typeface="Times New Roman"/>
-                <a:cs typeface="Times New Roman"/>
-              </a:rPr>
-              <a:t>/network/interfaces” expression and  it maintains data under the &lt;interfaces&gt; node.</a:t>
-            </a:r>
-            <a:r>
-              <a:rPr lang="en-US" sz="1000" baseline="0" dirty="0" smtClean="0">
-                <a:latin typeface="Times New Roman"/>
-                <a:cs typeface="Times New Roman"/>
-              </a:rPr>
-              <a:t> </a:t>
+              <a:t>/network/interfaces” expression and  it maintains data under the &lt;interfaces&gt; node. </a:t>
             </a:r>
           </a:p>
           <a:p>
@@ -3425,14 +3422,21 @@
                 <a:latin typeface="Times New Roman"/>
                 <a:cs typeface="Times New Roman"/>
               </a:rPr>
-              <a:t>The </a:t>
+              <a:t>The integration of YANG into </a:t>
+            </a:r>
+            <a:r>
+              <a:rPr lang="en-US" sz="1000" baseline="0" dirty="0" err="1" smtClean="0">
+                <a:latin typeface="Times New Roman"/>
+                <a:cs typeface="Times New Roman"/>
+              </a:rPr>
+              <a:t>YencaP</a:t>
             </a:r>
             <a:r>
               <a:rPr lang="en-US" sz="1000" baseline="0" dirty="0" smtClean="0">
                 <a:latin typeface="Times New Roman"/>
                 <a:cs typeface="Times New Roman"/>
               </a:rPr>
-              <a:t>integration of YANG into </a:t>
+              <a:t> is made in the configuration file through the addition of a parameter with the “yang” name attribute and the module name as a value attribute (line 6). For each module inside the </a:t>
             </a:r>
             <a:r>
               <a:rPr lang="en-US" sz="1000" baseline="0" dirty="0" err="1" smtClean="0">
@@ -3446,133 +3450,28 @@
                 <a:latin typeface="Times New Roman"/>
                 <a:cs typeface="Times New Roman"/>
               </a:rPr>
-              <a:t> is made</a:t>
+              <a:t> server there is one and only one associate YANG module. One can see on the figure that there is a &lt;namespace&gt; markup at line 4. This name space is needed </a:t>
+            </a:r>
+            <a:r>
+              <a:rPr lang="en-US" sz="1000" baseline="0" noProof="0" dirty="0" smtClean="0">
+                <a:latin typeface="Times New Roman"/>
+                <a:cs typeface="Times New Roman"/>
+              </a:rPr>
+              <a:t>inside </a:t>
+            </a:r>
+            <a:r>
+              <a:rPr lang="fr-FR" sz="1000" baseline="0" dirty="0" smtClean="0">
+                <a:latin typeface="Times New Roman"/>
+                <a:cs typeface="Times New Roman"/>
+              </a:rPr>
+              <a:t>NETCONF</a:t>
             </a:r>
             <a:r>
               <a:rPr lang="en-US" sz="1000" baseline="0" dirty="0" smtClean="0">
                 <a:latin typeface="Times New Roman"/>
                 <a:cs typeface="Times New Roman"/>
               </a:rPr>
-              <a:t> in the configuration file through </a:t>
-            </a:r>
-            <a:r>
-              <a:rPr lang="en-US" sz="1000" baseline="0" dirty="0" smtClean="0">
-                <a:latin typeface="Times New Roman"/>
-                <a:cs typeface="Times New Roman"/>
-              </a:rPr>
-              <a:t>the addition of a parameter with the “yang” name attribute and the module name </a:t>
-            </a:r>
-            <a:r>
-              <a:rPr lang="en-US" sz="1000" baseline="0" dirty="0" smtClean="0">
-                <a:latin typeface="Times New Roman"/>
-                <a:cs typeface="Times New Roman"/>
-              </a:rPr>
-              <a:t>as a </a:t>
-            </a:r>
-            <a:r>
-              <a:rPr lang="en-US" sz="1000" baseline="0" dirty="0" smtClean="0">
-                <a:latin typeface="Times New Roman"/>
-                <a:cs typeface="Times New Roman"/>
-              </a:rPr>
-              <a:t>value attribute </a:t>
-            </a:r>
-            <a:r>
-              <a:rPr lang="en-US" sz="1000" baseline="0" dirty="0" smtClean="0">
-                <a:latin typeface="Times New Roman"/>
-                <a:cs typeface="Times New Roman"/>
-              </a:rPr>
-              <a:t>(line 6)</a:t>
-            </a:r>
-            <a:r>
-              <a:rPr lang="en-US" sz="1000" baseline="0" dirty="0" smtClean="0">
-                <a:latin typeface="Times New Roman"/>
-                <a:cs typeface="Times New Roman"/>
-              </a:rPr>
-              <a:t>. For each module inside the </a:t>
-            </a:r>
-            <a:r>
-              <a:rPr lang="en-US" sz="1000" baseline="0" dirty="0" err="1" smtClean="0">
-                <a:latin typeface="Times New Roman"/>
-                <a:cs typeface="Times New Roman"/>
-              </a:rPr>
-              <a:t>YencaP</a:t>
-            </a:r>
-            <a:r>
-              <a:rPr lang="en-US" sz="1000" baseline="0" dirty="0" smtClean="0">
-                <a:latin typeface="Times New Roman"/>
-                <a:cs typeface="Times New Roman"/>
-              </a:rPr>
-              <a:t> server there is one and only one</a:t>
-            </a:r>
-            <a:r>
-              <a:rPr lang="en-US" sz="1000" baseline="0" dirty="0" smtClean="0">
-                <a:latin typeface="Times New Roman"/>
-                <a:cs typeface="Times New Roman"/>
-              </a:rPr>
-              <a:t> associate YANG </a:t>
-            </a:r>
-            <a:r>
-              <a:rPr lang="en-US" sz="1000" baseline="0" dirty="0" smtClean="0">
-                <a:latin typeface="Times New Roman"/>
-                <a:cs typeface="Times New Roman"/>
-              </a:rPr>
-              <a:t>module. One can see on the figure that there is a &lt;namespace&gt; markup</a:t>
-            </a:r>
-            <a:r>
-              <a:rPr lang="en-US" sz="1000" baseline="0" dirty="0" smtClean="0">
-                <a:latin typeface="Times New Roman"/>
-                <a:cs typeface="Times New Roman"/>
-              </a:rPr>
-              <a:t> at line 4. </a:t>
-            </a:r>
-            <a:r>
-              <a:rPr lang="en-US" sz="1000" baseline="0" dirty="0" smtClean="0">
-                <a:latin typeface="Times New Roman"/>
-                <a:cs typeface="Times New Roman"/>
-              </a:rPr>
-              <a:t>This name space is needed </a:t>
-            </a:r>
-            <a:r>
-              <a:rPr lang="en-US" sz="1000" baseline="0" noProof="0" dirty="0" smtClean="0">
-                <a:latin typeface="Times New Roman"/>
-                <a:cs typeface="Times New Roman"/>
-              </a:rPr>
-              <a:t>inside </a:t>
-            </a:r>
-            <a:r>
-              <a:rPr lang="fr-FR" sz="1000" baseline="0" dirty="0" smtClean="0">
-                <a:latin typeface="Times New Roman"/>
-                <a:cs typeface="Times New Roman"/>
-              </a:rPr>
-              <a:t>NETCONF</a:t>
-            </a:r>
-            <a:r>
-              <a:rPr lang="en-US" sz="1000" baseline="0" dirty="0" smtClean="0">
-                <a:latin typeface="Times New Roman"/>
-                <a:cs typeface="Times New Roman"/>
-              </a:rPr>
-              <a:t> requests to distinguish its XML naming. We choose that</a:t>
-            </a:r>
-            <a:r>
-              <a:rPr lang="en-US" sz="1000" baseline="0" dirty="0" smtClean="0">
-                <a:latin typeface="Times New Roman"/>
-                <a:cs typeface="Times New Roman"/>
-              </a:rPr>
-              <a:t> it </a:t>
-            </a:r>
-            <a:r>
-              <a:rPr lang="en-US" sz="1000" baseline="0" dirty="0" smtClean="0">
-                <a:latin typeface="Times New Roman"/>
-                <a:cs typeface="Times New Roman"/>
-              </a:rPr>
-              <a:t>must be the same as the one defined in the corresponding YANG module</a:t>
-            </a:r>
-            <a:r>
-              <a:rPr lang="en-US" sz="1000" baseline="0" dirty="0" smtClean="0">
-                <a:latin typeface="Times New Roman"/>
-                <a:cs typeface="Times New Roman"/>
-              </a:rPr>
-              <a:t>.</a:t>
+              <a:t> requests to distinguish its XML naming. We choose that it must be the same as the one defined in the corresponding YANG module.</a:t>
             </a:r>
           </a:p>
           <a:p>
@@ -3689,21 +3588,7 @@
                 <a:latin typeface="Times New Roman"/>
                 <a:cs typeface="Times New Roman"/>
               </a:rPr>
-              <a:t> Manager, on the center part in the </a:t>
-            </a:r>
-            <a:r>
-              <a:rPr lang="en-US" sz="1000" baseline="0" noProof="0" dirty="0" smtClean="0">
-                <a:latin typeface="Times New Roman"/>
-                <a:cs typeface="Times New Roman"/>
-              </a:rPr>
-              <a:t>figure, </a:t>
-            </a:r>
-            <a:r>
-              <a:rPr lang="en-US" sz="1000" baseline="0" noProof="0" dirty="0" smtClean="0">
-                <a:latin typeface="Times New Roman"/>
-                <a:cs typeface="Times New Roman"/>
-              </a:rPr>
-              <a:t>is an open source </a:t>
+              <a:t> Manager, on the center part in the figure, is an open source </a:t>
             </a:r>
             <a:r>
               <a:rPr lang="fr-FR" sz="1000" baseline="0" noProof="0" dirty="0" smtClean="0">
@@ -3838,21 +3723,35 @@
                 <a:latin typeface="Times New Roman"/>
                 <a:cs typeface="Times New Roman"/>
               </a:rPr>
-              <a:t>On the right part of the </a:t>
+              <a:t>On the right part of the figure, we extends </a:t>
+            </a:r>
+            <a:r>
+              <a:rPr lang="en-US" sz="1000" baseline="0" noProof="0" dirty="0" err="1" smtClean="0">
+                <a:latin typeface="Times New Roman"/>
+                <a:cs typeface="Times New Roman"/>
+              </a:rPr>
+              <a:t>YencaP</a:t>
             </a:r>
             <a:r>
               <a:rPr lang="en-US" sz="1000" baseline="0" noProof="0" dirty="0" smtClean="0">
                 <a:latin typeface="Times New Roman"/>
                 <a:cs typeface="Times New Roman"/>
               </a:rPr>
-              <a:t>figure, </a:t>
+              <a:t> to give it the possibility of announcing which YANG modules it implements as a capability in its standard hello message (together with version and revision information). This was easily realized with the information in the configuration file shown in the previous figure 5. On the </a:t>
+            </a:r>
+            <a:r>
+              <a:rPr lang="en-US" sz="1000" baseline="0" noProof="0" dirty="0" err="1" smtClean="0">
+                <a:latin typeface="Times New Roman"/>
+                <a:cs typeface="Times New Roman"/>
+              </a:rPr>
+              <a:t>YencaP</a:t>
             </a:r>
             <a:r>
               <a:rPr lang="en-US" sz="1000" baseline="0" noProof="0" dirty="0" smtClean="0">
                 <a:latin typeface="Times New Roman"/>
                 <a:cs typeface="Times New Roman"/>
               </a:rPr>
-              <a:t>we extends </a:t>
+              <a:t> Manager side, a YANG loader is used when such a capability is detected. We do not constrain the </a:t>
             </a:r>
             <a:r>
               <a:rPr lang="en-US" sz="1000" baseline="0" noProof="0" dirty="0" err="1" smtClean="0">
@@ -3866,21 +3765,35 @@
                 <a:latin typeface="Times New Roman"/>
                 <a:cs typeface="Times New Roman"/>
               </a:rPr>
-              <a:t> to give it the possibility of announcing which YANG modules it implements as a capability in its standard hello message (together with version and revision information). This was easily realized with the information in the configuration file</a:t>
+              <a:t> Manager to solely work with YANG but to accept servers that are YANG enabled or not. The YANG loader gets the specification from an external repository and builds a specific </a:t>
+            </a:r>
+            <a:r>
+              <a:rPr lang="en-US" sz="1000" baseline="0" noProof="0" dirty="0" err="1" smtClean="0">
+                <a:latin typeface="Times New Roman"/>
+                <a:cs typeface="Times New Roman"/>
+              </a:rPr>
+              <a:t>YangTreeNode</a:t>
             </a:r>
             <a:r>
               <a:rPr lang="en-US" sz="1000" baseline="0" noProof="0" dirty="0" smtClean="0">
                 <a:latin typeface="Times New Roman"/>
                 <a:cs typeface="Times New Roman"/>
               </a:rPr>
-              <a:t> shown in the previous figure </a:t>
+              <a:t> for the data model maintained by the server. The YANG loader is a java program that uses </a:t>
+            </a:r>
+            <a:r>
+              <a:rPr lang="en-US" sz="1000" baseline="0" noProof="0" dirty="0" err="1" smtClean="0">
+                <a:latin typeface="Times New Roman"/>
+                <a:cs typeface="Times New Roman"/>
+              </a:rPr>
+              <a:t>jYang</a:t>
             </a:r>
             <a:r>
               <a:rPr lang="en-US" sz="1000" baseline="0" noProof="0" dirty="0" smtClean="0">
                 <a:latin typeface="Times New Roman"/>
                 <a:cs typeface="Times New Roman"/>
               </a:rPr>
-              <a:t>5. On the </a:t>
+              <a:t> to dynamically parse YANG data model. We assume that the </a:t>
             </a:r>
             <a:r>
               <a:rPr lang="en-US" sz="1000" baseline="0" noProof="0" dirty="0" err="1" smtClean="0">
@@ -3894,203 +3807,56 @@
                 <a:latin typeface="Times New Roman"/>
                 <a:cs typeface="Times New Roman"/>
               </a:rPr>
-              <a:t> Manager side, a YANG loader</a:t>
+              <a:t> Manager discovers servers without knowledge of their configuration and thus must be able to dynamically load and parse any YANG model. It is also necessary to create the root node in the </a:t>
+            </a:r>
+            <a:r>
+              <a:rPr lang="en-US" sz="1000" baseline="0" noProof="0" dirty="0" err="1" smtClean="0">
+                <a:latin typeface="Times New Roman"/>
+                <a:cs typeface="Times New Roman"/>
+              </a:rPr>
+              <a:t>YangTreeNode</a:t>
             </a:r>
             <a:r>
               <a:rPr lang="en-US" sz="1000" baseline="0" noProof="0" dirty="0" smtClean="0">
                 <a:latin typeface="Times New Roman"/>
                 <a:cs typeface="Times New Roman"/>
               </a:rPr>
-              <a:t> is used </a:t>
+              <a:t> as a virtual </a:t>
+            </a:r>
+            <a:r>
+              <a:rPr lang="fr-FR" sz="1000" baseline="0" noProof="0" dirty="0" err="1" smtClean="0">
+                <a:latin typeface="Times New Roman"/>
+                <a:cs typeface="Times New Roman"/>
+              </a:rPr>
+              <a:t>netconf</a:t>
+            </a:r>
+            <a:r>
+              <a:rPr lang="fr-FR" sz="1000" baseline="0" noProof="0" dirty="0" smtClean="0">
+                <a:latin typeface="Times New Roman"/>
+                <a:cs typeface="Times New Roman"/>
+              </a:rPr>
+              <a:t> </a:t>
             </a:r>
             <a:r>
               <a:rPr lang="en-US" sz="1000" baseline="0" noProof="0" dirty="0" smtClean="0">
                 <a:latin typeface="Times New Roman"/>
                 <a:cs typeface="Times New Roman"/>
               </a:rPr>
-              <a:t>when such a capability is detected. We do not </a:t>
+              <a:t>container. The YANG specification repository is shown as an external element of the </a:t>
+            </a:r>
+            <a:r>
+              <a:rPr lang="en-US" sz="1000" baseline="0" noProof="0" dirty="0" err="1" smtClean="0">
+                <a:latin typeface="Times New Roman"/>
+                <a:cs typeface="Times New Roman"/>
+              </a:rPr>
+              <a:t>YencaP</a:t>
             </a:r>
             <a:r>
               <a:rPr lang="en-US" sz="1000" baseline="0" noProof="0" dirty="0" smtClean="0">
                 <a:latin typeface="Times New Roman"/>
                 <a:cs typeface="Times New Roman"/>
               </a:rPr>
-              <a:t>constrain </a:t>
-            </a:r>
-            <a:r>
-              <a:rPr lang="en-US" sz="1000" baseline="0" noProof="0" dirty="0" smtClean="0">
-                <a:latin typeface="Times New Roman"/>
-                <a:cs typeface="Times New Roman"/>
-              </a:rPr>
-              <a:t>the </a:t>
-            </a:r>
-            <a:r>
-              <a:rPr lang="en-US" sz="1000" baseline="0" noProof="0" dirty="0" err="1" smtClean="0">
-                <a:latin typeface="Times New Roman"/>
-                <a:cs typeface="Times New Roman"/>
-              </a:rPr>
-              <a:t>YencaP</a:t>
-            </a:r>
-            <a:r>
-              <a:rPr lang="en-US" sz="1000" baseline="0" noProof="0" dirty="0" smtClean="0">
-                <a:latin typeface="Times New Roman"/>
-                <a:cs typeface="Times New Roman"/>
-              </a:rPr>
-              <a:t> Manager to</a:t>
-            </a:r>
-            <a:r>
-              <a:rPr lang="en-US" sz="1000" baseline="0" noProof="0" dirty="0" smtClean="0">
-                <a:latin typeface="Times New Roman"/>
-                <a:cs typeface="Times New Roman"/>
-              </a:rPr>
-              <a:t> solely work </a:t>
-            </a:r>
-            <a:r>
-              <a:rPr lang="en-US" sz="1000" baseline="0" noProof="0" dirty="0" smtClean="0">
-                <a:latin typeface="Times New Roman"/>
-                <a:cs typeface="Times New Roman"/>
-              </a:rPr>
-              <a:t>with YANG but to accept servers that are YANG enabled or not. The YANG loader gets the </a:t>
-            </a:r>
-            <a:r>
-              <a:rPr lang="en-US" sz="1000" baseline="0" noProof="0" dirty="0" smtClean="0">
-                <a:latin typeface="Times New Roman"/>
-                <a:cs typeface="Times New Roman"/>
-              </a:rPr>
-              <a:t>specification </a:t>
-            </a:r>
-            <a:r>
-              <a:rPr lang="en-US" sz="1000" baseline="0" noProof="0" dirty="0" smtClean="0">
-                <a:latin typeface="Times New Roman"/>
-                <a:cs typeface="Times New Roman"/>
-              </a:rPr>
-              <a:t>from an external repository and builds a specific </a:t>
-            </a:r>
-            <a:r>
-              <a:rPr lang="en-US" sz="1000" baseline="0" noProof="0" dirty="0" err="1" smtClean="0">
-                <a:latin typeface="Times New Roman"/>
-                <a:cs typeface="Times New Roman"/>
-              </a:rPr>
-              <a:t>YangTreeNode</a:t>
-            </a:r>
-            <a:r>
-              <a:rPr lang="en-US" sz="1000" baseline="0" noProof="0" dirty="0" smtClean="0">
-                <a:latin typeface="Times New Roman"/>
-                <a:cs typeface="Times New Roman"/>
-              </a:rPr>
-              <a:t> for the data model maintained by the server. The YANG loader is a java program that uses </a:t>
-            </a:r>
-            <a:r>
-              <a:rPr lang="en-US" sz="1000" baseline="0" noProof="0" dirty="0" err="1" smtClean="0">
-                <a:latin typeface="Times New Roman"/>
-                <a:cs typeface="Times New Roman"/>
-              </a:rPr>
-              <a:t>jYang</a:t>
-            </a:r>
-            <a:r>
-              <a:rPr lang="en-US" sz="1000" baseline="0" noProof="0" dirty="0" smtClean="0">
-                <a:latin typeface="Times New Roman"/>
-                <a:cs typeface="Times New Roman"/>
-              </a:rPr>
-              <a:t> to dynamically parse YANG data model. We</a:t>
-            </a:r>
-            <a:r>
-              <a:rPr lang="en-US" sz="1000" baseline="0" noProof="0" dirty="0" smtClean="0">
-                <a:latin typeface="Times New Roman"/>
-                <a:cs typeface="Times New Roman"/>
-              </a:rPr>
-              <a:t> assume that the </a:t>
-            </a:r>
-            <a:r>
-              <a:rPr lang="en-US" sz="1000" baseline="0" noProof="0" dirty="0" err="1" smtClean="0">
-                <a:latin typeface="Times New Roman"/>
-                <a:cs typeface="Times New Roman"/>
-              </a:rPr>
-              <a:t>YencaP</a:t>
-            </a:r>
-            <a:r>
-              <a:rPr lang="en-US" sz="1000" baseline="0" noProof="0" dirty="0" smtClean="0">
-                <a:latin typeface="Times New Roman"/>
-                <a:cs typeface="Times New Roman"/>
-              </a:rPr>
-              <a:t> Manager</a:t>
-            </a:r>
-            <a:r>
-              <a:rPr lang="en-US" sz="1000" baseline="0" noProof="0" dirty="0" smtClean="0">
-                <a:latin typeface="Times New Roman"/>
-                <a:cs typeface="Times New Roman"/>
-              </a:rPr>
-              <a:t> discovers </a:t>
-            </a:r>
-            <a:r>
-              <a:rPr lang="en-US" sz="1000" baseline="0" noProof="0" dirty="0" smtClean="0">
-                <a:latin typeface="Times New Roman"/>
-                <a:cs typeface="Times New Roman"/>
-              </a:rPr>
-              <a:t>servers without knowledge of their configuration and thus must be able to dynamically load and parse any YANG model. It is also necessary to create the root node in the </a:t>
-            </a:r>
-            <a:r>
-              <a:rPr lang="en-US" sz="1000" baseline="0" noProof="0" dirty="0" err="1" smtClean="0">
-                <a:latin typeface="Times New Roman"/>
-                <a:cs typeface="Times New Roman"/>
-              </a:rPr>
-              <a:t>YangTreeNode</a:t>
-            </a:r>
-            <a:r>
-              <a:rPr lang="en-US" sz="1000" baseline="0" noProof="0" dirty="0" smtClean="0">
-                <a:latin typeface="Times New Roman"/>
-                <a:cs typeface="Times New Roman"/>
-              </a:rPr>
-              <a:t> as a virtual </a:t>
-            </a:r>
-            <a:r>
-              <a:rPr lang="fr-FR" sz="1000" baseline="0" noProof="0" dirty="0" err="1" smtClean="0">
-                <a:latin typeface="Times New Roman"/>
-                <a:cs typeface="Times New Roman"/>
-              </a:rPr>
-              <a:t>netconf</a:t>
-            </a:r>
-            <a:r>
-              <a:rPr lang="fr-FR" sz="1000" baseline="0" noProof="0" dirty="0" smtClean="0">
-                <a:latin typeface="Times New Roman"/>
-                <a:cs typeface="Times New Roman"/>
-              </a:rPr>
-              <a:t> </a:t>
-            </a:r>
-            <a:r>
-              <a:rPr lang="en-US" sz="1000" baseline="0" noProof="0" dirty="0" smtClean="0">
-                <a:latin typeface="Times New Roman"/>
-                <a:cs typeface="Times New Roman"/>
-              </a:rPr>
-              <a:t>container. The YANG specification repository is shown as an external element of the </a:t>
-            </a:r>
-            <a:r>
-              <a:rPr lang="en-US" sz="1000" baseline="0" noProof="0" dirty="0" err="1" smtClean="0">
-                <a:latin typeface="Times New Roman"/>
-                <a:cs typeface="Times New Roman"/>
-              </a:rPr>
-              <a:t>YencaP</a:t>
-            </a:r>
-            <a:r>
-              <a:rPr lang="en-US" sz="1000" baseline="0" noProof="0" dirty="0" smtClean="0">
-                <a:latin typeface="Times New Roman"/>
-                <a:cs typeface="Times New Roman"/>
-              </a:rPr>
-              <a:t> Manager as it should </a:t>
-            </a:r>
-            <a:r>
-              <a:rPr lang="en-US" sz="1000" baseline="0" noProof="0" dirty="0" smtClean="0">
-                <a:latin typeface="Times New Roman"/>
-                <a:cs typeface="Times New Roman"/>
-              </a:rPr>
-              <a:t>be </a:t>
-            </a:r>
-            <a:r>
-              <a:rPr lang="en-US" sz="1000" baseline="0" noProof="0" dirty="0" smtClean="0">
-                <a:latin typeface="Times New Roman"/>
-                <a:cs typeface="Times New Roman"/>
-              </a:rPr>
-              <a:t>a global repository implemented  for example as a web service.</a:t>
+              <a:t> Manager as it should be a global repository implemented  for example as a web service.</a:t>
             </a:r>
           </a:p>
           <a:p>
@@ -4127,21 +3893,7 @@
                 <a:latin typeface="Times New Roman"/>
                 <a:cs typeface="Times New Roman"/>
               </a:rPr>
-              <a:t> for this server only (left part of the </a:t>
-            </a:r>
-            <a:r>
-              <a:rPr lang="en-US" sz="1000" baseline="0" noProof="0" dirty="0" smtClean="0">
-                <a:latin typeface="Times New Roman"/>
-                <a:cs typeface="Times New Roman"/>
-              </a:rPr>
-              <a:t>figure)</a:t>
-            </a:r>
-            <a:r>
-              <a:rPr lang="en-US" sz="1000" baseline="0" noProof="0" dirty="0" smtClean="0">
-                <a:latin typeface="Times New Roman"/>
-                <a:cs typeface="Times New Roman"/>
-              </a:rPr>
-              <a:t>. The applet will be loaded by the web interface to provide the user with a graphical interface representing the configuration.</a:t>
+              <a:t> for this server only (left part of the figure). The applet will be loaded by the web interface to provide the user with a graphical interface representing the configuration.</a:t>
             </a:r>
             <a:endParaRPr lang="en-US" sz="1000" noProof="0" dirty="0">
               <a:latin typeface="Times New Roman"/>
@@ -4210,21 +3962,7 @@
                 <a:latin typeface="Times New Roman"/>
                 <a:cs typeface="Times New Roman"/>
               </a:rPr>
-              <a:t>The figure</a:t>
-            </a:r>
-            <a:r>
-              <a:rPr lang="en-US" sz="1000" dirty="0" smtClean="0">
-                <a:latin typeface="Times New Roman"/>
-                <a:cs typeface="Times New Roman"/>
-              </a:rPr>
-              <a:t>  </a:t>
-            </a:r>
-            <a:r>
-              <a:rPr lang="en-US" sz="1000" dirty="0" smtClean="0">
-                <a:latin typeface="Times New Roman"/>
-                <a:cs typeface="Times New Roman"/>
-              </a:rPr>
-              <a:t>shows the applet part of the web</a:t>
+              <a:t>The figure  shows the applet part of the web</a:t>
             </a:r>
             <a:r>
               <a:rPr lang="en-US" sz="1000" baseline="0" dirty="0" smtClean="0">
@@ -4245,21 +3983,7 @@
                 <a:latin typeface="Times New Roman"/>
                 <a:cs typeface="Times New Roman"/>
               </a:rPr>
-              <a:t> interface). The tree view matches well with YANG because it defines a schema tree. Specific icons are used to</a:t>
-            </a:r>
-            <a:r>
-              <a:rPr lang="en-US" sz="1000" baseline="0" dirty="0" smtClean="0">
-                <a:latin typeface="Times New Roman"/>
-                <a:cs typeface="Times New Roman"/>
-              </a:rPr>
-              <a:t> distinguish containers, lists, keys </a:t>
-            </a:r>
-            <a:r>
-              <a:rPr lang="en-US" sz="1000" baseline="0" dirty="0" smtClean="0">
-                <a:latin typeface="Times New Roman"/>
-                <a:cs typeface="Times New Roman"/>
-              </a:rPr>
-              <a:t>or leaf nodes.</a:t>
+              <a:t> interface). The tree view matches well with YANG because it defines a schema tree. Specific icons are used to distinguish containers, lists, keys or leaf nodes.</a:t>
             </a:r>
           </a:p>
           <a:p>
@@ -4276,116 +4000,25 @@
                 <a:latin typeface="Times New Roman"/>
                 <a:cs typeface="Times New Roman"/>
               </a:rPr>
-              <a:t>When selecting a node, the lower part of the applet shows details of its YANG specification, as the type of a leaf and constraints such</a:t>
+              <a:t>When selecting a node, the lower part of the applet shows details of its YANG specification, as the type of a leaf and constraints such as default value or range intervals. A leaf type is always at least of a built-in type (string, int8,…) and can be refined by other types with added constraints. It can also use an existing type (e.g. </a:t>
+            </a:r>
+            <a:r>
+              <a:rPr lang="en-US" sz="1000" baseline="0" dirty="0" err="1" smtClean="0">
+                <a:latin typeface="Times New Roman"/>
+                <a:cs typeface="Times New Roman"/>
+              </a:rPr>
+              <a:t>mac</a:t>
             </a:r>
             <a:r>
               <a:rPr lang="en-US" sz="1000" baseline="0" dirty="0" smtClean="0">
                 <a:latin typeface="Times New Roman"/>
                 <a:cs typeface="Times New Roman"/>
               </a:rPr>
-              <a:t> as default </a:t>
-            </a:r>
-            <a:r>
-              <a:rPr lang="en-US" sz="1000" baseline="0" dirty="0" smtClean="0">
-                <a:latin typeface="Times New Roman"/>
-                <a:cs typeface="Times New Roman"/>
-              </a:rPr>
-              <a:t>value or range intervals. A leaf type is always at least of a built-in </a:t>
-            </a:r>
-            <a:r>
-              <a:rPr lang="en-US" sz="1000" baseline="0" dirty="0" smtClean="0">
-                <a:latin typeface="Times New Roman"/>
-                <a:cs typeface="Times New Roman"/>
-              </a:rPr>
-              <a:t>type (string</a:t>
-            </a:r>
-            <a:r>
-              <a:rPr lang="en-US" sz="1000" baseline="0" dirty="0" smtClean="0">
-                <a:latin typeface="Times New Roman"/>
-                <a:cs typeface="Times New Roman"/>
-              </a:rPr>
-              <a:t>, int8,…) and can be refined by other types with added </a:t>
-            </a:r>
-            <a:r>
-              <a:rPr lang="en-US" sz="1000" baseline="0" dirty="0" smtClean="0">
-                <a:latin typeface="Times New Roman"/>
-                <a:cs typeface="Times New Roman"/>
-              </a:rPr>
-              <a:t>constraints. It can also </a:t>
-            </a:r>
-            <a:r>
-              <a:rPr lang="en-US" sz="1000" baseline="0" dirty="0" smtClean="0">
-                <a:latin typeface="Times New Roman"/>
-                <a:cs typeface="Times New Roman"/>
-              </a:rPr>
-              <a:t>use an existing</a:t>
-            </a:r>
-            <a:r>
-              <a:rPr lang="en-US" sz="1000" baseline="0" dirty="0" smtClean="0">
-                <a:latin typeface="Times New Roman"/>
-                <a:cs typeface="Times New Roman"/>
-              </a:rPr>
-              <a:t> type (e.g. </a:t>
-            </a:r>
-            <a:r>
-              <a:rPr lang="en-US" sz="1000" baseline="0" dirty="0" err="1" smtClean="0">
-                <a:latin typeface="Times New Roman"/>
-                <a:cs typeface="Times New Roman"/>
-              </a:rPr>
-              <a:t>mac</a:t>
-            </a:r>
-            <a:r>
-              <a:rPr lang="en-US" sz="1000" baseline="0" dirty="0" smtClean="0">
-                <a:latin typeface="Times New Roman"/>
-                <a:cs typeface="Times New Roman"/>
-              </a:rPr>
-              <a:t>-address).</a:t>
-            </a:r>
-            <a:r>
-              <a:rPr lang="en-US" sz="1000" baseline="0" dirty="0" smtClean="0">
-                <a:latin typeface="Times New Roman"/>
-                <a:cs typeface="Times New Roman"/>
-              </a:rPr>
-              <a:t> </a:t>
+              <a:t>-address). </a:t>
             </a:r>
           </a:p>
           <a:p>
             <a:pPr algn="just"/>
-            <a:endParaRPr lang="en-US" sz="1000" baseline="0" dirty="0" smtClean="0">
-              <a:latin typeface="Times New Roman"/>
-              <a:cs typeface="Times New Roman"/>
-            </a:endParaRPr>
-          </a:p>
-          <a:p>
-            <a:pPr algn="just"/>
-            <a:r>
-              <a:rPr lang="en-US" sz="1000" baseline="0" dirty="0" smtClean="0">
-                <a:latin typeface="Times New Roman"/>
-                <a:cs typeface="Times New Roman"/>
-              </a:rPr>
-              <a:t>This same applet is used in the following figures for sending </a:t>
-            </a:r>
-            <a:r>
-              <a:rPr lang="en-US" sz="1000" baseline="0" dirty="0" smtClean="0">
-                <a:latin typeface="Times New Roman"/>
-                <a:cs typeface="Times New Roman"/>
-              </a:rPr>
-              <a:t>requests </a:t>
-            </a:r>
-            <a:r>
-              <a:rPr lang="en-US" sz="1000" baseline="0" dirty="0" smtClean="0">
-                <a:latin typeface="Times New Roman"/>
-                <a:cs typeface="Times New Roman"/>
-              </a:rPr>
-              <a:t>to the NETCONF device and receiving response. The matching of XML data with the YANG tree node is made at each response by the same </a:t>
-            </a:r>
-            <a:r>
-              <a:rPr lang="en-US" sz="1000" baseline="0" dirty="0" smtClean="0">
-                <a:latin typeface="Times New Roman"/>
-                <a:cs typeface="Times New Roman"/>
-              </a:rPr>
-              <a:t>applets.</a:t>
-            </a:r>
             <a:endParaRPr lang="en-US" sz="1000" baseline="0" dirty="0" smtClean="0">
               <a:latin typeface="Times New Roman"/>
               <a:cs typeface="Times New Roman"/>
@@ -4468,76 +4101,225 @@
           </a:bodyPr>
           <a:lstStyle/>
           <a:p>
-            <a:pPr algn="just"/>
+            <a:pPr marL="0" marR="0" indent="0" algn="just" defTabSz="457200" rtl="0" eaLnBrk="1" fontAlgn="auto" latinLnBrk="0" hangingPunct="1">
+              <a:lnSpc>
+                <a:spcPct val="100000"/>
+              </a:lnSpc>
+              <a:spcBef>
+                <a:spcPts val="0"/>
+              </a:spcBef>
+              <a:spcAft>
+                <a:spcPts val="0"/>
+              </a:spcAft>
+              <a:buClrTx/>
+              <a:buSzTx/>
+              <a:buFontTx/>
+              <a:buNone/>
+              <a:tabLst/>
+              <a:defRPr/>
+            </a:pPr>
+            <a:r>
+              <a:rPr lang="en-US" sz="1000" baseline="0" dirty="0" smtClean="0">
+                <a:latin typeface="Times New Roman"/>
+                <a:cs typeface="Times New Roman"/>
+              </a:rPr>
+              <a:t>The same applet is also used for sending requests and receiving responses. A request is made </a:t>
+            </a:r>
             <a:r>
               <a:rPr lang="en-US" sz="1000" baseline="0" noProof="0" dirty="0" smtClean="0">
                 <a:latin typeface="Times New Roman"/>
                 <a:cs typeface="Times New Roman"/>
               </a:rPr>
-              <a:t>One can request the indirectly connected </a:t>
+              <a:t>when </a:t>
+            </a:r>
+            <a:r>
+              <a:rPr lang="en-US" sz="1000" baseline="0" noProof="0" dirty="0" smtClean="0">
+                <a:latin typeface="Times New Roman"/>
+                <a:cs typeface="Times New Roman"/>
+              </a:rPr>
+              <a:t>the right</a:t>
+            </a:r>
+            <a:r>
+              <a:rPr lang="en-US" sz="1000" baseline="0" noProof="0" dirty="0" smtClean="0">
+                <a:latin typeface="Times New Roman"/>
+                <a:cs typeface="Times New Roman"/>
+              </a:rPr>
+              <a:t> mouse button </a:t>
+            </a:r>
+            <a:r>
+              <a:rPr lang="en-US" sz="1000" baseline="0" noProof="0" dirty="0" smtClean="0">
+                <a:latin typeface="Times New Roman"/>
+                <a:cs typeface="Times New Roman"/>
+              </a:rPr>
+              <a:t>is pressed on a YANG </a:t>
+            </a:r>
+            <a:r>
+              <a:rPr lang="en-US" sz="1000" baseline="0" noProof="0" dirty="0" smtClean="0">
+                <a:latin typeface="Times New Roman"/>
+                <a:cs typeface="Times New Roman"/>
+              </a:rPr>
+              <a:t>node (part 1 of the figure). </a:t>
             </a:r>
             <a:r>
               <a:rPr lang="fr-FR" sz="1000" baseline="0" noProof="0" dirty="0" smtClean="0">
                 <a:latin typeface="Times New Roman"/>
                 <a:cs typeface="Times New Roman"/>
               </a:rPr>
-              <a:t>NETCONF</a:t>
+              <a:t>The </a:t>
             </a:r>
             <a:r>
               <a:rPr lang="en-US" sz="1000" baseline="0" noProof="0" dirty="0" smtClean="0">
                 <a:latin typeface="Times New Roman"/>
                 <a:cs typeface="Times New Roman"/>
               </a:rPr>
-              <a:t> device by a mouse contextual menu that pops-up when the right button is pressed on a YANG node. When one of the standard </a:t>
+              <a:t>request </a:t>
+            </a:r>
+            <a:r>
+              <a:rPr lang="en-US" sz="1000" baseline="0" noProof="0" dirty="0" smtClean="0">
+                <a:latin typeface="Times New Roman"/>
+                <a:cs typeface="Times New Roman"/>
+              </a:rPr>
+              <a:t>is built from the root node</a:t>
+            </a:r>
+            <a:r>
+              <a:rPr lang="en-US" sz="1000" baseline="0" noProof="0" dirty="0" smtClean="0">
+                <a:latin typeface="Times New Roman"/>
+                <a:cs typeface="Times New Roman"/>
+              </a:rPr>
+              <a:t> </a:t>
             </a:r>
             <a:r>
               <a:rPr lang="fr-FR" sz="1000" baseline="0" noProof="0" dirty="0" smtClean="0">
                 <a:latin typeface="Times New Roman"/>
                 <a:cs typeface="Times New Roman"/>
               </a:rPr>
-              <a:t>NETCONF</a:t>
+              <a:t>to </a:t>
             </a:r>
             <a:r>
               <a:rPr lang="en-US" sz="1000" baseline="0" noProof="0" dirty="0" smtClean="0">
                 <a:latin typeface="Times New Roman"/>
                 <a:cs typeface="Times New Roman"/>
               </a:rPr>
-              <a:t> operations is chosen, the request is built from the root node (here the </a:t>
-            </a:r>
-            <a:r>
-              <a:rPr lang="fr-FR" sz="1000" baseline="0" noProof="0" dirty="0" err="1" smtClean="0">
+              <a:t>the </a:t>
+            </a:r>
+            <a:r>
+              <a:rPr lang="en-US" sz="1000" baseline="0" noProof="0" dirty="0" smtClean="0">
                 <a:latin typeface="Times New Roman"/>
                 <a:cs typeface="Times New Roman"/>
               </a:rPr>
-              <a:t>netconf</a:t>
+              <a:t>selected</a:t>
+            </a:r>
+            <a:r>
+              <a:rPr lang="en-US" sz="1000" baseline="0" noProof="0" dirty="0" smtClean="0">
+                <a:latin typeface="Times New Roman"/>
+                <a:cs typeface="Times New Roman"/>
+              </a:rPr>
+              <a:t> one. </a:t>
+            </a:r>
+            <a:r>
+              <a:rPr lang="en-US" sz="1000" baseline="0" noProof="0" dirty="0" smtClean="0">
+                <a:latin typeface="Times New Roman"/>
+                <a:cs typeface="Times New Roman"/>
+              </a:rPr>
+              <a:t>At this step, the applet is vertically separated to </a:t>
+            </a:r>
+            <a:r>
+              <a:rPr lang="en-US" sz="1000" baseline="0" noProof="0" dirty="0" smtClean="0">
+                <a:latin typeface="Times New Roman"/>
+                <a:cs typeface="Times New Roman"/>
+              </a:rPr>
+              <a:t>show on the right the </a:t>
+            </a:r>
+            <a:r>
+              <a:rPr lang="en-US" sz="1000" baseline="0" noProof="0" dirty="0" smtClean="0">
+                <a:latin typeface="Times New Roman"/>
+                <a:cs typeface="Times New Roman"/>
+              </a:rPr>
+              <a:t>result of</a:t>
+            </a:r>
+            <a:r>
+              <a:rPr lang="en-US" sz="1000" baseline="0" noProof="0" dirty="0" smtClean="0">
+                <a:latin typeface="Times New Roman"/>
+                <a:cs typeface="Times New Roman"/>
+              </a:rPr>
+              <a:t> the request. </a:t>
+            </a:r>
+            <a:r>
+              <a:rPr lang="en-US" sz="1000" baseline="0" noProof="0" dirty="0" smtClean="0">
+                <a:latin typeface="Times New Roman"/>
+                <a:cs typeface="Times New Roman"/>
+              </a:rPr>
+              <a:t>The resulting XML document is sent inside </a:t>
+            </a:r>
+            <a:r>
+              <a:rPr lang="en-US" sz="1000" baseline="0" noProof="0" dirty="0" smtClean="0">
+                <a:latin typeface="Times New Roman"/>
+                <a:cs typeface="Times New Roman"/>
+              </a:rPr>
+              <a:t>an </a:t>
+            </a:r>
+            <a:r>
+              <a:rPr lang="en-US" sz="1000" baseline="0" noProof="0" dirty="0" smtClean="0">
+                <a:latin typeface="Times New Roman"/>
+                <a:cs typeface="Times New Roman"/>
+              </a:rPr>
+              <a:t>HTTP POST </a:t>
+            </a:r>
+            <a:r>
+              <a:rPr lang="en-US" sz="1000" baseline="0" noProof="0" dirty="0" smtClean="0">
+                <a:latin typeface="Times New Roman"/>
+                <a:cs typeface="Times New Roman"/>
+              </a:rPr>
+              <a:t>request (part 2). </a:t>
+            </a:r>
+            <a:r>
+              <a:rPr lang="en-US" sz="1000" baseline="0" noProof="0" dirty="0" smtClean="0">
+                <a:latin typeface="Times New Roman"/>
+                <a:cs typeface="Times New Roman"/>
+              </a:rPr>
+              <a:t>A specific header called “operation” is</a:t>
+            </a:r>
+            <a:r>
+              <a:rPr lang="en-US" sz="1000" baseline="0" noProof="0" dirty="0" smtClean="0">
+                <a:latin typeface="Times New Roman"/>
+                <a:cs typeface="Times New Roman"/>
+              </a:rPr>
+              <a:t> added to </a:t>
+            </a:r>
+            <a:r>
+              <a:rPr lang="en-US" sz="1000" baseline="0" noProof="0" dirty="0" smtClean="0">
+                <a:latin typeface="Times New Roman"/>
+                <a:cs typeface="Times New Roman"/>
+              </a:rPr>
+              <a:t>specify which </a:t>
             </a:r>
             <a:r>
               <a:rPr lang="fr-FR" sz="1000" baseline="0" noProof="0" dirty="0" smtClean="0">
                 <a:latin typeface="Times New Roman"/>
                 <a:cs typeface="Times New Roman"/>
               </a:rPr>
-              <a:t> </a:t>
+              <a:t>NETCONF</a:t>
             </a:r>
             <a:r>
               <a:rPr lang="en-US" sz="1000" baseline="0" noProof="0" dirty="0" smtClean="0">
                 <a:latin typeface="Times New Roman"/>
                 <a:cs typeface="Times New Roman"/>
               </a:rPr>
-              <a:t>virtual container) to the tree position of the selected node. At this step, the applet is vertically separated to show result of request on the right. The resulting XML document is sent inside a HTTP POST request. A specific header called “operation” is used to specify which </a:t>
-            </a:r>
-            <a:r>
-              <a:rPr lang="fr-FR" sz="1000" baseline="0" noProof="0" dirty="0" smtClean="0">
+              <a:t> operation must be performed on the server (get, get-</a:t>
+            </a:r>
+            <a:r>
+              <a:rPr lang="en-US" sz="1000" baseline="0" noProof="0" dirty="0" err="1" smtClean="0">
                 <a:latin typeface="Times New Roman"/>
                 <a:cs typeface="Times New Roman"/>
               </a:rPr>
-              <a:t>NETCONF</a:t>
+              <a:t>config</a:t>
             </a:r>
             <a:r>
               <a:rPr lang="en-US" sz="1000" baseline="0" noProof="0" dirty="0" smtClean="0">
                 <a:latin typeface="Times New Roman"/>
                 <a:cs typeface="Times New Roman"/>
               </a:rPr>
-              <a:t> operation must be performed on the server (get, get-</a:t>
+              <a:t> or edit-</a:t>
             </a:r>
             <a:r>
               <a:rPr lang="en-US" sz="1000" baseline="0" noProof="0" dirty="0" err="1" smtClean="0">
@@ -4551,35 +4333,112 @@
                 <a:latin typeface="Times New Roman"/>
                 <a:cs typeface="Times New Roman"/>
               </a:rPr>
-              <a:t> or edit-</a:t>
+              <a:t>). The </a:t>
+            </a:r>
+            <a:r>
+              <a:rPr lang="en-US" sz="1000" baseline="0" noProof="0" dirty="0" smtClean="0">
+                <a:latin typeface="Times New Roman"/>
+                <a:cs typeface="Times New Roman"/>
+              </a:rPr>
+              <a:t>figure </a:t>
+            </a:r>
+            <a:r>
+              <a:rPr lang="en-US" sz="1000" baseline="0" noProof="0" dirty="0" smtClean="0">
+                <a:latin typeface="Times New Roman"/>
+                <a:cs typeface="Times New Roman"/>
+              </a:rPr>
+              <a:t>shows a get request on the leaf </a:t>
             </a:r>
             <a:r>
               <a:rPr lang="en-US" sz="1000" baseline="0" noProof="0" dirty="0" err="1" smtClean="0">
                 <a:latin typeface="Times New Roman"/>
                 <a:cs typeface="Times New Roman"/>
               </a:rPr>
-              <a:t>config</a:t>
+              <a:t>mtu</a:t>
             </a:r>
             <a:r>
               <a:rPr lang="en-US" sz="1000" baseline="0" noProof="0" dirty="0" smtClean="0">
                 <a:latin typeface="Times New Roman"/>
                 <a:cs typeface="Times New Roman"/>
               </a:rPr>
-              <a:t>). The figure 8 shows a get request on the leaf </a:t>
-            </a:r>
-            <a:r>
-              <a:rPr lang="en-US" sz="1000" baseline="0" noProof="0" dirty="0" err="1" smtClean="0">
-                <a:latin typeface="Times New Roman"/>
-                <a:cs typeface="Times New Roman"/>
-              </a:rPr>
-              <a:t>mtu</a:t>
+              <a:t> inside </a:t>
             </a:r>
             <a:r>
               <a:rPr lang="en-US" sz="1000" baseline="0" noProof="0" dirty="0" smtClean="0">
                 <a:latin typeface="Times New Roman"/>
                 <a:cs typeface="Times New Roman"/>
               </a:rPr>
-              <a:t> and this leaf is inside the interface list. Note that the key of the list is added to the request while it is not explicitly asked. This is an optimization because subsequent requests on lists (and especially on list entries) will likely need the key. </a:t>
+              <a:t>the interface list. Note that the key of the list is added to the request while it is not explicitly</a:t>
+            </a:r>
+            <a:r>
+              <a:rPr lang="en-US" sz="1000" baseline="0" noProof="0" dirty="0" smtClean="0">
+                <a:latin typeface="Times New Roman"/>
+                <a:cs typeface="Times New Roman"/>
+              </a:rPr>
+              <a:t> requested. </a:t>
+            </a:r>
+            <a:r>
+              <a:rPr lang="en-US" sz="1000" baseline="0" noProof="0" dirty="0" smtClean="0">
+                <a:latin typeface="Times New Roman"/>
+                <a:cs typeface="Times New Roman"/>
+              </a:rPr>
+              <a:t>This</a:t>
+            </a:r>
+            <a:r>
+              <a:rPr lang="en-US" sz="1000" baseline="0" noProof="0" dirty="0" smtClean="0">
+                <a:latin typeface="Times New Roman"/>
+                <a:cs typeface="Times New Roman"/>
+              </a:rPr>
+              <a:t> is </a:t>
+            </a:r>
+            <a:r>
+              <a:rPr lang="en-US" sz="1000" baseline="0" noProof="0" dirty="0" smtClean="0">
+                <a:latin typeface="Times New Roman"/>
+                <a:cs typeface="Times New Roman"/>
+              </a:rPr>
+              <a:t>because</a:t>
+            </a:r>
+            <a:r>
+              <a:rPr lang="en-US" sz="1000" baseline="0" noProof="0" dirty="0" smtClean="0">
+                <a:latin typeface="Times New Roman"/>
+                <a:cs typeface="Times New Roman"/>
+              </a:rPr>
+              <a:t> further requests </a:t>
+            </a:r>
+            <a:r>
+              <a:rPr lang="en-US" sz="1000" baseline="0" noProof="0" dirty="0" smtClean="0">
+                <a:latin typeface="Times New Roman"/>
+                <a:cs typeface="Times New Roman"/>
+              </a:rPr>
+              <a:t>on</a:t>
+            </a:r>
+            <a:r>
+              <a:rPr lang="en-US" sz="1000" baseline="0" noProof="0" dirty="0" smtClean="0">
+                <a:latin typeface="Times New Roman"/>
+                <a:cs typeface="Times New Roman"/>
+              </a:rPr>
+              <a:t> this list </a:t>
+            </a:r>
+            <a:r>
+              <a:rPr lang="en-US" sz="1000" baseline="0" noProof="0" dirty="0" smtClean="0">
+                <a:latin typeface="Times New Roman"/>
+                <a:cs typeface="Times New Roman"/>
+              </a:rPr>
+              <a:t>(and especially on list entries) will</a:t>
+            </a:r>
+            <a:r>
+              <a:rPr lang="en-US" sz="1000" baseline="0" noProof="0" dirty="0" smtClean="0">
+                <a:latin typeface="Times New Roman"/>
+                <a:cs typeface="Times New Roman"/>
+              </a:rPr>
+              <a:t> need </a:t>
+            </a:r>
+            <a:r>
+              <a:rPr lang="en-US" sz="1000" baseline="0" noProof="0" dirty="0" smtClean="0">
+                <a:latin typeface="Times New Roman"/>
+                <a:cs typeface="Times New Roman"/>
+              </a:rPr>
+              <a:t>the key. </a:t>
             </a:r>
           </a:p>
           <a:p>
@@ -4610,7 +4469,21 @@
                 <a:latin typeface="Times New Roman"/>
                 <a:cs typeface="Times New Roman"/>
               </a:rPr>
-              <a:t> Manager, the latter surrounds it by the </a:t>
+              <a:t> Manager,</a:t>
+            </a:r>
+            <a:r>
+              <a:rPr lang="en-US" sz="1000" baseline="0" noProof="0" dirty="0" smtClean="0">
+                <a:latin typeface="Times New Roman"/>
+                <a:cs typeface="Times New Roman"/>
+              </a:rPr>
+              <a:t> it is encapsulated by </a:t>
+            </a:r>
+            <a:r>
+              <a:rPr lang="en-US" sz="1000" baseline="0" noProof="0" dirty="0" smtClean="0">
+                <a:latin typeface="Times New Roman"/>
+                <a:cs typeface="Times New Roman"/>
+              </a:rPr>
+              <a:t>the </a:t>
             </a:r>
             <a:r>
               <a:rPr lang="en-US" sz="1000" baseline="0" noProof="0" dirty="0" err="1" smtClean="0">
@@ -4624,7 +4497,21 @@
                 <a:latin typeface="Times New Roman"/>
                 <a:cs typeface="Times New Roman"/>
               </a:rPr>
-              <a:t> and filter mechanisms and sends a valid </a:t>
+              <a:t> and filter mechanisms and </a:t>
+            </a:r>
+            <a:r>
+              <a:rPr lang="en-US" sz="1000" baseline="0" noProof="0" dirty="0" smtClean="0">
+                <a:latin typeface="Times New Roman"/>
+                <a:cs typeface="Times New Roman"/>
+              </a:rPr>
+              <a:t>sent like a </a:t>
+            </a:r>
+            <a:r>
+              <a:rPr lang="en-US" sz="1000" baseline="0" noProof="0" dirty="0" smtClean="0">
+                <a:latin typeface="Times New Roman"/>
+                <a:cs typeface="Times New Roman"/>
+              </a:rPr>
+              <a:t>valid </a:t>
             </a:r>
             <a:r>
               <a:rPr lang="fr-FR" sz="1000" baseline="0" noProof="0" dirty="0" smtClean="0">
@@ -4638,7 +4525,21 @@
                 <a:latin typeface="Times New Roman"/>
                 <a:cs typeface="Times New Roman"/>
               </a:rPr>
-              <a:t> request. From this step we are independent of any YANG concern because we are in a full </a:t>
+              <a:t> </a:t>
+            </a:r>
+            <a:r>
+              <a:rPr lang="en-US" sz="1000" baseline="0" noProof="0" dirty="0" smtClean="0">
+                <a:latin typeface="Times New Roman"/>
+                <a:cs typeface="Times New Roman"/>
+              </a:rPr>
+              <a:t>request (part 3). </a:t>
+            </a:r>
+            <a:r>
+              <a:rPr lang="en-US" sz="1000" baseline="0" noProof="0" dirty="0" smtClean="0">
+                <a:latin typeface="Times New Roman"/>
+                <a:cs typeface="Times New Roman"/>
+              </a:rPr>
+              <a:t>From this step we are independent of any YANG concern because we are in a full </a:t>
             </a:r>
             <a:r>
               <a:rPr lang="fr-FR" sz="1000" baseline="0" noProof="0" dirty="0" smtClean="0">
@@ -4652,71 +4553,47 @@
                 <a:latin typeface="Times New Roman"/>
                 <a:cs typeface="Times New Roman"/>
               </a:rPr>
-              <a:t> session. Following is simply a cleaning of </a:t>
+              <a:t> </a:t>
+            </a:r>
+            <a:r>
+              <a:rPr lang="en-US" sz="1000" baseline="0" noProof="0" dirty="0" smtClean="0">
+                <a:latin typeface="Times New Roman"/>
+                <a:cs typeface="Times New Roman"/>
+              </a:rPr>
+              <a:t>session. </a:t>
             </a:r>
             <a:r>
               <a:rPr lang="fr-FR" sz="1000" baseline="0" noProof="0" dirty="0" smtClean="0">
                 <a:latin typeface="Times New Roman"/>
                 <a:cs typeface="Times New Roman"/>
               </a:rPr>
-              <a:t>NETCONF</a:t>
+              <a:t>The part (4) </a:t>
             </a:r>
             <a:r>
               <a:rPr lang="en-US" sz="1000" baseline="0" noProof="0" dirty="0" smtClean="0">
                 <a:latin typeface="Times New Roman"/>
                 <a:cs typeface="Times New Roman"/>
               </a:rPr>
-              <a:t> XML data until the first node of the Data Store and its forwarding to the client applet that is waiting for the response. The </a:t>
-            </a:r>
-            <a:r>
-              <a:rPr lang="fr-FR" sz="1000" baseline="0" noProof="0" smtClean="0">
+              <a:t>shows the NETCONF response to the request that will be forwarded  by the </a:t>
+            </a:r>
+            <a:r>
+              <a:rPr lang="en-US" sz="1000" baseline="0" noProof="0" dirty="0" err="1" smtClean="0">
                 <a:latin typeface="Times New Roman"/>
                 <a:cs typeface="Times New Roman"/>
               </a:rPr>
-              <a:t>figure </a:t>
-            </a:r>
-            <a:r>
-              <a:rPr lang="en-US" sz="1000" baseline="0" noProof="0" smtClean="0">
-                <a:latin typeface="Times New Roman"/>
-                <a:cs typeface="Times New Roman"/>
-              </a:rPr>
-              <a:t>8 </a:t>
+              <a:t>Yencap</a:t>
             </a:r>
             <a:r>
               <a:rPr lang="en-US" sz="1000" baseline="0" noProof="0" dirty="0" smtClean="0">
                 <a:latin typeface="Times New Roman"/>
                 <a:cs typeface="Times New Roman"/>
               </a:rPr>
-              <a:t>shows the response on the right part of the management applet. The request is synchronous because even if one request contains several data (as can be a request on a list) all of them are returned by one response. Note we have made our protocol synchronous on top of HTTP with several asynchronous requests. We plan to allow multiple selections for the same </a:t>
-            </a:r>
-            <a:r>
-              <a:rPr lang="fr-FR" sz="1000" baseline="0" noProof="0" dirty="0" smtClean="0">
-                <a:latin typeface="Times New Roman"/>
-                <a:cs typeface="Times New Roman"/>
-              </a:rPr>
-              <a:t>NETCONF</a:t>
-            </a:r>
-            <a:r>
-              <a:rPr lang="en-US" sz="1000" baseline="0" noProof="0" dirty="0" smtClean="0">
-                <a:latin typeface="Times New Roman"/>
-                <a:cs typeface="Times New Roman"/>
-              </a:rPr>
-              <a:t> operation to give access to the separate part of the </a:t>
-            </a:r>
-            <a:r>
-              <a:rPr lang="fr-FR" sz="1000" baseline="0" noProof="0" dirty="0" smtClean="0">
-                <a:latin typeface="Times New Roman"/>
-                <a:cs typeface="Times New Roman"/>
-              </a:rPr>
-              <a:t>NETCONF</a:t>
-            </a:r>
-            <a:r>
-              <a:rPr lang="en-US" sz="1000" baseline="0" noProof="0" dirty="0" smtClean="0">
-                <a:latin typeface="Times New Roman"/>
-                <a:cs typeface="Times New Roman"/>
-              </a:rPr>
-              <a:t> Data Store in one request.</a:t>
-            </a:r>
+              <a:t> Manager while adding HTTP headers. The response is displayed part (5) when it is received by the applet. </a:t>
+            </a:r>
+            <a:endParaRPr lang="en-US" sz="1000" baseline="0" noProof="0" dirty="0" smtClean="0">
+              <a:latin typeface="Times New Roman"/>
+              <a:cs typeface="Times New Roman"/>
+            </a:endParaRPr>
           </a:p>
         </p:txBody>
       </p:sp>
@@ -4794,14 +4671,21 @@
                 <a:latin typeface="Times New Roman"/>
                 <a:cs typeface="Times New Roman"/>
               </a:rPr>
-              <a:t>figure </a:t>
+              <a:t>figure</a:t>
             </a:r>
             <a:r>
               <a:rPr lang="en-US" sz="1000" baseline="0" noProof="0" dirty="0" smtClean="0">
                 <a:latin typeface="Times New Roman"/>
                 <a:cs typeface="Times New Roman"/>
               </a:rPr>
-              <a:t>9 depicts some functionalities of the applet related to NETCONF get and edit </a:t>
+              <a:t> </a:t>
+            </a:r>
+            <a:r>
+              <a:rPr lang="en-US" sz="1000" baseline="0" noProof="0" dirty="0" smtClean="0">
+                <a:latin typeface="Times New Roman"/>
+                <a:cs typeface="Times New Roman"/>
+              </a:rPr>
+              <a:t>depicts some functionalities of the applet related to NETCONF get and edit </a:t>
             </a:r>
             <a:r>
               <a:rPr lang="en-US" sz="1000" baseline="0" noProof="0" dirty="0" err="1" smtClean="0">
@@ -4916,7 +4800,7 @@
             </a:endParaRPr>
           </a:p>
           <a:p>
-            <a:pPr algn="just"/>
+            <a:pPr algn="l"/>
             <a:r>
               <a:rPr lang="en-US" sz="1000" baseline="0" noProof="0" dirty="0" smtClean="0">
                 <a:latin typeface="Times New Roman"/>
@@ -4950,7 +4834,63 @@
                 <a:latin typeface="Times New Roman"/>
                 <a:cs typeface="Times New Roman"/>
               </a:rPr>
-              <a:t> for a list. Here a list is edited entry by entry (that we call a list occurrence) and one can see an empty list entry ready to be filled. Note that a red mark is on the “login” leaf because it is the key of the list and so its value must be set. </a:t>
+              <a:t> for a list.</a:t>
+            </a:r>
+            <a:r>
+              <a:rPr lang="en-US" sz="1000" baseline="0" noProof="0" dirty="0" smtClean="0">
+                <a:latin typeface="Times New Roman"/>
+                <a:cs typeface="Times New Roman"/>
+              </a:rPr>
+              <a:t> A </a:t>
+            </a:r>
+            <a:r>
+              <a:rPr lang="en-US" sz="1000" baseline="0" noProof="0" dirty="0" smtClean="0">
+                <a:latin typeface="Times New Roman"/>
+                <a:cs typeface="Times New Roman"/>
+              </a:rPr>
+              <a:t>list is edited entry by entry</a:t>
+            </a:r>
+            <a:r>
+              <a:rPr lang="en-US" sz="1000" baseline="0" noProof="0" dirty="0" smtClean="0">
+                <a:latin typeface="Times New Roman"/>
+                <a:cs typeface="Times New Roman"/>
+              </a:rPr>
+              <a:t> (called </a:t>
+            </a:r>
+            <a:r>
+              <a:rPr lang="en-US" sz="1000" baseline="0" noProof="0" dirty="0" smtClean="0">
+                <a:latin typeface="Times New Roman"/>
+                <a:cs typeface="Times New Roman"/>
+              </a:rPr>
+              <a:t>a list occurrence) and one can see an empty list entry ready to be filled. Note that</a:t>
+            </a:r>
+            <a:r>
+              <a:rPr lang="en-US" sz="1000" baseline="0" noProof="0" dirty="0" smtClean="0">
+                <a:latin typeface="Times New Roman"/>
+                <a:cs typeface="Times New Roman"/>
+              </a:rPr>
+              <a:t> a </a:t>
+            </a:r>
+            <a:r>
+              <a:rPr lang="en-US" sz="1000" baseline="0" noProof="0" dirty="0" err="1" smtClean="0">
+                <a:latin typeface="Times New Roman"/>
+                <a:cs typeface="Times New Roman"/>
+              </a:rPr>
+              <a:t>litt</a:t>
+            </a:r>
+            <a:r>
+              <a:rPr lang="fr-FR" sz="1000" baseline="0" noProof="0" dirty="0" smtClean="0">
+                <a:latin typeface="Times New Roman"/>
+                <a:cs typeface="Times New Roman"/>
+              </a:rPr>
+              <a:t>le</a:t>
+            </a:r>
+            <a:r>
+              <a:rPr lang="en-US" sz="1000" baseline="0" noProof="0" dirty="0" smtClean="0">
+                <a:latin typeface="Times New Roman"/>
+                <a:cs typeface="Times New Roman"/>
+              </a:rPr>
+              <a:t> star is on the “login” leaf because it is the key of the list and so its value must be set. </a:t>
             </a:r>
           </a:p>
           <a:p>
@@ -4995,7 +4935,21 @@
                 <a:latin typeface="Times New Roman"/>
                 <a:cs typeface="Times New Roman"/>
               </a:rPr>
-              <a:t>”) can only be edited if all of its components are set. On the same part  the leaf called “password” is read marked because the value is not long enough. This is an example of dynamic constraint one can check with the tool. Range values of integer or float, pattern matching of string are also checked.</a:t>
+              <a:t>”) can only be edited if all of its components are set. On the same part  the leaf called “password” is</a:t>
+            </a:r>
+            <a:r>
+              <a:rPr lang="en-US" sz="1000" baseline="0" noProof="0" dirty="0" smtClean="0">
+                <a:latin typeface="Times New Roman"/>
+                <a:cs typeface="Times New Roman"/>
+              </a:rPr>
+              <a:t> marked </a:t>
+            </a:r>
+            <a:r>
+              <a:rPr lang="en-US" sz="1000" baseline="0" noProof="0" dirty="0" smtClean="0">
+                <a:latin typeface="Times New Roman"/>
+                <a:cs typeface="Times New Roman"/>
+              </a:rPr>
+              <a:t>because the value is not long enough. This is an example of dynamic constraint one can check with the tool. Range values of integer or float, pattern matching of string are also checked.</a:t>
             </a:r>
             <a:endParaRPr lang="en-US" sz="1000" noProof="0" dirty="0" smtClean="0">
               <a:latin typeface="Times New Roman"/>
@@ -5194,7 +5148,7 @@
             <a:fld id="{7F2B8709-3F46-DE42-BD3E-692D784503EE}" type="datetime1">
               <a:rPr lang="fr-FR" smtClean="0"/>
               <a:pPr/>
-              <a:t>8/01/10</a:t>
+              <a:t>11/01/10</a:t>
             </a:fld>
             <a:endParaRPr lang="fr-FR"/>
           </a:p>
@@ -5361,7 +5315,7 @@
             <a:fld id="{4EBEFD6C-C087-154D-B622-7C02A58805D5}" type="datetime1">
               <a:rPr lang="fr-FR" smtClean="0"/>
               <a:pPr/>
-              <a:t>8/01/10</a:t>
+              <a:t>11/01/10</a:t>
             </a:fld>
             <a:endParaRPr lang="fr-FR"/>
           </a:p>
@@ -5538,7 +5492,7 @@
             <a:fld id="{07D8C6FC-5D38-E240-8250-E4BC28BDE1B6}" type="datetime1">
               <a:rPr lang="fr-FR" smtClean="0"/>
               <a:pPr/>
-              <a:t>8/01/10</a:t>
+              <a:t>11/01/10</a:t>
             </a:fld>
             <a:endParaRPr lang="fr-FR"/>
           </a:p>
@@ -5705,7 +5659,7 @@
             <a:fld id="{4E2F6B51-FB45-C74D-A600-600DD287541D}" type="datetime1">
               <a:rPr lang="fr-FR" smtClean="0"/>
               <a:pPr/>
-              <a:t>8/01/10</a:t>
+              <a:t>11/01/10</a:t>
             </a:fld>
             <a:endParaRPr lang="fr-FR"/>
           </a:p>
@@ -5948,7 +5902,7 @@
             <a:fld id="{DFEE11C6-5005-A744-9B9D-B94478DE044A}" type="datetime1">
               <a:rPr lang="fr-FR" smtClean="0"/>
               <a:pPr/>
-              <a:t>8/01/10</a:t>
+              <a:t>11/01/10</a:t>
             </a:fld>
             <a:endParaRPr lang="fr-FR"/>
           </a:p>
@@ -6233,7 +6187,7 @@
             <a:fld id="{9202BA27-7F62-034A-AD65-AD2BE6700D12}" type="datetime1">
               <a:rPr lang="fr-FR" smtClean="0"/>
               <a:pPr/>
-              <a:t>8/01/10</a:t>
+              <a:t>11/01/10</a:t>
             </a:fld>
             <a:endParaRPr lang="fr-FR"/>
           </a:p>
@@ -6652,7 +6606,7 @@
             <a:fld id="{33C87D94-F7E6-1E43-8374-5AB40E5CD468}" type="datetime1">
               <a:rPr lang="fr-FR" smtClean="0"/>
               <a:pPr/>
-              <a:t>8/01/10</a:t>
+              <a:t>11/01/10</a:t>
             </a:fld>
             <a:endParaRPr lang="fr-FR"/>
           </a:p>
@@ -6767,7 +6721,7 @@
             <a:fld id="{52EA62D5-502B-6246-986C-7F1DA3AA6C60}" type="datetime1">
               <a:rPr lang="fr-FR" smtClean="0"/>
               <a:pPr/>
-              <a:t>8/01/10</a:t>
+              <a:t>11/01/10</a:t>
             </a:fld>
             <a:endParaRPr lang="fr-FR"/>
           </a:p>
@@ -6859,7 +6813,7 @@
             <a:fld id="{8A43F226-8798-FB4E-9920-C90450151C74}" type="datetime1">
               <a:rPr lang="fr-FR" smtClean="0"/>
               <a:pPr/>
-              <a:t>8/01/10</a:t>
+              <a:t>11/01/10</a:t>
             </a:fld>
             <a:endParaRPr lang="fr-FR"/>
           </a:p>
@@ -7133,7 +7087,7 @@
             <a:fld id="{F3A22977-08BB-B542-B315-0A1A944980B8}" type="datetime1">
               <a:rPr lang="fr-FR" smtClean="0"/>
               <a:pPr/>
-              <a:t>8/01/10</a:t>
+              <a:t>11/01/10</a:t>
             </a:fld>
             <a:endParaRPr lang="fr-FR"/>
           </a:p>
@@ -7383,7 +7337,7 @@
             <a:fld id="{096F2F73-03B7-8F4F-B0B3-3EA33E3C8A3F}" type="datetime1">
               <a:rPr lang="fr-FR" smtClean="0"/>
               <a:pPr/>
-              <a:t>8/01/10</a:t>
+              <a:t>11/01/10</a:t>
             </a:fld>
             <a:endParaRPr lang="fr-FR"/>
           </a:p>
@@ -7593,7 +7547,7 @@
             <a:fld id="{C1D26DE3-065C-5345-9B04-A6BA04230672}" type="datetime1">
               <a:rPr lang="fr-FR" smtClean="0"/>
               <a:pPr/>
-              <a:t>8/01/10</a:t>
+              <a:t>11/01/10</a:t>
             </a:fld>
             <a:endParaRPr lang="fr-FR"/>
           </a:p>
@@ -34288,22 +34242,13 @@
           <a:p>
             <a:r>
               <a:rPr lang="fr-FR" sz="1200" dirty="0" smtClean="0"/>
-              <a:t>(1) &lt;</a:t>
-            </a:r>
+              <a:t>(1) &lt;module&gt;</a:t>
+            </a:r>
+          </a:p>
+          <a:p>
             <a:r>
               <a:rPr lang="fr-FR" sz="1200" dirty="0" smtClean="0"/>
-              <a:t>module&gt;</a:t>
-            </a:r>
-            <a:endParaRPr lang="fr-FR" sz="1200" dirty="0" smtClean="0"/>
-          </a:p>
-          <a:p>
-            <a:r>
-              <a:rPr lang="fr-FR" sz="1200" dirty="0" smtClean="0"/>
-              <a:t>(2)	</a:t>
-            </a:r>
-            <a:r>
-              <a:rPr lang="fr-FR" sz="1200" dirty="0" smtClean="0"/>
-              <a:t>&lt;</a:t>
+              <a:t>(2)	&lt;</a:t>
             </a:r>
             <a:r>
               <a:rPr lang="fr-FR" sz="1200" dirty="0" err="1" smtClean="0"/>
@@ -34321,16 +34266,11 @@
               <a:rPr lang="fr-FR" sz="1200" dirty="0" smtClean="0"/>
               <a:t>&gt;</a:t>
             </a:r>
-            <a:endParaRPr lang="fr-FR" sz="1200" dirty="0" smtClean="0"/>
           </a:p>
           <a:p>
             <a:r>
               <a:rPr lang="fr-FR" sz="1200" dirty="0" smtClean="0"/>
-              <a:t>(3)	</a:t>
-            </a:r>
-            <a:r>
-              <a:rPr lang="fr-FR" sz="1200" dirty="0" smtClean="0"/>
-              <a:t>&lt;</a:t>
+              <a:t>(3)	&lt;</a:t>
             </a:r>
             <a:r>
               <a:rPr lang="fr-FR" sz="1200" dirty="0" err="1" smtClean="0"/>
@@ -34356,16 +34296,11 @@
               <a:rPr lang="fr-FR" sz="1200" dirty="0" smtClean="0"/>
               <a:t>&gt;</a:t>
             </a:r>
-            <a:endParaRPr lang="fr-FR" sz="1200" dirty="0" smtClean="0"/>
           </a:p>
           <a:p>
             <a:r>
               <a:rPr lang="fr-FR" sz="1200" dirty="0" smtClean="0"/>
-              <a:t>(4)	</a:t>
-            </a:r>
-            <a:r>
-              <a:rPr lang="fr-FR" sz="1200" dirty="0" smtClean="0"/>
-              <a:t>&lt;namespace </a:t>
+              <a:t>(4)	&lt;namespace </a:t>
             </a:r>
             <a:r>
               <a:rPr lang="fr-FR" sz="1200" dirty="0" err="1" smtClean="0"/>
@@ -34375,16 +34310,11 @@
               <a:rPr lang="fr-FR" sz="1200" dirty="0" smtClean="0"/>
               <a:t>="ifs"&gt;urn:loria:madynes:ensuite:yencap:1.0:module:Interfaces:1.0&lt;/namespace&gt;</a:t>
             </a:r>
-            <a:endParaRPr lang="fr-FR" sz="1200" dirty="0" smtClean="0"/>
           </a:p>
           <a:p>
             <a:r>
               <a:rPr lang="fr-FR" sz="1200" dirty="0" smtClean="0"/>
-              <a:t>(5)	</a:t>
-            </a:r>
-            <a:r>
-              <a:rPr lang="fr-FR" sz="1200" dirty="0" smtClean="0"/>
-              <a:t>&lt;</a:t>
+              <a:t>(5)	&lt;</a:t>
             </a:r>
             <a:r>
               <a:rPr lang="fr-FR" sz="1200" dirty="0" err="1" smtClean="0"/>
@@ -34394,16 +34324,11 @@
               <a:rPr lang="fr-FR" sz="1200" dirty="0" smtClean="0"/>
               <a:t>&gt;</a:t>
             </a:r>
-            <a:endParaRPr lang="fr-FR" sz="1200" dirty="0" smtClean="0"/>
           </a:p>
           <a:p>
             <a:r>
               <a:rPr lang="fr-FR" sz="1200" dirty="0" smtClean="0"/>
-              <a:t>(6)	</a:t>
-            </a:r>
-            <a:r>
-              <a:rPr lang="fr-FR" sz="1200" dirty="0" smtClean="0"/>
-              <a:t>	&lt;</a:t>
+              <a:t>(6)		&lt;</a:t>
             </a:r>
             <a:r>
               <a:rPr lang="fr-FR" sz="1200" dirty="0" err="1" smtClean="0"/>
@@ -34421,16 +34346,11 @@
               <a:rPr lang="fr-FR" sz="1200" dirty="0" smtClean="0"/>
               <a:t>="yang" value="interfaces"/&gt;</a:t>
             </a:r>
-            <a:endParaRPr lang="fr-FR" sz="1200" dirty="0" smtClean="0"/>
           </a:p>
           <a:p>
             <a:r>
               <a:rPr lang="fr-FR" sz="1200" dirty="0" smtClean="0"/>
-              <a:t>(7)	</a:t>
-            </a:r>
-            <a:r>
-              <a:rPr lang="fr-FR" sz="1200" dirty="0" smtClean="0"/>
-              <a:t>&lt;/</a:t>
+              <a:t>(7)	&lt;/</a:t>
             </a:r>
             <a:r>
               <a:rPr lang="fr-FR" sz="1200" dirty="0" err="1" smtClean="0"/>
@@ -34440,16 +34360,11 @@
               <a:rPr lang="fr-FR" sz="1200" dirty="0" smtClean="0"/>
               <a:t>&gt;</a:t>
             </a:r>
-            <a:endParaRPr lang="fr-FR" sz="1200" dirty="0" smtClean="0"/>
           </a:p>
           <a:p>
             <a:r>
               <a:rPr lang="fr-FR" sz="1200" dirty="0" smtClean="0"/>
-              <a:t>(8) &lt;</a:t>
-            </a:r>
-            <a:r>
-              <a:rPr lang="fr-FR" sz="1200" dirty="0" smtClean="0"/>
-              <a:t>/module&gt;</a:t>
+              <a:t>(8) &lt;/module&gt;</a:t>
             </a:r>
             <a:endParaRPr lang="en-US" sz="1200" dirty="0"/>
           </a:p>
@@ -36533,7 +36448,7 @@
         <p:spPr>
           <a:xfrm>
             <a:off x="8526169" y="4798360"/>
-            <a:ext cx="1379831" cy="1200329"/>
+            <a:ext cx="1379831" cy="1384995"/>
           </a:xfrm>
           <a:prstGeom prst="rect">
             <a:avLst/>
@@ -36590,8 +36505,32 @@
           <a:p>
             <a:r>
               <a:rPr lang="fr-FR" sz="1200" dirty="0" smtClean="0"/>
-              <a:t>     …</a:t>
-            </a:r>
+              <a:t>   </a:t>
+            </a:r>
+            <a:r>
+              <a:rPr lang="fr-FR" sz="1200" dirty="0" smtClean="0"/>
+              <a:t>    &lt;</a:t>
+            </a:r>
+            <a:r>
+              <a:rPr lang="fr-FR" sz="1200" dirty="0" err="1" smtClean="0"/>
+              <a:t>netconf</a:t>
+            </a:r>
+            <a:r>
+              <a:rPr lang="fr-FR" sz="1200" dirty="0" smtClean="0"/>
+              <a:t> </a:t>
+            </a:r>
+            <a:endParaRPr lang="fr-FR" sz="1200" dirty="0" smtClean="0"/>
+          </a:p>
+          <a:p>
+            <a:r>
+              <a:rPr lang="fr-FR" sz="1200" dirty="0" smtClean="0"/>
+              <a:t>	</a:t>
+            </a:r>
+            <a:r>
+              <a:rPr lang="fr-FR" sz="1200" dirty="0" smtClean="0"/>
+              <a:t>…</a:t>
+            </a:r>
+            <a:endParaRPr lang="fr-FR" sz="1200" dirty="0" smtClean="0"/>
           </a:p>
           <a:p>
             <a:r>
@@ -36859,7 +36798,7 @@
               <a:pPr/>
               <a:t>8</a:t>
             </a:fld>
-            <a:endParaRPr lang="fr-FR"/>
+            <a:endParaRPr lang="fr-FR" dirty="0"/>
           </a:p>
         </p:txBody>
       </p:sp>
@@ -36903,6 +36842,156 @@
               <a:t> client </a:t>
             </a:r>
             <a:endParaRPr lang="en-US" sz="2400" i="1" dirty="0"/>
+          </a:p>
+        </p:txBody>
+      </p:sp>
+      <p:sp>
+        <p:nvSpPr>
+          <p:cNvPr id="22" name="ZoneTexte 21"/>
+          <p:cNvSpPr txBox="1"/>
+          <p:nvPr/>
+        </p:nvSpPr>
+        <p:spPr>
+          <a:xfrm>
+            <a:off x="2594823" y="2242066"/>
+            <a:ext cx="441647" cy="369332"/>
+          </a:xfrm>
+          <a:prstGeom prst="rect">
+            <a:avLst/>
+          </a:prstGeom>
+          <a:noFill/>
+        </p:spPr>
+        <p:txBody>
+          <a:bodyPr wrap="none" rtlCol="0">
+            <a:spAutoFit/>
+          </a:bodyPr>
+          <a:lstStyle/>
+          <a:p>
+            <a:r>
+              <a:rPr lang="fr-FR" dirty="0" smtClean="0"/>
+              <a:t>(1)</a:t>
+            </a:r>
+            <a:endParaRPr lang="fr-FR" dirty="0"/>
+          </a:p>
+        </p:txBody>
+      </p:sp>
+      <p:sp>
+        <p:nvSpPr>
+          <p:cNvPr id="27" name="ZoneTexte 26"/>
+          <p:cNvSpPr txBox="1"/>
+          <p:nvPr/>
+        </p:nvSpPr>
+        <p:spPr>
+          <a:xfrm>
+            <a:off x="8229600" y="1981200"/>
+            <a:ext cx="441647" cy="369332"/>
+          </a:xfrm>
+          <a:prstGeom prst="rect">
+            <a:avLst/>
+          </a:prstGeom>
+          <a:noFill/>
+        </p:spPr>
+        <p:txBody>
+          <a:bodyPr wrap="none" rtlCol="0">
+            <a:spAutoFit/>
+          </a:bodyPr>
+          <a:lstStyle/>
+          <a:p>
+            <a:r>
+              <a:rPr lang="fr-FR" dirty="0" smtClean="0"/>
+              <a:t>(2)</a:t>
+            </a:r>
+            <a:endParaRPr lang="fr-FR" dirty="0"/>
+          </a:p>
+        </p:txBody>
+      </p:sp>
+      <p:sp>
+        <p:nvSpPr>
+          <p:cNvPr id="30" name="ZoneTexte 29"/>
+          <p:cNvSpPr txBox="1"/>
+          <p:nvPr/>
+        </p:nvSpPr>
+        <p:spPr>
+          <a:xfrm>
+            <a:off x="9410700" y="4429028"/>
+            <a:ext cx="441647" cy="369332"/>
+          </a:xfrm>
+          <a:prstGeom prst="rect">
+            <a:avLst/>
+          </a:prstGeom>
+          <a:noFill/>
+        </p:spPr>
+        <p:txBody>
+          <a:bodyPr wrap="none" rtlCol="0">
+            <a:spAutoFit/>
+          </a:bodyPr>
+          <a:lstStyle/>
+          <a:p>
+            <a:r>
+              <a:rPr lang="fr-FR" dirty="0" smtClean="0"/>
+              <a:t>(3)</a:t>
+            </a:r>
+            <a:endParaRPr lang="fr-FR" dirty="0"/>
+          </a:p>
+        </p:txBody>
+      </p:sp>
+      <p:sp>
+        <p:nvSpPr>
+          <p:cNvPr id="31" name="ZoneTexte 30"/>
+          <p:cNvSpPr txBox="1"/>
+          <p:nvPr/>
+        </p:nvSpPr>
+        <p:spPr>
+          <a:xfrm>
+            <a:off x="5440069" y="4429028"/>
+            <a:ext cx="441647" cy="369332"/>
+          </a:xfrm>
+          <a:prstGeom prst="rect">
+            <a:avLst/>
+          </a:prstGeom>
+          <a:noFill/>
+        </p:spPr>
+        <p:txBody>
+          <a:bodyPr wrap="none" rtlCol="0">
+            <a:spAutoFit/>
+          </a:bodyPr>
+          <a:lstStyle/>
+          <a:p>
+            <a:r>
+              <a:rPr lang="fr-FR" dirty="0" smtClean="0"/>
+              <a:t>(4)</a:t>
+            </a:r>
+            <a:endParaRPr lang="fr-FR" dirty="0"/>
+          </a:p>
+        </p:txBody>
+      </p:sp>
+      <p:sp>
+        <p:nvSpPr>
+          <p:cNvPr id="32" name="ZoneTexte 31"/>
+          <p:cNvSpPr txBox="1"/>
+          <p:nvPr/>
+        </p:nvSpPr>
+        <p:spPr>
+          <a:xfrm>
+            <a:off x="4191000" y="2242066"/>
+            <a:ext cx="441647" cy="369332"/>
+          </a:xfrm>
+          <a:prstGeom prst="rect">
+            <a:avLst/>
+          </a:prstGeom>
+          <a:noFill/>
+        </p:spPr>
+        <p:txBody>
+          <a:bodyPr wrap="none" rtlCol="0">
+            <a:spAutoFit/>
+          </a:bodyPr>
+          <a:lstStyle/>
+          <a:p>
+            <a:r>
+              <a:rPr lang="fr-FR" dirty="0" smtClean="0"/>
+              <a:t>(5)</a:t>
+            </a:r>
+            <a:endParaRPr lang="fr-FR" dirty="0"/>
           </a:p>
         </p:txBody>
       </p:sp>

--- a/yang-manager/reports/YangArchiCameraReady.pptx
+++ b/yang-manager/reports/YangArchiCameraReady.pptx
@@ -5,10 +5,10 @@
     <p:sldMasterId id="2147483648" r:id="rId1"/>
   </p:sldMasterIdLst>
   <p:notesMasterIdLst>
-    <p:notesMasterId r:id="rId23"/>
+    <p:notesMasterId r:id="rId13"/>
   </p:notesMasterIdLst>
   <p:handoutMasterIdLst>
-    <p:handoutMasterId r:id="rId24"/>
+    <p:handoutMasterId r:id="rId14"/>
   </p:handoutMasterIdLst>
   <p:sldIdLst>
     <p:sldId id="265" r:id="rId2"/>
@@ -22,16 +22,6 @@
     <p:sldId id="278" r:id="rId10"/>
     <p:sldId id="279" r:id="rId11"/>
     <p:sldId id="280" r:id="rId12"/>
-    <p:sldId id="270" r:id="rId13"/>
-    <p:sldId id="274" r:id="rId14"/>
-    <p:sldId id="256" r:id="rId15"/>
-    <p:sldId id="258" r:id="rId16"/>
-    <p:sldId id="259" r:id="rId17"/>
-    <p:sldId id="260" r:id="rId18"/>
-    <p:sldId id="261" r:id="rId19"/>
-    <p:sldId id="262" r:id="rId20"/>
-    <p:sldId id="263" r:id="rId21"/>
-    <p:sldId id="268" r:id="rId22"/>
   </p:sldIdLst>
   <p:sldSz cx="9906000" cy="6858000" type="A4"/>
   <p:notesSz cx="6858000" cy="9144000"/>
@@ -889,7 +879,14 @@
                 <a:latin typeface="Times New Roman"/>
                 <a:cs typeface="Times New Roman"/>
               </a:rPr>
-              <a:t>both on the server and the client side. </a:t>
+              <a:t>both on the server and the client side.</a:t>
+            </a:r>
+            <a:r>
+              <a:rPr lang="en-US" sz="1000" baseline="0" noProof="0" dirty="0" smtClean="0">
+                <a:latin typeface="Times New Roman"/>
+                <a:cs typeface="Times New Roman"/>
+              </a:rPr>
+              <a:t> The server can announce which YANG data models it implements and the client has a GUI to handle them and their instances.</a:t>
             </a:r>
           </a:p>
           <a:p>
@@ -906,119 +903,7 @@
                 <a:latin typeface="Times New Roman"/>
                 <a:cs typeface="Times New Roman"/>
               </a:rPr>
-              <a:t>We plan to</a:t>
-            </a:r>
-            <a:r>
-              <a:rPr lang="en-US" sz="1000" baseline="0" noProof="0" dirty="0" smtClean="0">
-                <a:latin typeface="Times New Roman"/>
-                <a:cs typeface="Times New Roman"/>
-              </a:rPr>
-              <a:t> generate </a:t>
-            </a:r>
-            <a:r>
-              <a:rPr lang="en-US" sz="1000" baseline="0" noProof="0" dirty="0" err="1" smtClean="0">
-                <a:latin typeface="Times New Roman"/>
-                <a:cs typeface="Times New Roman"/>
-              </a:rPr>
-              <a:t>YencaP</a:t>
-            </a:r>
-            <a:r>
-              <a:rPr lang="en-US" sz="1000" baseline="0" noProof="0" dirty="0" smtClean="0">
-                <a:latin typeface="Times New Roman"/>
-                <a:cs typeface="Times New Roman"/>
-              </a:rPr>
-              <a:t> part from </a:t>
-            </a:r>
-            <a:r>
-              <a:rPr lang="en-US" sz="1000" baseline="0" noProof="0" dirty="0" smtClean="0">
-                <a:latin typeface="Times New Roman"/>
-                <a:cs typeface="Times New Roman"/>
-              </a:rPr>
-              <a:t>YANG data </a:t>
-            </a:r>
-            <a:r>
-              <a:rPr lang="en-US" sz="1000" baseline="0" noProof="0" dirty="0" smtClean="0">
-                <a:latin typeface="Times New Roman"/>
-                <a:cs typeface="Times New Roman"/>
-              </a:rPr>
-              <a:t>model to </a:t>
-            </a:r>
-            <a:r>
-              <a:rPr lang="en-US" sz="1000" baseline="0" noProof="0" dirty="0" smtClean="0">
-                <a:latin typeface="Times New Roman"/>
-                <a:cs typeface="Times New Roman"/>
-              </a:rPr>
-              <a:t>ensure the server maintains a valid Data Store</a:t>
-            </a:r>
-            <a:r>
-              <a:rPr lang="en-US" sz="1000" baseline="0" noProof="0" dirty="0" smtClean="0">
-                <a:latin typeface="Times New Roman"/>
-                <a:cs typeface="Times New Roman"/>
-              </a:rPr>
-              <a:t> against YANG specification constraints. </a:t>
-            </a:r>
-            <a:r>
-              <a:rPr lang="en-US" sz="1000" baseline="0" noProof="0" dirty="0" smtClean="0">
-                <a:latin typeface="Times New Roman"/>
-                <a:cs typeface="Times New Roman"/>
-              </a:rPr>
-              <a:t>The server has to be</a:t>
-            </a:r>
-            <a:r>
-              <a:rPr lang="en-US" sz="1000" baseline="0" noProof="0" dirty="0" smtClean="0">
-                <a:latin typeface="Times New Roman"/>
-                <a:cs typeface="Times New Roman"/>
-              </a:rPr>
-              <a:t> extended to </a:t>
-            </a:r>
-            <a:r>
-              <a:rPr lang="en-US" sz="1000" baseline="0" noProof="0" dirty="0" smtClean="0">
-                <a:latin typeface="Times New Roman"/>
-                <a:cs typeface="Times New Roman"/>
-              </a:rPr>
-              <a:t>send </a:t>
-            </a:r>
-            <a:r>
-              <a:rPr lang="en-US" sz="1000" baseline="0" noProof="0" dirty="0" smtClean="0">
-                <a:latin typeface="Times New Roman"/>
-                <a:cs typeface="Times New Roman"/>
-              </a:rPr>
-              <a:t>notifications </a:t>
-            </a:r>
-            <a:r>
-              <a:rPr lang="en-US" sz="1000" baseline="0" noProof="0" dirty="0" smtClean="0">
-                <a:latin typeface="Times New Roman"/>
-                <a:cs typeface="Times New Roman"/>
-              </a:rPr>
-              <a:t>and</a:t>
-            </a:r>
-            <a:r>
-              <a:rPr lang="en-US" sz="1000" baseline="0" noProof="0" dirty="0" smtClean="0">
-                <a:latin typeface="Times New Roman"/>
-                <a:cs typeface="Times New Roman"/>
-              </a:rPr>
-              <a:t> to accept </a:t>
-            </a:r>
-            <a:r>
-              <a:rPr lang="en-US" sz="1000" baseline="0" noProof="0" dirty="0" smtClean="0">
-                <a:latin typeface="Times New Roman"/>
-                <a:cs typeface="Times New Roman"/>
-              </a:rPr>
-              <a:t>user defined operations as there are YANG </a:t>
-            </a:r>
-            <a:r>
-              <a:rPr lang="en-US" sz="1000" baseline="0" noProof="0" dirty="0" err="1" smtClean="0">
-                <a:latin typeface="Times New Roman"/>
-                <a:cs typeface="Times New Roman"/>
-              </a:rPr>
-              <a:t>rpc</a:t>
-            </a:r>
-            <a:r>
-              <a:rPr lang="en-US" sz="1000" baseline="0" noProof="0" dirty="0" smtClean="0">
-                <a:latin typeface="Times New Roman"/>
-                <a:cs typeface="Times New Roman"/>
-              </a:rPr>
-              <a:t> and notification statements to do this.</a:t>
+              <a:t>The server has to be extended to accept user defined operations and send notifications as there are YANG statements to define new operations and notifications.</a:t>
             </a:r>
           </a:p>
           <a:p>
@@ -1035,22 +920,81 @@
                 <a:latin typeface="Times New Roman"/>
                 <a:cs typeface="Times New Roman"/>
               </a:rPr>
-              <a:t>We are also interested by all YANG constraints one can specify. Default value, must and presence conditions, references between values, length or pattern matching are some examples of such constraints. If one can have a </a:t>
-            </a:r>
-            <a:r>
-              <a:rPr lang="fr-FR" sz="1000" baseline="0" noProof="0" dirty="0" smtClean="0">
-                <a:latin typeface="Times New Roman"/>
-                <a:cs typeface="Times New Roman"/>
-              </a:rPr>
-              <a:t>NETCONF</a:t>
+              <a:t>We </a:t>
             </a:r>
             <a:r>
               <a:rPr lang="en-US" sz="1000" baseline="0" noProof="0" dirty="0" smtClean="0">
                 <a:latin typeface="Times New Roman"/>
                 <a:cs typeface="Times New Roman"/>
               </a:rPr>
-              <a:t> server with such knowledge this server will be enabled to autonomously checks its configuration. At the client side the constraints can ensure the manager does not make mistakes in its configuration operations and can notify users if constraints are not respected.</a:t>
-            </a:r>
+              <a:t>plan to</a:t>
+            </a:r>
+            <a:r>
+              <a:rPr lang="en-US" sz="1000" baseline="0" noProof="0" dirty="0" smtClean="0">
+                <a:latin typeface="Times New Roman"/>
+                <a:cs typeface="Times New Roman"/>
+              </a:rPr>
+              <a:t> design an other backend for </a:t>
+            </a:r>
+            <a:r>
+              <a:rPr lang="en-US" sz="1000" baseline="0" noProof="0" dirty="0" err="1" smtClean="0">
+                <a:latin typeface="Times New Roman"/>
+                <a:cs typeface="Times New Roman"/>
+              </a:rPr>
+              <a:t>jYang</a:t>
+            </a:r>
+            <a:r>
+              <a:rPr lang="en-US" sz="1000" baseline="0" noProof="0" dirty="0" smtClean="0">
+                <a:latin typeface="Times New Roman"/>
+                <a:cs typeface="Times New Roman"/>
+              </a:rPr>
+              <a:t> to YANG validation constraints inside </a:t>
+            </a:r>
+            <a:r>
+              <a:rPr lang="en-US" sz="1000" baseline="0" noProof="0" dirty="0" err="1" smtClean="0">
+                <a:latin typeface="Times New Roman"/>
+                <a:cs typeface="Times New Roman"/>
+              </a:rPr>
+              <a:t>YencaP</a:t>
+            </a:r>
+            <a:r>
+              <a:rPr lang="en-US" sz="1000" baseline="0" noProof="0" dirty="0" smtClean="0">
+                <a:latin typeface="Times New Roman"/>
+                <a:cs typeface="Times New Roman"/>
+              </a:rPr>
+              <a:t>. Such validation will be done by generated code from YANG data models. The constraints we aim are default values, must and presence conditions, references between values, length or pattern matching. </a:t>
+            </a:r>
+            <a:r>
+              <a:rPr lang="en-US" sz="1000" baseline="0" noProof="0" dirty="0" err="1" smtClean="0">
+                <a:latin typeface="Times New Roman"/>
+                <a:cs typeface="Times New Roman"/>
+              </a:rPr>
+              <a:t>YencaP</a:t>
+            </a:r>
+            <a:r>
+              <a:rPr lang="en-US" sz="1000" baseline="0" noProof="0" dirty="0" smtClean="0">
+                <a:latin typeface="Times New Roman"/>
+                <a:cs typeface="Times New Roman"/>
+              </a:rPr>
+              <a:t> will check its configuration data and notify a manager if any </a:t>
+            </a:r>
+            <a:r>
+              <a:rPr lang="en-US" sz="1000" baseline="0" noProof="0" smtClean="0">
+                <a:latin typeface="Times New Roman"/>
+                <a:cs typeface="Times New Roman"/>
+              </a:rPr>
+              <a:t>constraints are </a:t>
+            </a:r>
+            <a:r>
+              <a:rPr lang="en-US" sz="1000" baseline="0" noProof="0" dirty="0" smtClean="0">
+                <a:latin typeface="Times New Roman"/>
+                <a:cs typeface="Times New Roman"/>
+              </a:rPr>
+              <a:t>not validated.</a:t>
+            </a:r>
+          </a:p>
+          <a:p>
+            <a:pPr algn="just"/>
             <a:endParaRPr lang="en-US" sz="1000" baseline="0" noProof="0" dirty="0" smtClean="0">
               <a:latin typeface="Times New Roman"/>
               <a:cs typeface="Times New Roman"/>
@@ -1058,7 +1002,14 @@
           </a:p>
           <a:p>
             <a:pPr algn="just"/>
-            <a:endParaRPr lang="en-US" sz="1000" baseline="0" noProof="0" smtClean="0">
+            <a:endParaRPr lang="en-US" sz="1000" baseline="0" noProof="0" dirty="0" smtClean="0">
+              <a:latin typeface="Times New Roman"/>
+              <a:cs typeface="Times New Roman"/>
+            </a:endParaRPr>
+          </a:p>
+          <a:p>
+            <a:pPr algn="just"/>
+            <a:endParaRPr lang="fr-FR" sz="1000" baseline="0" noProof="0" dirty="0" smtClean="0">
               <a:latin typeface="Times New Roman"/>
               <a:cs typeface="Times New Roman"/>
             </a:endParaRPr>
@@ -1138,534 +1089,6 @@
 </p:notes>
 </file>
 
-<file path=ppt/notesSlides/notesSlide12.xml><?xml version="1.0" encoding="utf-8"?>
-<p:notes xmlns:a="http://schemas.openxmlformats.org/drawingml/2006/main" xmlns:r="http://schemas.openxmlformats.org/officeDocument/2006/relationships" xmlns:mc="http://schemas.openxmlformats.org/markup-compatibility/2006" xmlns:mv="urn:schemas-microsoft-com:mac:vml" xmlns:p="http://schemas.openxmlformats.org/presentationml/2006/main" mc:Ignorable="mv" mc:PreserveAttributes="mv:*">
-  <p:cSld>
-    <p:spTree>
-      <p:nvGrpSpPr>
-        <p:cNvPr id="1" name=""/>
-        <p:cNvGrpSpPr/>
-        <p:nvPr/>
-      </p:nvGrpSpPr>
-      <p:grpSpPr>
-        <a:xfrm>
-          <a:off x="0" y="0"/>
-          <a:ext cx="0" cy="0"/>
-          <a:chOff x="0" y="0"/>
-          <a:chExt cx="0" cy="0"/>
-        </a:xfrm>
-      </p:grpSpPr>
-      <p:sp>
-        <p:nvSpPr>
-          <p:cNvPr id="2" name="Espace réservé de l'image des diapositives 1"/>
-          <p:cNvSpPr>
-            <a:spLocks noGrp="1" noRot="1" noChangeAspect="1"/>
-          </p:cNvSpPr>
-          <p:nvPr>
-            <p:ph type="sldImg"/>
-          </p:nvPr>
-        </p:nvSpPr>
-        <p:spPr/>
-      </p:sp>
-      <p:sp>
-        <p:nvSpPr>
-          <p:cNvPr id="3" name="Espace réservé des commentaires 2"/>
-          <p:cNvSpPr>
-            <a:spLocks noGrp="1"/>
-          </p:cNvSpPr>
-          <p:nvPr>
-            <p:ph type="body" idx="1"/>
-          </p:nvPr>
-        </p:nvSpPr>
-        <p:spPr/>
-        <p:txBody>
-          <a:bodyPr>
-            <a:normAutofit/>
-          </a:bodyPr>
-          <a:lstStyle/>
-          <a:p>
-            <a:endParaRPr lang="en-US" dirty="0"/>
-          </a:p>
-        </p:txBody>
-      </p:sp>
-    </p:spTree>
-  </p:cSld>
-  <p:clrMapOvr>
-    <a:masterClrMapping/>
-  </p:clrMapOvr>
-</p:notes>
-</file>
-
-<file path=ppt/notesSlides/notesSlide13.xml><?xml version="1.0" encoding="utf-8"?>
-<p:notes xmlns:a="http://schemas.openxmlformats.org/drawingml/2006/main" xmlns:r="http://schemas.openxmlformats.org/officeDocument/2006/relationships" xmlns:mc="http://schemas.openxmlformats.org/markup-compatibility/2006" xmlns:mv="urn:schemas-microsoft-com:mac:vml" xmlns:p="http://schemas.openxmlformats.org/presentationml/2006/main" mc:Ignorable="mv" mc:PreserveAttributes="mv:*">
-  <p:cSld>
-    <p:spTree>
-      <p:nvGrpSpPr>
-        <p:cNvPr id="1" name=""/>
-        <p:cNvGrpSpPr/>
-        <p:nvPr/>
-      </p:nvGrpSpPr>
-      <p:grpSpPr>
-        <a:xfrm>
-          <a:off x="0" y="0"/>
-          <a:ext cx="0" cy="0"/>
-          <a:chOff x="0" y="0"/>
-          <a:chExt cx="0" cy="0"/>
-        </a:xfrm>
-      </p:grpSpPr>
-      <p:sp>
-        <p:nvSpPr>
-          <p:cNvPr id="2" name="Espace réservé de l'image des diapositives 1"/>
-          <p:cNvSpPr>
-            <a:spLocks noGrp="1" noRot="1" noChangeAspect="1"/>
-          </p:cNvSpPr>
-          <p:nvPr>
-            <p:ph type="sldImg"/>
-          </p:nvPr>
-        </p:nvSpPr>
-        <p:spPr/>
-      </p:sp>
-      <p:sp>
-        <p:nvSpPr>
-          <p:cNvPr id="3" name="Espace réservé des commentaires 2"/>
-          <p:cNvSpPr>
-            <a:spLocks noGrp="1"/>
-          </p:cNvSpPr>
-          <p:nvPr>
-            <p:ph type="body" idx="1"/>
-          </p:nvPr>
-        </p:nvSpPr>
-        <p:spPr/>
-        <p:txBody>
-          <a:bodyPr>
-            <a:normAutofit/>
-          </a:bodyPr>
-          <a:lstStyle/>
-          <a:p>
-            <a:endParaRPr lang="fr-FR"/>
-          </a:p>
-        </p:txBody>
-      </p:sp>
-    </p:spTree>
-  </p:cSld>
-  <p:clrMapOvr>
-    <a:masterClrMapping/>
-  </p:clrMapOvr>
-</p:notes>
-</file>
-
-<file path=ppt/notesSlides/notesSlide14.xml><?xml version="1.0" encoding="utf-8"?>
-<p:notes xmlns:a="http://schemas.openxmlformats.org/drawingml/2006/main" xmlns:r="http://schemas.openxmlformats.org/officeDocument/2006/relationships" xmlns:mc="http://schemas.openxmlformats.org/markup-compatibility/2006" xmlns:mv="urn:schemas-microsoft-com:mac:vml" xmlns:p="http://schemas.openxmlformats.org/presentationml/2006/main" mc:Ignorable="mv" mc:PreserveAttributes="mv:*">
-  <p:cSld>
-    <p:spTree>
-      <p:nvGrpSpPr>
-        <p:cNvPr id="1" name=""/>
-        <p:cNvGrpSpPr/>
-        <p:nvPr/>
-      </p:nvGrpSpPr>
-      <p:grpSpPr>
-        <a:xfrm>
-          <a:off x="0" y="0"/>
-          <a:ext cx="0" cy="0"/>
-          <a:chOff x="0" y="0"/>
-          <a:chExt cx="0" cy="0"/>
-        </a:xfrm>
-      </p:grpSpPr>
-      <p:sp>
-        <p:nvSpPr>
-          <p:cNvPr id="2" name="Espace réservé de l'image des diapositives 1"/>
-          <p:cNvSpPr>
-            <a:spLocks noGrp="1" noRot="1" noChangeAspect="1"/>
-          </p:cNvSpPr>
-          <p:nvPr>
-            <p:ph type="sldImg"/>
-          </p:nvPr>
-        </p:nvSpPr>
-        <p:spPr>
-          <a:xfrm>
-            <a:off x="952500" y="685800"/>
-            <a:ext cx="4953000" cy="3429000"/>
-          </a:xfrm>
-        </p:spPr>
-      </p:sp>
-      <p:sp>
-        <p:nvSpPr>
-          <p:cNvPr id="3" name="Espace réservé des commentaires 2"/>
-          <p:cNvSpPr>
-            <a:spLocks noGrp="1"/>
-          </p:cNvSpPr>
-          <p:nvPr>
-            <p:ph type="body" idx="1"/>
-          </p:nvPr>
-        </p:nvSpPr>
-        <p:spPr/>
-        <p:txBody>
-          <a:bodyPr>
-            <a:normAutofit/>
-          </a:bodyPr>
-          <a:lstStyle/>
-          <a:p>
-            <a:r>
-              <a:rPr lang="en-US" sz="1200" u="none" noProof="0" dirty="0" smtClean="0">
-                <a:latin typeface="Times New Roman"/>
-                <a:cs typeface="Times New Roman"/>
-              </a:rPr>
-              <a:t>Our </a:t>
-            </a:r>
-            <a:r>
-              <a:rPr lang="en-US" sz="1200" u="none" noProof="0" dirty="0" err="1" smtClean="0">
-                <a:latin typeface="Times New Roman"/>
-                <a:cs typeface="Times New Roman"/>
-              </a:rPr>
-              <a:t>testbed</a:t>
-            </a:r>
-            <a:r>
-              <a:rPr lang="en-US" sz="1200" u="none" noProof="0" dirty="0" smtClean="0">
-                <a:latin typeface="Times New Roman"/>
-                <a:cs typeface="Times New Roman"/>
-              </a:rPr>
-              <a:t> is made of one or more </a:t>
-            </a:r>
-            <a:r>
-              <a:rPr lang="fr-FR" sz="1200" u="none" noProof="0" dirty="0" smtClean="0">
-                <a:latin typeface="Times New Roman"/>
-                <a:cs typeface="Times New Roman"/>
-              </a:rPr>
-              <a:t>NETCONF</a:t>
-            </a:r>
-            <a:r>
-              <a:rPr lang="en-US" sz="1200" u="none" noProof="0" dirty="0" smtClean="0">
-                <a:latin typeface="Times New Roman"/>
-                <a:cs typeface="Times New Roman"/>
-              </a:rPr>
-              <a:t> agent implementation provided by the ENSUITE</a:t>
-            </a:r>
-            <a:r>
-              <a:rPr lang="en-US" sz="1200" u="none" baseline="0" noProof="0" dirty="0" smtClean="0">
-                <a:latin typeface="Times New Roman"/>
-                <a:cs typeface="Times New Roman"/>
-              </a:rPr>
-              <a:t> framework. These agents run on wireless routers interconnected by a mesh network with an ad-hoc multi hop mode and allow the configuration of the OLSR protocol that maintains a consistent and </a:t>
-            </a:r>
-            <a:r>
-              <a:rPr lang="en-US" sz="1200" u="none" baseline="0" noProof="0" dirty="0" err="1" smtClean="0">
-                <a:latin typeface="Times New Roman"/>
-                <a:cs typeface="Times New Roman"/>
-              </a:rPr>
-              <a:t>evoluting</a:t>
-            </a:r>
-            <a:r>
-              <a:rPr lang="en-US" sz="1200" u="none" baseline="0" noProof="0" dirty="0" smtClean="0">
-                <a:latin typeface="Times New Roman"/>
-                <a:cs typeface="Times New Roman"/>
-              </a:rPr>
-              <a:t> routing plane. Each router has two wireless interfaces where one is dedicated to user sub-network access-point and the other to communicate with other routers of the mesh.</a:t>
-            </a:r>
-            <a:endParaRPr lang="en-US" sz="1200" u="none" noProof="0" dirty="0">
-              <a:latin typeface="Times New Roman"/>
-              <a:cs typeface="Times New Roman"/>
-            </a:endParaRPr>
-          </a:p>
-        </p:txBody>
-      </p:sp>
-    </p:spTree>
-  </p:cSld>
-  <p:clrMapOvr>
-    <a:masterClrMapping/>
-  </p:clrMapOvr>
-</p:notes>
-</file>
-
-<file path=ppt/notesSlides/notesSlide15.xml><?xml version="1.0" encoding="utf-8"?>
-<p:notes xmlns:a="http://schemas.openxmlformats.org/drawingml/2006/main" xmlns:r="http://schemas.openxmlformats.org/officeDocument/2006/relationships" xmlns:mc="http://schemas.openxmlformats.org/markup-compatibility/2006" xmlns:mv="urn:schemas-microsoft-com:mac:vml" xmlns:p="http://schemas.openxmlformats.org/presentationml/2006/main" mc:Ignorable="mv" mc:PreserveAttributes="mv:*">
-  <p:cSld>
-    <p:spTree>
-      <p:nvGrpSpPr>
-        <p:cNvPr id="1" name=""/>
-        <p:cNvGrpSpPr/>
-        <p:nvPr/>
-      </p:nvGrpSpPr>
-      <p:grpSpPr>
-        <a:xfrm>
-          <a:off x="0" y="0"/>
-          <a:ext cx="0" cy="0"/>
-          <a:chOff x="0" y="0"/>
-          <a:chExt cx="0" cy="0"/>
-        </a:xfrm>
-      </p:grpSpPr>
-      <p:sp>
-        <p:nvSpPr>
-          <p:cNvPr id="2" name="Espace réservé de l'image des diapositives 1"/>
-          <p:cNvSpPr>
-            <a:spLocks noGrp="1" noRot="1" noChangeAspect="1"/>
-          </p:cNvSpPr>
-          <p:nvPr>
-            <p:ph type="sldImg"/>
-          </p:nvPr>
-        </p:nvSpPr>
-        <p:spPr/>
-      </p:sp>
-      <p:sp>
-        <p:nvSpPr>
-          <p:cNvPr id="3" name="Espace réservé des commentaires 2"/>
-          <p:cNvSpPr>
-            <a:spLocks noGrp="1"/>
-          </p:cNvSpPr>
-          <p:nvPr>
-            <p:ph type="body" idx="1"/>
-          </p:nvPr>
-        </p:nvSpPr>
-        <p:spPr/>
-        <p:txBody>
-          <a:bodyPr>
-            <a:normAutofit/>
-          </a:bodyPr>
-          <a:lstStyle/>
-          <a:p>
-            <a:endParaRPr lang="fr-FR"/>
-          </a:p>
-        </p:txBody>
-      </p:sp>
-    </p:spTree>
-  </p:cSld>
-  <p:clrMapOvr>
-    <a:masterClrMapping/>
-  </p:clrMapOvr>
-</p:notes>
-</file>
-
-<file path=ppt/notesSlides/notesSlide16.xml><?xml version="1.0" encoding="utf-8"?>
-<p:notes xmlns:a="http://schemas.openxmlformats.org/drawingml/2006/main" xmlns:r="http://schemas.openxmlformats.org/officeDocument/2006/relationships" xmlns:mc="http://schemas.openxmlformats.org/markup-compatibility/2006" xmlns:mv="urn:schemas-microsoft-com:mac:vml" xmlns:p="http://schemas.openxmlformats.org/presentationml/2006/main" mc:Ignorable="mv" mc:PreserveAttributes="mv:*">
-  <p:cSld>
-    <p:spTree>
-      <p:nvGrpSpPr>
-        <p:cNvPr id="1" name=""/>
-        <p:cNvGrpSpPr/>
-        <p:nvPr/>
-      </p:nvGrpSpPr>
-      <p:grpSpPr>
-        <a:xfrm>
-          <a:off x="0" y="0"/>
-          <a:ext cx="0" cy="0"/>
-          <a:chOff x="0" y="0"/>
-          <a:chExt cx="0" cy="0"/>
-        </a:xfrm>
-      </p:grpSpPr>
-      <p:sp>
-        <p:nvSpPr>
-          <p:cNvPr id="2" name="Espace réservé de l'image des diapositives 1"/>
-          <p:cNvSpPr>
-            <a:spLocks noGrp="1" noRot="1" noChangeAspect="1"/>
-          </p:cNvSpPr>
-          <p:nvPr>
-            <p:ph type="sldImg"/>
-          </p:nvPr>
-        </p:nvSpPr>
-        <p:spPr/>
-      </p:sp>
-      <p:sp>
-        <p:nvSpPr>
-          <p:cNvPr id="3" name="Espace réservé des commentaires 2"/>
-          <p:cNvSpPr>
-            <a:spLocks noGrp="1"/>
-          </p:cNvSpPr>
-          <p:nvPr>
-            <p:ph type="body" idx="1"/>
-          </p:nvPr>
-        </p:nvSpPr>
-        <p:spPr/>
-        <p:txBody>
-          <a:bodyPr>
-            <a:normAutofit/>
-          </a:bodyPr>
-          <a:lstStyle/>
-          <a:p>
-            <a:endParaRPr lang="fr-FR"/>
-          </a:p>
-        </p:txBody>
-      </p:sp>
-    </p:spTree>
-  </p:cSld>
-  <p:clrMapOvr>
-    <a:masterClrMapping/>
-  </p:clrMapOvr>
-</p:notes>
-</file>
-
-<file path=ppt/notesSlides/notesSlide17.xml><?xml version="1.0" encoding="utf-8"?>
-<p:notes xmlns:a="http://schemas.openxmlformats.org/drawingml/2006/main" xmlns:r="http://schemas.openxmlformats.org/officeDocument/2006/relationships" xmlns:mc="http://schemas.openxmlformats.org/markup-compatibility/2006" xmlns:mv="urn:schemas-microsoft-com:mac:vml" xmlns:p="http://schemas.openxmlformats.org/presentationml/2006/main" mc:Ignorable="mv" mc:PreserveAttributes="mv:*">
-  <p:cSld>
-    <p:spTree>
-      <p:nvGrpSpPr>
-        <p:cNvPr id="1" name=""/>
-        <p:cNvGrpSpPr/>
-        <p:nvPr/>
-      </p:nvGrpSpPr>
-      <p:grpSpPr>
-        <a:xfrm>
-          <a:off x="0" y="0"/>
-          <a:ext cx="0" cy="0"/>
-          <a:chOff x="0" y="0"/>
-          <a:chExt cx="0" cy="0"/>
-        </a:xfrm>
-      </p:grpSpPr>
-      <p:sp>
-        <p:nvSpPr>
-          <p:cNvPr id="2" name="Espace réservé de l'image des diapositives 1"/>
-          <p:cNvSpPr>
-            <a:spLocks noGrp="1" noRot="1" noChangeAspect="1"/>
-          </p:cNvSpPr>
-          <p:nvPr>
-            <p:ph type="sldImg"/>
-          </p:nvPr>
-        </p:nvSpPr>
-        <p:spPr/>
-      </p:sp>
-      <p:sp>
-        <p:nvSpPr>
-          <p:cNvPr id="3" name="Espace réservé des commentaires 2"/>
-          <p:cNvSpPr>
-            <a:spLocks noGrp="1"/>
-          </p:cNvSpPr>
-          <p:nvPr>
-            <p:ph type="body" idx="1"/>
-          </p:nvPr>
-        </p:nvSpPr>
-        <p:spPr/>
-        <p:txBody>
-          <a:bodyPr>
-            <a:normAutofit/>
-          </a:bodyPr>
-          <a:lstStyle/>
-          <a:p>
-            <a:endParaRPr lang="fr-FR"/>
-          </a:p>
-        </p:txBody>
-      </p:sp>
-    </p:spTree>
-  </p:cSld>
-  <p:clrMapOvr>
-    <a:masterClrMapping/>
-  </p:clrMapOvr>
-</p:notes>
-</file>
-
-<file path=ppt/notesSlides/notesSlide18.xml><?xml version="1.0" encoding="utf-8"?>
-<p:notes xmlns:a="http://schemas.openxmlformats.org/drawingml/2006/main" xmlns:r="http://schemas.openxmlformats.org/officeDocument/2006/relationships" xmlns:mc="http://schemas.openxmlformats.org/markup-compatibility/2006" xmlns:mv="urn:schemas-microsoft-com:mac:vml" xmlns:p="http://schemas.openxmlformats.org/presentationml/2006/main" mc:Ignorable="mv" mc:PreserveAttributes="mv:*">
-  <p:cSld>
-    <p:spTree>
-      <p:nvGrpSpPr>
-        <p:cNvPr id="1" name=""/>
-        <p:cNvGrpSpPr/>
-        <p:nvPr/>
-      </p:nvGrpSpPr>
-      <p:grpSpPr>
-        <a:xfrm>
-          <a:off x="0" y="0"/>
-          <a:ext cx="0" cy="0"/>
-          <a:chOff x="0" y="0"/>
-          <a:chExt cx="0" cy="0"/>
-        </a:xfrm>
-      </p:grpSpPr>
-      <p:sp>
-        <p:nvSpPr>
-          <p:cNvPr id="2" name="Espace réservé de l'image des diapositives 1"/>
-          <p:cNvSpPr>
-            <a:spLocks noGrp="1" noRot="1" noChangeAspect="1"/>
-          </p:cNvSpPr>
-          <p:nvPr>
-            <p:ph type="sldImg"/>
-          </p:nvPr>
-        </p:nvSpPr>
-        <p:spPr/>
-      </p:sp>
-      <p:sp>
-        <p:nvSpPr>
-          <p:cNvPr id="3" name="Espace réservé des commentaires 2"/>
-          <p:cNvSpPr>
-            <a:spLocks noGrp="1"/>
-          </p:cNvSpPr>
-          <p:nvPr>
-            <p:ph type="body" idx="1"/>
-          </p:nvPr>
-        </p:nvSpPr>
-        <p:spPr/>
-        <p:txBody>
-          <a:bodyPr>
-            <a:normAutofit/>
-          </a:bodyPr>
-          <a:lstStyle/>
-          <a:p>
-            <a:endParaRPr lang="fr-FR"/>
-          </a:p>
-        </p:txBody>
-      </p:sp>
-    </p:spTree>
-  </p:cSld>
-  <p:clrMapOvr>
-    <a:masterClrMapping/>
-  </p:clrMapOvr>
-</p:notes>
-</file>
-
-<file path=ppt/notesSlides/notesSlide19.xml><?xml version="1.0" encoding="utf-8"?>
-<p:notes xmlns:a="http://schemas.openxmlformats.org/drawingml/2006/main" xmlns:r="http://schemas.openxmlformats.org/officeDocument/2006/relationships" xmlns:mc="http://schemas.openxmlformats.org/markup-compatibility/2006" xmlns:mv="urn:schemas-microsoft-com:mac:vml" xmlns:p="http://schemas.openxmlformats.org/presentationml/2006/main" mc:Ignorable="mv" mc:PreserveAttributes="mv:*">
-  <p:cSld>
-    <p:spTree>
-      <p:nvGrpSpPr>
-        <p:cNvPr id="1" name=""/>
-        <p:cNvGrpSpPr/>
-        <p:nvPr/>
-      </p:nvGrpSpPr>
-      <p:grpSpPr>
-        <a:xfrm>
-          <a:off x="0" y="0"/>
-          <a:ext cx="0" cy="0"/>
-          <a:chOff x="0" y="0"/>
-          <a:chExt cx="0" cy="0"/>
-        </a:xfrm>
-      </p:grpSpPr>
-      <p:sp>
-        <p:nvSpPr>
-          <p:cNvPr id="2" name="Espace réservé de l'image des diapositives 1"/>
-          <p:cNvSpPr>
-            <a:spLocks noGrp="1" noRot="1" noChangeAspect="1"/>
-          </p:cNvSpPr>
-          <p:nvPr>
-            <p:ph type="sldImg"/>
-          </p:nvPr>
-        </p:nvSpPr>
-        <p:spPr/>
-      </p:sp>
-      <p:sp>
-        <p:nvSpPr>
-          <p:cNvPr id="3" name="Espace réservé des commentaires 2"/>
-          <p:cNvSpPr>
-            <a:spLocks noGrp="1"/>
-          </p:cNvSpPr>
-          <p:nvPr>
-            <p:ph type="body" idx="1"/>
-          </p:nvPr>
-        </p:nvSpPr>
-        <p:spPr/>
-        <p:txBody>
-          <a:bodyPr>
-            <a:normAutofit/>
-          </a:bodyPr>
-          <a:lstStyle/>
-          <a:p>
-            <a:endParaRPr lang="fr-FR"/>
-          </a:p>
-        </p:txBody>
-      </p:sp>
-    </p:spTree>
-  </p:cSld>
-  <p:clrMapOvr>
-    <a:masterClrMapping/>
-  </p:clrMapOvr>
-</p:notes>
-</file>
-
 <file path=ppt/notesSlides/notesSlide2.xml><?xml version="1.0" encoding="utf-8"?>
 <p:notes xmlns:a="http://schemas.openxmlformats.org/drawingml/2006/main" xmlns:r="http://schemas.openxmlformats.org/officeDocument/2006/relationships" xmlns:mc="http://schemas.openxmlformats.org/markup-compatibility/2006" xmlns:mv="urn:schemas-microsoft-com:mac:vml" xmlns:p="http://schemas.openxmlformats.org/presentationml/2006/main" mc:Ignorable="mv" mc:PreserveAttributes="mv:*">
   <p:cSld>
@@ -1909,33 +1332,8 @@
                 <a:latin typeface="Times New Roman"/>
                 <a:cs typeface="Times New Roman"/>
               </a:rPr>
-              <a:t> working group. YANG can be compared to SMI [3] in the SNMP [4] framework because it is a data modeling language where data values are distributed and accessible through a protocol. In the same way, a YANG specification is a reference document used </a:t>
-            </a:r>
-            <a:r>
-              <a:rPr lang="en-US" sz="1000" baseline="0" noProof="0" smtClean="0">
-                <a:latin typeface="Times New Roman"/>
-                <a:cs typeface="Times New Roman"/>
-              </a:rPr>
-              <a:t>by device vendors </a:t>
-            </a:r>
-            <a:r>
-              <a:rPr lang="en-US" sz="1000" baseline="0" noProof="0" dirty="0" smtClean="0">
-                <a:latin typeface="Times New Roman"/>
-                <a:cs typeface="Times New Roman"/>
-              </a:rPr>
-              <a:t>and </a:t>
-            </a:r>
-            <a:r>
-              <a:rPr lang="en-US" sz="1000" baseline="0" noProof="0" smtClean="0">
-                <a:latin typeface="Times New Roman"/>
-                <a:cs typeface="Times New Roman"/>
-              </a:rPr>
-              <a:t>application developers. </a:t>
-            </a:r>
-            <a:endParaRPr lang="en-US" sz="1000" baseline="0" noProof="0" dirty="0" smtClean="0">
-              <a:latin typeface="Times New Roman"/>
-              <a:cs typeface="Times New Roman"/>
-            </a:endParaRPr>
+              <a:t> working group. YANG can be compared to SMI [3] in the SNMP [4] framework because it is a data modeling language where data values are distributed and accessible through a protocol. In the same way, a YANG specification is a reference document used by device vendors and application developers. </a:t>
+            </a:r>
           </a:p>
           <a:p>
             <a:pPr marL="0" marR="0" indent="0" algn="just" defTabSz="457200" rtl="0" eaLnBrk="1" fontAlgn="auto" latinLnBrk="0" hangingPunct="1">
@@ -2020,325 +1418,6 @@
               <a:latin typeface="Times New Roman"/>
               <a:cs typeface="Times New Roman"/>
             </a:endParaRPr>
-          </a:p>
-        </p:txBody>
-      </p:sp>
-    </p:spTree>
-  </p:cSld>
-  <p:clrMapOvr>
-    <a:masterClrMapping/>
-  </p:clrMapOvr>
-</p:notes>
-</file>
-
-<file path=ppt/notesSlides/notesSlide20.xml><?xml version="1.0" encoding="utf-8"?>
-<p:notes xmlns:a="http://schemas.openxmlformats.org/drawingml/2006/main" xmlns:r="http://schemas.openxmlformats.org/officeDocument/2006/relationships" xmlns:mc="http://schemas.openxmlformats.org/markup-compatibility/2006" xmlns:mv="urn:schemas-microsoft-com:mac:vml" xmlns:p="http://schemas.openxmlformats.org/presentationml/2006/main" mc:Ignorable="mv" mc:PreserveAttributes="mv:*">
-  <p:cSld>
-    <p:spTree>
-      <p:nvGrpSpPr>
-        <p:cNvPr id="1" name=""/>
-        <p:cNvGrpSpPr/>
-        <p:nvPr/>
-      </p:nvGrpSpPr>
-      <p:grpSpPr>
-        <a:xfrm>
-          <a:off x="0" y="0"/>
-          <a:ext cx="0" cy="0"/>
-          <a:chOff x="0" y="0"/>
-          <a:chExt cx="0" cy="0"/>
-        </a:xfrm>
-      </p:grpSpPr>
-      <p:sp>
-        <p:nvSpPr>
-          <p:cNvPr id="2" name="Espace réservé de l'image des diapositives 1"/>
-          <p:cNvSpPr>
-            <a:spLocks noGrp="1" noRot="1" noChangeAspect="1"/>
-          </p:cNvSpPr>
-          <p:nvPr>
-            <p:ph type="sldImg"/>
-          </p:nvPr>
-        </p:nvSpPr>
-        <p:spPr/>
-      </p:sp>
-      <p:sp>
-        <p:nvSpPr>
-          <p:cNvPr id="3" name="Espace réservé des commentaires 2"/>
-          <p:cNvSpPr>
-            <a:spLocks noGrp="1"/>
-          </p:cNvSpPr>
-          <p:nvPr>
-            <p:ph type="body" idx="1"/>
-          </p:nvPr>
-        </p:nvSpPr>
-        <p:spPr/>
-        <p:txBody>
-          <a:bodyPr>
-            <a:normAutofit/>
-          </a:bodyPr>
-          <a:lstStyle/>
-          <a:p>
-            <a:endParaRPr lang="fr-FR"/>
-          </a:p>
-        </p:txBody>
-      </p:sp>
-    </p:spTree>
-  </p:cSld>
-  <p:clrMapOvr>
-    <a:masterClrMapping/>
-  </p:clrMapOvr>
-</p:notes>
-</file>
-
-<file path=ppt/notesSlides/notesSlide21.xml><?xml version="1.0" encoding="utf-8"?>
-<p:notes xmlns:a="http://schemas.openxmlformats.org/drawingml/2006/main" xmlns:r="http://schemas.openxmlformats.org/officeDocument/2006/relationships" xmlns:mc="http://schemas.openxmlformats.org/markup-compatibility/2006" xmlns:mv="urn:schemas-microsoft-com:mac:vml" xmlns:p="http://schemas.openxmlformats.org/presentationml/2006/main" mc:Ignorable="mv" mc:PreserveAttributes="mv:*">
-  <p:cSld>
-    <p:spTree>
-      <p:nvGrpSpPr>
-        <p:cNvPr id="1" name=""/>
-        <p:cNvGrpSpPr/>
-        <p:nvPr/>
-      </p:nvGrpSpPr>
-      <p:grpSpPr>
-        <a:xfrm>
-          <a:off x="0" y="0"/>
-          <a:ext cx="0" cy="0"/>
-          <a:chOff x="0" y="0"/>
-          <a:chExt cx="0" cy="0"/>
-        </a:xfrm>
-      </p:grpSpPr>
-      <p:sp>
-        <p:nvSpPr>
-          <p:cNvPr id="2" name="Espace réservé de l'image des diapositives 1"/>
-          <p:cNvSpPr>
-            <a:spLocks noGrp="1" noRot="1" noChangeAspect="1"/>
-          </p:cNvSpPr>
-          <p:nvPr>
-            <p:ph type="sldImg"/>
-          </p:nvPr>
-        </p:nvSpPr>
-        <p:spPr/>
-      </p:sp>
-      <p:sp>
-        <p:nvSpPr>
-          <p:cNvPr id="3" name="Espace réservé des commentaires 2"/>
-          <p:cNvSpPr>
-            <a:spLocks noGrp="1"/>
-          </p:cNvSpPr>
-          <p:nvPr>
-            <p:ph type="body" idx="1"/>
-          </p:nvPr>
-        </p:nvSpPr>
-        <p:spPr/>
-        <p:txBody>
-          <a:bodyPr>
-            <a:normAutofit fontScale="85000" lnSpcReduction="20000"/>
-          </a:bodyPr>
-          <a:lstStyle/>
-          <a:p>
-            <a:pPr algn="just"/>
-            <a:r>
-              <a:rPr lang="en-US" sz="1200" noProof="0" dirty="0" smtClean="0">
-                <a:latin typeface="Times New Roman"/>
-                <a:cs typeface="Times New Roman"/>
-              </a:rPr>
-              <a:t>Configuration</a:t>
-            </a:r>
-            <a:r>
-              <a:rPr lang="en-US" sz="1200" baseline="0" noProof="0" dirty="0" smtClean="0">
-                <a:latin typeface="Times New Roman"/>
-                <a:cs typeface="Times New Roman"/>
-              </a:rPr>
-              <a:t> management we propose is made of one set of network devices and one station (the configuration manager) hosting configuration related applications. Each device has an embedded </a:t>
-            </a:r>
-            <a:r>
-              <a:rPr lang="fr-FR" sz="1200" baseline="0" noProof="0" dirty="0" smtClean="0">
-                <a:latin typeface="Times New Roman"/>
-                <a:cs typeface="Times New Roman"/>
-              </a:rPr>
-              <a:t>NETCONF</a:t>
-            </a:r>
-            <a:r>
-              <a:rPr lang="en-US" sz="1200" baseline="0" noProof="0" dirty="0" smtClean="0">
-                <a:latin typeface="Times New Roman"/>
-                <a:cs typeface="Times New Roman"/>
-              </a:rPr>
-              <a:t> agent that can be requested by the configuration manager station. Data exchanged are XML formatted configuration (and eventually state) information that are different for each device. Because different devices as router and server have nothing common so data are different. As two same devices should have same data types but different values. So there is a need for each device to exhibit which data can be used to manage its configuration and there is a need too for configuration manager application to know what could be requested from each device.</a:t>
-            </a:r>
-          </a:p>
-          <a:p>
-            <a:pPr algn="just"/>
-            <a:endParaRPr lang="en-US" sz="1200" baseline="0" noProof="0" dirty="0" smtClean="0">
-              <a:latin typeface="Times New Roman"/>
-              <a:cs typeface="Times New Roman"/>
-            </a:endParaRPr>
-          </a:p>
-          <a:p>
-            <a:pPr algn="just"/>
-            <a:r>
-              <a:rPr lang="en-US" sz="1200" noProof="0" dirty="0" smtClean="0">
-                <a:latin typeface="Times New Roman"/>
-                <a:cs typeface="Times New Roman"/>
-              </a:rPr>
-              <a:t>The YANG modeling language is the</a:t>
-            </a:r>
-            <a:r>
-              <a:rPr lang="en-US" sz="1200" baseline="0" noProof="0" dirty="0" smtClean="0">
-                <a:latin typeface="Times New Roman"/>
-                <a:cs typeface="Times New Roman"/>
-              </a:rPr>
-              <a:t> information model proposed by the </a:t>
-            </a:r>
-            <a:r>
-              <a:rPr lang="en-US" sz="1200" baseline="0" noProof="0" dirty="0" err="1" smtClean="0">
-                <a:latin typeface="Times New Roman"/>
-                <a:cs typeface="Times New Roman"/>
-              </a:rPr>
-              <a:t>ietf</a:t>
-            </a:r>
-            <a:r>
-              <a:rPr lang="en-US" sz="1200" baseline="0" noProof="0" dirty="0" smtClean="0">
-                <a:latin typeface="Times New Roman"/>
-                <a:cs typeface="Times New Roman"/>
-              </a:rPr>
-              <a:t> working group on network configuration (</a:t>
-            </a:r>
-            <a:r>
-              <a:rPr lang="en-US" sz="1200" baseline="0" noProof="0" dirty="0" err="1" smtClean="0">
-                <a:latin typeface="Times New Roman"/>
-                <a:cs typeface="Times New Roman"/>
-              </a:rPr>
-              <a:t>netmod</a:t>
-            </a:r>
-            <a:r>
-              <a:rPr lang="en-US" sz="1200" baseline="0" noProof="0" dirty="0" smtClean="0">
-                <a:latin typeface="Times New Roman"/>
-                <a:cs typeface="Times New Roman"/>
-              </a:rPr>
-              <a:t>). This language will allows equipments vendor to formally express their information model, as it is done for network management by SNMP and its SMI data model. But an important difference for us between SMI and YANG is the former is a data model and not an information model. YANG is more abstract and have more complex structures than the hierarchical description of scalars and tables in SMI. Moreover SMI data models contain protocol information that are useful to request data (the SNMP </a:t>
-            </a:r>
-            <a:r>
-              <a:rPr lang="en-US" sz="1200" baseline="0" noProof="0" dirty="0" err="1" smtClean="0">
-                <a:latin typeface="Times New Roman"/>
-                <a:cs typeface="Times New Roman"/>
-              </a:rPr>
-              <a:t>oid</a:t>
-            </a:r>
-            <a:r>
-              <a:rPr lang="en-US" sz="1200" baseline="0" noProof="0" dirty="0" smtClean="0">
-                <a:latin typeface="Times New Roman"/>
-                <a:cs typeface="Times New Roman"/>
-              </a:rPr>
-              <a:t>) that have permitted the development of a full of generic SNMP manager providing an SMI view of network management  information.</a:t>
-            </a:r>
-          </a:p>
-          <a:p>
-            <a:pPr algn="just"/>
-            <a:endParaRPr lang="en-US" sz="1200" baseline="0" noProof="0" dirty="0" smtClean="0">
-              <a:latin typeface="Times New Roman"/>
-              <a:cs typeface="Times New Roman"/>
-            </a:endParaRPr>
-          </a:p>
-          <a:p>
-            <a:pPr algn="just"/>
-            <a:r>
-              <a:rPr lang="en-US" sz="1200" baseline="0" noProof="0" dirty="0" smtClean="0">
-                <a:latin typeface="Times New Roman"/>
-                <a:cs typeface="Times New Roman"/>
-              </a:rPr>
-              <a:t>The goal of this paper is to show a way to use YANG information model in the same fashion as the SMI could be. We propose a generic configuration manager that will understand YANG specification and provide a YANG view of configuration data maintained inside </a:t>
-            </a:r>
-            <a:r>
-              <a:rPr lang="fr-FR" sz="1200" baseline="0" noProof="0" dirty="0" smtClean="0">
-                <a:latin typeface="Times New Roman"/>
-                <a:cs typeface="Times New Roman"/>
-              </a:rPr>
-              <a:t>NETCONF</a:t>
-            </a:r>
-            <a:r>
-              <a:rPr lang="en-US" sz="1200" baseline="0" noProof="0" dirty="0" smtClean="0">
-                <a:latin typeface="Times New Roman"/>
-                <a:cs typeface="Times New Roman"/>
-              </a:rPr>
-              <a:t> agents. The language is currently in the draft state but sufficiently advanced to allow us a realistic use of it that will show possibilities and limits of such use of YANG.</a:t>
-            </a:r>
-          </a:p>
-          <a:p>
-            <a:pPr algn="just"/>
-            <a:endParaRPr lang="en-US" sz="1200" baseline="0" noProof="0" dirty="0" smtClean="0">
-              <a:latin typeface="Times New Roman"/>
-              <a:cs typeface="Times New Roman"/>
-            </a:endParaRPr>
-          </a:p>
-          <a:p>
-            <a:pPr algn="just"/>
-            <a:endParaRPr lang="en-US" sz="1200" baseline="0" noProof="0" dirty="0" smtClean="0">
-              <a:latin typeface="Times New Roman"/>
-              <a:cs typeface="Times New Roman"/>
-            </a:endParaRPr>
-          </a:p>
-          <a:p>
-            <a:pPr marL="0" marR="0" indent="0" algn="just" defTabSz="457200" rtl="0" eaLnBrk="1" fontAlgn="auto" latinLnBrk="0" hangingPunct="1">
-              <a:lnSpc>
-                <a:spcPct val="100000"/>
-              </a:lnSpc>
-              <a:spcBef>
-                <a:spcPts val="0"/>
-              </a:spcBef>
-              <a:spcAft>
-                <a:spcPts val="0"/>
-              </a:spcAft>
-              <a:buClrTx/>
-              <a:buSzTx/>
-              <a:buFontTx/>
-              <a:buNone/>
-              <a:tabLst/>
-              <a:defRPr/>
-            </a:pPr>
-            <a:r>
-              <a:rPr lang="fr-FR" sz="1200" dirty="0" smtClean="0">
-                <a:latin typeface="Times New Roman"/>
-                <a:cs typeface="Times New Roman"/>
-              </a:rPr>
-              <a:t>NETCONF</a:t>
-            </a:r>
-            <a:r>
-              <a:rPr lang="en-US" sz="1200" dirty="0" smtClean="0">
-                <a:latin typeface="Times New Roman"/>
-                <a:cs typeface="Times New Roman"/>
-              </a:rPr>
-              <a:t> data</a:t>
-            </a:r>
-            <a:r>
-              <a:rPr lang="en-US" sz="1200" baseline="0" dirty="0" smtClean="0">
-                <a:latin typeface="Times New Roman"/>
-                <a:cs typeface="Times New Roman"/>
-              </a:rPr>
-              <a:t> exchanged between a device and a configuration application are XML documents and it is the responsibility of the agent or the manager to send well formed document. Such schema could be the mean to formally express which configuration data could be exchanged but indeed are not human friendly readable and so limits the understanding of complex data structure. For example a typical network configuration data (but also a network management)  is a list (or a table) of the set of network interfaces a network device contains. XML example for such data is given on the </a:t>
-            </a:r>
-            <a:r>
-              <a:rPr lang="fr-FR" sz="1200" baseline="0" dirty="0" smtClean="0">
-                <a:latin typeface="Times New Roman"/>
-                <a:cs typeface="Times New Roman"/>
-              </a:rPr>
-              <a:t>slide</a:t>
-            </a:r>
-            <a:r>
-              <a:rPr lang="en-US" sz="1200" baseline="0" dirty="0" smtClean="0">
-                <a:latin typeface="Times New Roman"/>
-                <a:cs typeface="Times New Roman"/>
-              </a:rPr>
-              <a:t>. </a:t>
-            </a:r>
-          </a:p>
-          <a:p>
-            <a:pPr algn="just"/>
-            <a:endParaRPr lang="en-US" sz="1200" noProof="0" dirty="0" smtClean="0">
-              <a:latin typeface="Times New Roman"/>
-              <a:cs typeface="Times New Roman"/>
-            </a:endParaRPr>
-          </a:p>
-          <a:p>
-            <a:endParaRPr lang="en-US" dirty="0"/>
           </a:p>
         </p:txBody>
       </p:sp>
@@ -3177,25 +2256,18 @@
           <a:p>
             <a:pPr algn="just"/>
             <a:r>
-              <a:rPr lang="en-US" sz="1000" dirty="0" err="1" smtClean="0">
+              <a:rPr lang="en-US" sz="1000" baseline="0" dirty="0" err="1" smtClean="0">
                 <a:latin typeface="Times New Roman"/>
                 <a:cs typeface="Times New Roman"/>
               </a:rPr>
               <a:t>YencaP</a:t>
             </a:r>
             <a:r>
-              <a:rPr lang="en-US" sz="1000" dirty="0" smtClean="0">
-                <a:latin typeface="Times New Roman"/>
-                <a:cs typeface="Times New Roman"/>
-              </a:rPr>
-              <a:t> [8]</a:t>
-            </a:r>
-            <a:r>
               <a:rPr lang="en-US" sz="1000" baseline="0" dirty="0" smtClean="0">
                 <a:latin typeface="Times New Roman"/>
                 <a:cs typeface="Times New Roman"/>
               </a:rPr>
-              <a:t> is an open source implementation of the </a:t>
+              <a:t> [8] is an open source implementation of the </a:t>
             </a:r>
             <a:r>
               <a:rPr lang="fr-FR" sz="1000" baseline="0" dirty="0" smtClean="0">
@@ -3330,22 +2402,22 @@
               <a:t> </a:t>
             </a:r>
             <a:r>
-              <a:rPr lang="en-US" sz="1200" kern="1200" baseline="0" noProof="0" dirty="0" smtClean="0">
+              <a:rPr lang="en-US" sz="1000" kern="1200" baseline="0" noProof="0" dirty="0" smtClean="0">
                 <a:solidFill>
                   <a:schemeClr val="tx1"/>
                 </a:solidFill>
-                <a:latin typeface="+mn-lt"/>
+                <a:latin typeface="Times New Roman"/>
                 <a:ea typeface="+mn-ea"/>
                 <a:cs typeface="+mn-cs"/>
               </a:rPr>
               <a:t>Although </a:t>
             </a:r>
             <a:r>
-              <a:rPr lang="fr-FR" sz="1200" kern="1200" baseline="0" dirty="0" smtClean="0">
+              <a:rPr lang="fr-FR" sz="1000" kern="1200" baseline="0" dirty="0" smtClean="0">
                 <a:solidFill>
                   <a:schemeClr val="tx1"/>
                 </a:solidFill>
-                <a:latin typeface="+mn-lt"/>
+                <a:latin typeface="Times New Roman"/>
                 <a:ea typeface="+mn-ea"/>
                 <a:cs typeface="+mn-cs"/>
               </a:rPr>
@@ -3363,7 +2435,21 @@
                 <a:latin typeface="Times New Roman"/>
                 <a:cs typeface="Times New Roman"/>
               </a:rPr>
-              <a:t> was written before YANG, the module concept of the former fits well with the YANG one.  For each module, the configuration file contains some directives as for the interface module in the part 2 of the figure. The location of data module in the Data Store by giving a path (an </a:t>
+              <a:t> was written before YANG, the module concept of the former fits well with the YANG one.  For each module, the configuration file contains some directives as for the interface module in the part 2 of the figure. The location of data module in the Data </a:t>
+            </a:r>
+            <a:r>
+              <a:rPr lang="en-US" sz="1000" baseline="0" dirty="0" smtClean="0">
+                <a:latin typeface="Times New Roman"/>
+                <a:cs typeface="Times New Roman"/>
+              </a:rPr>
+              <a:t>Store is made </a:t>
+            </a:r>
+            <a:r>
+              <a:rPr lang="en-US" sz="1000" baseline="0" dirty="0" smtClean="0">
+                <a:latin typeface="Times New Roman"/>
+                <a:cs typeface="Times New Roman"/>
+              </a:rPr>
+              <a:t>by giving a path (an </a:t>
             </a:r>
             <a:r>
               <a:rPr lang="en-US" sz="1000" baseline="0" dirty="0" err="1" smtClean="0">
@@ -3504,7 +2590,7 @@
               </a:rPr>
               <a:t>) and the other parts are managed by the modules (black sub trees). This enables modularity of the server without increasing the complexity of the Data Store Manager.</a:t>
             </a:r>
-            <a:endParaRPr lang="en-US" sz="1000" dirty="0">
+            <a:endParaRPr lang="en-US" sz="1000" baseline="0" dirty="0">
               <a:latin typeface="Times New Roman"/>
               <a:cs typeface="Times New Roman"/>
             </a:endParaRPr>
@@ -3658,7 +2744,21 @@
                 <a:latin typeface="Times New Roman"/>
                 <a:cs typeface="Times New Roman"/>
               </a:rPr>
-              <a:t> Manager when a user opens an HTTPS session.  There is a one to one mapping between HTTPS and </a:t>
+              <a:t> Manager when </a:t>
+            </a:r>
+            <a:r>
+              <a:rPr lang="en-US" sz="1000" baseline="0" noProof="0" dirty="0" smtClean="0">
+                <a:latin typeface="Times New Roman"/>
+                <a:cs typeface="Times New Roman"/>
+              </a:rPr>
+              <a:t>a </a:t>
+            </a:r>
+            <a:r>
+              <a:rPr lang="en-US" sz="1000" baseline="0" noProof="0" dirty="0" smtClean="0">
+                <a:latin typeface="Times New Roman"/>
+                <a:cs typeface="Times New Roman"/>
+              </a:rPr>
+              <a:t>user opens an HTTPS session.  There is a one to one mapping between HTTPS and </a:t>
             </a:r>
             <a:r>
               <a:rPr lang="fr-FR" sz="1000" baseline="0" noProof="0" dirty="0" smtClean="0">
@@ -4000,7 +3100,21 @@
                 <a:latin typeface="Times New Roman"/>
                 <a:cs typeface="Times New Roman"/>
               </a:rPr>
-              <a:t>When selecting a node, the lower part of the applet shows details of its YANG specification, as the type of a leaf and constraints such as default value or range intervals. A leaf type is always at least of a built-in type (string, int8,…) and can be refined by other types with added constraints. It can also use an existing type (e.g. </a:t>
+              <a:t>When selecting a node, the lower part of the applet shows details of its YANG specification,</a:t>
+            </a:r>
+            <a:r>
+              <a:rPr lang="en-US" sz="1000" baseline="0" dirty="0" smtClean="0">
+                <a:latin typeface="Times New Roman"/>
+                <a:cs typeface="Times New Roman"/>
+              </a:rPr>
+              <a:t> such as </a:t>
+            </a:r>
+            <a:r>
+              <a:rPr lang="en-US" sz="1000" baseline="0" dirty="0" smtClean="0">
+                <a:latin typeface="Times New Roman"/>
+                <a:cs typeface="Times New Roman"/>
+              </a:rPr>
+              <a:t>the type of a leaf and constraints such as default value or range intervals. A leaf type is always at least of a built-in type (string, int8,…) and can be refined by other types with added constraints. It can also use an existing type (e.g. </a:t>
             </a:r>
             <a:r>
               <a:rPr lang="en-US" sz="1000" baseline="0" dirty="0" err="1" smtClean="0">
@@ -4014,7 +3128,14 @@
                 <a:latin typeface="Times New Roman"/>
                 <a:cs typeface="Times New Roman"/>
               </a:rPr>
-              <a:t>-address). </a:t>
+              <a:t>-address).</a:t>
+            </a:r>
+            <a:r>
+              <a:rPr lang="en-US" sz="1000" baseline="0" dirty="0" smtClean="0">
+                <a:latin typeface="Times New Roman"/>
+                <a:cs typeface="Times New Roman"/>
+              </a:rPr>
+              <a:t> The interface allows the user to see either the refined or the built-in type of data.</a:t>
             </a:r>
           </a:p>
           <a:p>
@@ -4869,28 +3990,7 @@
                 <a:latin typeface="Times New Roman"/>
                 <a:cs typeface="Times New Roman"/>
               </a:rPr>
-              <a:t> a </a:t>
-            </a:r>
-            <a:r>
-              <a:rPr lang="en-US" sz="1000" baseline="0" noProof="0" dirty="0" err="1" smtClean="0">
-                <a:latin typeface="Times New Roman"/>
-                <a:cs typeface="Times New Roman"/>
-              </a:rPr>
-              <a:t>litt</a:t>
-            </a:r>
-            <a:r>
-              <a:rPr lang="fr-FR" sz="1000" baseline="0" noProof="0" dirty="0" smtClean="0">
-                <a:latin typeface="Times New Roman"/>
-                <a:cs typeface="Times New Roman"/>
-              </a:rPr>
-              <a:t>le</a:t>
-            </a:r>
-            <a:r>
-              <a:rPr lang="en-US" sz="1000" baseline="0" noProof="0" dirty="0" smtClean="0">
-                <a:latin typeface="Times New Roman"/>
-                <a:cs typeface="Times New Roman"/>
-              </a:rPr>
-              <a:t> star is on the “login” leaf because it is the key of the list and so its value must be set. </a:t>
+              <a:t> a little star is on the “login” leaf because it is the key of the list and so its value must be set. </a:t>
             </a:r>
           </a:p>
           <a:p>
@@ -8258,29 +7358,6 @@
               <a:rPr lang="fr-FR" dirty="0" err="1" smtClean="0"/>
               <a:t>constraints</a:t>
             </a:r>
-            <a:endParaRPr lang="fr-FR" dirty="0" smtClean="0"/>
-          </a:p>
-          <a:p>
-            <a:pPr lvl="1"/>
-            <a:r>
-              <a:rPr lang="fr-FR" dirty="0" err="1" smtClean="0"/>
-              <a:t>YencaP</a:t>
-            </a:r>
-            <a:r>
-              <a:rPr lang="fr-FR" dirty="0" smtClean="0"/>
-              <a:t> : configuration self check</a:t>
-            </a:r>
-          </a:p>
-          <a:p>
-            <a:pPr lvl="1"/>
-            <a:r>
-              <a:rPr lang="fr-FR" dirty="0" err="1" smtClean="0"/>
-              <a:t>YencaP</a:t>
-            </a:r>
-            <a:r>
-              <a:rPr lang="fr-FR" dirty="0" smtClean="0"/>
-              <a:t> Manager : user input control</a:t>
-            </a:r>
             <a:endParaRPr lang="fr-FR" dirty="0"/>
           </a:p>
         </p:txBody>
@@ -8972,6439 +8049,6 @@
               <a:rPr lang="fr-FR" smtClean="0"/>
               <a:pPr/>
               <a:t>11</a:t>
-            </a:fld>
-            <a:endParaRPr lang="fr-FR"/>
-          </a:p>
-        </p:txBody>
-      </p:sp>
-    </p:spTree>
-  </p:cSld>
-  <p:clrMapOvr>
-    <a:masterClrMapping/>
-  </p:clrMapOvr>
-</p:sld>
-</file>
-
-<file path=ppt/slides/slide12.xml><?xml version="1.0" encoding="utf-8"?>
-<p:sld xmlns:a="http://schemas.openxmlformats.org/drawingml/2006/main" xmlns:r="http://schemas.openxmlformats.org/officeDocument/2006/relationships" xmlns:mc="http://schemas.openxmlformats.org/markup-compatibility/2006" xmlns:mv="urn:schemas-microsoft-com:mac:vml" xmlns:p="http://schemas.openxmlformats.org/presentationml/2006/main" mc:Ignorable="mv" mc:PreserveAttributes="mv:*">
-  <p:cSld>
-    <p:spTree>
-      <p:nvGrpSpPr>
-        <p:cNvPr id="1" name=""/>
-        <p:cNvGrpSpPr/>
-        <p:nvPr/>
-      </p:nvGrpSpPr>
-      <p:grpSpPr>
-        <a:xfrm>
-          <a:off x="0" y="0"/>
-          <a:ext cx="0" cy="0"/>
-          <a:chOff x="0" y="0"/>
-          <a:chExt cx="0" cy="0"/>
-        </a:xfrm>
-      </p:grpSpPr>
-      <p:pic>
-        <p:nvPicPr>
-          <p:cNvPr id="12" name="Image 11" descr="workstation-Vista-256x256.png"/>
-          <p:cNvPicPr>
-            <a:picLocks noChangeAspect="1"/>
-          </p:cNvPicPr>
-          <p:nvPr/>
-        </p:nvPicPr>
-        <p:blipFill>
-          <a:blip r:embed="rId3"/>
-          <a:stretch>
-            <a:fillRect/>
-          </a:stretch>
-        </p:blipFill>
-        <p:spPr>
-          <a:xfrm flipH="1">
-            <a:off x="1219200" y="-228600"/>
-            <a:ext cx="1625769" cy="1778619"/>
-          </a:xfrm>
-          <a:prstGeom prst="rect">
-            <a:avLst/>
-          </a:prstGeom>
-        </p:spPr>
-      </p:pic>
-      <p:pic>
-        <p:nvPicPr>
-          <p:cNvPr id="13" name="Image 12" descr="black-server-128x128.png"/>
-          <p:cNvPicPr>
-            <a:picLocks noChangeAspect="1"/>
-          </p:cNvPicPr>
-          <p:nvPr/>
-        </p:nvPicPr>
-        <p:blipFill>
-          <a:blip r:embed="rId4"/>
-          <a:stretch>
-            <a:fillRect/>
-          </a:stretch>
-        </p:blipFill>
-        <p:spPr>
-          <a:xfrm flipH="1">
-            <a:off x="8077200" y="732705"/>
-            <a:ext cx="1089439" cy="1078809"/>
-          </a:xfrm>
-          <a:prstGeom prst="rect">
-            <a:avLst/>
-          </a:prstGeom>
-          <a:effectLst/>
-        </p:spPr>
-      </p:pic>
-      <p:sp>
-        <p:nvSpPr>
-          <p:cNvPr id="19" name="Rectangle 18"/>
-          <p:cNvSpPr/>
-          <p:nvPr/>
-        </p:nvSpPr>
-        <p:spPr>
-          <a:xfrm>
-            <a:off x="1826065" y="1811514"/>
-            <a:ext cx="759265" cy="277909"/>
-          </a:xfrm>
-          <a:prstGeom prst="rect">
-            <a:avLst/>
-          </a:prstGeom>
-        </p:spPr>
-        <p:style>
-          <a:lnRef idx="1">
-            <a:schemeClr val="accent1"/>
-          </a:lnRef>
-          <a:fillRef idx="3">
-            <a:schemeClr val="accent1"/>
-          </a:fillRef>
-          <a:effectRef idx="2">
-            <a:schemeClr val="accent1"/>
-          </a:effectRef>
-          <a:fontRef idx="minor">
-            <a:schemeClr val="lt1"/>
-          </a:fontRef>
-        </p:style>
-        <p:txBody>
-          <a:bodyPr rtlCol="0" anchor="ctr"/>
-          <a:lstStyle/>
-          <a:p>
-            <a:pPr algn="ctr"/>
-            <a:r>
-              <a:rPr lang="fr-FR" sz="1100" dirty="0" smtClean="0"/>
-              <a:t>NETCONF</a:t>
-            </a:r>
-            <a:endParaRPr lang="en-US" sz="1100" dirty="0"/>
-          </a:p>
-        </p:txBody>
-      </p:sp>
-      <p:sp>
-        <p:nvSpPr>
-          <p:cNvPr id="20" name="Rectangle 19"/>
-          <p:cNvSpPr/>
-          <p:nvPr/>
-        </p:nvSpPr>
-        <p:spPr>
-          <a:xfrm>
-            <a:off x="1827653" y="4495800"/>
-            <a:ext cx="759265" cy="277909"/>
-          </a:xfrm>
-          <a:prstGeom prst="rect">
-            <a:avLst/>
-          </a:prstGeom>
-        </p:spPr>
-        <p:style>
-          <a:lnRef idx="1">
-            <a:schemeClr val="accent1"/>
-          </a:lnRef>
-          <a:fillRef idx="3">
-            <a:schemeClr val="accent1"/>
-          </a:fillRef>
-          <a:effectRef idx="2">
-            <a:schemeClr val="accent1"/>
-          </a:effectRef>
-          <a:fontRef idx="minor">
-            <a:schemeClr val="lt1"/>
-          </a:fontRef>
-        </p:style>
-        <p:txBody>
-          <a:bodyPr rtlCol="0" anchor="ctr"/>
-          <a:lstStyle/>
-          <a:p>
-            <a:pPr algn="ctr"/>
-            <a:r>
-              <a:rPr lang="en-US" sz="1100" dirty="0" smtClean="0"/>
-              <a:t>YANG</a:t>
-            </a:r>
-            <a:endParaRPr lang="en-US" sz="1100" dirty="0"/>
-          </a:p>
-        </p:txBody>
-      </p:sp>
-      <p:sp>
-        <p:nvSpPr>
-          <p:cNvPr id="21" name="Rectangle 20"/>
-          <p:cNvSpPr/>
-          <p:nvPr/>
-        </p:nvSpPr>
-        <p:spPr>
-          <a:xfrm>
-            <a:off x="7317935" y="1811514"/>
-            <a:ext cx="759265" cy="277909"/>
-          </a:xfrm>
-          <a:prstGeom prst="rect">
-            <a:avLst/>
-          </a:prstGeom>
-        </p:spPr>
-        <p:style>
-          <a:lnRef idx="1">
-            <a:schemeClr val="accent1"/>
-          </a:lnRef>
-          <a:fillRef idx="3">
-            <a:schemeClr val="accent1"/>
-          </a:fillRef>
-          <a:effectRef idx="2">
-            <a:schemeClr val="accent1"/>
-          </a:effectRef>
-          <a:fontRef idx="minor">
-            <a:schemeClr val="lt1"/>
-          </a:fontRef>
-        </p:style>
-        <p:txBody>
-          <a:bodyPr rtlCol="0" anchor="ctr"/>
-          <a:lstStyle/>
-          <a:p>
-            <a:pPr algn="ctr"/>
-            <a:r>
-              <a:rPr lang="fr-FR" sz="1100" dirty="0" smtClean="0"/>
-              <a:t>NETCONF</a:t>
-            </a:r>
-            <a:endParaRPr lang="en-US" sz="1100" dirty="0"/>
-          </a:p>
-        </p:txBody>
-      </p:sp>
-      <p:sp>
-        <p:nvSpPr>
-          <p:cNvPr id="26" name="ZoneTexte 25"/>
-          <p:cNvSpPr txBox="1"/>
-          <p:nvPr/>
-        </p:nvSpPr>
-        <p:spPr>
-          <a:xfrm>
-            <a:off x="3124200" y="611185"/>
-            <a:ext cx="3604039" cy="2169825"/>
-          </a:xfrm>
-          <a:prstGeom prst="rect">
-            <a:avLst/>
-          </a:prstGeom>
-          <a:noFill/>
-        </p:spPr>
-        <p:txBody>
-          <a:bodyPr wrap="square" rtlCol="0">
-            <a:spAutoFit/>
-          </a:bodyPr>
-          <a:lstStyle/>
-          <a:p>
-            <a:r>
-              <a:rPr lang="en-US" sz="900" dirty="0" smtClean="0"/>
-              <a:t>&lt;</a:t>
-            </a:r>
-            <a:r>
-              <a:rPr lang="fr-FR" sz="900" dirty="0" smtClean="0"/>
-              <a:t>NETCONF</a:t>
-            </a:r>
-            <a:r>
-              <a:rPr lang="en-US" sz="900" dirty="0" smtClean="0"/>
-              <a:t>&gt;</a:t>
-            </a:r>
-          </a:p>
-          <a:p>
-            <a:pPr lvl="1"/>
-            <a:r>
-              <a:rPr lang="en-US" sz="900" dirty="0" smtClean="0"/>
-              <a:t>&lt;network&gt;</a:t>
-            </a:r>
-          </a:p>
-          <a:p>
-            <a:pPr lvl="1"/>
-            <a:r>
-              <a:rPr lang="en-US" sz="900" dirty="0" smtClean="0"/>
-              <a:t>	&lt;interfaces&gt;</a:t>
-            </a:r>
-          </a:p>
-          <a:p>
-            <a:pPr lvl="1"/>
-            <a:r>
-              <a:rPr lang="en-US" sz="900" dirty="0" smtClean="0"/>
-              <a:t>		&lt;interface&gt;</a:t>
-            </a:r>
-          </a:p>
-          <a:p>
-            <a:pPr lvl="1"/>
-            <a:r>
-              <a:rPr lang="en-US" sz="900" dirty="0" smtClean="0"/>
-              <a:t>			&lt;name&gt;eth0&lt;/name&gt;</a:t>
-            </a:r>
-          </a:p>
-          <a:p>
-            <a:pPr lvl="1"/>
-            <a:r>
-              <a:rPr lang="en-US" sz="900" dirty="0" smtClean="0"/>
-              <a:t>			&lt;</a:t>
-            </a:r>
-            <a:r>
-              <a:rPr lang="en-US" sz="900" dirty="0" err="1" smtClean="0"/>
-              <a:t>mtu</a:t>
-            </a:r>
-            <a:r>
-              <a:rPr lang="en-US" sz="900" dirty="0" smtClean="0"/>
-              <a:t>&gt;1500&lt;/</a:t>
-            </a:r>
-            <a:r>
-              <a:rPr lang="en-US" sz="900" dirty="0" err="1" smtClean="0"/>
-              <a:t>mtu</a:t>
-            </a:r>
-            <a:r>
-              <a:rPr lang="en-US" sz="900" dirty="0" smtClean="0"/>
-              <a:t>&gt;</a:t>
-            </a:r>
-          </a:p>
-          <a:p>
-            <a:pPr lvl="1"/>
-            <a:r>
-              <a:rPr lang="en-US" sz="900" dirty="0" smtClean="0"/>
-              <a:t>			…</a:t>
-            </a:r>
-          </a:p>
-          <a:p>
-            <a:pPr lvl="1"/>
-            <a:r>
-              <a:rPr lang="en-US" sz="900" dirty="0" smtClean="0"/>
-              <a:t>		&lt;/interface&gt;</a:t>
-            </a:r>
-          </a:p>
-          <a:p>
-            <a:pPr lvl="1"/>
-            <a:r>
-              <a:rPr lang="en-US" sz="900" dirty="0" smtClean="0"/>
-              <a:t>		&lt;interface&gt;</a:t>
-            </a:r>
-          </a:p>
-          <a:p>
-            <a:pPr lvl="1"/>
-            <a:r>
-              <a:rPr lang="en-US" sz="900" dirty="0" smtClean="0"/>
-              <a:t>		…</a:t>
-            </a:r>
-          </a:p>
-          <a:p>
-            <a:pPr lvl="1"/>
-            <a:r>
-              <a:rPr lang="en-US" sz="900" dirty="0" smtClean="0"/>
-              <a:t>	&lt;/interfaces&gt;</a:t>
-            </a:r>
-          </a:p>
-          <a:p>
-            <a:pPr lvl="1"/>
-            <a:r>
-              <a:rPr lang="en-US" sz="900" dirty="0" smtClean="0"/>
-              <a:t>…</a:t>
-            </a:r>
-          </a:p>
-          <a:p>
-            <a:pPr lvl="1"/>
-            <a:r>
-              <a:rPr lang="en-US" sz="900" dirty="0" smtClean="0"/>
-              <a:t>&lt;/network&gt;</a:t>
-            </a:r>
-          </a:p>
-          <a:p>
-            <a:pPr lvl="1"/>
-            <a:r>
-              <a:rPr lang="en-US" sz="900" dirty="0" smtClean="0"/>
-              <a:t>…</a:t>
-            </a:r>
-          </a:p>
-          <a:p>
-            <a:r>
-              <a:rPr lang="en-US" sz="900" dirty="0" smtClean="0"/>
-              <a:t>&lt;/</a:t>
-            </a:r>
-            <a:r>
-              <a:rPr lang="fr-FR" sz="900" dirty="0" smtClean="0"/>
-              <a:t>NETCONF</a:t>
-            </a:r>
-            <a:r>
-              <a:rPr lang="en-US" sz="900" dirty="0" smtClean="0"/>
-              <a:t>&gt;</a:t>
-            </a:r>
-          </a:p>
-        </p:txBody>
-      </p:sp>
-      <p:sp>
-        <p:nvSpPr>
-          <p:cNvPr id="27" name="Rectangle 26"/>
-          <p:cNvSpPr/>
-          <p:nvPr/>
-        </p:nvSpPr>
-        <p:spPr>
-          <a:xfrm>
-            <a:off x="7318729" y="4495800"/>
-            <a:ext cx="759265" cy="277909"/>
-          </a:xfrm>
-          <a:prstGeom prst="rect">
-            <a:avLst/>
-          </a:prstGeom>
-        </p:spPr>
-        <p:style>
-          <a:lnRef idx="1">
-            <a:schemeClr val="accent1"/>
-          </a:lnRef>
-          <a:fillRef idx="3">
-            <a:schemeClr val="accent1"/>
-          </a:fillRef>
-          <a:effectRef idx="2">
-            <a:schemeClr val="accent1"/>
-          </a:effectRef>
-          <a:fontRef idx="minor">
-            <a:schemeClr val="lt1"/>
-          </a:fontRef>
-        </p:style>
-        <p:txBody>
-          <a:bodyPr rtlCol="0" anchor="ctr"/>
-          <a:lstStyle/>
-          <a:p>
-            <a:pPr algn="ctr"/>
-            <a:r>
-              <a:rPr lang="en-US" sz="1100" dirty="0" smtClean="0"/>
-              <a:t>YANG</a:t>
-            </a:r>
-            <a:endParaRPr lang="en-US" sz="1100" dirty="0"/>
-          </a:p>
-        </p:txBody>
-      </p:sp>
-      <p:cxnSp>
-        <p:nvCxnSpPr>
-          <p:cNvPr id="22" name="Connecteur en angle 21"/>
-          <p:cNvCxnSpPr>
-            <a:stCxn id="19" idx="2"/>
-            <a:endCxn id="21" idx="2"/>
-          </p:cNvCxnSpPr>
-          <p:nvPr/>
-        </p:nvCxnSpPr>
-        <p:spPr>
-          <a:xfrm rot="16200000" flipH="1">
-            <a:off x="4951633" y="-656512"/>
-            <a:ext cx="1588" cy="5491870"/>
-          </a:xfrm>
-          <a:prstGeom prst="bentConnector3">
-            <a:avLst>
-              <a:gd name="adj1" fmla="val 45336713"/>
-            </a:avLst>
-          </a:prstGeom>
-          <a:ln>
-            <a:headEnd type="arrow"/>
-            <a:tailEnd type="arrow"/>
-          </a:ln>
-        </p:spPr>
-        <p:style>
-          <a:lnRef idx="2">
-            <a:schemeClr val="accent1"/>
-          </a:lnRef>
-          <a:fillRef idx="0">
-            <a:schemeClr val="accent1"/>
-          </a:fillRef>
-          <a:effectRef idx="1">
-            <a:schemeClr val="accent1"/>
-          </a:effectRef>
-          <a:fontRef idx="minor">
-            <a:schemeClr val="tx1"/>
-          </a:fontRef>
-        </p:style>
-      </p:cxnSp>
-      <p:pic>
-        <p:nvPicPr>
-          <p:cNvPr id="25" name="Image 24" descr="workstation-Vista-256x256.png"/>
-          <p:cNvPicPr>
-            <a:picLocks noChangeAspect="1"/>
-          </p:cNvPicPr>
-          <p:nvPr/>
-        </p:nvPicPr>
-        <p:blipFill>
-          <a:blip r:embed="rId3"/>
-          <a:stretch>
-            <a:fillRect/>
-          </a:stretch>
-        </p:blipFill>
-        <p:spPr>
-          <a:xfrm flipH="1">
-            <a:off x="1219200" y="2869581"/>
-            <a:ext cx="1625769" cy="1778619"/>
-          </a:xfrm>
-          <a:prstGeom prst="rect">
-            <a:avLst/>
-          </a:prstGeom>
-        </p:spPr>
-      </p:pic>
-      <p:pic>
-        <p:nvPicPr>
-          <p:cNvPr id="28" name="Image 27" descr="black-server-128x128.png"/>
-          <p:cNvPicPr>
-            <a:picLocks noChangeAspect="1"/>
-          </p:cNvPicPr>
-          <p:nvPr/>
-        </p:nvPicPr>
-        <p:blipFill>
-          <a:blip r:embed="rId4"/>
-          <a:stretch>
-            <a:fillRect/>
-          </a:stretch>
-        </p:blipFill>
-        <p:spPr>
-          <a:xfrm flipH="1">
-            <a:off x="8077200" y="3317151"/>
-            <a:ext cx="1089439" cy="1078809"/>
-          </a:xfrm>
-          <a:prstGeom prst="rect">
-            <a:avLst/>
-          </a:prstGeom>
-          <a:effectLst/>
-        </p:spPr>
-      </p:pic>
-      <p:sp>
-        <p:nvSpPr>
-          <p:cNvPr id="29" name="Rectangle 28"/>
-          <p:cNvSpPr/>
-          <p:nvPr/>
-        </p:nvSpPr>
-        <p:spPr>
-          <a:xfrm>
-            <a:off x="1826859" y="4904485"/>
-            <a:ext cx="759265" cy="277909"/>
-          </a:xfrm>
-          <a:prstGeom prst="rect">
-            <a:avLst/>
-          </a:prstGeom>
-        </p:spPr>
-        <p:style>
-          <a:lnRef idx="1">
-            <a:schemeClr val="accent1"/>
-          </a:lnRef>
-          <a:fillRef idx="3">
-            <a:schemeClr val="accent1"/>
-          </a:fillRef>
-          <a:effectRef idx="2">
-            <a:schemeClr val="accent1"/>
-          </a:effectRef>
-          <a:fontRef idx="minor">
-            <a:schemeClr val="lt1"/>
-          </a:fontRef>
-        </p:style>
-        <p:txBody>
-          <a:bodyPr rtlCol="0" anchor="ctr"/>
-          <a:lstStyle/>
-          <a:p>
-            <a:pPr algn="ctr"/>
-            <a:r>
-              <a:rPr lang="fr-FR" sz="1100" dirty="0" smtClean="0"/>
-              <a:t>NETCONF</a:t>
-            </a:r>
-            <a:endParaRPr lang="en-US" sz="1100" dirty="0"/>
-          </a:p>
-        </p:txBody>
-      </p:sp>
-      <p:sp>
-        <p:nvSpPr>
-          <p:cNvPr id="30" name="Rectangle 29"/>
-          <p:cNvSpPr/>
-          <p:nvPr/>
-        </p:nvSpPr>
-        <p:spPr>
-          <a:xfrm>
-            <a:off x="7318729" y="4904485"/>
-            <a:ext cx="759265" cy="277909"/>
-          </a:xfrm>
-          <a:prstGeom prst="rect">
-            <a:avLst/>
-          </a:prstGeom>
-        </p:spPr>
-        <p:style>
-          <a:lnRef idx="1">
-            <a:schemeClr val="accent1"/>
-          </a:lnRef>
-          <a:fillRef idx="3">
-            <a:schemeClr val="accent1"/>
-          </a:fillRef>
-          <a:effectRef idx="2">
-            <a:schemeClr val="accent1"/>
-          </a:effectRef>
-          <a:fontRef idx="minor">
-            <a:schemeClr val="lt1"/>
-          </a:fontRef>
-        </p:style>
-        <p:txBody>
-          <a:bodyPr rtlCol="0" anchor="ctr"/>
-          <a:lstStyle/>
-          <a:p>
-            <a:pPr algn="ctr"/>
-            <a:r>
-              <a:rPr lang="fr-FR" sz="1100" dirty="0" smtClean="0"/>
-              <a:t>NETCONF</a:t>
-            </a:r>
-            <a:endParaRPr lang="en-US" sz="1100" dirty="0"/>
-          </a:p>
-        </p:txBody>
-      </p:sp>
-      <p:sp>
-        <p:nvSpPr>
-          <p:cNvPr id="31" name="ZoneTexte 30"/>
-          <p:cNvSpPr txBox="1"/>
-          <p:nvPr/>
-        </p:nvSpPr>
-        <p:spPr>
-          <a:xfrm>
-            <a:off x="3124994" y="3704156"/>
-            <a:ext cx="3604039" cy="2169825"/>
-          </a:xfrm>
-          <a:prstGeom prst="rect">
-            <a:avLst/>
-          </a:prstGeom>
-          <a:noFill/>
-        </p:spPr>
-        <p:txBody>
-          <a:bodyPr wrap="square" rtlCol="0">
-            <a:spAutoFit/>
-          </a:bodyPr>
-          <a:lstStyle/>
-          <a:p>
-            <a:r>
-              <a:rPr lang="en-US" sz="900" dirty="0" smtClean="0"/>
-              <a:t>&lt;</a:t>
-            </a:r>
-            <a:r>
-              <a:rPr lang="fr-FR" sz="900" dirty="0" smtClean="0"/>
-              <a:t>NETCONF</a:t>
-            </a:r>
-            <a:r>
-              <a:rPr lang="en-US" sz="900" dirty="0" smtClean="0"/>
-              <a:t>&gt;</a:t>
-            </a:r>
-          </a:p>
-          <a:p>
-            <a:pPr lvl="1"/>
-            <a:r>
-              <a:rPr lang="en-US" sz="900" dirty="0" smtClean="0"/>
-              <a:t>&lt;network&gt;</a:t>
-            </a:r>
-          </a:p>
-          <a:p>
-            <a:pPr lvl="1"/>
-            <a:r>
-              <a:rPr lang="en-US" sz="900" dirty="0" smtClean="0"/>
-              <a:t>	&lt;interfaces&gt;</a:t>
-            </a:r>
-          </a:p>
-          <a:p>
-            <a:pPr lvl="1"/>
-            <a:r>
-              <a:rPr lang="en-US" sz="900" dirty="0" smtClean="0"/>
-              <a:t>		&lt;interface&gt;</a:t>
-            </a:r>
-          </a:p>
-          <a:p>
-            <a:pPr lvl="1"/>
-            <a:r>
-              <a:rPr lang="en-US" sz="900" dirty="0" smtClean="0"/>
-              <a:t>			&lt;name&gt;eth0&lt;/name&gt;</a:t>
-            </a:r>
-          </a:p>
-          <a:p>
-            <a:pPr lvl="1"/>
-            <a:r>
-              <a:rPr lang="en-US" sz="900" dirty="0" smtClean="0"/>
-              <a:t>			&lt;</a:t>
-            </a:r>
-            <a:r>
-              <a:rPr lang="en-US" sz="900" dirty="0" err="1" smtClean="0"/>
-              <a:t>mtu</a:t>
-            </a:r>
-            <a:r>
-              <a:rPr lang="en-US" sz="900" dirty="0" smtClean="0"/>
-              <a:t>&gt;1500&lt;/</a:t>
-            </a:r>
-            <a:r>
-              <a:rPr lang="en-US" sz="900" dirty="0" err="1" smtClean="0"/>
-              <a:t>mtu</a:t>
-            </a:r>
-            <a:r>
-              <a:rPr lang="en-US" sz="900" dirty="0" smtClean="0"/>
-              <a:t>&gt;</a:t>
-            </a:r>
-          </a:p>
-          <a:p>
-            <a:pPr lvl="1"/>
-            <a:r>
-              <a:rPr lang="en-US" sz="900" dirty="0" smtClean="0"/>
-              <a:t>			…</a:t>
-            </a:r>
-          </a:p>
-          <a:p>
-            <a:pPr lvl="1"/>
-            <a:r>
-              <a:rPr lang="en-US" sz="900" dirty="0" smtClean="0"/>
-              <a:t>		&lt;/interface&gt;</a:t>
-            </a:r>
-          </a:p>
-          <a:p>
-            <a:pPr lvl="1"/>
-            <a:r>
-              <a:rPr lang="en-US" sz="900" dirty="0" smtClean="0"/>
-              <a:t>		&lt;interface&gt;</a:t>
-            </a:r>
-          </a:p>
-          <a:p>
-            <a:pPr lvl="1"/>
-            <a:r>
-              <a:rPr lang="en-US" sz="900" dirty="0" smtClean="0"/>
-              <a:t>		…</a:t>
-            </a:r>
-          </a:p>
-          <a:p>
-            <a:pPr lvl="1"/>
-            <a:r>
-              <a:rPr lang="en-US" sz="900" dirty="0" smtClean="0"/>
-              <a:t>	&lt;/interfaces&gt;</a:t>
-            </a:r>
-          </a:p>
-          <a:p>
-            <a:pPr lvl="1"/>
-            <a:r>
-              <a:rPr lang="en-US" sz="900" dirty="0" smtClean="0"/>
-              <a:t>…</a:t>
-            </a:r>
-          </a:p>
-          <a:p>
-            <a:pPr lvl="1"/>
-            <a:r>
-              <a:rPr lang="en-US" sz="900" dirty="0" smtClean="0"/>
-              <a:t>&lt;/network&gt;</a:t>
-            </a:r>
-          </a:p>
-          <a:p>
-            <a:pPr lvl="1"/>
-            <a:r>
-              <a:rPr lang="en-US" sz="900" dirty="0" smtClean="0"/>
-              <a:t>…</a:t>
-            </a:r>
-          </a:p>
-          <a:p>
-            <a:r>
-              <a:rPr lang="en-US" sz="900" dirty="0" smtClean="0"/>
-              <a:t>&lt;/</a:t>
-            </a:r>
-            <a:r>
-              <a:rPr lang="fr-FR" sz="900" dirty="0" smtClean="0"/>
-              <a:t>NETCONF</a:t>
-            </a:r>
-            <a:r>
-              <a:rPr lang="en-US" sz="900" dirty="0" smtClean="0"/>
-              <a:t>&gt;</a:t>
-            </a:r>
-          </a:p>
-        </p:txBody>
-      </p:sp>
-      <p:cxnSp>
-        <p:nvCxnSpPr>
-          <p:cNvPr id="32" name="Connecteur en angle 31"/>
-          <p:cNvCxnSpPr>
-            <a:stCxn id="29" idx="2"/>
-            <a:endCxn id="30" idx="2"/>
-          </p:cNvCxnSpPr>
-          <p:nvPr/>
-        </p:nvCxnSpPr>
-        <p:spPr>
-          <a:xfrm rot="16200000" flipH="1">
-            <a:off x="4952427" y="2436459"/>
-            <a:ext cx="1588" cy="5491870"/>
-          </a:xfrm>
-          <a:prstGeom prst="bentConnector3">
-            <a:avLst>
-              <a:gd name="adj1" fmla="val 45336713"/>
-            </a:avLst>
-          </a:prstGeom>
-          <a:ln>
-            <a:headEnd type="arrow"/>
-            <a:tailEnd type="arrow"/>
-          </a:ln>
-        </p:spPr>
-        <p:style>
-          <a:lnRef idx="2">
-            <a:schemeClr val="accent1"/>
-          </a:lnRef>
-          <a:fillRef idx="0">
-            <a:schemeClr val="accent1"/>
-          </a:fillRef>
-          <a:effectRef idx="1">
-            <a:schemeClr val="accent1"/>
-          </a:effectRef>
-          <a:fontRef idx="minor">
-            <a:schemeClr val="tx1"/>
-          </a:fontRef>
-        </p:style>
-      </p:cxnSp>
-      <p:sp>
-        <p:nvSpPr>
-          <p:cNvPr id="16" name="Espace réservé du numéro de diapositive 15"/>
-          <p:cNvSpPr>
-            <a:spLocks noGrp="1"/>
-          </p:cNvSpPr>
-          <p:nvPr>
-            <p:ph type="sldNum" sz="quarter" idx="12"/>
-          </p:nvPr>
-        </p:nvSpPr>
-        <p:spPr/>
-        <p:txBody>
-          <a:bodyPr/>
-          <a:lstStyle/>
-          <a:p>
-            <a:fld id="{339A7AB0-D0CE-A343-B5B6-64AAD55F6591}" type="slidenum">
-              <a:rPr lang="fr-FR" smtClean="0"/>
-              <a:pPr/>
-              <a:t>12</a:t>
-            </a:fld>
-            <a:endParaRPr lang="fr-FR"/>
-          </a:p>
-        </p:txBody>
-      </p:sp>
-    </p:spTree>
-  </p:cSld>
-  <p:clrMapOvr>
-    <a:masterClrMapping/>
-  </p:clrMapOvr>
-</p:sld>
-</file>
-
-<file path=ppt/slides/slide13.xml><?xml version="1.0" encoding="utf-8"?>
-<p:sld xmlns:a="http://schemas.openxmlformats.org/drawingml/2006/main" xmlns:r="http://schemas.openxmlformats.org/officeDocument/2006/relationships" xmlns:mc="http://schemas.openxmlformats.org/markup-compatibility/2006" xmlns:mv="urn:schemas-microsoft-com:mac:vml" xmlns:p="http://schemas.openxmlformats.org/presentationml/2006/main" mc:Ignorable="mv" mc:PreserveAttributes="mv:*">
-  <p:cSld>
-    <p:spTree>
-      <p:nvGrpSpPr>
-        <p:cNvPr id="1" name=""/>
-        <p:cNvGrpSpPr/>
-        <p:nvPr/>
-      </p:nvGrpSpPr>
-      <p:grpSpPr>
-        <a:xfrm>
-          <a:off x="0" y="0"/>
-          <a:ext cx="0" cy="0"/>
-          <a:chOff x="0" y="0"/>
-          <a:chExt cx="0" cy="0"/>
-        </a:xfrm>
-      </p:grpSpPr>
-      <p:sp>
-        <p:nvSpPr>
-          <p:cNvPr id="4" name="ZoneTexte 3"/>
-          <p:cNvSpPr txBox="1"/>
-          <p:nvPr/>
-        </p:nvSpPr>
-        <p:spPr>
-          <a:xfrm>
-            <a:off x="762000" y="990600"/>
-            <a:ext cx="4136769" cy="2585323"/>
-          </a:xfrm>
-          <a:prstGeom prst="rect">
-            <a:avLst/>
-          </a:prstGeom>
-          <a:noFill/>
-        </p:spPr>
-        <p:txBody>
-          <a:bodyPr wrap="none" rtlCol="0">
-            <a:spAutoFit/>
-          </a:bodyPr>
-          <a:lstStyle/>
-          <a:p>
-            <a:r>
-              <a:rPr lang="fr-FR" dirty="0" err="1" smtClean="0"/>
-              <a:t>foreach</a:t>
-            </a:r>
-            <a:r>
-              <a:rPr lang="fr-FR" dirty="0" smtClean="0"/>
-              <a:t> </a:t>
-            </a:r>
-            <a:r>
-              <a:rPr lang="fr-FR" dirty="0" err="1" smtClean="0"/>
-              <a:t>node</a:t>
-            </a:r>
-            <a:r>
-              <a:rPr lang="fr-FR" dirty="0" smtClean="0"/>
-              <a:t> in the </a:t>
-            </a:r>
-            <a:r>
-              <a:rPr lang="fr-FR" dirty="0" err="1" smtClean="0"/>
-              <a:t>YangTreeNode</a:t>
-            </a:r>
-            <a:r>
-              <a:rPr lang="fr-FR" dirty="0" smtClean="0"/>
-              <a:t> : </a:t>
-            </a:r>
-            <a:r>
-              <a:rPr lang="fr-FR" dirty="0" err="1" smtClean="0"/>
-              <a:t>ytn</a:t>
-            </a:r>
-            <a:endParaRPr lang="fr-FR" dirty="0" smtClean="0"/>
-          </a:p>
-          <a:p>
-            <a:r>
-              <a:rPr lang="fr-FR" dirty="0" smtClean="0"/>
-              <a:t>	if </a:t>
-            </a:r>
-            <a:r>
-              <a:rPr lang="fr-FR" dirty="0" err="1" smtClean="0"/>
-              <a:t>ytn</a:t>
-            </a:r>
-            <a:r>
-              <a:rPr lang="fr-FR" dirty="0" smtClean="0"/>
-              <a:t> </a:t>
-            </a:r>
-            <a:r>
-              <a:rPr lang="fr-FR" dirty="0" err="1" smtClean="0"/>
-              <a:t>is</a:t>
-            </a:r>
-            <a:r>
-              <a:rPr lang="fr-FR" dirty="0" smtClean="0"/>
-              <a:t> a </a:t>
-            </a:r>
-            <a:r>
-              <a:rPr lang="fr-FR" dirty="0" err="1" smtClean="0"/>
-              <a:t>choice</a:t>
-            </a:r>
-            <a:r>
-              <a:rPr lang="fr-FR" dirty="0" smtClean="0"/>
-              <a:t> </a:t>
-            </a:r>
-            <a:r>
-              <a:rPr lang="fr-FR" dirty="0" err="1" smtClean="0"/>
-              <a:t>node</a:t>
-            </a:r>
-            <a:r>
-              <a:rPr lang="fr-FR" dirty="0" smtClean="0"/>
-              <a:t> </a:t>
-            </a:r>
-            <a:r>
-              <a:rPr lang="fr-FR" dirty="0" err="1" smtClean="0"/>
-              <a:t>then</a:t>
-            </a:r>
-            <a:endParaRPr lang="fr-FR" dirty="0" smtClean="0"/>
-          </a:p>
-          <a:p>
-            <a:r>
-              <a:rPr lang="fr-FR" dirty="0" smtClean="0"/>
-              <a:t>		</a:t>
-            </a:r>
-            <a:r>
-              <a:rPr lang="fr-FR" dirty="0" err="1" smtClean="0"/>
-              <a:t>foreach</a:t>
-            </a:r>
-            <a:r>
-              <a:rPr lang="fr-FR" dirty="0" smtClean="0"/>
-              <a:t> case of the </a:t>
-            </a:r>
-            <a:r>
-              <a:rPr lang="fr-FR" dirty="0" err="1" smtClean="0"/>
-              <a:t>choice</a:t>
-            </a:r>
-            <a:endParaRPr lang="fr-FR" dirty="0" smtClean="0"/>
-          </a:p>
-          <a:p>
-            <a:r>
-              <a:rPr lang="fr-FR" dirty="0" smtClean="0"/>
-              <a:t>			</a:t>
-            </a:r>
-            <a:r>
-              <a:rPr lang="fr-FR" dirty="0" err="1" smtClean="0"/>
-              <a:t>foreach</a:t>
-            </a:r>
-            <a:r>
-              <a:rPr lang="fr-FR" dirty="0" smtClean="0"/>
-              <a:t> </a:t>
-            </a:r>
-            <a:r>
-              <a:rPr lang="fr-FR" dirty="0" err="1" smtClean="0"/>
-              <a:t>node</a:t>
-            </a:r>
-            <a:r>
-              <a:rPr lang="fr-FR" dirty="0" smtClean="0"/>
-              <a:t> in the case </a:t>
-            </a:r>
-            <a:r>
-              <a:rPr lang="fr-FR" dirty="0" err="1" smtClean="0"/>
-              <a:t>nc</a:t>
-            </a:r>
-            <a:endParaRPr lang="fr-FR" dirty="0" smtClean="0"/>
-          </a:p>
-          <a:p>
-            <a:r>
-              <a:rPr lang="fr-FR" dirty="0" smtClean="0"/>
-              <a:t>				</a:t>
-            </a:r>
-          </a:p>
-          <a:p>
-            <a:r>
-              <a:rPr lang="fr-FR" dirty="0" smtClean="0"/>
-              <a:t>	</a:t>
-            </a:r>
-            <a:r>
-              <a:rPr lang="fr-FR" dirty="0" err="1" smtClean="0"/>
-              <a:t>foreach</a:t>
-            </a:r>
-            <a:r>
-              <a:rPr lang="fr-FR" dirty="0" smtClean="0"/>
-              <a:t> </a:t>
-            </a:r>
-            <a:r>
-              <a:rPr lang="fr-FR" dirty="0" err="1" smtClean="0"/>
-              <a:t>node</a:t>
-            </a:r>
-            <a:r>
-              <a:rPr lang="fr-FR" dirty="0" smtClean="0"/>
-              <a:t> in the </a:t>
-            </a:r>
-            <a:r>
-              <a:rPr lang="fr-FR" dirty="0" err="1" smtClean="0"/>
-              <a:t>DataTree</a:t>
-            </a:r>
-            <a:r>
-              <a:rPr lang="fr-FR" dirty="0" smtClean="0"/>
-              <a:t> : </a:t>
-            </a:r>
-            <a:r>
-              <a:rPr lang="fr-FR" dirty="0" err="1" smtClean="0"/>
-              <a:t>dtn</a:t>
-            </a:r>
-            <a:endParaRPr lang="fr-FR" dirty="0" smtClean="0"/>
-          </a:p>
-          <a:p>
-            <a:r>
-              <a:rPr lang="fr-FR" dirty="0" smtClean="0"/>
-              <a:t>		if </a:t>
-            </a:r>
-            <a:r>
-              <a:rPr lang="fr-FR" dirty="0" err="1" smtClean="0"/>
-              <a:t>dtn</a:t>
-            </a:r>
-            <a:r>
-              <a:rPr lang="fr-FR" dirty="0" smtClean="0"/>
-              <a:t> == </a:t>
-            </a:r>
-            <a:r>
-              <a:rPr lang="fr-FR" dirty="0" err="1" smtClean="0"/>
-              <a:t>ytn</a:t>
-            </a:r>
-            <a:r>
-              <a:rPr lang="fr-FR" dirty="0" smtClean="0"/>
-              <a:t> </a:t>
-            </a:r>
-            <a:r>
-              <a:rPr lang="fr-FR" dirty="0" err="1" smtClean="0"/>
-              <a:t>then</a:t>
-            </a:r>
-            <a:endParaRPr lang="fr-FR" dirty="0" smtClean="0"/>
-          </a:p>
-          <a:p>
-            <a:r>
-              <a:rPr lang="fr-FR" dirty="0" smtClean="0"/>
-              <a:t>			</a:t>
-            </a:r>
-            <a:r>
-              <a:rPr lang="fr-FR" dirty="0" err="1" smtClean="0"/>
-              <a:t>create</a:t>
-            </a:r>
-            <a:r>
-              <a:rPr lang="fr-FR" dirty="0" smtClean="0"/>
-              <a:t> a </a:t>
-            </a:r>
-            <a:r>
-              <a:rPr lang="fr-FR" dirty="0" err="1" smtClean="0"/>
-              <a:t>browsing</a:t>
-            </a:r>
-            <a:r>
-              <a:rPr lang="fr-FR" dirty="0" smtClean="0"/>
-              <a:t> </a:t>
-            </a:r>
-            <a:r>
-              <a:rPr lang="fr-FR" dirty="0" err="1" smtClean="0"/>
-              <a:t>picture</a:t>
-            </a:r>
-            <a:endParaRPr lang="fr-FR" dirty="0" smtClean="0"/>
-          </a:p>
-          <a:p>
-            <a:endParaRPr lang="fr-FR" dirty="0"/>
-          </a:p>
-        </p:txBody>
-      </p:sp>
-      <p:sp>
-        <p:nvSpPr>
-          <p:cNvPr id="3" name="Espace réservé du numéro de diapositive 2"/>
-          <p:cNvSpPr>
-            <a:spLocks noGrp="1"/>
-          </p:cNvSpPr>
-          <p:nvPr>
-            <p:ph type="sldNum" sz="quarter" idx="12"/>
-          </p:nvPr>
-        </p:nvSpPr>
-        <p:spPr/>
-        <p:txBody>
-          <a:bodyPr/>
-          <a:lstStyle/>
-          <a:p>
-            <a:fld id="{339A7AB0-D0CE-A343-B5B6-64AAD55F6591}" type="slidenum">
-              <a:rPr lang="fr-FR" smtClean="0"/>
-              <a:pPr/>
-              <a:t>13</a:t>
-            </a:fld>
-            <a:endParaRPr lang="fr-FR"/>
-          </a:p>
-        </p:txBody>
-      </p:sp>
-    </p:spTree>
-  </p:cSld>
-  <p:clrMapOvr>
-    <a:masterClrMapping/>
-  </p:clrMapOvr>
-</p:sld>
-</file>
-
-<file path=ppt/slides/slide14.xml><?xml version="1.0" encoding="utf-8"?>
-<p:sld xmlns:a="http://schemas.openxmlformats.org/drawingml/2006/main" xmlns:r="http://schemas.openxmlformats.org/officeDocument/2006/relationships" xmlns:mc="http://schemas.openxmlformats.org/markup-compatibility/2006" xmlns:mv="urn:schemas-microsoft-com:mac:vml" xmlns:p="http://schemas.openxmlformats.org/presentationml/2006/main" mc:Ignorable="mv" mc:PreserveAttributes="mv:*">
-  <p:cSld>
-    <p:spTree>
-      <p:nvGrpSpPr>
-        <p:cNvPr id="1" name=""/>
-        <p:cNvGrpSpPr/>
-        <p:nvPr/>
-      </p:nvGrpSpPr>
-      <p:grpSpPr>
-        <a:xfrm>
-          <a:off x="0" y="0"/>
-          <a:ext cx="0" cy="0"/>
-          <a:chOff x="0" y="0"/>
-          <a:chExt cx="0" cy="0"/>
-        </a:xfrm>
-      </p:grpSpPr>
-      <p:sp>
-        <p:nvSpPr>
-          <p:cNvPr id="30" name="ZoneTexte 29"/>
-          <p:cNvSpPr txBox="1"/>
-          <p:nvPr/>
-        </p:nvSpPr>
-        <p:spPr>
-          <a:xfrm>
-            <a:off x="330200" y="5073134"/>
-            <a:ext cx="1083086" cy="369332"/>
-          </a:xfrm>
-          <a:prstGeom prst="rect">
-            <a:avLst/>
-          </a:prstGeom>
-          <a:noFill/>
-        </p:spPr>
-        <p:txBody>
-          <a:bodyPr wrap="none" rtlCol="0">
-            <a:spAutoFit/>
-          </a:bodyPr>
-          <a:lstStyle/>
-          <a:p>
-            <a:r>
-              <a:rPr lang="fr-FR" dirty="0" smtClean="0"/>
-              <a:t>NETCONF</a:t>
-            </a:r>
-            <a:endParaRPr lang="fr-FR" dirty="0"/>
-          </a:p>
-        </p:txBody>
-      </p:sp>
-      <p:sp>
-        <p:nvSpPr>
-          <p:cNvPr id="34" name="ZoneTexte 33"/>
-          <p:cNvSpPr txBox="1"/>
-          <p:nvPr/>
-        </p:nvSpPr>
-        <p:spPr>
-          <a:xfrm>
-            <a:off x="1898650" y="2121694"/>
-            <a:ext cx="662787" cy="369332"/>
-          </a:xfrm>
-          <a:prstGeom prst="rect">
-            <a:avLst/>
-          </a:prstGeom>
-          <a:noFill/>
-        </p:spPr>
-        <p:txBody>
-          <a:bodyPr wrap="none" rtlCol="0">
-            <a:spAutoFit/>
-          </a:bodyPr>
-          <a:lstStyle/>
-          <a:p>
-            <a:r>
-              <a:rPr lang="fr-FR" dirty="0" err="1" smtClean="0"/>
-              <a:t>https</a:t>
-            </a:r>
-            <a:endParaRPr lang="fr-FR" dirty="0"/>
-          </a:p>
-        </p:txBody>
-      </p:sp>
-      <p:sp>
-        <p:nvSpPr>
-          <p:cNvPr id="36" name="ZoneTexte 35"/>
-          <p:cNvSpPr txBox="1"/>
-          <p:nvPr/>
-        </p:nvSpPr>
-        <p:spPr>
-          <a:xfrm>
-            <a:off x="2440589" y="5257800"/>
-            <a:ext cx="1249060" cy="861774"/>
-          </a:xfrm>
-          <a:prstGeom prst="rect">
-            <a:avLst/>
-          </a:prstGeom>
-          <a:noFill/>
-        </p:spPr>
-        <p:txBody>
-          <a:bodyPr wrap="none" rtlCol="0">
-            <a:spAutoFit/>
-          </a:bodyPr>
-          <a:lstStyle/>
-          <a:p>
-            <a:pPr algn="ctr"/>
-            <a:r>
-              <a:rPr lang="fr-FR" dirty="0" smtClean="0"/>
-              <a:t>ENSUITE</a:t>
-            </a:r>
-          </a:p>
-          <a:p>
-            <a:pPr algn="ctr"/>
-            <a:r>
-              <a:rPr lang="fr-FR" dirty="0" smtClean="0"/>
-              <a:t>Framework</a:t>
-            </a:r>
-          </a:p>
-          <a:p>
-            <a:pPr algn="ctr"/>
-            <a:r>
-              <a:rPr lang="fr-FR" sz="1400" i="1" dirty="0" smtClean="0"/>
-              <a:t>(p</a:t>
-            </a:r>
-            <a:r>
-              <a:rPr lang="fr-FR" sz="1400" i="1" dirty="0" err="1" smtClean="0"/>
-              <a:t>ython</a:t>
-            </a:r>
-            <a:r>
-              <a:rPr lang="fr-FR" sz="1400" i="1" dirty="0" smtClean="0"/>
-              <a:t>)</a:t>
-            </a:r>
-            <a:endParaRPr lang="fr-FR" sz="1400" i="1" dirty="0"/>
-          </a:p>
-        </p:txBody>
-      </p:sp>
-      <p:pic>
-        <p:nvPicPr>
-          <p:cNvPr id="17" name="Image 16" descr="black-server-128x128.png"/>
-          <p:cNvPicPr>
-            <a:picLocks noChangeAspect="1"/>
-          </p:cNvPicPr>
-          <p:nvPr/>
-        </p:nvPicPr>
-        <p:blipFill>
-          <a:blip r:embed="rId3"/>
-          <a:stretch>
-            <a:fillRect/>
-          </a:stretch>
-        </p:blipFill>
-        <p:spPr>
-          <a:xfrm flipH="1">
-            <a:off x="2561437" y="153369"/>
-            <a:ext cx="2683980" cy="2657792"/>
-          </a:xfrm>
-          <a:prstGeom prst="rect">
-            <a:avLst/>
-          </a:prstGeom>
-          <a:effectLst>
-            <a:reflection blurRad="6350" stA="52000" endA="300" endPos="35000" dir="5400000" sy="-100000" algn="bl" rotWithShape="0"/>
-          </a:effectLst>
-        </p:spPr>
-      </p:pic>
-      <p:sp>
-        <p:nvSpPr>
-          <p:cNvPr id="19" name="ZoneTexte 18"/>
-          <p:cNvSpPr txBox="1"/>
-          <p:nvPr/>
-        </p:nvSpPr>
-        <p:spPr>
-          <a:xfrm>
-            <a:off x="4113910" y="552724"/>
-            <a:ext cx="797815" cy="646331"/>
-          </a:xfrm>
-          <a:prstGeom prst="rect">
-            <a:avLst/>
-          </a:prstGeom>
-          <a:noFill/>
-        </p:spPr>
-        <p:txBody>
-          <a:bodyPr wrap="square" rtlCol="0">
-            <a:spAutoFit/>
-          </a:bodyPr>
-          <a:lstStyle/>
-          <a:p>
-            <a:r>
-              <a:rPr lang="fr-FR" dirty="0" smtClean="0">
-                <a:solidFill>
-                  <a:schemeClr val="bg1"/>
-                </a:solidFill>
-              </a:rPr>
-              <a:t>HTTPS</a:t>
-            </a:r>
-          </a:p>
-          <a:p>
-            <a:r>
-              <a:rPr lang="fr-FR" dirty="0" smtClean="0">
-                <a:solidFill>
-                  <a:schemeClr val="bg1"/>
-                </a:solidFill>
-              </a:rPr>
-              <a:t>server</a:t>
-            </a:r>
-            <a:endParaRPr lang="fr-FR" dirty="0">
-              <a:solidFill>
-                <a:schemeClr val="bg1"/>
-              </a:solidFill>
-            </a:endParaRPr>
-          </a:p>
-        </p:txBody>
-      </p:sp>
-      <p:sp>
-        <p:nvSpPr>
-          <p:cNvPr id="20" name="ZoneTexte 19"/>
-          <p:cNvSpPr txBox="1"/>
-          <p:nvPr/>
-        </p:nvSpPr>
-        <p:spPr>
-          <a:xfrm>
-            <a:off x="3828639" y="1098030"/>
-            <a:ext cx="1083086" cy="646331"/>
-          </a:xfrm>
-          <a:prstGeom prst="rect">
-            <a:avLst/>
-          </a:prstGeom>
-          <a:noFill/>
-        </p:spPr>
-        <p:txBody>
-          <a:bodyPr wrap="none" rtlCol="0">
-            <a:spAutoFit/>
-          </a:bodyPr>
-          <a:lstStyle/>
-          <a:p>
-            <a:r>
-              <a:rPr lang="fr-FR" dirty="0" smtClean="0">
-                <a:solidFill>
-                  <a:schemeClr val="bg1"/>
-                </a:solidFill>
-              </a:rPr>
-              <a:t>NETCONF</a:t>
-            </a:r>
-          </a:p>
-          <a:p>
-            <a:r>
-              <a:rPr lang="fr-FR" dirty="0" smtClean="0">
-                <a:solidFill>
-                  <a:schemeClr val="bg1"/>
-                </a:solidFill>
-              </a:rPr>
-              <a:t>Manager</a:t>
-            </a:r>
-            <a:endParaRPr lang="fr-FR" dirty="0">
-              <a:solidFill>
-                <a:schemeClr val="bg1"/>
-              </a:solidFill>
-            </a:endParaRPr>
-          </a:p>
-        </p:txBody>
-      </p:sp>
-      <p:grpSp>
-        <p:nvGrpSpPr>
-          <p:cNvPr id="28" name="Grouper 27"/>
-          <p:cNvGrpSpPr/>
-          <p:nvPr/>
-        </p:nvGrpSpPr>
-        <p:grpSpPr>
-          <a:xfrm flipH="1">
-            <a:off x="6657519" y="534623"/>
-            <a:ext cx="1898650" cy="1915874"/>
-            <a:chOff x="6038850" y="2959100"/>
-            <a:chExt cx="3251200" cy="3160474"/>
-          </a:xfrm>
-        </p:grpSpPr>
-        <p:pic>
-          <p:nvPicPr>
-            <p:cNvPr id="22" name="Image 21" descr="wifi-modem-Vista-256x256.png"/>
-            <p:cNvPicPr>
-              <a:picLocks noChangeAspect="1"/>
-            </p:cNvPicPr>
-            <p:nvPr/>
-          </p:nvPicPr>
-          <p:blipFill>
-            <a:blip r:embed="rId4"/>
-            <a:srcRect l="54128" r="40110" b="61719"/>
-            <a:stretch>
-              <a:fillRect/>
-            </a:stretch>
-          </p:blipFill>
-          <p:spPr>
-            <a:xfrm>
-              <a:off x="8915400" y="3338274"/>
-              <a:ext cx="187325" cy="1244600"/>
-            </a:xfrm>
-            <a:prstGeom prst="rect">
-              <a:avLst/>
-            </a:prstGeom>
-          </p:spPr>
-        </p:pic>
-        <p:pic>
-          <p:nvPicPr>
-            <p:cNvPr id="23" name="Image 22" descr="wifi-modem-Vista-256x256.png"/>
-            <p:cNvPicPr>
-              <a:picLocks noChangeAspect="1"/>
-            </p:cNvPicPr>
-            <p:nvPr/>
-          </p:nvPicPr>
-          <p:blipFill>
-            <a:blip r:embed="rId4"/>
-            <a:srcRect l="54128" r="40110" b="61719"/>
-            <a:stretch>
-              <a:fillRect/>
-            </a:stretch>
-          </p:blipFill>
-          <p:spPr>
-            <a:xfrm>
-              <a:off x="8270875" y="2959100"/>
-              <a:ext cx="187325" cy="1244600"/>
-            </a:xfrm>
-            <a:prstGeom prst="rect">
-              <a:avLst/>
-            </a:prstGeom>
-          </p:spPr>
-        </p:pic>
-        <p:pic>
-          <p:nvPicPr>
-            <p:cNvPr id="21" name="Image 20" descr="wifi-modem-Vista-256x256.png"/>
-            <p:cNvPicPr>
-              <a:picLocks noChangeAspect="1"/>
-            </p:cNvPicPr>
-            <p:nvPr/>
-          </p:nvPicPr>
-          <p:blipFill>
-            <a:blip r:embed="rId4"/>
-            <a:srcRect t="33594"/>
-            <a:stretch>
-              <a:fillRect/>
-            </a:stretch>
-          </p:blipFill>
-          <p:spPr>
-            <a:xfrm>
-              <a:off x="6038850" y="3960574"/>
-              <a:ext cx="3251200" cy="2159000"/>
-            </a:xfrm>
-            <a:prstGeom prst="rect">
-              <a:avLst/>
-            </a:prstGeom>
-          </p:spPr>
-        </p:pic>
-        <p:sp>
-          <p:nvSpPr>
-            <p:cNvPr id="25" name="Rectangle 24"/>
-            <p:cNvSpPr/>
-            <p:nvPr/>
-          </p:nvSpPr>
-          <p:spPr>
-            <a:xfrm rot="20331376">
-              <a:off x="7565586" y="3808173"/>
-              <a:ext cx="500771" cy="304800"/>
-            </a:xfrm>
-            <a:prstGeom prst="rect">
-              <a:avLst/>
-            </a:prstGeom>
-            <a:solidFill>
-              <a:schemeClr val="bg1"/>
-            </a:solidFill>
-            <a:ln>
-              <a:solidFill>
-                <a:schemeClr val="bg1"/>
-              </a:solidFill>
-            </a:ln>
-            <a:effectLst/>
-          </p:spPr>
-          <p:style>
-            <a:lnRef idx="1">
-              <a:schemeClr val="accent1"/>
-            </a:lnRef>
-            <a:fillRef idx="3">
-              <a:schemeClr val="accent1"/>
-            </a:fillRef>
-            <a:effectRef idx="2">
-              <a:schemeClr val="accent1"/>
-            </a:effectRef>
-            <a:fontRef idx="minor">
-              <a:schemeClr val="lt1"/>
-            </a:fontRef>
-          </p:style>
-          <p:txBody>
-            <a:bodyPr rtlCol="0" anchor="ctr"/>
-            <a:lstStyle/>
-            <a:p>
-              <a:pPr algn="ctr"/>
-              <a:endParaRPr lang="fr-FR"/>
-            </a:p>
-          </p:txBody>
-        </p:sp>
-      </p:grpSp>
-      <p:grpSp>
-        <p:nvGrpSpPr>
-          <p:cNvPr id="31" name="Grouper 30"/>
-          <p:cNvGrpSpPr/>
-          <p:nvPr/>
-        </p:nvGrpSpPr>
-        <p:grpSpPr>
-          <a:xfrm flipH="1">
-            <a:off x="7606844" y="2870091"/>
-            <a:ext cx="1898650" cy="1915874"/>
-            <a:chOff x="6038850" y="2959100"/>
-            <a:chExt cx="3251200" cy="3160474"/>
-          </a:xfrm>
-        </p:grpSpPr>
-        <p:pic>
-          <p:nvPicPr>
-            <p:cNvPr id="32" name="Image 31" descr="wifi-modem-Vista-256x256.png"/>
-            <p:cNvPicPr>
-              <a:picLocks noChangeAspect="1"/>
-            </p:cNvPicPr>
-            <p:nvPr/>
-          </p:nvPicPr>
-          <p:blipFill>
-            <a:blip r:embed="rId4"/>
-            <a:srcRect l="54128" r="40110" b="61719"/>
-            <a:stretch>
-              <a:fillRect/>
-            </a:stretch>
-          </p:blipFill>
-          <p:spPr>
-            <a:xfrm>
-              <a:off x="8915400" y="3338274"/>
-              <a:ext cx="187325" cy="1244600"/>
-            </a:xfrm>
-            <a:prstGeom prst="rect">
-              <a:avLst/>
-            </a:prstGeom>
-          </p:spPr>
-        </p:pic>
-        <p:pic>
-          <p:nvPicPr>
-            <p:cNvPr id="37" name="Image 36" descr="wifi-modem-Vista-256x256.png"/>
-            <p:cNvPicPr>
-              <a:picLocks noChangeAspect="1"/>
-            </p:cNvPicPr>
-            <p:nvPr/>
-          </p:nvPicPr>
-          <p:blipFill>
-            <a:blip r:embed="rId4"/>
-            <a:srcRect l="54128" r="40110" b="61719"/>
-            <a:stretch>
-              <a:fillRect/>
-            </a:stretch>
-          </p:blipFill>
-          <p:spPr>
-            <a:xfrm>
-              <a:off x="8270875" y="2959100"/>
-              <a:ext cx="187325" cy="1244600"/>
-            </a:xfrm>
-            <a:prstGeom prst="rect">
-              <a:avLst/>
-            </a:prstGeom>
-          </p:spPr>
-        </p:pic>
-        <p:pic>
-          <p:nvPicPr>
-            <p:cNvPr id="38" name="Image 37" descr="wifi-modem-Vista-256x256.png"/>
-            <p:cNvPicPr>
-              <a:picLocks noChangeAspect="1"/>
-            </p:cNvPicPr>
-            <p:nvPr/>
-          </p:nvPicPr>
-          <p:blipFill>
-            <a:blip r:embed="rId4"/>
-            <a:srcRect t="33594"/>
-            <a:stretch>
-              <a:fillRect/>
-            </a:stretch>
-          </p:blipFill>
-          <p:spPr>
-            <a:xfrm>
-              <a:off x="6038850" y="3960574"/>
-              <a:ext cx="3251200" cy="2159000"/>
-            </a:xfrm>
-            <a:prstGeom prst="rect">
-              <a:avLst/>
-            </a:prstGeom>
-          </p:spPr>
-        </p:pic>
-        <p:sp>
-          <p:nvSpPr>
-            <p:cNvPr id="39" name="Rectangle 38"/>
-            <p:cNvSpPr/>
-            <p:nvPr/>
-          </p:nvSpPr>
-          <p:spPr>
-            <a:xfrm rot="20331376">
-              <a:off x="7565586" y="3808173"/>
-              <a:ext cx="500771" cy="304800"/>
-            </a:xfrm>
-            <a:prstGeom prst="rect">
-              <a:avLst/>
-            </a:prstGeom>
-            <a:solidFill>
-              <a:schemeClr val="bg1"/>
-            </a:solidFill>
-            <a:ln>
-              <a:solidFill>
-                <a:schemeClr val="bg1"/>
-              </a:solidFill>
-            </a:ln>
-            <a:effectLst/>
-          </p:spPr>
-          <p:style>
-            <a:lnRef idx="1">
-              <a:schemeClr val="accent1"/>
-            </a:lnRef>
-            <a:fillRef idx="3">
-              <a:schemeClr val="accent1"/>
-            </a:fillRef>
-            <a:effectRef idx="2">
-              <a:schemeClr val="accent1"/>
-            </a:effectRef>
-            <a:fontRef idx="minor">
-              <a:schemeClr val="lt1"/>
-            </a:fontRef>
-          </p:style>
-          <p:txBody>
-            <a:bodyPr rtlCol="0" anchor="ctr"/>
-            <a:lstStyle/>
-            <a:p>
-              <a:pPr algn="ctr"/>
-              <a:endParaRPr lang="fr-FR"/>
-            </a:p>
-          </p:txBody>
-        </p:sp>
-      </p:grpSp>
-      <p:grpSp>
-        <p:nvGrpSpPr>
-          <p:cNvPr id="40" name="Grouper 39"/>
-          <p:cNvGrpSpPr/>
-          <p:nvPr/>
-        </p:nvGrpSpPr>
-        <p:grpSpPr>
-          <a:xfrm>
-            <a:off x="5078981" y="4556110"/>
-            <a:ext cx="1898650" cy="1915874"/>
-            <a:chOff x="6038850" y="2959100"/>
-            <a:chExt cx="3251200" cy="3160474"/>
-          </a:xfrm>
-          <a:effectLst/>
-        </p:grpSpPr>
-        <p:pic>
-          <p:nvPicPr>
-            <p:cNvPr id="41" name="Image 40" descr="wifi-modem-Vista-256x256.png"/>
-            <p:cNvPicPr>
-              <a:picLocks noChangeAspect="1"/>
-            </p:cNvPicPr>
-            <p:nvPr/>
-          </p:nvPicPr>
-          <p:blipFill>
-            <a:blip r:embed="rId4"/>
-            <a:srcRect l="54128" r="40110" b="61719"/>
-            <a:stretch>
-              <a:fillRect/>
-            </a:stretch>
-          </p:blipFill>
-          <p:spPr>
-            <a:xfrm>
-              <a:off x="8915400" y="3338274"/>
-              <a:ext cx="187325" cy="1244600"/>
-            </a:xfrm>
-            <a:prstGeom prst="rect">
-              <a:avLst/>
-            </a:prstGeom>
-          </p:spPr>
-        </p:pic>
-        <p:pic>
-          <p:nvPicPr>
-            <p:cNvPr id="42" name="Image 41" descr="wifi-modem-Vista-256x256.png"/>
-            <p:cNvPicPr>
-              <a:picLocks noChangeAspect="1"/>
-            </p:cNvPicPr>
-            <p:nvPr/>
-          </p:nvPicPr>
-          <p:blipFill>
-            <a:blip r:embed="rId4"/>
-            <a:srcRect l="54128" r="40110" b="61719"/>
-            <a:stretch>
-              <a:fillRect/>
-            </a:stretch>
-          </p:blipFill>
-          <p:spPr>
-            <a:xfrm>
-              <a:off x="8270875" y="2959100"/>
-              <a:ext cx="187325" cy="1244600"/>
-            </a:xfrm>
-            <a:prstGeom prst="rect">
-              <a:avLst/>
-            </a:prstGeom>
-          </p:spPr>
-        </p:pic>
-        <p:pic>
-          <p:nvPicPr>
-            <p:cNvPr id="43" name="Image 42" descr="wifi-modem-Vista-256x256.png"/>
-            <p:cNvPicPr>
-              <a:picLocks noChangeAspect="1"/>
-            </p:cNvPicPr>
-            <p:nvPr/>
-          </p:nvPicPr>
-          <p:blipFill>
-            <a:blip r:embed="rId4"/>
-            <a:srcRect t="33594"/>
-            <a:stretch>
-              <a:fillRect/>
-            </a:stretch>
-          </p:blipFill>
-          <p:spPr>
-            <a:xfrm>
-              <a:off x="6038850" y="3960574"/>
-              <a:ext cx="3251200" cy="2159000"/>
-            </a:xfrm>
-            <a:prstGeom prst="rect">
-              <a:avLst/>
-            </a:prstGeom>
-          </p:spPr>
-        </p:pic>
-        <p:sp>
-          <p:nvSpPr>
-            <p:cNvPr id="44" name="Rectangle 43"/>
-            <p:cNvSpPr/>
-            <p:nvPr/>
-          </p:nvSpPr>
-          <p:spPr>
-            <a:xfrm rot="20331376">
-              <a:off x="7565586" y="3808173"/>
-              <a:ext cx="500771" cy="304800"/>
-            </a:xfrm>
-            <a:prstGeom prst="rect">
-              <a:avLst/>
-            </a:prstGeom>
-            <a:solidFill>
-              <a:schemeClr val="bg1"/>
-            </a:solidFill>
-            <a:ln>
-              <a:solidFill>
-                <a:schemeClr val="bg1"/>
-              </a:solidFill>
-            </a:ln>
-            <a:effectLst/>
-          </p:spPr>
-          <p:style>
-            <a:lnRef idx="1">
-              <a:schemeClr val="accent1"/>
-            </a:lnRef>
-            <a:fillRef idx="3">
-              <a:schemeClr val="accent1"/>
-            </a:fillRef>
-            <a:effectRef idx="2">
-              <a:schemeClr val="accent1"/>
-            </a:effectRef>
-            <a:fontRef idx="minor">
-              <a:schemeClr val="lt1"/>
-            </a:fontRef>
-          </p:style>
-          <p:txBody>
-            <a:bodyPr rtlCol="0" anchor="ctr"/>
-            <a:lstStyle/>
-            <a:p>
-              <a:pPr algn="ctr"/>
-              <a:endParaRPr lang="fr-FR"/>
-            </a:p>
-          </p:txBody>
-        </p:sp>
-      </p:grpSp>
-      <p:sp>
-        <p:nvSpPr>
-          <p:cNvPr id="45" name="Nuage 44"/>
-          <p:cNvSpPr/>
-          <p:nvPr/>
-        </p:nvSpPr>
-        <p:spPr>
-          <a:xfrm>
-            <a:off x="4911725" y="2648632"/>
-            <a:ext cx="2067629" cy="1578982"/>
-          </a:xfrm>
-          <a:prstGeom prst="cloud">
-            <a:avLst/>
-          </a:prstGeom>
-          <a:solidFill>
-            <a:schemeClr val="accent2"/>
-          </a:solidFill>
-        </p:spPr>
-        <p:style>
-          <a:lnRef idx="1">
-            <a:schemeClr val="accent1"/>
-          </a:lnRef>
-          <a:fillRef idx="3">
-            <a:schemeClr val="accent1"/>
-          </a:fillRef>
-          <a:effectRef idx="2">
-            <a:schemeClr val="accent1"/>
-          </a:effectRef>
-          <a:fontRef idx="minor">
-            <a:schemeClr val="lt1"/>
-          </a:fontRef>
-        </p:style>
-        <p:txBody>
-          <a:bodyPr rtlCol="0" anchor="ctr"/>
-          <a:lstStyle/>
-          <a:p>
-            <a:pPr algn="ctr"/>
-            <a:r>
-              <a:rPr lang="fr-FR" dirty="0" smtClean="0"/>
-              <a:t>OLSR</a:t>
-            </a:r>
-            <a:endParaRPr lang="fr-FR" dirty="0"/>
-          </a:p>
-        </p:txBody>
-      </p:sp>
-      <p:pic>
-        <p:nvPicPr>
-          <p:cNvPr id="46" name="Image 45" descr="workstation-Vista-256x256.png"/>
-          <p:cNvPicPr>
-            <a:picLocks noChangeAspect="1"/>
-          </p:cNvPicPr>
-          <p:nvPr/>
-        </p:nvPicPr>
-        <p:blipFill>
-          <a:blip r:embed="rId5"/>
-          <a:stretch>
-            <a:fillRect/>
-          </a:stretch>
-        </p:blipFill>
-        <p:spPr>
-          <a:xfrm flipH="1">
-            <a:off x="0" y="976414"/>
-            <a:ext cx="2971800" cy="3251200"/>
-          </a:xfrm>
-          <a:prstGeom prst="rect">
-            <a:avLst/>
-          </a:prstGeom>
-        </p:spPr>
-      </p:pic>
-      <p:sp>
-        <p:nvSpPr>
-          <p:cNvPr id="47" name="Nuage 46"/>
-          <p:cNvSpPr/>
-          <p:nvPr/>
-        </p:nvSpPr>
-        <p:spPr>
-          <a:xfrm>
-            <a:off x="7821026" y="26392"/>
-            <a:ext cx="1637160" cy="1262705"/>
-          </a:xfrm>
-          <a:prstGeom prst="cloud">
-            <a:avLst/>
-          </a:prstGeom>
-          <a:solidFill>
-            <a:schemeClr val="accent1"/>
-          </a:solidFill>
-        </p:spPr>
-        <p:style>
-          <a:lnRef idx="1">
-            <a:schemeClr val="accent1"/>
-          </a:lnRef>
-          <a:fillRef idx="3">
-            <a:schemeClr val="accent1"/>
-          </a:fillRef>
-          <a:effectRef idx="2">
-            <a:schemeClr val="accent1"/>
-          </a:effectRef>
-          <a:fontRef idx="minor">
-            <a:schemeClr val="lt1"/>
-          </a:fontRef>
-        </p:style>
-        <p:txBody>
-          <a:bodyPr rtlCol="0" anchor="ctr"/>
-          <a:lstStyle/>
-          <a:p>
-            <a:pPr algn="ctr"/>
-            <a:endParaRPr lang="fr-FR"/>
-          </a:p>
-        </p:txBody>
-      </p:sp>
-      <p:sp>
-        <p:nvSpPr>
-          <p:cNvPr id="48" name="Nuage 47"/>
-          <p:cNvSpPr/>
-          <p:nvPr/>
-        </p:nvSpPr>
-        <p:spPr>
-          <a:xfrm>
-            <a:off x="7143306" y="5422416"/>
-            <a:ext cx="1898650" cy="1394316"/>
-          </a:xfrm>
-          <a:prstGeom prst="cloud">
-            <a:avLst/>
-          </a:prstGeom>
-          <a:solidFill>
-            <a:schemeClr val="accent1"/>
-          </a:solidFill>
-        </p:spPr>
-        <p:style>
-          <a:lnRef idx="1">
-            <a:schemeClr val="accent1"/>
-          </a:lnRef>
-          <a:fillRef idx="3">
-            <a:schemeClr val="accent1"/>
-          </a:fillRef>
-          <a:effectRef idx="2">
-            <a:schemeClr val="accent1"/>
-          </a:effectRef>
-          <a:fontRef idx="minor">
-            <a:schemeClr val="lt1"/>
-          </a:fontRef>
-        </p:style>
-        <p:txBody>
-          <a:bodyPr rtlCol="0" anchor="ctr"/>
-          <a:lstStyle/>
-          <a:p>
-            <a:pPr algn="ctr"/>
-            <a:endParaRPr lang="fr-FR"/>
-          </a:p>
-        </p:txBody>
-      </p:sp>
-      <p:sp>
-        <p:nvSpPr>
-          <p:cNvPr id="49" name="Nuage 48"/>
-          <p:cNvSpPr/>
-          <p:nvPr/>
-        </p:nvSpPr>
-        <p:spPr>
-          <a:xfrm>
-            <a:off x="8264044" y="2170058"/>
-            <a:ext cx="1641956" cy="1282206"/>
-          </a:xfrm>
-          <a:prstGeom prst="cloud">
-            <a:avLst/>
-          </a:prstGeom>
-          <a:solidFill>
-            <a:schemeClr val="accent1"/>
-          </a:solidFill>
-        </p:spPr>
-        <p:style>
-          <a:lnRef idx="1">
-            <a:schemeClr val="accent1"/>
-          </a:lnRef>
-          <a:fillRef idx="3">
-            <a:schemeClr val="accent1"/>
-          </a:fillRef>
-          <a:effectRef idx="2">
-            <a:schemeClr val="accent1"/>
-          </a:effectRef>
-          <a:fontRef idx="minor">
-            <a:schemeClr val="lt1"/>
-          </a:fontRef>
-        </p:style>
-        <p:txBody>
-          <a:bodyPr rtlCol="0" anchor="ctr"/>
-          <a:lstStyle/>
-          <a:p>
-            <a:pPr algn="ctr"/>
-            <a:endParaRPr lang="fr-FR"/>
-          </a:p>
-        </p:txBody>
-      </p:sp>
-      <p:cxnSp>
-        <p:nvCxnSpPr>
-          <p:cNvPr id="51" name="Connecteur droit avec flèche 50"/>
-          <p:cNvCxnSpPr>
-            <a:stCxn id="23" idx="1"/>
-            <a:endCxn id="47" idx="2"/>
-          </p:cNvCxnSpPr>
-          <p:nvPr/>
-        </p:nvCxnSpPr>
-        <p:spPr>
-          <a:xfrm flipV="1">
-            <a:off x="7252701" y="657745"/>
-            <a:ext cx="573403" cy="254115"/>
-          </a:xfrm>
-          <a:prstGeom prst="straightConnector1">
-            <a:avLst/>
-          </a:prstGeom>
-          <a:ln>
-            <a:headEnd type="arrow"/>
-            <a:tailEnd type="arrow"/>
-          </a:ln>
-        </p:spPr>
-        <p:style>
-          <a:lnRef idx="2">
-            <a:schemeClr val="accent1"/>
-          </a:lnRef>
-          <a:fillRef idx="0">
-            <a:schemeClr val="accent1"/>
-          </a:fillRef>
-          <a:effectRef idx="1">
-            <a:schemeClr val="accent1"/>
-          </a:effectRef>
-          <a:fontRef idx="minor">
-            <a:schemeClr val="tx1"/>
-          </a:fontRef>
-        </p:style>
-      </p:cxnSp>
-      <p:cxnSp>
-        <p:nvCxnSpPr>
-          <p:cNvPr id="53" name="Connecteur droit avec flèche 52"/>
-          <p:cNvCxnSpPr>
-            <a:stCxn id="22" idx="3"/>
-            <a:endCxn id="45" idx="3"/>
-          </p:cNvCxnSpPr>
-          <p:nvPr/>
-        </p:nvCxnSpPr>
-        <p:spPr>
-          <a:xfrm rot="10800000" flipV="1">
-            <a:off x="5945540" y="1141714"/>
-            <a:ext cx="821374" cy="1597197"/>
-          </a:xfrm>
-          <a:prstGeom prst="straightConnector1">
-            <a:avLst/>
-          </a:prstGeom>
-          <a:ln>
-            <a:solidFill>
-              <a:schemeClr val="accent2"/>
-            </a:solidFill>
-            <a:headEnd type="arrow"/>
-            <a:tailEnd type="arrow"/>
-          </a:ln>
-        </p:spPr>
-        <p:style>
-          <a:lnRef idx="2">
-            <a:schemeClr val="accent1"/>
-          </a:lnRef>
-          <a:fillRef idx="0">
-            <a:schemeClr val="accent1"/>
-          </a:fillRef>
-          <a:effectRef idx="1">
-            <a:schemeClr val="accent1"/>
-          </a:effectRef>
-          <a:fontRef idx="minor">
-            <a:schemeClr val="tx1"/>
-          </a:fontRef>
-        </p:style>
-      </p:cxnSp>
-      <p:cxnSp>
-        <p:nvCxnSpPr>
-          <p:cNvPr id="56" name="Connecteur droit avec flèche 55"/>
-          <p:cNvCxnSpPr>
-            <a:stCxn id="32" idx="3"/>
-            <a:endCxn id="45" idx="0"/>
-          </p:cNvCxnSpPr>
-          <p:nvPr/>
-        </p:nvCxnSpPr>
-        <p:spPr>
-          <a:xfrm rot="10800000">
-            <a:off x="6977631" y="3438123"/>
-            <a:ext cx="738608" cy="39060"/>
-          </a:xfrm>
-          <a:prstGeom prst="straightConnector1">
-            <a:avLst/>
-          </a:prstGeom>
-          <a:ln>
-            <a:solidFill>
-              <a:schemeClr val="accent2"/>
-            </a:solidFill>
-            <a:headEnd type="arrow"/>
-            <a:tailEnd type="arrow"/>
-          </a:ln>
-        </p:spPr>
-        <p:style>
-          <a:lnRef idx="2">
-            <a:schemeClr val="accent1"/>
-          </a:lnRef>
-          <a:fillRef idx="0">
-            <a:schemeClr val="accent1"/>
-          </a:fillRef>
-          <a:effectRef idx="1">
-            <a:schemeClr val="accent1"/>
-          </a:effectRef>
-          <a:fontRef idx="minor">
-            <a:schemeClr val="tx1"/>
-          </a:fontRef>
-        </p:style>
-      </p:cxnSp>
-      <p:cxnSp>
-        <p:nvCxnSpPr>
-          <p:cNvPr id="61" name="Connecteur droit avec flèche 60"/>
-          <p:cNvCxnSpPr>
-            <a:stCxn id="42" idx="1"/>
-            <a:endCxn id="45" idx="1"/>
-          </p:cNvCxnSpPr>
-          <p:nvPr/>
-        </p:nvCxnSpPr>
-        <p:spPr>
-          <a:xfrm rot="10800000">
-            <a:off x="5945541" y="4225933"/>
-            <a:ext cx="436909" cy="707414"/>
-          </a:xfrm>
-          <a:prstGeom prst="straightConnector1">
-            <a:avLst/>
-          </a:prstGeom>
-          <a:ln>
-            <a:solidFill>
-              <a:schemeClr val="accent2"/>
-            </a:solidFill>
-            <a:headEnd type="arrow"/>
-            <a:tailEnd type="arrow"/>
-          </a:ln>
-        </p:spPr>
-        <p:style>
-          <a:lnRef idx="2">
-            <a:schemeClr val="accent1"/>
-          </a:lnRef>
-          <a:fillRef idx="0">
-            <a:schemeClr val="accent1"/>
-          </a:fillRef>
-          <a:effectRef idx="1">
-            <a:schemeClr val="accent1"/>
-          </a:effectRef>
-          <a:fontRef idx="minor">
-            <a:schemeClr val="tx1"/>
-          </a:fontRef>
-        </p:style>
-      </p:cxnSp>
-    </p:spTree>
-  </p:cSld>
-  <p:clrMapOvr>
-    <a:masterClrMapping/>
-  </p:clrMapOvr>
-</p:sld>
-</file>
-
-<file path=ppt/slides/slide15.xml><?xml version="1.0" encoding="utf-8"?>
-<p:sld xmlns:a="http://schemas.openxmlformats.org/drawingml/2006/main" xmlns:r="http://schemas.openxmlformats.org/officeDocument/2006/relationships" xmlns:mc="http://schemas.openxmlformats.org/markup-compatibility/2006" xmlns:mv="urn:schemas-microsoft-com:mac:vml" xmlns:p="http://schemas.openxmlformats.org/presentationml/2006/main" mc:Ignorable="mv" mc:PreserveAttributes="mv:*">
-  <p:cSld>
-    <p:spTree>
-      <p:nvGrpSpPr>
-        <p:cNvPr id="1" name=""/>
-        <p:cNvGrpSpPr/>
-        <p:nvPr/>
-      </p:nvGrpSpPr>
-      <p:grpSpPr>
-        <a:xfrm>
-          <a:off x="0" y="0"/>
-          <a:ext cx="0" cy="0"/>
-          <a:chOff x="0" y="0"/>
-          <a:chExt cx="0" cy="0"/>
-        </a:xfrm>
-      </p:grpSpPr>
-      <p:sp>
-        <p:nvSpPr>
-          <p:cNvPr id="4" name="Ellipse 3"/>
-          <p:cNvSpPr/>
-          <p:nvPr/>
-        </p:nvSpPr>
-        <p:spPr>
-          <a:xfrm>
-            <a:off x="742950" y="2286000"/>
-            <a:ext cx="6521450" cy="3657600"/>
-          </a:xfrm>
-          <a:prstGeom prst="ellipse">
-            <a:avLst/>
-          </a:prstGeom>
-          <a:noFill/>
-          <a:ln>
-            <a:solidFill>
-              <a:schemeClr val="tx1"/>
-            </a:solidFill>
-          </a:ln>
-        </p:spPr>
-        <p:style>
-          <a:lnRef idx="1">
-            <a:schemeClr val="accent1"/>
-          </a:lnRef>
-          <a:fillRef idx="3">
-            <a:schemeClr val="accent1"/>
-          </a:fillRef>
-          <a:effectRef idx="2">
-            <a:schemeClr val="accent1"/>
-          </a:effectRef>
-          <a:fontRef idx="minor">
-            <a:schemeClr val="lt1"/>
-          </a:fontRef>
-        </p:style>
-        <p:txBody>
-          <a:bodyPr rtlCol="0" anchor="ctr"/>
-          <a:lstStyle/>
-          <a:p>
-            <a:pPr algn="ctr"/>
-            <a:endParaRPr lang="fr-FR"/>
-          </a:p>
-        </p:txBody>
-      </p:sp>
-      <p:sp>
-        <p:nvSpPr>
-          <p:cNvPr id="5" name="ZoneTexte 4"/>
-          <p:cNvSpPr txBox="1"/>
-          <p:nvPr/>
-        </p:nvSpPr>
-        <p:spPr>
-          <a:xfrm>
-            <a:off x="2889250" y="2482334"/>
-            <a:ext cx="1890261" cy="369332"/>
-          </a:xfrm>
-          <a:prstGeom prst="rect">
-            <a:avLst/>
-          </a:prstGeom>
-          <a:noFill/>
-        </p:spPr>
-        <p:txBody>
-          <a:bodyPr wrap="none" rtlCol="0">
-            <a:spAutoFit/>
-          </a:bodyPr>
-          <a:lstStyle/>
-          <a:p>
-            <a:r>
-              <a:rPr lang="fr-FR" dirty="0" smtClean="0"/>
-              <a:t>Data Model Agent</a:t>
-            </a:r>
-            <a:endParaRPr lang="fr-FR" dirty="0"/>
-          </a:p>
-        </p:txBody>
-      </p:sp>
-      <p:sp>
-        <p:nvSpPr>
-          <p:cNvPr id="6" name="Document 5"/>
-          <p:cNvSpPr/>
-          <p:nvPr/>
-        </p:nvSpPr>
-        <p:spPr>
-          <a:xfrm>
-            <a:off x="1485900" y="3581400"/>
-            <a:ext cx="990600" cy="1295400"/>
-          </a:xfrm>
-          <a:prstGeom prst="flowChartDocument">
-            <a:avLst/>
-          </a:prstGeom>
-          <a:noFill/>
-          <a:ln>
-            <a:solidFill>
-              <a:schemeClr val="tx1"/>
-            </a:solidFill>
-          </a:ln>
-        </p:spPr>
-        <p:style>
-          <a:lnRef idx="1">
-            <a:schemeClr val="accent1"/>
-          </a:lnRef>
-          <a:fillRef idx="3">
-            <a:schemeClr val="accent1"/>
-          </a:fillRef>
-          <a:effectRef idx="2">
-            <a:schemeClr val="accent1"/>
-          </a:effectRef>
-          <a:fontRef idx="minor">
-            <a:schemeClr val="lt1"/>
-          </a:fontRef>
-        </p:style>
-        <p:txBody>
-          <a:bodyPr rtlCol="0" anchor="ctr"/>
-          <a:lstStyle/>
-          <a:p>
-            <a:pPr algn="ctr"/>
-            <a:r>
-              <a:rPr lang="fr-FR" dirty="0" err="1" smtClean="0">
-                <a:solidFill>
-                  <a:schemeClr val="tx1"/>
-                </a:solidFill>
-              </a:rPr>
-              <a:t>xsd</a:t>
-            </a:r>
-            <a:endParaRPr lang="fr-FR" dirty="0">
-              <a:solidFill>
-                <a:schemeClr val="tx1"/>
-              </a:solidFill>
-            </a:endParaRPr>
-          </a:p>
-        </p:txBody>
-      </p:sp>
-      <p:sp>
-        <p:nvSpPr>
-          <p:cNvPr id="7" name="Ellipse 6"/>
-          <p:cNvSpPr/>
-          <p:nvPr/>
-        </p:nvSpPr>
-        <p:spPr>
-          <a:xfrm>
-            <a:off x="3785326" y="3005558"/>
-            <a:ext cx="1468578" cy="694481"/>
-          </a:xfrm>
-          <a:prstGeom prst="ellipse">
-            <a:avLst/>
-          </a:prstGeom>
-          <a:noFill/>
-          <a:ln>
-            <a:solidFill>
-              <a:schemeClr val="tx1"/>
-            </a:solidFill>
-          </a:ln>
-        </p:spPr>
-        <p:style>
-          <a:lnRef idx="1">
-            <a:schemeClr val="accent1"/>
-          </a:lnRef>
-          <a:fillRef idx="3">
-            <a:schemeClr val="accent1"/>
-          </a:fillRef>
-          <a:effectRef idx="2">
-            <a:schemeClr val="accent1"/>
-          </a:effectRef>
-          <a:fontRef idx="minor">
-            <a:schemeClr val="lt1"/>
-          </a:fontRef>
-        </p:style>
-        <p:txBody>
-          <a:bodyPr rtlCol="0" anchor="ctr"/>
-          <a:lstStyle/>
-          <a:p>
-            <a:pPr algn="ctr"/>
-            <a:r>
-              <a:rPr lang="fr-FR" sz="1400" dirty="0">
-                <a:solidFill>
-                  <a:schemeClr val="tx1"/>
-                </a:solidFill>
-              </a:rPr>
-              <a:t>c</a:t>
-            </a:r>
-            <a:r>
-              <a:rPr lang="fr-FR" sz="1400" dirty="0" err="1" smtClean="0">
-                <a:solidFill>
-                  <a:schemeClr val="tx1"/>
-                </a:solidFill>
-              </a:rPr>
-              <a:t>ontainer</a:t>
-            </a:r>
-            <a:r>
-              <a:rPr lang="fr-FR" sz="1400" dirty="0" smtClean="0">
-                <a:solidFill>
-                  <a:schemeClr val="tx1"/>
-                </a:solidFill>
-              </a:rPr>
-              <a:t> interfaces</a:t>
-            </a:r>
-            <a:endParaRPr lang="fr-FR" sz="1400" dirty="0">
-              <a:solidFill>
-                <a:schemeClr val="tx1"/>
-              </a:solidFill>
-            </a:endParaRPr>
-          </a:p>
-        </p:txBody>
-      </p:sp>
-      <p:sp>
-        <p:nvSpPr>
-          <p:cNvPr id="8" name="Ellipse 7"/>
-          <p:cNvSpPr/>
-          <p:nvPr/>
-        </p:nvSpPr>
-        <p:spPr>
-          <a:xfrm>
-            <a:off x="3933103" y="3919958"/>
-            <a:ext cx="1320799" cy="609600"/>
-          </a:xfrm>
-          <a:prstGeom prst="ellipse">
-            <a:avLst/>
-          </a:prstGeom>
-          <a:noFill/>
-          <a:ln>
-            <a:solidFill>
-              <a:schemeClr val="tx1"/>
-            </a:solidFill>
-          </a:ln>
-        </p:spPr>
-        <p:style>
-          <a:lnRef idx="1">
-            <a:schemeClr val="accent1"/>
-          </a:lnRef>
-          <a:fillRef idx="3">
-            <a:schemeClr val="accent1"/>
-          </a:fillRef>
-          <a:effectRef idx="2">
-            <a:schemeClr val="accent1"/>
-          </a:effectRef>
-          <a:fontRef idx="minor">
-            <a:schemeClr val="lt1"/>
-          </a:fontRef>
-        </p:style>
-        <p:txBody>
-          <a:bodyPr rtlCol="0" anchor="ctr"/>
-          <a:lstStyle/>
-          <a:p>
-            <a:pPr algn="ctr"/>
-            <a:r>
-              <a:rPr lang="fr-FR" sz="1400" dirty="0">
-                <a:solidFill>
-                  <a:schemeClr val="tx1"/>
-                </a:solidFill>
-              </a:rPr>
-              <a:t>l</a:t>
-            </a:r>
-            <a:r>
-              <a:rPr lang="fr-FR" sz="1400" dirty="0" err="1" smtClean="0">
-                <a:solidFill>
-                  <a:schemeClr val="tx1"/>
-                </a:solidFill>
-              </a:rPr>
-              <a:t>ist</a:t>
-            </a:r>
-            <a:endParaRPr lang="fr-FR" sz="1400" dirty="0" smtClean="0">
-              <a:solidFill>
-                <a:schemeClr val="tx1"/>
-              </a:solidFill>
-            </a:endParaRPr>
-          </a:p>
-          <a:p>
-            <a:pPr algn="ctr"/>
-            <a:r>
-              <a:rPr lang="fr-FR" sz="1400" dirty="0" smtClean="0">
-                <a:solidFill>
-                  <a:schemeClr val="tx1"/>
-                </a:solidFill>
-              </a:rPr>
-              <a:t>interface</a:t>
-            </a:r>
-            <a:endParaRPr lang="fr-FR" sz="1400" dirty="0">
-              <a:solidFill>
-                <a:schemeClr val="tx1"/>
-              </a:solidFill>
-            </a:endParaRPr>
-          </a:p>
-        </p:txBody>
-      </p:sp>
-      <p:sp>
-        <p:nvSpPr>
-          <p:cNvPr id="9" name="Ellipse 8"/>
-          <p:cNvSpPr/>
-          <p:nvPr/>
-        </p:nvSpPr>
-        <p:spPr>
-          <a:xfrm>
-            <a:off x="3496403" y="4986757"/>
-            <a:ext cx="1097100" cy="593202"/>
-          </a:xfrm>
-          <a:prstGeom prst="ellipse">
-            <a:avLst/>
-          </a:prstGeom>
-          <a:noFill/>
-          <a:ln>
-            <a:solidFill>
-              <a:schemeClr val="tx1"/>
-            </a:solidFill>
-          </a:ln>
-        </p:spPr>
-        <p:style>
-          <a:lnRef idx="1">
-            <a:schemeClr val="accent1"/>
-          </a:lnRef>
-          <a:fillRef idx="3">
-            <a:schemeClr val="accent1"/>
-          </a:fillRef>
-          <a:effectRef idx="2">
-            <a:schemeClr val="accent1"/>
-          </a:effectRef>
-          <a:fontRef idx="minor">
-            <a:schemeClr val="lt1"/>
-          </a:fontRef>
-        </p:style>
-        <p:txBody>
-          <a:bodyPr rtlCol="0" anchor="ctr"/>
-          <a:lstStyle/>
-          <a:p>
-            <a:pPr algn="ctr"/>
-            <a:r>
-              <a:rPr lang="fr-FR" sz="1400" dirty="0" err="1" smtClean="0">
-                <a:solidFill>
-                  <a:schemeClr val="tx1"/>
-                </a:solidFill>
-              </a:rPr>
-              <a:t>leaf</a:t>
-            </a:r>
-            <a:endParaRPr lang="fr-FR" sz="1400" dirty="0" smtClean="0">
-              <a:solidFill>
-                <a:schemeClr val="tx1"/>
-              </a:solidFill>
-            </a:endParaRPr>
-          </a:p>
-          <a:p>
-            <a:pPr algn="ctr"/>
-            <a:r>
-              <a:rPr lang="fr-FR" sz="1400" dirty="0" err="1" smtClean="0">
-                <a:solidFill>
-                  <a:schemeClr val="tx1"/>
-                </a:solidFill>
-              </a:rPr>
-              <a:t>name</a:t>
-            </a:r>
-            <a:endParaRPr lang="fr-FR" sz="1400" dirty="0">
-              <a:solidFill>
-                <a:schemeClr val="tx1"/>
-              </a:solidFill>
-            </a:endParaRPr>
-          </a:p>
-        </p:txBody>
-      </p:sp>
-      <p:sp>
-        <p:nvSpPr>
-          <p:cNvPr id="10" name="Ellipse 9"/>
-          <p:cNvSpPr/>
-          <p:nvPr/>
-        </p:nvSpPr>
-        <p:spPr>
-          <a:xfrm>
-            <a:off x="4655417" y="4986758"/>
-            <a:ext cx="1196973" cy="550761"/>
-          </a:xfrm>
-          <a:prstGeom prst="ellipse">
-            <a:avLst/>
-          </a:prstGeom>
-          <a:noFill/>
-          <a:ln>
-            <a:solidFill>
-              <a:schemeClr val="tx1"/>
-            </a:solidFill>
-          </a:ln>
-        </p:spPr>
-        <p:style>
-          <a:lnRef idx="1">
-            <a:schemeClr val="accent1"/>
-          </a:lnRef>
-          <a:fillRef idx="3">
-            <a:schemeClr val="accent1"/>
-          </a:fillRef>
-          <a:effectRef idx="2">
-            <a:schemeClr val="accent1"/>
-          </a:effectRef>
-          <a:fontRef idx="minor">
-            <a:schemeClr val="lt1"/>
-          </a:fontRef>
-        </p:style>
-        <p:txBody>
-          <a:bodyPr rtlCol="0" anchor="ctr"/>
-          <a:lstStyle/>
-          <a:p>
-            <a:pPr algn="ctr"/>
-            <a:r>
-              <a:rPr lang="fr-FR" sz="1400" dirty="0" err="1" smtClean="0">
-                <a:solidFill>
-                  <a:schemeClr val="tx1"/>
-                </a:solidFill>
-              </a:rPr>
-              <a:t>leaf</a:t>
-            </a:r>
-            <a:endParaRPr lang="fr-FR" sz="1400" dirty="0" smtClean="0">
-              <a:solidFill>
-                <a:schemeClr val="tx1"/>
-              </a:solidFill>
-            </a:endParaRPr>
-          </a:p>
-          <a:p>
-            <a:pPr algn="ctr"/>
-            <a:r>
-              <a:rPr lang="fr-FR" sz="1400" dirty="0" err="1" smtClean="0">
-                <a:solidFill>
-                  <a:schemeClr val="tx1"/>
-                </a:solidFill>
-              </a:rPr>
-              <a:t>mtu</a:t>
-            </a:r>
-            <a:endParaRPr lang="fr-FR" sz="1400" dirty="0">
-              <a:solidFill>
-                <a:schemeClr val="tx1"/>
-              </a:solidFill>
-            </a:endParaRPr>
-          </a:p>
-        </p:txBody>
-      </p:sp>
-      <p:cxnSp>
-        <p:nvCxnSpPr>
-          <p:cNvPr id="12" name="Connecteur droit 11"/>
-          <p:cNvCxnSpPr>
-            <a:stCxn id="7" idx="4"/>
-            <a:endCxn id="8" idx="0"/>
-          </p:cNvCxnSpPr>
-          <p:nvPr/>
-        </p:nvCxnSpPr>
-        <p:spPr>
-          <a:xfrm rot="16200000" flipH="1">
-            <a:off x="4446599" y="3773054"/>
-            <a:ext cx="219920" cy="73888"/>
-          </a:xfrm>
-          <a:prstGeom prst="line">
-            <a:avLst/>
-          </a:prstGeom>
-        </p:spPr>
-        <p:style>
-          <a:lnRef idx="2">
-            <a:schemeClr val="accent1"/>
-          </a:lnRef>
-          <a:fillRef idx="0">
-            <a:schemeClr val="accent1"/>
-          </a:fillRef>
-          <a:effectRef idx="1">
-            <a:schemeClr val="accent1"/>
-          </a:effectRef>
-          <a:fontRef idx="minor">
-            <a:schemeClr val="tx1"/>
-          </a:fontRef>
-        </p:style>
-      </p:cxnSp>
-      <p:cxnSp>
-        <p:nvCxnSpPr>
-          <p:cNvPr id="14" name="Connecteur droit 13"/>
-          <p:cNvCxnSpPr>
-            <a:stCxn id="8" idx="4"/>
-            <a:endCxn id="9" idx="0"/>
-          </p:cNvCxnSpPr>
-          <p:nvPr/>
-        </p:nvCxnSpPr>
-        <p:spPr>
-          <a:xfrm rot="5400000">
-            <a:off x="4090630" y="4483884"/>
-            <a:ext cx="457199" cy="548549"/>
-          </a:xfrm>
-          <a:prstGeom prst="line">
-            <a:avLst/>
-          </a:prstGeom>
-        </p:spPr>
-        <p:style>
-          <a:lnRef idx="2">
-            <a:schemeClr val="accent1"/>
-          </a:lnRef>
-          <a:fillRef idx="0">
-            <a:schemeClr val="accent1"/>
-          </a:fillRef>
-          <a:effectRef idx="1">
-            <a:schemeClr val="accent1"/>
-          </a:effectRef>
-          <a:fontRef idx="minor">
-            <a:schemeClr val="tx1"/>
-          </a:fontRef>
-        </p:style>
-      </p:cxnSp>
-      <p:cxnSp>
-        <p:nvCxnSpPr>
-          <p:cNvPr id="16" name="Connecteur droit 15"/>
-          <p:cNvCxnSpPr>
-            <a:stCxn id="8" idx="4"/>
-            <a:endCxn id="10" idx="0"/>
-          </p:cNvCxnSpPr>
-          <p:nvPr/>
-        </p:nvCxnSpPr>
-        <p:spPr>
-          <a:xfrm rot="16200000" flipH="1">
-            <a:off x="4695104" y="4427957"/>
-            <a:ext cx="457199" cy="660401"/>
-          </a:xfrm>
-          <a:prstGeom prst="line">
-            <a:avLst/>
-          </a:prstGeom>
-        </p:spPr>
-        <p:style>
-          <a:lnRef idx="2">
-            <a:schemeClr val="accent1"/>
-          </a:lnRef>
-          <a:fillRef idx="0">
-            <a:schemeClr val="accent1"/>
-          </a:fillRef>
-          <a:effectRef idx="1">
-            <a:schemeClr val="accent1"/>
-          </a:effectRef>
-          <a:fontRef idx="minor">
-            <a:schemeClr val="tx1"/>
-          </a:fontRef>
-        </p:style>
-      </p:cxnSp>
-      <p:sp>
-        <p:nvSpPr>
-          <p:cNvPr id="35" name="Document 34"/>
-          <p:cNvSpPr/>
-          <p:nvPr/>
-        </p:nvSpPr>
-        <p:spPr>
-          <a:xfrm>
-            <a:off x="7099300" y="424934"/>
-            <a:ext cx="2641600" cy="3004066"/>
-          </a:xfrm>
-          <a:prstGeom prst="flowChartDocument">
-            <a:avLst/>
-          </a:prstGeom>
-          <a:noFill/>
-          <a:ln>
-            <a:solidFill>
-              <a:schemeClr val="tx1"/>
-            </a:solidFill>
-          </a:ln>
-        </p:spPr>
-        <p:style>
-          <a:lnRef idx="1">
-            <a:schemeClr val="accent1"/>
-          </a:lnRef>
-          <a:fillRef idx="3">
-            <a:schemeClr val="accent1"/>
-          </a:fillRef>
-          <a:effectRef idx="2">
-            <a:schemeClr val="accent1"/>
-          </a:effectRef>
-          <a:fontRef idx="minor">
-            <a:schemeClr val="lt1"/>
-          </a:fontRef>
-        </p:style>
-        <p:txBody>
-          <a:bodyPr rtlCol="0" anchor="t" anchorCtr="0"/>
-          <a:lstStyle/>
-          <a:p>
-            <a:r>
-              <a:rPr lang="fr-FR" sz="1200" dirty="0">
-                <a:solidFill>
-                  <a:schemeClr val="tx1"/>
-                </a:solidFill>
-              </a:rPr>
-              <a:t>m</a:t>
-            </a:r>
-            <a:r>
-              <a:rPr lang="fr-FR" sz="1200" dirty="0" err="1" smtClean="0">
-                <a:solidFill>
-                  <a:schemeClr val="tx1"/>
-                </a:solidFill>
-              </a:rPr>
-              <a:t>odule</a:t>
-            </a:r>
-            <a:r>
-              <a:rPr lang="fr-FR" sz="1200" dirty="0" smtClean="0">
-                <a:solidFill>
-                  <a:schemeClr val="tx1"/>
-                </a:solidFill>
-              </a:rPr>
-              <a:t> network {</a:t>
-            </a:r>
-          </a:p>
-          <a:p>
-            <a:r>
-              <a:rPr lang="fr-FR" sz="1200" dirty="0" smtClean="0">
-                <a:solidFill>
-                  <a:schemeClr val="tx1"/>
-                </a:solidFill>
-              </a:rPr>
-              <a:t>…</a:t>
-            </a:r>
-          </a:p>
-          <a:p>
-            <a:r>
-              <a:rPr lang="fr-FR" sz="1200" dirty="0" smtClean="0">
-                <a:solidFill>
-                  <a:schemeClr val="tx1"/>
-                </a:solidFill>
-              </a:rPr>
-              <a:t>	container interfaces {</a:t>
-            </a:r>
-          </a:p>
-          <a:p>
-            <a:endParaRPr lang="fr-FR" sz="1200" dirty="0" smtClean="0">
-              <a:solidFill>
-                <a:schemeClr val="tx1"/>
-              </a:solidFill>
-            </a:endParaRPr>
-          </a:p>
-          <a:p>
-            <a:r>
-              <a:rPr lang="fr-FR" sz="1200" dirty="0" smtClean="0">
-                <a:solidFill>
-                  <a:schemeClr val="tx1"/>
-                </a:solidFill>
-              </a:rPr>
-              <a:t>		</a:t>
-            </a:r>
-            <a:r>
-              <a:rPr lang="fr-FR" sz="1200" dirty="0" err="1" smtClean="0">
-                <a:solidFill>
-                  <a:schemeClr val="tx1"/>
-                </a:solidFill>
-              </a:rPr>
-              <a:t>list</a:t>
-            </a:r>
-            <a:r>
-              <a:rPr lang="fr-FR" sz="1200" dirty="0" smtClean="0">
-                <a:solidFill>
-                  <a:schemeClr val="tx1"/>
-                </a:solidFill>
-              </a:rPr>
-              <a:t> interface {</a:t>
-            </a:r>
-          </a:p>
-          <a:p>
-            <a:endParaRPr lang="fr-FR" sz="1200" dirty="0" smtClean="0">
-              <a:solidFill>
-                <a:schemeClr val="tx1"/>
-              </a:solidFill>
-            </a:endParaRPr>
-          </a:p>
-          <a:p>
-            <a:r>
-              <a:rPr lang="fr-FR" sz="1200" dirty="0" smtClean="0">
-                <a:solidFill>
-                  <a:schemeClr val="tx1"/>
-                </a:solidFill>
-              </a:rPr>
-              <a:t>			</a:t>
-            </a:r>
-            <a:r>
-              <a:rPr lang="fr-FR" sz="1200" dirty="0" err="1" smtClean="0">
-                <a:solidFill>
-                  <a:schemeClr val="tx1"/>
-                </a:solidFill>
-              </a:rPr>
-              <a:t>leaf</a:t>
-            </a:r>
-            <a:r>
-              <a:rPr lang="fr-FR" sz="1200" dirty="0" smtClean="0">
-                <a:solidFill>
-                  <a:schemeClr val="tx1"/>
-                </a:solidFill>
-              </a:rPr>
-              <a:t> </a:t>
-            </a:r>
-            <a:r>
-              <a:rPr lang="fr-FR" sz="1200" dirty="0" err="1" smtClean="0">
-                <a:solidFill>
-                  <a:schemeClr val="tx1"/>
-                </a:solidFill>
-              </a:rPr>
-              <a:t>name</a:t>
-            </a:r>
-            <a:r>
-              <a:rPr lang="fr-FR" sz="1200" dirty="0" smtClean="0">
-                <a:solidFill>
-                  <a:schemeClr val="tx1"/>
-                </a:solidFill>
-              </a:rPr>
-              <a:t> {…</a:t>
-            </a:r>
-          </a:p>
-          <a:p>
-            <a:r>
-              <a:rPr lang="fr-FR" sz="1200" dirty="0" smtClean="0">
-                <a:solidFill>
-                  <a:schemeClr val="tx1"/>
-                </a:solidFill>
-              </a:rPr>
-              <a:t>			</a:t>
-            </a:r>
-            <a:r>
-              <a:rPr lang="fr-FR" sz="1200" dirty="0" err="1" smtClean="0">
-                <a:solidFill>
-                  <a:schemeClr val="tx1"/>
-                </a:solidFill>
-              </a:rPr>
-              <a:t>leaf</a:t>
-            </a:r>
-            <a:r>
-              <a:rPr lang="fr-FR" sz="1200" dirty="0" smtClean="0">
-                <a:solidFill>
-                  <a:schemeClr val="tx1"/>
-                </a:solidFill>
-              </a:rPr>
-              <a:t> </a:t>
-            </a:r>
-            <a:r>
-              <a:rPr lang="fr-FR" sz="1200" dirty="0" err="1" smtClean="0">
-                <a:solidFill>
-                  <a:schemeClr val="tx1"/>
-                </a:solidFill>
-              </a:rPr>
-              <a:t>mtu</a:t>
-            </a:r>
-            <a:r>
-              <a:rPr lang="fr-FR" sz="1200" dirty="0" smtClean="0">
-                <a:solidFill>
-                  <a:schemeClr val="tx1"/>
-                </a:solidFill>
-              </a:rPr>
-              <a:t> {…</a:t>
-            </a:r>
-          </a:p>
-          <a:p>
-            <a:r>
-              <a:rPr lang="fr-FR" sz="1200" dirty="0" smtClean="0">
-                <a:solidFill>
-                  <a:schemeClr val="tx1"/>
-                </a:solidFill>
-              </a:rPr>
-              <a:t>		}</a:t>
-            </a:r>
-          </a:p>
-          <a:p>
-            <a:r>
-              <a:rPr lang="fr-FR" sz="1200" dirty="0" smtClean="0">
-                <a:solidFill>
-                  <a:schemeClr val="tx1"/>
-                </a:solidFill>
-              </a:rPr>
-              <a:t>	}</a:t>
-            </a:r>
-          </a:p>
-          <a:p>
-            <a:r>
-              <a:rPr lang="fr-FR" sz="1200" dirty="0">
-                <a:solidFill>
-                  <a:schemeClr val="tx1"/>
-                </a:solidFill>
-              </a:rPr>
-              <a:t>}</a:t>
-            </a:r>
-            <a:endParaRPr lang="fr-FR" sz="1200" dirty="0" smtClean="0">
-              <a:solidFill>
-                <a:schemeClr val="tx1"/>
-              </a:solidFill>
-            </a:endParaRPr>
-          </a:p>
-          <a:p>
-            <a:endParaRPr lang="fr-FR" sz="1200" dirty="0">
-              <a:solidFill>
-                <a:schemeClr val="tx1"/>
-              </a:solidFill>
-            </a:endParaRPr>
-          </a:p>
-        </p:txBody>
-      </p:sp>
-      <p:sp>
-        <p:nvSpPr>
-          <p:cNvPr id="36" name="Flèche courbée vers la gauche 35"/>
-          <p:cNvSpPr/>
-          <p:nvPr/>
-        </p:nvSpPr>
-        <p:spPr>
-          <a:xfrm rot="2786343">
-            <a:off x="7714621" y="3313555"/>
-            <a:ext cx="640085" cy="1403350"/>
-          </a:xfrm>
-          <a:prstGeom prst="curvedLeftArrow">
-            <a:avLst>
-              <a:gd name="adj1" fmla="val 14090"/>
-              <a:gd name="adj2" fmla="val 31842"/>
-              <a:gd name="adj3" fmla="val 22300"/>
-            </a:avLst>
-          </a:prstGeom>
-          <a:solidFill>
-            <a:schemeClr val="tx1"/>
-          </a:solidFill>
-          <a:ln>
-            <a:solidFill>
-              <a:schemeClr val="tx1"/>
-            </a:solidFill>
-          </a:ln>
-        </p:spPr>
-        <p:style>
-          <a:lnRef idx="1">
-            <a:schemeClr val="accent1"/>
-          </a:lnRef>
-          <a:fillRef idx="3">
-            <a:schemeClr val="accent1"/>
-          </a:fillRef>
-          <a:effectRef idx="2">
-            <a:schemeClr val="accent1"/>
-          </a:effectRef>
-          <a:fontRef idx="minor">
-            <a:schemeClr val="lt1"/>
-          </a:fontRef>
-        </p:style>
-        <p:txBody>
-          <a:bodyPr rtlCol="0" anchor="ctr"/>
-          <a:lstStyle/>
-          <a:p>
-            <a:pPr algn="ctr"/>
-            <a:endParaRPr lang="fr-FR">
-              <a:solidFill>
-                <a:schemeClr val="tx1"/>
-              </a:solidFill>
-            </a:endParaRPr>
-          </a:p>
-        </p:txBody>
-      </p:sp>
-      <p:sp>
-        <p:nvSpPr>
-          <p:cNvPr id="37" name="ZoneTexte 36"/>
-          <p:cNvSpPr txBox="1"/>
-          <p:nvPr/>
-        </p:nvSpPr>
-        <p:spPr>
-          <a:xfrm>
-            <a:off x="8063803" y="4507468"/>
-            <a:ext cx="1351777" cy="369332"/>
-          </a:xfrm>
-          <a:prstGeom prst="rect">
-            <a:avLst/>
-          </a:prstGeom>
-          <a:noFill/>
-        </p:spPr>
-        <p:txBody>
-          <a:bodyPr wrap="none" rtlCol="0">
-            <a:spAutoFit/>
-          </a:bodyPr>
-          <a:lstStyle/>
-          <a:p>
-            <a:r>
-              <a:rPr lang="fr-FR" i="1" dirty="0" err="1"/>
-              <a:t>j</a:t>
-            </a:r>
-            <a:r>
-              <a:rPr lang="fr-FR" i="1" dirty="0" err="1" smtClean="0"/>
-              <a:t>Yang</a:t>
-            </a:r>
-            <a:r>
-              <a:rPr lang="fr-FR" i="1" dirty="0" smtClean="0"/>
-              <a:t> </a:t>
-            </a:r>
-            <a:r>
-              <a:rPr lang="fr-FR" dirty="0" err="1" smtClean="0"/>
-              <a:t>parser</a:t>
-            </a:r>
-            <a:endParaRPr lang="fr-FR" dirty="0"/>
-          </a:p>
-        </p:txBody>
-      </p:sp>
-      <p:sp>
-        <p:nvSpPr>
-          <p:cNvPr id="15" name="ZoneTexte 14"/>
-          <p:cNvSpPr txBox="1"/>
-          <p:nvPr/>
-        </p:nvSpPr>
-        <p:spPr>
-          <a:xfrm>
-            <a:off x="5365753" y="5791200"/>
-            <a:ext cx="3818699" cy="923330"/>
-          </a:xfrm>
-          <a:prstGeom prst="rect">
-            <a:avLst/>
-          </a:prstGeom>
-          <a:noFill/>
-        </p:spPr>
-        <p:txBody>
-          <a:bodyPr wrap="none" rtlCol="0">
-            <a:spAutoFit/>
-          </a:bodyPr>
-          <a:lstStyle/>
-          <a:p>
-            <a:r>
-              <a:rPr lang="fr-FR" dirty="0" err="1" smtClean="0"/>
-              <a:t>Schema</a:t>
-            </a:r>
-            <a:r>
-              <a:rPr lang="fr-FR" dirty="0" smtClean="0"/>
-              <a:t> </a:t>
-            </a:r>
-            <a:r>
-              <a:rPr lang="fr-FR" dirty="0" err="1" smtClean="0"/>
-              <a:t>Tree</a:t>
-            </a:r>
-            <a:r>
-              <a:rPr lang="fr-FR" dirty="0" smtClean="0"/>
-              <a:t> :</a:t>
-            </a:r>
-          </a:p>
-          <a:p>
-            <a:r>
-              <a:rPr lang="fr-FR" dirty="0" smtClean="0"/>
-              <a:t>- </a:t>
-            </a:r>
-            <a:r>
-              <a:rPr lang="fr-FR" dirty="0"/>
-              <a:t>n</a:t>
-            </a:r>
-            <a:r>
-              <a:rPr lang="fr-FR" dirty="0" smtClean="0"/>
-              <a:t>o </a:t>
-            </a:r>
-            <a:r>
-              <a:rPr lang="fr-FR" dirty="0" err="1" smtClean="0"/>
-              <a:t>typedef</a:t>
-            </a:r>
-            <a:r>
-              <a:rPr lang="fr-FR" dirty="0" smtClean="0"/>
-              <a:t>, </a:t>
-            </a:r>
-            <a:r>
-              <a:rPr lang="fr-FR" dirty="0" err="1" smtClean="0"/>
-              <a:t>grouping</a:t>
-            </a:r>
-            <a:r>
-              <a:rPr lang="fr-FR" dirty="0" smtClean="0"/>
-              <a:t>, uses, augments</a:t>
-            </a:r>
-          </a:p>
-          <a:p>
-            <a:r>
-              <a:rPr lang="fr-FR" dirty="0" smtClean="0"/>
-              <a:t>- j</a:t>
-            </a:r>
-            <a:r>
-              <a:rPr lang="fr-FR" dirty="0" err="1" smtClean="0"/>
-              <a:t>ust</a:t>
-            </a:r>
-            <a:r>
-              <a:rPr lang="fr-FR" dirty="0" smtClean="0"/>
-              <a:t> data </a:t>
-            </a:r>
-            <a:r>
-              <a:rPr lang="fr-FR" dirty="0" err="1" smtClean="0"/>
-              <a:t>nodes</a:t>
-            </a:r>
-            <a:r>
-              <a:rPr lang="fr-FR" dirty="0" smtClean="0"/>
-              <a:t> (and </a:t>
-            </a:r>
-            <a:r>
-              <a:rPr lang="fr-FR" dirty="0" err="1" smtClean="0"/>
-              <a:t>choice</a:t>
-            </a:r>
-            <a:r>
-              <a:rPr lang="fr-FR" dirty="0" smtClean="0"/>
-              <a:t>)</a:t>
-            </a:r>
-            <a:endParaRPr lang="fr-FR" dirty="0"/>
-          </a:p>
-        </p:txBody>
-      </p:sp>
-    </p:spTree>
-  </p:cSld>
-  <p:clrMapOvr>
-    <a:masterClrMapping/>
-  </p:clrMapOvr>
-</p:sld>
-</file>
-
-<file path=ppt/slides/slide16.xml><?xml version="1.0" encoding="utf-8"?>
-<p:sld xmlns:a="http://schemas.openxmlformats.org/drawingml/2006/main" xmlns:r="http://schemas.openxmlformats.org/officeDocument/2006/relationships" xmlns:mc="http://schemas.openxmlformats.org/markup-compatibility/2006" xmlns:mv="urn:schemas-microsoft-com:mac:vml" xmlns:p="http://schemas.openxmlformats.org/presentationml/2006/main" mc:Ignorable="mv" mc:PreserveAttributes="mv:*">
-  <p:cSld>
-    <p:spTree>
-      <p:nvGrpSpPr>
-        <p:cNvPr id="1" name=""/>
-        <p:cNvGrpSpPr/>
-        <p:nvPr/>
-      </p:nvGrpSpPr>
-      <p:grpSpPr>
-        <a:xfrm>
-          <a:off x="0" y="0"/>
-          <a:ext cx="0" cy="0"/>
-          <a:chOff x="0" y="0"/>
-          <a:chExt cx="0" cy="0"/>
-        </a:xfrm>
-      </p:grpSpPr>
-      <p:sp>
-        <p:nvSpPr>
-          <p:cNvPr id="9" name="Cube 8"/>
-          <p:cNvSpPr/>
-          <p:nvPr/>
-        </p:nvSpPr>
-        <p:spPr>
-          <a:xfrm>
-            <a:off x="6711498" y="1981200"/>
-            <a:ext cx="1568450" cy="1066800"/>
-          </a:xfrm>
-          <a:prstGeom prst="cube">
-            <a:avLst/>
-          </a:prstGeom>
-          <a:solidFill>
-            <a:schemeClr val="bg1"/>
-          </a:solidFill>
-          <a:ln>
-            <a:solidFill>
-              <a:schemeClr val="tx1"/>
-            </a:solidFill>
-          </a:ln>
-        </p:spPr>
-        <p:style>
-          <a:lnRef idx="1">
-            <a:schemeClr val="accent1"/>
-          </a:lnRef>
-          <a:fillRef idx="3">
-            <a:schemeClr val="accent1"/>
-          </a:fillRef>
-          <a:effectRef idx="2">
-            <a:schemeClr val="accent1"/>
-          </a:effectRef>
-          <a:fontRef idx="minor">
-            <a:schemeClr val="lt1"/>
-          </a:fontRef>
-        </p:style>
-        <p:txBody>
-          <a:bodyPr rtlCol="0" anchor="ctr"/>
-          <a:lstStyle/>
-          <a:p>
-            <a:pPr algn="ctr"/>
-            <a:r>
-              <a:rPr lang="fr-FR" dirty="0" smtClean="0">
-                <a:solidFill>
-                  <a:schemeClr val="tx1"/>
-                </a:solidFill>
-              </a:rPr>
-              <a:t>NETCONF</a:t>
-            </a:r>
-          </a:p>
-          <a:p>
-            <a:pPr algn="ctr"/>
-            <a:r>
-              <a:rPr lang="fr-FR" dirty="0" smtClean="0">
-                <a:solidFill>
-                  <a:schemeClr val="tx1"/>
-                </a:solidFill>
-              </a:rPr>
-              <a:t>Manager</a:t>
-            </a:r>
-            <a:endParaRPr lang="fr-FR" dirty="0">
-              <a:solidFill>
-                <a:schemeClr val="tx1"/>
-              </a:solidFill>
-            </a:endParaRPr>
-          </a:p>
-        </p:txBody>
-      </p:sp>
-      <p:sp>
-        <p:nvSpPr>
-          <p:cNvPr id="10" name="Cube 9"/>
-          <p:cNvSpPr/>
-          <p:nvPr/>
-        </p:nvSpPr>
-        <p:spPr>
-          <a:xfrm>
-            <a:off x="6711498" y="1047750"/>
-            <a:ext cx="1568450" cy="1066800"/>
-          </a:xfrm>
-          <a:prstGeom prst="cube">
-            <a:avLst/>
-          </a:prstGeom>
-          <a:solidFill>
-            <a:schemeClr val="bg1"/>
-          </a:solidFill>
-          <a:ln>
-            <a:solidFill>
-              <a:schemeClr val="tx1"/>
-            </a:solidFill>
-          </a:ln>
-        </p:spPr>
-        <p:style>
-          <a:lnRef idx="1">
-            <a:schemeClr val="accent1"/>
-          </a:lnRef>
-          <a:fillRef idx="3">
-            <a:schemeClr val="accent1"/>
-          </a:fillRef>
-          <a:effectRef idx="2">
-            <a:schemeClr val="accent1"/>
-          </a:effectRef>
-          <a:fontRef idx="minor">
-            <a:schemeClr val="lt1"/>
-          </a:fontRef>
-        </p:style>
-        <p:txBody>
-          <a:bodyPr rtlCol="0" anchor="ctr"/>
-          <a:lstStyle/>
-          <a:p>
-            <a:pPr algn="ctr"/>
-            <a:r>
-              <a:rPr lang="fr-FR" dirty="0" smtClean="0">
-                <a:solidFill>
-                  <a:schemeClr val="tx1"/>
-                </a:solidFill>
-              </a:rPr>
-              <a:t>HTTPS</a:t>
-            </a:r>
-          </a:p>
-          <a:p>
-            <a:pPr algn="ctr"/>
-            <a:r>
-              <a:rPr lang="fr-FR" dirty="0" smtClean="0">
-                <a:solidFill>
-                  <a:schemeClr val="tx1"/>
-                </a:solidFill>
-              </a:rPr>
-              <a:t>Server</a:t>
-            </a:r>
-            <a:endParaRPr lang="fr-FR" dirty="0">
-              <a:solidFill>
-                <a:schemeClr val="tx1"/>
-              </a:solidFill>
-            </a:endParaRPr>
-          </a:p>
-        </p:txBody>
-      </p:sp>
-      <p:sp>
-        <p:nvSpPr>
-          <p:cNvPr id="14" name="Rectangle à coins arrondis 13"/>
-          <p:cNvSpPr/>
-          <p:nvPr/>
-        </p:nvSpPr>
-        <p:spPr>
-          <a:xfrm>
-            <a:off x="5778500" y="647700"/>
-            <a:ext cx="2641600" cy="4076700"/>
-          </a:xfrm>
-          <a:prstGeom prst="roundRect">
-            <a:avLst/>
-          </a:prstGeom>
-          <a:noFill/>
-          <a:ln w="34925">
-            <a:solidFill>
-              <a:schemeClr val="tx1"/>
-            </a:solidFill>
-          </a:ln>
-        </p:spPr>
-        <p:style>
-          <a:lnRef idx="1">
-            <a:schemeClr val="accent1"/>
-          </a:lnRef>
-          <a:fillRef idx="3">
-            <a:schemeClr val="accent1"/>
-          </a:fillRef>
-          <a:effectRef idx="2">
-            <a:schemeClr val="accent1"/>
-          </a:effectRef>
-          <a:fontRef idx="minor">
-            <a:schemeClr val="lt1"/>
-          </a:fontRef>
-        </p:style>
-        <p:txBody>
-          <a:bodyPr rtlCol="0" anchor="ctr"/>
-          <a:lstStyle/>
-          <a:p>
-            <a:pPr algn="ctr"/>
-            <a:endParaRPr lang="fr-FR"/>
-          </a:p>
-        </p:txBody>
-      </p:sp>
-      <p:sp>
-        <p:nvSpPr>
-          <p:cNvPr id="18" name="Ellipse 17"/>
-          <p:cNvSpPr/>
-          <p:nvPr/>
-        </p:nvSpPr>
-        <p:spPr>
-          <a:xfrm>
-            <a:off x="6711499" y="3581400"/>
-            <a:ext cx="1139373" cy="609600"/>
-          </a:xfrm>
-          <a:prstGeom prst="ellipse">
-            <a:avLst/>
-          </a:prstGeom>
-          <a:solidFill>
-            <a:schemeClr val="bg1"/>
-          </a:solidFill>
-        </p:spPr>
-        <p:style>
-          <a:lnRef idx="1">
-            <a:schemeClr val="accent1"/>
-          </a:lnRef>
-          <a:fillRef idx="3">
-            <a:schemeClr val="accent1"/>
-          </a:fillRef>
-          <a:effectRef idx="2">
-            <a:schemeClr val="accent1"/>
-          </a:effectRef>
-          <a:fontRef idx="minor">
-            <a:schemeClr val="lt1"/>
-          </a:fontRef>
-        </p:style>
-        <p:txBody>
-          <a:bodyPr rtlCol="0" anchor="ctr"/>
-          <a:lstStyle/>
-          <a:p>
-            <a:pPr algn="ctr">
-              <a:lnSpc>
-                <a:spcPts val="1380"/>
-              </a:lnSpc>
-            </a:pPr>
-            <a:r>
-              <a:rPr lang="fr-FR" sz="1400" dirty="0" smtClean="0">
-                <a:solidFill>
-                  <a:schemeClr val="tx1"/>
-                </a:solidFill>
-              </a:rPr>
-              <a:t>Data Model</a:t>
-            </a:r>
-          </a:p>
-          <a:p>
-            <a:pPr algn="ctr">
-              <a:lnSpc>
-                <a:spcPts val="980"/>
-              </a:lnSpc>
-            </a:pPr>
-            <a:r>
-              <a:rPr lang="fr-FR" sz="1400" dirty="0" smtClean="0">
-                <a:solidFill>
-                  <a:schemeClr val="tx1"/>
-                </a:solidFill>
-              </a:rPr>
-              <a:t>agent</a:t>
-            </a:r>
-            <a:endParaRPr lang="fr-FR" sz="1400" dirty="0">
-              <a:solidFill>
-                <a:schemeClr val="tx1"/>
-              </a:solidFill>
-            </a:endParaRPr>
-          </a:p>
-        </p:txBody>
-      </p:sp>
-      <p:sp>
-        <p:nvSpPr>
-          <p:cNvPr id="27" name="Ellipse 26"/>
-          <p:cNvSpPr/>
-          <p:nvPr/>
-        </p:nvSpPr>
-        <p:spPr>
-          <a:xfrm>
-            <a:off x="6358071" y="3886200"/>
-            <a:ext cx="1139373" cy="609600"/>
-          </a:xfrm>
-          <a:prstGeom prst="ellipse">
-            <a:avLst/>
-          </a:prstGeom>
-          <a:solidFill>
-            <a:schemeClr val="bg1"/>
-          </a:solidFill>
-        </p:spPr>
-        <p:style>
-          <a:lnRef idx="1">
-            <a:schemeClr val="accent1"/>
-          </a:lnRef>
-          <a:fillRef idx="3">
-            <a:schemeClr val="accent1"/>
-          </a:fillRef>
-          <a:effectRef idx="2">
-            <a:schemeClr val="accent1"/>
-          </a:effectRef>
-          <a:fontRef idx="minor">
-            <a:schemeClr val="lt1"/>
-          </a:fontRef>
-        </p:style>
-        <p:txBody>
-          <a:bodyPr rtlCol="0" anchor="ctr"/>
-          <a:lstStyle/>
-          <a:p>
-            <a:pPr algn="ctr">
-              <a:lnSpc>
-                <a:spcPts val="1380"/>
-              </a:lnSpc>
-            </a:pPr>
-            <a:r>
-              <a:rPr lang="fr-FR" sz="1400" dirty="0" smtClean="0">
-                <a:solidFill>
-                  <a:schemeClr val="tx1"/>
-                </a:solidFill>
-              </a:rPr>
-              <a:t>Data Model</a:t>
-            </a:r>
-          </a:p>
-          <a:p>
-            <a:pPr algn="ctr">
-              <a:lnSpc>
-                <a:spcPts val="980"/>
-              </a:lnSpc>
-            </a:pPr>
-            <a:r>
-              <a:rPr lang="fr-FR" sz="1400" dirty="0" smtClean="0">
-                <a:solidFill>
-                  <a:schemeClr val="tx1"/>
-                </a:solidFill>
-              </a:rPr>
-              <a:t>agent</a:t>
-            </a:r>
-            <a:endParaRPr lang="fr-FR" sz="1400" dirty="0">
-              <a:solidFill>
-                <a:schemeClr val="tx1"/>
-              </a:solidFill>
-            </a:endParaRPr>
-          </a:p>
-        </p:txBody>
-      </p:sp>
-      <p:cxnSp>
-        <p:nvCxnSpPr>
-          <p:cNvPr id="29" name="Connecteur en arc 28"/>
-          <p:cNvCxnSpPr>
-            <a:stCxn id="18" idx="2"/>
-            <a:endCxn id="10" idx="2"/>
-          </p:cNvCxnSpPr>
-          <p:nvPr/>
-        </p:nvCxnSpPr>
-        <p:spPr>
-          <a:xfrm rot="10800000">
-            <a:off x="6711498" y="1714500"/>
-            <a:ext cx="1720" cy="2171700"/>
-          </a:xfrm>
-          <a:prstGeom prst="curvedConnector3">
-            <a:avLst>
-              <a:gd name="adj1" fmla="val 14395466"/>
-            </a:avLst>
-          </a:prstGeom>
-          <a:ln>
-            <a:tailEnd type="arrow"/>
-          </a:ln>
-        </p:spPr>
-        <p:style>
-          <a:lnRef idx="2">
-            <a:schemeClr val="accent1"/>
-          </a:lnRef>
-          <a:fillRef idx="0">
-            <a:schemeClr val="accent1"/>
-          </a:fillRef>
-          <a:effectRef idx="1">
-            <a:schemeClr val="accent1"/>
-          </a:effectRef>
-          <a:fontRef idx="minor">
-            <a:schemeClr val="tx1"/>
-          </a:fontRef>
-        </p:style>
-      </p:cxnSp>
-      <p:cxnSp>
-        <p:nvCxnSpPr>
-          <p:cNvPr id="35" name="Connecteur en arc 34"/>
-          <p:cNvCxnSpPr>
-            <a:stCxn id="27" idx="2"/>
-            <a:endCxn id="10" idx="2"/>
-          </p:cNvCxnSpPr>
-          <p:nvPr/>
-        </p:nvCxnSpPr>
-        <p:spPr>
-          <a:xfrm rot="10800000" flipH="1">
-            <a:off x="6358070" y="1714500"/>
-            <a:ext cx="353428" cy="2476500"/>
-          </a:xfrm>
-          <a:prstGeom prst="curvedConnector3">
-            <a:avLst>
-              <a:gd name="adj1" fmla="val -70071"/>
-            </a:avLst>
-          </a:prstGeom>
-          <a:ln>
-            <a:tailEnd type="arrow"/>
-          </a:ln>
-        </p:spPr>
-        <p:style>
-          <a:lnRef idx="2">
-            <a:schemeClr val="accent1"/>
-          </a:lnRef>
-          <a:fillRef idx="0">
-            <a:schemeClr val="accent1"/>
-          </a:fillRef>
-          <a:effectRef idx="1">
-            <a:schemeClr val="accent1"/>
-          </a:effectRef>
-          <a:fontRef idx="minor">
-            <a:schemeClr val="tx1"/>
-          </a:fontRef>
-        </p:style>
-      </p:cxnSp>
-      <p:sp>
-        <p:nvSpPr>
-          <p:cNvPr id="40" name="Cube 39"/>
-          <p:cNvSpPr/>
-          <p:nvPr/>
-        </p:nvSpPr>
-        <p:spPr>
-          <a:xfrm>
-            <a:off x="1626069" y="1181100"/>
-            <a:ext cx="1568450" cy="1066800"/>
-          </a:xfrm>
-          <a:prstGeom prst="cube">
-            <a:avLst/>
-          </a:prstGeom>
-          <a:noFill/>
-          <a:ln>
-            <a:solidFill>
-              <a:schemeClr val="tx1"/>
-            </a:solidFill>
-          </a:ln>
-        </p:spPr>
-        <p:style>
-          <a:lnRef idx="1">
-            <a:schemeClr val="accent1"/>
-          </a:lnRef>
-          <a:fillRef idx="3">
-            <a:schemeClr val="accent1"/>
-          </a:fillRef>
-          <a:effectRef idx="2">
-            <a:schemeClr val="accent1"/>
-          </a:effectRef>
-          <a:fontRef idx="minor">
-            <a:schemeClr val="lt1"/>
-          </a:fontRef>
-        </p:style>
-        <p:txBody>
-          <a:bodyPr rtlCol="0" anchor="ctr"/>
-          <a:lstStyle/>
-          <a:p>
-            <a:pPr algn="ctr"/>
-            <a:r>
-              <a:rPr lang="fr-FR" dirty="0" smtClean="0">
-                <a:solidFill>
-                  <a:schemeClr val="tx1"/>
-                </a:solidFill>
-              </a:rPr>
-              <a:t>NETCONF</a:t>
-            </a:r>
-          </a:p>
-          <a:p>
-            <a:pPr algn="ctr"/>
-            <a:r>
-              <a:rPr lang="fr-FR" dirty="0" smtClean="0">
-                <a:solidFill>
-                  <a:schemeClr val="tx1"/>
-                </a:solidFill>
-              </a:rPr>
-              <a:t>Manager</a:t>
-            </a:r>
-            <a:endParaRPr lang="fr-FR" dirty="0">
-              <a:solidFill>
-                <a:schemeClr val="tx1"/>
-              </a:solidFill>
-            </a:endParaRPr>
-          </a:p>
-        </p:txBody>
-      </p:sp>
-      <p:cxnSp>
-        <p:nvCxnSpPr>
-          <p:cNvPr id="41" name="Connecteur droit avec flèche 40"/>
-          <p:cNvCxnSpPr>
-            <a:stCxn id="40" idx="5"/>
-          </p:cNvCxnSpPr>
-          <p:nvPr/>
-        </p:nvCxnSpPr>
-        <p:spPr>
-          <a:xfrm>
-            <a:off x="3194520" y="1581150"/>
-            <a:ext cx="3516978" cy="1588"/>
-          </a:xfrm>
-          <a:prstGeom prst="straightConnector1">
-            <a:avLst/>
-          </a:prstGeom>
-          <a:ln>
-            <a:headEnd type="arrow"/>
-            <a:tailEnd type="none"/>
-          </a:ln>
-        </p:spPr>
-        <p:style>
-          <a:lnRef idx="2">
-            <a:schemeClr val="accent1"/>
-          </a:lnRef>
-          <a:fillRef idx="0">
-            <a:schemeClr val="accent1"/>
-          </a:fillRef>
-          <a:effectRef idx="1">
-            <a:schemeClr val="accent1"/>
-          </a:effectRef>
-          <a:fontRef idx="minor">
-            <a:schemeClr val="tx1"/>
-          </a:fontRef>
-        </p:style>
-      </p:cxnSp>
-      <p:sp>
-        <p:nvSpPr>
-          <p:cNvPr id="42" name="ZoneTexte 41"/>
-          <p:cNvSpPr txBox="1"/>
-          <p:nvPr/>
-        </p:nvSpPr>
-        <p:spPr>
-          <a:xfrm>
-            <a:off x="3772370" y="1148834"/>
-            <a:ext cx="662787" cy="369332"/>
-          </a:xfrm>
-          <a:prstGeom prst="rect">
-            <a:avLst/>
-          </a:prstGeom>
-          <a:noFill/>
-        </p:spPr>
-        <p:txBody>
-          <a:bodyPr wrap="none" rtlCol="0">
-            <a:spAutoFit/>
-          </a:bodyPr>
-          <a:lstStyle/>
-          <a:p>
-            <a:r>
-              <a:rPr lang="fr-FR" dirty="0" err="1" smtClean="0"/>
-              <a:t>https</a:t>
-            </a:r>
-            <a:endParaRPr lang="fr-FR" dirty="0"/>
-          </a:p>
-        </p:txBody>
-      </p:sp>
-      <p:sp>
-        <p:nvSpPr>
-          <p:cNvPr id="44" name="Triangle isocèle 43"/>
-          <p:cNvSpPr/>
-          <p:nvPr/>
-        </p:nvSpPr>
-        <p:spPr>
-          <a:xfrm>
-            <a:off x="4292600" y="1714500"/>
-            <a:ext cx="412750" cy="400050"/>
-          </a:xfrm>
-          <a:prstGeom prst="triangle">
-            <a:avLst/>
-          </a:prstGeom>
-          <a:noFill/>
-          <a:ln>
-            <a:solidFill>
-              <a:schemeClr val="tx1"/>
-            </a:solidFill>
-          </a:ln>
-        </p:spPr>
-        <p:style>
-          <a:lnRef idx="1">
-            <a:schemeClr val="accent1"/>
-          </a:lnRef>
-          <a:fillRef idx="3">
-            <a:schemeClr val="accent1"/>
-          </a:fillRef>
-          <a:effectRef idx="2">
-            <a:schemeClr val="accent1"/>
-          </a:effectRef>
-          <a:fontRef idx="minor">
-            <a:schemeClr val="lt1"/>
-          </a:fontRef>
-        </p:style>
-        <p:txBody>
-          <a:bodyPr rtlCol="0" anchor="ctr"/>
-          <a:lstStyle/>
-          <a:p>
-            <a:pPr algn="ctr"/>
-            <a:endParaRPr lang="fr-FR"/>
-          </a:p>
-        </p:txBody>
-      </p:sp>
-      <p:sp>
-        <p:nvSpPr>
-          <p:cNvPr id="45" name="ZoneTexte 44"/>
-          <p:cNvSpPr txBox="1"/>
-          <p:nvPr/>
-        </p:nvSpPr>
-        <p:spPr>
-          <a:xfrm>
-            <a:off x="3826487" y="2247901"/>
-            <a:ext cx="1356073" cy="646331"/>
-          </a:xfrm>
-          <a:prstGeom prst="rect">
-            <a:avLst/>
-          </a:prstGeom>
-          <a:noFill/>
-        </p:spPr>
-        <p:txBody>
-          <a:bodyPr wrap="none" rtlCol="0">
-            <a:spAutoFit/>
-          </a:bodyPr>
-          <a:lstStyle/>
-          <a:p>
-            <a:r>
-              <a:rPr lang="fr-FR" dirty="0" err="1" smtClean="0"/>
-              <a:t>Schema</a:t>
-            </a:r>
-            <a:r>
-              <a:rPr lang="fr-FR" dirty="0" smtClean="0"/>
-              <a:t> </a:t>
-            </a:r>
-            <a:r>
-              <a:rPr lang="fr-FR" dirty="0" err="1" smtClean="0"/>
-              <a:t>tree</a:t>
-            </a:r>
-            <a:endParaRPr lang="fr-FR" dirty="0" smtClean="0"/>
-          </a:p>
-          <a:p>
-            <a:r>
-              <a:rPr lang="fr-FR" dirty="0" smtClean="0"/>
-              <a:t>Java applet</a:t>
-            </a:r>
-            <a:endParaRPr lang="fr-FR" dirty="0"/>
-          </a:p>
-        </p:txBody>
-      </p:sp>
-      <p:pic>
-        <p:nvPicPr>
-          <p:cNvPr id="46" name="Image 45" descr="applet1.tiff"/>
-          <p:cNvPicPr>
-            <a:picLocks noChangeAspect="1"/>
-          </p:cNvPicPr>
-          <p:nvPr/>
-        </p:nvPicPr>
-        <p:blipFill>
-          <a:blip r:embed="rId3"/>
-          <a:stretch>
-            <a:fillRect/>
-          </a:stretch>
-        </p:blipFill>
-        <p:spPr>
-          <a:xfrm>
-            <a:off x="742950" y="3048000"/>
-            <a:ext cx="2724999" cy="2324100"/>
-          </a:xfrm>
-          <a:prstGeom prst="rect">
-            <a:avLst/>
-          </a:prstGeom>
-        </p:spPr>
-      </p:pic>
-      <p:sp>
-        <p:nvSpPr>
-          <p:cNvPr id="15" name="Espace réservé du numéro de diapositive 14"/>
-          <p:cNvSpPr>
-            <a:spLocks noGrp="1"/>
-          </p:cNvSpPr>
-          <p:nvPr>
-            <p:ph type="sldNum" sz="quarter" idx="12"/>
-          </p:nvPr>
-        </p:nvSpPr>
-        <p:spPr/>
-        <p:txBody>
-          <a:bodyPr/>
-          <a:lstStyle/>
-          <a:p>
-            <a:fld id="{339A7AB0-D0CE-A343-B5B6-64AAD55F6591}" type="slidenum">
-              <a:rPr lang="fr-FR" smtClean="0"/>
-              <a:pPr/>
-              <a:t>16</a:t>
-            </a:fld>
-            <a:endParaRPr lang="fr-FR"/>
-          </a:p>
-        </p:txBody>
-      </p:sp>
-    </p:spTree>
-  </p:cSld>
-  <p:clrMapOvr>
-    <a:masterClrMapping/>
-  </p:clrMapOvr>
-</p:sld>
-</file>
-
-<file path=ppt/slides/slide17.xml><?xml version="1.0" encoding="utf-8"?>
-<p:sld xmlns:a="http://schemas.openxmlformats.org/drawingml/2006/main" xmlns:r="http://schemas.openxmlformats.org/officeDocument/2006/relationships" xmlns:mc="http://schemas.openxmlformats.org/markup-compatibility/2006" xmlns:mv="urn:schemas-microsoft-com:mac:vml" xmlns:p="http://schemas.openxmlformats.org/presentationml/2006/main" mc:Ignorable="mv" mc:PreserveAttributes="mv:*">
-  <p:cSld>
-    <p:spTree>
-      <p:nvGrpSpPr>
-        <p:cNvPr id="1" name=""/>
-        <p:cNvGrpSpPr/>
-        <p:nvPr/>
-      </p:nvGrpSpPr>
-      <p:grpSpPr>
-        <a:xfrm>
-          <a:off x="0" y="0"/>
-          <a:ext cx="0" cy="0"/>
-          <a:chOff x="0" y="0"/>
-          <a:chExt cx="0" cy="0"/>
-        </a:xfrm>
-      </p:grpSpPr>
-      <p:sp>
-        <p:nvSpPr>
-          <p:cNvPr id="9" name="Cube 8"/>
-          <p:cNvSpPr/>
-          <p:nvPr/>
-        </p:nvSpPr>
-        <p:spPr>
-          <a:xfrm>
-            <a:off x="6711497" y="2362200"/>
-            <a:ext cx="1568450" cy="1066800"/>
-          </a:xfrm>
-          <a:prstGeom prst="cube">
-            <a:avLst/>
-          </a:prstGeom>
-          <a:solidFill>
-            <a:schemeClr val="bg1"/>
-          </a:solidFill>
-          <a:ln>
-            <a:solidFill>
-              <a:schemeClr val="tx1"/>
-            </a:solidFill>
-          </a:ln>
-        </p:spPr>
-        <p:style>
-          <a:lnRef idx="1">
-            <a:schemeClr val="accent1"/>
-          </a:lnRef>
-          <a:fillRef idx="3">
-            <a:schemeClr val="accent1"/>
-          </a:fillRef>
-          <a:effectRef idx="2">
-            <a:schemeClr val="accent1"/>
-          </a:effectRef>
-          <a:fontRef idx="minor">
-            <a:schemeClr val="lt1"/>
-          </a:fontRef>
-        </p:style>
-        <p:txBody>
-          <a:bodyPr rtlCol="0" anchor="ctr"/>
-          <a:lstStyle/>
-          <a:p>
-            <a:pPr algn="ctr"/>
-            <a:r>
-              <a:rPr lang="fr-FR" dirty="0" smtClean="0">
-                <a:solidFill>
-                  <a:schemeClr val="tx1"/>
-                </a:solidFill>
-              </a:rPr>
-              <a:t>NETCONF</a:t>
-            </a:r>
-          </a:p>
-          <a:p>
-            <a:pPr algn="ctr"/>
-            <a:r>
-              <a:rPr lang="fr-FR" dirty="0" smtClean="0">
-                <a:solidFill>
-                  <a:schemeClr val="tx1"/>
-                </a:solidFill>
-              </a:rPr>
-              <a:t>Manager</a:t>
-            </a:r>
-            <a:endParaRPr lang="fr-FR" dirty="0">
-              <a:solidFill>
-                <a:schemeClr val="tx1"/>
-              </a:solidFill>
-            </a:endParaRPr>
-          </a:p>
-        </p:txBody>
-      </p:sp>
-      <p:sp>
-        <p:nvSpPr>
-          <p:cNvPr id="10" name="Cube 9"/>
-          <p:cNvSpPr/>
-          <p:nvPr/>
-        </p:nvSpPr>
-        <p:spPr>
-          <a:xfrm>
-            <a:off x="6711498" y="1047750"/>
-            <a:ext cx="1568450" cy="1066800"/>
-          </a:xfrm>
-          <a:prstGeom prst="cube">
-            <a:avLst/>
-          </a:prstGeom>
-          <a:solidFill>
-            <a:schemeClr val="bg1"/>
-          </a:solidFill>
-          <a:ln>
-            <a:solidFill>
-              <a:schemeClr val="tx1"/>
-            </a:solidFill>
-          </a:ln>
-        </p:spPr>
-        <p:style>
-          <a:lnRef idx="1">
-            <a:schemeClr val="accent1"/>
-          </a:lnRef>
-          <a:fillRef idx="3">
-            <a:schemeClr val="accent1"/>
-          </a:fillRef>
-          <a:effectRef idx="2">
-            <a:schemeClr val="accent1"/>
-          </a:effectRef>
-          <a:fontRef idx="minor">
-            <a:schemeClr val="lt1"/>
-          </a:fontRef>
-        </p:style>
-        <p:txBody>
-          <a:bodyPr rtlCol="0" anchor="ctr"/>
-          <a:lstStyle/>
-          <a:p>
-            <a:pPr algn="ctr"/>
-            <a:r>
-              <a:rPr lang="fr-FR" dirty="0" smtClean="0">
-                <a:solidFill>
-                  <a:schemeClr val="tx1"/>
-                </a:solidFill>
-              </a:rPr>
-              <a:t>HTTPS</a:t>
-            </a:r>
-          </a:p>
-          <a:p>
-            <a:pPr algn="ctr"/>
-            <a:r>
-              <a:rPr lang="fr-FR" dirty="0" smtClean="0">
-                <a:solidFill>
-                  <a:schemeClr val="tx1"/>
-                </a:solidFill>
-              </a:rPr>
-              <a:t>Server</a:t>
-            </a:r>
-            <a:endParaRPr lang="fr-FR" dirty="0">
-              <a:solidFill>
-                <a:schemeClr val="tx1"/>
-              </a:solidFill>
-            </a:endParaRPr>
-          </a:p>
-        </p:txBody>
-      </p:sp>
-      <p:sp>
-        <p:nvSpPr>
-          <p:cNvPr id="14" name="Rectangle à coins arrondis 13"/>
-          <p:cNvSpPr/>
-          <p:nvPr/>
-        </p:nvSpPr>
-        <p:spPr>
-          <a:xfrm>
-            <a:off x="5778500" y="647700"/>
-            <a:ext cx="2641600" cy="3848100"/>
-          </a:xfrm>
-          <a:prstGeom prst="roundRect">
-            <a:avLst/>
-          </a:prstGeom>
-          <a:noFill/>
-          <a:ln w="34925">
-            <a:solidFill>
-              <a:schemeClr val="tx1"/>
-            </a:solidFill>
-          </a:ln>
-        </p:spPr>
-        <p:style>
-          <a:lnRef idx="1">
-            <a:schemeClr val="accent1"/>
-          </a:lnRef>
-          <a:fillRef idx="3">
-            <a:schemeClr val="accent1"/>
-          </a:fillRef>
-          <a:effectRef idx="2">
-            <a:schemeClr val="accent1"/>
-          </a:effectRef>
-          <a:fontRef idx="minor">
-            <a:schemeClr val="lt1"/>
-          </a:fontRef>
-        </p:style>
-        <p:txBody>
-          <a:bodyPr rtlCol="0" anchor="ctr"/>
-          <a:lstStyle/>
-          <a:p>
-            <a:pPr algn="ctr"/>
-            <a:endParaRPr lang="fr-FR"/>
-          </a:p>
-        </p:txBody>
-      </p:sp>
-      <p:sp>
-        <p:nvSpPr>
-          <p:cNvPr id="18" name="Ellipse 17"/>
-          <p:cNvSpPr/>
-          <p:nvPr/>
-        </p:nvSpPr>
-        <p:spPr>
-          <a:xfrm>
-            <a:off x="6851651" y="3657600"/>
-            <a:ext cx="1139373" cy="609600"/>
-          </a:xfrm>
-          <a:prstGeom prst="ellipse">
-            <a:avLst/>
-          </a:prstGeom>
-          <a:solidFill>
-            <a:schemeClr val="bg1"/>
-          </a:solidFill>
-        </p:spPr>
-        <p:style>
-          <a:lnRef idx="1">
-            <a:schemeClr val="accent1"/>
-          </a:lnRef>
-          <a:fillRef idx="3">
-            <a:schemeClr val="accent1"/>
-          </a:fillRef>
-          <a:effectRef idx="2">
-            <a:schemeClr val="accent1"/>
-          </a:effectRef>
-          <a:fontRef idx="minor">
-            <a:schemeClr val="lt1"/>
-          </a:fontRef>
-        </p:style>
-        <p:txBody>
-          <a:bodyPr rtlCol="0" anchor="ctr"/>
-          <a:lstStyle/>
-          <a:p>
-            <a:pPr algn="ctr">
-              <a:lnSpc>
-                <a:spcPts val="1380"/>
-              </a:lnSpc>
-            </a:pPr>
-            <a:r>
-              <a:rPr lang="fr-FR" sz="1400" dirty="0" smtClean="0">
-                <a:solidFill>
-                  <a:schemeClr val="tx1"/>
-                </a:solidFill>
-              </a:rPr>
-              <a:t>Data Model</a:t>
-            </a:r>
-          </a:p>
-          <a:p>
-            <a:pPr algn="ctr">
-              <a:lnSpc>
-                <a:spcPts val="980"/>
-              </a:lnSpc>
-            </a:pPr>
-            <a:r>
-              <a:rPr lang="fr-FR" sz="1400" dirty="0" smtClean="0">
-                <a:solidFill>
-                  <a:schemeClr val="tx1"/>
-                </a:solidFill>
-              </a:rPr>
-              <a:t>agent</a:t>
-            </a:r>
-            <a:endParaRPr lang="fr-FR" sz="1400" dirty="0">
-              <a:solidFill>
-                <a:schemeClr val="tx1"/>
-              </a:solidFill>
-            </a:endParaRPr>
-          </a:p>
-        </p:txBody>
-      </p:sp>
-      <p:sp>
-        <p:nvSpPr>
-          <p:cNvPr id="40" name="Cube 39"/>
-          <p:cNvSpPr/>
-          <p:nvPr/>
-        </p:nvSpPr>
-        <p:spPr>
-          <a:xfrm>
-            <a:off x="1626069" y="1181100"/>
-            <a:ext cx="1568450" cy="1066800"/>
-          </a:xfrm>
-          <a:prstGeom prst="cube">
-            <a:avLst/>
-          </a:prstGeom>
-          <a:noFill/>
-          <a:ln>
-            <a:solidFill>
-              <a:schemeClr val="tx1"/>
-            </a:solidFill>
-          </a:ln>
-        </p:spPr>
-        <p:style>
-          <a:lnRef idx="1">
-            <a:schemeClr val="accent1"/>
-          </a:lnRef>
-          <a:fillRef idx="3">
-            <a:schemeClr val="accent1"/>
-          </a:fillRef>
-          <a:effectRef idx="2">
-            <a:schemeClr val="accent1"/>
-          </a:effectRef>
-          <a:fontRef idx="minor">
-            <a:schemeClr val="lt1"/>
-          </a:fontRef>
-        </p:style>
-        <p:txBody>
-          <a:bodyPr rtlCol="0" anchor="ctr"/>
-          <a:lstStyle/>
-          <a:p>
-            <a:pPr algn="ctr"/>
-            <a:r>
-              <a:rPr lang="fr-FR" dirty="0" smtClean="0">
-                <a:solidFill>
-                  <a:schemeClr val="tx1"/>
-                </a:solidFill>
-              </a:rPr>
-              <a:t>NETCONF</a:t>
-            </a:r>
-          </a:p>
-          <a:p>
-            <a:pPr algn="ctr"/>
-            <a:r>
-              <a:rPr lang="fr-FR" dirty="0" smtClean="0">
-                <a:solidFill>
-                  <a:schemeClr val="tx1"/>
-                </a:solidFill>
-              </a:rPr>
-              <a:t>Manager</a:t>
-            </a:r>
-            <a:endParaRPr lang="fr-FR" dirty="0">
-              <a:solidFill>
-                <a:schemeClr val="tx1"/>
-              </a:solidFill>
-            </a:endParaRPr>
-          </a:p>
-        </p:txBody>
-      </p:sp>
-      <p:cxnSp>
-        <p:nvCxnSpPr>
-          <p:cNvPr id="41" name="Connecteur droit avec flèche 40"/>
-          <p:cNvCxnSpPr>
-            <a:stCxn id="40" idx="5"/>
-          </p:cNvCxnSpPr>
-          <p:nvPr/>
-        </p:nvCxnSpPr>
-        <p:spPr>
-          <a:xfrm>
-            <a:off x="3194520" y="1581150"/>
-            <a:ext cx="3516978" cy="1588"/>
-          </a:xfrm>
-          <a:prstGeom prst="straightConnector1">
-            <a:avLst/>
-          </a:prstGeom>
-          <a:ln>
-            <a:headEnd type="none"/>
-            <a:tailEnd type="triangle"/>
-          </a:ln>
-        </p:spPr>
-        <p:style>
-          <a:lnRef idx="2">
-            <a:schemeClr val="accent1"/>
-          </a:lnRef>
-          <a:fillRef idx="0">
-            <a:schemeClr val="accent1"/>
-          </a:fillRef>
-          <a:effectRef idx="1">
-            <a:schemeClr val="accent1"/>
-          </a:effectRef>
-          <a:fontRef idx="minor">
-            <a:schemeClr val="tx1"/>
-          </a:fontRef>
-        </p:style>
-      </p:cxnSp>
-      <p:sp>
-        <p:nvSpPr>
-          <p:cNvPr id="42" name="ZoneTexte 41"/>
-          <p:cNvSpPr txBox="1"/>
-          <p:nvPr/>
-        </p:nvSpPr>
-        <p:spPr>
-          <a:xfrm>
-            <a:off x="3772370" y="1714500"/>
-            <a:ext cx="662787" cy="369332"/>
-          </a:xfrm>
-          <a:prstGeom prst="rect">
-            <a:avLst/>
-          </a:prstGeom>
-          <a:noFill/>
-        </p:spPr>
-        <p:txBody>
-          <a:bodyPr wrap="none" rtlCol="0">
-            <a:spAutoFit/>
-          </a:bodyPr>
-          <a:lstStyle/>
-          <a:p>
-            <a:r>
-              <a:rPr lang="fr-FR" dirty="0" err="1" smtClean="0"/>
-              <a:t>https</a:t>
-            </a:r>
-            <a:endParaRPr lang="fr-FR" dirty="0"/>
-          </a:p>
-        </p:txBody>
-      </p:sp>
-      <p:pic>
-        <p:nvPicPr>
-          <p:cNvPr id="16" name="Image 15" descr="applet2.tiff"/>
-          <p:cNvPicPr>
-            <a:picLocks noChangeAspect="1"/>
-          </p:cNvPicPr>
-          <p:nvPr/>
-        </p:nvPicPr>
-        <p:blipFill>
-          <a:blip r:embed="rId3"/>
-          <a:stretch>
-            <a:fillRect/>
-          </a:stretch>
-        </p:blipFill>
-        <p:spPr>
-          <a:xfrm>
-            <a:off x="825500" y="3176370"/>
-            <a:ext cx="2639600" cy="2348131"/>
-          </a:xfrm>
-          <a:prstGeom prst="rect">
-            <a:avLst/>
-          </a:prstGeom>
-        </p:spPr>
-      </p:pic>
-      <p:sp>
-        <p:nvSpPr>
-          <p:cNvPr id="17" name="Flèche vers la gauche 16"/>
-          <p:cNvSpPr/>
-          <p:nvPr/>
-        </p:nvSpPr>
-        <p:spPr>
-          <a:xfrm rot="2874564">
-            <a:off x="1451499" y="5337755"/>
-            <a:ext cx="349143" cy="373493"/>
-          </a:xfrm>
-          <a:prstGeom prst="leftArrow">
-            <a:avLst>
-              <a:gd name="adj1" fmla="val 29385"/>
-              <a:gd name="adj2" fmla="val 49083"/>
-            </a:avLst>
-          </a:prstGeom>
-          <a:solidFill>
-            <a:schemeClr val="tx1"/>
-          </a:solidFill>
-          <a:ln>
-            <a:solidFill>
-              <a:schemeClr val="tx1"/>
-            </a:solidFill>
-          </a:ln>
-        </p:spPr>
-        <p:style>
-          <a:lnRef idx="1">
-            <a:schemeClr val="accent1"/>
-          </a:lnRef>
-          <a:fillRef idx="3">
-            <a:schemeClr val="accent1"/>
-          </a:fillRef>
-          <a:effectRef idx="2">
-            <a:schemeClr val="accent1"/>
-          </a:effectRef>
-          <a:fontRef idx="minor">
-            <a:schemeClr val="lt1"/>
-          </a:fontRef>
-        </p:style>
-        <p:txBody>
-          <a:bodyPr rtlCol="0" anchor="ctr"/>
-          <a:lstStyle/>
-          <a:p>
-            <a:pPr algn="ctr"/>
-            <a:endParaRPr lang="fr-FR"/>
-          </a:p>
-        </p:txBody>
-      </p:sp>
-      <p:sp>
-        <p:nvSpPr>
-          <p:cNvPr id="19" name="ZoneTexte 18"/>
-          <p:cNvSpPr txBox="1"/>
-          <p:nvPr/>
-        </p:nvSpPr>
-        <p:spPr>
-          <a:xfrm>
-            <a:off x="3772369" y="1852931"/>
-            <a:ext cx="1338828" cy="1323439"/>
-          </a:xfrm>
-          <a:prstGeom prst="rect">
-            <a:avLst/>
-          </a:prstGeom>
-          <a:noFill/>
-        </p:spPr>
-        <p:txBody>
-          <a:bodyPr wrap="none" rtlCol="0">
-            <a:spAutoFit/>
-          </a:bodyPr>
-          <a:lstStyle/>
-          <a:p>
-            <a:r>
-              <a:rPr lang="fr-FR" sz="1000" dirty="0" smtClean="0"/>
-              <a:t>…</a:t>
-            </a:r>
-          </a:p>
-          <a:p>
-            <a:r>
-              <a:rPr lang="fr-FR" sz="1000" dirty="0" smtClean="0"/>
-              <a:t>&lt;</a:t>
-            </a:r>
-            <a:r>
-              <a:rPr lang="fr-FR" sz="1000" dirty="0" err="1" smtClean="0"/>
-              <a:t>get-config</a:t>
-            </a:r>
-            <a:r>
-              <a:rPr lang="fr-FR" sz="1000" dirty="0" smtClean="0"/>
-              <a:t>&gt;</a:t>
-            </a:r>
-          </a:p>
-          <a:p>
-            <a:r>
-              <a:rPr lang="fr-FR" sz="1000" dirty="0" smtClean="0"/>
-              <a:t>   &lt;NETCONF&gt;</a:t>
-            </a:r>
-          </a:p>
-          <a:p>
-            <a:r>
-              <a:rPr lang="fr-FR" sz="1000" dirty="0" smtClean="0"/>
-              <a:t>      &lt;network&gt;</a:t>
-            </a:r>
-          </a:p>
-          <a:p>
-            <a:r>
-              <a:rPr lang="fr-FR" sz="1000" dirty="0" smtClean="0"/>
-              <a:t>	</a:t>
-            </a:r>
-            <a:r>
-              <a:rPr lang="fr-FR" sz="1000" dirty="0"/>
-              <a:t>&lt;</a:t>
-            </a:r>
-            <a:r>
-              <a:rPr lang="fr-FR" sz="1000" dirty="0" smtClean="0"/>
-              <a:t>interfaces/&gt;</a:t>
-            </a:r>
-          </a:p>
-          <a:p>
-            <a:r>
-              <a:rPr lang="fr-FR" sz="1000" dirty="0" smtClean="0"/>
-              <a:t>      &lt;/network&gt;</a:t>
-            </a:r>
-          </a:p>
-          <a:p>
-            <a:r>
-              <a:rPr lang="fr-FR" sz="1000" dirty="0" smtClean="0"/>
-              <a:t>   &lt;/NETCONF&gt;</a:t>
-            </a:r>
-          </a:p>
-          <a:p>
-            <a:r>
-              <a:rPr lang="fr-FR" sz="1000" dirty="0" smtClean="0"/>
-              <a:t>&lt;/</a:t>
-            </a:r>
-            <a:r>
-              <a:rPr lang="fr-FR" sz="1000" dirty="0" err="1" smtClean="0"/>
-              <a:t>get-config</a:t>
-            </a:r>
-            <a:r>
-              <a:rPr lang="fr-FR" sz="1000" dirty="0" smtClean="0"/>
-              <a:t>&gt;</a:t>
-            </a:r>
-            <a:endParaRPr lang="fr-FR" sz="1000" dirty="0"/>
-          </a:p>
-        </p:txBody>
-      </p:sp>
-      <p:cxnSp>
-        <p:nvCxnSpPr>
-          <p:cNvPr id="21" name="Connecteur droit avec flèche 20"/>
-          <p:cNvCxnSpPr>
-            <a:stCxn id="10" idx="3"/>
-          </p:cNvCxnSpPr>
-          <p:nvPr/>
-        </p:nvCxnSpPr>
-        <p:spPr>
-          <a:xfrm rot="16200000" flipH="1">
-            <a:off x="7190355" y="2275456"/>
-            <a:ext cx="400050" cy="78238"/>
-          </a:xfrm>
-          <a:prstGeom prst="straightConnector1">
-            <a:avLst/>
-          </a:prstGeom>
-          <a:ln>
-            <a:tailEnd type="arrow"/>
-          </a:ln>
-        </p:spPr>
-        <p:style>
-          <a:lnRef idx="2">
-            <a:schemeClr val="accent1"/>
-          </a:lnRef>
-          <a:fillRef idx="0">
-            <a:schemeClr val="accent1"/>
-          </a:fillRef>
-          <a:effectRef idx="1">
-            <a:schemeClr val="accent1"/>
-          </a:effectRef>
-          <a:fontRef idx="minor">
-            <a:schemeClr val="tx1"/>
-          </a:fontRef>
-        </p:style>
-      </p:cxnSp>
-      <p:cxnSp>
-        <p:nvCxnSpPr>
-          <p:cNvPr id="24" name="Connecteur droit avec flèche 23"/>
-          <p:cNvCxnSpPr/>
-          <p:nvPr/>
-        </p:nvCxnSpPr>
-        <p:spPr>
-          <a:xfrm flipV="1">
-            <a:off x="8279947" y="2743200"/>
-            <a:ext cx="1295853" cy="228600"/>
-          </a:xfrm>
-          <a:prstGeom prst="straightConnector1">
-            <a:avLst/>
-          </a:prstGeom>
-          <a:ln>
-            <a:headEnd type="none"/>
-            <a:tailEnd type="arrow"/>
-          </a:ln>
-        </p:spPr>
-        <p:style>
-          <a:lnRef idx="2">
-            <a:schemeClr val="accent1"/>
-          </a:lnRef>
-          <a:fillRef idx="0">
-            <a:schemeClr val="accent1"/>
-          </a:fillRef>
-          <a:effectRef idx="1">
-            <a:schemeClr val="accent1"/>
-          </a:effectRef>
-          <a:fontRef idx="minor">
-            <a:schemeClr val="tx1"/>
-          </a:fontRef>
-        </p:style>
-      </p:cxnSp>
-      <p:sp>
-        <p:nvSpPr>
-          <p:cNvPr id="25" name="ZoneTexte 24"/>
-          <p:cNvSpPr txBox="1"/>
-          <p:nvPr/>
-        </p:nvSpPr>
-        <p:spPr>
-          <a:xfrm>
-            <a:off x="8585200" y="2991703"/>
-            <a:ext cx="1083086" cy="369332"/>
-          </a:xfrm>
-          <a:prstGeom prst="rect">
-            <a:avLst/>
-          </a:prstGeom>
-          <a:noFill/>
-        </p:spPr>
-        <p:txBody>
-          <a:bodyPr wrap="none" rtlCol="0">
-            <a:spAutoFit/>
-          </a:bodyPr>
-          <a:lstStyle/>
-          <a:p>
-            <a:r>
-              <a:rPr lang="fr-FR" dirty="0" smtClean="0"/>
-              <a:t>NETCONF</a:t>
-            </a:r>
-            <a:endParaRPr lang="fr-FR" dirty="0"/>
-          </a:p>
-        </p:txBody>
-      </p:sp>
-      <p:sp>
-        <p:nvSpPr>
-          <p:cNvPr id="26" name="ZoneTexte 25"/>
-          <p:cNvSpPr txBox="1"/>
-          <p:nvPr/>
-        </p:nvSpPr>
-        <p:spPr>
-          <a:xfrm>
-            <a:off x="247650" y="3657600"/>
-            <a:ext cx="301660" cy="369332"/>
-          </a:xfrm>
-          <a:prstGeom prst="rect">
-            <a:avLst/>
-          </a:prstGeom>
-          <a:noFill/>
-        </p:spPr>
-        <p:txBody>
-          <a:bodyPr wrap="none" rtlCol="0">
-            <a:spAutoFit/>
-          </a:bodyPr>
-          <a:lstStyle/>
-          <a:p>
-            <a:r>
-              <a:rPr lang="fr-FR" dirty="0" smtClean="0"/>
-              <a:t>1</a:t>
-            </a:r>
-            <a:endParaRPr lang="fr-FR" dirty="0"/>
-          </a:p>
-        </p:txBody>
-      </p:sp>
-      <p:sp>
-        <p:nvSpPr>
-          <p:cNvPr id="28" name="ZoneTexte 27"/>
-          <p:cNvSpPr txBox="1"/>
-          <p:nvPr/>
-        </p:nvSpPr>
-        <p:spPr>
-          <a:xfrm>
-            <a:off x="1152299" y="5715000"/>
-            <a:ext cx="301660" cy="369332"/>
-          </a:xfrm>
-          <a:prstGeom prst="rect">
-            <a:avLst/>
-          </a:prstGeom>
-          <a:noFill/>
-        </p:spPr>
-        <p:txBody>
-          <a:bodyPr wrap="none" rtlCol="0">
-            <a:spAutoFit/>
-          </a:bodyPr>
-          <a:lstStyle/>
-          <a:p>
-            <a:r>
-              <a:rPr lang="fr-FR" dirty="0" smtClean="0"/>
-              <a:t>2</a:t>
-            </a:r>
-            <a:endParaRPr lang="fr-FR" dirty="0"/>
-          </a:p>
-        </p:txBody>
-      </p:sp>
-      <p:sp>
-        <p:nvSpPr>
-          <p:cNvPr id="30" name="ZoneTexte 29"/>
-          <p:cNvSpPr txBox="1"/>
-          <p:nvPr/>
-        </p:nvSpPr>
-        <p:spPr>
-          <a:xfrm>
-            <a:off x="3772369" y="1186934"/>
-            <a:ext cx="301660" cy="369332"/>
-          </a:xfrm>
-          <a:prstGeom prst="rect">
-            <a:avLst/>
-          </a:prstGeom>
-          <a:noFill/>
-        </p:spPr>
-        <p:txBody>
-          <a:bodyPr wrap="none" rtlCol="0">
-            <a:spAutoFit/>
-          </a:bodyPr>
-          <a:lstStyle/>
-          <a:p>
-            <a:r>
-              <a:rPr lang="fr-FR" dirty="0" smtClean="0"/>
-              <a:t>3</a:t>
-            </a:r>
-            <a:endParaRPr lang="fr-FR" dirty="0"/>
-          </a:p>
-        </p:txBody>
-      </p:sp>
-      <p:sp>
-        <p:nvSpPr>
-          <p:cNvPr id="31" name="ZoneTexte 30"/>
-          <p:cNvSpPr txBox="1"/>
-          <p:nvPr/>
-        </p:nvSpPr>
-        <p:spPr>
-          <a:xfrm>
-            <a:off x="6954385" y="2177534"/>
-            <a:ext cx="301660" cy="369332"/>
-          </a:xfrm>
-          <a:prstGeom prst="rect">
-            <a:avLst/>
-          </a:prstGeom>
-          <a:noFill/>
-        </p:spPr>
-        <p:txBody>
-          <a:bodyPr wrap="none" rtlCol="0">
-            <a:spAutoFit/>
-          </a:bodyPr>
-          <a:lstStyle/>
-          <a:p>
-            <a:r>
-              <a:rPr lang="fr-FR" dirty="0" smtClean="0"/>
-              <a:t>4</a:t>
-            </a:r>
-            <a:endParaRPr lang="fr-FR" dirty="0"/>
-          </a:p>
-        </p:txBody>
-      </p:sp>
-      <p:sp>
-        <p:nvSpPr>
-          <p:cNvPr id="32" name="ZoneTexte 31"/>
-          <p:cNvSpPr txBox="1"/>
-          <p:nvPr/>
-        </p:nvSpPr>
-        <p:spPr>
-          <a:xfrm>
-            <a:off x="8832850" y="2329934"/>
-            <a:ext cx="301660" cy="369332"/>
-          </a:xfrm>
-          <a:prstGeom prst="rect">
-            <a:avLst/>
-          </a:prstGeom>
-          <a:noFill/>
-        </p:spPr>
-        <p:txBody>
-          <a:bodyPr wrap="none" rtlCol="0">
-            <a:spAutoFit/>
-          </a:bodyPr>
-          <a:lstStyle/>
-          <a:p>
-            <a:r>
-              <a:rPr lang="fr-FR" dirty="0" smtClean="0"/>
-              <a:t>5</a:t>
-            </a:r>
-            <a:endParaRPr lang="fr-FR" dirty="0"/>
-          </a:p>
-        </p:txBody>
-      </p:sp>
-      <p:sp>
-        <p:nvSpPr>
-          <p:cNvPr id="20" name="ZoneTexte 19"/>
-          <p:cNvSpPr txBox="1"/>
-          <p:nvPr/>
-        </p:nvSpPr>
-        <p:spPr>
-          <a:xfrm>
-            <a:off x="412750" y="278368"/>
-            <a:ext cx="4584796" cy="369332"/>
-          </a:xfrm>
-          <a:prstGeom prst="rect">
-            <a:avLst/>
-          </a:prstGeom>
-          <a:noFill/>
-        </p:spPr>
-        <p:txBody>
-          <a:bodyPr wrap="none" rtlCol="0">
-            <a:spAutoFit/>
-          </a:bodyPr>
-          <a:lstStyle/>
-          <a:p>
-            <a:r>
-              <a:rPr lang="fr-FR" dirty="0" smtClean="0"/>
-              <a:t>If </a:t>
-            </a:r>
-            <a:r>
-              <a:rPr lang="fr-FR" dirty="0" err="1" smtClean="0"/>
-              <a:t>https</a:t>
-            </a:r>
-            <a:r>
-              <a:rPr lang="fr-FR" dirty="0" smtClean="0"/>
-              <a:t> </a:t>
-            </a:r>
-            <a:r>
-              <a:rPr lang="fr-FR" dirty="0" err="1" smtClean="0"/>
-              <a:t>connection</a:t>
-            </a:r>
-            <a:r>
-              <a:rPr lang="fr-FR" dirty="0" smtClean="0"/>
-              <a:t> </a:t>
-            </a:r>
-            <a:r>
-              <a:rPr lang="fr-FR" dirty="0" err="1" smtClean="0"/>
-              <a:t>could</a:t>
-            </a:r>
-            <a:r>
-              <a:rPr lang="fr-FR" dirty="0" smtClean="0"/>
-              <a:t> </a:t>
-            </a:r>
-            <a:r>
-              <a:rPr lang="fr-FR" dirty="0" err="1" smtClean="0"/>
-              <a:t>be</a:t>
-            </a:r>
-            <a:r>
-              <a:rPr lang="fr-FR" dirty="0" smtClean="0"/>
-              <a:t> </a:t>
-            </a:r>
-            <a:r>
-              <a:rPr lang="fr-FR" dirty="0" err="1" smtClean="0"/>
-              <a:t>used</a:t>
-            </a:r>
-            <a:r>
-              <a:rPr lang="fr-FR" dirty="0" smtClean="0"/>
-              <a:t> by the applet</a:t>
-            </a:r>
-            <a:endParaRPr lang="fr-FR" dirty="0"/>
-          </a:p>
-        </p:txBody>
-      </p:sp>
-      <p:sp>
-        <p:nvSpPr>
-          <p:cNvPr id="22" name="Espace réservé du numéro de diapositive 21"/>
-          <p:cNvSpPr>
-            <a:spLocks noGrp="1"/>
-          </p:cNvSpPr>
-          <p:nvPr>
-            <p:ph type="sldNum" sz="quarter" idx="12"/>
-          </p:nvPr>
-        </p:nvSpPr>
-        <p:spPr/>
-        <p:txBody>
-          <a:bodyPr/>
-          <a:lstStyle/>
-          <a:p>
-            <a:fld id="{339A7AB0-D0CE-A343-B5B6-64AAD55F6591}" type="slidenum">
-              <a:rPr lang="fr-FR" smtClean="0"/>
-              <a:pPr/>
-              <a:t>17</a:t>
-            </a:fld>
-            <a:endParaRPr lang="fr-FR"/>
-          </a:p>
-        </p:txBody>
-      </p:sp>
-    </p:spTree>
-  </p:cSld>
-  <p:clrMapOvr>
-    <a:masterClrMapping/>
-  </p:clrMapOvr>
-</p:sld>
-</file>
-
-<file path=ppt/slides/slide18.xml><?xml version="1.0" encoding="utf-8"?>
-<p:sld xmlns:a="http://schemas.openxmlformats.org/drawingml/2006/main" xmlns:r="http://schemas.openxmlformats.org/officeDocument/2006/relationships" xmlns:mc="http://schemas.openxmlformats.org/markup-compatibility/2006" xmlns:mv="urn:schemas-microsoft-com:mac:vml" xmlns:p="http://schemas.openxmlformats.org/presentationml/2006/main" mc:Ignorable="mv" mc:PreserveAttributes="mv:*">
-  <p:cSld>
-    <p:spTree>
-      <p:nvGrpSpPr>
-        <p:cNvPr id="1" name=""/>
-        <p:cNvGrpSpPr/>
-        <p:nvPr/>
-      </p:nvGrpSpPr>
-      <p:grpSpPr>
-        <a:xfrm>
-          <a:off x="0" y="0"/>
-          <a:ext cx="0" cy="0"/>
-          <a:chOff x="0" y="0"/>
-          <a:chExt cx="0" cy="0"/>
-        </a:xfrm>
-      </p:grpSpPr>
-      <p:sp>
-        <p:nvSpPr>
-          <p:cNvPr id="9" name="Cube 8"/>
-          <p:cNvSpPr/>
-          <p:nvPr/>
-        </p:nvSpPr>
-        <p:spPr>
-          <a:xfrm>
-            <a:off x="6377896" y="1847850"/>
-            <a:ext cx="1568450" cy="1066800"/>
-          </a:xfrm>
-          <a:prstGeom prst="cube">
-            <a:avLst/>
-          </a:prstGeom>
-          <a:solidFill>
-            <a:schemeClr val="bg1"/>
-          </a:solidFill>
-          <a:ln>
-            <a:solidFill>
-              <a:schemeClr val="tx1"/>
-            </a:solidFill>
-          </a:ln>
-        </p:spPr>
-        <p:style>
-          <a:lnRef idx="1">
-            <a:schemeClr val="accent1"/>
-          </a:lnRef>
-          <a:fillRef idx="3">
-            <a:schemeClr val="accent1"/>
-          </a:fillRef>
-          <a:effectRef idx="2">
-            <a:schemeClr val="accent1"/>
-          </a:effectRef>
-          <a:fontRef idx="minor">
-            <a:schemeClr val="lt1"/>
-          </a:fontRef>
-        </p:style>
-        <p:txBody>
-          <a:bodyPr rtlCol="0" anchor="ctr"/>
-          <a:lstStyle/>
-          <a:p>
-            <a:pPr algn="ctr"/>
-            <a:r>
-              <a:rPr lang="fr-FR" dirty="0" smtClean="0">
-                <a:solidFill>
-                  <a:schemeClr val="tx1"/>
-                </a:solidFill>
-              </a:rPr>
-              <a:t>NETCONF</a:t>
-            </a:r>
-          </a:p>
-          <a:p>
-            <a:pPr algn="ctr"/>
-            <a:r>
-              <a:rPr lang="fr-FR" dirty="0" smtClean="0">
-                <a:solidFill>
-                  <a:schemeClr val="tx1"/>
-                </a:solidFill>
-              </a:rPr>
-              <a:t>Manager</a:t>
-            </a:r>
-            <a:endParaRPr lang="fr-FR" dirty="0">
-              <a:solidFill>
-                <a:schemeClr val="tx1"/>
-              </a:solidFill>
-            </a:endParaRPr>
-          </a:p>
-        </p:txBody>
-      </p:sp>
-      <p:sp>
-        <p:nvSpPr>
-          <p:cNvPr id="10" name="Cube 9"/>
-          <p:cNvSpPr/>
-          <p:nvPr/>
-        </p:nvSpPr>
-        <p:spPr>
-          <a:xfrm>
-            <a:off x="6377896" y="914400"/>
-            <a:ext cx="1568450" cy="1066800"/>
-          </a:xfrm>
-          <a:prstGeom prst="cube">
-            <a:avLst/>
-          </a:prstGeom>
-          <a:solidFill>
-            <a:schemeClr val="bg1"/>
-          </a:solidFill>
-          <a:ln>
-            <a:solidFill>
-              <a:schemeClr val="tx1"/>
-            </a:solidFill>
-          </a:ln>
-        </p:spPr>
-        <p:style>
-          <a:lnRef idx="1">
-            <a:schemeClr val="accent1"/>
-          </a:lnRef>
-          <a:fillRef idx="3">
-            <a:schemeClr val="accent1"/>
-          </a:fillRef>
-          <a:effectRef idx="2">
-            <a:schemeClr val="accent1"/>
-          </a:effectRef>
-          <a:fontRef idx="minor">
-            <a:schemeClr val="lt1"/>
-          </a:fontRef>
-        </p:style>
-        <p:txBody>
-          <a:bodyPr rtlCol="0" anchor="ctr"/>
-          <a:lstStyle/>
-          <a:p>
-            <a:pPr algn="ctr"/>
-            <a:r>
-              <a:rPr lang="fr-FR" dirty="0" smtClean="0">
-                <a:solidFill>
-                  <a:schemeClr val="tx1"/>
-                </a:solidFill>
-              </a:rPr>
-              <a:t>HTTPS</a:t>
-            </a:r>
-          </a:p>
-          <a:p>
-            <a:pPr algn="ctr"/>
-            <a:r>
-              <a:rPr lang="fr-FR" dirty="0" smtClean="0">
-                <a:solidFill>
-                  <a:schemeClr val="tx1"/>
-                </a:solidFill>
-              </a:rPr>
-              <a:t>Server</a:t>
-            </a:r>
-            <a:endParaRPr lang="fr-FR" dirty="0">
-              <a:solidFill>
-                <a:schemeClr val="tx1"/>
-              </a:solidFill>
-            </a:endParaRPr>
-          </a:p>
-        </p:txBody>
-      </p:sp>
-      <p:sp>
-        <p:nvSpPr>
-          <p:cNvPr id="14" name="Rectangle à coins arrondis 13"/>
-          <p:cNvSpPr/>
-          <p:nvPr/>
-        </p:nvSpPr>
-        <p:spPr>
-          <a:xfrm>
-            <a:off x="5444898" y="514350"/>
-            <a:ext cx="2641600" cy="3905250"/>
-          </a:xfrm>
-          <a:prstGeom prst="roundRect">
-            <a:avLst/>
-          </a:prstGeom>
-          <a:noFill/>
-          <a:ln w="34925">
-            <a:solidFill>
-              <a:schemeClr val="tx1"/>
-            </a:solidFill>
-          </a:ln>
-        </p:spPr>
-        <p:style>
-          <a:lnRef idx="1">
-            <a:schemeClr val="accent1"/>
-          </a:lnRef>
-          <a:fillRef idx="3">
-            <a:schemeClr val="accent1"/>
-          </a:fillRef>
-          <a:effectRef idx="2">
-            <a:schemeClr val="accent1"/>
-          </a:effectRef>
-          <a:fontRef idx="minor">
-            <a:schemeClr val="lt1"/>
-          </a:fontRef>
-        </p:style>
-        <p:txBody>
-          <a:bodyPr rtlCol="0" anchor="ctr"/>
-          <a:lstStyle/>
-          <a:p>
-            <a:pPr algn="ctr"/>
-            <a:endParaRPr lang="fr-FR"/>
-          </a:p>
-        </p:txBody>
-      </p:sp>
-      <p:sp>
-        <p:nvSpPr>
-          <p:cNvPr id="18" name="Ellipse 17"/>
-          <p:cNvSpPr/>
-          <p:nvPr/>
-        </p:nvSpPr>
-        <p:spPr>
-          <a:xfrm>
-            <a:off x="6377897" y="3448050"/>
-            <a:ext cx="1139373" cy="609600"/>
-          </a:xfrm>
-          <a:prstGeom prst="ellipse">
-            <a:avLst/>
-          </a:prstGeom>
-          <a:solidFill>
-            <a:schemeClr val="bg1"/>
-          </a:solidFill>
-        </p:spPr>
-        <p:style>
-          <a:lnRef idx="1">
-            <a:schemeClr val="accent1"/>
-          </a:lnRef>
-          <a:fillRef idx="3">
-            <a:schemeClr val="accent1"/>
-          </a:fillRef>
-          <a:effectRef idx="2">
-            <a:schemeClr val="accent1"/>
-          </a:effectRef>
-          <a:fontRef idx="minor">
-            <a:schemeClr val="lt1"/>
-          </a:fontRef>
-        </p:style>
-        <p:txBody>
-          <a:bodyPr rtlCol="0" anchor="ctr"/>
-          <a:lstStyle/>
-          <a:p>
-            <a:pPr algn="ctr">
-              <a:lnSpc>
-                <a:spcPts val="1380"/>
-              </a:lnSpc>
-            </a:pPr>
-            <a:r>
-              <a:rPr lang="fr-FR" sz="1400" dirty="0" smtClean="0">
-                <a:solidFill>
-                  <a:schemeClr val="tx1"/>
-                </a:solidFill>
-              </a:rPr>
-              <a:t>Data Model</a:t>
-            </a:r>
-          </a:p>
-          <a:p>
-            <a:pPr algn="ctr">
-              <a:lnSpc>
-                <a:spcPts val="980"/>
-              </a:lnSpc>
-            </a:pPr>
-            <a:r>
-              <a:rPr lang="fr-FR" sz="1400" dirty="0" smtClean="0">
-                <a:solidFill>
-                  <a:schemeClr val="tx1"/>
-                </a:solidFill>
-              </a:rPr>
-              <a:t>agent</a:t>
-            </a:r>
-            <a:endParaRPr lang="fr-FR" sz="1400" dirty="0">
-              <a:solidFill>
-                <a:schemeClr val="tx1"/>
-              </a:solidFill>
-            </a:endParaRPr>
-          </a:p>
-        </p:txBody>
-      </p:sp>
-      <p:sp>
-        <p:nvSpPr>
-          <p:cNvPr id="40" name="Cube 39"/>
-          <p:cNvSpPr/>
-          <p:nvPr/>
-        </p:nvSpPr>
-        <p:spPr>
-          <a:xfrm>
-            <a:off x="1292468" y="1047750"/>
-            <a:ext cx="1568450" cy="1066800"/>
-          </a:xfrm>
-          <a:prstGeom prst="cube">
-            <a:avLst/>
-          </a:prstGeom>
-          <a:noFill/>
-          <a:ln>
-            <a:solidFill>
-              <a:schemeClr val="tx1"/>
-            </a:solidFill>
-          </a:ln>
-        </p:spPr>
-        <p:style>
-          <a:lnRef idx="1">
-            <a:schemeClr val="accent1"/>
-          </a:lnRef>
-          <a:fillRef idx="3">
-            <a:schemeClr val="accent1"/>
-          </a:fillRef>
-          <a:effectRef idx="2">
-            <a:schemeClr val="accent1"/>
-          </a:effectRef>
-          <a:fontRef idx="minor">
-            <a:schemeClr val="lt1"/>
-          </a:fontRef>
-        </p:style>
-        <p:txBody>
-          <a:bodyPr rtlCol="0" anchor="ctr"/>
-          <a:lstStyle/>
-          <a:p>
-            <a:pPr algn="ctr"/>
-            <a:r>
-              <a:rPr lang="fr-FR" dirty="0" smtClean="0">
-                <a:solidFill>
-                  <a:schemeClr val="tx1"/>
-                </a:solidFill>
-              </a:rPr>
-              <a:t>NETCONF</a:t>
-            </a:r>
-          </a:p>
-          <a:p>
-            <a:pPr algn="ctr"/>
-            <a:r>
-              <a:rPr lang="fr-FR" dirty="0" smtClean="0">
-                <a:solidFill>
-                  <a:schemeClr val="tx1"/>
-                </a:solidFill>
-              </a:rPr>
-              <a:t>Manager</a:t>
-            </a:r>
-            <a:endParaRPr lang="fr-FR" dirty="0">
-              <a:solidFill>
-                <a:schemeClr val="tx1"/>
-              </a:solidFill>
-            </a:endParaRPr>
-          </a:p>
-        </p:txBody>
-      </p:sp>
-      <p:cxnSp>
-        <p:nvCxnSpPr>
-          <p:cNvPr id="17" name="Connecteur droit avec flèche 16"/>
-          <p:cNvCxnSpPr/>
-          <p:nvPr/>
-        </p:nvCxnSpPr>
-        <p:spPr>
-          <a:xfrm rot="10800000" flipV="1">
-            <a:off x="7838848" y="2114550"/>
-            <a:ext cx="1403350" cy="266700"/>
-          </a:xfrm>
-          <a:prstGeom prst="straightConnector1">
-            <a:avLst/>
-          </a:prstGeom>
-          <a:ln>
-            <a:tailEnd type="arrow"/>
-          </a:ln>
-        </p:spPr>
-        <p:style>
-          <a:lnRef idx="2">
-            <a:schemeClr val="accent1"/>
-          </a:lnRef>
-          <a:fillRef idx="0">
-            <a:schemeClr val="accent1"/>
-          </a:fillRef>
-          <a:effectRef idx="1">
-            <a:schemeClr val="accent1"/>
-          </a:effectRef>
-          <a:fontRef idx="minor">
-            <a:schemeClr val="tx1"/>
-          </a:fontRef>
-        </p:style>
-      </p:cxnSp>
-      <p:cxnSp>
-        <p:nvCxnSpPr>
-          <p:cNvPr id="20" name="Connecteur droit avec flèche 19"/>
-          <p:cNvCxnSpPr/>
-          <p:nvPr/>
-        </p:nvCxnSpPr>
-        <p:spPr>
-          <a:xfrm rot="5400000">
-            <a:off x="6821896" y="3106105"/>
-            <a:ext cx="533400" cy="150493"/>
-          </a:xfrm>
-          <a:prstGeom prst="straightConnector1">
-            <a:avLst/>
-          </a:prstGeom>
-          <a:ln>
-            <a:tailEnd type="arrow"/>
-          </a:ln>
-        </p:spPr>
-        <p:style>
-          <a:lnRef idx="2">
-            <a:schemeClr val="accent1"/>
-          </a:lnRef>
-          <a:fillRef idx="0">
-            <a:schemeClr val="accent1"/>
-          </a:fillRef>
-          <a:effectRef idx="1">
-            <a:schemeClr val="accent1"/>
-          </a:effectRef>
-          <a:fontRef idx="minor">
-            <a:schemeClr val="tx1"/>
-          </a:fontRef>
-        </p:style>
-      </p:cxnSp>
-      <p:pic>
-        <p:nvPicPr>
-          <p:cNvPr id="21" name="Image 20" descr="applet3.tiff"/>
-          <p:cNvPicPr>
-            <a:picLocks noChangeAspect="1"/>
-          </p:cNvPicPr>
-          <p:nvPr/>
-        </p:nvPicPr>
-        <p:blipFill>
-          <a:blip r:embed="rId3"/>
-          <a:stretch>
-            <a:fillRect/>
-          </a:stretch>
-        </p:blipFill>
-        <p:spPr>
-          <a:xfrm>
-            <a:off x="332676" y="3048000"/>
-            <a:ext cx="3959924" cy="3124200"/>
-          </a:xfrm>
-          <a:prstGeom prst="rect">
-            <a:avLst/>
-          </a:prstGeom>
-        </p:spPr>
-      </p:pic>
-      <p:sp>
-        <p:nvSpPr>
-          <p:cNvPr id="22" name="ZoneTexte 21"/>
-          <p:cNvSpPr txBox="1"/>
-          <p:nvPr/>
-        </p:nvSpPr>
-        <p:spPr>
-          <a:xfrm>
-            <a:off x="8581799" y="2381250"/>
-            <a:ext cx="301660" cy="369332"/>
-          </a:xfrm>
-          <a:prstGeom prst="rect">
-            <a:avLst/>
-          </a:prstGeom>
-          <a:noFill/>
-        </p:spPr>
-        <p:txBody>
-          <a:bodyPr wrap="none" rtlCol="0">
-            <a:spAutoFit/>
-          </a:bodyPr>
-          <a:lstStyle/>
-          <a:p>
-            <a:r>
-              <a:rPr lang="fr-FR" dirty="0" smtClean="0"/>
-              <a:t>1</a:t>
-            </a:r>
-            <a:endParaRPr lang="fr-FR" dirty="0"/>
-          </a:p>
-        </p:txBody>
-      </p:sp>
-      <p:sp>
-        <p:nvSpPr>
-          <p:cNvPr id="23" name="ZoneTexte 22"/>
-          <p:cNvSpPr txBox="1"/>
-          <p:nvPr/>
-        </p:nvSpPr>
-        <p:spPr>
-          <a:xfrm>
-            <a:off x="7353871" y="3110984"/>
-            <a:ext cx="301660" cy="369332"/>
-          </a:xfrm>
-          <a:prstGeom prst="rect">
-            <a:avLst/>
-          </a:prstGeom>
-          <a:noFill/>
-        </p:spPr>
-        <p:txBody>
-          <a:bodyPr wrap="none" rtlCol="0">
-            <a:spAutoFit/>
-          </a:bodyPr>
-          <a:lstStyle/>
-          <a:p>
-            <a:r>
-              <a:rPr lang="fr-FR" dirty="0" smtClean="0"/>
-              <a:t>2</a:t>
-            </a:r>
-            <a:endParaRPr lang="fr-FR" dirty="0"/>
-          </a:p>
-        </p:txBody>
-      </p:sp>
-      <p:sp>
-        <p:nvSpPr>
-          <p:cNvPr id="25" name="ZoneTexte 24"/>
-          <p:cNvSpPr txBox="1"/>
-          <p:nvPr/>
-        </p:nvSpPr>
-        <p:spPr>
-          <a:xfrm>
-            <a:off x="5444899" y="4812268"/>
-            <a:ext cx="301660" cy="369332"/>
-          </a:xfrm>
-          <a:prstGeom prst="rect">
-            <a:avLst/>
-          </a:prstGeom>
-          <a:noFill/>
-        </p:spPr>
-        <p:txBody>
-          <a:bodyPr wrap="none" rtlCol="0">
-            <a:spAutoFit/>
-          </a:bodyPr>
-          <a:lstStyle/>
-          <a:p>
-            <a:r>
-              <a:rPr lang="fr-FR" dirty="0"/>
-              <a:t>3</a:t>
-            </a:r>
-          </a:p>
-        </p:txBody>
-      </p:sp>
-      <p:sp>
-        <p:nvSpPr>
-          <p:cNvPr id="26" name="ZoneTexte 25"/>
-          <p:cNvSpPr txBox="1"/>
-          <p:nvPr/>
-        </p:nvSpPr>
-        <p:spPr>
-          <a:xfrm>
-            <a:off x="8655527" y="2894231"/>
-            <a:ext cx="1083086" cy="369332"/>
-          </a:xfrm>
-          <a:prstGeom prst="rect">
-            <a:avLst/>
-          </a:prstGeom>
-          <a:noFill/>
-        </p:spPr>
-        <p:txBody>
-          <a:bodyPr wrap="none" rtlCol="0">
-            <a:spAutoFit/>
-          </a:bodyPr>
-          <a:lstStyle/>
-          <a:p>
-            <a:r>
-              <a:rPr lang="fr-FR" dirty="0" smtClean="0"/>
-              <a:t>NETCONF</a:t>
-            </a:r>
-            <a:endParaRPr lang="fr-FR" dirty="0"/>
-          </a:p>
-        </p:txBody>
-      </p:sp>
-      <p:sp>
-        <p:nvSpPr>
-          <p:cNvPr id="30" name="Bulle rectangulaire 29"/>
-          <p:cNvSpPr/>
-          <p:nvPr/>
-        </p:nvSpPr>
-        <p:spPr>
-          <a:xfrm>
-            <a:off x="7719335" y="4057650"/>
-            <a:ext cx="1522864" cy="1123950"/>
-          </a:xfrm>
-          <a:prstGeom prst="wedgeRectCallout">
-            <a:avLst>
-              <a:gd name="adj1" fmla="val -70039"/>
-              <a:gd name="adj2" fmla="val -57828"/>
-            </a:avLst>
-          </a:prstGeom>
-          <a:solidFill>
-            <a:schemeClr val="bg1"/>
-          </a:solidFill>
-          <a:ln>
-            <a:solidFill>
-              <a:schemeClr val="tx1"/>
-            </a:solidFill>
-          </a:ln>
-        </p:spPr>
-        <p:style>
-          <a:lnRef idx="1">
-            <a:schemeClr val="accent1"/>
-          </a:lnRef>
-          <a:fillRef idx="3">
-            <a:schemeClr val="accent1"/>
-          </a:fillRef>
-          <a:effectRef idx="2">
-            <a:schemeClr val="accent1"/>
-          </a:effectRef>
-          <a:fontRef idx="minor">
-            <a:schemeClr val="lt1"/>
-          </a:fontRef>
-        </p:style>
-        <p:txBody>
-          <a:bodyPr rtlCol="0" anchor="ctr"/>
-          <a:lstStyle/>
-          <a:p>
-            <a:r>
-              <a:rPr lang="fr-FR" sz="1200" dirty="0" err="1" smtClean="0">
-                <a:solidFill>
-                  <a:schemeClr val="tx1"/>
-                </a:solidFill>
-              </a:rPr>
-              <a:t>Checks</a:t>
-            </a:r>
-            <a:r>
-              <a:rPr lang="fr-FR" sz="1200" dirty="0" smtClean="0">
-                <a:solidFill>
-                  <a:schemeClr val="tx1"/>
-                </a:solidFill>
-              </a:rPr>
-              <a:t> </a:t>
-            </a:r>
-            <a:r>
-              <a:rPr lang="fr-FR" sz="1200" dirty="0" err="1" smtClean="0">
-                <a:solidFill>
-                  <a:schemeClr val="tx1"/>
-                </a:solidFill>
-              </a:rPr>
-              <a:t>validity</a:t>
-            </a:r>
-            <a:endParaRPr lang="fr-FR" sz="1200" dirty="0" smtClean="0">
-              <a:solidFill>
-                <a:schemeClr val="tx1"/>
-              </a:solidFill>
-            </a:endParaRPr>
-          </a:p>
-          <a:p>
-            <a:r>
-              <a:rPr lang="fr-FR" sz="1200" dirty="0" smtClean="0">
-                <a:solidFill>
-                  <a:schemeClr val="tx1"/>
-                </a:solidFill>
-              </a:rPr>
-              <a:t> - XSD document</a:t>
-            </a:r>
-          </a:p>
-          <a:p>
-            <a:r>
-              <a:rPr lang="fr-FR" sz="1200" dirty="0" smtClean="0">
-                <a:solidFill>
-                  <a:schemeClr val="tx1"/>
-                </a:solidFill>
-              </a:rPr>
-              <a:t> - Yang </a:t>
-            </a:r>
-            <a:r>
-              <a:rPr lang="fr-FR" sz="1200" dirty="0" err="1" smtClean="0">
-                <a:solidFill>
-                  <a:schemeClr val="tx1"/>
-                </a:solidFill>
-              </a:rPr>
-              <a:t>constraints</a:t>
-            </a:r>
-            <a:endParaRPr lang="fr-FR" sz="1200" dirty="0" smtClean="0">
-              <a:solidFill>
-                <a:schemeClr val="tx1"/>
-              </a:solidFill>
-            </a:endParaRPr>
-          </a:p>
-          <a:p>
-            <a:r>
-              <a:rPr lang="fr-FR" sz="1200" dirty="0" err="1" smtClean="0">
-                <a:solidFill>
-                  <a:schemeClr val="tx1"/>
-                </a:solidFill>
-              </a:rPr>
-              <a:t>Add</a:t>
-            </a:r>
-            <a:r>
-              <a:rPr lang="fr-FR" sz="1200" dirty="0" smtClean="0">
-                <a:solidFill>
-                  <a:schemeClr val="tx1"/>
-                </a:solidFill>
-              </a:rPr>
-              <a:t> default values</a:t>
-            </a:r>
-            <a:endParaRPr lang="fr-FR" sz="1200" dirty="0">
-              <a:solidFill>
-                <a:schemeClr val="tx1"/>
-              </a:solidFill>
-            </a:endParaRPr>
-          </a:p>
-        </p:txBody>
-      </p:sp>
-      <p:cxnSp>
-        <p:nvCxnSpPr>
-          <p:cNvPr id="28" name="Connecteur droit avec flèche 27"/>
-          <p:cNvCxnSpPr>
-            <a:endCxn id="18" idx="3"/>
-          </p:cNvCxnSpPr>
-          <p:nvPr/>
-        </p:nvCxnSpPr>
-        <p:spPr>
-          <a:xfrm flipV="1">
-            <a:off x="4292600" y="3968376"/>
-            <a:ext cx="2252154" cy="1365624"/>
-          </a:xfrm>
-          <a:prstGeom prst="straightConnector1">
-            <a:avLst/>
-          </a:prstGeom>
-          <a:ln>
-            <a:headEnd type="arrow"/>
-            <a:tailEnd type="arrow"/>
-          </a:ln>
-        </p:spPr>
-        <p:style>
-          <a:lnRef idx="2">
-            <a:schemeClr val="accent1"/>
-          </a:lnRef>
-          <a:fillRef idx="0">
-            <a:schemeClr val="accent1"/>
-          </a:fillRef>
-          <a:effectRef idx="1">
-            <a:schemeClr val="accent1"/>
-          </a:effectRef>
-          <a:fontRef idx="minor">
-            <a:schemeClr val="tx1"/>
-          </a:fontRef>
-        </p:style>
-      </p:cxnSp>
-      <p:sp>
-        <p:nvSpPr>
-          <p:cNvPr id="16" name="Espace réservé du numéro de diapositive 15"/>
-          <p:cNvSpPr>
-            <a:spLocks noGrp="1"/>
-          </p:cNvSpPr>
-          <p:nvPr>
-            <p:ph type="sldNum" sz="quarter" idx="12"/>
-          </p:nvPr>
-        </p:nvSpPr>
-        <p:spPr/>
-        <p:txBody>
-          <a:bodyPr/>
-          <a:lstStyle/>
-          <a:p>
-            <a:fld id="{339A7AB0-D0CE-A343-B5B6-64AAD55F6591}" type="slidenum">
-              <a:rPr lang="fr-FR" smtClean="0"/>
-              <a:pPr/>
-              <a:t>18</a:t>
-            </a:fld>
-            <a:endParaRPr lang="fr-FR"/>
-          </a:p>
-        </p:txBody>
-      </p:sp>
-    </p:spTree>
-  </p:cSld>
-  <p:clrMapOvr>
-    <a:masterClrMapping/>
-  </p:clrMapOvr>
-</p:sld>
-</file>
-
-<file path=ppt/slides/slide19.xml><?xml version="1.0" encoding="utf-8"?>
-<p:sld xmlns:a="http://schemas.openxmlformats.org/drawingml/2006/main" xmlns:r="http://schemas.openxmlformats.org/officeDocument/2006/relationships" xmlns:mc="http://schemas.openxmlformats.org/markup-compatibility/2006" xmlns:mv="urn:schemas-microsoft-com:mac:vml" xmlns:p="http://schemas.openxmlformats.org/presentationml/2006/main" mc:Ignorable="mv" mc:PreserveAttributes="mv:*">
-  <p:cSld>
-    <p:spTree>
-      <p:nvGrpSpPr>
-        <p:cNvPr id="1" name=""/>
-        <p:cNvGrpSpPr/>
-        <p:nvPr/>
-      </p:nvGrpSpPr>
-      <p:grpSpPr>
-        <a:xfrm>
-          <a:off x="0" y="0"/>
-          <a:ext cx="0" cy="0"/>
-          <a:chOff x="0" y="0"/>
-          <a:chExt cx="0" cy="0"/>
-        </a:xfrm>
-      </p:grpSpPr>
-      <p:pic>
-        <p:nvPicPr>
-          <p:cNvPr id="28" name="Image 27" descr="applet4.tiff"/>
-          <p:cNvPicPr>
-            <a:picLocks noChangeAspect="1"/>
-          </p:cNvPicPr>
-          <p:nvPr/>
-        </p:nvPicPr>
-        <p:blipFill>
-          <a:blip r:embed="rId3"/>
-          <a:stretch>
-            <a:fillRect/>
-          </a:stretch>
-        </p:blipFill>
-        <p:spPr>
-          <a:xfrm>
-            <a:off x="330200" y="3104144"/>
-            <a:ext cx="3276496" cy="2610857"/>
-          </a:xfrm>
-          <a:prstGeom prst="rect">
-            <a:avLst/>
-          </a:prstGeom>
-        </p:spPr>
-      </p:pic>
-      <p:sp>
-        <p:nvSpPr>
-          <p:cNvPr id="32" name="Cube 31"/>
-          <p:cNvSpPr/>
-          <p:nvPr/>
-        </p:nvSpPr>
-        <p:spPr>
-          <a:xfrm>
-            <a:off x="6711497" y="2362200"/>
-            <a:ext cx="1568450" cy="1066800"/>
-          </a:xfrm>
-          <a:prstGeom prst="cube">
-            <a:avLst/>
-          </a:prstGeom>
-          <a:solidFill>
-            <a:schemeClr val="bg1"/>
-          </a:solidFill>
-          <a:ln>
-            <a:solidFill>
-              <a:schemeClr val="tx1"/>
-            </a:solidFill>
-          </a:ln>
-        </p:spPr>
-        <p:style>
-          <a:lnRef idx="1">
-            <a:schemeClr val="accent1"/>
-          </a:lnRef>
-          <a:fillRef idx="3">
-            <a:schemeClr val="accent1"/>
-          </a:fillRef>
-          <a:effectRef idx="2">
-            <a:schemeClr val="accent1"/>
-          </a:effectRef>
-          <a:fontRef idx="minor">
-            <a:schemeClr val="lt1"/>
-          </a:fontRef>
-        </p:style>
-        <p:txBody>
-          <a:bodyPr rtlCol="0" anchor="ctr"/>
-          <a:lstStyle/>
-          <a:p>
-            <a:pPr algn="ctr"/>
-            <a:r>
-              <a:rPr lang="fr-FR" dirty="0" smtClean="0">
-                <a:solidFill>
-                  <a:schemeClr val="tx1"/>
-                </a:solidFill>
-              </a:rPr>
-              <a:t>NETCONF</a:t>
-            </a:r>
-          </a:p>
-          <a:p>
-            <a:pPr algn="ctr"/>
-            <a:r>
-              <a:rPr lang="fr-FR" dirty="0" smtClean="0">
-                <a:solidFill>
-                  <a:schemeClr val="tx1"/>
-                </a:solidFill>
-              </a:rPr>
-              <a:t>Manager</a:t>
-            </a:r>
-            <a:endParaRPr lang="fr-FR" dirty="0">
-              <a:solidFill>
-                <a:schemeClr val="tx1"/>
-              </a:solidFill>
-            </a:endParaRPr>
-          </a:p>
-        </p:txBody>
-      </p:sp>
-      <p:sp>
-        <p:nvSpPr>
-          <p:cNvPr id="33" name="Cube 32"/>
-          <p:cNvSpPr/>
-          <p:nvPr/>
-        </p:nvSpPr>
-        <p:spPr>
-          <a:xfrm>
-            <a:off x="6711498" y="1047750"/>
-            <a:ext cx="1568450" cy="1066800"/>
-          </a:xfrm>
-          <a:prstGeom prst="cube">
-            <a:avLst/>
-          </a:prstGeom>
-          <a:solidFill>
-            <a:schemeClr val="bg1"/>
-          </a:solidFill>
-          <a:ln>
-            <a:solidFill>
-              <a:schemeClr val="tx1"/>
-            </a:solidFill>
-          </a:ln>
-        </p:spPr>
-        <p:style>
-          <a:lnRef idx="1">
-            <a:schemeClr val="accent1"/>
-          </a:lnRef>
-          <a:fillRef idx="3">
-            <a:schemeClr val="accent1"/>
-          </a:fillRef>
-          <a:effectRef idx="2">
-            <a:schemeClr val="accent1"/>
-          </a:effectRef>
-          <a:fontRef idx="minor">
-            <a:schemeClr val="lt1"/>
-          </a:fontRef>
-        </p:style>
-        <p:txBody>
-          <a:bodyPr rtlCol="0" anchor="ctr"/>
-          <a:lstStyle/>
-          <a:p>
-            <a:pPr algn="ctr"/>
-            <a:r>
-              <a:rPr lang="fr-FR" dirty="0" smtClean="0">
-                <a:solidFill>
-                  <a:schemeClr val="tx1"/>
-                </a:solidFill>
-              </a:rPr>
-              <a:t>HTTPS</a:t>
-            </a:r>
-          </a:p>
-          <a:p>
-            <a:pPr algn="ctr"/>
-            <a:r>
-              <a:rPr lang="fr-FR" dirty="0" smtClean="0">
-                <a:solidFill>
-                  <a:schemeClr val="tx1"/>
-                </a:solidFill>
-              </a:rPr>
-              <a:t>Server</a:t>
-            </a:r>
-            <a:endParaRPr lang="fr-FR" dirty="0">
-              <a:solidFill>
-                <a:schemeClr val="tx1"/>
-              </a:solidFill>
-            </a:endParaRPr>
-          </a:p>
-        </p:txBody>
-      </p:sp>
-      <p:sp>
-        <p:nvSpPr>
-          <p:cNvPr id="34" name="Rectangle à coins arrondis 33"/>
-          <p:cNvSpPr/>
-          <p:nvPr/>
-        </p:nvSpPr>
-        <p:spPr>
-          <a:xfrm>
-            <a:off x="5778500" y="647700"/>
-            <a:ext cx="2641600" cy="4305300"/>
-          </a:xfrm>
-          <a:prstGeom prst="roundRect">
-            <a:avLst/>
-          </a:prstGeom>
-          <a:noFill/>
-          <a:ln w="34925">
-            <a:solidFill>
-              <a:schemeClr val="tx1"/>
-            </a:solidFill>
-          </a:ln>
-        </p:spPr>
-        <p:style>
-          <a:lnRef idx="1">
-            <a:schemeClr val="accent1"/>
-          </a:lnRef>
-          <a:fillRef idx="3">
-            <a:schemeClr val="accent1"/>
-          </a:fillRef>
-          <a:effectRef idx="2">
-            <a:schemeClr val="accent1"/>
-          </a:effectRef>
-          <a:fontRef idx="minor">
-            <a:schemeClr val="lt1"/>
-          </a:fontRef>
-        </p:style>
-        <p:txBody>
-          <a:bodyPr rtlCol="0" anchor="ctr"/>
-          <a:lstStyle/>
-          <a:p>
-            <a:pPr algn="ctr"/>
-            <a:endParaRPr lang="fr-FR"/>
-          </a:p>
-        </p:txBody>
-      </p:sp>
-      <p:sp>
-        <p:nvSpPr>
-          <p:cNvPr id="35" name="Ellipse 34"/>
-          <p:cNvSpPr/>
-          <p:nvPr/>
-        </p:nvSpPr>
-        <p:spPr>
-          <a:xfrm>
-            <a:off x="6711499" y="3962400"/>
-            <a:ext cx="1139373" cy="609600"/>
-          </a:xfrm>
-          <a:prstGeom prst="ellipse">
-            <a:avLst/>
-          </a:prstGeom>
-          <a:solidFill>
-            <a:schemeClr val="bg1"/>
-          </a:solidFill>
-        </p:spPr>
-        <p:style>
-          <a:lnRef idx="1">
-            <a:schemeClr val="accent1"/>
-          </a:lnRef>
-          <a:fillRef idx="3">
-            <a:schemeClr val="accent1"/>
-          </a:fillRef>
-          <a:effectRef idx="2">
-            <a:schemeClr val="accent1"/>
-          </a:effectRef>
-          <a:fontRef idx="minor">
-            <a:schemeClr val="lt1"/>
-          </a:fontRef>
-        </p:style>
-        <p:txBody>
-          <a:bodyPr rtlCol="0" anchor="ctr"/>
-          <a:lstStyle/>
-          <a:p>
-            <a:pPr algn="ctr">
-              <a:lnSpc>
-                <a:spcPts val="1380"/>
-              </a:lnSpc>
-            </a:pPr>
-            <a:r>
-              <a:rPr lang="fr-FR" sz="1400" dirty="0" smtClean="0">
-                <a:solidFill>
-                  <a:schemeClr val="tx1"/>
-                </a:solidFill>
-              </a:rPr>
-              <a:t>Data Model</a:t>
-            </a:r>
-          </a:p>
-          <a:p>
-            <a:pPr algn="ctr">
-              <a:lnSpc>
-                <a:spcPts val="980"/>
-              </a:lnSpc>
-            </a:pPr>
-            <a:r>
-              <a:rPr lang="fr-FR" sz="1400" dirty="0" smtClean="0">
-                <a:solidFill>
-                  <a:schemeClr val="tx1"/>
-                </a:solidFill>
-              </a:rPr>
-              <a:t>agent</a:t>
-            </a:r>
-            <a:endParaRPr lang="fr-FR" sz="1400" dirty="0">
-              <a:solidFill>
-                <a:schemeClr val="tx1"/>
-              </a:solidFill>
-            </a:endParaRPr>
-          </a:p>
-        </p:txBody>
-      </p:sp>
-      <p:sp>
-        <p:nvSpPr>
-          <p:cNvPr id="37" name="Cube 36"/>
-          <p:cNvSpPr/>
-          <p:nvPr/>
-        </p:nvSpPr>
-        <p:spPr>
-          <a:xfrm>
-            <a:off x="1626069" y="1181100"/>
-            <a:ext cx="1568450" cy="1066800"/>
-          </a:xfrm>
-          <a:prstGeom prst="cube">
-            <a:avLst/>
-          </a:prstGeom>
-          <a:noFill/>
-          <a:ln>
-            <a:solidFill>
-              <a:schemeClr val="tx1"/>
-            </a:solidFill>
-          </a:ln>
-        </p:spPr>
-        <p:style>
-          <a:lnRef idx="1">
-            <a:schemeClr val="accent1"/>
-          </a:lnRef>
-          <a:fillRef idx="3">
-            <a:schemeClr val="accent1"/>
-          </a:fillRef>
-          <a:effectRef idx="2">
-            <a:schemeClr val="accent1"/>
-          </a:effectRef>
-          <a:fontRef idx="minor">
-            <a:schemeClr val="lt1"/>
-          </a:fontRef>
-        </p:style>
-        <p:txBody>
-          <a:bodyPr rtlCol="0" anchor="ctr"/>
-          <a:lstStyle/>
-          <a:p>
-            <a:pPr algn="ctr"/>
-            <a:r>
-              <a:rPr lang="fr-FR" dirty="0" smtClean="0">
-                <a:solidFill>
-                  <a:schemeClr val="tx1"/>
-                </a:solidFill>
-              </a:rPr>
-              <a:t>NETCONF</a:t>
-            </a:r>
-          </a:p>
-          <a:p>
-            <a:pPr algn="ctr"/>
-            <a:r>
-              <a:rPr lang="fr-FR" dirty="0" smtClean="0">
-                <a:solidFill>
-                  <a:schemeClr val="tx1"/>
-                </a:solidFill>
-              </a:rPr>
-              <a:t>Manager</a:t>
-            </a:r>
-            <a:endParaRPr lang="fr-FR" dirty="0">
-              <a:solidFill>
-                <a:schemeClr val="tx1"/>
-              </a:solidFill>
-            </a:endParaRPr>
-          </a:p>
-        </p:txBody>
-      </p:sp>
-      <p:cxnSp>
-        <p:nvCxnSpPr>
-          <p:cNvPr id="38" name="Connecteur droit avec flèche 37"/>
-          <p:cNvCxnSpPr/>
-          <p:nvPr/>
-        </p:nvCxnSpPr>
-        <p:spPr>
-          <a:xfrm flipV="1">
-            <a:off x="3606697" y="4347544"/>
-            <a:ext cx="3104800" cy="834057"/>
-          </a:xfrm>
-          <a:prstGeom prst="straightConnector1">
-            <a:avLst/>
-          </a:prstGeom>
-          <a:ln>
-            <a:headEnd type="none"/>
-            <a:tailEnd type="triangle"/>
-          </a:ln>
-        </p:spPr>
-        <p:style>
-          <a:lnRef idx="2">
-            <a:schemeClr val="accent1"/>
-          </a:lnRef>
-          <a:fillRef idx="0">
-            <a:schemeClr val="accent1"/>
-          </a:fillRef>
-          <a:effectRef idx="1">
-            <a:schemeClr val="accent1"/>
-          </a:effectRef>
-          <a:fontRef idx="minor">
-            <a:schemeClr val="tx1"/>
-          </a:fontRef>
-        </p:style>
-      </p:cxnSp>
-      <p:sp>
-        <p:nvSpPr>
-          <p:cNvPr id="43" name="Flèche vers la gauche 42"/>
-          <p:cNvSpPr/>
-          <p:nvPr/>
-        </p:nvSpPr>
-        <p:spPr>
-          <a:xfrm rot="2874564">
-            <a:off x="2754597" y="5528255"/>
-            <a:ext cx="349143" cy="373493"/>
-          </a:xfrm>
-          <a:prstGeom prst="leftArrow">
-            <a:avLst>
-              <a:gd name="adj1" fmla="val 29385"/>
-              <a:gd name="adj2" fmla="val 49083"/>
-            </a:avLst>
-          </a:prstGeom>
-          <a:solidFill>
-            <a:schemeClr val="tx1"/>
-          </a:solidFill>
-          <a:ln>
-            <a:solidFill>
-              <a:schemeClr val="tx1"/>
-            </a:solidFill>
-          </a:ln>
-        </p:spPr>
-        <p:style>
-          <a:lnRef idx="1">
-            <a:schemeClr val="accent1"/>
-          </a:lnRef>
-          <a:fillRef idx="3">
-            <a:schemeClr val="accent1"/>
-          </a:fillRef>
-          <a:effectRef idx="2">
-            <a:schemeClr val="accent1"/>
-          </a:effectRef>
-          <a:fontRef idx="minor">
-            <a:schemeClr val="lt1"/>
-          </a:fontRef>
-        </p:style>
-        <p:txBody>
-          <a:bodyPr rtlCol="0" anchor="ctr"/>
-          <a:lstStyle/>
-          <a:p>
-            <a:pPr algn="ctr"/>
-            <a:endParaRPr lang="fr-FR"/>
-          </a:p>
-        </p:txBody>
-      </p:sp>
-      <p:sp>
-        <p:nvSpPr>
-          <p:cNvPr id="46" name="ZoneTexte 45"/>
-          <p:cNvSpPr txBox="1"/>
-          <p:nvPr/>
-        </p:nvSpPr>
-        <p:spPr>
-          <a:xfrm>
-            <a:off x="4849398" y="4833372"/>
-            <a:ext cx="1998814" cy="1938992"/>
-          </a:xfrm>
-          <a:prstGeom prst="rect">
-            <a:avLst/>
-          </a:prstGeom>
-          <a:noFill/>
-        </p:spPr>
-        <p:txBody>
-          <a:bodyPr wrap="none" rtlCol="0">
-            <a:spAutoFit/>
-          </a:bodyPr>
-          <a:lstStyle/>
-          <a:p>
-            <a:r>
-              <a:rPr lang="fr-FR" sz="1000" dirty="0" smtClean="0"/>
-              <a:t>…</a:t>
-            </a:r>
-          </a:p>
-          <a:p>
-            <a:r>
-              <a:rPr lang="fr-FR" sz="1000" dirty="0" smtClean="0"/>
-              <a:t>&lt;</a:t>
-            </a:r>
-            <a:r>
-              <a:rPr lang="fr-FR" sz="1000" dirty="0" err="1" smtClean="0"/>
-              <a:t>edit-config</a:t>
-            </a:r>
-            <a:r>
-              <a:rPr lang="fr-FR" sz="1000" dirty="0" smtClean="0"/>
-              <a:t>&gt;</a:t>
-            </a:r>
-          </a:p>
-          <a:p>
-            <a:r>
-              <a:rPr lang="fr-FR" sz="1000" dirty="0" smtClean="0"/>
-              <a:t>   &lt;NETCONF&gt;</a:t>
-            </a:r>
-          </a:p>
-          <a:p>
-            <a:r>
-              <a:rPr lang="fr-FR" sz="1000" dirty="0" smtClean="0"/>
-              <a:t>      &lt;network&gt;</a:t>
-            </a:r>
-          </a:p>
-          <a:p>
-            <a:r>
-              <a:rPr lang="fr-FR" sz="1000" dirty="0" smtClean="0"/>
-              <a:t>	</a:t>
-            </a:r>
-            <a:r>
-              <a:rPr lang="fr-FR" sz="1000" dirty="0"/>
-              <a:t>&lt;</a:t>
-            </a:r>
-            <a:r>
-              <a:rPr lang="fr-FR" sz="1000" dirty="0" smtClean="0"/>
-              <a:t>interfaces&gt;</a:t>
-            </a:r>
-          </a:p>
-          <a:p>
-            <a:r>
-              <a:rPr lang="fr-FR" sz="1000" dirty="0" smtClean="0"/>
-              <a:t>	    &lt;interface&gt;</a:t>
-            </a:r>
-          </a:p>
-          <a:p>
-            <a:r>
-              <a:rPr lang="fr-FR" sz="1000" dirty="0" smtClean="0"/>
-              <a:t>                        &lt;</a:t>
-            </a:r>
-            <a:r>
-              <a:rPr lang="fr-FR" sz="1000" dirty="0" err="1" smtClean="0"/>
-              <a:t>name</a:t>
-            </a:r>
-            <a:r>
-              <a:rPr lang="fr-FR" sz="1000" dirty="0" smtClean="0"/>
-              <a:t>&gt;lan0&lt;/</a:t>
-            </a:r>
-            <a:r>
-              <a:rPr lang="fr-FR" sz="1000" dirty="0" err="1" smtClean="0"/>
-              <a:t>name</a:t>
-            </a:r>
-            <a:r>
-              <a:rPr lang="fr-FR" sz="1000" dirty="0" smtClean="0"/>
-              <a:t>&gt;</a:t>
-            </a:r>
-          </a:p>
-          <a:p>
-            <a:r>
-              <a:rPr lang="fr-FR" sz="1000" dirty="0" smtClean="0"/>
-              <a:t>                   &lt;/interface&gt;</a:t>
-            </a:r>
-          </a:p>
-          <a:p>
-            <a:r>
-              <a:rPr lang="fr-FR" sz="1000" dirty="0" smtClean="0"/>
-              <a:t>               &lt;/interfaces&gt;</a:t>
-            </a:r>
-          </a:p>
-          <a:p>
-            <a:r>
-              <a:rPr lang="fr-FR" sz="1000" dirty="0" smtClean="0"/>
-              <a:t>      &lt;/network&gt;</a:t>
-            </a:r>
-          </a:p>
-          <a:p>
-            <a:r>
-              <a:rPr lang="fr-FR" sz="1000" dirty="0" smtClean="0"/>
-              <a:t>   &lt;/NETCONF&gt;</a:t>
-            </a:r>
-          </a:p>
-          <a:p>
-            <a:r>
-              <a:rPr lang="fr-FR" sz="1000" dirty="0" smtClean="0"/>
-              <a:t>&lt;/</a:t>
-            </a:r>
-            <a:r>
-              <a:rPr lang="fr-FR" sz="1000" dirty="0" err="1" smtClean="0"/>
-              <a:t>get</a:t>
-            </a:r>
-            <a:r>
-              <a:rPr lang="fr-FR" sz="1000" dirty="0" smtClean="0"/>
-              <a:t>&gt;</a:t>
-            </a:r>
-            <a:endParaRPr lang="fr-FR" sz="1000" dirty="0"/>
-          </a:p>
-        </p:txBody>
-      </p:sp>
-      <p:cxnSp>
-        <p:nvCxnSpPr>
-          <p:cNvPr id="48" name="Connecteur droit avec flèche 47"/>
-          <p:cNvCxnSpPr/>
-          <p:nvPr/>
-        </p:nvCxnSpPr>
-        <p:spPr>
-          <a:xfrm flipV="1">
-            <a:off x="8279947" y="2743200"/>
-            <a:ext cx="1295853" cy="228600"/>
-          </a:xfrm>
-          <a:prstGeom prst="straightConnector1">
-            <a:avLst/>
-          </a:prstGeom>
-          <a:ln>
-            <a:headEnd type="none"/>
-            <a:tailEnd type="arrow"/>
-          </a:ln>
-        </p:spPr>
-        <p:style>
-          <a:lnRef idx="2">
-            <a:schemeClr val="accent1"/>
-          </a:lnRef>
-          <a:fillRef idx="0">
-            <a:schemeClr val="accent1"/>
-          </a:fillRef>
-          <a:effectRef idx="1">
-            <a:schemeClr val="accent1"/>
-          </a:effectRef>
-          <a:fontRef idx="minor">
-            <a:schemeClr val="tx1"/>
-          </a:fontRef>
-        </p:style>
-      </p:cxnSp>
-      <p:sp>
-        <p:nvSpPr>
-          <p:cNvPr id="49" name="ZoneTexte 48"/>
-          <p:cNvSpPr txBox="1"/>
-          <p:nvPr/>
-        </p:nvSpPr>
-        <p:spPr>
-          <a:xfrm>
-            <a:off x="8585200" y="2991703"/>
-            <a:ext cx="1083086" cy="369332"/>
-          </a:xfrm>
-          <a:prstGeom prst="rect">
-            <a:avLst/>
-          </a:prstGeom>
-          <a:noFill/>
-        </p:spPr>
-        <p:txBody>
-          <a:bodyPr wrap="none" rtlCol="0">
-            <a:spAutoFit/>
-          </a:bodyPr>
-          <a:lstStyle/>
-          <a:p>
-            <a:r>
-              <a:rPr lang="fr-FR" dirty="0" smtClean="0"/>
-              <a:t>NETCONF</a:t>
-            </a:r>
-            <a:endParaRPr lang="fr-FR" dirty="0"/>
-          </a:p>
-        </p:txBody>
-      </p:sp>
-      <p:sp>
-        <p:nvSpPr>
-          <p:cNvPr id="50" name="ZoneTexte 49"/>
-          <p:cNvSpPr txBox="1"/>
-          <p:nvPr/>
-        </p:nvSpPr>
-        <p:spPr>
-          <a:xfrm>
-            <a:off x="4131379" y="4464040"/>
-            <a:ext cx="301660" cy="369332"/>
-          </a:xfrm>
-          <a:prstGeom prst="rect">
-            <a:avLst/>
-          </a:prstGeom>
-          <a:noFill/>
-        </p:spPr>
-        <p:txBody>
-          <a:bodyPr wrap="none" rtlCol="0">
-            <a:spAutoFit/>
-          </a:bodyPr>
-          <a:lstStyle/>
-          <a:p>
-            <a:r>
-              <a:rPr lang="fr-FR" dirty="0" smtClean="0"/>
-              <a:t>3</a:t>
-            </a:r>
-            <a:endParaRPr lang="fr-FR" dirty="0"/>
-          </a:p>
-        </p:txBody>
-      </p:sp>
-      <p:sp>
-        <p:nvSpPr>
-          <p:cNvPr id="51" name="ZoneTexte 50"/>
-          <p:cNvSpPr txBox="1"/>
-          <p:nvPr/>
-        </p:nvSpPr>
-        <p:spPr>
-          <a:xfrm>
-            <a:off x="7117784" y="3593068"/>
-            <a:ext cx="301660" cy="369332"/>
-          </a:xfrm>
-          <a:prstGeom prst="rect">
-            <a:avLst/>
-          </a:prstGeom>
-          <a:noFill/>
-        </p:spPr>
-        <p:txBody>
-          <a:bodyPr wrap="none" rtlCol="0">
-            <a:spAutoFit/>
-          </a:bodyPr>
-          <a:lstStyle/>
-          <a:p>
-            <a:r>
-              <a:rPr lang="fr-FR" dirty="0" smtClean="0"/>
-              <a:t>4</a:t>
-            </a:r>
-            <a:endParaRPr lang="fr-FR" dirty="0"/>
-          </a:p>
-        </p:txBody>
-      </p:sp>
-      <p:cxnSp>
-        <p:nvCxnSpPr>
-          <p:cNvPr id="53" name="Connecteur droit avec flèche 52"/>
-          <p:cNvCxnSpPr/>
-          <p:nvPr/>
-        </p:nvCxnSpPr>
-        <p:spPr>
-          <a:xfrm rot="5400000">
-            <a:off x="7361873" y="3496629"/>
-            <a:ext cx="533400" cy="398148"/>
-          </a:xfrm>
-          <a:prstGeom prst="straightConnector1">
-            <a:avLst/>
-          </a:prstGeom>
-          <a:ln>
-            <a:headEnd type="arrow"/>
-            <a:tailEnd type="arrow"/>
-          </a:ln>
-        </p:spPr>
-        <p:style>
-          <a:lnRef idx="2">
-            <a:schemeClr val="accent1"/>
-          </a:lnRef>
-          <a:fillRef idx="0">
-            <a:schemeClr val="accent1"/>
-          </a:fillRef>
-          <a:effectRef idx="1">
-            <a:schemeClr val="accent1"/>
-          </a:effectRef>
-          <a:fontRef idx="minor">
-            <a:schemeClr val="tx1"/>
-          </a:fontRef>
-        </p:style>
-      </p:cxnSp>
-      <p:sp>
-        <p:nvSpPr>
-          <p:cNvPr id="54" name="Bulle rectangulaire 53"/>
-          <p:cNvSpPr/>
-          <p:nvPr/>
-        </p:nvSpPr>
-        <p:spPr>
-          <a:xfrm>
-            <a:off x="8071418" y="4345956"/>
-            <a:ext cx="1504383" cy="835645"/>
-          </a:xfrm>
-          <a:prstGeom prst="wedgeRectCallout">
-            <a:avLst>
-              <a:gd name="adj1" fmla="val -67106"/>
-              <a:gd name="adj2" fmla="val -46089"/>
-            </a:avLst>
-          </a:prstGeom>
-          <a:solidFill>
-            <a:schemeClr val="bg1"/>
-          </a:solidFill>
-          <a:ln>
-            <a:solidFill>
-              <a:schemeClr val="tx1"/>
-            </a:solidFill>
-          </a:ln>
-        </p:spPr>
-        <p:style>
-          <a:lnRef idx="1">
-            <a:schemeClr val="accent1"/>
-          </a:lnRef>
-          <a:fillRef idx="3">
-            <a:schemeClr val="accent1"/>
-          </a:fillRef>
-          <a:effectRef idx="2">
-            <a:schemeClr val="accent1"/>
-          </a:effectRef>
-          <a:fontRef idx="minor">
-            <a:schemeClr val="lt1"/>
-          </a:fontRef>
-        </p:style>
-        <p:txBody>
-          <a:bodyPr rtlCol="0" anchor="ctr"/>
-          <a:lstStyle/>
-          <a:p>
-            <a:r>
-              <a:rPr lang="fr-FR" sz="1200" dirty="0" err="1" smtClean="0">
-                <a:solidFill>
-                  <a:schemeClr val="tx1"/>
-                </a:solidFill>
-              </a:rPr>
-              <a:t>Checks</a:t>
-            </a:r>
-            <a:r>
-              <a:rPr lang="fr-FR" sz="1200" dirty="0" smtClean="0">
-                <a:solidFill>
-                  <a:schemeClr val="tx1"/>
-                </a:solidFill>
-              </a:rPr>
-              <a:t> </a:t>
-            </a:r>
-            <a:r>
-              <a:rPr lang="fr-FR" sz="1200" dirty="0" err="1" smtClean="0">
-                <a:solidFill>
-                  <a:schemeClr val="tx1"/>
-                </a:solidFill>
-              </a:rPr>
-              <a:t>validity</a:t>
-            </a:r>
-            <a:endParaRPr lang="fr-FR" sz="1200" dirty="0" smtClean="0">
-              <a:solidFill>
-                <a:schemeClr val="tx1"/>
-              </a:solidFill>
-            </a:endParaRPr>
-          </a:p>
-          <a:p>
-            <a:r>
-              <a:rPr lang="fr-FR" sz="1200" dirty="0" smtClean="0">
-                <a:solidFill>
-                  <a:schemeClr val="tx1"/>
-                </a:solidFill>
-              </a:rPr>
-              <a:t> - Yang </a:t>
-            </a:r>
-            <a:r>
-              <a:rPr lang="fr-FR" sz="1200" dirty="0" err="1" smtClean="0">
-                <a:solidFill>
-                  <a:schemeClr val="tx1"/>
-                </a:solidFill>
-              </a:rPr>
-              <a:t>constraints</a:t>
-            </a:r>
-            <a:endParaRPr lang="fr-FR" sz="1200" dirty="0" smtClean="0">
-              <a:solidFill>
-                <a:schemeClr val="tx1"/>
-              </a:solidFill>
-            </a:endParaRPr>
-          </a:p>
-        </p:txBody>
-      </p:sp>
-      <p:sp>
-        <p:nvSpPr>
-          <p:cNvPr id="59" name="ZoneTexte 58"/>
-          <p:cNvSpPr txBox="1"/>
-          <p:nvPr/>
-        </p:nvSpPr>
-        <p:spPr>
-          <a:xfrm>
-            <a:off x="2395651" y="3962400"/>
-            <a:ext cx="301660" cy="369332"/>
-          </a:xfrm>
-          <a:prstGeom prst="rect">
-            <a:avLst/>
-          </a:prstGeom>
-          <a:noFill/>
-        </p:spPr>
-        <p:txBody>
-          <a:bodyPr wrap="none" rtlCol="0">
-            <a:spAutoFit/>
-          </a:bodyPr>
-          <a:lstStyle/>
-          <a:p>
-            <a:r>
-              <a:rPr lang="fr-FR" dirty="0" smtClean="0"/>
-              <a:t>1</a:t>
-            </a:r>
-            <a:endParaRPr lang="fr-FR" dirty="0"/>
-          </a:p>
-        </p:txBody>
-      </p:sp>
-      <p:sp>
-        <p:nvSpPr>
-          <p:cNvPr id="60" name="ZoneTexte 59"/>
-          <p:cNvSpPr txBox="1"/>
-          <p:nvPr/>
-        </p:nvSpPr>
-        <p:spPr>
-          <a:xfrm>
-            <a:off x="3031120" y="5802868"/>
-            <a:ext cx="301660" cy="369332"/>
-          </a:xfrm>
-          <a:prstGeom prst="rect">
-            <a:avLst/>
-          </a:prstGeom>
-          <a:noFill/>
-        </p:spPr>
-        <p:txBody>
-          <a:bodyPr wrap="none" rtlCol="0">
-            <a:spAutoFit/>
-          </a:bodyPr>
-          <a:lstStyle/>
-          <a:p>
-            <a:r>
-              <a:rPr lang="fr-FR" dirty="0" smtClean="0"/>
-              <a:t>2</a:t>
-            </a:r>
-            <a:endParaRPr lang="fr-FR" dirty="0"/>
-          </a:p>
-        </p:txBody>
-      </p:sp>
-      <p:sp>
-        <p:nvSpPr>
-          <p:cNvPr id="61" name="ZoneTexte 60"/>
-          <p:cNvSpPr txBox="1"/>
-          <p:nvPr/>
-        </p:nvSpPr>
-        <p:spPr>
-          <a:xfrm>
-            <a:off x="8915400" y="2362200"/>
-            <a:ext cx="301660" cy="369332"/>
-          </a:xfrm>
-          <a:prstGeom prst="rect">
-            <a:avLst/>
-          </a:prstGeom>
-          <a:noFill/>
-        </p:spPr>
-        <p:txBody>
-          <a:bodyPr wrap="none" rtlCol="0">
-            <a:spAutoFit/>
-          </a:bodyPr>
-          <a:lstStyle/>
-          <a:p>
-            <a:r>
-              <a:rPr lang="fr-FR" dirty="0" smtClean="0"/>
-              <a:t>5</a:t>
-            </a:r>
-            <a:endParaRPr lang="fr-FR" dirty="0"/>
-          </a:p>
-        </p:txBody>
-      </p:sp>
-      <p:sp>
-        <p:nvSpPr>
-          <p:cNvPr id="20" name="Espace réservé du numéro de diapositive 19"/>
-          <p:cNvSpPr>
-            <a:spLocks noGrp="1"/>
-          </p:cNvSpPr>
-          <p:nvPr>
-            <p:ph type="sldNum" sz="quarter" idx="12"/>
-          </p:nvPr>
-        </p:nvSpPr>
-        <p:spPr/>
-        <p:txBody>
-          <a:bodyPr/>
-          <a:lstStyle/>
-          <a:p>
-            <a:fld id="{339A7AB0-D0CE-A343-B5B6-64AAD55F6591}" type="slidenum">
-              <a:rPr lang="fr-FR" smtClean="0"/>
-              <a:pPr/>
-              <a:t>19</a:t>
             </a:fld>
             <a:endParaRPr lang="fr-FR"/>
           </a:p>
@@ -16526,1518 +9170,6 @@
       </p:par>
     </p:tnLst>
   </p:timing>
-</p:sld>
-</file>
-
-<file path=ppt/slides/slide20.xml><?xml version="1.0" encoding="utf-8"?>
-<p:sld xmlns:a="http://schemas.openxmlformats.org/drawingml/2006/main" xmlns:r="http://schemas.openxmlformats.org/officeDocument/2006/relationships" xmlns:mc="http://schemas.openxmlformats.org/markup-compatibility/2006" xmlns:mv="urn:schemas-microsoft-com:mac:vml" xmlns:p="http://schemas.openxmlformats.org/presentationml/2006/main" mc:Ignorable="mv" mc:PreserveAttributes="mv:*">
-  <p:cSld>
-    <p:spTree>
-      <p:nvGrpSpPr>
-        <p:cNvPr id="1" name=""/>
-        <p:cNvGrpSpPr/>
-        <p:nvPr/>
-      </p:nvGrpSpPr>
-      <p:grpSpPr>
-        <a:xfrm>
-          <a:off x="0" y="0"/>
-          <a:ext cx="0" cy="0"/>
-          <a:chOff x="0" y="0"/>
-          <a:chExt cx="0" cy="0"/>
-        </a:xfrm>
-      </p:grpSpPr>
-      <p:sp>
-        <p:nvSpPr>
-          <p:cNvPr id="17" name="Flèche vers la gauche 16"/>
-          <p:cNvSpPr/>
-          <p:nvPr/>
-        </p:nvSpPr>
-        <p:spPr>
-          <a:xfrm rot="2573701">
-            <a:off x="5799134" y="3464403"/>
-            <a:ext cx="1939925" cy="731282"/>
-          </a:xfrm>
-          <a:prstGeom prst="leftArrow">
-            <a:avLst/>
-          </a:prstGeom>
-        </p:spPr>
-        <p:style>
-          <a:lnRef idx="1">
-            <a:schemeClr val="accent1"/>
-          </a:lnRef>
-          <a:fillRef idx="3">
-            <a:schemeClr val="accent1"/>
-          </a:fillRef>
-          <a:effectRef idx="2">
-            <a:schemeClr val="accent1"/>
-          </a:effectRef>
-          <a:fontRef idx="minor">
-            <a:schemeClr val="lt1"/>
-          </a:fontRef>
-        </p:style>
-        <p:txBody>
-          <a:bodyPr rtlCol="0" anchor="ctr"/>
-          <a:lstStyle/>
-          <a:p>
-            <a:pPr algn="ctr"/>
-            <a:endParaRPr lang="fr-FR"/>
-          </a:p>
-        </p:txBody>
-      </p:sp>
-      <p:sp>
-        <p:nvSpPr>
-          <p:cNvPr id="15" name="Rectangle 14"/>
-          <p:cNvSpPr/>
-          <p:nvPr/>
-        </p:nvSpPr>
-        <p:spPr>
-          <a:xfrm>
-            <a:off x="7264400" y="3962400"/>
-            <a:ext cx="1981200" cy="2514600"/>
-          </a:xfrm>
-          <a:prstGeom prst="rect">
-            <a:avLst/>
-          </a:prstGeom>
-          <a:ln>
-            <a:noFill/>
-          </a:ln>
-        </p:spPr>
-        <p:style>
-          <a:lnRef idx="1">
-            <a:schemeClr val="accent1"/>
-          </a:lnRef>
-          <a:fillRef idx="3">
-            <a:schemeClr val="accent1"/>
-          </a:fillRef>
-          <a:effectRef idx="2">
-            <a:schemeClr val="accent1"/>
-          </a:effectRef>
-          <a:fontRef idx="minor">
-            <a:schemeClr val="lt1"/>
-          </a:fontRef>
-        </p:style>
-        <p:txBody>
-          <a:bodyPr rtlCol="0" anchor="ctr"/>
-          <a:lstStyle/>
-          <a:p>
-            <a:pPr algn="ctr"/>
-            <a:endParaRPr lang="fr-FR"/>
-          </a:p>
-        </p:txBody>
-      </p:sp>
-      <p:sp>
-        <p:nvSpPr>
-          <p:cNvPr id="5" name="Cube 4"/>
-          <p:cNvSpPr/>
-          <p:nvPr/>
-        </p:nvSpPr>
-        <p:spPr>
-          <a:xfrm>
-            <a:off x="7429500" y="4324350"/>
-            <a:ext cx="1320800" cy="762000"/>
-          </a:xfrm>
-          <a:prstGeom prst="cube">
-            <a:avLst/>
-          </a:prstGeom>
-          <a:solidFill>
-            <a:schemeClr val="bg1"/>
-          </a:solidFill>
-          <a:ln>
-            <a:solidFill>
-              <a:schemeClr val="tx1"/>
-            </a:solidFill>
-          </a:ln>
-        </p:spPr>
-        <p:style>
-          <a:lnRef idx="1">
-            <a:schemeClr val="accent1"/>
-          </a:lnRef>
-          <a:fillRef idx="3">
-            <a:schemeClr val="accent1"/>
-          </a:fillRef>
-          <a:effectRef idx="2">
-            <a:schemeClr val="accent1"/>
-          </a:effectRef>
-          <a:fontRef idx="minor">
-            <a:schemeClr val="lt1"/>
-          </a:fontRef>
-        </p:style>
-        <p:txBody>
-          <a:bodyPr rtlCol="0" anchor="ctr"/>
-          <a:lstStyle/>
-          <a:p>
-            <a:pPr algn="ctr"/>
-            <a:r>
-              <a:rPr lang="fr-FR" sz="1200" dirty="0" smtClean="0">
-                <a:solidFill>
-                  <a:schemeClr val="tx1"/>
-                </a:solidFill>
-              </a:rPr>
-              <a:t>YANG</a:t>
-            </a:r>
-          </a:p>
-          <a:p>
-            <a:pPr algn="ctr"/>
-            <a:r>
-              <a:rPr lang="fr-FR" sz="1200" dirty="0" err="1" smtClean="0">
-                <a:solidFill>
-                  <a:schemeClr val="tx1"/>
-                </a:solidFill>
-              </a:rPr>
-              <a:t>Parser</a:t>
-            </a:r>
-            <a:endParaRPr lang="fr-FR" sz="1200" dirty="0" smtClean="0">
-              <a:solidFill>
-                <a:schemeClr val="tx1"/>
-              </a:solidFill>
-            </a:endParaRPr>
-          </a:p>
-          <a:p>
-            <a:pPr algn="ctr"/>
-            <a:r>
-              <a:rPr lang="fr-FR" sz="1200" i="1" dirty="0" smtClean="0">
-                <a:solidFill>
-                  <a:schemeClr val="tx1"/>
-                </a:solidFill>
-              </a:rPr>
-              <a:t>java</a:t>
-            </a:r>
-            <a:endParaRPr lang="fr-FR" sz="1200" i="1" dirty="0">
-              <a:solidFill>
-                <a:schemeClr val="tx1"/>
-              </a:solidFill>
-            </a:endParaRPr>
-          </a:p>
-        </p:txBody>
-      </p:sp>
-      <p:sp>
-        <p:nvSpPr>
-          <p:cNvPr id="6" name="Cylindre 5"/>
-          <p:cNvSpPr/>
-          <p:nvPr/>
-        </p:nvSpPr>
-        <p:spPr>
-          <a:xfrm>
-            <a:off x="7759700" y="5410200"/>
-            <a:ext cx="990600" cy="800100"/>
-          </a:xfrm>
-          <a:prstGeom prst="can">
-            <a:avLst/>
-          </a:prstGeom>
-          <a:solidFill>
-            <a:schemeClr val="bg1"/>
-          </a:solidFill>
-          <a:ln>
-            <a:solidFill>
-              <a:schemeClr val="tx1"/>
-            </a:solidFill>
-          </a:ln>
-        </p:spPr>
-        <p:style>
-          <a:lnRef idx="1">
-            <a:schemeClr val="accent1"/>
-          </a:lnRef>
-          <a:fillRef idx="3">
-            <a:schemeClr val="accent1"/>
-          </a:fillRef>
-          <a:effectRef idx="2">
-            <a:schemeClr val="accent1"/>
-          </a:effectRef>
-          <a:fontRef idx="minor">
-            <a:schemeClr val="lt1"/>
-          </a:fontRef>
-        </p:style>
-        <p:txBody>
-          <a:bodyPr rtlCol="0" anchor="ctr"/>
-          <a:lstStyle/>
-          <a:p>
-            <a:pPr algn="ctr"/>
-            <a:r>
-              <a:rPr lang="fr-FR" dirty="0" smtClean="0">
-                <a:solidFill>
-                  <a:schemeClr val="tx1"/>
-                </a:solidFill>
-              </a:rPr>
-              <a:t>Y</a:t>
-            </a:r>
-            <a:r>
-              <a:rPr lang="fr-FR" dirty="0" err="1" smtClean="0">
-                <a:solidFill>
-                  <a:schemeClr val="tx1"/>
-                </a:solidFill>
-              </a:rPr>
-              <a:t>ang</a:t>
-            </a:r>
-            <a:r>
-              <a:rPr lang="fr-FR" dirty="0" smtClean="0">
-                <a:solidFill>
-                  <a:schemeClr val="tx1"/>
-                </a:solidFill>
-              </a:rPr>
-              <a:t> </a:t>
-            </a:r>
-            <a:r>
-              <a:rPr lang="fr-FR" dirty="0" err="1" smtClean="0">
-                <a:solidFill>
-                  <a:schemeClr val="tx1"/>
-                </a:solidFill>
-              </a:rPr>
-              <a:t>specs</a:t>
-            </a:r>
-            <a:r>
-              <a:rPr lang="fr-FR" dirty="0" smtClean="0">
-                <a:solidFill>
-                  <a:schemeClr val="tx1"/>
-                </a:solidFill>
-              </a:rPr>
-              <a:t>.</a:t>
-            </a:r>
-            <a:endParaRPr lang="fr-FR" dirty="0">
-              <a:solidFill>
-                <a:schemeClr val="tx1"/>
-              </a:solidFill>
-            </a:endParaRPr>
-          </a:p>
-        </p:txBody>
-      </p:sp>
-      <p:sp>
-        <p:nvSpPr>
-          <p:cNvPr id="8" name="Cube 7"/>
-          <p:cNvSpPr/>
-          <p:nvPr/>
-        </p:nvSpPr>
-        <p:spPr>
-          <a:xfrm>
-            <a:off x="4498975" y="2743994"/>
-            <a:ext cx="1568450" cy="533400"/>
-          </a:xfrm>
-          <a:prstGeom prst="cube">
-            <a:avLst/>
-          </a:prstGeom>
-          <a:noFill/>
-          <a:ln>
-            <a:solidFill>
-              <a:schemeClr val="tx1"/>
-            </a:solidFill>
-          </a:ln>
-        </p:spPr>
-        <p:style>
-          <a:lnRef idx="1">
-            <a:schemeClr val="accent1"/>
-          </a:lnRef>
-          <a:fillRef idx="3">
-            <a:schemeClr val="accent1"/>
-          </a:fillRef>
-          <a:effectRef idx="2">
-            <a:schemeClr val="accent1"/>
-          </a:effectRef>
-          <a:fontRef idx="minor">
-            <a:schemeClr val="lt1"/>
-          </a:fontRef>
-        </p:style>
-        <p:txBody>
-          <a:bodyPr rtlCol="0" anchor="ctr"/>
-          <a:lstStyle/>
-          <a:p>
-            <a:pPr algn="ctr"/>
-            <a:r>
-              <a:rPr lang="fr-FR" sz="1200" dirty="0" smtClean="0">
-                <a:solidFill>
-                  <a:schemeClr val="tx1"/>
-                </a:solidFill>
-              </a:rPr>
-              <a:t>Yang Proxy</a:t>
-            </a:r>
-            <a:endParaRPr lang="fr-FR" sz="1200" dirty="0">
-              <a:solidFill>
-                <a:schemeClr val="tx1"/>
-              </a:solidFill>
-            </a:endParaRPr>
-          </a:p>
-        </p:txBody>
-      </p:sp>
-      <p:sp>
-        <p:nvSpPr>
-          <p:cNvPr id="4" name="Cube 3"/>
-          <p:cNvSpPr/>
-          <p:nvPr/>
-        </p:nvSpPr>
-        <p:spPr>
-          <a:xfrm>
-            <a:off x="4498975" y="1295400"/>
-            <a:ext cx="1568450" cy="1066800"/>
-          </a:xfrm>
-          <a:prstGeom prst="cube">
-            <a:avLst/>
-          </a:prstGeom>
-          <a:solidFill>
-            <a:schemeClr val="bg1"/>
-          </a:solidFill>
-          <a:ln>
-            <a:solidFill>
-              <a:schemeClr val="tx1"/>
-            </a:solidFill>
-          </a:ln>
-        </p:spPr>
-        <p:style>
-          <a:lnRef idx="1">
-            <a:schemeClr val="accent1"/>
-          </a:lnRef>
-          <a:fillRef idx="3">
-            <a:schemeClr val="accent1"/>
-          </a:fillRef>
-          <a:effectRef idx="2">
-            <a:schemeClr val="accent1"/>
-          </a:effectRef>
-          <a:fontRef idx="minor">
-            <a:schemeClr val="lt1"/>
-          </a:fontRef>
-        </p:style>
-        <p:txBody>
-          <a:bodyPr rtlCol="0" anchor="ctr"/>
-          <a:lstStyle/>
-          <a:p>
-            <a:pPr algn="ctr"/>
-            <a:r>
-              <a:rPr lang="fr-FR" dirty="0" smtClean="0">
-                <a:solidFill>
-                  <a:schemeClr val="tx1"/>
-                </a:solidFill>
-              </a:rPr>
-              <a:t>NETCONF</a:t>
-            </a:r>
-          </a:p>
-          <a:p>
-            <a:pPr algn="ctr"/>
-            <a:r>
-              <a:rPr lang="fr-FR" dirty="0" smtClean="0">
-                <a:solidFill>
-                  <a:schemeClr val="tx1"/>
-                </a:solidFill>
-              </a:rPr>
-              <a:t>Agent</a:t>
-            </a:r>
-            <a:endParaRPr lang="fr-FR" dirty="0">
-              <a:solidFill>
-                <a:schemeClr val="tx1"/>
-              </a:solidFill>
-            </a:endParaRPr>
-          </a:p>
-        </p:txBody>
-      </p:sp>
-      <p:sp>
-        <p:nvSpPr>
-          <p:cNvPr id="9" name="Flèche courbée vers la gauche 8"/>
-          <p:cNvSpPr/>
-          <p:nvPr/>
-        </p:nvSpPr>
-        <p:spPr>
-          <a:xfrm>
-            <a:off x="6273800" y="1600200"/>
-            <a:ext cx="495300" cy="1371600"/>
-          </a:xfrm>
-          <a:prstGeom prst="curvedLeftArrow">
-            <a:avLst/>
-          </a:prstGeom>
-          <a:solidFill>
-            <a:schemeClr val="tx1"/>
-          </a:solidFill>
-          <a:ln>
-            <a:solidFill>
-              <a:schemeClr val="tx1"/>
-            </a:solidFill>
-          </a:ln>
-        </p:spPr>
-        <p:style>
-          <a:lnRef idx="1">
-            <a:schemeClr val="accent1"/>
-          </a:lnRef>
-          <a:fillRef idx="3">
-            <a:schemeClr val="accent1"/>
-          </a:fillRef>
-          <a:effectRef idx="2">
-            <a:schemeClr val="accent1"/>
-          </a:effectRef>
-          <a:fontRef idx="minor">
-            <a:schemeClr val="lt1"/>
-          </a:fontRef>
-        </p:style>
-        <p:txBody>
-          <a:bodyPr rtlCol="0" anchor="ctr"/>
-          <a:lstStyle/>
-          <a:p>
-            <a:pPr algn="ctr"/>
-            <a:endParaRPr lang="fr-FR">
-              <a:solidFill>
-                <a:schemeClr val="tx1"/>
-              </a:solidFill>
-            </a:endParaRPr>
-          </a:p>
-        </p:txBody>
-      </p:sp>
-      <p:sp>
-        <p:nvSpPr>
-          <p:cNvPr id="10" name="Flèche courbée vers la gauche 9"/>
-          <p:cNvSpPr/>
-          <p:nvPr/>
-        </p:nvSpPr>
-        <p:spPr>
-          <a:xfrm flipV="1">
-            <a:off x="6769100" y="1581150"/>
-            <a:ext cx="495300" cy="1371600"/>
-          </a:xfrm>
-          <a:prstGeom prst="curvedLeftArrow">
-            <a:avLst/>
-          </a:prstGeom>
-          <a:solidFill>
-            <a:schemeClr val="tx1"/>
-          </a:solidFill>
-          <a:ln>
-            <a:solidFill>
-              <a:schemeClr val="tx1"/>
-            </a:solidFill>
-          </a:ln>
-        </p:spPr>
-        <p:style>
-          <a:lnRef idx="1">
-            <a:schemeClr val="accent1"/>
-          </a:lnRef>
-          <a:fillRef idx="3">
-            <a:schemeClr val="accent1"/>
-          </a:fillRef>
-          <a:effectRef idx="2">
-            <a:schemeClr val="accent1"/>
-          </a:effectRef>
-          <a:fontRef idx="minor">
-            <a:schemeClr val="lt1"/>
-          </a:fontRef>
-        </p:style>
-        <p:txBody>
-          <a:bodyPr rtlCol="0" anchor="ctr"/>
-          <a:lstStyle/>
-          <a:p>
-            <a:pPr algn="ctr"/>
-            <a:endParaRPr lang="fr-FR">
-              <a:solidFill>
-                <a:schemeClr val="tx1"/>
-              </a:solidFill>
-            </a:endParaRPr>
-          </a:p>
-        </p:txBody>
-      </p:sp>
-      <p:cxnSp>
-        <p:nvCxnSpPr>
-          <p:cNvPr id="12" name="Connecteur droit avec flèche 11"/>
-          <p:cNvCxnSpPr/>
-          <p:nvPr/>
-        </p:nvCxnSpPr>
-        <p:spPr>
-          <a:xfrm flipV="1">
-            <a:off x="3136900" y="3124200"/>
-            <a:ext cx="1651000" cy="990600"/>
-          </a:xfrm>
-          <a:prstGeom prst="straightConnector1">
-            <a:avLst/>
-          </a:prstGeom>
-          <a:ln>
-            <a:headEnd type="arrow"/>
-            <a:tailEnd type="arrow"/>
-          </a:ln>
-        </p:spPr>
-        <p:style>
-          <a:lnRef idx="2">
-            <a:schemeClr val="accent1"/>
-          </a:lnRef>
-          <a:fillRef idx="0">
-            <a:schemeClr val="accent1"/>
-          </a:fillRef>
-          <a:effectRef idx="1">
-            <a:schemeClr val="accent1"/>
-          </a:effectRef>
-          <a:fontRef idx="minor">
-            <a:schemeClr val="tx1"/>
-          </a:fontRef>
-        </p:style>
-      </p:cxnSp>
-      <p:cxnSp>
-        <p:nvCxnSpPr>
-          <p:cNvPr id="14" name="Connecteur droit avec flèche 13"/>
-          <p:cNvCxnSpPr/>
-          <p:nvPr/>
-        </p:nvCxnSpPr>
-        <p:spPr>
-          <a:xfrm rot="5400000">
-            <a:off x="4762500" y="2552634"/>
-            <a:ext cx="381000" cy="1720"/>
-          </a:xfrm>
-          <a:prstGeom prst="straightConnector1">
-            <a:avLst/>
-          </a:prstGeom>
-          <a:ln>
-            <a:headEnd type="arrow"/>
-            <a:tailEnd type="arrow"/>
-          </a:ln>
-        </p:spPr>
-        <p:style>
-          <a:lnRef idx="2">
-            <a:schemeClr val="accent1"/>
-          </a:lnRef>
-          <a:fillRef idx="0">
-            <a:schemeClr val="accent1"/>
-          </a:fillRef>
-          <a:effectRef idx="1">
-            <a:schemeClr val="accent1"/>
-          </a:effectRef>
-          <a:fontRef idx="minor">
-            <a:schemeClr val="tx1"/>
-          </a:fontRef>
-        </p:style>
-      </p:cxnSp>
-      <p:sp>
-        <p:nvSpPr>
-          <p:cNvPr id="16" name="ZoneTexte 15"/>
-          <p:cNvSpPr txBox="1"/>
-          <p:nvPr/>
-        </p:nvSpPr>
-        <p:spPr>
-          <a:xfrm>
-            <a:off x="7759701" y="3593068"/>
-            <a:ext cx="1182047" cy="369332"/>
-          </a:xfrm>
-          <a:prstGeom prst="rect">
-            <a:avLst/>
-          </a:prstGeom>
-          <a:noFill/>
-        </p:spPr>
-        <p:txBody>
-          <a:bodyPr wrap="none" rtlCol="0">
-            <a:spAutoFit/>
-          </a:bodyPr>
-          <a:lstStyle/>
-          <a:p>
-            <a:r>
-              <a:rPr lang="fr-FR" dirty="0" smtClean="0"/>
-              <a:t>S</a:t>
-            </a:r>
-            <a:r>
-              <a:rPr lang="fr-FR" dirty="0" err="1" smtClean="0"/>
-              <a:t>tatic</a:t>
-            </a:r>
-            <a:r>
-              <a:rPr lang="fr-FR" dirty="0" smtClean="0"/>
-              <a:t> time</a:t>
-            </a:r>
-            <a:endParaRPr lang="fr-FR" dirty="0"/>
-          </a:p>
-        </p:txBody>
-      </p:sp>
-      <p:sp>
-        <p:nvSpPr>
-          <p:cNvPr id="18" name="ZoneTexte 17"/>
-          <p:cNvSpPr txBox="1"/>
-          <p:nvPr/>
-        </p:nvSpPr>
-        <p:spPr>
-          <a:xfrm>
-            <a:off x="3778797" y="3930134"/>
-            <a:ext cx="1083086" cy="369332"/>
-          </a:xfrm>
-          <a:prstGeom prst="rect">
-            <a:avLst/>
-          </a:prstGeom>
-          <a:noFill/>
-        </p:spPr>
-        <p:txBody>
-          <a:bodyPr wrap="none" rtlCol="0">
-            <a:spAutoFit/>
-          </a:bodyPr>
-          <a:lstStyle/>
-          <a:p>
-            <a:r>
-              <a:rPr lang="fr-FR" dirty="0" smtClean="0"/>
-              <a:t>NETCONF</a:t>
-            </a:r>
-            <a:endParaRPr lang="fr-FR" dirty="0"/>
-          </a:p>
-        </p:txBody>
-      </p:sp>
-      <p:sp>
-        <p:nvSpPr>
-          <p:cNvPr id="19" name="ZoneTexte 18"/>
-          <p:cNvSpPr txBox="1"/>
-          <p:nvPr/>
-        </p:nvSpPr>
-        <p:spPr>
-          <a:xfrm>
-            <a:off x="7429500" y="2025135"/>
-            <a:ext cx="1377300" cy="646331"/>
-          </a:xfrm>
-          <a:prstGeom prst="rect">
-            <a:avLst/>
-          </a:prstGeom>
-          <a:noFill/>
-        </p:spPr>
-        <p:txBody>
-          <a:bodyPr wrap="none" rtlCol="0">
-            <a:spAutoFit/>
-          </a:bodyPr>
-          <a:lstStyle/>
-          <a:p>
-            <a:r>
-              <a:rPr lang="fr-FR" dirty="0" err="1" smtClean="0"/>
-              <a:t>autonomous</a:t>
-            </a:r>
-            <a:endParaRPr lang="fr-FR" dirty="0" smtClean="0"/>
-          </a:p>
-          <a:p>
-            <a:r>
-              <a:rPr lang="fr-FR" dirty="0" smtClean="0"/>
-              <a:t>polling</a:t>
-            </a:r>
-            <a:endParaRPr lang="fr-FR" dirty="0"/>
-          </a:p>
-        </p:txBody>
-      </p:sp>
-      <p:sp>
-        <p:nvSpPr>
-          <p:cNvPr id="20" name="Espace réservé du numéro de diapositive 19"/>
-          <p:cNvSpPr>
-            <a:spLocks noGrp="1"/>
-          </p:cNvSpPr>
-          <p:nvPr>
-            <p:ph type="sldNum" sz="quarter" idx="12"/>
-          </p:nvPr>
-        </p:nvSpPr>
-        <p:spPr/>
-        <p:txBody>
-          <a:bodyPr/>
-          <a:lstStyle/>
-          <a:p>
-            <a:fld id="{339A7AB0-D0CE-A343-B5B6-64AAD55F6591}" type="slidenum">
-              <a:rPr lang="fr-FR" smtClean="0"/>
-              <a:pPr/>
-              <a:t>20</a:t>
-            </a:fld>
-            <a:endParaRPr lang="fr-FR"/>
-          </a:p>
-        </p:txBody>
-      </p:sp>
-    </p:spTree>
-  </p:cSld>
-  <p:clrMapOvr>
-    <a:masterClrMapping/>
-  </p:clrMapOvr>
-</p:sld>
-</file>
-
-<file path=ppt/slides/slide21.xml><?xml version="1.0" encoding="utf-8"?>
-<p:sld xmlns:a="http://schemas.openxmlformats.org/drawingml/2006/main" xmlns:r="http://schemas.openxmlformats.org/officeDocument/2006/relationships" xmlns:mc="http://schemas.openxmlformats.org/markup-compatibility/2006" xmlns:mv="urn:schemas-microsoft-com:mac:vml" xmlns:p="http://schemas.openxmlformats.org/presentationml/2006/main" mc:Ignorable="mv" mc:PreserveAttributes="mv:*">
-  <p:cSld>
-    <p:spTree>
-      <p:nvGrpSpPr>
-        <p:cNvPr id="1" name=""/>
-        <p:cNvGrpSpPr/>
-        <p:nvPr/>
-      </p:nvGrpSpPr>
-      <p:grpSpPr>
-        <a:xfrm>
-          <a:off x="0" y="0"/>
-          <a:ext cx="0" cy="0"/>
-          <a:chOff x="0" y="0"/>
-          <a:chExt cx="0" cy="0"/>
-        </a:xfrm>
-      </p:grpSpPr>
-      <p:sp>
-        <p:nvSpPr>
-          <p:cNvPr id="4" name="Ellipse 3"/>
-          <p:cNvSpPr/>
-          <p:nvPr/>
-        </p:nvSpPr>
-        <p:spPr>
-          <a:xfrm>
-            <a:off x="1404470" y="1871940"/>
-            <a:ext cx="2089972" cy="304800"/>
-          </a:xfrm>
-          <a:prstGeom prst="ellipse">
-            <a:avLst/>
-          </a:prstGeom>
-        </p:spPr>
-        <p:style>
-          <a:lnRef idx="1">
-            <a:schemeClr val="accent1"/>
-          </a:lnRef>
-          <a:fillRef idx="3">
-            <a:schemeClr val="accent1"/>
-          </a:fillRef>
-          <a:effectRef idx="2">
-            <a:schemeClr val="accent1"/>
-          </a:effectRef>
-          <a:fontRef idx="minor">
-            <a:schemeClr val="lt1"/>
-          </a:fontRef>
-        </p:style>
-        <p:txBody>
-          <a:bodyPr rtlCol="0" anchor="ctr"/>
-          <a:lstStyle/>
-          <a:p>
-            <a:pPr algn="ctr"/>
-            <a:r>
-              <a:rPr lang="en-US" dirty="0" smtClean="0"/>
-              <a:t>interfaces</a:t>
-            </a:r>
-            <a:endParaRPr lang="en-US" dirty="0"/>
-          </a:p>
-        </p:txBody>
-      </p:sp>
-      <p:sp>
-        <p:nvSpPr>
-          <p:cNvPr id="5" name="Ellipse 4"/>
-          <p:cNvSpPr/>
-          <p:nvPr/>
-        </p:nvSpPr>
-        <p:spPr>
-          <a:xfrm>
-            <a:off x="629770" y="2710140"/>
-            <a:ext cx="1549400" cy="304800"/>
-          </a:xfrm>
-          <a:prstGeom prst="ellipse">
-            <a:avLst/>
-          </a:prstGeom>
-        </p:spPr>
-        <p:style>
-          <a:lnRef idx="1">
-            <a:schemeClr val="accent1"/>
-          </a:lnRef>
-          <a:fillRef idx="3">
-            <a:schemeClr val="accent1"/>
-          </a:fillRef>
-          <a:effectRef idx="2">
-            <a:schemeClr val="accent1"/>
-          </a:effectRef>
-          <a:fontRef idx="minor">
-            <a:schemeClr val="lt1"/>
-          </a:fontRef>
-        </p:style>
-        <p:txBody>
-          <a:bodyPr rtlCol="0" anchor="ctr"/>
-          <a:lstStyle/>
-          <a:p>
-            <a:pPr algn="ctr"/>
-            <a:r>
-              <a:rPr lang="en-US" dirty="0" smtClean="0"/>
-              <a:t>interface</a:t>
-            </a:r>
-            <a:endParaRPr lang="en-US" dirty="0"/>
-          </a:p>
-        </p:txBody>
-      </p:sp>
-      <p:sp>
-        <p:nvSpPr>
-          <p:cNvPr id="6" name="Ellipse 5"/>
-          <p:cNvSpPr/>
-          <p:nvPr/>
-        </p:nvSpPr>
-        <p:spPr>
-          <a:xfrm>
-            <a:off x="1703742" y="1033740"/>
-            <a:ext cx="1371600" cy="304800"/>
-          </a:xfrm>
-          <a:prstGeom prst="ellipse">
-            <a:avLst/>
-          </a:prstGeom>
-        </p:spPr>
-        <p:style>
-          <a:lnRef idx="1">
-            <a:schemeClr val="accent1"/>
-          </a:lnRef>
-          <a:fillRef idx="3">
-            <a:schemeClr val="accent1"/>
-          </a:fillRef>
-          <a:effectRef idx="2">
-            <a:schemeClr val="accent1"/>
-          </a:effectRef>
-          <a:fontRef idx="minor">
-            <a:schemeClr val="lt1"/>
-          </a:fontRef>
-        </p:style>
-        <p:txBody>
-          <a:bodyPr rtlCol="0" anchor="ctr"/>
-          <a:lstStyle/>
-          <a:p>
-            <a:pPr algn="ctr"/>
-            <a:r>
-              <a:rPr lang="en-US" dirty="0" smtClean="0"/>
-              <a:t>network</a:t>
-            </a:r>
-            <a:endParaRPr lang="en-US" dirty="0"/>
-          </a:p>
-        </p:txBody>
-      </p:sp>
-      <p:sp>
-        <p:nvSpPr>
-          <p:cNvPr id="7" name="Ellipse 6"/>
-          <p:cNvSpPr/>
-          <p:nvPr/>
-        </p:nvSpPr>
-        <p:spPr>
-          <a:xfrm>
-            <a:off x="236070" y="3624540"/>
-            <a:ext cx="1168400" cy="304800"/>
-          </a:xfrm>
-          <a:prstGeom prst="ellipse">
-            <a:avLst/>
-          </a:prstGeom>
-        </p:spPr>
-        <p:style>
-          <a:lnRef idx="1">
-            <a:schemeClr val="accent1"/>
-          </a:lnRef>
-          <a:fillRef idx="3">
-            <a:schemeClr val="accent1"/>
-          </a:fillRef>
-          <a:effectRef idx="2">
-            <a:schemeClr val="accent1"/>
-          </a:effectRef>
-          <a:fontRef idx="minor">
-            <a:schemeClr val="lt1"/>
-          </a:fontRef>
-        </p:style>
-        <p:txBody>
-          <a:bodyPr rtlCol="0" anchor="ctr"/>
-          <a:lstStyle/>
-          <a:p>
-            <a:pPr algn="ctr"/>
-            <a:r>
-              <a:rPr lang="en-US" dirty="0" smtClean="0"/>
-              <a:t>name</a:t>
-            </a:r>
-            <a:endParaRPr lang="en-US" dirty="0"/>
-          </a:p>
-        </p:txBody>
-      </p:sp>
-      <p:sp>
-        <p:nvSpPr>
-          <p:cNvPr id="8" name="Ellipse 7"/>
-          <p:cNvSpPr/>
-          <p:nvPr/>
-        </p:nvSpPr>
-        <p:spPr>
-          <a:xfrm>
-            <a:off x="1703742" y="3624540"/>
-            <a:ext cx="1092200" cy="304800"/>
-          </a:xfrm>
-          <a:prstGeom prst="ellipse">
-            <a:avLst/>
-          </a:prstGeom>
-        </p:spPr>
-        <p:style>
-          <a:lnRef idx="1">
-            <a:schemeClr val="accent1"/>
-          </a:lnRef>
-          <a:fillRef idx="3">
-            <a:schemeClr val="accent1"/>
-          </a:fillRef>
-          <a:effectRef idx="2">
-            <a:schemeClr val="accent1"/>
-          </a:effectRef>
-          <a:fontRef idx="minor">
-            <a:schemeClr val="lt1"/>
-          </a:fontRef>
-        </p:style>
-        <p:txBody>
-          <a:bodyPr rtlCol="0" anchor="ctr"/>
-          <a:lstStyle/>
-          <a:p>
-            <a:pPr algn="ctr"/>
-            <a:r>
-              <a:rPr lang="en-US" dirty="0" err="1" smtClean="0"/>
-              <a:t>mtu</a:t>
-            </a:r>
-            <a:endParaRPr lang="en-US" dirty="0"/>
-          </a:p>
-        </p:txBody>
-      </p:sp>
-      <p:cxnSp>
-        <p:nvCxnSpPr>
-          <p:cNvPr id="9" name="Connecteur droit 8"/>
-          <p:cNvCxnSpPr>
-            <a:stCxn id="4" idx="4"/>
-            <a:endCxn id="5" idx="0"/>
-          </p:cNvCxnSpPr>
-          <p:nvPr/>
-        </p:nvCxnSpPr>
-        <p:spPr>
-          <a:xfrm rot="5400000">
-            <a:off x="1660263" y="1920947"/>
-            <a:ext cx="533400" cy="1044986"/>
-          </a:xfrm>
-          <a:prstGeom prst="line">
-            <a:avLst/>
-          </a:prstGeom>
-        </p:spPr>
-        <p:style>
-          <a:lnRef idx="2">
-            <a:schemeClr val="accent1"/>
-          </a:lnRef>
-          <a:fillRef idx="0">
-            <a:schemeClr val="accent1"/>
-          </a:fillRef>
-          <a:effectRef idx="1">
-            <a:schemeClr val="accent1"/>
-          </a:effectRef>
-          <a:fontRef idx="minor">
-            <a:schemeClr val="tx1"/>
-          </a:fontRef>
-        </p:style>
-      </p:cxnSp>
-      <p:cxnSp>
-        <p:nvCxnSpPr>
-          <p:cNvPr id="10" name="Connecteur droit 9"/>
-          <p:cNvCxnSpPr>
-            <a:stCxn id="4" idx="4"/>
-            <a:endCxn id="14" idx="0"/>
-          </p:cNvCxnSpPr>
-          <p:nvPr/>
-        </p:nvCxnSpPr>
-        <p:spPr>
-          <a:xfrm rot="16200000" flipH="1">
-            <a:off x="2629049" y="1997147"/>
-            <a:ext cx="685800" cy="1044986"/>
-          </a:xfrm>
-          <a:prstGeom prst="line">
-            <a:avLst/>
-          </a:prstGeom>
-        </p:spPr>
-        <p:style>
-          <a:lnRef idx="2">
-            <a:schemeClr val="accent1"/>
-          </a:lnRef>
-          <a:fillRef idx="0">
-            <a:schemeClr val="accent1"/>
-          </a:fillRef>
-          <a:effectRef idx="1">
-            <a:schemeClr val="accent1"/>
-          </a:effectRef>
-          <a:fontRef idx="minor">
-            <a:schemeClr val="tx1"/>
-          </a:fontRef>
-        </p:style>
-      </p:cxnSp>
-      <p:cxnSp>
-        <p:nvCxnSpPr>
-          <p:cNvPr id="11" name="Connecteur droit 10"/>
-          <p:cNvCxnSpPr>
-            <a:stCxn id="5" idx="4"/>
-            <a:endCxn id="7" idx="0"/>
-          </p:cNvCxnSpPr>
-          <p:nvPr/>
-        </p:nvCxnSpPr>
-        <p:spPr>
-          <a:xfrm rot="5400000">
-            <a:off x="807570" y="3027640"/>
-            <a:ext cx="609600" cy="584200"/>
-          </a:xfrm>
-          <a:prstGeom prst="line">
-            <a:avLst/>
-          </a:prstGeom>
-        </p:spPr>
-        <p:style>
-          <a:lnRef idx="2">
-            <a:schemeClr val="accent1"/>
-          </a:lnRef>
-          <a:fillRef idx="0">
-            <a:schemeClr val="accent1"/>
-          </a:fillRef>
-          <a:effectRef idx="1">
-            <a:schemeClr val="accent1"/>
-          </a:effectRef>
-          <a:fontRef idx="minor">
-            <a:schemeClr val="tx1"/>
-          </a:fontRef>
-        </p:style>
-      </p:cxnSp>
-      <p:cxnSp>
-        <p:nvCxnSpPr>
-          <p:cNvPr id="12" name="Connecteur droit 11"/>
-          <p:cNvCxnSpPr>
-            <a:stCxn id="5" idx="4"/>
-            <a:endCxn id="8" idx="0"/>
-          </p:cNvCxnSpPr>
-          <p:nvPr/>
-        </p:nvCxnSpPr>
-        <p:spPr>
-          <a:xfrm rot="16200000" flipH="1">
-            <a:off x="1522356" y="2897054"/>
-            <a:ext cx="609600" cy="845372"/>
-          </a:xfrm>
-          <a:prstGeom prst="line">
-            <a:avLst/>
-          </a:prstGeom>
-        </p:spPr>
-        <p:style>
-          <a:lnRef idx="2">
-            <a:schemeClr val="accent1"/>
-          </a:lnRef>
-          <a:fillRef idx="0">
-            <a:schemeClr val="accent1"/>
-          </a:fillRef>
-          <a:effectRef idx="1">
-            <a:schemeClr val="accent1"/>
-          </a:effectRef>
-          <a:fontRef idx="minor">
-            <a:schemeClr val="tx1"/>
-          </a:fontRef>
-        </p:style>
-      </p:cxnSp>
-      <p:cxnSp>
-        <p:nvCxnSpPr>
-          <p:cNvPr id="13" name="Connecteur droit 12"/>
-          <p:cNvCxnSpPr>
-            <a:stCxn id="6" idx="4"/>
-            <a:endCxn id="4" idx="0"/>
-          </p:cNvCxnSpPr>
-          <p:nvPr/>
-        </p:nvCxnSpPr>
-        <p:spPr>
-          <a:xfrm rot="16200000" flipH="1">
-            <a:off x="2152799" y="1575283"/>
-            <a:ext cx="533400" cy="59914"/>
-          </a:xfrm>
-          <a:prstGeom prst="line">
-            <a:avLst/>
-          </a:prstGeom>
-        </p:spPr>
-        <p:style>
-          <a:lnRef idx="2">
-            <a:schemeClr val="accent1"/>
-          </a:lnRef>
-          <a:fillRef idx="0">
-            <a:schemeClr val="accent1"/>
-          </a:fillRef>
-          <a:effectRef idx="1">
-            <a:schemeClr val="accent1"/>
-          </a:effectRef>
-          <a:fontRef idx="minor">
-            <a:schemeClr val="tx1"/>
-          </a:fontRef>
-        </p:style>
-      </p:cxnSp>
-      <p:sp>
-        <p:nvSpPr>
-          <p:cNvPr id="14" name="Ellipse 13"/>
-          <p:cNvSpPr/>
-          <p:nvPr/>
-        </p:nvSpPr>
-        <p:spPr>
-          <a:xfrm>
-            <a:off x="2719742" y="2862540"/>
-            <a:ext cx="1549400" cy="304800"/>
-          </a:xfrm>
-          <a:prstGeom prst="ellipse">
-            <a:avLst/>
-          </a:prstGeom>
-        </p:spPr>
-        <p:style>
-          <a:lnRef idx="1">
-            <a:schemeClr val="accent1"/>
-          </a:lnRef>
-          <a:fillRef idx="3">
-            <a:schemeClr val="accent1"/>
-          </a:fillRef>
-          <a:effectRef idx="2">
-            <a:schemeClr val="accent1"/>
-          </a:effectRef>
-          <a:fontRef idx="minor">
-            <a:schemeClr val="lt1"/>
-          </a:fontRef>
-        </p:style>
-        <p:txBody>
-          <a:bodyPr rtlCol="0" anchor="ctr"/>
-          <a:lstStyle/>
-          <a:p>
-            <a:pPr algn="ctr"/>
-            <a:r>
-              <a:rPr lang="en-US" dirty="0" smtClean="0"/>
-              <a:t>interface</a:t>
-            </a:r>
-            <a:endParaRPr lang="en-US" dirty="0"/>
-          </a:p>
-        </p:txBody>
-      </p:sp>
-      <p:sp>
-        <p:nvSpPr>
-          <p:cNvPr id="15" name="Pentagone 14"/>
-          <p:cNvSpPr/>
-          <p:nvPr/>
-        </p:nvSpPr>
-        <p:spPr>
-          <a:xfrm>
-            <a:off x="328556" y="4158734"/>
-            <a:ext cx="983428" cy="457200"/>
-          </a:xfrm>
-          <a:prstGeom prst="pentagon">
-            <a:avLst/>
-          </a:prstGeom>
-        </p:spPr>
-        <p:style>
-          <a:lnRef idx="1">
-            <a:schemeClr val="accent1"/>
-          </a:lnRef>
-          <a:fillRef idx="3">
-            <a:schemeClr val="accent1"/>
-          </a:fillRef>
-          <a:effectRef idx="2">
-            <a:schemeClr val="accent1"/>
-          </a:effectRef>
-          <a:fontRef idx="minor">
-            <a:schemeClr val="lt1"/>
-          </a:fontRef>
-        </p:style>
-        <p:txBody>
-          <a:bodyPr rtlCol="0" anchor="ctr"/>
-          <a:lstStyle/>
-          <a:p>
-            <a:pPr algn="ctr"/>
-            <a:r>
-              <a:rPr lang="en-US" dirty="0" smtClean="0"/>
-              <a:t>eth0</a:t>
-            </a:r>
-            <a:endParaRPr lang="en-US" dirty="0"/>
-          </a:p>
-        </p:txBody>
-      </p:sp>
-      <p:sp>
-        <p:nvSpPr>
-          <p:cNvPr id="16" name="Pentagone 15"/>
-          <p:cNvSpPr/>
-          <p:nvPr/>
-        </p:nvSpPr>
-        <p:spPr>
-          <a:xfrm>
-            <a:off x="1703742" y="4157940"/>
-            <a:ext cx="1092200" cy="457200"/>
-          </a:xfrm>
-          <a:prstGeom prst="pentagon">
-            <a:avLst/>
-          </a:prstGeom>
-        </p:spPr>
-        <p:style>
-          <a:lnRef idx="1">
-            <a:schemeClr val="accent1"/>
-          </a:lnRef>
-          <a:fillRef idx="3">
-            <a:schemeClr val="accent1"/>
-          </a:fillRef>
-          <a:effectRef idx="2">
-            <a:schemeClr val="accent1"/>
-          </a:effectRef>
-          <a:fontRef idx="minor">
-            <a:schemeClr val="lt1"/>
-          </a:fontRef>
-        </p:style>
-        <p:txBody>
-          <a:bodyPr rtlCol="0" anchor="ctr"/>
-          <a:lstStyle/>
-          <a:p>
-            <a:pPr algn="ctr"/>
-            <a:r>
-              <a:rPr lang="en-US" dirty="0" smtClean="0"/>
-              <a:t>1500</a:t>
-            </a:r>
-            <a:endParaRPr lang="en-US" dirty="0"/>
-          </a:p>
-        </p:txBody>
-      </p:sp>
-      <p:cxnSp>
-        <p:nvCxnSpPr>
-          <p:cNvPr id="17" name="Connecteur droit 16"/>
-          <p:cNvCxnSpPr>
-            <a:stCxn id="7" idx="4"/>
-            <a:endCxn id="15" idx="0"/>
-          </p:cNvCxnSpPr>
-          <p:nvPr/>
-        </p:nvCxnSpPr>
-        <p:spPr>
-          <a:xfrm rot="5400000">
-            <a:off x="705573" y="4044037"/>
-            <a:ext cx="229394" cy="1588"/>
-          </a:xfrm>
-          <a:prstGeom prst="line">
-            <a:avLst/>
-          </a:prstGeom>
-        </p:spPr>
-        <p:style>
-          <a:lnRef idx="2">
-            <a:schemeClr val="accent1"/>
-          </a:lnRef>
-          <a:fillRef idx="0">
-            <a:schemeClr val="accent1"/>
-          </a:fillRef>
-          <a:effectRef idx="1">
-            <a:schemeClr val="accent1"/>
-          </a:effectRef>
-          <a:fontRef idx="minor">
-            <a:schemeClr val="tx1"/>
-          </a:fontRef>
-        </p:style>
-      </p:cxnSp>
-      <p:cxnSp>
-        <p:nvCxnSpPr>
-          <p:cNvPr id="18" name="Connecteur droit 17"/>
-          <p:cNvCxnSpPr>
-            <a:stCxn id="8" idx="4"/>
-            <a:endCxn id="16" idx="0"/>
-          </p:cNvCxnSpPr>
-          <p:nvPr/>
-        </p:nvCxnSpPr>
-        <p:spPr>
-          <a:xfrm rot="5400000">
-            <a:off x="2135542" y="4043640"/>
-            <a:ext cx="228600" cy="1588"/>
-          </a:xfrm>
-          <a:prstGeom prst="line">
-            <a:avLst/>
-          </a:prstGeom>
-        </p:spPr>
-        <p:style>
-          <a:lnRef idx="2">
-            <a:schemeClr val="accent1"/>
-          </a:lnRef>
-          <a:fillRef idx="0">
-            <a:schemeClr val="accent1"/>
-          </a:fillRef>
-          <a:effectRef idx="1">
-            <a:schemeClr val="accent1"/>
-          </a:effectRef>
-          <a:fontRef idx="minor">
-            <a:schemeClr val="tx1"/>
-          </a:fontRef>
-        </p:style>
-      </p:cxnSp>
-      <p:sp>
-        <p:nvSpPr>
-          <p:cNvPr id="19" name="ZoneTexte 18"/>
-          <p:cNvSpPr txBox="1"/>
-          <p:nvPr/>
-        </p:nvSpPr>
-        <p:spPr>
-          <a:xfrm>
-            <a:off x="2277436" y="2525474"/>
-            <a:ext cx="344039" cy="369332"/>
-          </a:xfrm>
-          <a:prstGeom prst="rect">
-            <a:avLst/>
-          </a:prstGeom>
-          <a:noFill/>
-        </p:spPr>
-        <p:txBody>
-          <a:bodyPr wrap="none" rtlCol="0">
-            <a:spAutoFit/>
-          </a:bodyPr>
-          <a:lstStyle/>
-          <a:p>
-            <a:r>
-              <a:rPr lang="en-US" dirty="0" smtClean="0"/>
-              <a:t>…</a:t>
-            </a:r>
-            <a:endParaRPr lang="en-US" dirty="0"/>
-          </a:p>
-        </p:txBody>
-      </p:sp>
-      <p:sp>
-        <p:nvSpPr>
-          <p:cNvPr id="20" name="ZoneTexte 19"/>
-          <p:cNvSpPr txBox="1"/>
-          <p:nvPr/>
-        </p:nvSpPr>
-        <p:spPr>
-          <a:xfrm>
-            <a:off x="3494442" y="3624540"/>
-            <a:ext cx="344039" cy="369332"/>
-          </a:xfrm>
-          <a:prstGeom prst="rect">
-            <a:avLst/>
-          </a:prstGeom>
-          <a:noFill/>
-        </p:spPr>
-        <p:txBody>
-          <a:bodyPr wrap="none" rtlCol="0">
-            <a:spAutoFit/>
-          </a:bodyPr>
-          <a:lstStyle/>
-          <a:p>
-            <a:r>
-              <a:rPr lang="en-US" dirty="0" smtClean="0"/>
-              <a:t>…</a:t>
-            </a:r>
-            <a:endParaRPr lang="en-US" dirty="0"/>
-          </a:p>
-        </p:txBody>
-      </p:sp>
-      <p:sp>
-        <p:nvSpPr>
-          <p:cNvPr id="21" name="Ellipse 20"/>
-          <p:cNvSpPr/>
-          <p:nvPr/>
-        </p:nvSpPr>
-        <p:spPr>
-          <a:xfrm>
-            <a:off x="2033942" y="271740"/>
-            <a:ext cx="1371600" cy="304800"/>
-          </a:xfrm>
-          <a:prstGeom prst="ellipse">
-            <a:avLst/>
-          </a:prstGeom>
-        </p:spPr>
-        <p:style>
-          <a:lnRef idx="1">
-            <a:schemeClr val="accent1"/>
-          </a:lnRef>
-          <a:fillRef idx="3">
-            <a:schemeClr val="accent1"/>
-          </a:fillRef>
-          <a:effectRef idx="2">
-            <a:schemeClr val="accent1"/>
-          </a:effectRef>
-          <a:fontRef idx="minor">
-            <a:schemeClr val="lt1"/>
-          </a:fontRef>
-        </p:style>
-        <p:txBody>
-          <a:bodyPr rtlCol="0" anchor="ctr"/>
-          <a:lstStyle/>
-          <a:p>
-            <a:pPr algn="ctr"/>
-            <a:r>
-              <a:rPr lang="fr-FR" dirty="0" smtClean="0"/>
-              <a:t>NETCONF</a:t>
-            </a:r>
-            <a:endParaRPr lang="en-US" dirty="0"/>
-          </a:p>
-        </p:txBody>
-      </p:sp>
-      <p:cxnSp>
-        <p:nvCxnSpPr>
-          <p:cNvPr id="22" name="Connecteur droit 21"/>
-          <p:cNvCxnSpPr>
-            <a:stCxn id="21" idx="4"/>
-            <a:endCxn id="6" idx="0"/>
-          </p:cNvCxnSpPr>
-          <p:nvPr/>
-        </p:nvCxnSpPr>
-        <p:spPr>
-          <a:xfrm rot="5400000">
-            <a:off x="2326042" y="640040"/>
-            <a:ext cx="457200" cy="330200"/>
-          </a:xfrm>
-          <a:prstGeom prst="line">
-            <a:avLst/>
-          </a:prstGeom>
-        </p:spPr>
-        <p:style>
-          <a:lnRef idx="2">
-            <a:schemeClr val="accent1"/>
-          </a:lnRef>
-          <a:fillRef idx="0">
-            <a:schemeClr val="accent1"/>
-          </a:fillRef>
-          <a:effectRef idx="1">
-            <a:schemeClr val="accent1"/>
-          </a:effectRef>
-          <a:fontRef idx="minor">
-            <a:schemeClr val="tx1"/>
-          </a:fontRef>
-        </p:style>
-      </p:cxnSp>
-      <p:sp>
-        <p:nvSpPr>
-          <p:cNvPr id="23" name="ZoneTexte 22"/>
-          <p:cNvSpPr txBox="1"/>
-          <p:nvPr/>
-        </p:nvSpPr>
-        <p:spPr>
-          <a:xfrm>
-            <a:off x="2451903" y="1382474"/>
-            <a:ext cx="344039" cy="369332"/>
-          </a:xfrm>
-          <a:prstGeom prst="rect">
-            <a:avLst/>
-          </a:prstGeom>
-          <a:noFill/>
-        </p:spPr>
-        <p:txBody>
-          <a:bodyPr wrap="none" rtlCol="0">
-            <a:spAutoFit/>
-          </a:bodyPr>
-          <a:lstStyle/>
-          <a:p>
-            <a:r>
-              <a:rPr lang="en-US" dirty="0" smtClean="0"/>
-              <a:t>…</a:t>
-            </a:r>
-            <a:endParaRPr lang="en-US" dirty="0"/>
-          </a:p>
-        </p:txBody>
-      </p:sp>
-      <p:sp>
-        <p:nvSpPr>
-          <p:cNvPr id="24" name="ZoneTexte 23"/>
-          <p:cNvSpPr txBox="1"/>
-          <p:nvPr/>
-        </p:nvSpPr>
-        <p:spPr>
-          <a:xfrm>
-            <a:off x="2623922" y="576540"/>
-            <a:ext cx="344039" cy="369332"/>
-          </a:xfrm>
-          <a:prstGeom prst="rect">
-            <a:avLst/>
-          </a:prstGeom>
-          <a:noFill/>
-        </p:spPr>
-        <p:txBody>
-          <a:bodyPr wrap="none" rtlCol="0">
-            <a:spAutoFit/>
-          </a:bodyPr>
-          <a:lstStyle/>
-          <a:p>
-            <a:r>
-              <a:rPr lang="en-US" dirty="0" smtClean="0"/>
-              <a:t>…</a:t>
-            </a:r>
-            <a:endParaRPr lang="en-US" dirty="0"/>
-          </a:p>
-        </p:txBody>
-      </p:sp>
-      <p:sp>
-        <p:nvSpPr>
-          <p:cNvPr id="25" name="Espace réservé du numéro de diapositive 24"/>
-          <p:cNvSpPr>
-            <a:spLocks noGrp="1"/>
-          </p:cNvSpPr>
-          <p:nvPr>
-            <p:ph type="sldNum" sz="quarter" idx="12"/>
-          </p:nvPr>
-        </p:nvSpPr>
-        <p:spPr/>
-        <p:txBody>
-          <a:bodyPr/>
-          <a:lstStyle/>
-          <a:p>
-            <a:fld id="{339A7AB0-D0CE-A343-B5B6-64AAD55F6591}" type="slidenum">
-              <a:rPr lang="fr-FR" smtClean="0"/>
-              <a:pPr/>
-              <a:t>21</a:t>
-            </a:fld>
-            <a:endParaRPr lang="fr-FR"/>
-          </a:p>
-        </p:txBody>
-      </p:sp>
-    </p:spTree>
-  </p:cSld>
-  <p:clrMapOvr>
-    <a:masterClrMapping/>
-  </p:clrMapOvr>
 </p:sld>
 </file>
 
